--- a/开题.pptx
+++ b/开题.pptx
@@ -18,26 +18,26 @@
     <p:sldId id="342" r:id="rId9"/>
     <p:sldId id="340" r:id="rId10"/>
     <p:sldId id="343" r:id="rId11"/>
-    <p:sldId id="320" r:id="rId12"/>
-    <p:sldId id="321" r:id="rId13"/>
-    <p:sldId id="322" r:id="rId14"/>
-    <p:sldId id="323" r:id="rId15"/>
-    <p:sldId id="324" r:id="rId16"/>
-    <p:sldId id="325" r:id="rId17"/>
+    <p:sldId id="324" r:id="rId12"/>
+    <p:sldId id="325" r:id="rId13"/>
+    <p:sldId id="320" r:id="rId14"/>
+    <p:sldId id="321" r:id="rId15"/>
+    <p:sldId id="322" r:id="rId16"/>
+    <p:sldId id="323" r:id="rId17"/>
     <p:sldId id="326" r:id="rId18"/>
     <p:sldId id="327" r:id="rId19"/>
     <p:sldId id="329" r:id="rId20"/>
-    <p:sldId id="328" r:id="rId21"/>
-    <p:sldId id="330" r:id="rId22"/>
-    <p:sldId id="331" r:id="rId23"/>
-    <p:sldId id="332" r:id="rId24"/>
-    <p:sldId id="333" r:id="rId25"/>
-    <p:sldId id="334" r:id="rId26"/>
-    <p:sldId id="335" r:id="rId27"/>
-    <p:sldId id="336" r:id="rId28"/>
-    <p:sldId id="337" r:id="rId29"/>
-    <p:sldId id="338" r:id="rId30"/>
-    <p:sldId id="339" r:id="rId31"/>
+    <p:sldId id="330" r:id="rId21"/>
+    <p:sldId id="331" r:id="rId22"/>
+    <p:sldId id="332" r:id="rId23"/>
+    <p:sldId id="333" r:id="rId24"/>
+    <p:sldId id="334" r:id="rId25"/>
+    <p:sldId id="335" r:id="rId26"/>
+    <p:sldId id="336" r:id="rId27"/>
+    <p:sldId id="337" r:id="rId28"/>
+    <p:sldId id="338" r:id="rId29"/>
+    <p:sldId id="339" r:id="rId30"/>
+    <p:sldId id="328" r:id="rId31"/>
   </p:sldIdLst>
   <p:sldSz cx="12192000" cy="6858000"/>
   <p:notesSz cx="6858000" cy="9144000"/>
@@ -226,7 +226,7 @@
           <a:p>
             <a:fld id="{B0C5499A-E137-45CD-ACE3-F044CB7CD816}" type="datetimeFigureOut">
               <a:rPr lang="zh-CN" altLang="en-US" smtClean="0"/>
-              <a:t>2023/11/26</a:t>
+              <a:t>2023/11/27</a:t>
             </a:fld>
             <a:endParaRPr lang="zh-CN" altLang="en-US"/>
           </a:p>
@@ -888,7 +888,7 @@
           <a:p>
             <a:fld id="{A9F4CA5D-05E9-4925-A779-A8ED914EAD44}" type="datetimeFigureOut">
               <a:rPr lang="zh-CN" altLang="en-US" smtClean="0"/>
-              <a:t>2023/11/26</a:t>
+              <a:t>2023/11/27</a:t>
             </a:fld>
             <a:endParaRPr lang="zh-CN" altLang="en-US"/>
           </a:p>
@@ -1086,7 +1086,7 @@
           <a:p>
             <a:fld id="{A9F4CA5D-05E9-4925-A779-A8ED914EAD44}" type="datetimeFigureOut">
               <a:rPr lang="zh-CN" altLang="en-US" smtClean="0"/>
-              <a:t>2023/11/26</a:t>
+              <a:t>2023/11/27</a:t>
             </a:fld>
             <a:endParaRPr lang="zh-CN" altLang="en-US"/>
           </a:p>
@@ -1294,7 +1294,7 @@
           <a:p>
             <a:fld id="{A9F4CA5D-05E9-4925-A779-A8ED914EAD44}" type="datetimeFigureOut">
               <a:rPr lang="zh-CN" altLang="en-US" smtClean="0"/>
-              <a:t>2023/11/26</a:t>
+              <a:t>2023/11/27</a:t>
             </a:fld>
             <a:endParaRPr lang="zh-CN" altLang="en-US"/>
           </a:p>
@@ -1492,7 +1492,7 @@
           <a:p>
             <a:fld id="{A9F4CA5D-05E9-4925-A779-A8ED914EAD44}" type="datetimeFigureOut">
               <a:rPr lang="zh-CN" altLang="en-US" smtClean="0"/>
-              <a:t>2023/11/26</a:t>
+              <a:t>2023/11/27</a:t>
             </a:fld>
             <a:endParaRPr lang="zh-CN" altLang="en-US"/>
           </a:p>
@@ -1767,7 +1767,7 @@
           <a:p>
             <a:fld id="{A9F4CA5D-05E9-4925-A779-A8ED914EAD44}" type="datetimeFigureOut">
               <a:rPr lang="zh-CN" altLang="en-US" smtClean="0"/>
-              <a:t>2023/11/26</a:t>
+              <a:t>2023/11/27</a:t>
             </a:fld>
             <a:endParaRPr lang="zh-CN" altLang="en-US"/>
           </a:p>
@@ -2032,7 +2032,7 @@
           <a:p>
             <a:fld id="{A9F4CA5D-05E9-4925-A779-A8ED914EAD44}" type="datetimeFigureOut">
               <a:rPr lang="zh-CN" altLang="en-US" smtClean="0"/>
-              <a:t>2023/11/26</a:t>
+              <a:t>2023/11/27</a:t>
             </a:fld>
             <a:endParaRPr lang="zh-CN" altLang="en-US"/>
           </a:p>
@@ -2444,7 +2444,7 @@
           <a:p>
             <a:fld id="{A9F4CA5D-05E9-4925-A779-A8ED914EAD44}" type="datetimeFigureOut">
               <a:rPr lang="zh-CN" altLang="en-US" smtClean="0"/>
-              <a:t>2023/11/26</a:t>
+              <a:t>2023/11/27</a:t>
             </a:fld>
             <a:endParaRPr lang="zh-CN" altLang="en-US"/>
           </a:p>
@@ -2585,7 +2585,7 @@
           <a:p>
             <a:fld id="{A9F4CA5D-05E9-4925-A779-A8ED914EAD44}" type="datetimeFigureOut">
               <a:rPr lang="zh-CN" altLang="en-US" smtClean="0"/>
-              <a:t>2023/11/26</a:t>
+              <a:t>2023/11/27</a:t>
             </a:fld>
             <a:endParaRPr lang="zh-CN" altLang="en-US"/>
           </a:p>
@@ -2698,7 +2698,7 @@
           <a:p>
             <a:fld id="{A9F4CA5D-05E9-4925-A779-A8ED914EAD44}" type="datetimeFigureOut">
               <a:rPr lang="zh-CN" altLang="en-US" smtClean="0"/>
-              <a:t>2023/11/26</a:t>
+              <a:t>2023/11/27</a:t>
             </a:fld>
             <a:endParaRPr lang="zh-CN" altLang="en-US"/>
           </a:p>
@@ -3009,7 +3009,7 @@
           <a:p>
             <a:fld id="{A9F4CA5D-05E9-4925-A779-A8ED914EAD44}" type="datetimeFigureOut">
               <a:rPr lang="zh-CN" altLang="en-US" smtClean="0"/>
-              <a:t>2023/11/26</a:t>
+              <a:t>2023/11/27</a:t>
             </a:fld>
             <a:endParaRPr lang="zh-CN" altLang="en-US"/>
           </a:p>
@@ -3300,7 +3300,7 @@
           <a:p>
             <a:fld id="{A9F4CA5D-05E9-4925-A779-A8ED914EAD44}" type="datetimeFigureOut">
               <a:rPr lang="zh-CN" altLang="en-US" smtClean="0"/>
-              <a:t>2023/11/26</a:t>
+              <a:t>2023/11/27</a:t>
             </a:fld>
             <a:endParaRPr lang="zh-CN" altLang="en-US"/>
           </a:p>
@@ -3541,7 +3541,7 @@
           <a:p>
             <a:fld id="{A9F4CA5D-05E9-4925-A779-A8ED914EAD44}" type="datetimeFigureOut">
               <a:rPr lang="zh-CN" altLang="en-US" smtClean="0"/>
-              <a:t>2023/11/26</a:t>
+              <a:t>2023/11/27</a:t>
             </a:fld>
             <a:endParaRPr lang="zh-CN" altLang="en-US"/>
           </a:p>
@@ -4818,90 +4818,12 @@
           </a:p>
         </p:txBody>
       </p:sp>
-      <p:sp>
-        <p:nvSpPr>
-          <p:cNvPr id="3" name="文本框 2">
+      <p:pic>
+        <p:nvPicPr>
+          <p:cNvPr id="4" name="图片 3">
             <a:extLst>
               <a:ext uri="{FF2B5EF4-FFF2-40B4-BE49-F238E27FC236}">
-                <a16:creationId xmlns:a16="http://schemas.microsoft.com/office/drawing/2014/main" id="{E6DD75AC-D6CC-7612-05A8-4D41F288DFCD}"/>
-              </a:ext>
-            </a:extLst>
-          </p:cNvPr>
-          <p:cNvSpPr txBox="1"/>
-          <p:nvPr/>
-        </p:nvSpPr>
-        <p:spPr>
-          <a:xfrm>
-            <a:off x="300675" y="100513"/>
-            <a:ext cx="4064000" cy="646331"/>
-          </a:xfrm>
-          <a:prstGeom prst="rect">
-            <a:avLst/>
-          </a:prstGeom>
-          <a:noFill/>
-        </p:spPr>
-        <p:txBody>
-          <a:bodyPr wrap="square" rtlCol="0">
-            <a:spAutoFit/>
-          </a:bodyPr>
-          <a:lstStyle/>
-          <a:p>
-            <a:r>
-              <a:rPr lang="zh-CN" altLang="en-US" sz="3600" dirty="0"/>
-              <a:t>研究现状</a:t>
-            </a:r>
-          </a:p>
-        </p:txBody>
-      </p:sp>
-      <p:sp>
-        <p:nvSpPr>
-          <p:cNvPr id="6" name="文本框 5">
-            <a:extLst>
-              <a:ext uri="{FF2B5EF4-FFF2-40B4-BE49-F238E27FC236}">
-                <a16:creationId xmlns:a16="http://schemas.microsoft.com/office/drawing/2014/main" id="{92074D0C-214B-B1F8-F5C3-B605AAD2E356}"/>
-              </a:ext>
-            </a:extLst>
-          </p:cNvPr>
-          <p:cNvSpPr txBox="1"/>
-          <p:nvPr/>
-        </p:nvSpPr>
-        <p:spPr>
-          <a:xfrm>
-            <a:off x="298654" y="714075"/>
-            <a:ext cx="6096000" cy="940579"/>
-          </a:xfrm>
-          <a:prstGeom prst="rect">
-            <a:avLst/>
-          </a:prstGeom>
-          <a:noFill/>
-        </p:spPr>
-        <p:txBody>
-          <a:bodyPr wrap="square">
-            <a:spAutoFit/>
-          </a:bodyPr>
-          <a:lstStyle/>
-          <a:p>
-            <a:pPr marL="571500" indent="-571500">
-              <a:lnSpc>
-                <a:spcPct val="200000"/>
-              </a:lnSpc>
-              <a:buFont typeface="Arial" panose="020B0604020202020204" pitchFamily="34" charset="0"/>
-              <a:buChar char="•"/>
-            </a:pPr>
-            <a:r>
-              <a:rPr lang="zh-CN" altLang="en-US" sz="3200" dirty="0"/>
-              <a:t>数据操纵</a:t>
-            </a:r>
-            <a:endParaRPr lang="en-US" altLang="zh-CN" sz="3200" dirty="0"/>
-          </a:p>
-        </p:txBody>
-      </p:sp>
-      <p:pic>
-        <p:nvPicPr>
-          <p:cNvPr id="9" name="图片 8">
-            <a:extLst>
-              <a:ext uri="{FF2B5EF4-FFF2-40B4-BE49-F238E27FC236}">
-                <a16:creationId xmlns:a16="http://schemas.microsoft.com/office/drawing/2014/main" id="{8C211044-D679-99FA-975E-BED10FB36D57}"/>
+                <a16:creationId xmlns:a16="http://schemas.microsoft.com/office/drawing/2014/main" id="{7BD8A8F8-83B2-4354-726F-4E56E99BE400}"/>
               </a:ext>
             </a:extLst>
           </p:cNvPr>
@@ -4918,18 +4840,63 @@
         </p:blipFill>
         <p:spPr>
           <a:xfrm>
-            <a:off x="4127487" y="902176"/>
-            <a:ext cx="7152368" cy="5885879"/>
+            <a:off x="2516640" y="2902964"/>
+            <a:ext cx="8334375" cy="3819525"/>
           </a:xfrm>
           <a:prstGeom prst="rect">
             <a:avLst/>
           </a:prstGeom>
         </p:spPr>
       </p:pic>
+      <p:sp>
+        <p:nvSpPr>
+          <p:cNvPr id="5" name="文本框 4">
+            <a:extLst>
+              <a:ext uri="{FF2B5EF4-FFF2-40B4-BE49-F238E27FC236}">
+                <a16:creationId xmlns:a16="http://schemas.microsoft.com/office/drawing/2014/main" id="{4F6BD4C8-03CD-493C-D1AC-C3BECE99D314}"/>
+              </a:ext>
+            </a:extLst>
+          </p:cNvPr>
+          <p:cNvSpPr txBox="1"/>
+          <p:nvPr/>
+        </p:nvSpPr>
+        <p:spPr>
+          <a:xfrm>
+            <a:off x="914400" y="1219200"/>
+            <a:ext cx="6858000" cy="923330"/>
+          </a:xfrm>
+          <a:prstGeom prst="rect">
+            <a:avLst/>
+          </a:prstGeom>
+          <a:noFill/>
+        </p:spPr>
+        <p:txBody>
+          <a:bodyPr wrap="square" rtlCol="0">
+            <a:spAutoFit/>
+          </a:bodyPr>
+          <a:lstStyle/>
+          <a:p>
+            <a:r>
+              <a:rPr lang="zh-CN" altLang="en-US" dirty="0"/>
+              <a:t>数据操纵</a:t>
+            </a:r>
+            <a:endParaRPr lang="en-US" altLang="zh-CN" dirty="0"/>
+          </a:p>
+          <a:p>
+            <a:endParaRPr lang="en-US" altLang="zh-CN" dirty="0"/>
+          </a:p>
+          <a:p>
+            <a:r>
+              <a:rPr lang="zh-CN" altLang="en-US" dirty="0"/>
+              <a:t>训练数据的数量和质量是域泛化的关键因素之一</a:t>
+            </a:r>
+          </a:p>
+        </p:txBody>
+      </p:sp>
     </p:spTree>
     <p:extLst>
       <p:ext uri="{BB962C8B-B14F-4D97-AF65-F5344CB8AC3E}">
-        <p14:creationId xmlns:p14="http://schemas.microsoft.com/office/powerpoint/2010/main" val="2524502693"/>
+        <p14:creationId xmlns:p14="http://schemas.microsoft.com/office/powerpoint/2010/main" val="1177247411"/>
       </p:ext>
     </p:extLst>
   </p:cSld>
@@ -5151,45 +5118,40 @@
           </a:p>
         </p:txBody>
       </p:sp>
-      <p:sp>
-        <p:nvSpPr>
-          <p:cNvPr id="5" name="文本框 4">
+      <p:pic>
+        <p:nvPicPr>
+          <p:cNvPr id="4" name="图片 3">
             <a:extLst>
               <a:ext uri="{FF2B5EF4-FFF2-40B4-BE49-F238E27FC236}">
-                <a16:creationId xmlns:a16="http://schemas.microsoft.com/office/drawing/2014/main" id="{667BFDB5-C9B6-DF5A-72E2-520159D36C97}"/>
+                <a16:creationId xmlns:a16="http://schemas.microsoft.com/office/drawing/2014/main" id="{CB41C147-8896-FA97-DC50-9F47E223BAD8}"/>
               </a:ext>
             </a:extLst>
           </p:cNvPr>
-          <p:cNvSpPr txBox="1"/>
+          <p:cNvPicPr>
+            <a:picLocks noChangeAspect="1"/>
+          </p:cNvPicPr>
           <p:nvPr/>
-        </p:nvSpPr>
+        </p:nvPicPr>
+        <p:blipFill>
+          <a:blip r:embed="rId4"/>
+          <a:stretch>
+            <a:fillRect/>
+          </a:stretch>
+        </p:blipFill>
         <p:spPr>
           <a:xfrm>
-            <a:off x="1953491" y="1350233"/>
-            <a:ext cx="3917373" cy="369332"/>
+            <a:off x="521465" y="3348429"/>
+            <a:ext cx="11149069" cy="3374060"/>
           </a:xfrm>
           <a:prstGeom prst="rect">
             <a:avLst/>
           </a:prstGeom>
-          <a:noFill/>
         </p:spPr>
-        <p:txBody>
-          <a:bodyPr wrap="square" rtlCol="0">
-            <a:spAutoFit/>
-          </a:bodyPr>
-          <a:lstStyle/>
-          <a:p>
-            <a:r>
-              <a:rPr lang="zh-CN" altLang="en-US" dirty="0"/>
-              <a:t>域不变表征学习</a:t>
-            </a:r>
-          </a:p>
-        </p:txBody>
-      </p:sp>
+      </p:pic>
     </p:spTree>
     <p:extLst>
       <p:ext uri="{BB962C8B-B14F-4D97-AF65-F5344CB8AC3E}">
-        <p14:creationId xmlns:p14="http://schemas.microsoft.com/office/powerpoint/2010/main" val="3493924505"/>
+        <p14:creationId xmlns:p14="http://schemas.microsoft.com/office/powerpoint/2010/main" val="900507821"/>
       </p:ext>
     </p:extLst>
   </p:cSld>
@@ -5416,7 +5378,7 @@
           <p:cNvPr id="3" name="文本框 2">
             <a:extLst>
               <a:ext uri="{FF2B5EF4-FFF2-40B4-BE49-F238E27FC236}">
-                <a16:creationId xmlns:a16="http://schemas.microsoft.com/office/drawing/2014/main" id="{46A03C8F-448C-92D8-F22F-28CE8C9873B3}"/>
+                <a16:creationId xmlns:a16="http://schemas.microsoft.com/office/drawing/2014/main" id="{E6DD75AC-D6CC-7612-05A8-4D41F288DFCD}"/>
               </a:ext>
             </a:extLst>
           </p:cNvPr>
@@ -5425,8 +5387,8 @@
         </p:nvSpPr>
         <p:spPr>
           <a:xfrm>
-            <a:off x="3722945" y="2676343"/>
-            <a:ext cx="4190305" cy="1015663"/>
+            <a:off x="300675" y="100513"/>
+            <a:ext cx="4064000" cy="646331"/>
           </a:xfrm>
           <a:prstGeom prst="rect">
             <a:avLst/>
@@ -5440,24 +5402,89 @@
           <a:lstStyle/>
           <a:p>
             <a:r>
-              <a:rPr lang="zh-CN" altLang="en-US" sz="6000" dirty="0"/>
-              <a:t>三</a:t>
-            </a:r>
-            <a:r>
-              <a:rPr lang="en-US" altLang="zh-CN" sz="6000" dirty="0"/>
-              <a:t>.</a:t>
-            </a:r>
-            <a:r>
-              <a:rPr lang="zh-CN" altLang="en-US" sz="6000" dirty="0"/>
-              <a:t>研究内容</a:t>
+              <a:rPr lang="zh-CN" altLang="en-US" sz="3600" dirty="0"/>
+              <a:t>研究现状</a:t>
             </a:r>
           </a:p>
         </p:txBody>
       </p:sp>
+      <p:sp>
+        <p:nvSpPr>
+          <p:cNvPr id="6" name="文本框 5">
+            <a:extLst>
+              <a:ext uri="{FF2B5EF4-FFF2-40B4-BE49-F238E27FC236}">
+                <a16:creationId xmlns:a16="http://schemas.microsoft.com/office/drawing/2014/main" id="{92074D0C-214B-B1F8-F5C3-B605AAD2E356}"/>
+              </a:ext>
+            </a:extLst>
+          </p:cNvPr>
+          <p:cNvSpPr txBox="1"/>
+          <p:nvPr/>
+        </p:nvSpPr>
+        <p:spPr>
+          <a:xfrm>
+            <a:off x="298654" y="714075"/>
+            <a:ext cx="6096000" cy="940579"/>
+          </a:xfrm>
+          <a:prstGeom prst="rect">
+            <a:avLst/>
+          </a:prstGeom>
+          <a:noFill/>
+        </p:spPr>
+        <p:txBody>
+          <a:bodyPr wrap="square">
+            <a:spAutoFit/>
+          </a:bodyPr>
+          <a:lstStyle/>
+          <a:p>
+            <a:pPr marL="571500" indent="-571500">
+              <a:lnSpc>
+                <a:spcPct val="200000"/>
+              </a:lnSpc>
+              <a:buFont typeface="Arial" panose="020B0604020202020204" pitchFamily="34" charset="0"/>
+              <a:buChar char="•"/>
+            </a:pPr>
+            <a:r>
+              <a:rPr lang="zh-CN" altLang="en-US" sz="3200" dirty="0"/>
+              <a:t>数据操纵</a:t>
+            </a:r>
+            <a:endParaRPr lang="en-US" altLang="zh-CN" sz="3200" dirty="0"/>
+          </a:p>
+        </p:txBody>
+      </p:sp>
+      <p:pic>
+        <p:nvPicPr>
+          <p:cNvPr id="9" name="图片 8">
+            <a:extLst>
+              <a:ext uri="{FF2B5EF4-FFF2-40B4-BE49-F238E27FC236}">
+                <a16:creationId xmlns:a16="http://schemas.microsoft.com/office/drawing/2014/main" id="{8C211044-D679-99FA-975E-BED10FB36D57}"/>
+              </a:ext>
+            </a:extLst>
+          </p:cNvPr>
+          <p:cNvPicPr>
+            <a:picLocks noChangeAspect="1"/>
+          </p:cNvPicPr>
+          <p:nvPr/>
+        </p:nvPicPr>
+        <p:blipFill>
+          <a:blip r:embed="rId4"/>
+          <a:stretch>
+            <a:fillRect/>
+          </a:stretch>
+        </p:blipFill>
+        <p:spPr>
+          <a:xfrm>
+            <a:off x="4127487" y="902176"/>
+            <a:ext cx="7152368" cy="5885879"/>
+          </a:xfrm>
+          <a:prstGeom prst="rect">
+            <a:avLst/>
+          </a:prstGeom>
+        </p:spPr>
+      </p:pic>
     </p:spTree>
     <p:extLst>
       <p:ext uri="{BB962C8B-B14F-4D97-AF65-F5344CB8AC3E}">
-        <p14:creationId xmlns:p14="http://schemas.microsoft.com/office/powerpoint/2010/main" val="2126234544"/>
+        <p14:creationId xmlns:p14="http://schemas.microsoft.com/office/powerpoint/2010/main" val="2524502693"/>
       </p:ext>
     </p:extLst>
   </p:cSld>
@@ -5681,10 +5708,10 @@
       </p:sp>
       <p:sp>
         <p:nvSpPr>
-          <p:cNvPr id="3" name="文本框 2">
+          <p:cNvPr id="5" name="文本框 4">
             <a:extLst>
               <a:ext uri="{FF2B5EF4-FFF2-40B4-BE49-F238E27FC236}">
-                <a16:creationId xmlns:a16="http://schemas.microsoft.com/office/drawing/2014/main" id="{5B3DE060-B3B0-3AAA-6B12-18C2F2B6C37A}"/>
+                <a16:creationId xmlns:a16="http://schemas.microsoft.com/office/drawing/2014/main" id="{667BFDB5-C9B6-DF5A-72E2-520159D36C97}"/>
               </a:ext>
             </a:extLst>
           </p:cNvPr>
@@ -5693,8 +5720,8 @@
         </p:nvSpPr>
         <p:spPr>
           <a:xfrm>
-            <a:off x="1187449" y="1681843"/>
-            <a:ext cx="6895193" cy="1200329"/>
+            <a:off x="1953491" y="1350233"/>
+            <a:ext cx="3917373" cy="369332"/>
           </a:xfrm>
           <a:prstGeom prst="rect">
             <a:avLst/>
@@ -5708,27 +5735,8 @@
           <a:lstStyle/>
           <a:p>
             <a:r>
-              <a:rPr lang="en-US" altLang="zh-CN" sz="2400" dirty="0"/>
-              <a:t>1.</a:t>
-            </a:r>
-            <a:r>
-              <a:rPr lang="zh-CN" altLang="en-US" sz="2400" dirty="0"/>
-              <a:t>基于数据增强的</a:t>
-            </a:r>
-            <a:r>
-              <a:rPr lang="en-US" altLang="zh-CN" sz="2400" dirty="0"/>
-              <a:t>CT-MR</a:t>
-            </a:r>
-            <a:r>
-              <a:rPr lang="zh-CN" altLang="en-US" sz="2400" dirty="0"/>
-              <a:t>域泛化方法</a:t>
-            </a:r>
-            <a:endParaRPr lang="en-US" altLang="zh-CN" sz="2400" dirty="0"/>
-          </a:p>
-          <a:p>
-            <a:r>
-              <a:rPr lang="zh-CN" altLang="en-US" sz="2400" dirty="0"/>
-              <a:t>数据增强作为数据操控方法的一种，能够以低成本简单地提升模型的泛化能力</a:t>
+              <a:rPr lang="zh-CN" altLang="en-US" dirty="0"/>
+              <a:t>域不变表征学习</a:t>
             </a:r>
           </a:p>
         </p:txBody>
@@ -5736,7 +5744,7 @@
     </p:spTree>
     <p:extLst>
       <p:ext uri="{BB962C8B-B14F-4D97-AF65-F5344CB8AC3E}">
-        <p14:creationId xmlns:p14="http://schemas.microsoft.com/office/powerpoint/2010/main" val="2251399044"/>
+        <p14:creationId xmlns:p14="http://schemas.microsoft.com/office/powerpoint/2010/main" val="3493924505"/>
       </p:ext>
     </p:extLst>
   </p:cSld>
@@ -5958,10 +5966,53 @@
           </a:p>
         </p:txBody>
       </p:sp>
+      <p:sp>
+        <p:nvSpPr>
+          <p:cNvPr id="3" name="文本框 2">
+            <a:extLst>
+              <a:ext uri="{FF2B5EF4-FFF2-40B4-BE49-F238E27FC236}">
+                <a16:creationId xmlns:a16="http://schemas.microsoft.com/office/drawing/2014/main" id="{46A03C8F-448C-92D8-F22F-28CE8C9873B3}"/>
+              </a:ext>
+            </a:extLst>
+          </p:cNvPr>
+          <p:cNvSpPr txBox="1"/>
+          <p:nvPr/>
+        </p:nvSpPr>
+        <p:spPr>
+          <a:xfrm>
+            <a:off x="3722945" y="2676343"/>
+            <a:ext cx="4190305" cy="1015663"/>
+          </a:xfrm>
+          <a:prstGeom prst="rect">
+            <a:avLst/>
+          </a:prstGeom>
+          <a:noFill/>
+        </p:spPr>
+        <p:txBody>
+          <a:bodyPr wrap="square" rtlCol="0">
+            <a:spAutoFit/>
+          </a:bodyPr>
+          <a:lstStyle/>
+          <a:p>
+            <a:r>
+              <a:rPr lang="zh-CN" altLang="en-US" sz="6000" dirty="0"/>
+              <a:t>三</a:t>
+            </a:r>
+            <a:r>
+              <a:rPr lang="en-US" altLang="zh-CN" sz="6000" dirty="0"/>
+              <a:t>.</a:t>
+            </a:r>
+            <a:r>
+              <a:rPr lang="zh-CN" altLang="en-US" sz="6000" dirty="0"/>
+              <a:t>研究内容</a:t>
+            </a:r>
+          </a:p>
+        </p:txBody>
+      </p:sp>
     </p:spTree>
     <p:extLst>
       <p:ext uri="{BB962C8B-B14F-4D97-AF65-F5344CB8AC3E}">
-        <p14:creationId xmlns:p14="http://schemas.microsoft.com/office/powerpoint/2010/main" val="1177247411"/>
+        <p14:creationId xmlns:p14="http://schemas.microsoft.com/office/powerpoint/2010/main" val="2126234544"/>
       </p:ext>
     </p:extLst>
   </p:cSld>
@@ -6183,10 +6234,64 @@
           </a:p>
         </p:txBody>
       </p:sp>
+      <p:sp>
+        <p:nvSpPr>
+          <p:cNvPr id="3" name="文本框 2">
+            <a:extLst>
+              <a:ext uri="{FF2B5EF4-FFF2-40B4-BE49-F238E27FC236}">
+                <a16:creationId xmlns:a16="http://schemas.microsoft.com/office/drawing/2014/main" id="{5B3DE060-B3B0-3AAA-6B12-18C2F2B6C37A}"/>
+              </a:ext>
+            </a:extLst>
+          </p:cNvPr>
+          <p:cNvSpPr txBox="1"/>
+          <p:nvPr/>
+        </p:nvSpPr>
+        <p:spPr>
+          <a:xfrm>
+            <a:off x="1187449" y="1681843"/>
+            <a:ext cx="6895193" cy="1200329"/>
+          </a:xfrm>
+          <a:prstGeom prst="rect">
+            <a:avLst/>
+          </a:prstGeom>
+          <a:noFill/>
+        </p:spPr>
+        <p:txBody>
+          <a:bodyPr wrap="square" rtlCol="0">
+            <a:spAutoFit/>
+          </a:bodyPr>
+          <a:lstStyle/>
+          <a:p>
+            <a:r>
+              <a:rPr lang="en-US" altLang="zh-CN" sz="2400" dirty="0"/>
+              <a:t>1.</a:t>
+            </a:r>
+            <a:r>
+              <a:rPr lang="zh-CN" altLang="en-US" sz="2400" dirty="0"/>
+              <a:t>基于数据增强的</a:t>
+            </a:r>
+            <a:r>
+              <a:rPr lang="en-US" altLang="zh-CN" sz="2400" dirty="0"/>
+              <a:t>CT-MR</a:t>
+            </a:r>
+            <a:r>
+              <a:rPr lang="zh-CN" altLang="en-US" sz="2400" dirty="0"/>
+              <a:t>域泛化方法</a:t>
+            </a:r>
+            <a:endParaRPr lang="en-US" altLang="zh-CN" sz="2400" dirty="0"/>
+          </a:p>
+          <a:p>
+            <a:r>
+              <a:rPr lang="zh-CN" altLang="en-US" sz="2400" dirty="0"/>
+              <a:t>数据增强作为数据操控方法的一种，能够以低成本简单地提升模型的泛化能力</a:t>
+            </a:r>
+          </a:p>
+        </p:txBody>
+      </p:sp>
     </p:spTree>
     <p:extLst>
       <p:ext uri="{BB962C8B-B14F-4D97-AF65-F5344CB8AC3E}">
-        <p14:creationId xmlns:p14="http://schemas.microsoft.com/office/powerpoint/2010/main" val="900507821"/>
+        <p14:creationId xmlns:p14="http://schemas.microsoft.com/office/powerpoint/2010/main" val="2251399044"/>
       </p:ext>
     </p:extLst>
   </p:cSld>
@@ -6915,8 +7020,8 @@
         </p:nvSpPr>
         <p:spPr>
           <a:xfrm>
-            <a:off x="883226" y="1537855"/>
-            <a:ext cx="9964883" cy="1969770"/>
+            <a:off x="730826" y="1114558"/>
+            <a:ext cx="9964883" cy="4960461"/>
           </a:xfrm>
           <a:prstGeom prst="rect">
             <a:avLst/>
@@ -6936,128 +7041,191 @@
             <a:endParaRPr lang="en-US" altLang="zh-CN" sz="3200" b="1" dirty="0"/>
           </a:p>
           <a:p>
-            <a:r>
-              <a:rPr lang="en-US" altLang="zh-CN" dirty="0"/>
+            <a:pPr>
+              <a:lnSpc>
+                <a:spcPct val="150000"/>
+              </a:lnSpc>
+            </a:pPr>
+            <a:r>
+              <a:rPr lang="en-US" altLang="zh-CN" sz="2400" dirty="0"/>
               <a:t>1.</a:t>
             </a:r>
             <a:r>
-              <a:rPr lang="zh-CN" altLang="en-US" dirty="0"/>
+              <a:rPr lang="zh-CN" altLang="en-US" sz="2400" dirty="0"/>
               <a:t>训练集：</a:t>
             </a:r>
-            <a:endParaRPr lang="en-US" altLang="zh-CN" dirty="0"/>
-          </a:p>
-          <a:p>
-            <a:r>
-              <a:rPr lang="zh-CN" altLang="en-US" dirty="0"/>
+            <a:endParaRPr lang="en-US" altLang="zh-CN" sz="2400" dirty="0"/>
+          </a:p>
+          <a:p>
+            <a:pPr>
+              <a:lnSpc>
+                <a:spcPct val="150000"/>
+              </a:lnSpc>
+            </a:pPr>
+            <a:r>
+              <a:rPr lang="zh-CN" altLang="en-US" sz="2400" dirty="0"/>
               <a:t>使用</a:t>
             </a:r>
             <a:r>
-              <a:rPr lang="en-US" altLang="zh-CN" dirty="0"/>
+              <a:rPr lang="en-US" altLang="zh-CN" sz="2400" dirty="0"/>
               <a:t>total </a:t>
             </a:r>
             <a:r>
-              <a:rPr lang="en-US" altLang="zh-CN" dirty="0" err="1"/>
+              <a:rPr lang="en-US" altLang="zh-CN" sz="2400" dirty="0" err="1"/>
               <a:t>sementator</a:t>
             </a:r>
             <a:r>
-              <a:rPr lang="zh-CN" altLang="en-US" dirty="0"/>
+              <a:rPr lang="zh-CN" altLang="en-US" sz="2400" dirty="0"/>
               <a:t>数据集（</a:t>
             </a:r>
             <a:r>
-              <a:rPr lang="en-US" altLang="zh-CN" dirty="0"/>
+              <a:rPr lang="en-US" altLang="zh-CN" sz="2400" dirty="0"/>
               <a:t>CT</a:t>
             </a:r>
             <a:r>
-              <a:rPr lang="zh-CN" altLang="en-US" dirty="0"/>
+              <a:rPr lang="zh-CN" altLang="en-US" sz="2400" dirty="0"/>
               <a:t>）作为训练集，筛选掉非正方形的切片后，共</a:t>
             </a:r>
             <a:r>
-              <a:rPr lang="en-US" altLang="zh-CN" dirty="0"/>
+              <a:rPr lang="en-US" altLang="zh-CN" sz="2400" dirty="0"/>
               <a:t>241442</a:t>
             </a:r>
             <a:r>
-              <a:rPr lang="zh-CN" altLang="en-US" dirty="0"/>
+              <a:rPr lang="zh-CN" altLang="en-US" sz="2400" dirty="0"/>
               <a:t>张切片。按病例划分训练集与验证集，其中</a:t>
             </a:r>
             <a:r>
-              <a:rPr lang="en-US" altLang="zh-CN" dirty="0"/>
+              <a:rPr lang="en-US" altLang="zh-CN" sz="2400" dirty="0"/>
               <a:t>201782</a:t>
             </a:r>
             <a:r>
-              <a:rPr lang="zh-CN" altLang="en-US" dirty="0"/>
+              <a:rPr lang="zh-CN" altLang="en-US" sz="2400" dirty="0"/>
               <a:t>张切片作为训练集，</a:t>
             </a:r>
             <a:r>
-              <a:rPr lang="en-US" altLang="zh-CN" dirty="0"/>
+              <a:rPr lang="en-US" altLang="zh-CN" sz="2400" dirty="0"/>
               <a:t>39360</a:t>
             </a:r>
             <a:r>
-              <a:rPr lang="zh-CN" altLang="en-US" dirty="0"/>
+              <a:rPr lang="zh-CN" altLang="en-US" sz="2400" dirty="0"/>
               <a:t>张切片作为验证集。</a:t>
             </a:r>
-            <a:endParaRPr lang="en-US" altLang="zh-CN" dirty="0"/>
-          </a:p>
-          <a:p>
-            <a:r>
-              <a:rPr lang="en-US" altLang="zh-CN" dirty="0"/>
+            <a:endParaRPr lang="en-US" altLang="zh-CN" sz="2400" dirty="0"/>
+          </a:p>
+          <a:p>
+            <a:pPr>
+              <a:lnSpc>
+                <a:spcPct val="150000"/>
+              </a:lnSpc>
+            </a:pPr>
+            <a:r>
+              <a:rPr lang="en-US" altLang="zh-CN" sz="2400" dirty="0"/>
               <a:t>2.</a:t>
             </a:r>
             <a:r>
-              <a:rPr lang="zh-CN" altLang="en-US" dirty="0"/>
+              <a:rPr lang="zh-CN" altLang="en-US" sz="2400" dirty="0"/>
               <a:t>测试集：</a:t>
             </a:r>
-            <a:endParaRPr lang="en-US" altLang="zh-CN" dirty="0"/>
-          </a:p>
-          <a:p>
-            <a:r>
-              <a:rPr lang="zh-CN" altLang="en-US" dirty="0"/>
+            <a:endParaRPr lang="en-US" altLang="zh-CN" sz="2400" dirty="0"/>
+          </a:p>
+          <a:p>
+            <a:pPr>
+              <a:lnSpc>
+                <a:spcPct val="150000"/>
+              </a:lnSpc>
+            </a:pPr>
+            <a:r>
+              <a:rPr lang="zh-CN" altLang="en-US" sz="2400" dirty="0"/>
               <a:t>使用</a:t>
             </a:r>
             <a:r>
-              <a:rPr lang="en-US" altLang="zh-CN" dirty="0"/>
+              <a:rPr lang="en-US" altLang="zh-CN" sz="2400" dirty="0"/>
               <a:t>CHAOS</a:t>
             </a:r>
             <a:r>
-              <a:rPr lang="zh-CN" altLang="en-US" dirty="0"/>
+              <a:rPr lang="zh-CN" altLang="en-US" sz="2400" dirty="0"/>
               <a:t>数据集的</a:t>
             </a:r>
             <a:r>
-              <a:rPr lang="en-US" altLang="zh-CN" dirty="0"/>
+              <a:rPr lang="en-US" altLang="zh-CN" sz="2400" dirty="0"/>
               <a:t>MR</a:t>
             </a:r>
             <a:r>
-              <a:rPr lang="zh-CN" altLang="en-US" dirty="0"/>
-              <a:t>模态部分数据作为验证集，包括</a:t>
-            </a:r>
-            <a:r>
-              <a:rPr lang="en-US" altLang="zh-CN" dirty="0"/>
+              <a:rPr lang="zh-CN" altLang="en-US" sz="2400" dirty="0"/>
+              <a:t>模态部分数据作为测试集，该数据集含有肝、肾、脾的分割标准，包括</a:t>
+            </a:r>
+            <a:r>
+              <a:rPr lang="en-US" altLang="zh-CN" sz="2400" dirty="0"/>
               <a:t>T1_in, T1_out</a:t>
             </a:r>
             <a:r>
-              <a:rPr lang="zh-CN" altLang="en-US" dirty="0"/>
+              <a:rPr lang="zh-CN" altLang="en-US" sz="2400" dirty="0"/>
               <a:t>和</a:t>
             </a:r>
             <a:r>
-              <a:rPr lang="en-US" altLang="zh-CN" dirty="0"/>
+              <a:rPr lang="en-US" altLang="zh-CN" sz="2400" dirty="0"/>
               <a:t>T2</a:t>
             </a:r>
             <a:r>
-              <a:rPr lang="zh-CN" altLang="en-US" dirty="0"/>
+              <a:rPr lang="zh-CN" altLang="en-US" sz="2400" dirty="0"/>
               <a:t>三个</a:t>
             </a:r>
             <a:r>
-              <a:rPr lang="en-US" altLang="zh-CN" dirty="0"/>
+              <a:rPr lang="en-US" altLang="zh-CN" sz="2400" dirty="0"/>
               <a:t>MR</a:t>
             </a:r>
             <a:r>
-              <a:rPr lang="zh-CN" altLang="en-US" dirty="0"/>
-              <a:t>序列。处理</a:t>
-            </a:r>
-            <a:r>
-              <a:rPr lang="en-US" altLang="zh-CN" dirty="0"/>
-              <a:t>T1in</a:t>
-            </a:r>
-            <a:endParaRPr lang="zh-CN" altLang="en-US" dirty="0"/>
+              <a:rPr lang="zh-CN" altLang="en-US" sz="2400" dirty="0"/>
+              <a:t>序列。处理后</a:t>
+            </a:r>
+            <a:r>
+              <a:rPr lang="en-US" altLang="zh-CN" sz="2400" dirty="0"/>
+              <a:t>T1_in</a:t>
+            </a:r>
+            <a:r>
+              <a:rPr lang="zh-CN" altLang="en-US" sz="2400" dirty="0"/>
+              <a:t>序列</a:t>
+            </a:r>
+            <a:r>
+              <a:rPr lang="en-US" altLang="zh-CN" sz="2400" dirty="0"/>
+              <a:t>647</a:t>
+            </a:r>
+            <a:r>
+              <a:rPr lang="zh-CN" altLang="en-US" sz="2400" dirty="0"/>
+              <a:t>张切片，</a:t>
+            </a:r>
+            <a:r>
+              <a:rPr lang="en-US" altLang="zh-CN" sz="2400" dirty="0"/>
+              <a:t>T1_out</a:t>
+            </a:r>
+            <a:r>
+              <a:rPr lang="zh-CN" altLang="en-US" sz="2400" dirty="0"/>
+              <a:t>序列</a:t>
+            </a:r>
+            <a:r>
+              <a:rPr lang="en-US" altLang="zh-CN" sz="2400" dirty="0"/>
+              <a:t>647</a:t>
+            </a:r>
+            <a:r>
+              <a:rPr lang="zh-CN" altLang="en-US" sz="2400" dirty="0"/>
+              <a:t>张切片，</a:t>
+            </a:r>
+            <a:r>
+              <a:rPr lang="en-US" altLang="zh-CN" sz="2400" dirty="0"/>
+              <a:t>T2</a:t>
+            </a:r>
+            <a:r>
+              <a:rPr lang="zh-CN" altLang="en-US" sz="2400" dirty="0"/>
+              <a:t>序列</a:t>
+            </a:r>
+            <a:r>
+              <a:rPr lang="en-US" altLang="zh-CN" sz="2400" dirty="0"/>
+              <a:t>623</a:t>
+            </a:r>
+            <a:r>
+              <a:rPr lang="zh-CN" altLang="en-US" sz="2400" dirty="0"/>
+              <a:t>张切片</a:t>
+            </a:r>
           </a:p>
         </p:txBody>
       </p:sp>
@@ -7692,10 +7860,10 @@
       </p:sp>
       <p:graphicFrame>
         <p:nvGraphicFramePr>
-          <p:cNvPr id="3" name="表格 2">
+          <p:cNvPr id="4" name="表格 3">
             <a:extLst>
               <a:ext uri="{FF2B5EF4-FFF2-40B4-BE49-F238E27FC236}">
-                <a16:creationId xmlns:a16="http://schemas.microsoft.com/office/drawing/2014/main" id="{198E8879-F044-74F6-C62E-60CEFD56E5B2}"/>
+                <a16:creationId xmlns:a16="http://schemas.microsoft.com/office/drawing/2014/main" id="{7086AFE6-EFF8-71AD-78FF-3D6A716018DA}"/>
               </a:ext>
             </a:extLst>
           </p:cNvPr>
@@ -7705,104 +7873,917 @@
           <p:nvPr>
             <p:extLst>
               <p:ext uri="{D42A27DB-BD31-4B8C-83A1-F6EECF244321}">
-                <p14:modId xmlns:p14="http://schemas.microsoft.com/office/powerpoint/2010/main" val="1594112534"/>
+                <p14:modId xmlns:p14="http://schemas.microsoft.com/office/powerpoint/2010/main" val="549380860"/>
               </p:ext>
             </p:extLst>
           </p:nvPr>
         </p:nvGraphicFramePr>
         <p:xfrm>
-          <a:off x="367840" y="2156347"/>
-          <a:ext cx="11300990" cy="3355620"/>
+          <a:off x="387386" y="905688"/>
+          <a:ext cx="10149985" cy="5904436"/>
         </p:xfrm>
         <a:graphic>
           <a:graphicData uri="http://schemas.openxmlformats.org/drawingml/2006/table">
             <a:tbl>
-              <a:tblPr firstRow="1" bandRow="1">
+              <a:tblPr>
                 <a:tableStyleId>{5C22544A-7EE6-4342-B048-85BDC9FD1C3A}</a:tableStyleId>
               </a:tblPr>
               <a:tblGrid>
-                <a:gridCol w="1130099">
+                <a:gridCol w="1898614">
                   <a:extLst>
                     <a:ext uri="{9D8B030D-6E8A-4147-A177-3AD203B41FA5}">
-                      <a16:colId xmlns:a16="http://schemas.microsoft.com/office/drawing/2014/main" val="891346135"/>
+                      <a16:colId xmlns:a16="http://schemas.microsoft.com/office/drawing/2014/main" val="1846116592"/>
                     </a:ext>
                   </a:extLst>
                 </a:gridCol>
-                <a:gridCol w="1130099">
+                <a:gridCol w="1676400">
                   <a:extLst>
                     <a:ext uri="{9D8B030D-6E8A-4147-A177-3AD203B41FA5}">
-                      <a16:colId xmlns:a16="http://schemas.microsoft.com/office/drawing/2014/main" val="3184875327"/>
+                      <a16:colId xmlns:a16="http://schemas.microsoft.com/office/drawing/2014/main" val="531732756"/>
                     </a:ext>
                   </a:extLst>
                 </a:gridCol>
-                <a:gridCol w="852141">
+                <a:gridCol w="1001486">
                   <a:extLst>
                     <a:ext uri="{9D8B030D-6E8A-4147-A177-3AD203B41FA5}">
-                      <a16:colId xmlns:a16="http://schemas.microsoft.com/office/drawing/2014/main" val="3751108926"/>
+                      <a16:colId xmlns:a16="http://schemas.microsoft.com/office/drawing/2014/main" val="763298744"/>
                     </a:ext>
                   </a:extLst>
                 </a:gridCol>
-                <a:gridCol w="1408057">
+                <a:gridCol w="1012371">
                   <a:extLst>
                     <a:ext uri="{9D8B030D-6E8A-4147-A177-3AD203B41FA5}">
-                      <a16:colId xmlns:a16="http://schemas.microsoft.com/office/drawing/2014/main" val="2251494086"/>
+                      <a16:colId xmlns:a16="http://schemas.microsoft.com/office/drawing/2014/main" val="1947301579"/>
                     </a:ext>
                   </a:extLst>
                 </a:gridCol>
-                <a:gridCol w="1130099">
+                <a:gridCol w="1153886">
                   <a:extLst>
                     <a:ext uri="{9D8B030D-6E8A-4147-A177-3AD203B41FA5}">
-                      <a16:colId xmlns:a16="http://schemas.microsoft.com/office/drawing/2014/main" val="335364417"/>
+                      <a16:colId xmlns:a16="http://schemas.microsoft.com/office/drawing/2014/main" val="2101050746"/>
                     </a:ext>
                   </a:extLst>
                 </a:gridCol>
-                <a:gridCol w="1130099">
+                <a:gridCol w="1186543">
                   <a:extLst>
                     <a:ext uri="{9D8B030D-6E8A-4147-A177-3AD203B41FA5}">
-                      <a16:colId xmlns:a16="http://schemas.microsoft.com/office/drawing/2014/main" val="3112691872"/>
+                      <a16:colId xmlns:a16="http://schemas.microsoft.com/office/drawing/2014/main" val="4259091988"/>
                     </a:ext>
                   </a:extLst>
                 </a:gridCol>
-                <a:gridCol w="1130099">
+                <a:gridCol w="1066800">
                   <a:extLst>
                     <a:ext uri="{9D8B030D-6E8A-4147-A177-3AD203B41FA5}">
-                      <a16:colId xmlns:a16="http://schemas.microsoft.com/office/drawing/2014/main" val="2803923910"/>
+                      <a16:colId xmlns:a16="http://schemas.microsoft.com/office/drawing/2014/main" val="1830618381"/>
                     </a:ext>
                   </a:extLst>
                 </a:gridCol>
-                <a:gridCol w="1130099">
+                <a:gridCol w="1153885">
                   <a:extLst>
                     <a:ext uri="{9D8B030D-6E8A-4147-A177-3AD203B41FA5}">
-                      <a16:colId xmlns:a16="http://schemas.microsoft.com/office/drawing/2014/main" val="1206696290"/>
-                    </a:ext>
-                  </a:extLst>
-                </a:gridCol>
-                <a:gridCol w="1130099">
-                  <a:extLst>
-                    <a:ext uri="{9D8B030D-6E8A-4147-A177-3AD203B41FA5}">
-                      <a16:colId xmlns:a16="http://schemas.microsoft.com/office/drawing/2014/main" val="2332021292"/>
-                    </a:ext>
-                  </a:extLst>
-                </a:gridCol>
-                <a:gridCol w="1130099">
-                  <a:extLst>
-                    <a:ext uri="{9D8B030D-6E8A-4147-A177-3AD203B41FA5}">
-                      <a16:colId xmlns:a16="http://schemas.microsoft.com/office/drawing/2014/main" val="1852409031"/>
+                      <a16:colId xmlns:a16="http://schemas.microsoft.com/office/drawing/2014/main" val="4264783808"/>
                     </a:ext>
                   </a:extLst>
                 </a:gridCol>
               </a:tblGrid>
-              <a:tr h="914400">
+              <a:tr h="51097">
                 <a:tc>
                   <a:txBody>
                     <a:bodyPr/>
                     <a:lstStyle/>
                     <a:p>
+                      <a:pPr algn="l" rtl="0" fontAlgn="ctr">
+                        <a:lnSpc>
+                          <a:spcPct val="150000"/>
+                        </a:lnSpc>
+                      </a:pPr>
                       <a:r>
-                        <a:rPr lang="en-US" altLang="zh-CN" dirty="0"/>
+                        <a:rPr lang="en-US" sz="1800" b="1" u="none" strike="noStrike" dirty="0">
+                          <a:solidFill>
+                            <a:schemeClr val="bg1"/>
+                          </a:solidFill>
+                          <a:effectLst/>
+                        </a:rPr>
                         <a:t>Flip</a:t>
                       </a:r>
-                      <a:endParaRPr lang="zh-CN" altLang="en-US" dirty="0"/>
+                      <a:endParaRPr lang="en-US" sz="1800" b="1" i="0" u="none" strike="noStrike" dirty="0">
+                        <a:solidFill>
+                          <a:schemeClr val="bg1"/>
+                        </a:solidFill>
+                        <a:effectLst/>
+                        <a:latin typeface="Times New Roman" panose="02020603050405020304" pitchFamily="18" charset="0"/>
+                        <a:ea typeface="等线" panose="02010600030101010101" pitchFamily="2" charset="-122"/>
+                      </a:endParaRPr>
+                    </a:p>
+                  </a:txBody>
+                  <a:tcPr marL="9318" marR="9318" marT="9318" marB="0" anchor="ctr">
+                    <a:solidFill>
+                      <a:schemeClr val="accent1"/>
+                    </a:solidFill>
+                  </a:tcPr>
+                </a:tc>
+                <a:tc rowSpan="2">
+                  <a:txBody>
+                    <a:bodyPr/>
+                    <a:lstStyle/>
+                    <a:p>
+                      <a:pPr algn="ctr" fontAlgn="t">
+                        <a:lnSpc>
+                          <a:spcPct val="150000"/>
+                        </a:lnSpc>
+                      </a:pPr>
+                      <a:r>
+                        <a:rPr lang="zh-CN" altLang="en-US" sz="1800" b="1" u="none" strike="noStrike" dirty="0">
+                          <a:solidFill>
+                            <a:schemeClr val="bg1"/>
+                          </a:solidFill>
+                          <a:effectLst/>
+                        </a:rPr>
+                        <a:t>　</a:t>
+                      </a:r>
+                    </a:p>
+                    <a:p>
+                      <a:pPr algn="ctr" fontAlgn="t">
+                        <a:lnSpc>
+                          <a:spcPct val="150000"/>
+                        </a:lnSpc>
+                      </a:pPr>
+                      <a:r>
+                        <a:rPr lang="zh-CN" altLang="en-US" sz="1800" b="1" u="none" strike="noStrike" dirty="0">
+                          <a:solidFill>
+                            <a:schemeClr val="bg1"/>
+                          </a:solidFill>
+                          <a:effectLst/>
+                        </a:rPr>
+                        <a:t>　</a:t>
+                      </a:r>
+                      <a:r>
+                        <a:rPr lang="en-US" altLang="zh-CN" sz="1800" b="1" u="none" strike="noStrike" dirty="0">
+                          <a:solidFill>
+                            <a:schemeClr val="bg1"/>
+                          </a:solidFill>
+                          <a:effectLst/>
+                        </a:rPr>
+                        <a:t>acc</a:t>
+                      </a:r>
+                      <a:endParaRPr lang="zh-CN" altLang="en-US" sz="1800" b="1" i="0" u="none" strike="noStrike" dirty="0">
+                        <a:solidFill>
+                          <a:schemeClr val="bg1"/>
+                        </a:solidFill>
+                        <a:effectLst/>
+                        <a:latin typeface="Times New Roman" panose="02020603050405020304" pitchFamily="18" charset="0"/>
+                        <a:ea typeface="等线" panose="02010600030101010101" pitchFamily="2" charset="-122"/>
+                      </a:endParaRPr>
+                    </a:p>
+                  </a:txBody>
+                  <a:tcPr marL="9318" marR="9318" marT="9318" marB="0">
+                    <a:solidFill>
+                      <a:schemeClr val="accent1"/>
+                    </a:solidFill>
+                  </a:tcPr>
+                </a:tc>
+                <a:tc>
+                  <a:txBody>
+                    <a:bodyPr/>
+                    <a:lstStyle/>
+                    <a:p>
+                      <a:pPr algn="l" rtl="0" fontAlgn="ctr">
+                        <a:lnSpc>
+                          <a:spcPct val="150000"/>
+                        </a:lnSpc>
+                      </a:pPr>
+                      <a:r>
+                        <a:rPr lang="zh-CN" altLang="en-US" sz="1800" b="1" u="none" strike="noStrike" dirty="0">
+                          <a:solidFill>
+                            <a:schemeClr val="bg1"/>
+                          </a:solidFill>
+                          <a:effectLst/>
+                        </a:rPr>
+                        <a:t>无</a:t>
+                      </a:r>
+                      <a:endParaRPr lang="zh-CN" altLang="en-US" sz="1800" b="1" i="0" u="none" strike="noStrike" dirty="0">
+                        <a:solidFill>
+                          <a:schemeClr val="bg1"/>
+                        </a:solidFill>
+                        <a:effectLst/>
+                        <a:latin typeface="Times New Roman" panose="02020603050405020304" pitchFamily="18" charset="0"/>
+                        <a:ea typeface="等线" panose="02010600030101010101" pitchFamily="2" charset="-122"/>
+                      </a:endParaRPr>
+                    </a:p>
+                  </a:txBody>
+                  <a:tcPr marL="9318" marR="9318" marT="9318" marB="0" anchor="ctr">
+                    <a:solidFill>
+                      <a:schemeClr val="accent1"/>
+                    </a:solidFill>
+                  </a:tcPr>
+                </a:tc>
+                <a:tc>
+                  <a:txBody>
+                    <a:bodyPr/>
+                    <a:lstStyle/>
+                    <a:p>
+                      <a:pPr algn="l" rtl="0" fontAlgn="ctr">
+                        <a:lnSpc>
+                          <a:spcPct val="150000"/>
+                        </a:lnSpc>
+                      </a:pPr>
+                      <a:r>
+                        <a:rPr lang="zh-CN" altLang="en-US" sz="1800" b="1" u="none" strike="noStrike" dirty="0">
+                          <a:solidFill>
+                            <a:schemeClr val="bg1"/>
+                          </a:solidFill>
+                          <a:effectLst/>
+                        </a:rPr>
+                        <a:t>有</a:t>
+                      </a:r>
+                      <a:endParaRPr lang="zh-CN" altLang="en-US" sz="1800" b="1" i="0" u="none" strike="noStrike" dirty="0">
+                        <a:solidFill>
+                          <a:schemeClr val="bg1"/>
+                        </a:solidFill>
+                        <a:effectLst/>
+                        <a:latin typeface="Times New Roman" panose="02020603050405020304" pitchFamily="18" charset="0"/>
+                        <a:ea typeface="等线" panose="02010600030101010101" pitchFamily="2" charset="-122"/>
+                      </a:endParaRPr>
+                    </a:p>
+                  </a:txBody>
+                  <a:tcPr marL="9318" marR="9318" marT="9318" marB="0" anchor="ctr">
+                    <a:solidFill>
+                      <a:schemeClr val="accent1"/>
+                    </a:solidFill>
+                  </a:tcPr>
+                </a:tc>
+                <a:tc>
+                  <a:txBody>
+                    <a:bodyPr/>
+                    <a:lstStyle/>
+                    <a:p>
+                      <a:pPr algn="l" rtl="0" fontAlgn="ctr">
+                        <a:lnSpc>
+                          <a:spcPct val="150000"/>
+                        </a:lnSpc>
+                      </a:pPr>
+                      <a:r>
+                        <a:rPr lang="zh-CN" altLang="en-US" sz="1800" b="1" u="none" strike="noStrike" dirty="0">
+                          <a:solidFill>
+                            <a:schemeClr val="bg1"/>
+                          </a:solidFill>
+                          <a:effectLst/>
+                        </a:rPr>
+                        <a:t>无</a:t>
+                      </a:r>
+                      <a:endParaRPr lang="zh-CN" altLang="en-US" sz="1800" b="1" i="0" u="none" strike="noStrike" dirty="0">
+                        <a:solidFill>
+                          <a:schemeClr val="bg1"/>
+                        </a:solidFill>
+                        <a:effectLst/>
+                        <a:latin typeface="Times New Roman" panose="02020603050405020304" pitchFamily="18" charset="0"/>
+                        <a:ea typeface="等线" panose="02010600030101010101" pitchFamily="2" charset="-122"/>
+                      </a:endParaRPr>
+                    </a:p>
+                  </a:txBody>
+                  <a:tcPr marL="9318" marR="9318" marT="9318" marB="0" anchor="ctr">
+                    <a:solidFill>
+                      <a:schemeClr val="accent1"/>
+                    </a:solidFill>
+                  </a:tcPr>
+                </a:tc>
+                <a:tc>
+                  <a:txBody>
+                    <a:bodyPr/>
+                    <a:lstStyle/>
+                    <a:p>
+                      <a:pPr algn="l" rtl="0" fontAlgn="ctr">
+                        <a:lnSpc>
+                          <a:spcPct val="150000"/>
+                        </a:lnSpc>
+                      </a:pPr>
+                      <a:r>
+                        <a:rPr lang="zh-CN" altLang="en-US" sz="1800" b="1" u="none" strike="noStrike" dirty="0">
+                          <a:solidFill>
+                            <a:schemeClr val="bg1"/>
+                          </a:solidFill>
+                          <a:effectLst/>
+                        </a:rPr>
+                        <a:t>无</a:t>
+                      </a:r>
+                      <a:endParaRPr lang="zh-CN" altLang="en-US" sz="1800" b="1" i="0" u="none" strike="noStrike" dirty="0">
+                        <a:solidFill>
+                          <a:schemeClr val="bg1"/>
+                        </a:solidFill>
+                        <a:effectLst/>
+                        <a:latin typeface="Times New Roman" panose="02020603050405020304" pitchFamily="18" charset="0"/>
+                        <a:ea typeface="等线" panose="02010600030101010101" pitchFamily="2" charset="-122"/>
+                      </a:endParaRPr>
+                    </a:p>
+                  </a:txBody>
+                  <a:tcPr marL="9318" marR="9318" marT="9318" marB="0" anchor="ctr">
+                    <a:solidFill>
+                      <a:schemeClr val="accent1"/>
+                    </a:solidFill>
+                  </a:tcPr>
+                </a:tc>
+                <a:tc>
+                  <a:txBody>
+                    <a:bodyPr/>
+                    <a:lstStyle/>
+                    <a:p>
+                      <a:pPr algn="l" rtl="0" fontAlgn="ctr">
+                        <a:lnSpc>
+                          <a:spcPct val="150000"/>
+                        </a:lnSpc>
+                      </a:pPr>
+                      <a:r>
+                        <a:rPr lang="zh-CN" altLang="en-US" sz="1800" b="1" u="none" strike="noStrike" dirty="0">
+                          <a:solidFill>
+                            <a:schemeClr val="bg1"/>
+                          </a:solidFill>
+                          <a:effectLst/>
+                        </a:rPr>
+                        <a:t>无</a:t>
+                      </a:r>
+                      <a:endParaRPr lang="zh-CN" altLang="en-US" sz="1800" b="1" i="0" u="none" strike="noStrike" dirty="0">
+                        <a:solidFill>
+                          <a:schemeClr val="bg1"/>
+                        </a:solidFill>
+                        <a:effectLst/>
+                        <a:latin typeface="Times New Roman" panose="02020603050405020304" pitchFamily="18" charset="0"/>
+                        <a:ea typeface="等线" panose="02010600030101010101" pitchFamily="2" charset="-122"/>
+                      </a:endParaRPr>
+                    </a:p>
+                  </a:txBody>
+                  <a:tcPr marL="9318" marR="9318" marT="9318" marB="0" anchor="ctr">
+                    <a:solidFill>
+                      <a:schemeClr val="accent1"/>
+                    </a:solidFill>
+                  </a:tcPr>
+                </a:tc>
+                <a:tc>
+                  <a:txBody>
+                    <a:bodyPr/>
+                    <a:lstStyle/>
+                    <a:p>
+                      <a:pPr algn="l" rtl="0" fontAlgn="ctr">
+                        <a:lnSpc>
+                          <a:spcPct val="150000"/>
+                        </a:lnSpc>
+                      </a:pPr>
+                      <a:r>
+                        <a:rPr lang="zh-CN" altLang="en-US" sz="1800" b="1" u="none" strike="noStrike" dirty="0">
+                          <a:solidFill>
+                            <a:schemeClr val="bg1"/>
+                          </a:solidFill>
+                          <a:effectLst/>
+                        </a:rPr>
+                        <a:t>无</a:t>
+                      </a:r>
+                      <a:endParaRPr lang="zh-CN" altLang="en-US" sz="1800" b="1" i="0" u="none" strike="noStrike" dirty="0">
+                        <a:solidFill>
+                          <a:schemeClr val="bg1"/>
+                        </a:solidFill>
+                        <a:effectLst/>
+                        <a:latin typeface="Times New Roman" panose="02020603050405020304" pitchFamily="18" charset="0"/>
+                        <a:ea typeface="等线" panose="02010600030101010101" pitchFamily="2" charset="-122"/>
+                      </a:endParaRPr>
+                    </a:p>
+                  </a:txBody>
+                  <a:tcPr marL="9318" marR="9318" marT="9318" marB="0" anchor="ctr">
+                    <a:solidFill>
+                      <a:schemeClr val="accent1"/>
+                    </a:solidFill>
+                  </a:tcPr>
+                </a:tc>
+                <a:extLst>
+                  <a:ext uri="{0D108BD9-81ED-4DB2-BD59-A6C34878D82A}">
+                    <a16:rowId xmlns:a16="http://schemas.microsoft.com/office/drawing/2014/main" val="4007906548"/>
+                  </a:ext>
+                </a:extLst>
+              </a:tr>
+              <a:tr h="434062">
+                <a:tc>
+                  <a:txBody>
+                    <a:bodyPr/>
+                    <a:lstStyle/>
+                    <a:p>
+                      <a:pPr algn="l" rtl="0" fontAlgn="ctr">
+                        <a:lnSpc>
+                          <a:spcPct val="150000"/>
+                        </a:lnSpc>
+                      </a:pPr>
+                      <a:r>
+                        <a:rPr lang="en-US" sz="1800" b="1" u="none" strike="noStrike" dirty="0">
+                          <a:solidFill>
+                            <a:schemeClr val="bg1"/>
+                          </a:solidFill>
+                          <a:effectLst/>
+                        </a:rPr>
+                        <a:t>Shuffle remap</a:t>
+                      </a:r>
+                      <a:endParaRPr lang="en-US" sz="1800" b="1" i="0" u="none" strike="noStrike" dirty="0">
+                        <a:solidFill>
+                          <a:schemeClr val="bg1"/>
+                        </a:solidFill>
+                        <a:effectLst/>
+                        <a:latin typeface="Times New Roman" panose="02020603050405020304" pitchFamily="18" charset="0"/>
+                        <a:ea typeface="等线" panose="02010600030101010101" pitchFamily="2" charset="-122"/>
+                      </a:endParaRPr>
+                    </a:p>
+                  </a:txBody>
+                  <a:tcPr marL="9318" marR="9318" marT="9318" marB="0" anchor="ctr">
+                    <a:solidFill>
+                      <a:schemeClr val="accent1"/>
+                    </a:solidFill>
+                  </a:tcPr>
+                </a:tc>
+                <a:tc vMerge="1">
+                  <a:txBody>
+                    <a:bodyPr/>
+                    <a:lstStyle/>
+                    <a:p>
+                      <a:pPr algn="l" fontAlgn="t">
+                        <a:lnSpc>
+                          <a:spcPct val="150000"/>
+                        </a:lnSpc>
+                      </a:pPr>
+                      <a:r>
+                        <a:rPr lang="zh-CN" altLang="en-US" sz="1800" u="none" strike="noStrike" dirty="0">
+                          <a:effectLst/>
+                        </a:rPr>
+                        <a:t>　</a:t>
+                      </a:r>
+                      <a:endParaRPr lang="zh-CN" altLang="en-US" sz="1800" b="0" i="0" u="none" strike="noStrike" dirty="0">
+                        <a:solidFill>
+                          <a:srgbClr val="000000"/>
+                        </a:solidFill>
+                        <a:effectLst/>
+                        <a:latin typeface="Times New Roman" panose="02020603050405020304" pitchFamily="18" charset="0"/>
+                        <a:ea typeface="等线" panose="02010600030101010101" pitchFamily="2" charset="-122"/>
+                      </a:endParaRPr>
+                    </a:p>
+                  </a:txBody>
+                  <a:tcPr marL="9318" marR="9318" marT="9318" marB="0"/>
+                </a:tc>
+                <a:tc>
+                  <a:txBody>
+                    <a:bodyPr/>
+                    <a:lstStyle/>
+                    <a:p>
+                      <a:pPr algn="l" rtl="0" fontAlgn="ctr">
+                        <a:lnSpc>
+                          <a:spcPct val="150000"/>
+                        </a:lnSpc>
+                      </a:pPr>
+                      <a:r>
+                        <a:rPr lang="zh-CN" altLang="en-US" sz="1800" b="1" u="none" strike="noStrike" dirty="0">
+                          <a:solidFill>
+                            <a:schemeClr val="bg1"/>
+                          </a:solidFill>
+                          <a:effectLst/>
+                        </a:rPr>
+                        <a:t>无</a:t>
+                      </a:r>
+                      <a:endParaRPr lang="zh-CN" altLang="en-US" sz="1800" b="1" i="0" u="none" strike="noStrike" dirty="0">
+                        <a:solidFill>
+                          <a:schemeClr val="bg1"/>
+                        </a:solidFill>
+                        <a:effectLst/>
+                        <a:latin typeface="Times New Roman" panose="02020603050405020304" pitchFamily="18" charset="0"/>
+                        <a:ea typeface="等线" panose="02010600030101010101" pitchFamily="2" charset="-122"/>
+                      </a:endParaRPr>
+                    </a:p>
+                  </a:txBody>
+                  <a:tcPr marL="9318" marR="9318" marT="9318" marB="0" anchor="ctr">
+                    <a:solidFill>
+                      <a:schemeClr val="accent1"/>
+                    </a:solidFill>
+                  </a:tcPr>
+                </a:tc>
+                <a:tc>
+                  <a:txBody>
+                    <a:bodyPr/>
+                    <a:lstStyle/>
+                    <a:p>
+                      <a:pPr algn="l" rtl="0" fontAlgn="ctr">
+                        <a:lnSpc>
+                          <a:spcPct val="150000"/>
+                        </a:lnSpc>
+                      </a:pPr>
+                      <a:r>
+                        <a:rPr lang="zh-CN" altLang="en-US" sz="1800" b="1" u="none" strike="noStrike" dirty="0">
+                          <a:solidFill>
+                            <a:schemeClr val="bg1"/>
+                          </a:solidFill>
+                          <a:effectLst/>
+                        </a:rPr>
+                        <a:t>无</a:t>
+                      </a:r>
+                      <a:endParaRPr lang="zh-CN" altLang="en-US" sz="1800" b="1" i="0" u="none" strike="noStrike" dirty="0">
+                        <a:solidFill>
+                          <a:schemeClr val="bg1"/>
+                        </a:solidFill>
+                        <a:effectLst/>
+                        <a:latin typeface="Times New Roman" panose="02020603050405020304" pitchFamily="18" charset="0"/>
+                        <a:ea typeface="等线" panose="02010600030101010101" pitchFamily="2" charset="-122"/>
+                      </a:endParaRPr>
+                    </a:p>
+                  </a:txBody>
+                  <a:tcPr marL="9318" marR="9318" marT="9318" marB="0" anchor="ctr">
+                    <a:solidFill>
+                      <a:schemeClr val="accent1"/>
+                    </a:solidFill>
+                  </a:tcPr>
+                </a:tc>
+                <a:tc>
+                  <a:txBody>
+                    <a:bodyPr/>
+                    <a:lstStyle/>
+                    <a:p>
+                      <a:pPr algn="l" rtl="0" fontAlgn="ctr">
+                        <a:lnSpc>
+                          <a:spcPct val="150000"/>
+                        </a:lnSpc>
+                      </a:pPr>
+                      <a:r>
+                        <a:rPr lang="en-US" altLang="zh-CN" sz="1800" b="1" u="none" strike="noStrike" dirty="0">
+                          <a:solidFill>
+                            <a:schemeClr val="bg1"/>
+                          </a:solidFill>
+                          <a:effectLst/>
+                        </a:rPr>
+                        <a:t>0.5,[2, 5]</a:t>
+                      </a:r>
+                      <a:endParaRPr lang="en-US" altLang="zh-CN" sz="1800" b="1" i="0" u="none" strike="noStrike" dirty="0">
+                        <a:solidFill>
+                          <a:schemeClr val="bg1"/>
+                        </a:solidFill>
+                        <a:effectLst/>
+                        <a:latin typeface="Times New Roman" panose="02020603050405020304" pitchFamily="18" charset="0"/>
+                        <a:ea typeface="等线" panose="02010600030101010101" pitchFamily="2" charset="-122"/>
+                      </a:endParaRPr>
+                    </a:p>
+                  </a:txBody>
+                  <a:tcPr marL="9318" marR="9318" marT="9318" marB="0" anchor="ctr">
+                    <a:solidFill>
+                      <a:schemeClr val="accent1"/>
+                    </a:solidFill>
+                  </a:tcPr>
+                </a:tc>
+                <a:tc>
+                  <a:txBody>
+                    <a:bodyPr/>
+                    <a:lstStyle/>
+                    <a:p>
+                      <a:pPr algn="l" rtl="0" fontAlgn="ctr">
+                        <a:lnSpc>
+                          <a:spcPct val="150000"/>
+                        </a:lnSpc>
+                      </a:pPr>
+                      <a:r>
+                        <a:rPr lang="en-US" altLang="zh-CN" sz="1800" b="1" u="none" strike="noStrike" dirty="0">
+                          <a:solidFill>
+                            <a:schemeClr val="bg1"/>
+                          </a:solidFill>
+                          <a:effectLst/>
+                        </a:rPr>
+                        <a:t>0.75,[2, 5]</a:t>
+                      </a:r>
+                      <a:endParaRPr lang="en-US" altLang="zh-CN" sz="1800" b="1" i="0" u="none" strike="noStrike" dirty="0">
+                        <a:solidFill>
+                          <a:schemeClr val="bg1"/>
+                        </a:solidFill>
+                        <a:effectLst/>
+                        <a:latin typeface="Times New Roman" panose="02020603050405020304" pitchFamily="18" charset="0"/>
+                        <a:ea typeface="等线" panose="02010600030101010101" pitchFamily="2" charset="-122"/>
+                      </a:endParaRPr>
+                    </a:p>
+                  </a:txBody>
+                  <a:tcPr marL="9318" marR="9318" marT="9318" marB="0" anchor="ctr">
+                    <a:solidFill>
+                      <a:schemeClr val="accent1"/>
+                    </a:solidFill>
+                  </a:tcPr>
+                </a:tc>
+                <a:tc>
+                  <a:txBody>
+                    <a:bodyPr/>
+                    <a:lstStyle/>
+                    <a:p>
+                      <a:pPr algn="l" rtl="0" fontAlgn="ctr">
+                        <a:lnSpc>
+                          <a:spcPct val="150000"/>
+                        </a:lnSpc>
+                      </a:pPr>
+                      <a:r>
+                        <a:rPr lang="en-US" altLang="zh-CN" sz="1800" b="1" u="none" strike="noStrike" dirty="0">
+                          <a:solidFill>
+                            <a:schemeClr val="bg1"/>
+                          </a:solidFill>
+                          <a:effectLst/>
+                        </a:rPr>
+                        <a:t>1,[2, 5]</a:t>
+                      </a:r>
+                      <a:endParaRPr lang="en-US" altLang="zh-CN" sz="1800" b="1" i="0" u="none" strike="noStrike" dirty="0">
+                        <a:solidFill>
+                          <a:schemeClr val="bg1"/>
+                        </a:solidFill>
+                        <a:effectLst/>
+                        <a:latin typeface="Times New Roman" panose="02020603050405020304" pitchFamily="18" charset="0"/>
+                        <a:ea typeface="等线" panose="02010600030101010101" pitchFamily="2" charset="-122"/>
+                      </a:endParaRPr>
+                    </a:p>
+                  </a:txBody>
+                  <a:tcPr marL="9318" marR="9318" marT="9318" marB="0" anchor="ctr">
+                    <a:solidFill>
+                      <a:schemeClr val="accent1"/>
+                    </a:solidFill>
+                  </a:tcPr>
+                </a:tc>
+                <a:tc>
+                  <a:txBody>
+                    <a:bodyPr/>
+                    <a:lstStyle/>
+                    <a:p>
+                      <a:pPr algn="l" rtl="0" fontAlgn="ctr">
+                        <a:lnSpc>
+                          <a:spcPct val="150000"/>
+                        </a:lnSpc>
+                      </a:pPr>
+                      <a:r>
+                        <a:rPr lang="en-US" altLang="zh-CN" sz="1800" b="1" u="none" strike="noStrike" dirty="0">
+                          <a:solidFill>
+                            <a:schemeClr val="bg1"/>
+                          </a:solidFill>
+                          <a:effectLst/>
+                        </a:rPr>
+                        <a:t>0.5,[2, 10]</a:t>
+                      </a:r>
+                      <a:endParaRPr lang="en-US" altLang="zh-CN" sz="1800" b="1" i="0" u="none" strike="noStrike" dirty="0">
+                        <a:solidFill>
+                          <a:schemeClr val="bg1"/>
+                        </a:solidFill>
+                        <a:effectLst/>
+                        <a:latin typeface="Times New Roman" panose="02020603050405020304" pitchFamily="18" charset="0"/>
+                        <a:ea typeface="等线" panose="02010600030101010101" pitchFamily="2" charset="-122"/>
+                      </a:endParaRPr>
+                    </a:p>
+                  </a:txBody>
+                  <a:tcPr marL="9318" marR="9318" marT="9318" marB="0" anchor="ctr">
+                    <a:solidFill>
+                      <a:schemeClr val="accent1"/>
+                    </a:solidFill>
+                  </a:tcPr>
+                </a:tc>
+                <a:extLst>
+                  <a:ext uri="{0D108BD9-81ED-4DB2-BD59-A6C34878D82A}">
+                    <a16:rowId xmlns:a16="http://schemas.microsoft.com/office/drawing/2014/main" val="1008533682"/>
+                  </a:ext>
+                </a:extLst>
+              </a:tr>
+              <a:tr h="332473">
+                <a:tc rowSpan="4">
+                  <a:txBody>
+                    <a:bodyPr/>
+                    <a:lstStyle/>
+                    <a:p>
+                      <a:pPr algn="l" rtl="0" fontAlgn="ctr">
+                        <a:lnSpc>
+                          <a:spcPct val="150000"/>
+                        </a:lnSpc>
+                      </a:pPr>
+                      <a:r>
+                        <a:rPr lang="en-US" sz="1800" b="1" u="none" strike="noStrike" dirty="0">
+                          <a:effectLst/>
+                        </a:rPr>
+                        <a:t>T1_in</a:t>
+                      </a:r>
+                      <a:endParaRPr lang="en-US" sz="1800" b="1" i="0" u="none" strike="noStrike" dirty="0">
+                        <a:solidFill>
+                          <a:srgbClr val="000000"/>
+                        </a:solidFill>
+                        <a:effectLst/>
+                        <a:latin typeface="Times New Roman" panose="02020603050405020304" pitchFamily="18" charset="0"/>
+                        <a:ea typeface="等线" panose="02010600030101010101" pitchFamily="2" charset="-122"/>
+                      </a:endParaRPr>
+                    </a:p>
+                  </a:txBody>
+                  <a:tcPr marL="9318" marR="9318" marT="9318" marB="0" anchor="ctr"/>
+                </a:tc>
+                <a:tc>
+                  <a:txBody>
+                    <a:bodyPr/>
+                    <a:lstStyle/>
+                    <a:p>
+                      <a:pPr algn="l" fontAlgn="t">
+                        <a:lnSpc>
+                          <a:spcPct val="150000"/>
+                        </a:lnSpc>
+                      </a:pPr>
+                      <a:r>
+                        <a:rPr lang="en-US" sz="1800" b="1" u="none" strike="noStrike" dirty="0">
+                          <a:effectLst/>
+                        </a:rPr>
+                        <a:t>average acc</a:t>
+                      </a:r>
+                      <a:endParaRPr lang="en-US" sz="1800" b="1" i="0" u="none" strike="noStrike" dirty="0">
+                        <a:solidFill>
+                          <a:srgbClr val="000000"/>
+                        </a:solidFill>
+                        <a:effectLst/>
+                        <a:latin typeface="Times New Roman" panose="02020603050405020304" pitchFamily="18" charset="0"/>
+                        <a:ea typeface="等线" panose="02010600030101010101" pitchFamily="2" charset="-122"/>
+                      </a:endParaRPr>
+                    </a:p>
+                  </a:txBody>
+                  <a:tcPr marL="9318" marR="9318" marT="9318" marB="0"/>
+                </a:tc>
+                <a:tc>
+                  <a:txBody>
+                    <a:bodyPr/>
+                    <a:lstStyle/>
+                    <a:p>
+                      <a:pPr algn="l" rtl="0" fontAlgn="ctr">
+                        <a:lnSpc>
+                          <a:spcPct val="150000"/>
+                        </a:lnSpc>
+                      </a:pPr>
+                      <a:r>
+                        <a:rPr lang="en-US" altLang="zh-CN" sz="1800" u="none" strike="noStrike" dirty="0">
+                          <a:effectLst/>
+                        </a:rPr>
+                        <a:t>0.5348</a:t>
+                      </a:r>
+                      <a:endParaRPr lang="en-US" altLang="zh-CN" sz="1800" b="0" i="0" u="none" strike="noStrike" dirty="0">
+                        <a:solidFill>
+                          <a:srgbClr val="000000"/>
+                        </a:solidFill>
+                        <a:effectLst/>
+                        <a:latin typeface="Times New Roman" panose="02020603050405020304" pitchFamily="18" charset="0"/>
+                        <a:ea typeface="等线" panose="02010600030101010101" pitchFamily="2" charset="-122"/>
+                      </a:endParaRPr>
+                    </a:p>
+                  </a:txBody>
+                  <a:tcPr marL="9318" marR="9318" marT="9318" marB="0" anchor="ctr">
+                    <a:solidFill>
+                      <a:schemeClr val="accent4"/>
+                    </a:solidFill>
+                  </a:tcPr>
+                </a:tc>
+                <a:tc>
+                  <a:txBody>
+                    <a:bodyPr/>
+                    <a:lstStyle/>
+                    <a:p>
+                      <a:pPr algn="l" rtl="0" fontAlgn="ctr">
+                        <a:lnSpc>
+                          <a:spcPct val="150000"/>
+                        </a:lnSpc>
+                      </a:pPr>
+                      <a:r>
+                        <a:rPr lang="en-US" altLang="zh-CN" sz="1800" u="none" strike="noStrike">
+                          <a:effectLst/>
+                        </a:rPr>
+                        <a:t>0.5281</a:t>
+                      </a:r>
+                      <a:endParaRPr lang="en-US" altLang="zh-CN" sz="1800" b="0" i="0" u="none" strike="noStrike">
+                        <a:solidFill>
+                          <a:srgbClr val="000000"/>
+                        </a:solidFill>
+                        <a:effectLst/>
+                        <a:latin typeface="Times New Roman" panose="02020603050405020304" pitchFamily="18" charset="0"/>
+                        <a:ea typeface="等线" panose="02010600030101010101" pitchFamily="2" charset="-122"/>
+                      </a:endParaRPr>
+                    </a:p>
+                  </a:txBody>
+                  <a:tcPr marL="9318" marR="9318" marT="9318" marB="0" anchor="ctr">
+                    <a:solidFill>
+                      <a:schemeClr val="accent4"/>
+                    </a:solidFill>
+                  </a:tcPr>
+                </a:tc>
+                <a:tc>
+                  <a:txBody>
+                    <a:bodyPr/>
+                    <a:lstStyle/>
+                    <a:p>
+                      <a:pPr algn="l" rtl="0" fontAlgn="ctr">
+                        <a:lnSpc>
+                          <a:spcPct val="150000"/>
+                        </a:lnSpc>
+                      </a:pPr>
+                      <a:r>
+                        <a:rPr lang="en-US" altLang="zh-CN" sz="1800" u="none" strike="noStrike">
+                          <a:effectLst/>
+                        </a:rPr>
+                        <a:t>0.8877</a:t>
+                      </a:r>
+                      <a:endParaRPr lang="en-US" altLang="zh-CN" sz="1800" b="0" i="0" u="none" strike="noStrike">
+                        <a:solidFill>
+                          <a:srgbClr val="000000"/>
+                        </a:solidFill>
+                        <a:effectLst/>
+                        <a:latin typeface="Times New Roman" panose="02020603050405020304" pitchFamily="18" charset="0"/>
+                        <a:ea typeface="等线" panose="02010600030101010101" pitchFamily="2" charset="-122"/>
+                      </a:endParaRPr>
+                    </a:p>
+                  </a:txBody>
+                  <a:tcPr marL="9318" marR="9318" marT="9318" marB="0" anchor="ctr"/>
+                </a:tc>
+                <a:tc>
+                  <a:txBody>
+                    <a:bodyPr/>
+                    <a:lstStyle/>
+                    <a:p>
+                      <a:pPr algn="l" rtl="0" fontAlgn="ctr">
+                        <a:lnSpc>
+                          <a:spcPct val="150000"/>
+                        </a:lnSpc>
+                      </a:pPr>
+                      <a:r>
+                        <a:rPr lang="en-US" altLang="zh-CN" sz="1800" u="none" strike="noStrike">
+                          <a:effectLst/>
+                        </a:rPr>
+                        <a:t>0.9001</a:t>
+                      </a:r>
+                      <a:endParaRPr lang="en-US" altLang="zh-CN" sz="1800" b="0" i="0" u="none" strike="noStrike">
+                        <a:solidFill>
+                          <a:srgbClr val="000000"/>
+                        </a:solidFill>
+                        <a:effectLst/>
+                        <a:latin typeface="Times New Roman" panose="02020603050405020304" pitchFamily="18" charset="0"/>
+                        <a:ea typeface="等线" panose="02010600030101010101" pitchFamily="2" charset="-122"/>
+                      </a:endParaRPr>
+                    </a:p>
+                  </a:txBody>
+                  <a:tcPr marL="9318" marR="9318" marT="9318" marB="0" anchor="ctr"/>
+                </a:tc>
+                <a:tc>
+                  <a:txBody>
+                    <a:bodyPr/>
+                    <a:lstStyle/>
+                    <a:p>
+                      <a:pPr algn="l" rtl="0" fontAlgn="ctr">
+                        <a:lnSpc>
+                          <a:spcPct val="150000"/>
+                        </a:lnSpc>
+                      </a:pPr>
+                      <a:r>
+                        <a:rPr lang="en-US" altLang="zh-CN" sz="1800" u="none" strike="noStrike">
+                          <a:effectLst/>
+                        </a:rPr>
+                        <a:t>0.8815</a:t>
+                      </a:r>
+                      <a:endParaRPr lang="en-US" altLang="zh-CN" sz="1800" b="0" i="0" u="none" strike="noStrike">
+                        <a:solidFill>
+                          <a:srgbClr val="000000"/>
+                        </a:solidFill>
+                        <a:effectLst/>
+                        <a:latin typeface="Times New Roman" panose="02020603050405020304" pitchFamily="18" charset="0"/>
+                        <a:ea typeface="等线" panose="02010600030101010101" pitchFamily="2" charset="-122"/>
+                      </a:endParaRPr>
+                    </a:p>
+                  </a:txBody>
+                  <a:tcPr marL="9318" marR="9318" marT="9318" marB="0" anchor="ctr"/>
+                </a:tc>
+                <a:tc>
+                  <a:txBody>
+                    <a:bodyPr/>
+                    <a:lstStyle/>
+                    <a:p>
+                      <a:pPr algn="l" rtl="0" fontAlgn="ctr">
+                        <a:lnSpc>
+                          <a:spcPct val="150000"/>
+                        </a:lnSpc>
+                      </a:pPr>
+                      <a:r>
+                        <a:rPr lang="en-US" altLang="zh-CN" sz="1800" u="none" strike="noStrike" dirty="0">
+                          <a:effectLst/>
+                        </a:rPr>
+                        <a:t>0.8954</a:t>
+                      </a:r>
+                      <a:endParaRPr lang="en-US" altLang="zh-CN" sz="1800" b="0" i="0" u="none" strike="noStrike" dirty="0">
+                        <a:solidFill>
+                          <a:srgbClr val="000000"/>
+                        </a:solidFill>
+                        <a:effectLst/>
+                        <a:latin typeface="Times New Roman" panose="02020603050405020304" pitchFamily="18" charset="0"/>
+                        <a:ea typeface="等线" panose="02010600030101010101" pitchFamily="2" charset="-122"/>
+                      </a:endParaRPr>
+                    </a:p>
+                  </a:txBody>
+                  <a:tcPr marL="9318" marR="9318" marT="9318" marB="0" anchor="ctr"/>
+                </a:tc>
+                <a:extLst>
+                  <a:ext uri="{0D108BD9-81ED-4DB2-BD59-A6C34878D82A}">
+                    <a16:rowId xmlns:a16="http://schemas.microsoft.com/office/drawing/2014/main" val="3693178649"/>
+                  </a:ext>
+                </a:extLst>
+              </a:tr>
+              <a:tr h="295531">
+                <a:tc vMerge="1">
+                  <a:txBody>
+                    <a:bodyPr/>
+                    <a:lstStyle/>
+                    <a:p>
+                      <a:endParaRPr lang="zh-CN" altLang="en-US"/>
                     </a:p>
                   </a:txBody>
                   <a:tcPr/>
@@ -7812,10 +8793,218 @@
                     <a:bodyPr/>
                     <a:lstStyle/>
                     <a:p>
+                      <a:pPr algn="l" fontAlgn="t">
+                        <a:lnSpc>
+                          <a:spcPct val="150000"/>
+                        </a:lnSpc>
+                      </a:pPr>
                       <a:r>
-                        <a:rPr lang="zh-CN" altLang="en-US" dirty="0"/>
-                        <a:t>无</a:t>
+                        <a:rPr lang="en-US" sz="1800" b="1" u="none" strike="noStrike" dirty="0">
+                          <a:effectLst/>
+                        </a:rPr>
+                        <a:t>spleen acc</a:t>
                       </a:r>
+                      <a:endParaRPr lang="en-US" sz="1800" b="1" i="0" u="none" strike="noStrike" dirty="0">
+                        <a:solidFill>
+                          <a:srgbClr val="000000"/>
+                        </a:solidFill>
+                        <a:effectLst/>
+                        <a:latin typeface="Times New Roman" panose="02020603050405020304" pitchFamily="18" charset="0"/>
+                        <a:ea typeface="等线" panose="02010600030101010101" pitchFamily="2" charset="-122"/>
+                      </a:endParaRPr>
+                    </a:p>
+                  </a:txBody>
+                  <a:tcPr marL="9318" marR="9318" marT="9318" marB="0"/>
+                </a:tc>
+                <a:tc>
+                  <a:txBody>
+                    <a:bodyPr/>
+                    <a:lstStyle/>
+                    <a:p>
+                      <a:pPr algn="l" rtl="0" fontAlgn="ctr">
+                        <a:lnSpc>
+                          <a:spcPct val="150000"/>
+                        </a:lnSpc>
+                      </a:pPr>
+                      <a:r>
+                        <a:rPr lang="en-US" altLang="zh-CN" sz="1800" u="none" strike="noStrike" dirty="0">
+                          <a:effectLst/>
+                        </a:rPr>
+                        <a:t>0.6352</a:t>
+                      </a:r>
+                      <a:endParaRPr lang="en-US" altLang="zh-CN" sz="1800" b="0" i="0" u="none" strike="noStrike" dirty="0">
+                        <a:solidFill>
+                          <a:srgbClr val="000000"/>
+                        </a:solidFill>
+                        <a:effectLst/>
+                        <a:latin typeface="Times New Roman" panose="02020603050405020304" pitchFamily="18" charset="0"/>
+                        <a:ea typeface="等线" panose="02010600030101010101" pitchFamily="2" charset="-122"/>
+                      </a:endParaRPr>
+                    </a:p>
+                  </a:txBody>
+                  <a:tcPr marL="9318" marR="9318" marT="9318" marB="0" anchor="ctr">
+                    <a:solidFill>
+                      <a:schemeClr val="accent4"/>
+                    </a:solidFill>
+                  </a:tcPr>
+                </a:tc>
+                <a:tc>
+                  <a:txBody>
+                    <a:bodyPr/>
+                    <a:lstStyle/>
+                    <a:p>
+                      <a:pPr algn="l" rtl="0" fontAlgn="ctr">
+                        <a:lnSpc>
+                          <a:spcPct val="150000"/>
+                        </a:lnSpc>
+                      </a:pPr>
+                      <a:r>
+                        <a:rPr lang="en-US" altLang="zh-CN" sz="1800" u="none" strike="noStrike">
+                          <a:effectLst/>
+                        </a:rPr>
+                        <a:t>0.6352</a:t>
+                      </a:r>
+                      <a:endParaRPr lang="en-US" altLang="zh-CN" sz="1800" b="0" i="0" u="none" strike="noStrike">
+                        <a:solidFill>
+                          <a:srgbClr val="000000"/>
+                        </a:solidFill>
+                        <a:effectLst/>
+                        <a:latin typeface="Times New Roman" panose="02020603050405020304" pitchFamily="18" charset="0"/>
+                        <a:ea typeface="等线" panose="02010600030101010101" pitchFamily="2" charset="-122"/>
+                      </a:endParaRPr>
+                    </a:p>
+                  </a:txBody>
+                  <a:tcPr marL="9318" marR="9318" marT="9318" marB="0" anchor="ctr">
+                    <a:solidFill>
+                      <a:schemeClr val="accent4"/>
+                    </a:solidFill>
+                  </a:tcPr>
+                </a:tc>
+                <a:tc>
+                  <a:txBody>
+                    <a:bodyPr/>
+                    <a:lstStyle/>
+                    <a:p>
+                      <a:pPr algn="l" rtl="0" fontAlgn="ctr">
+                        <a:lnSpc>
+                          <a:spcPct val="150000"/>
+                        </a:lnSpc>
+                      </a:pPr>
+                      <a:r>
+                        <a:rPr lang="en-US" altLang="zh-CN" sz="1800" u="none" strike="noStrike">
+                          <a:effectLst/>
+                        </a:rPr>
+                        <a:t>0.847</a:t>
+                      </a:r>
+                      <a:endParaRPr lang="en-US" altLang="zh-CN" sz="1800" b="0" i="0" u="none" strike="noStrike">
+                        <a:solidFill>
+                          <a:srgbClr val="000000"/>
+                        </a:solidFill>
+                        <a:effectLst/>
+                        <a:latin typeface="Times New Roman" panose="02020603050405020304" pitchFamily="18" charset="0"/>
+                        <a:ea typeface="等线" panose="02010600030101010101" pitchFamily="2" charset="-122"/>
+                      </a:endParaRPr>
+                    </a:p>
+                  </a:txBody>
+                  <a:tcPr marL="9318" marR="9318" marT="9318" marB="0" anchor="ctr"/>
+                </a:tc>
+                <a:tc>
+                  <a:txBody>
+                    <a:bodyPr/>
+                    <a:lstStyle/>
+                    <a:p>
+                      <a:pPr algn="l" rtl="0" fontAlgn="ctr">
+                        <a:lnSpc>
+                          <a:spcPct val="150000"/>
+                        </a:lnSpc>
+                      </a:pPr>
+                      <a:r>
+                        <a:rPr lang="en-US" altLang="zh-CN" sz="1800" u="none" strike="noStrike">
+                          <a:effectLst/>
+                        </a:rPr>
+                        <a:t>0.8532</a:t>
+                      </a:r>
+                      <a:endParaRPr lang="en-US" altLang="zh-CN" sz="1800" b="0" i="0" u="none" strike="noStrike">
+                        <a:solidFill>
+                          <a:srgbClr val="000000"/>
+                        </a:solidFill>
+                        <a:effectLst/>
+                        <a:latin typeface="Times New Roman" panose="02020603050405020304" pitchFamily="18" charset="0"/>
+                        <a:ea typeface="等线" panose="02010600030101010101" pitchFamily="2" charset="-122"/>
+                      </a:endParaRPr>
+                    </a:p>
+                  </a:txBody>
+                  <a:tcPr marL="9318" marR="9318" marT="9318" marB="0" anchor="ctr"/>
+                </a:tc>
+                <a:tc>
+                  <a:txBody>
+                    <a:bodyPr/>
+                    <a:lstStyle/>
+                    <a:p>
+                      <a:pPr algn="l" rtl="0" fontAlgn="ctr">
+                        <a:lnSpc>
+                          <a:spcPct val="150000"/>
+                        </a:lnSpc>
+                      </a:pPr>
+                      <a:r>
+                        <a:rPr lang="en-US" altLang="zh-CN" sz="1800" u="none" strike="noStrike">
+                          <a:effectLst/>
+                        </a:rPr>
+                        <a:t>0.8501</a:t>
+                      </a:r>
+                      <a:endParaRPr lang="en-US" altLang="zh-CN" sz="1800" b="0" i="0" u="none" strike="noStrike">
+                        <a:solidFill>
+                          <a:srgbClr val="000000"/>
+                        </a:solidFill>
+                        <a:effectLst/>
+                        <a:latin typeface="Times New Roman" panose="02020603050405020304" pitchFamily="18" charset="0"/>
+                        <a:ea typeface="等线" panose="02010600030101010101" pitchFamily="2" charset="-122"/>
+                      </a:endParaRPr>
+                    </a:p>
+                  </a:txBody>
+                  <a:tcPr marL="9318" marR="9318" marT="9318" marB="0" anchor="ctr"/>
+                </a:tc>
+                <a:tc>
+                  <a:txBody>
+                    <a:bodyPr/>
+                    <a:lstStyle/>
+                    <a:p>
+                      <a:pPr algn="l" rtl="0" fontAlgn="ctr">
+                        <a:lnSpc>
+                          <a:spcPct val="150000"/>
+                        </a:lnSpc>
+                      </a:pPr>
+                      <a:r>
+                        <a:rPr lang="en-US" altLang="zh-CN" sz="1800" u="none" strike="noStrike">
+                          <a:effectLst/>
+                        </a:rPr>
+                        <a:t>0.8702</a:t>
+                      </a:r>
+                      <a:endParaRPr lang="en-US" altLang="zh-CN" sz="1800" b="0" i="0" u="none" strike="noStrike">
+                        <a:solidFill>
+                          <a:srgbClr val="000000"/>
+                        </a:solidFill>
+                        <a:effectLst/>
+                        <a:latin typeface="Times New Roman" panose="02020603050405020304" pitchFamily="18" charset="0"/>
+                        <a:ea typeface="等线" panose="02010600030101010101" pitchFamily="2" charset="-122"/>
+                      </a:endParaRPr>
+                    </a:p>
+                  </a:txBody>
+                  <a:tcPr marL="9318" marR="9318" marT="9318" marB="0" anchor="ctr"/>
+                </a:tc>
+                <a:extLst>
+                  <a:ext uri="{0D108BD9-81ED-4DB2-BD59-A6C34878D82A}">
+                    <a16:rowId xmlns:a16="http://schemas.microsoft.com/office/drawing/2014/main" val="2248108599"/>
+                  </a:ext>
+                </a:extLst>
+              </a:tr>
+              <a:tr h="295531">
+                <a:tc vMerge="1">
+                  <a:txBody>
+                    <a:bodyPr/>
+                    <a:lstStyle/>
+                    <a:p>
+                      <a:endParaRPr lang="zh-CN" altLang="en-US"/>
                     </a:p>
                   </a:txBody>
                   <a:tcPr/>
@@ -7825,10 +9014,218 @@
                     <a:bodyPr/>
                     <a:lstStyle/>
                     <a:p>
+                      <a:pPr algn="l" fontAlgn="t">
+                        <a:lnSpc>
+                          <a:spcPct val="150000"/>
+                        </a:lnSpc>
+                      </a:pPr>
                       <a:r>
-                        <a:rPr lang="zh-CN" altLang="en-US" dirty="0"/>
-                        <a:t>有</a:t>
+                        <a:rPr lang="en-US" sz="1800" b="1" u="none" strike="noStrike" dirty="0">
+                          <a:effectLst/>
+                        </a:rPr>
+                        <a:t>kidney acc</a:t>
                       </a:r>
+                      <a:endParaRPr lang="en-US" sz="1800" b="1" i="0" u="none" strike="noStrike" dirty="0">
+                        <a:solidFill>
+                          <a:srgbClr val="000000"/>
+                        </a:solidFill>
+                        <a:effectLst/>
+                        <a:latin typeface="Times New Roman" panose="02020603050405020304" pitchFamily="18" charset="0"/>
+                        <a:ea typeface="等线" panose="02010600030101010101" pitchFamily="2" charset="-122"/>
+                      </a:endParaRPr>
+                    </a:p>
+                  </a:txBody>
+                  <a:tcPr marL="9318" marR="9318" marT="9318" marB="0"/>
+                </a:tc>
+                <a:tc>
+                  <a:txBody>
+                    <a:bodyPr/>
+                    <a:lstStyle/>
+                    <a:p>
+                      <a:pPr algn="l" rtl="0" fontAlgn="ctr">
+                        <a:lnSpc>
+                          <a:spcPct val="150000"/>
+                        </a:lnSpc>
+                      </a:pPr>
+                      <a:r>
+                        <a:rPr lang="en-US" altLang="zh-CN" sz="1800" u="none" strike="noStrike">
+                          <a:effectLst/>
+                        </a:rPr>
+                        <a:t>0.5352</a:t>
+                      </a:r>
+                      <a:endParaRPr lang="en-US" altLang="zh-CN" sz="1800" b="0" i="0" u="none" strike="noStrike">
+                        <a:solidFill>
+                          <a:srgbClr val="000000"/>
+                        </a:solidFill>
+                        <a:effectLst/>
+                        <a:latin typeface="Times New Roman" panose="02020603050405020304" pitchFamily="18" charset="0"/>
+                        <a:ea typeface="等线" panose="02010600030101010101" pitchFamily="2" charset="-122"/>
+                      </a:endParaRPr>
+                    </a:p>
+                  </a:txBody>
+                  <a:tcPr marL="9318" marR="9318" marT="9318" marB="0" anchor="ctr">
+                    <a:solidFill>
+                      <a:schemeClr val="accent4"/>
+                    </a:solidFill>
+                  </a:tcPr>
+                </a:tc>
+                <a:tc>
+                  <a:txBody>
+                    <a:bodyPr/>
+                    <a:lstStyle/>
+                    <a:p>
+                      <a:pPr algn="l" rtl="0" fontAlgn="ctr">
+                        <a:lnSpc>
+                          <a:spcPct val="150000"/>
+                        </a:lnSpc>
+                      </a:pPr>
+                      <a:r>
+                        <a:rPr lang="en-US" altLang="zh-CN" sz="1800" u="none" strike="noStrike">
+                          <a:effectLst/>
+                        </a:rPr>
+                        <a:t>0.5518</a:t>
+                      </a:r>
+                      <a:endParaRPr lang="en-US" altLang="zh-CN" sz="1800" b="0" i="0" u="none" strike="noStrike">
+                        <a:solidFill>
+                          <a:srgbClr val="000000"/>
+                        </a:solidFill>
+                        <a:effectLst/>
+                        <a:latin typeface="Times New Roman" panose="02020603050405020304" pitchFamily="18" charset="0"/>
+                        <a:ea typeface="等线" panose="02010600030101010101" pitchFamily="2" charset="-122"/>
+                      </a:endParaRPr>
+                    </a:p>
+                  </a:txBody>
+                  <a:tcPr marL="9318" marR="9318" marT="9318" marB="0" anchor="ctr">
+                    <a:solidFill>
+                      <a:schemeClr val="accent4"/>
+                    </a:solidFill>
+                  </a:tcPr>
+                </a:tc>
+                <a:tc>
+                  <a:txBody>
+                    <a:bodyPr/>
+                    <a:lstStyle/>
+                    <a:p>
+                      <a:pPr algn="l" rtl="0" fontAlgn="ctr">
+                        <a:lnSpc>
+                          <a:spcPct val="150000"/>
+                        </a:lnSpc>
+                      </a:pPr>
+                      <a:r>
+                        <a:rPr lang="en-US" altLang="zh-CN" sz="1800" u="none" strike="noStrike">
+                          <a:effectLst/>
+                        </a:rPr>
+                        <a:t>0.8918</a:t>
+                      </a:r>
+                      <a:endParaRPr lang="en-US" altLang="zh-CN" sz="1800" b="0" i="0" u="none" strike="noStrike">
+                        <a:solidFill>
+                          <a:srgbClr val="000000"/>
+                        </a:solidFill>
+                        <a:effectLst/>
+                        <a:latin typeface="Times New Roman" panose="02020603050405020304" pitchFamily="18" charset="0"/>
+                        <a:ea typeface="等线" panose="02010600030101010101" pitchFamily="2" charset="-122"/>
+                      </a:endParaRPr>
+                    </a:p>
+                  </a:txBody>
+                  <a:tcPr marL="9318" marR="9318" marT="9318" marB="0" anchor="ctr"/>
+                </a:tc>
+                <a:tc>
+                  <a:txBody>
+                    <a:bodyPr/>
+                    <a:lstStyle/>
+                    <a:p>
+                      <a:pPr algn="l" rtl="0" fontAlgn="ctr">
+                        <a:lnSpc>
+                          <a:spcPct val="150000"/>
+                        </a:lnSpc>
+                      </a:pPr>
+                      <a:r>
+                        <a:rPr lang="en-US" altLang="zh-CN" sz="1800" u="none" strike="noStrike">
+                          <a:effectLst/>
+                        </a:rPr>
+                        <a:t>0.9212</a:t>
+                      </a:r>
+                      <a:endParaRPr lang="en-US" altLang="zh-CN" sz="1800" b="0" i="0" u="none" strike="noStrike">
+                        <a:solidFill>
+                          <a:srgbClr val="000000"/>
+                        </a:solidFill>
+                        <a:effectLst/>
+                        <a:latin typeface="Times New Roman" panose="02020603050405020304" pitchFamily="18" charset="0"/>
+                        <a:ea typeface="等线" panose="02010600030101010101" pitchFamily="2" charset="-122"/>
+                      </a:endParaRPr>
+                    </a:p>
+                  </a:txBody>
+                  <a:tcPr marL="9318" marR="9318" marT="9318" marB="0" anchor="ctr"/>
+                </a:tc>
+                <a:tc>
+                  <a:txBody>
+                    <a:bodyPr/>
+                    <a:lstStyle/>
+                    <a:p>
+                      <a:pPr algn="l" rtl="0" fontAlgn="ctr">
+                        <a:lnSpc>
+                          <a:spcPct val="150000"/>
+                        </a:lnSpc>
+                      </a:pPr>
+                      <a:r>
+                        <a:rPr lang="en-US" altLang="zh-CN" sz="1800" u="none" strike="noStrike">
+                          <a:effectLst/>
+                        </a:rPr>
+                        <a:t>0.881</a:t>
+                      </a:r>
+                      <a:endParaRPr lang="en-US" altLang="zh-CN" sz="1800" b="0" i="0" u="none" strike="noStrike">
+                        <a:solidFill>
+                          <a:srgbClr val="000000"/>
+                        </a:solidFill>
+                        <a:effectLst/>
+                        <a:latin typeface="Times New Roman" panose="02020603050405020304" pitchFamily="18" charset="0"/>
+                        <a:ea typeface="等线" panose="02010600030101010101" pitchFamily="2" charset="-122"/>
+                      </a:endParaRPr>
+                    </a:p>
+                  </a:txBody>
+                  <a:tcPr marL="9318" marR="9318" marT="9318" marB="0" anchor="ctr"/>
+                </a:tc>
+                <a:tc>
+                  <a:txBody>
+                    <a:bodyPr/>
+                    <a:lstStyle/>
+                    <a:p>
+                      <a:pPr algn="l" rtl="0" fontAlgn="ctr">
+                        <a:lnSpc>
+                          <a:spcPct val="150000"/>
+                        </a:lnSpc>
+                      </a:pPr>
+                      <a:r>
+                        <a:rPr lang="en-US" altLang="zh-CN" sz="1800" u="none" strike="noStrike">
+                          <a:effectLst/>
+                        </a:rPr>
+                        <a:t>0.8949</a:t>
+                      </a:r>
+                      <a:endParaRPr lang="en-US" altLang="zh-CN" sz="1800" b="0" i="0" u="none" strike="noStrike">
+                        <a:solidFill>
+                          <a:srgbClr val="000000"/>
+                        </a:solidFill>
+                        <a:effectLst/>
+                        <a:latin typeface="Times New Roman" panose="02020603050405020304" pitchFamily="18" charset="0"/>
+                        <a:ea typeface="等线" panose="02010600030101010101" pitchFamily="2" charset="-122"/>
+                      </a:endParaRPr>
+                    </a:p>
+                  </a:txBody>
+                  <a:tcPr marL="9318" marR="9318" marT="9318" marB="0" anchor="ctr"/>
+                </a:tc>
+                <a:extLst>
+                  <a:ext uri="{0D108BD9-81ED-4DB2-BD59-A6C34878D82A}">
+                    <a16:rowId xmlns:a16="http://schemas.microsoft.com/office/drawing/2014/main" val="2694708206"/>
+                  </a:ext>
+                </a:extLst>
+              </a:tr>
+              <a:tr h="295531">
+                <a:tc vMerge="1">
+                  <a:txBody>
+                    <a:bodyPr/>
+                    <a:lstStyle/>
+                    <a:p>
+                      <a:endParaRPr lang="zh-CN" altLang="en-US"/>
                     </a:p>
                   </a:txBody>
                   <a:tcPr/>
@@ -7838,10 +9235,457 @@
                     <a:bodyPr/>
                     <a:lstStyle/>
                     <a:p>
+                      <a:pPr algn="l" fontAlgn="t">
+                        <a:lnSpc>
+                          <a:spcPct val="150000"/>
+                        </a:lnSpc>
+                      </a:pPr>
                       <a:r>
-                        <a:rPr lang="zh-CN" altLang="en-US" dirty="0"/>
-                        <a:t>有</a:t>
+                        <a:rPr lang="en-US" sz="1800" b="1" u="none" strike="noStrike" dirty="0">
+                          <a:effectLst/>
+                        </a:rPr>
+                        <a:t>liver acc</a:t>
                       </a:r>
+                      <a:endParaRPr lang="en-US" sz="1800" b="1" i="0" u="none" strike="noStrike" dirty="0">
+                        <a:solidFill>
+                          <a:srgbClr val="000000"/>
+                        </a:solidFill>
+                        <a:effectLst/>
+                        <a:latin typeface="Times New Roman" panose="02020603050405020304" pitchFamily="18" charset="0"/>
+                        <a:ea typeface="等线" panose="02010600030101010101" pitchFamily="2" charset="-122"/>
+                      </a:endParaRPr>
+                    </a:p>
+                  </a:txBody>
+                  <a:tcPr marL="9318" marR="9318" marT="9318" marB="0"/>
+                </a:tc>
+                <a:tc>
+                  <a:txBody>
+                    <a:bodyPr/>
+                    <a:lstStyle/>
+                    <a:p>
+                      <a:pPr algn="l" rtl="0" fontAlgn="ctr">
+                        <a:lnSpc>
+                          <a:spcPct val="150000"/>
+                        </a:lnSpc>
+                      </a:pPr>
+                      <a:r>
+                        <a:rPr lang="en-US" altLang="zh-CN" sz="1800" u="none" strike="noStrike" dirty="0">
+                          <a:effectLst/>
+                        </a:rPr>
+                        <a:t>0.4343</a:t>
+                      </a:r>
+                      <a:endParaRPr lang="en-US" altLang="zh-CN" sz="1800" b="0" i="0" u="none" strike="noStrike" dirty="0">
+                        <a:solidFill>
+                          <a:srgbClr val="000000"/>
+                        </a:solidFill>
+                        <a:effectLst/>
+                        <a:latin typeface="Times New Roman" panose="02020603050405020304" pitchFamily="18" charset="0"/>
+                        <a:ea typeface="等线" panose="02010600030101010101" pitchFamily="2" charset="-122"/>
+                      </a:endParaRPr>
+                    </a:p>
+                  </a:txBody>
+                  <a:tcPr marL="9318" marR="9318" marT="9318" marB="0" anchor="ctr">
+                    <a:solidFill>
+                      <a:schemeClr val="accent4"/>
+                    </a:solidFill>
+                  </a:tcPr>
+                </a:tc>
+                <a:tc>
+                  <a:txBody>
+                    <a:bodyPr/>
+                    <a:lstStyle/>
+                    <a:p>
+                      <a:pPr algn="l" rtl="0" fontAlgn="ctr">
+                        <a:lnSpc>
+                          <a:spcPct val="150000"/>
+                        </a:lnSpc>
+                      </a:pPr>
+                      <a:r>
+                        <a:rPr lang="en-US" altLang="zh-CN" sz="1800" u="none" strike="noStrike" dirty="0">
+                          <a:effectLst/>
+                        </a:rPr>
+                        <a:t>0.3942</a:t>
+                      </a:r>
+                      <a:endParaRPr lang="en-US" altLang="zh-CN" sz="1800" b="0" i="0" u="none" strike="noStrike" dirty="0">
+                        <a:solidFill>
+                          <a:srgbClr val="000000"/>
+                        </a:solidFill>
+                        <a:effectLst/>
+                        <a:latin typeface="Times New Roman" panose="02020603050405020304" pitchFamily="18" charset="0"/>
+                        <a:ea typeface="等线" panose="02010600030101010101" pitchFamily="2" charset="-122"/>
+                      </a:endParaRPr>
+                    </a:p>
+                  </a:txBody>
+                  <a:tcPr marL="9318" marR="9318" marT="9318" marB="0" anchor="ctr">
+                    <a:solidFill>
+                      <a:schemeClr val="accent4"/>
+                    </a:solidFill>
+                  </a:tcPr>
+                </a:tc>
+                <a:tc>
+                  <a:txBody>
+                    <a:bodyPr/>
+                    <a:lstStyle/>
+                    <a:p>
+                      <a:pPr algn="l" rtl="0" fontAlgn="ctr">
+                        <a:lnSpc>
+                          <a:spcPct val="150000"/>
+                        </a:lnSpc>
+                      </a:pPr>
+                      <a:r>
+                        <a:rPr lang="en-US" altLang="zh-CN" sz="1800" u="none" strike="noStrike">
+                          <a:effectLst/>
+                        </a:rPr>
+                        <a:t>0.9243</a:t>
+                      </a:r>
+                      <a:endParaRPr lang="en-US" altLang="zh-CN" sz="1800" b="0" i="0" u="none" strike="noStrike">
+                        <a:solidFill>
+                          <a:srgbClr val="000000"/>
+                        </a:solidFill>
+                        <a:effectLst/>
+                        <a:latin typeface="Times New Roman" panose="02020603050405020304" pitchFamily="18" charset="0"/>
+                        <a:ea typeface="等线" panose="02010600030101010101" pitchFamily="2" charset="-122"/>
+                      </a:endParaRPr>
+                    </a:p>
+                  </a:txBody>
+                  <a:tcPr marL="9318" marR="9318" marT="9318" marB="0" anchor="ctr"/>
+                </a:tc>
+                <a:tc>
+                  <a:txBody>
+                    <a:bodyPr/>
+                    <a:lstStyle/>
+                    <a:p>
+                      <a:pPr algn="l" rtl="0" fontAlgn="ctr">
+                        <a:lnSpc>
+                          <a:spcPct val="150000"/>
+                        </a:lnSpc>
+                      </a:pPr>
+                      <a:r>
+                        <a:rPr lang="en-US" altLang="zh-CN" sz="1800" u="none" strike="noStrike">
+                          <a:effectLst/>
+                        </a:rPr>
+                        <a:t>0.9258</a:t>
+                      </a:r>
+                      <a:endParaRPr lang="en-US" altLang="zh-CN" sz="1800" b="0" i="0" u="none" strike="noStrike">
+                        <a:solidFill>
+                          <a:srgbClr val="000000"/>
+                        </a:solidFill>
+                        <a:effectLst/>
+                        <a:latin typeface="Times New Roman" panose="02020603050405020304" pitchFamily="18" charset="0"/>
+                        <a:ea typeface="等线" panose="02010600030101010101" pitchFamily="2" charset="-122"/>
+                      </a:endParaRPr>
+                    </a:p>
+                  </a:txBody>
+                  <a:tcPr marL="9318" marR="9318" marT="9318" marB="0" anchor="ctr"/>
+                </a:tc>
+                <a:tc>
+                  <a:txBody>
+                    <a:bodyPr/>
+                    <a:lstStyle/>
+                    <a:p>
+                      <a:pPr algn="l" rtl="0" fontAlgn="ctr">
+                        <a:lnSpc>
+                          <a:spcPct val="150000"/>
+                        </a:lnSpc>
+                      </a:pPr>
+                      <a:r>
+                        <a:rPr lang="en-US" altLang="zh-CN" sz="1800" u="none" strike="noStrike" dirty="0">
+                          <a:effectLst/>
+                        </a:rPr>
+                        <a:t>0.9134</a:t>
+                      </a:r>
+                      <a:endParaRPr lang="en-US" altLang="zh-CN" sz="1800" b="0" i="0" u="none" strike="noStrike" dirty="0">
+                        <a:solidFill>
+                          <a:srgbClr val="000000"/>
+                        </a:solidFill>
+                        <a:effectLst/>
+                        <a:latin typeface="Times New Roman" panose="02020603050405020304" pitchFamily="18" charset="0"/>
+                        <a:ea typeface="等线" panose="02010600030101010101" pitchFamily="2" charset="-122"/>
+                      </a:endParaRPr>
+                    </a:p>
+                  </a:txBody>
+                  <a:tcPr marL="9318" marR="9318" marT="9318" marB="0" anchor="ctr"/>
+                </a:tc>
+                <a:tc>
+                  <a:txBody>
+                    <a:bodyPr/>
+                    <a:lstStyle/>
+                    <a:p>
+                      <a:pPr algn="l" rtl="0" fontAlgn="ctr">
+                        <a:lnSpc>
+                          <a:spcPct val="150000"/>
+                        </a:lnSpc>
+                      </a:pPr>
+                      <a:r>
+                        <a:rPr lang="en-US" altLang="zh-CN" sz="1800" u="none" strike="noStrike">
+                          <a:effectLst/>
+                        </a:rPr>
+                        <a:t>0.9212</a:t>
+                      </a:r>
+                      <a:endParaRPr lang="en-US" altLang="zh-CN" sz="1800" b="0" i="0" u="none" strike="noStrike">
+                        <a:solidFill>
+                          <a:srgbClr val="000000"/>
+                        </a:solidFill>
+                        <a:effectLst/>
+                        <a:latin typeface="Times New Roman" panose="02020603050405020304" pitchFamily="18" charset="0"/>
+                        <a:ea typeface="等线" panose="02010600030101010101" pitchFamily="2" charset="-122"/>
+                      </a:endParaRPr>
+                    </a:p>
+                  </a:txBody>
+                  <a:tcPr marL="9318" marR="9318" marT="9318" marB="0" anchor="ctr"/>
+                </a:tc>
+                <a:extLst>
+                  <a:ext uri="{0D108BD9-81ED-4DB2-BD59-A6C34878D82A}">
+                    <a16:rowId xmlns:a16="http://schemas.microsoft.com/office/drawing/2014/main" val="3512762867"/>
+                  </a:ext>
+                </a:extLst>
+              </a:tr>
+              <a:tr h="295531">
+                <a:tc rowSpan="4">
+                  <a:txBody>
+                    <a:bodyPr/>
+                    <a:lstStyle/>
+                    <a:p>
+                      <a:pPr algn="l" rtl="0" fontAlgn="ctr">
+                        <a:lnSpc>
+                          <a:spcPct val="150000"/>
+                        </a:lnSpc>
+                      </a:pPr>
+                      <a:r>
+                        <a:rPr lang="en-US" sz="1800" b="1" u="none" strike="noStrike" dirty="0">
+                          <a:effectLst/>
+                        </a:rPr>
+                        <a:t>T1_out</a:t>
+                      </a:r>
+                      <a:endParaRPr lang="en-US" sz="1800" b="1" i="0" u="none" strike="noStrike" dirty="0">
+                        <a:solidFill>
+                          <a:srgbClr val="000000"/>
+                        </a:solidFill>
+                        <a:effectLst/>
+                        <a:latin typeface="Times New Roman" panose="02020603050405020304" pitchFamily="18" charset="0"/>
+                        <a:ea typeface="等线" panose="02010600030101010101" pitchFamily="2" charset="-122"/>
+                      </a:endParaRPr>
+                    </a:p>
+                  </a:txBody>
+                  <a:tcPr marL="9318" marR="9318" marT="9318" marB="0" anchor="ctr"/>
+                </a:tc>
+                <a:tc>
+                  <a:txBody>
+                    <a:bodyPr/>
+                    <a:lstStyle/>
+                    <a:p>
+                      <a:pPr algn="l" fontAlgn="t">
+                        <a:lnSpc>
+                          <a:spcPct val="150000"/>
+                        </a:lnSpc>
+                      </a:pPr>
+                      <a:r>
+                        <a:rPr lang="en-US" sz="1800" b="1" u="none" strike="noStrike">
+                          <a:effectLst/>
+                        </a:rPr>
+                        <a:t>average acc</a:t>
+                      </a:r>
+                      <a:endParaRPr lang="en-US" sz="1800" b="1" i="0" u="none" strike="noStrike">
+                        <a:solidFill>
+                          <a:srgbClr val="000000"/>
+                        </a:solidFill>
+                        <a:effectLst/>
+                        <a:latin typeface="Times New Roman" panose="02020603050405020304" pitchFamily="18" charset="0"/>
+                        <a:ea typeface="等线" panose="02010600030101010101" pitchFamily="2" charset="-122"/>
+                      </a:endParaRPr>
+                    </a:p>
+                  </a:txBody>
+                  <a:tcPr marL="9318" marR="9318" marT="9318" marB="0"/>
+                </a:tc>
+                <a:tc>
+                  <a:txBody>
+                    <a:bodyPr/>
+                    <a:lstStyle/>
+                    <a:p>
+                      <a:pPr algn="l" rtl="0" fontAlgn="ctr">
+                        <a:lnSpc>
+                          <a:spcPct val="150000"/>
+                        </a:lnSpc>
+                      </a:pPr>
+                      <a:r>
+                        <a:rPr lang="en-US" altLang="zh-CN" sz="1800" u="none" strike="noStrike">
+                          <a:effectLst/>
+                        </a:rPr>
+                        <a:t>0.5549</a:t>
+                      </a:r>
+                      <a:endParaRPr lang="en-US" altLang="zh-CN" sz="1800" b="0" i="0" u="none" strike="noStrike">
+                        <a:solidFill>
+                          <a:srgbClr val="000000"/>
+                        </a:solidFill>
+                        <a:effectLst/>
+                        <a:latin typeface="Times New Roman" panose="02020603050405020304" pitchFamily="18" charset="0"/>
+                        <a:ea typeface="等线" panose="02010600030101010101" pitchFamily="2" charset="-122"/>
+                      </a:endParaRPr>
+                    </a:p>
+                  </a:txBody>
+                  <a:tcPr marL="9318" marR="9318" marT="9318" marB="0" anchor="ctr">
+                    <a:solidFill>
+                      <a:schemeClr val="accent4"/>
+                    </a:solidFill>
+                  </a:tcPr>
+                </a:tc>
+                <a:tc>
+                  <a:txBody>
+                    <a:bodyPr/>
+                    <a:lstStyle/>
+                    <a:p>
+                      <a:pPr algn="l" rtl="0" fontAlgn="ctr">
+                        <a:lnSpc>
+                          <a:spcPct val="150000"/>
+                        </a:lnSpc>
+                      </a:pPr>
+                      <a:r>
+                        <a:rPr lang="en-US" altLang="zh-CN" sz="1800" u="none" strike="noStrike" dirty="0">
+                          <a:effectLst/>
+                        </a:rPr>
+                        <a:t>0.5245</a:t>
+                      </a:r>
+                      <a:endParaRPr lang="en-US" altLang="zh-CN" sz="1800" b="0" i="0" u="none" strike="noStrike" dirty="0">
+                        <a:solidFill>
+                          <a:srgbClr val="000000"/>
+                        </a:solidFill>
+                        <a:effectLst/>
+                        <a:latin typeface="Times New Roman" panose="02020603050405020304" pitchFamily="18" charset="0"/>
+                        <a:ea typeface="等线" panose="02010600030101010101" pitchFamily="2" charset="-122"/>
+                      </a:endParaRPr>
+                    </a:p>
+                  </a:txBody>
+                  <a:tcPr marL="9318" marR="9318" marT="9318" marB="0" anchor="ctr">
+                    <a:solidFill>
+                      <a:schemeClr val="accent4"/>
+                    </a:solidFill>
+                  </a:tcPr>
+                </a:tc>
+                <a:tc>
+                  <a:txBody>
+                    <a:bodyPr/>
+                    <a:lstStyle/>
+                    <a:p>
+                      <a:pPr algn="l" rtl="0" fontAlgn="ctr">
+                        <a:lnSpc>
+                          <a:spcPct val="150000"/>
+                        </a:lnSpc>
+                      </a:pPr>
+                      <a:r>
+                        <a:rPr lang="en-US" altLang="zh-CN" sz="1800" u="none" strike="noStrike">
+                          <a:effectLst/>
+                        </a:rPr>
+                        <a:t>0.8897</a:t>
+                      </a:r>
+                      <a:endParaRPr lang="en-US" altLang="zh-CN" sz="1800" b="0" i="0" u="none" strike="noStrike">
+                        <a:solidFill>
+                          <a:srgbClr val="000000"/>
+                        </a:solidFill>
+                        <a:effectLst/>
+                        <a:latin typeface="Times New Roman" panose="02020603050405020304" pitchFamily="18" charset="0"/>
+                        <a:ea typeface="等线" panose="02010600030101010101" pitchFamily="2" charset="-122"/>
+                      </a:endParaRPr>
+                    </a:p>
+                  </a:txBody>
+                  <a:tcPr marL="9318" marR="9318" marT="9318" marB="0" anchor="ctr"/>
+                </a:tc>
+                <a:tc>
+                  <a:txBody>
+                    <a:bodyPr/>
+                    <a:lstStyle/>
+                    <a:p>
+                      <a:pPr algn="l" rtl="0" fontAlgn="ctr">
+                        <a:lnSpc>
+                          <a:spcPct val="150000"/>
+                        </a:lnSpc>
+                      </a:pPr>
+                      <a:r>
+                        <a:rPr lang="en-US" altLang="zh-CN" sz="1800" u="none" strike="noStrike" dirty="0">
+                          <a:effectLst/>
+                        </a:rPr>
+                        <a:t>0.897</a:t>
+                      </a:r>
+                      <a:endParaRPr lang="en-US" altLang="zh-CN" sz="1800" b="0" i="0" u="none" strike="noStrike" dirty="0">
+                        <a:solidFill>
+                          <a:srgbClr val="000000"/>
+                        </a:solidFill>
+                        <a:effectLst/>
+                        <a:latin typeface="Times New Roman" panose="02020603050405020304" pitchFamily="18" charset="0"/>
+                        <a:ea typeface="等线" panose="02010600030101010101" pitchFamily="2" charset="-122"/>
+                      </a:endParaRPr>
+                    </a:p>
+                  </a:txBody>
+                  <a:tcPr marL="9318" marR="9318" marT="9318" marB="0" anchor="ctr"/>
+                </a:tc>
+                <a:tc>
+                  <a:txBody>
+                    <a:bodyPr/>
+                    <a:lstStyle/>
+                    <a:p>
+                      <a:pPr algn="l" rtl="0" fontAlgn="ctr">
+                        <a:lnSpc>
+                          <a:spcPct val="150000"/>
+                        </a:lnSpc>
+                      </a:pPr>
+                      <a:r>
+                        <a:rPr lang="en-US" altLang="zh-CN" sz="1800" u="none" strike="noStrike">
+                          <a:effectLst/>
+                        </a:rPr>
+                        <a:t>0.8897</a:t>
+                      </a:r>
+                      <a:endParaRPr lang="en-US" altLang="zh-CN" sz="1800" b="0" i="0" u="none" strike="noStrike">
+                        <a:solidFill>
+                          <a:srgbClr val="000000"/>
+                        </a:solidFill>
+                        <a:effectLst/>
+                        <a:latin typeface="Times New Roman" panose="02020603050405020304" pitchFamily="18" charset="0"/>
+                        <a:ea typeface="等线" panose="02010600030101010101" pitchFamily="2" charset="-122"/>
+                      </a:endParaRPr>
+                    </a:p>
+                  </a:txBody>
+                  <a:tcPr marL="9318" marR="9318" marT="9318" marB="0" anchor="ctr"/>
+                </a:tc>
+                <a:tc>
+                  <a:txBody>
+                    <a:bodyPr/>
+                    <a:lstStyle/>
+                    <a:p>
+                      <a:pPr algn="l" rtl="0" fontAlgn="ctr">
+                        <a:lnSpc>
+                          <a:spcPct val="150000"/>
+                        </a:lnSpc>
+                      </a:pPr>
+                      <a:r>
+                        <a:rPr lang="en-US" altLang="zh-CN" sz="1800" u="none" strike="noStrike">
+                          <a:effectLst/>
+                        </a:rPr>
+                        <a:t>0.899</a:t>
+                      </a:r>
+                      <a:endParaRPr lang="en-US" altLang="zh-CN" sz="1800" b="0" i="0" u="none" strike="noStrike">
+                        <a:solidFill>
+                          <a:srgbClr val="000000"/>
+                        </a:solidFill>
+                        <a:effectLst/>
+                        <a:latin typeface="Times New Roman" panose="02020603050405020304" pitchFamily="18" charset="0"/>
+                        <a:ea typeface="等线" panose="02010600030101010101" pitchFamily="2" charset="-122"/>
+                      </a:endParaRPr>
+                    </a:p>
+                  </a:txBody>
+                  <a:tcPr marL="9318" marR="9318" marT="9318" marB="0" anchor="ctr"/>
+                </a:tc>
+                <a:extLst>
+                  <a:ext uri="{0D108BD9-81ED-4DB2-BD59-A6C34878D82A}">
+                    <a16:rowId xmlns:a16="http://schemas.microsoft.com/office/drawing/2014/main" val="2398966593"/>
+                  </a:ext>
+                </a:extLst>
+              </a:tr>
+              <a:tr h="295531">
+                <a:tc vMerge="1">
+                  <a:txBody>
+                    <a:bodyPr/>
+                    <a:lstStyle/>
+                    <a:p>
+                      <a:endParaRPr lang="zh-CN" altLang="en-US"/>
                     </a:p>
                   </a:txBody>
                   <a:tcPr/>
@@ -7851,30 +9695,218 @@
                     <a:bodyPr/>
                     <a:lstStyle/>
                     <a:p>
-                      <a:pPr marL="0" marR="0" lvl="0" indent="0" algn="l" defTabSz="914400" rtl="0" eaLnBrk="1" fontAlgn="auto" latinLnBrk="0" hangingPunct="1">
+                      <a:pPr algn="l" fontAlgn="t">
                         <a:lnSpc>
-                          <a:spcPct val="100000"/>
+                          <a:spcPct val="150000"/>
                         </a:lnSpc>
-                        <a:spcBef>
-                          <a:spcPts val="0"/>
-                        </a:spcBef>
-                        <a:spcAft>
-                          <a:spcPts val="0"/>
-                        </a:spcAft>
-                        <a:buClrTx/>
-                        <a:buSzTx/>
-                        <a:buFontTx/>
-                        <a:buNone/>
-                        <a:tabLst/>
-                        <a:defRPr/>
                       </a:pPr>
                       <a:r>
-                        <a:rPr lang="zh-CN" altLang="en-US" dirty="0"/>
-                        <a:t>有</a:t>
+                        <a:rPr lang="en-US" sz="1800" b="1" u="none" strike="noStrike" dirty="0">
+                          <a:effectLst/>
+                        </a:rPr>
+                        <a:t>spleen acc</a:t>
                       </a:r>
-                    </a:p>
-                    <a:p>
-                      <a:endParaRPr lang="zh-CN" altLang="en-US" dirty="0"/>
+                      <a:endParaRPr lang="en-US" sz="1800" b="1" i="0" u="none" strike="noStrike" dirty="0">
+                        <a:solidFill>
+                          <a:srgbClr val="000000"/>
+                        </a:solidFill>
+                        <a:effectLst/>
+                        <a:latin typeface="Times New Roman" panose="02020603050405020304" pitchFamily="18" charset="0"/>
+                        <a:ea typeface="等线" panose="02010600030101010101" pitchFamily="2" charset="-122"/>
+                      </a:endParaRPr>
+                    </a:p>
+                  </a:txBody>
+                  <a:tcPr marL="9318" marR="9318" marT="9318" marB="0"/>
+                </a:tc>
+                <a:tc>
+                  <a:txBody>
+                    <a:bodyPr/>
+                    <a:lstStyle/>
+                    <a:p>
+                      <a:pPr algn="l" rtl="0" fontAlgn="ctr">
+                        <a:lnSpc>
+                          <a:spcPct val="150000"/>
+                        </a:lnSpc>
+                      </a:pPr>
+                      <a:r>
+                        <a:rPr lang="en-US" altLang="zh-CN" sz="1800" u="none" strike="noStrike">
+                          <a:effectLst/>
+                        </a:rPr>
+                        <a:t>0.6352</a:t>
+                      </a:r>
+                      <a:endParaRPr lang="en-US" altLang="zh-CN" sz="1800" b="0" i="0" u="none" strike="noStrike">
+                        <a:solidFill>
+                          <a:srgbClr val="000000"/>
+                        </a:solidFill>
+                        <a:effectLst/>
+                        <a:latin typeface="Times New Roman" panose="02020603050405020304" pitchFamily="18" charset="0"/>
+                        <a:ea typeface="等线" panose="02010600030101010101" pitchFamily="2" charset="-122"/>
+                      </a:endParaRPr>
+                    </a:p>
+                  </a:txBody>
+                  <a:tcPr marL="9318" marR="9318" marT="9318" marB="0" anchor="ctr">
+                    <a:solidFill>
+                      <a:schemeClr val="accent4"/>
+                    </a:solidFill>
+                  </a:tcPr>
+                </a:tc>
+                <a:tc>
+                  <a:txBody>
+                    <a:bodyPr/>
+                    <a:lstStyle/>
+                    <a:p>
+                      <a:pPr algn="l" rtl="0" fontAlgn="ctr">
+                        <a:lnSpc>
+                          <a:spcPct val="150000"/>
+                        </a:lnSpc>
+                      </a:pPr>
+                      <a:r>
+                        <a:rPr lang="en-US" altLang="zh-CN" sz="1800" u="none" strike="noStrike" dirty="0">
+                          <a:effectLst/>
+                        </a:rPr>
+                        <a:t>0.6352</a:t>
+                      </a:r>
+                      <a:endParaRPr lang="en-US" altLang="zh-CN" sz="1800" b="0" i="0" u="none" strike="noStrike" dirty="0">
+                        <a:solidFill>
+                          <a:srgbClr val="000000"/>
+                        </a:solidFill>
+                        <a:effectLst/>
+                        <a:latin typeface="Times New Roman" panose="02020603050405020304" pitchFamily="18" charset="0"/>
+                        <a:ea typeface="等线" panose="02010600030101010101" pitchFamily="2" charset="-122"/>
+                      </a:endParaRPr>
+                    </a:p>
+                  </a:txBody>
+                  <a:tcPr marL="9318" marR="9318" marT="9318" marB="0" anchor="ctr">
+                    <a:solidFill>
+                      <a:schemeClr val="accent4"/>
+                    </a:solidFill>
+                  </a:tcPr>
+                </a:tc>
+                <a:tc>
+                  <a:txBody>
+                    <a:bodyPr/>
+                    <a:lstStyle/>
+                    <a:p>
+                      <a:pPr algn="l" rtl="0" fontAlgn="ctr">
+                        <a:lnSpc>
+                          <a:spcPct val="150000"/>
+                        </a:lnSpc>
+                      </a:pPr>
+                      <a:r>
+                        <a:rPr lang="en-US" altLang="zh-CN" sz="1800" u="none" strike="noStrike">
+                          <a:effectLst/>
+                        </a:rPr>
+                        <a:t>0.8655</a:t>
+                      </a:r>
+                      <a:endParaRPr lang="en-US" altLang="zh-CN" sz="1800" b="0" i="0" u="none" strike="noStrike">
+                        <a:solidFill>
+                          <a:srgbClr val="000000"/>
+                        </a:solidFill>
+                        <a:effectLst/>
+                        <a:latin typeface="Times New Roman" panose="02020603050405020304" pitchFamily="18" charset="0"/>
+                        <a:ea typeface="等线" panose="02010600030101010101" pitchFamily="2" charset="-122"/>
+                      </a:endParaRPr>
+                    </a:p>
+                  </a:txBody>
+                  <a:tcPr marL="9318" marR="9318" marT="9318" marB="0" anchor="ctr"/>
+                </a:tc>
+                <a:tc>
+                  <a:txBody>
+                    <a:bodyPr/>
+                    <a:lstStyle/>
+                    <a:p>
+                      <a:pPr algn="l" rtl="0" fontAlgn="ctr">
+                        <a:lnSpc>
+                          <a:spcPct val="150000"/>
+                        </a:lnSpc>
+                      </a:pPr>
+                      <a:r>
+                        <a:rPr lang="en-US" altLang="zh-CN" sz="1800" u="none" strike="noStrike">
+                          <a:effectLst/>
+                        </a:rPr>
+                        <a:t>0.8794</a:t>
+                      </a:r>
+                      <a:endParaRPr lang="en-US" altLang="zh-CN" sz="1800" b="0" i="0" u="none" strike="noStrike">
+                        <a:solidFill>
+                          <a:srgbClr val="000000"/>
+                        </a:solidFill>
+                        <a:effectLst/>
+                        <a:latin typeface="Times New Roman" panose="02020603050405020304" pitchFamily="18" charset="0"/>
+                        <a:ea typeface="等线" panose="02010600030101010101" pitchFamily="2" charset="-122"/>
+                      </a:endParaRPr>
+                    </a:p>
+                  </a:txBody>
+                  <a:tcPr marL="9318" marR="9318" marT="9318" marB="0" anchor="ctr"/>
+                </a:tc>
+                <a:tc>
+                  <a:txBody>
+                    <a:bodyPr/>
+                    <a:lstStyle/>
+                    <a:p>
+                      <a:pPr algn="l" rtl="0" fontAlgn="ctr">
+                        <a:lnSpc>
+                          <a:spcPct val="150000"/>
+                        </a:lnSpc>
+                      </a:pPr>
+                      <a:r>
+                        <a:rPr lang="en-US" altLang="zh-CN" sz="1800" u="none" strike="noStrike">
+                          <a:effectLst/>
+                        </a:rPr>
+                        <a:t>0.8779</a:t>
+                      </a:r>
+                      <a:endParaRPr lang="en-US" altLang="zh-CN" sz="1800" b="0" i="0" u="none" strike="noStrike">
+                        <a:solidFill>
+                          <a:srgbClr val="000000"/>
+                        </a:solidFill>
+                        <a:effectLst/>
+                        <a:latin typeface="Times New Roman" panose="02020603050405020304" pitchFamily="18" charset="0"/>
+                        <a:ea typeface="等线" panose="02010600030101010101" pitchFamily="2" charset="-122"/>
+                      </a:endParaRPr>
+                    </a:p>
+                  </a:txBody>
+                  <a:tcPr marL="9318" marR="9318" marT="9318" marB="0" anchor="ctr"/>
+                </a:tc>
+                <a:tc>
+                  <a:txBody>
+                    <a:bodyPr/>
+                    <a:lstStyle/>
+                    <a:p>
+                      <a:pPr algn="l" rtl="0" fontAlgn="ctr">
+                        <a:lnSpc>
+                          <a:spcPct val="150000"/>
+                        </a:lnSpc>
+                      </a:pPr>
+                      <a:r>
+                        <a:rPr lang="en-US" altLang="zh-CN" sz="1800" u="none" strike="noStrike">
+                          <a:effectLst/>
+                        </a:rPr>
+                        <a:t>0.8794</a:t>
+                      </a:r>
+                      <a:endParaRPr lang="en-US" altLang="zh-CN" sz="1800" b="0" i="0" u="none" strike="noStrike">
+                        <a:solidFill>
+                          <a:srgbClr val="000000"/>
+                        </a:solidFill>
+                        <a:effectLst/>
+                        <a:latin typeface="Times New Roman" panose="02020603050405020304" pitchFamily="18" charset="0"/>
+                        <a:ea typeface="等线" panose="02010600030101010101" pitchFamily="2" charset="-122"/>
+                      </a:endParaRPr>
+                    </a:p>
+                  </a:txBody>
+                  <a:tcPr marL="9318" marR="9318" marT="9318" marB="0" anchor="ctr"/>
+                </a:tc>
+                <a:extLst>
+                  <a:ext uri="{0D108BD9-81ED-4DB2-BD59-A6C34878D82A}">
+                    <a16:rowId xmlns:a16="http://schemas.microsoft.com/office/drawing/2014/main" val="3070976615"/>
+                  </a:ext>
+                </a:extLst>
+              </a:tr>
+              <a:tr h="295531">
+                <a:tc vMerge="1">
+                  <a:txBody>
+                    <a:bodyPr/>
+                    <a:lstStyle/>
+                    <a:p>
+                      <a:endParaRPr lang="zh-CN" altLang="en-US"/>
                     </a:p>
                   </a:txBody>
                   <a:tcPr/>
@@ -7884,30 +9916,218 @@
                     <a:bodyPr/>
                     <a:lstStyle/>
                     <a:p>
-                      <a:pPr marL="0" marR="0" lvl="0" indent="0" algn="l" defTabSz="914400" rtl="0" eaLnBrk="1" fontAlgn="auto" latinLnBrk="0" hangingPunct="1">
+                      <a:pPr algn="l" fontAlgn="t">
                         <a:lnSpc>
-                          <a:spcPct val="100000"/>
+                          <a:spcPct val="150000"/>
                         </a:lnSpc>
-                        <a:spcBef>
-                          <a:spcPts val="0"/>
-                        </a:spcBef>
-                        <a:spcAft>
-                          <a:spcPts val="0"/>
-                        </a:spcAft>
-                        <a:buClrTx/>
-                        <a:buSzTx/>
-                        <a:buFontTx/>
-                        <a:buNone/>
-                        <a:tabLst/>
-                        <a:defRPr/>
                       </a:pPr>
                       <a:r>
-                        <a:rPr lang="zh-CN" altLang="en-US" dirty="0"/>
-                        <a:t>有</a:t>
+                        <a:rPr lang="en-US" sz="1800" b="1" u="none" strike="noStrike" dirty="0">
+                          <a:effectLst/>
+                        </a:rPr>
+                        <a:t>kidney acc</a:t>
                       </a:r>
-                    </a:p>
-                    <a:p>
-                      <a:endParaRPr lang="zh-CN" altLang="en-US" dirty="0"/>
+                      <a:endParaRPr lang="en-US" sz="1800" b="1" i="0" u="none" strike="noStrike" dirty="0">
+                        <a:solidFill>
+                          <a:srgbClr val="000000"/>
+                        </a:solidFill>
+                        <a:effectLst/>
+                        <a:latin typeface="Times New Roman" panose="02020603050405020304" pitchFamily="18" charset="0"/>
+                        <a:ea typeface="等线" panose="02010600030101010101" pitchFamily="2" charset="-122"/>
+                      </a:endParaRPr>
+                    </a:p>
+                  </a:txBody>
+                  <a:tcPr marL="9318" marR="9318" marT="9318" marB="0"/>
+                </a:tc>
+                <a:tc>
+                  <a:txBody>
+                    <a:bodyPr/>
+                    <a:lstStyle/>
+                    <a:p>
+                      <a:pPr algn="l" rtl="0" fontAlgn="ctr">
+                        <a:lnSpc>
+                          <a:spcPct val="150000"/>
+                        </a:lnSpc>
+                      </a:pPr>
+                      <a:r>
+                        <a:rPr lang="en-US" altLang="zh-CN" sz="1800" u="none" strike="noStrike">
+                          <a:effectLst/>
+                        </a:rPr>
+                        <a:t>0.5394</a:t>
+                      </a:r>
+                      <a:endParaRPr lang="en-US" altLang="zh-CN" sz="1800" b="0" i="0" u="none" strike="noStrike">
+                        <a:solidFill>
+                          <a:srgbClr val="000000"/>
+                        </a:solidFill>
+                        <a:effectLst/>
+                        <a:latin typeface="Times New Roman" panose="02020603050405020304" pitchFamily="18" charset="0"/>
+                        <a:ea typeface="等线" panose="02010600030101010101" pitchFamily="2" charset="-122"/>
+                      </a:endParaRPr>
+                    </a:p>
+                  </a:txBody>
+                  <a:tcPr marL="9318" marR="9318" marT="9318" marB="0" anchor="ctr">
+                    <a:solidFill>
+                      <a:schemeClr val="accent4"/>
+                    </a:solidFill>
+                  </a:tcPr>
+                </a:tc>
+                <a:tc>
+                  <a:txBody>
+                    <a:bodyPr/>
+                    <a:lstStyle/>
+                    <a:p>
+                      <a:pPr algn="l" rtl="0" fontAlgn="ctr">
+                        <a:lnSpc>
+                          <a:spcPct val="150000"/>
+                        </a:lnSpc>
+                      </a:pPr>
+                      <a:r>
+                        <a:rPr lang="en-US" altLang="zh-CN" sz="1800" u="none" strike="noStrike" dirty="0">
+                          <a:effectLst/>
+                        </a:rPr>
+                        <a:t>0.5379</a:t>
+                      </a:r>
+                      <a:endParaRPr lang="en-US" altLang="zh-CN" sz="1800" b="0" i="0" u="none" strike="noStrike" dirty="0">
+                        <a:solidFill>
+                          <a:srgbClr val="000000"/>
+                        </a:solidFill>
+                        <a:effectLst/>
+                        <a:latin typeface="Times New Roman" panose="02020603050405020304" pitchFamily="18" charset="0"/>
+                        <a:ea typeface="等线" panose="02010600030101010101" pitchFamily="2" charset="-122"/>
+                      </a:endParaRPr>
+                    </a:p>
+                  </a:txBody>
+                  <a:tcPr marL="9318" marR="9318" marT="9318" marB="0" anchor="ctr">
+                    <a:solidFill>
+                      <a:schemeClr val="accent4"/>
+                    </a:solidFill>
+                  </a:tcPr>
+                </a:tc>
+                <a:tc>
+                  <a:txBody>
+                    <a:bodyPr/>
+                    <a:lstStyle/>
+                    <a:p>
+                      <a:pPr algn="l" rtl="0" fontAlgn="ctr">
+                        <a:lnSpc>
+                          <a:spcPct val="150000"/>
+                        </a:lnSpc>
+                      </a:pPr>
+                      <a:r>
+                        <a:rPr lang="en-US" altLang="zh-CN" sz="1800" u="none" strike="noStrike">
+                          <a:effectLst/>
+                        </a:rPr>
+                        <a:t>0.8779</a:t>
+                      </a:r>
+                      <a:endParaRPr lang="en-US" altLang="zh-CN" sz="1800" b="0" i="0" u="none" strike="noStrike">
+                        <a:solidFill>
+                          <a:srgbClr val="000000"/>
+                        </a:solidFill>
+                        <a:effectLst/>
+                        <a:latin typeface="Times New Roman" panose="02020603050405020304" pitchFamily="18" charset="0"/>
+                        <a:ea typeface="等线" panose="02010600030101010101" pitchFamily="2" charset="-122"/>
+                      </a:endParaRPr>
+                    </a:p>
+                  </a:txBody>
+                  <a:tcPr marL="9318" marR="9318" marT="9318" marB="0" anchor="ctr"/>
+                </a:tc>
+                <a:tc>
+                  <a:txBody>
+                    <a:bodyPr/>
+                    <a:lstStyle/>
+                    <a:p>
+                      <a:pPr algn="l" rtl="0" fontAlgn="ctr">
+                        <a:lnSpc>
+                          <a:spcPct val="150000"/>
+                        </a:lnSpc>
+                      </a:pPr>
+                      <a:r>
+                        <a:rPr lang="en-US" altLang="zh-CN" sz="1800" u="none" strike="noStrike">
+                          <a:effectLst/>
+                        </a:rPr>
+                        <a:t>0.9042</a:t>
+                      </a:r>
+                      <a:endParaRPr lang="en-US" altLang="zh-CN" sz="1800" b="0" i="0" u="none" strike="noStrike">
+                        <a:solidFill>
+                          <a:srgbClr val="000000"/>
+                        </a:solidFill>
+                        <a:effectLst/>
+                        <a:latin typeface="Times New Roman" panose="02020603050405020304" pitchFamily="18" charset="0"/>
+                        <a:ea typeface="等线" panose="02010600030101010101" pitchFamily="2" charset="-122"/>
+                      </a:endParaRPr>
+                    </a:p>
+                  </a:txBody>
+                  <a:tcPr marL="9318" marR="9318" marT="9318" marB="0" anchor="ctr"/>
+                </a:tc>
+                <a:tc>
+                  <a:txBody>
+                    <a:bodyPr/>
+                    <a:lstStyle/>
+                    <a:p>
+                      <a:pPr algn="l" rtl="0" fontAlgn="ctr">
+                        <a:lnSpc>
+                          <a:spcPct val="150000"/>
+                        </a:lnSpc>
+                      </a:pPr>
+                      <a:r>
+                        <a:rPr lang="en-US" altLang="zh-CN" sz="1800" u="none" strike="noStrike">
+                          <a:effectLst/>
+                        </a:rPr>
+                        <a:t>0.8856</a:t>
+                      </a:r>
+                      <a:endParaRPr lang="en-US" altLang="zh-CN" sz="1800" b="0" i="0" u="none" strike="noStrike">
+                        <a:solidFill>
+                          <a:srgbClr val="000000"/>
+                        </a:solidFill>
+                        <a:effectLst/>
+                        <a:latin typeface="Times New Roman" panose="02020603050405020304" pitchFamily="18" charset="0"/>
+                        <a:ea typeface="等线" panose="02010600030101010101" pitchFamily="2" charset="-122"/>
+                      </a:endParaRPr>
+                    </a:p>
+                  </a:txBody>
+                  <a:tcPr marL="9318" marR="9318" marT="9318" marB="0" anchor="ctr"/>
+                </a:tc>
+                <a:tc>
+                  <a:txBody>
+                    <a:bodyPr/>
+                    <a:lstStyle/>
+                    <a:p>
+                      <a:pPr algn="l" rtl="0" fontAlgn="ctr">
+                        <a:lnSpc>
+                          <a:spcPct val="150000"/>
+                        </a:lnSpc>
+                      </a:pPr>
+                      <a:r>
+                        <a:rPr lang="en-US" altLang="zh-CN" sz="1800" u="none" strike="noStrike">
+                          <a:effectLst/>
+                        </a:rPr>
+                        <a:t>0.9011</a:t>
+                      </a:r>
+                      <a:endParaRPr lang="en-US" altLang="zh-CN" sz="1800" b="0" i="0" u="none" strike="noStrike">
+                        <a:solidFill>
+                          <a:srgbClr val="000000"/>
+                        </a:solidFill>
+                        <a:effectLst/>
+                        <a:latin typeface="Times New Roman" panose="02020603050405020304" pitchFamily="18" charset="0"/>
+                        <a:ea typeface="等线" panose="02010600030101010101" pitchFamily="2" charset="-122"/>
+                      </a:endParaRPr>
+                    </a:p>
+                  </a:txBody>
+                  <a:tcPr marL="9318" marR="9318" marT="9318" marB="0" anchor="ctr"/>
+                </a:tc>
+                <a:extLst>
+                  <a:ext uri="{0D108BD9-81ED-4DB2-BD59-A6C34878D82A}">
+                    <a16:rowId xmlns:a16="http://schemas.microsoft.com/office/drawing/2014/main" val="2361242770"/>
+                  </a:ext>
+                </a:extLst>
+              </a:tr>
+              <a:tr h="295531">
+                <a:tc vMerge="1">
+                  <a:txBody>
+                    <a:bodyPr/>
+                    <a:lstStyle/>
+                    <a:p>
+                      <a:endParaRPr lang="zh-CN" altLang="en-US"/>
                     </a:p>
                   </a:txBody>
                   <a:tcPr/>
@@ -7917,30 +10137,457 @@
                     <a:bodyPr/>
                     <a:lstStyle/>
                     <a:p>
-                      <a:pPr marL="0" marR="0" lvl="0" indent="0" algn="l" defTabSz="914400" rtl="0" eaLnBrk="1" fontAlgn="auto" latinLnBrk="0" hangingPunct="1">
+                      <a:pPr algn="l" fontAlgn="t">
                         <a:lnSpc>
-                          <a:spcPct val="100000"/>
+                          <a:spcPct val="150000"/>
                         </a:lnSpc>
-                        <a:spcBef>
-                          <a:spcPts val="0"/>
-                        </a:spcBef>
-                        <a:spcAft>
-                          <a:spcPts val="0"/>
-                        </a:spcAft>
-                        <a:buClrTx/>
-                        <a:buSzTx/>
-                        <a:buFontTx/>
-                        <a:buNone/>
-                        <a:tabLst/>
-                        <a:defRPr/>
                       </a:pPr>
                       <a:r>
-                        <a:rPr lang="zh-CN" altLang="en-US" dirty="0"/>
-                        <a:t>有</a:t>
+                        <a:rPr lang="en-US" sz="1800" b="1" u="none" strike="noStrike" dirty="0">
+                          <a:effectLst/>
+                        </a:rPr>
+                        <a:t>liver acc</a:t>
                       </a:r>
-                    </a:p>
-                    <a:p>
-                      <a:endParaRPr lang="zh-CN" altLang="en-US" dirty="0"/>
+                      <a:endParaRPr lang="en-US" sz="1800" b="1" i="0" u="none" strike="noStrike" dirty="0">
+                        <a:solidFill>
+                          <a:srgbClr val="000000"/>
+                        </a:solidFill>
+                        <a:effectLst/>
+                        <a:latin typeface="Times New Roman" panose="02020603050405020304" pitchFamily="18" charset="0"/>
+                        <a:ea typeface="等线" panose="02010600030101010101" pitchFamily="2" charset="-122"/>
+                      </a:endParaRPr>
+                    </a:p>
+                  </a:txBody>
+                  <a:tcPr marL="9318" marR="9318" marT="9318" marB="0"/>
+                </a:tc>
+                <a:tc>
+                  <a:txBody>
+                    <a:bodyPr/>
+                    <a:lstStyle/>
+                    <a:p>
+                      <a:pPr algn="l" rtl="0" fontAlgn="ctr">
+                        <a:lnSpc>
+                          <a:spcPct val="150000"/>
+                        </a:lnSpc>
+                      </a:pPr>
+                      <a:r>
+                        <a:rPr lang="en-US" altLang="zh-CN" sz="1800" u="none" strike="noStrike">
+                          <a:effectLst/>
+                        </a:rPr>
+                        <a:t>0.49</a:t>
+                      </a:r>
+                      <a:endParaRPr lang="en-US" altLang="zh-CN" sz="1800" b="0" i="0" u="none" strike="noStrike">
+                        <a:solidFill>
+                          <a:srgbClr val="000000"/>
+                        </a:solidFill>
+                        <a:effectLst/>
+                        <a:latin typeface="Times New Roman" panose="02020603050405020304" pitchFamily="18" charset="0"/>
+                        <a:ea typeface="等线" panose="02010600030101010101" pitchFamily="2" charset="-122"/>
+                      </a:endParaRPr>
+                    </a:p>
+                  </a:txBody>
+                  <a:tcPr marL="9318" marR="9318" marT="9318" marB="0" anchor="ctr">
+                    <a:solidFill>
+                      <a:schemeClr val="accent4"/>
+                    </a:solidFill>
+                  </a:tcPr>
+                </a:tc>
+                <a:tc>
+                  <a:txBody>
+                    <a:bodyPr/>
+                    <a:lstStyle/>
+                    <a:p>
+                      <a:pPr algn="l" rtl="0" fontAlgn="ctr">
+                        <a:lnSpc>
+                          <a:spcPct val="150000"/>
+                        </a:lnSpc>
+                      </a:pPr>
+                      <a:r>
+                        <a:rPr lang="en-US" altLang="zh-CN" sz="1800" u="none" strike="noStrike" dirty="0">
+                          <a:effectLst/>
+                        </a:rPr>
+                        <a:t>0.4003</a:t>
+                      </a:r>
+                      <a:endParaRPr lang="en-US" altLang="zh-CN" sz="1800" b="0" i="0" u="none" strike="noStrike" dirty="0">
+                        <a:solidFill>
+                          <a:srgbClr val="000000"/>
+                        </a:solidFill>
+                        <a:effectLst/>
+                        <a:latin typeface="Times New Roman" panose="02020603050405020304" pitchFamily="18" charset="0"/>
+                        <a:ea typeface="等线" panose="02010600030101010101" pitchFamily="2" charset="-122"/>
+                      </a:endParaRPr>
+                    </a:p>
+                  </a:txBody>
+                  <a:tcPr marL="9318" marR="9318" marT="9318" marB="0" anchor="ctr">
+                    <a:solidFill>
+                      <a:schemeClr val="accent4"/>
+                    </a:solidFill>
+                  </a:tcPr>
+                </a:tc>
+                <a:tc>
+                  <a:txBody>
+                    <a:bodyPr/>
+                    <a:lstStyle/>
+                    <a:p>
+                      <a:pPr algn="l" rtl="0" fontAlgn="ctr">
+                        <a:lnSpc>
+                          <a:spcPct val="150000"/>
+                        </a:lnSpc>
+                      </a:pPr>
+                      <a:r>
+                        <a:rPr lang="en-US" altLang="zh-CN" sz="1800" u="none" strike="noStrike">
+                          <a:effectLst/>
+                        </a:rPr>
+                        <a:t>0.9258</a:t>
+                      </a:r>
+                      <a:endParaRPr lang="en-US" altLang="zh-CN" sz="1800" b="0" i="0" u="none" strike="noStrike">
+                        <a:solidFill>
+                          <a:srgbClr val="000000"/>
+                        </a:solidFill>
+                        <a:effectLst/>
+                        <a:latin typeface="Times New Roman" panose="02020603050405020304" pitchFamily="18" charset="0"/>
+                        <a:ea typeface="等线" panose="02010600030101010101" pitchFamily="2" charset="-122"/>
+                      </a:endParaRPr>
+                    </a:p>
+                  </a:txBody>
+                  <a:tcPr marL="9318" marR="9318" marT="9318" marB="0" anchor="ctr"/>
+                </a:tc>
+                <a:tc>
+                  <a:txBody>
+                    <a:bodyPr/>
+                    <a:lstStyle/>
+                    <a:p>
+                      <a:pPr algn="l" rtl="0" fontAlgn="ctr">
+                        <a:lnSpc>
+                          <a:spcPct val="150000"/>
+                        </a:lnSpc>
+                      </a:pPr>
+                      <a:r>
+                        <a:rPr lang="en-US" altLang="zh-CN" sz="1800" u="none" strike="noStrike">
+                          <a:effectLst/>
+                        </a:rPr>
+                        <a:t>0.9073</a:t>
+                      </a:r>
+                      <a:endParaRPr lang="en-US" altLang="zh-CN" sz="1800" b="0" i="0" u="none" strike="noStrike">
+                        <a:solidFill>
+                          <a:srgbClr val="000000"/>
+                        </a:solidFill>
+                        <a:effectLst/>
+                        <a:latin typeface="Times New Roman" panose="02020603050405020304" pitchFamily="18" charset="0"/>
+                        <a:ea typeface="等线" panose="02010600030101010101" pitchFamily="2" charset="-122"/>
+                      </a:endParaRPr>
+                    </a:p>
+                  </a:txBody>
+                  <a:tcPr marL="9318" marR="9318" marT="9318" marB="0" anchor="ctr"/>
+                </a:tc>
+                <a:tc>
+                  <a:txBody>
+                    <a:bodyPr/>
+                    <a:lstStyle/>
+                    <a:p>
+                      <a:pPr algn="l" rtl="0" fontAlgn="ctr">
+                        <a:lnSpc>
+                          <a:spcPct val="150000"/>
+                        </a:lnSpc>
+                      </a:pPr>
+                      <a:r>
+                        <a:rPr lang="en-US" altLang="zh-CN" sz="1800" u="none" strike="noStrike">
+                          <a:effectLst/>
+                        </a:rPr>
+                        <a:t>0.9057</a:t>
+                      </a:r>
+                      <a:endParaRPr lang="en-US" altLang="zh-CN" sz="1800" b="0" i="0" u="none" strike="noStrike">
+                        <a:solidFill>
+                          <a:srgbClr val="000000"/>
+                        </a:solidFill>
+                        <a:effectLst/>
+                        <a:latin typeface="Times New Roman" panose="02020603050405020304" pitchFamily="18" charset="0"/>
+                        <a:ea typeface="等线" panose="02010600030101010101" pitchFamily="2" charset="-122"/>
+                      </a:endParaRPr>
+                    </a:p>
+                  </a:txBody>
+                  <a:tcPr marL="9318" marR="9318" marT="9318" marB="0" anchor="ctr"/>
+                </a:tc>
+                <a:tc>
+                  <a:txBody>
+                    <a:bodyPr/>
+                    <a:lstStyle/>
+                    <a:p>
+                      <a:pPr algn="l" rtl="0" fontAlgn="ctr">
+                        <a:lnSpc>
+                          <a:spcPct val="150000"/>
+                        </a:lnSpc>
+                      </a:pPr>
+                      <a:r>
+                        <a:rPr lang="en-US" altLang="zh-CN" sz="1800" u="none" strike="noStrike">
+                          <a:effectLst/>
+                        </a:rPr>
+                        <a:t>0.9165</a:t>
+                      </a:r>
+                      <a:endParaRPr lang="en-US" altLang="zh-CN" sz="1800" b="0" i="0" u="none" strike="noStrike">
+                        <a:solidFill>
+                          <a:srgbClr val="000000"/>
+                        </a:solidFill>
+                        <a:effectLst/>
+                        <a:latin typeface="Times New Roman" panose="02020603050405020304" pitchFamily="18" charset="0"/>
+                        <a:ea typeface="等线" panose="02010600030101010101" pitchFamily="2" charset="-122"/>
+                      </a:endParaRPr>
+                    </a:p>
+                  </a:txBody>
+                  <a:tcPr marL="9318" marR="9318" marT="9318" marB="0" anchor="ctr"/>
+                </a:tc>
+                <a:extLst>
+                  <a:ext uri="{0D108BD9-81ED-4DB2-BD59-A6C34878D82A}">
+                    <a16:rowId xmlns:a16="http://schemas.microsoft.com/office/drawing/2014/main" val="86368282"/>
+                  </a:ext>
+                </a:extLst>
+              </a:tr>
+              <a:tr h="295531">
+                <a:tc rowSpan="4">
+                  <a:txBody>
+                    <a:bodyPr/>
+                    <a:lstStyle/>
+                    <a:p>
+                      <a:pPr algn="l" rtl="0" fontAlgn="ctr">
+                        <a:lnSpc>
+                          <a:spcPct val="150000"/>
+                        </a:lnSpc>
+                      </a:pPr>
+                      <a:r>
+                        <a:rPr lang="en-US" sz="1800" b="1" u="none" strike="noStrike" dirty="0">
+                          <a:effectLst/>
+                        </a:rPr>
+                        <a:t>T2</a:t>
+                      </a:r>
+                      <a:endParaRPr lang="en-US" sz="1800" b="1" i="0" u="none" strike="noStrike" dirty="0">
+                        <a:solidFill>
+                          <a:srgbClr val="000000"/>
+                        </a:solidFill>
+                        <a:effectLst/>
+                        <a:latin typeface="Times New Roman" panose="02020603050405020304" pitchFamily="18" charset="0"/>
+                        <a:ea typeface="等线" panose="02010600030101010101" pitchFamily="2" charset="-122"/>
+                      </a:endParaRPr>
+                    </a:p>
+                  </a:txBody>
+                  <a:tcPr marL="9318" marR="9318" marT="9318" marB="0" anchor="ctr"/>
+                </a:tc>
+                <a:tc>
+                  <a:txBody>
+                    <a:bodyPr/>
+                    <a:lstStyle/>
+                    <a:p>
+                      <a:pPr algn="l" fontAlgn="t">
+                        <a:lnSpc>
+                          <a:spcPct val="150000"/>
+                        </a:lnSpc>
+                      </a:pPr>
+                      <a:r>
+                        <a:rPr lang="en-US" sz="1800" b="1" u="none" strike="noStrike" dirty="0">
+                          <a:effectLst/>
+                        </a:rPr>
+                        <a:t>average acc</a:t>
+                      </a:r>
+                      <a:endParaRPr lang="en-US" sz="1800" b="1" i="0" u="none" strike="noStrike" dirty="0">
+                        <a:solidFill>
+                          <a:srgbClr val="000000"/>
+                        </a:solidFill>
+                        <a:effectLst/>
+                        <a:latin typeface="Times New Roman" panose="02020603050405020304" pitchFamily="18" charset="0"/>
+                        <a:ea typeface="等线" panose="02010600030101010101" pitchFamily="2" charset="-122"/>
+                      </a:endParaRPr>
+                    </a:p>
+                  </a:txBody>
+                  <a:tcPr marL="9318" marR="9318" marT="9318" marB="0"/>
+                </a:tc>
+                <a:tc>
+                  <a:txBody>
+                    <a:bodyPr/>
+                    <a:lstStyle/>
+                    <a:p>
+                      <a:pPr algn="l" rtl="0" fontAlgn="ctr">
+                        <a:lnSpc>
+                          <a:spcPct val="150000"/>
+                        </a:lnSpc>
+                      </a:pPr>
+                      <a:r>
+                        <a:rPr lang="en-US" altLang="zh-CN" sz="1800" u="none" strike="noStrike">
+                          <a:effectLst/>
+                        </a:rPr>
+                        <a:t>0.4992</a:t>
+                      </a:r>
+                      <a:endParaRPr lang="en-US" altLang="zh-CN" sz="1800" b="0" i="0" u="none" strike="noStrike">
+                        <a:solidFill>
+                          <a:srgbClr val="000000"/>
+                        </a:solidFill>
+                        <a:effectLst/>
+                        <a:latin typeface="Times New Roman" panose="02020603050405020304" pitchFamily="18" charset="0"/>
+                        <a:ea typeface="等线" panose="02010600030101010101" pitchFamily="2" charset="-122"/>
+                      </a:endParaRPr>
+                    </a:p>
+                  </a:txBody>
+                  <a:tcPr marL="9318" marR="9318" marT="9318" marB="0" anchor="ctr">
+                    <a:solidFill>
+                      <a:schemeClr val="accent4"/>
+                    </a:solidFill>
+                  </a:tcPr>
+                </a:tc>
+                <a:tc>
+                  <a:txBody>
+                    <a:bodyPr/>
+                    <a:lstStyle/>
+                    <a:p>
+                      <a:pPr algn="l" rtl="0" fontAlgn="ctr">
+                        <a:lnSpc>
+                          <a:spcPct val="150000"/>
+                        </a:lnSpc>
+                      </a:pPr>
+                      <a:r>
+                        <a:rPr lang="en-US" altLang="zh-CN" sz="1800" u="none" strike="noStrike" dirty="0">
+                          <a:effectLst/>
+                        </a:rPr>
+                        <a:t>0.5003</a:t>
+                      </a:r>
+                      <a:endParaRPr lang="en-US" altLang="zh-CN" sz="1800" b="0" i="0" u="none" strike="noStrike" dirty="0">
+                        <a:solidFill>
+                          <a:srgbClr val="000000"/>
+                        </a:solidFill>
+                        <a:effectLst/>
+                        <a:latin typeface="Times New Roman" panose="02020603050405020304" pitchFamily="18" charset="0"/>
+                        <a:ea typeface="等线" panose="02010600030101010101" pitchFamily="2" charset="-122"/>
+                      </a:endParaRPr>
+                    </a:p>
+                  </a:txBody>
+                  <a:tcPr marL="9318" marR="9318" marT="9318" marB="0" anchor="ctr">
+                    <a:solidFill>
+                      <a:schemeClr val="accent4"/>
+                    </a:solidFill>
+                  </a:tcPr>
+                </a:tc>
+                <a:tc>
+                  <a:txBody>
+                    <a:bodyPr/>
+                    <a:lstStyle/>
+                    <a:p>
+                      <a:pPr algn="l" rtl="0" fontAlgn="ctr">
+                        <a:lnSpc>
+                          <a:spcPct val="150000"/>
+                        </a:lnSpc>
+                      </a:pPr>
+                      <a:r>
+                        <a:rPr lang="en-US" altLang="zh-CN" sz="1800" u="none" strike="noStrike">
+                          <a:effectLst/>
+                        </a:rPr>
+                        <a:t>0.8705</a:t>
+                      </a:r>
+                      <a:endParaRPr lang="en-US" altLang="zh-CN" sz="1800" b="0" i="0" u="none" strike="noStrike">
+                        <a:solidFill>
+                          <a:srgbClr val="000000"/>
+                        </a:solidFill>
+                        <a:effectLst/>
+                        <a:latin typeface="Times New Roman" panose="02020603050405020304" pitchFamily="18" charset="0"/>
+                        <a:ea typeface="等线" panose="02010600030101010101" pitchFamily="2" charset="-122"/>
+                      </a:endParaRPr>
+                    </a:p>
+                  </a:txBody>
+                  <a:tcPr marL="9318" marR="9318" marT="9318" marB="0" anchor="ctr"/>
+                </a:tc>
+                <a:tc>
+                  <a:txBody>
+                    <a:bodyPr/>
+                    <a:lstStyle/>
+                    <a:p>
+                      <a:pPr algn="l" rtl="0" fontAlgn="ctr">
+                        <a:lnSpc>
+                          <a:spcPct val="150000"/>
+                        </a:lnSpc>
+                      </a:pPr>
+                      <a:r>
+                        <a:rPr lang="en-US" altLang="zh-CN" sz="1800" u="none" strike="noStrike">
+                          <a:effectLst/>
+                        </a:rPr>
+                        <a:t>0.8844</a:t>
+                      </a:r>
+                      <a:endParaRPr lang="en-US" altLang="zh-CN" sz="1800" b="0" i="0" u="none" strike="noStrike">
+                        <a:solidFill>
+                          <a:srgbClr val="000000"/>
+                        </a:solidFill>
+                        <a:effectLst/>
+                        <a:latin typeface="Times New Roman" panose="02020603050405020304" pitchFamily="18" charset="0"/>
+                        <a:ea typeface="等线" panose="02010600030101010101" pitchFamily="2" charset="-122"/>
+                      </a:endParaRPr>
+                    </a:p>
+                  </a:txBody>
+                  <a:tcPr marL="9318" marR="9318" marT="9318" marB="0" anchor="ctr"/>
+                </a:tc>
+                <a:tc>
+                  <a:txBody>
+                    <a:bodyPr/>
+                    <a:lstStyle/>
+                    <a:p>
+                      <a:pPr algn="l" rtl="0" fontAlgn="ctr">
+                        <a:lnSpc>
+                          <a:spcPct val="150000"/>
+                        </a:lnSpc>
+                      </a:pPr>
+                      <a:r>
+                        <a:rPr lang="en-US" altLang="zh-CN" sz="1800" u="none" strike="noStrike">
+                          <a:effectLst/>
+                        </a:rPr>
+                        <a:t>0.8689</a:t>
+                      </a:r>
+                      <a:endParaRPr lang="en-US" altLang="zh-CN" sz="1800" b="0" i="0" u="none" strike="noStrike">
+                        <a:solidFill>
+                          <a:srgbClr val="000000"/>
+                        </a:solidFill>
+                        <a:effectLst/>
+                        <a:latin typeface="Times New Roman" panose="02020603050405020304" pitchFamily="18" charset="0"/>
+                        <a:ea typeface="等线" panose="02010600030101010101" pitchFamily="2" charset="-122"/>
+                      </a:endParaRPr>
+                    </a:p>
+                  </a:txBody>
+                  <a:tcPr marL="9318" marR="9318" marT="9318" marB="0" anchor="ctr"/>
+                </a:tc>
+                <a:tc>
+                  <a:txBody>
+                    <a:bodyPr/>
+                    <a:lstStyle/>
+                    <a:p>
+                      <a:pPr algn="l" rtl="0" fontAlgn="ctr">
+                        <a:lnSpc>
+                          <a:spcPct val="150000"/>
+                        </a:lnSpc>
+                      </a:pPr>
+                      <a:r>
+                        <a:rPr lang="en-US" altLang="zh-CN" sz="1800" u="none" strike="noStrike">
+                          <a:effectLst/>
+                        </a:rPr>
+                        <a:t>0.8732</a:t>
+                      </a:r>
+                      <a:endParaRPr lang="en-US" altLang="zh-CN" sz="1800" b="0" i="0" u="none" strike="noStrike">
+                        <a:solidFill>
+                          <a:srgbClr val="000000"/>
+                        </a:solidFill>
+                        <a:effectLst/>
+                        <a:latin typeface="Times New Roman" panose="02020603050405020304" pitchFamily="18" charset="0"/>
+                        <a:ea typeface="等线" panose="02010600030101010101" pitchFamily="2" charset="-122"/>
+                      </a:endParaRPr>
+                    </a:p>
+                  </a:txBody>
+                  <a:tcPr marL="9318" marR="9318" marT="9318" marB="0" anchor="ctr"/>
+                </a:tc>
+                <a:extLst>
+                  <a:ext uri="{0D108BD9-81ED-4DB2-BD59-A6C34878D82A}">
+                    <a16:rowId xmlns:a16="http://schemas.microsoft.com/office/drawing/2014/main" val="2571274516"/>
+                  </a:ext>
+                </a:extLst>
+              </a:tr>
+              <a:tr h="295531">
+                <a:tc vMerge="1">
+                  <a:txBody>
+                    <a:bodyPr/>
+                    <a:lstStyle/>
+                    <a:p>
+                      <a:endParaRPr lang="zh-CN" altLang="en-US"/>
                     </a:p>
                   </a:txBody>
                   <a:tcPr/>
@@ -7950,30 +10597,218 @@
                     <a:bodyPr/>
                     <a:lstStyle/>
                     <a:p>
-                      <a:pPr marL="0" marR="0" lvl="0" indent="0" algn="l" defTabSz="914400" rtl="0" eaLnBrk="1" fontAlgn="auto" latinLnBrk="0" hangingPunct="1">
+                      <a:pPr algn="l" fontAlgn="t">
                         <a:lnSpc>
-                          <a:spcPct val="100000"/>
+                          <a:spcPct val="150000"/>
                         </a:lnSpc>
-                        <a:spcBef>
-                          <a:spcPts val="0"/>
-                        </a:spcBef>
-                        <a:spcAft>
-                          <a:spcPts val="0"/>
-                        </a:spcAft>
-                        <a:buClrTx/>
-                        <a:buSzTx/>
-                        <a:buFontTx/>
-                        <a:buNone/>
-                        <a:tabLst/>
-                        <a:defRPr/>
                       </a:pPr>
                       <a:r>
-                        <a:rPr lang="zh-CN" altLang="en-US" dirty="0"/>
-                        <a:t>有</a:t>
+                        <a:rPr lang="en-US" sz="1800" b="1" u="none" strike="noStrike" dirty="0">
+                          <a:effectLst/>
+                        </a:rPr>
+                        <a:t>spleen acc</a:t>
                       </a:r>
-                    </a:p>
-                    <a:p>
-                      <a:endParaRPr lang="zh-CN" altLang="en-US" dirty="0"/>
+                      <a:endParaRPr lang="en-US" sz="1800" b="1" i="0" u="none" strike="noStrike" dirty="0">
+                        <a:solidFill>
+                          <a:srgbClr val="000000"/>
+                        </a:solidFill>
+                        <a:effectLst/>
+                        <a:latin typeface="Times New Roman" panose="02020603050405020304" pitchFamily="18" charset="0"/>
+                        <a:ea typeface="等线" panose="02010600030101010101" pitchFamily="2" charset="-122"/>
+                      </a:endParaRPr>
+                    </a:p>
+                  </a:txBody>
+                  <a:tcPr marL="9318" marR="9318" marT="9318" marB="0"/>
+                </a:tc>
+                <a:tc>
+                  <a:txBody>
+                    <a:bodyPr/>
+                    <a:lstStyle/>
+                    <a:p>
+                      <a:pPr algn="l" rtl="0" fontAlgn="ctr">
+                        <a:lnSpc>
+                          <a:spcPct val="150000"/>
+                        </a:lnSpc>
+                      </a:pPr>
+                      <a:r>
+                        <a:rPr lang="en-US" altLang="zh-CN" sz="1800" u="none" strike="noStrike">
+                          <a:effectLst/>
+                        </a:rPr>
+                        <a:t>0.61</a:t>
+                      </a:r>
+                      <a:endParaRPr lang="en-US" altLang="zh-CN" sz="1800" b="0" i="0" u="none" strike="noStrike">
+                        <a:solidFill>
+                          <a:srgbClr val="000000"/>
+                        </a:solidFill>
+                        <a:effectLst/>
+                        <a:latin typeface="Times New Roman" panose="02020603050405020304" pitchFamily="18" charset="0"/>
+                        <a:ea typeface="等线" panose="02010600030101010101" pitchFamily="2" charset="-122"/>
+                      </a:endParaRPr>
+                    </a:p>
+                  </a:txBody>
+                  <a:tcPr marL="9318" marR="9318" marT="9318" marB="0" anchor="ctr">
+                    <a:solidFill>
+                      <a:schemeClr val="accent4"/>
+                    </a:solidFill>
+                  </a:tcPr>
+                </a:tc>
+                <a:tc>
+                  <a:txBody>
+                    <a:bodyPr/>
+                    <a:lstStyle/>
+                    <a:p>
+                      <a:pPr algn="l" rtl="0" fontAlgn="ctr">
+                        <a:lnSpc>
+                          <a:spcPct val="150000"/>
+                        </a:lnSpc>
+                      </a:pPr>
+                      <a:r>
+                        <a:rPr lang="en-US" altLang="zh-CN" sz="1800" u="none" strike="noStrike" dirty="0">
+                          <a:effectLst/>
+                        </a:rPr>
+                        <a:t>0.6116</a:t>
+                      </a:r>
+                      <a:endParaRPr lang="en-US" altLang="zh-CN" sz="1800" b="0" i="0" u="none" strike="noStrike" dirty="0">
+                        <a:solidFill>
+                          <a:srgbClr val="000000"/>
+                        </a:solidFill>
+                        <a:effectLst/>
+                        <a:latin typeface="Times New Roman" panose="02020603050405020304" pitchFamily="18" charset="0"/>
+                        <a:ea typeface="等线" panose="02010600030101010101" pitchFamily="2" charset="-122"/>
+                      </a:endParaRPr>
+                    </a:p>
+                  </a:txBody>
+                  <a:tcPr marL="9318" marR="9318" marT="9318" marB="0" anchor="ctr">
+                    <a:solidFill>
+                      <a:schemeClr val="accent4"/>
+                    </a:solidFill>
+                  </a:tcPr>
+                </a:tc>
+                <a:tc>
+                  <a:txBody>
+                    <a:bodyPr/>
+                    <a:lstStyle/>
+                    <a:p>
+                      <a:pPr algn="l" rtl="0" fontAlgn="ctr">
+                        <a:lnSpc>
+                          <a:spcPct val="150000"/>
+                        </a:lnSpc>
+                      </a:pPr>
+                      <a:r>
+                        <a:rPr lang="en-US" altLang="zh-CN" sz="1800" u="none" strike="noStrike">
+                          <a:effectLst/>
+                        </a:rPr>
+                        <a:t>0.8523</a:t>
+                      </a:r>
+                      <a:endParaRPr lang="en-US" altLang="zh-CN" sz="1800" b="0" i="0" u="none" strike="noStrike">
+                        <a:solidFill>
+                          <a:srgbClr val="000000"/>
+                        </a:solidFill>
+                        <a:effectLst/>
+                        <a:latin typeface="Times New Roman" panose="02020603050405020304" pitchFamily="18" charset="0"/>
+                        <a:ea typeface="等线" panose="02010600030101010101" pitchFamily="2" charset="-122"/>
+                      </a:endParaRPr>
+                    </a:p>
+                  </a:txBody>
+                  <a:tcPr marL="9318" marR="9318" marT="9318" marB="0" anchor="ctr"/>
+                </a:tc>
+                <a:tc>
+                  <a:txBody>
+                    <a:bodyPr/>
+                    <a:lstStyle/>
+                    <a:p>
+                      <a:pPr algn="l" rtl="0" fontAlgn="ctr">
+                        <a:lnSpc>
+                          <a:spcPct val="150000"/>
+                        </a:lnSpc>
+                      </a:pPr>
+                      <a:r>
+                        <a:rPr lang="en-US" altLang="zh-CN" sz="1800" u="none" strike="noStrike">
+                          <a:effectLst/>
+                        </a:rPr>
+                        <a:t>0.878</a:t>
+                      </a:r>
+                      <a:endParaRPr lang="en-US" altLang="zh-CN" sz="1800" b="0" i="0" u="none" strike="noStrike">
+                        <a:solidFill>
+                          <a:srgbClr val="000000"/>
+                        </a:solidFill>
+                        <a:effectLst/>
+                        <a:latin typeface="Times New Roman" panose="02020603050405020304" pitchFamily="18" charset="0"/>
+                        <a:ea typeface="等线" panose="02010600030101010101" pitchFamily="2" charset="-122"/>
+                      </a:endParaRPr>
+                    </a:p>
+                  </a:txBody>
+                  <a:tcPr marL="9318" marR="9318" marT="9318" marB="0" anchor="ctr"/>
+                </a:tc>
+                <a:tc>
+                  <a:txBody>
+                    <a:bodyPr/>
+                    <a:lstStyle/>
+                    <a:p>
+                      <a:pPr algn="l" rtl="0" fontAlgn="ctr">
+                        <a:lnSpc>
+                          <a:spcPct val="150000"/>
+                        </a:lnSpc>
+                      </a:pPr>
+                      <a:r>
+                        <a:rPr lang="en-US" altLang="zh-CN" sz="1800" u="none" strike="noStrike">
+                          <a:effectLst/>
+                        </a:rPr>
+                        <a:t>0.8884</a:t>
+                      </a:r>
+                      <a:endParaRPr lang="en-US" altLang="zh-CN" sz="1800" b="0" i="0" u="none" strike="noStrike">
+                        <a:solidFill>
+                          <a:srgbClr val="000000"/>
+                        </a:solidFill>
+                        <a:effectLst/>
+                        <a:latin typeface="Times New Roman" panose="02020603050405020304" pitchFamily="18" charset="0"/>
+                        <a:ea typeface="等线" panose="02010600030101010101" pitchFamily="2" charset="-122"/>
+                      </a:endParaRPr>
+                    </a:p>
+                  </a:txBody>
+                  <a:tcPr marL="9318" marR="9318" marT="9318" marB="0" anchor="ctr"/>
+                </a:tc>
+                <a:tc>
+                  <a:txBody>
+                    <a:bodyPr/>
+                    <a:lstStyle/>
+                    <a:p>
+                      <a:pPr algn="l" rtl="0" fontAlgn="ctr">
+                        <a:lnSpc>
+                          <a:spcPct val="150000"/>
+                        </a:lnSpc>
+                      </a:pPr>
+                      <a:r>
+                        <a:rPr lang="en-US" altLang="zh-CN" sz="1800" u="none" strike="noStrike">
+                          <a:effectLst/>
+                        </a:rPr>
+                        <a:t>0.8716</a:t>
+                      </a:r>
+                      <a:endParaRPr lang="en-US" altLang="zh-CN" sz="1800" b="0" i="0" u="none" strike="noStrike">
+                        <a:solidFill>
+                          <a:srgbClr val="000000"/>
+                        </a:solidFill>
+                        <a:effectLst/>
+                        <a:latin typeface="Times New Roman" panose="02020603050405020304" pitchFamily="18" charset="0"/>
+                        <a:ea typeface="等线" panose="02010600030101010101" pitchFamily="2" charset="-122"/>
+                      </a:endParaRPr>
+                    </a:p>
+                  </a:txBody>
+                  <a:tcPr marL="9318" marR="9318" marT="9318" marB="0" anchor="ctr"/>
+                </a:tc>
+                <a:extLst>
+                  <a:ext uri="{0D108BD9-81ED-4DB2-BD59-A6C34878D82A}">
+                    <a16:rowId xmlns:a16="http://schemas.microsoft.com/office/drawing/2014/main" val="2110567445"/>
+                  </a:ext>
+                </a:extLst>
+              </a:tr>
+              <a:tr h="295531">
+                <a:tc vMerge="1">
+                  <a:txBody>
+                    <a:bodyPr/>
+                    <a:lstStyle/>
+                    <a:p>
+                      <a:endParaRPr lang="zh-CN" altLang="en-US"/>
                     </a:p>
                   </a:txBody>
                   <a:tcPr/>
@@ -7983,30 +10818,218 @@
                     <a:bodyPr/>
                     <a:lstStyle/>
                     <a:p>
-                      <a:pPr marL="0" marR="0" lvl="0" indent="0" algn="l" defTabSz="914400" rtl="0" eaLnBrk="1" fontAlgn="auto" latinLnBrk="0" hangingPunct="1">
+                      <a:pPr algn="l" fontAlgn="t">
                         <a:lnSpc>
-                          <a:spcPct val="100000"/>
+                          <a:spcPct val="150000"/>
                         </a:lnSpc>
-                        <a:spcBef>
-                          <a:spcPts val="0"/>
-                        </a:spcBef>
-                        <a:spcAft>
-                          <a:spcPts val="0"/>
-                        </a:spcAft>
-                        <a:buClrTx/>
-                        <a:buSzTx/>
-                        <a:buFontTx/>
-                        <a:buNone/>
-                        <a:tabLst/>
-                        <a:defRPr/>
                       </a:pPr>
                       <a:r>
-                        <a:rPr lang="zh-CN" altLang="en-US" dirty="0"/>
-                        <a:t>有</a:t>
+                        <a:rPr lang="en-US" sz="1800" b="1" u="none" strike="noStrike" dirty="0">
+                          <a:effectLst/>
+                        </a:rPr>
+                        <a:t>kidney acc</a:t>
                       </a:r>
-                    </a:p>
-                    <a:p>
-                      <a:endParaRPr lang="zh-CN" altLang="en-US" dirty="0"/>
+                      <a:endParaRPr lang="en-US" sz="1800" b="1" i="0" u="none" strike="noStrike" dirty="0">
+                        <a:solidFill>
+                          <a:srgbClr val="000000"/>
+                        </a:solidFill>
+                        <a:effectLst/>
+                        <a:latin typeface="Times New Roman" panose="02020603050405020304" pitchFamily="18" charset="0"/>
+                        <a:ea typeface="等线" panose="02010600030101010101" pitchFamily="2" charset="-122"/>
+                      </a:endParaRPr>
+                    </a:p>
+                  </a:txBody>
+                  <a:tcPr marL="9318" marR="9318" marT="9318" marB="0"/>
+                </a:tc>
+                <a:tc>
+                  <a:txBody>
+                    <a:bodyPr/>
+                    <a:lstStyle/>
+                    <a:p>
+                      <a:pPr algn="l" rtl="0" fontAlgn="ctr">
+                        <a:lnSpc>
+                          <a:spcPct val="150000"/>
+                        </a:lnSpc>
+                      </a:pPr>
+                      <a:r>
+                        <a:rPr lang="en-US" altLang="zh-CN" sz="1800" u="none" strike="noStrike">
+                          <a:effectLst/>
+                        </a:rPr>
+                        <a:t>0.5409</a:t>
+                      </a:r>
+                      <a:endParaRPr lang="en-US" altLang="zh-CN" sz="1800" b="0" i="0" u="none" strike="noStrike">
+                        <a:solidFill>
+                          <a:srgbClr val="000000"/>
+                        </a:solidFill>
+                        <a:effectLst/>
+                        <a:latin typeface="Times New Roman" panose="02020603050405020304" pitchFamily="18" charset="0"/>
+                        <a:ea typeface="等线" panose="02010600030101010101" pitchFamily="2" charset="-122"/>
+                      </a:endParaRPr>
+                    </a:p>
+                  </a:txBody>
+                  <a:tcPr marL="9318" marR="9318" marT="9318" marB="0" anchor="ctr">
+                    <a:solidFill>
+                      <a:schemeClr val="accent4"/>
+                    </a:solidFill>
+                  </a:tcPr>
+                </a:tc>
+                <a:tc>
+                  <a:txBody>
+                    <a:bodyPr/>
+                    <a:lstStyle/>
+                    <a:p>
+                      <a:pPr algn="l" rtl="0" fontAlgn="ctr">
+                        <a:lnSpc>
+                          <a:spcPct val="150000"/>
+                        </a:lnSpc>
+                      </a:pPr>
+                      <a:r>
+                        <a:rPr lang="en-US" altLang="zh-CN" sz="1800" u="none" strike="noStrike" dirty="0">
+                          <a:effectLst/>
+                        </a:rPr>
+                        <a:t>0.5409</a:t>
+                      </a:r>
+                      <a:endParaRPr lang="en-US" altLang="zh-CN" sz="1800" b="0" i="0" u="none" strike="noStrike" dirty="0">
+                        <a:solidFill>
+                          <a:srgbClr val="000000"/>
+                        </a:solidFill>
+                        <a:effectLst/>
+                        <a:latin typeface="Times New Roman" panose="02020603050405020304" pitchFamily="18" charset="0"/>
+                        <a:ea typeface="等线" panose="02010600030101010101" pitchFamily="2" charset="-122"/>
+                      </a:endParaRPr>
+                    </a:p>
+                  </a:txBody>
+                  <a:tcPr marL="9318" marR="9318" marT="9318" marB="0" anchor="ctr">
+                    <a:solidFill>
+                      <a:schemeClr val="accent4"/>
+                    </a:solidFill>
+                  </a:tcPr>
+                </a:tc>
+                <a:tc>
+                  <a:txBody>
+                    <a:bodyPr/>
+                    <a:lstStyle/>
+                    <a:p>
+                      <a:pPr algn="l" rtl="0" fontAlgn="ctr">
+                        <a:lnSpc>
+                          <a:spcPct val="150000"/>
+                        </a:lnSpc>
+                      </a:pPr>
+                      <a:r>
+                        <a:rPr lang="en-US" altLang="zh-CN" sz="1800" u="none" strike="noStrike">
+                          <a:effectLst/>
+                        </a:rPr>
+                        <a:t>0.886</a:t>
+                      </a:r>
+                      <a:endParaRPr lang="en-US" altLang="zh-CN" sz="1800" b="0" i="0" u="none" strike="noStrike">
+                        <a:solidFill>
+                          <a:srgbClr val="000000"/>
+                        </a:solidFill>
+                        <a:effectLst/>
+                        <a:latin typeface="Times New Roman" panose="02020603050405020304" pitchFamily="18" charset="0"/>
+                        <a:ea typeface="等线" panose="02010600030101010101" pitchFamily="2" charset="-122"/>
+                      </a:endParaRPr>
+                    </a:p>
+                  </a:txBody>
+                  <a:tcPr marL="9318" marR="9318" marT="9318" marB="0" anchor="ctr"/>
+                </a:tc>
+                <a:tc>
+                  <a:txBody>
+                    <a:bodyPr/>
+                    <a:lstStyle/>
+                    <a:p>
+                      <a:pPr algn="l" rtl="0" fontAlgn="ctr">
+                        <a:lnSpc>
+                          <a:spcPct val="150000"/>
+                        </a:lnSpc>
+                      </a:pPr>
+                      <a:r>
+                        <a:rPr lang="en-US" altLang="zh-CN" sz="1800" u="none" strike="noStrike">
+                          <a:effectLst/>
+                        </a:rPr>
+                        <a:t>0.8957</a:t>
+                      </a:r>
+                      <a:endParaRPr lang="en-US" altLang="zh-CN" sz="1800" b="0" i="0" u="none" strike="noStrike">
+                        <a:solidFill>
+                          <a:srgbClr val="000000"/>
+                        </a:solidFill>
+                        <a:effectLst/>
+                        <a:latin typeface="Times New Roman" panose="02020603050405020304" pitchFamily="18" charset="0"/>
+                        <a:ea typeface="等线" panose="02010600030101010101" pitchFamily="2" charset="-122"/>
+                      </a:endParaRPr>
+                    </a:p>
+                  </a:txBody>
+                  <a:tcPr marL="9318" marR="9318" marT="9318" marB="0" anchor="ctr"/>
+                </a:tc>
+                <a:tc>
+                  <a:txBody>
+                    <a:bodyPr/>
+                    <a:lstStyle/>
+                    <a:p>
+                      <a:pPr algn="l" rtl="0" fontAlgn="ctr">
+                        <a:lnSpc>
+                          <a:spcPct val="150000"/>
+                        </a:lnSpc>
+                      </a:pPr>
+                      <a:r>
+                        <a:rPr lang="en-US" altLang="zh-CN" sz="1800" u="none" strike="noStrike">
+                          <a:effectLst/>
+                        </a:rPr>
+                        <a:t>0.8748</a:t>
+                      </a:r>
+                      <a:endParaRPr lang="en-US" altLang="zh-CN" sz="1800" b="0" i="0" u="none" strike="noStrike">
+                        <a:solidFill>
+                          <a:srgbClr val="000000"/>
+                        </a:solidFill>
+                        <a:effectLst/>
+                        <a:latin typeface="Times New Roman" panose="02020603050405020304" pitchFamily="18" charset="0"/>
+                        <a:ea typeface="等线" panose="02010600030101010101" pitchFamily="2" charset="-122"/>
+                      </a:endParaRPr>
+                    </a:p>
+                  </a:txBody>
+                  <a:tcPr marL="9318" marR="9318" marT="9318" marB="0" anchor="ctr"/>
+                </a:tc>
+                <a:tc>
+                  <a:txBody>
+                    <a:bodyPr/>
+                    <a:lstStyle/>
+                    <a:p>
+                      <a:pPr algn="l" rtl="0" fontAlgn="ctr">
+                        <a:lnSpc>
+                          <a:spcPct val="150000"/>
+                        </a:lnSpc>
+                      </a:pPr>
+                      <a:r>
+                        <a:rPr lang="en-US" altLang="zh-CN" sz="1800" u="none" strike="noStrike">
+                          <a:effectLst/>
+                        </a:rPr>
+                        <a:t>0.8876</a:t>
+                      </a:r>
+                      <a:endParaRPr lang="en-US" altLang="zh-CN" sz="1800" b="0" i="0" u="none" strike="noStrike">
+                        <a:solidFill>
+                          <a:srgbClr val="000000"/>
+                        </a:solidFill>
+                        <a:effectLst/>
+                        <a:latin typeface="Times New Roman" panose="02020603050405020304" pitchFamily="18" charset="0"/>
+                        <a:ea typeface="等线" panose="02010600030101010101" pitchFamily="2" charset="-122"/>
+                      </a:endParaRPr>
+                    </a:p>
+                  </a:txBody>
+                  <a:tcPr marL="9318" marR="9318" marT="9318" marB="0" anchor="ctr"/>
+                </a:tc>
+                <a:extLst>
+                  <a:ext uri="{0D108BD9-81ED-4DB2-BD59-A6C34878D82A}">
+                    <a16:rowId xmlns:a16="http://schemas.microsoft.com/office/drawing/2014/main" val="2043292981"/>
+                  </a:ext>
+                </a:extLst>
+              </a:tr>
+              <a:tr h="295531">
+                <a:tc vMerge="1">
+                  <a:txBody>
+                    <a:bodyPr/>
+                    <a:lstStyle/>
+                    <a:p>
+                      <a:endParaRPr lang="zh-CN" altLang="en-US"/>
                     </a:p>
                   </a:txBody>
                   <a:tcPr/>
@@ -8016,673 +11039,208 @@
                     <a:bodyPr/>
                     <a:lstStyle/>
                     <a:p>
-                      <a:pPr marL="0" marR="0" lvl="0" indent="0" algn="l" defTabSz="914400" rtl="0" eaLnBrk="1" fontAlgn="auto" latinLnBrk="0" hangingPunct="1">
+                      <a:pPr algn="l" fontAlgn="t">
                         <a:lnSpc>
-                          <a:spcPct val="100000"/>
+                          <a:spcPct val="150000"/>
                         </a:lnSpc>
-                        <a:spcBef>
-                          <a:spcPts val="0"/>
-                        </a:spcBef>
-                        <a:spcAft>
-                          <a:spcPts val="0"/>
-                        </a:spcAft>
-                        <a:buClrTx/>
-                        <a:buSzTx/>
-                        <a:buFontTx/>
-                        <a:buNone/>
-                        <a:tabLst/>
-                        <a:defRPr/>
                       </a:pPr>
                       <a:r>
-                        <a:rPr lang="zh-CN" altLang="en-US" dirty="0"/>
-                        <a:t>有</a:t>
+                        <a:rPr lang="en-US" sz="1800" b="1" u="none" strike="noStrike" dirty="0">
+                          <a:effectLst/>
+                        </a:rPr>
+                        <a:t>liver acc</a:t>
                       </a:r>
-                    </a:p>
-                    <a:p>
-                      <a:endParaRPr lang="zh-CN" altLang="en-US" dirty="0"/>
+                      <a:endParaRPr lang="en-US" sz="1800" b="1" i="0" u="none" strike="noStrike" dirty="0">
+                        <a:solidFill>
+                          <a:srgbClr val="000000"/>
+                        </a:solidFill>
+                        <a:effectLst/>
+                        <a:latin typeface="Times New Roman" panose="02020603050405020304" pitchFamily="18" charset="0"/>
+                        <a:ea typeface="等线" panose="02010600030101010101" pitchFamily="2" charset="-122"/>
+                      </a:endParaRPr>
                     </a:p>
                   </a:txBody>
-                  <a:tcPr/>
-                </a:tc>
-                <a:extLst>
-                  <a:ext uri="{0D108BD9-81ED-4DB2-BD59-A6C34878D82A}">
-                    <a16:rowId xmlns:a16="http://schemas.microsoft.com/office/drawing/2014/main" val="3445708649"/>
-                  </a:ext>
-                </a:extLst>
-              </a:tr>
-              <a:tr h="914400">
-                <a:tc>
-                  <a:txBody>
-                    <a:bodyPr/>
-                    <a:lstStyle/>
-                    <a:p>
-                      <a:r>
-                        <a:rPr lang="en-US" altLang="zh-CN" dirty="0"/>
-                        <a:t>Shuffle remap</a:t>
-                      </a:r>
-                      <a:endParaRPr lang="zh-CN" altLang="en-US" dirty="0"/>
-                    </a:p>
-                  </a:txBody>
-                  <a:tcPr/>
+                  <a:tcPr marL="9318" marR="9318" marT="9318" marB="0"/>
                 </a:tc>
                 <a:tc>
                   <a:txBody>
                     <a:bodyPr/>
                     <a:lstStyle/>
                     <a:p>
+                      <a:pPr algn="l" rtl="0" fontAlgn="ctr">
+                        <a:lnSpc>
+                          <a:spcPct val="150000"/>
+                        </a:lnSpc>
+                      </a:pPr>
                       <a:r>
-                        <a:rPr lang="zh-CN" altLang="en-US" dirty="0"/>
-                        <a:t>无</a:t>
+                        <a:rPr lang="en-US" altLang="zh-CN" sz="1800" u="none" strike="noStrike">
+                          <a:effectLst/>
+                        </a:rPr>
+                        <a:t>0.3467</a:t>
                       </a:r>
+                      <a:endParaRPr lang="en-US" altLang="zh-CN" sz="1800" b="0" i="0" u="none" strike="noStrike">
+                        <a:solidFill>
+                          <a:srgbClr val="000000"/>
+                        </a:solidFill>
+                        <a:effectLst/>
+                        <a:latin typeface="Times New Roman" panose="02020603050405020304" pitchFamily="18" charset="0"/>
+                        <a:ea typeface="等线" panose="02010600030101010101" pitchFamily="2" charset="-122"/>
+                      </a:endParaRPr>
                     </a:p>
                   </a:txBody>
-                  <a:tcPr/>
+                  <a:tcPr marL="9318" marR="9318" marT="9318" marB="0" anchor="ctr">
+                    <a:solidFill>
+                      <a:schemeClr val="accent4"/>
+                    </a:solidFill>
+                  </a:tcPr>
                 </a:tc>
                 <a:tc>
                   <a:txBody>
                     <a:bodyPr/>
                     <a:lstStyle/>
                     <a:p>
+                      <a:pPr algn="l" rtl="0" fontAlgn="ctr">
+                        <a:lnSpc>
+                          <a:spcPct val="150000"/>
+                        </a:lnSpc>
+                      </a:pPr>
                       <a:r>
-                        <a:rPr lang="zh-CN" altLang="en-US" dirty="0"/>
-                        <a:t>无</a:t>
+                        <a:rPr lang="en-US" altLang="zh-CN" sz="1800" u="none" strike="noStrike" dirty="0">
+                          <a:effectLst/>
+                        </a:rPr>
+                        <a:t>0.3483</a:t>
                       </a:r>
+                      <a:endParaRPr lang="en-US" altLang="zh-CN" sz="1800" b="0" i="0" u="none" strike="noStrike" dirty="0">
+                        <a:solidFill>
+                          <a:srgbClr val="000000"/>
+                        </a:solidFill>
+                        <a:effectLst/>
+                        <a:latin typeface="Times New Roman" panose="02020603050405020304" pitchFamily="18" charset="0"/>
+                        <a:ea typeface="等线" panose="02010600030101010101" pitchFamily="2" charset="-122"/>
+                      </a:endParaRPr>
                     </a:p>
                   </a:txBody>
-                  <a:tcPr/>
+                  <a:tcPr marL="9318" marR="9318" marT="9318" marB="0" anchor="ctr">
+                    <a:solidFill>
+                      <a:schemeClr val="accent4"/>
+                    </a:solidFill>
+                  </a:tcPr>
                 </a:tc>
                 <a:tc>
                   <a:txBody>
                     <a:bodyPr/>
                     <a:lstStyle/>
                     <a:p>
+                      <a:pPr algn="l" rtl="0" fontAlgn="ctr">
+                        <a:lnSpc>
+                          <a:spcPct val="150000"/>
+                        </a:lnSpc>
+                      </a:pPr>
                       <a:r>
-                        <a:rPr lang="en-US" altLang="zh-CN" dirty="0"/>
-                        <a:t>Prob=0.5</a:t>
+                        <a:rPr lang="en-US" altLang="zh-CN" sz="1800" u="none" strike="noStrike">
+                          <a:effectLst/>
+                        </a:rPr>
+                        <a:t>0.8732</a:t>
                       </a:r>
-                    </a:p>
-                    <a:p>
-                      <a:r>
-                        <a:rPr lang="en-US" altLang="zh-CN" dirty="0"/>
-                        <a:t>Random point=[2, 5]</a:t>
-                      </a:r>
-                      <a:endParaRPr lang="zh-CN" altLang="en-US" dirty="0"/>
+                      <a:endParaRPr lang="en-US" altLang="zh-CN" sz="1800" b="0" i="0" u="none" strike="noStrike">
+                        <a:solidFill>
+                          <a:srgbClr val="000000"/>
+                        </a:solidFill>
+                        <a:effectLst/>
+                        <a:latin typeface="Times New Roman" panose="02020603050405020304" pitchFamily="18" charset="0"/>
+                        <a:ea typeface="等线" panose="02010600030101010101" pitchFamily="2" charset="-122"/>
+                      </a:endParaRPr>
                     </a:p>
                   </a:txBody>
-                  <a:tcPr/>
+                  <a:tcPr marL="9318" marR="9318" marT="9318" marB="0" anchor="ctr"/>
                 </a:tc>
                 <a:tc>
                   <a:txBody>
                     <a:bodyPr/>
                     <a:lstStyle/>
                     <a:p>
+                      <a:pPr algn="l" rtl="0" fontAlgn="ctr">
+                        <a:lnSpc>
+                          <a:spcPct val="150000"/>
+                        </a:lnSpc>
+                      </a:pPr>
                       <a:r>
-                        <a:rPr lang="en-US" altLang="zh-CN" dirty="0"/>
-                        <a:t>0.9,</a:t>
+                        <a:rPr lang="en-US" altLang="zh-CN" sz="1800" u="none" strike="noStrike">
+                          <a:effectLst/>
+                        </a:rPr>
+                        <a:t>0.8796</a:t>
                       </a:r>
-                    </a:p>
-                    <a:p>
-                      <a:r>
-                        <a:rPr lang="en-US" altLang="zh-CN" dirty="0"/>
-                        <a:t>[2, 5]</a:t>
-                      </a:r>
-                      <a:endParaRPr lang="zh-CN" altLang="en-US" dirty="0"/>
-                    </a:p>
-                    <a:p>
-                      <a:endParaRPr lang="zh-CN" altLang="en-US" dirty="0"/>
+                      <a:endParaRPr lang="en-US" altLang="zh-CN" sz="1800" b="0" i="0" u="none" strike="noStrike">
+                        <a:solidFill>
+                          <a:srgbClr val="000000"/>
+                        </a:solidFill>
+                        <a:effectLst/>
+                        <a:latin typeface="Times New Roman" panose="02020603050405020304" pitchFamily="18" charset="0"/>
+                        <a:ea typeface="等线" panose="02010600030101010101" pitchFamily="2" charset="-122"/>
+                      </a:endParaRPr>
                     </a:p>
                   </a:txBody>
-                  <a:tcPr/>
+                  <a:tcPr marL="9318" marR="9318" marT="9318" marB="0" anchor="ctr"/>
                 </a:tc>
                 <a:tc>
                   <a:txBody>
                     <a:bodyPr/>
                     <a:lstStyle/>
                     <a:p>
+                      <a:pPr algn="l" rtl="0" fontAlgn="ctr">
+                        <a:lnSpc>
+                          <a:spcPct val="150000"/>
+                        </a:lnSpc>
+                      </a:pPr>
                       <a:r>
-                        <a:rPr lang="en-US" altLang="zh-CN" dirty="0"/>
-                        <a:t>1,</a:t>
+                        <a:rPr lang="en-US" altLang="zh-CN" sz="1800" u="none" strike="noStrike">
+                          <a:effectLst/>
+                        </a:rPr>
+                        <a:t>0.8475</a:t>
                       </a:r>
-                    </a:p>
-                    <a:p>
-                      <a:r>
-                        <a:rPr lang="en-US" altLang="zh-CN" dirty="0"/>
-                        <a:t>[2, 5]</a:t>
-                      </a:r>
-                      <a:endParaRPr lang="zh-CN" altLang="en-US" dirty="0"/>
-                    </a:p>
-                    <a:p>
-                      <a:endParaRPr lang="zh-CN" altLang="en-US" dirty="0"/>
+                      <a:endParaRPr lang="en-US" altLang="zh-CN" sz="1800" b="0" i="0" u="none" strike="noStrike">
+                        <a:solidFill>
+                          <a:srgbClr val="000000"/>
+                        </a:solidFill>
+                        <a:effectLst/>
+                        <a:latin typeface="Times New Roman" panose="02020603050405020304" pitchFamily="18" charset="0"/>
+                        <a:ea typeface="等线" panose="02010600030101010101" pitchFamily="2" charset="-122"/>
+                      </a:endParaRPr>
                     </a:p>
                   </a:txBody>
-                  <a:tcPr/>
+                  <a:tcPr marL="9318" marR="9318" marT="9318" marB="0" anchor="ctr"/>
                 </a:tc>
                 <a:tc>
                   <a:txBody>
                     <a:bodyPr/>
                     <a:lstStyle/>
                     <a:p>
+                      <a:pPr algn="l" rtl="0" fontAlgn="ctr">
+                        <a:lnSpc>
+                          <a:spcPct val="150000"/>
+                        </a:lnSpc>
+                      </a:pPr>
                       <a:r>
-                        <a:rPr lang="en-US" altLang="zh-CN" dirty="0"/>
-                        <a:t>0.5,</a:t>
+                        <a:rPr lang="en-US" altLang="zh-CN" sz="1800" u="none" strike="noStrike" dirty="0">
+                          <a:effectLst/>
+                        </a:rPr>
+                        <a:t>0.8604</a:t>
                       </a:r>
-                    </a:p>
-                    <a:p>
-                      <a:r>
-                        <a:rPr lang="en-US" altLang="zh-CN" dirty="0"/>
-                        <a:t>[2, 10]</a:t>
-                      </a:r>
-                      <a:endParaRPr lang="zh-CN" altLang="en-US" dirty="0"/>
-                    </a:p>
-                    <a:p>
-                      <a:endParaRPr lang="zh-CN" altLang="en-US" dirty="0"/>
+                      <a:endParaRPr lang="en-US" altLang="zh-CN" sz="1800" b="0" i="0" u="none" strike="noStrike" dirty="0">
+                        <a:solidFill>
+                          <a:srgbClr val="000000"/>
+                        </a:solidFill>
+                        <a:effectLst/>
+                        <a:latin typeface="Times New Roman" panose="02020603050405020304" pitchFamily="18" charset="0"/>
+                        <a:ea typeface="等线" panose="02010600030101010101" pitchFamily="2" charset="-122"/>
+                      </a:endParaRPr>
                     </a:p>
                   </a:txBody>
-                  <a:tcPr/>
-                </a:tc>
-                <a:tc>
-                  <a:txBody>
-                    <a:bodyPr/>
-                    <a:lstStyle/>
-                    <a:p>
-                      <a:r>
-                        <a:rPr lang="en-US" altLang="zh-CN" dirty="0"/>
-                        <a:t>0.9,</a:t>
-                      </a:r>
-                    </a:p>
-                    <a:p>
-                      <a:r>
-                        <a:rPr lang="en-US" altLang="zh-CN" dirty="0"/>
-                        <a:t>[2, 10]</a:t>
-                      </a:r>
-                      <a:endParaRPr lang="zh-CN" altLang="en-US" dirty="0"/>
-                    </a:p>
-                    <a:p>
-                      <a:endParaRPr lang="zh-CN" altLang="en-US" dirty="0"/>
-                    </a:p>
-                  </a:txBody>
-                  <a:tcPr/>
-                </a:tc>
-                <a:tc>
-                  <a:txBody>
-                    <a:bodyPr/>
-                    <a:lstStyle/>
-                    <a:p>
-                      <a:r>
-                        <a:rPr lang="en-US" altLang="zh-CN" dirty="0"/>
-                        <a:t>1,</a:t>
-                      </a:r>
-                    </a:p>
-                    <a:p>
-                      <a:r>
-                        <a:rPr lang="en-US" altLang="zh-CN" dirty="0"/>
-                        <a:t>[2, 10]</a:t>
-                      </a:r>
-                      <a:endParaRPr lang="zh-CN" altLang="en-US" dirty="0"/>
-                    </a:p>
-                    <a:p>
-                      <a:endParaRPr lang="zh-CN" altLang="en-US" dirty="0"/>
-                    </a:p>
-                  </a:txBody>
-                  <a:tcPr/>
-                </a:tc>
-                <a:tc>
-                  <a:txBody>
-                    <a:bodyPr/>
-                    <a:lstStyle/>
-                    <a:p>
-                      <a:r>
-                        <a:rPr lang="zh-CN" altLang="en-US" dirty="0"/>
-                        <a:t>无</a:t>
-                      </a:r>
-                    </a:p>
-                  </a:txBody>
-                  <a:tcPr/>
+                  <a:tcPr marL="9318" marR="9318" marT="9318" marB="0" anchor="ctr"/>
                 </a:tc>
                 <a:extLst>
                   <a:ext uri="{0D108BD9-81ED-4DB2-BD59-A6C34878D82A}">
-                    <a16:rowId xmlns:a16="http://schemas.microsoft.com/office/drawing/2014/main" val="3271141709"/>
-                  </a:ext>
-                </a:extLst>
-              </a:tr>
-              <a:tr h="508940">
-                <a:tc>
-                  <a:txBody>
-                    <a:bodyPr/>
-                    <a:lstStyle/>
-                    <a:p>
-                      <a:r>
-                        <a:rPr lang="en-US" altLang="zh-CN" dirty="0"/>
-                        <a:t>T1_in</a:t>
-                      </a:r>
-                      <a:endParaRPr lang="zh-CN" altLang="en-US" dirty="0"/>
-                    </a:p>
-                  </a:txBody>
-                  <a:tcPr/>
-                </a:tc>
-                <a:tc>
-                  <a:txBody>
-                    <a:bodyPr/>
-                    <a:lstStyle/>
-                    <a:p>
-                      <a:r>
-                        <a:rPr lang="en-US" altLang="zh-CN" dirty="0"/>
-                        <a:t>0.3617</a:t>
-                      </a:r>
-                      <a:endParaRPr lang="zh-CN" altLang="en-US" dirty="0"/>
-                    </a:p>
-                  </a:txBody>
-                  <a:tcPr/>
-                </a:tc>
-                <a:tc>
-                  <a:txBody>
-                    <a:bodyPr/>
-                    <a:lstStyle/>
-                    <a:p>
-                      <a:r>
-                        <a:rPr lang="en-US" altLang="zh-CN" dirty="0"/>
-                        <a:t>0.4080</a:t>
-                      </a:r>
-                      <a:endParaRPr lang="zh-CN" altLang="en-US" dirty="0"/>
-                    </a:p>
-                  </a:txBody>
-                  <a:tcPr/>
-                </a:tc>
-                <a:tc>
-                  <a:txBody>
-                    <a:bodyPr/>
-                    <a:lstStyle/>
-                    <a:p>
-                      <a:r>
-                        <a:rPr lang="en-US" altLang="zh-CN" dirty="0"/>
-                        <a:t>0.8779</a:t>
-                      </a:r>
-                      <a:endParaRPr lang="zh-CN" altLang="en-US" dirty="0"/>
-                    </a:p>
-                  </a:txBody>
-                  <a:tcPr/>
-                </a:tc>
-                <a:tc>
-                  <a:txBody>
-                    <a:bodyPr/>
-                    <a:lstStyle/>
-                    <a:p>
-                      <a:r>
-                        <a:rPr lang="en-US" altLang="zh-CN" dirty="0"/>
-                        <a:t>0.8903</a:t>
-                      </a:r>
-                      <a:endParaRPr lang="zh-CN" altLang="en-US" dirty="0"/>
-                    </a:p>
-                  </a:txBody>
-                  <a:tcPr/>
-                </a:tc>
-                <a:tc>
-                  <a:txBody>
-                    <a:bodyPr/>
-                    <a:lstStyle/>
-                    <a:p>
-                      <a:r>
-                        <a:rPr lang="en-US" altLang="zh-CN" dirty="0"/>
-                        <a:t>0.8809</a:t>
-                      </a:r>
-                      <a:endParaRPr lang="zh-CN" altLang="en-US" dirty="0"/>
-                    </a:p>
-                  </a:txBody>
-                  <a:tcPr/>
-                </a:tc>
-                <a:tc>
-                  <a:txBody>
-                    <a:bodyPr/>
-                    <a:lstStyle/>
-                    <a:p>
-                      <a:r>
-                        <a:rPr lang="en-US" altLang="zh-CN" dirty="0"/>
-                        <a:t>0.8702</a:t>
-                      </a:r>
-                      <a:endParaRPr lang="zh-CN" altLang="en-US" dirty="0"/>
-                    </a:p>
-                  </a:txBody>
-                  <a:tcPr/>
-                </a:tc>
-                <a:tc>
-                  <a:txBody>
-                    <a:bodyPr/>
-                    <a:lstStyle/>
-                    <a:p>
-                      <a:r>
-                        <a:rPr lang="en-US" altLang="zh-CN" dirty="0"/>
-                        <a:t>0.8872</a:t>
-                      </a:r>
-                      <a:endParaRPr lang="zh-CN" altLang="en-US" dirty="0"/>
-                    </a:p>
-                  </a:txBody>
-                  <a:tcPr/>
-                </a:tc>
-                <a:tc>
-                  <a:txBody>
-                    <a:bodyPr/>
-                    <a:lstStyle/>
-                    <a:p>
-                      <a:r>
-                        <a:rPr lang="en-US" altLang="zh-CN" dirty="0"/>
-                        <a:t>0.8887</a:t>
-                      </a:r>
-                      <a:endParaRPr lang="zh-CN" altLang="en-US" dirty="0"/>
-                    </a:p>
-                  </a:txBody>
-                  <a:tcPr/>
-                </a:tc>
-                <a:tc>
-                  <a:txBody>
-                    <a:bodyPr/>
-                    <a:lstStyle/>
-                    <a:p>
-                      <a:r>
-                        <a:rPr lang="en-US" altLang="zh-CN" dirty="0"/>
-                        <a:t>0.9119</a:t>
-                      </a:r>
-                      <a:endParaRPr lang="zh-CN" altLang="en-US" dirty="0"/>
-                    </a:p>
-                  </a:txBody>
-                  <a:tcPr/>
-                </a:tc>
-                <a:extLst>
-                  <a:ext uri="{0D108BD9-81ED-4DB2-BD59-A6C34878D82A}">
-                    <a16:rowId xmlns:a16="http://schemas.microsoft.com/office/drawing/2014/main" val="574348140"/>
-                  </a:ext>
-                </a:extLst>
-              </a:tr>
-              <a:tr h="508940">
-                <a:tc>
-                  <a:txBody>
-                    <a:bodyPr/>
-                    <a:lstStyle/>
-                    <a:p>
-                      <a:r>
-                        <a:rPr lang="en-US" altLang="zh-CN" dirty="0"/>
-                        <a:t>T1_out</a:t>
-                      </a:r>
-                      <a:endParaRPr lang="zh-CN" altLang="en-US" dirty="0"/>
-                    </a:p>
-                  </a:txBody>
-                  <a:tcPr/>
-                </a:tc>
-                <a:tc>
-                  <a:txBody>
-                    <a:bodyPr/>
-                    <a:lstStyle/>
-                    <a:p>
-                      <a:r>
-                        <a:rPr lang="en-US" altLang="zh-CN" dirty="0"/>
-                        <a:t>0.3632</a:t>
-                      </a:r>
-                      <a:endParaRPr lang="zh-CN" altLang="en-US" dirty="0"/>
-                    </a:p>
-                  </a:txBody>
-                  <a:tcPr/>
-                </a:tc>
-                <a:tc>
-                  <a:txBody>
-                    <a:bodyPr/>
-                    <a:lstStyle/>
-                    <a:p>
-                      <a:r>
-                        <a:rPr lang="en-US" altLang="zh-CN" dirty="0"/>
-                        <a:t>0.3941</a:t>
-                      </a:r>
-                      <a:endParaRPr lang="zh-CN" altLang="en-US" dirty="0"/>
-                    </a:p>
-                  </a:txBody>
-                  <a:tcPr/>
-                </a:tc>
-                <a:tc>
-                  <a:txBody>
-                    <a:bodyPr/>
-                    <a:lstStyle/>
-                    <a:p>
-                      <a:r>
-                        <a:rPr lang="en-US" altLang="zh-CN" dirty="0"/>
-                        <a:t>0.8655</a:t>
-                      </a:r>
-                      <a:endParaRPr lang="zh-CN" altLang="en-US" dirty="0"/>
-                    </a:p>
-                  </a:txBody>
-                  <a:tcPr/>
-                </a:tc>
-                <a:tc>
-                  <a:txBody>
-                    <a:bodyPr/>
-                    <a:lstStyle/>
-                    <a:p>
-                      <a:r>
-                        <a:rPr lang="en-US" altLang="zh-CN" dirty="0"/>
-                        <a:t>0.8856</a:t>
-                      </a:r>
-                      <a:endParaRPr lang="zh-CN" altLang="en-US" dirty="0"/>
-                    </a:p>
-                  </a:txBody>
-                  <a:tcPr/>
-                </a:tc>
-                <a:tc>
-                  <a:txBody>
-                    <a:bodyPr/>
-                    <a:lstStyle/>
-                    <a:p>
-                      <a:r>
-                        <a:rPr lang="en-US" altLang="zh-CN" dirty="0"/>
-                        <a:t>0.8933</a:t>
-                      </a:r>
-                      <a:endParaRPr lang="zh-CN" altLang="en-US" dirty="0"/>
-                    </a:p>
-                  </a:txBody>
-                  <a:tcPr/>
-                </a:tc>
-                <a:tc>
-                  <a:txBody>
-                    <a:bodyPr/>
-                    <a:lstStyle/>
-                    <a:p>
-                      <a:r>
-                        <a:rPr lang="en-US" altLang="zh-CN" dirty="0"/>
-                        <a:t>0.8794</a:t>
-                      </a:r>
-                      <a:endParaRPr lang="zh-CN" altLang="en-US" dirty="0"/>
-                    </a:p>
-                  </a:txBody>
-                  <a:tcPr/>
-                </a:tc>
-                <a:tc>
-                  <a:txBody>
-                    <a:bodyPr/>
-                    <a:lstStyle/>
-                    <a:p>
-                      <a:r>
-                        <a:rPr lang="en-US" altLang="zh-CN" dirty="0"/>
-                        <a:t>0.8849</a:t>
-                      </a:r>
-                      <a:endParaRPr lang="zh-CN" altLang="en-US" dirty="0"/>
-                    </a:p>
-                  </a:txBody>
-                  <a:tcPr/>
-                </a:tc>
-                <a:tc>
-                  <a:txBody>
-                    <a:bodyPr/>
-                    <a:lstStyle/>
-                    <a:p>
-                      <a:r>
-                        <a:rPr lang="en-US" altLang="zh-CN" dirty="0"/>
-                        <a:t>0.8949</a:t>
-                      </a:r>
-                      <a:endParaRPr lang="zh-CN" altLang="en-US" dirty="0"/>
-                    </a:p>
-                  </a:txBody>
-                  <a:tcPr/>
-                </a:tc>
-                <a:tc>
-                  <a:txBody>
-                    <a:bodyPr/>
-                    <a:lstStyle/>
-                    <a:p>
-                      <a:r>
-                        <a:rPr lang="en-US" altLang="zh-CN" dirty="0"/>
-                        <a:t>0.9212</a:t>
-                      </a:r>
-                      <a:endParaRPr lang="zh-CN" altLang="en-US" dirty="0"/>
-                    </a:p>
-                  </a:txBody>
-                  <a:tcPr/>
-                </a:tc>
-                <a:extLst>
-                  <a:ext uri="{0D108BD9-81ED-4DB2-BD59-A6C34878D82A}">
-                    <a16:rowId xmlns:a16="http://schemas.microsoft.com/office/drawing/2014/main" val="2055444285"/>
-                  </a:ext>
-                </a:extLst>
-              </a:tr>
-              <a:tr h="508940">
-                <a:tc>
-                  <a:txBody>
-                    <a:bodyPr/>
-                    <a:lstStyle/>
-                    <a:p>
-                      <a:r>
-                        <a:rPr lang="en-US" altLang="zh-CN" dirty="0"/>
-                        <a:t>T2</a:t>
-                      </a:r>
-                      <a:endParaRPr lang="zh-CN" altLang="en-US" dirty="0"/>
-                    </a:p>
-                  </a:txBody>
-                  <a:tcPr/>
-                </a:tc>
-                <a:tc>
-                  <a:txBody>
-                    <a:bodyPr/>
-                    <a:lstStyle/>
-                    <a:p>
-                      <a:r>
-                        <a:rPr lang="en-US" altLang="zh-CN" dirty="0"/>
-                        <a:t>0.3515</a:t>
-                      </a:r>
-                      <a:endParaRPr lang="zh-CN" altLang="en-US" dirty="0"/>
-                    </a:p>
-                  </a:txBody>
-                  <a:tcPr/>
-                </a:tc>
-                <a:tc>
-                  <a:txBody>
-                    <a:bodyPr/>
-                    <a:lstStyle/>
-                    <a:p>
-                      <a:r>
-                        <a:rPr lang="en-US" altLang="zh-CN" dirty="0"/>
-                        <a:t>0.3499</a:t>
-                      </a:r>
-                      <a:endParaRPr lang="zh-CN" altLang="en-US" dirty="0"/>
-                    </a:p>
-                  </a:txBody>
-                  <a:tcPr/>
-                </a:tc>
-                <a:tc>
-                  <a:txBody>
-                    <a:bodyPr/>
-                    <a:lstStyle/>
-                    <a:p>
-                      <a:r>
-                        <a:rPr lang="en-US" altLang="zh-CN" dirty="0"/>
-                        <a:t>0.7448</a:t>
-                      </a:r>
-                      <a:endParaRPr lang="zh-CN" altLang="en-US" dirty="0"/>
-                    </a:p>
-                  </a:txBody>
-                  <a:tcPr/>
-                </a:tc>
-                <a:tc>
-                  <a:txBody>
-                    <a:bodyPr/>
-                    <a:lstStyle/>
-                    <a:p>
-                      <a:r>
-                        <a:rPr lang="en-US" altLang="zh-CN" dirty="0"/>
-                        <a:t>0.7961</a:t>
-                      </a:r>
-                      <a:endParaRPr lang="zh-CN" altLang="en-US" dirty="0"/>
-                    </a:p>
-                  </a:txBody>
-                  <a:tcPr/>
-                </a:tc>
-                <a:tc>
-                  <a:txBody>
-                    <a:bodyPr/>
-                    <a:lstStyle/>
-                    <a:p>
-                      <a:r>
-                        <a:rPr lang="en-US" altLang="zh-CN" dirty="0"/>
-                        <a:t>0.7945</a:t>
-                      </a:r>
-                      <a:endParaRPr lang="zh-CN" altLang="en-US" dirty="0"/>
-                    </a:p>
-                  </a:txBody>
-                  <a:tcPr/>
-                </a:tc>
-                <a:tc>
-                  <a:txBody>
-                    <a:bodyPr/>
-                    <a:lstStyle/>
-                    <a:p>
-                      <a:r>
-                        <a:rPr lang="en-US" altLang="zh-CN" dirty="0"/>
-                        <a:t>0.7881</a:t>
-                      </a:r>
-                      <a:endParaRPr lang="zh-CN" altLang="en-US" dirty="0"/>
-                    </a:p>
-                  </a:txBody>
-                  <a:tcPr/>
-                </a:tc>
-                <a:tc>
-                  <a:txBody>
-                    <a:bodyPr/>
-                    <a:lstStyle/>
-                    <a:p>
-                      <a:r>
-                        <a:rPr lang="en-US" altLang="zh-CN" dirty="0"/>
-                        <a:t>0.8523</a:t>
-                      </a:r>
-                      <a:endParaRPr lang="zh-CN" altLang="en-US" dirty="0"/>
-                    </a:p>
-                  </a:txBody>
-                  <a:tcPr/>
-                </a:tc>
-                <a:tc>
-                  <a:txBody>
-                    <a:bodyPr/>
-                    <a:lstStyle/>
-                    <a:p>
-                      <a:r>
-                        <a:rPr lang="en-US" altLang="zh-CN" dirty="0"/>
-                        <a:t>0.8716</a:t>
-                      </a:r>
-                      <a:endParaRPr lang="zh-CN" altLang="en-US" dirty="0"/>
-                    </a:p>
-                  </a:txBody>
-                  <a:tcPr/>
-                </a:tc>
-                <a:tc>
-                  <a:txBody>
-                    <a:bodyPr/>
-                    <a:lstStyle/>
-                    <a:p>
-                      <a:r>
-                        <a:rPr lang="en-US" altLang="zh-CN" dirty="0"/>
-                        <a:t>0.8347</a:t>
-                      </a:r>
-                      <a:endParaRPr lang="zh-CN" altLang="en-US" dirty="0"/>
-                    </a:p>
-                  </a:txBody>
-                  <a:tcPr/>
-                </a:tc>
-                <a:extLst>
-                  <a:ext uri="{0D108BD9-81ED-4DB2-BD59-A6C34878D82A}">
-                    <a16:rowId xmlns:a16="http://schemas.microsoft.com/office/drawing/2014/main" val="2516485212"/>
+                    <a16:rowId xmlns:a16="http://schemas.microsoft.com/office/drawing/2014/main" val="3804307614"/>
                   </a:ext>
                 </a:extLst>
               </a:tr>
@@ -8693,7 +11251,7 @@
     </p:spTree>
     <p:extLst>
       <p:ext uri="{BB962C8B-B14F-4D97-AF65-F5344CB8AC3E}">
-        <p14:creationId xmlns:p14="http://schemas.microsoft.com/office/powerpoint/2010/main" val="4267861341"/>
+        <p14:creationId xmlns:p14="http://schemas.microsoft.com/office/powerpoint/2010/main" val="3710281253"/>
       </p:ext>
     </p:extLst>
   </p:cSld>
@@ -8918,7 +11476,7 @@
     </p:spTree>
     <p:extLst>
       <p:ext uri="{BB962C8B-B14F-4D97-AF65-F5344CB8AC3E}">
-        <p14:creationId xmlns:p14="http://schemas.microsoft.com/office/powerpoint/2010/main" val="3710281253"/>
+        <p14:creationId xmlns:p14="http://schemas.microsoft.com/office/powerpoint/2010/main" val="358056254"/>
       </p:ext>
     </p:extLst>
   </p:cSld>
@@ -9143,7 +11701,7 @@
     </p:spTree>
     <p:extLst>
       <p:ext uri="{BB962C8B-B14F-4D97-AF65-F5344CB8AC3E}">
-        <p14:creationId xmlns:p14="http://schemas.microsoft.com/office/powerpoint/2010/main" val="358056254"/>
+        <p14:creationId xmlns:p14="http://schemas.microsoft.com/office/powerpoint/2010/main" val="3232509422"/>
       </p:ext>
     </p:extLst>
   </p:cSld>
@@ -9368,7 +11926,7 @@
     </p:spTree>
     <p:extLst>
       <p:ext uri="{BB962C8B-B14F-4D97-AF65-F5344CB8AC3E}">
-        <p14:creationId xmlns:p14="http://schemas.microsoft.com/office/powerpoint/2010/main" val="3232509422"/>
+        <p14:creationId xmlns:p14="http://schemas.microsoft.com/office/powerpoint/2010/main" val="3954363875"/>
       </p:ext>
     </p:extLst>
   </p:cSld>
@@ -9593,7 +12151,7 @@
     </p:spTree>
     <p:extLst>
       <p:ext uri="{BB962C8B-B14F-4D97-AF65-F5344CB8AC3E}">
-        <p14:creationId xmlns:p14="http://schemas.microsoft.com/office/powerpoint/2010/main" val="3954363875"/>
+        <p14:creationId xmlns:p14="http://schemas.microsoft.com/office/powerpoint/2010/main" val="2410668142"/>
       </p:ext>
     </p:extLst>
   </p:cSld>
@@ -9818,7 +12376,7 @@
     </p:spTree>
     <p:extLst>
       <p:ext uri="{BB962C8B-B14F-4D97-AF65-F5344CB8AC3E}">
-        <p14:creationId xmlns:p14="http://schemas.microsoft.com/office/powerpoint/2010/main" val="2410668142"/>
+        <p14:creationId xmlns:p14="http://schemas.microsoft.com/office/powerpoint/2010/main" val="1059559926"/>
       </p:ext>
     </p:extLst>
   </p:cSld>
@@ -10043,7 +12601,7 @@
     </p:spTree>
     <p:extLst>
       <p:ext uri="{BB962C8B-B14F-4D97-AF65-F5344CB8AC3E}">
-        <p14:creationId xmlns:p14="http://schemas.microsoft.com/office/powerpoint/2010/main" val="1059559926"/>
+        <p14:creationId xmlns:p14="http://schemas.microsoft.com/office/powerpoint/2010/main" val="3906796655"/>
       </p:ext>
     </p:extLst>
   </p:cSld>
@@ -10268,7 +12826,7 @@
     </p:spTree>
     <p:extLst>
       <p:ext uri="{BB962C8B-B14F-4D97-AF65-F5344CB8AC3E}">
-        <p14:creationId xmlns:p14="http://schemas.microsoft.com/office/powerpoint/2010/main" val="3906796655"/>
+        <p14:creationId xmlns:p14="http://schemas.microsoft.com/office/powerpoint/2010/main" val="3483579841"/>
       </p:ext>
     </p:extLst>
   </p:cSld>
@@ -10493,7 +13051,7 @@
     </p:spTree>
     <p:extLst>
       <p:ext uri="{BB962C8B-B14F-4D97-AF65-F5344CB8AC3E}">
-        <p14:creationId xmlns:p14="http://schemas.microsoft.com/office/powerpoint/2010/main" val="3483579841"/>
+        <p14:creationId xmlns:p14="http://schemas.microsoft.com/office/powerpoint/2010/main" val="2791434145"/>
       </p:ext>
     </p:extLst>
   </p:cSld>
@@ -10718,7 +13276,7 @@
     </p:spTree>
     <p:extLst>
       <p:ext uri="{BB962C8B-B14F-4D97-AF65-F5344CB8AC3E}">
-        <p14:creationId xmlns:p14="http://schemas.microsoft.com/office/powerpoint/2010/main" val="2791434145"/>
+        <p14:creationId xmlns:p14="http://schemas.microsoft.com/office/powerpoint/2010/main" val="524428823"/>
       </p:ext>
     </p:extLst>
   </p:cSld>
@@ -11208,10 +13766,1010 @@
           </a:p>
         </p:txBody>
       </p:sp>
+      <p:graphicFrame>
+        <p:nvGraphicFramePr>
+          <p:cNvPr id="3" name="表格 2">
+            <a:extLst>
+              <a:ext uri="{FF2B5EF4-FFF2-40B4-BE49-F238E27FC236}">
+                <a16:creationId xmlns:a16="http://schemas.microsoft.com/office/drawing/2014/main" id="{198E8879-F044-74F6-C62E-60CEFD56E5B2}"/>
+              </a:ext>
+            </a:extLst>
+          </p:cNvPr>
+          <p:cNvGraphicFramePr>
+            <a:graphicFrameLocks noGrp="1"/>
+          </p:cNvGraphicFramePr>
+          <p:nvPr>
+            <p:extLst>
+              <p:ext uri="{D42A27DB-BD31-4B8C-83A1-F6EECF244321}">
+                <p14:modId xmlns:p14="http://schemas.microsoft.com/office/powerpoint/2010/main" val="1594112534"/>
+              </p:ext>
+            </p:extLst>
+          </p:nvPr>
+        </p:nvGraphicFramePr>
+        <p:xfrm>
+          <a:off x="367840" y="2156347"/>
+          <a:ext cx="11300990" cy="3355620"/>
+        </p:xfrm>
+        <a:graphic>
+          <a:graphicData uri="http://schemas.openxmlformats.org/drawingml/2006/table">
+            <a:tbl>
+              <a:tblPr firstRow="1" bandRow="1">
+                <a:tableStyleId>{5C22544A-7EE6-4342-B048-85BDC9FD1C3A}</a:tableStyleId>
+              </a:tblPr>
+              <a:tblGrid>
+                <a:gridCol w="1130099">
+                  <a:extLst>
+                    <a:ext uri="{9D8B030D-6E8A-4147-A177-3AD203B41FA5}">
+                      <a16:colId xmlns:a16="http://schemas.microsoft.com/office/drawing/2014/main" val="891346135"/>
+                    </a:ext>
+                  </a:extLst>
+                </a:gridCol>
+                <a:gridCol w="1130099">
+                  <a:extLst>
+                    <a:ext uri="{9D8B030D-6E8A-4147-A177-3AD203B41FA5}">
+                      <a16:colId xmlns:a16="http://schemas.microsoft.com/office/drawing/2014/main" val="3184875327"/>
+                    </a:ext>
+                  </a:extLst>
+                </a:gridCol>
+                <a:gridCol w="852141">
+                  <a:extLst>
+                    <a:ext uri="{9D8B030D-6E8A-4147-A177-3AD203B41FA5}">
+                      <a16:colId xmlns:a16="http://schemas.microsoft.com/office/drawing/2014/main" val="3751108926"/>
+                    </a:ext>
+                  </a:extLst>
+                </a:gridCol>
+                <a:gridCol w="1408057">
+                  <a:extLst>
+                    <a:ext uri="{9D8B030D-6E8A-4147-A177-3AD203B41FA5}">
+                      <a16:colId xmlns:a16="http://schemas.microsoft.com/office/drawing/2014/main" val="2251494086"/>
+                    </a:ext>
+                  </a:extLst>
+                </a:gridCol>
+                <a:gridCol w="1130099">
+                  <a:extLst>
+                    <a:ext uri="{9D8B030D-6E8A-4147-A177-3AD203B41FA5}">
+                      <a16:colId xmlns:a16="http://schemas.microsoft.com/office/drawing/2014/main" val="335364417"/>
+                    </a:ext>
+                  </a:extLst>
+                </a:gridCol>
+                <a:gridCol w="1130099">
+                  <a:extLst>
+                    <a:ext uri="{9D8B030D-6E8A-4147-A177-3AD203B41FA5}">
+                      <a16:colId xmlns:a16="http://schemas.microsoft.com/office/drawing/2014/main" val="3112691872"/>
+                    </a:ext>
+                  </a:extLst>
+                </a:gridCol>
+                <a:gridCol w="1130099">
+                  <a:extLst>
+                    <a:ext uri="{9D8B030D-6E8A-4147-A177-3AD203B41FA5}">
+                      <a16:colId xmlns:a16="http://schemas.microsoft.com/office/drawing/2014/main" val="2803923910"/>
+                    </a:ext>
+                  </a:extLst>
+                </a:gridCol>
+                <a:gridCol w="1130099">
+                  <a:extLst>
+                    <a:ext uri="{9D8B030D-6E8A-4147-A177-3AD203B41FA5}">
+                      <a16:colId xmlns:a16="http://schemas.microsoft.com/office/drawing/2014/main" val="1206696290"/>
+                    </a:ext>
+                  </a:extLst>
+                </a:gridCol>
+                <a:gridCol w="1130099">
+                  <a:extLst>
+                    <a:ext uri="{9D8B030D-6E8A-4147-A177-3AD203B41FA5}">
+                      <a16:colId xmlns:a16="http://schemas.microsoft.com/office/drawing/2014/main" val="2332021292"/>
+                    </a:ext>
+                  </a:extLst>
+                </a:gridCol>
+                <a:gridCol w="1130099">
+                  <a:extLst>
+                    <a:ext uri="{9D8B030D-6E8A-4147-A177-3AD203B41FA5}">
+                      <a16:colId xmlns:a16="http://schemas.microsoft.com/office/drawing/2014/main" val="1852409031"/>
+                    </a:ext>
+                  </a:extLst>
+                </a:gridCol>
+              </a:tblGrid>
+              <a:tr h="914400">
+                <a:tc>
+                  <a:txBody>
+                    <a:bodyPr/>
+                    <a:lstStyle/>
+                    <a:p>
+                      <a:r>
+                        <a:rPr lang="en-US" altLang="zh-CN" dirty="0"/>
+                        <a:t>Flip</a:t>
+                      </a:r>
+                      <a:endParaRPr lang="zh-CN" altLang="en-US" dirty="0"/>
+                    </a:p>
+                  </a:txBody>
+                  <a:tcPr/>
+                </a:tc>
+                <a:tc>
+                  <a:txBody>
+                    <a:bodyPr/>
+                    <a:lstStyle/>
+                    <a:p>
+                      <a:r>
+                        <a:rPr lang="zh-CN" altLang="en-US" dirty="0"/>
+                        <a:t>无</a:t>
+                      </a:r>
+                    </a:p>
+                  </a:txBody>
+                  <a:tcPr/>
+                </a:tc>
+                <a:tc>
+                  <a:txBody>
+                    <a:bodyPr/>
+                    <a:lstStyle/>
+                    <a:p>
+                      <a:r>
+                        <a:rPr lang="zh-CN" altLang="en-US" dirty="0"/>
+                        <a:t>有</a:t>
+                      </a:r>
+                    </a:p>
+                  </a:txBody>
+                  <a:tcPr/>
+                </a:tc>
+                <a:tc>
+                  <a:txBody>
+                    <a:bodyPr/>
+                    <a:lstStyle/>
+                    <a:p>
+                      <a:r>
+                        <a:rPr lang="zh-CN" altLang="en-US" dirty="0"/>
+                        <a:t>有</a:t>
+                      </a:r>
+                    </a:p>
+                  </a:txBody>
+                  <a:tcPr/>
+                </a:tc>
+                <a:tc>
+                  <a:txBody>
+                    <a:bodyPr/>
+                    <a:lstStyle/>
+                    <a:p>
+                      <a:pPr marL="0" marR="0" lvl="0" indent="0" algn="l" defTabSz="914400" rtl="0" eaLnBrk="1" fontAlgn="auto" latinLnBrk="0" hangingPunct="1">
+                        <a:lnSpc>
+                          <a:spcPct val="100000"/>
+                        </a:lnSpc>
+                        <a:spcBef>
+                          <a:spcPts val="0"/>
+                        </a:spcBef>
+                        <a:spcAft>
+                          <a:spcPts val="0"/>
+                        </a:spcAft>
+                        <a:buClrTx/>
+                        <a:buSzTx/>
+                        <a:buFontTx/>
+                        <a:buNone/>
+                        <a:tabLst/>
+                        <a:defRPr/>
+                      </a:pPr>
+                      <a:r>
+                        <a:rPr lang="zh-CN" altLang="en-US" dirty="0"/>
+                        <a:t>有</a:t>
+                      </a:r>
+                    </a:p>
+                    <a:p>
+                      <a:endParaRPr lang="zh-CN" altLang="en-US" dirty="0"/>
+                    </a:p>
+                  </a:txBody>
+                  <a:tcPr/>
+                </a:tc>
+                <a:tc>
+                  <a:txBody>
+                    <a:bodyPr/>
+                    <a:lstStyle/>
+                    <a:p>
+                      <a:pPr marL="0" marR="0" lvl="0" indent="0" algn="l" defTabSz="914400" rtl="0" eaLnBrk="1" fontAlgn="auto" latinLnBrk="0" hangingPunct="1">
+                        <a:lnSpc>
+                          <a:spcPct val="100000"/>
+                        </a:lnSpc>
+                        <a:spcBef>
+                          <a:spcPts val="0"/>
+                        </a:spcBef>
+                        <a:spcAft>
+                          <a:spcPts val="0"/>
+                        </a:spcAft>
+                        <a:buClrTx/>
+                        <a:buSzTx/>
+                        <a:buFontTx/>
+                        <a:buNone/>
+                        <a:tabLst/>
+                        <a:defRPr/>
+                      </a:pPr>
+                      <a:r>
+                        <a:rPr lang="zh-CN" altLang="en-US" dirty="0"/>
+                        <a:t>有</a:t>
+                      </a:r>
+                    </a:p>
+                    <a:p>
+                      <a:endParaRPr lang="zh-CN" altLang="en-US" dirty="0"/>
+                    </a:p>
+                  </a:txBody>
+                  <a:tcPr/>
+                </a:tc>
+                <a:tc>
+                  <a:txBody>
+                    <a:bodyPr/>
+                    <a:lstStyle/>
+                    <a:p>
+                      <a:pPr marL="0" marR="0" lvl="0" indent="0" algn="l" defTabSz="914400" rtl="0" eaLnBrk="1" fontAlgn="auto" latinLnBrk="0" hangingPunct="1">
+                        <a:lnSpc>
+                          <a:spcPct val="100000"/>
+                        </a:lnSpc>
+                        <a:spcBef>
+                          <a:spcPts val="0"/>
+                        </a:spcBef>
+                        <a:spcAft>
+                          <a:spcPts val="0"/>
+                        </a:spcAft>
+                        <a:buClrTx/>
+                        <a:buSzTx/>
+                        <a:buFontTx/>
+                        <a:buNone/>
+                        <a:tabLst/>
+                        <a:defRPr/>
+                      </a:pPr>
+                      <a:r>
+                        <a:rPr lang="zh-CN" altLang="en-US" dirty="0"/>
+                        <a:t>有</a:t>
+                      </a:r>
+                    </a:p>
+                    <a:p>
+                      <a:endParaRPr lang="zh-CN" altLang="en-US" dirty="0"/>
+                    </a:p>
+                  </a:txBody>
+                  <a:tcPr/>
+                </a:tc>
+                <a:tc>
+                  <a:txBody>
+                    <a:bodyPr/>
+                    <a:lstStyle/>
+                    <a:p>
+                      <a:pPr marL="0" marR="0" lvl="0" indent="0" algn="l" defTabSz="914400" rtl="0" eaLnBrk="1" fontAlgn="auto" latinLnBrk="0" hangingPunct="1">
+                        <a:lnSpc>
+                          <a:spcPct val="100000"/>
+                        </a:lnSpc>
+                        <a:spcBef>
+                          <a:spcPts val="0"/>
+                        </a:spcBef>
+                        <a:spcAft>
+                          <a:spcPts val="0"/>
+                        </a:spcAft>
+                        <a:buClrTx/>
+                        <a:buSzTx/>
+                        <a:buFontTx/>
+                        <a:buNone/>
+                        <a:tabLst/>
+                        <a:defRPr/>
+                      </a:pPr>
+                      <a:r>
+                        <a:rPr lang="zh-CN" altLang="en-US" dirty="0"/>
+                        <a:t>有</a:t>
+                      </a:r>
+                    </a:p>
+                    <a:p>
+                      <a:endParaRPr lang="zh-CN" altLang="en-US" dirty="0"/>
+                    </a:p>
+                  </a:txBody>
+                  <a:tcPr/>
+                </a:tc>
+                <a:tc>
+                  <a:txBody>
+                    <a:bodyPr/>
+                    <a:lstStyle/>
+                    <a:p>
+                      <a:pPr marL="0" marR="0" lvl="0" indent="0" algn="l" defTabSz="914400" rtl="0" eaLnBrk="1" fontAlgn="auto" latinLnBrk="0" hangingPunct="1">
+                        <a:lnSpc>
+                          <a:spcPct val="100000"/>
+                        </a:lnSpc>
+                        <a:spcBef>
+                          <a:spcPts val="0"/>
+                        </a:spcBef>
+                        <a:spcAft>
+                          <a:spcPts val="0"/>
+                        </a:spcAft>
+                        <a:buClrTx/>
+                        <a:buSzTx/>
+                        <a:buFontTx/>
+                        <a:buNone/>
+                        <a:tabLst/>
+                        <a:defRPr/>
+                      </a:pPr>
+                      <a:r>
+                        <a:rPr lang="zh-CN" altLang="en-US" dirty="0"/>
+                        <a:t>有</a:t>
+                      </a:r>
+                    </a:p>
+                    <a:p>
+                      <a:endParaRPr lang="zh-CN" altLang="en-US" dirty="0"/>
+                    </a:p>
+                  </a:txBody>
+                  <a:tcPr/>
+                </a:tc>
+                <a:tc>
+                  <a:txBody>
+                    <a:bodyPr/>
+                    <a:lstStyle/>
+                    <a:p>
+                      <a:pPr marL="0" marR="0" lvl="0" indent="0" algn="l" defTabSz="914400" rtl="0" eaLnBrk="1" fontAlgn="auto" latinLnBrk="0" hangingPunct="1">
+                        <a:lnSpc>
+                          <a:spcPct val="100000"/>
+                        </a:lnSpc>
+                        <a:spcBef>
+                          <a:spcPts val="0"/>
+                        </a:spcBef>
+                        <a:spcAft>
+                          <a:spcPts val="0"/>
+                        </a:spcAft>
+                        <a:buClrTx/>
+                        <a:buSzTx/>
+                        <a:buFontTx/>
+                        <a:buNone/>
+                        <a:tabLst/>
+                        <a:defRPr/>
+                      </a:pPr>
+                      <a:r>
+                        <a:rPr lang="zh-CN" altLang="en-US" dirty="0"/>
+                        <a:t>有</a:t>
+                      </a:r>
+                    </a:p>
+                    <a:p>
+                      <a:endParaRPr lang="zh-CN" altLang="en-US" dirty="0"/>
+                    </a:p>
+                  </a:txBody>
+                  <a:tcPr/>
+                </a:tc>
+                <a:extLst>
+                  <a:ext uri="{0D108BD9-81ED-4DB2-BD59-A6C34878D82A}">
+                    <a16:rowId xmlns:a16="http://schemas.microsoft.com/office/drawing/2014/main" val="3445708649"/>
+                  </a:ext>
+                </a:extLst>
+              </a:tr>
+              <a:tr h="914400">
+                <a:tc>
+                  <a:txBody>
+                    <a:bodyPr/>
+                    <a:lstStyle/>
+                    <a:p>
+                      <a:r>
+                        <a:rPr lang="en-US" altLang="zh-CN" dirty="0"/>
+                        <a:t>Shuffle remap</a:t>
+                      </a:r>
+                      <a:endParaRPr lang="zh-CN" altLang="en-US" dirty="0"/>
+                    </a:p>
+                  </a:txBody>
+                  <a:tcPr/>
+                </a:tc>
+                <a:tc>
+                  <a:txBody>
+                    <a:bodyPr/>
+                    <a:lstStyle/>
+                    <a:p>
+                      <a:r>
+                        <a:rPr lang="zh-CN" altLang="en-US" dirty="0"/>
+                        <a:t>无</a:t>
+                      </a:r>
+                    </a:p>
+                  </a:txBody>
+                  <a:tcPr/>
+                </a:tc>
+                <a:tc>
+                  <a:txBody>
+                    <a:bodyPr/>
+                    <a:lstStyle/>
+                    <a:p>
+                      <a:r>
+                        <a:rPr lang="zh-CN" altLang="en-US" dirty="0"/>
+                        <a:t>无</a:t>
+                      </a:r>
+                    </a:p>
+                  </a:txBody>
+                  <a:tcPr/>
+                </a:tc>
+                <a:tc>
+                  <a:txBody>
+                    <a:bodyPr/>
+                    <a:lstStyle/>
+                    <a:p>
+                      <a:r>
+                        <a:rPr lang="en-US" altLang="zh-CN" dirty="0"/>
+                        <a:t>Prob=0.5</a:t>
+                      </a:r>
+                    </a:p>
+                    <a:p>
+                      <a:r>
+                        <a:rPr lang="en-US" altLang="zh-CN" dirty="0"/>
+                        <a:t>Random point=[2, 5]</a:t>
+                      </a:r>
+                      <a:endParaRPr lang="zh-CN" altLang="en-US" dirty="0"/>
+                    </a:p>
+                  </a:txBody>
+                  <a:tcPr/>
+                </a:tc>
+                <a:tc>
+                  <a:txBody>
+                    <a:bodyPr/>
+                    <a:lstStyle/>
+                    <a:p>
+                      <a:r>
+                        <a:rPr lang="en-US" altLang="zh-CN" dirty="0"/>
+                        <a:t>0.9,</a:t>
+                      </a:r>
+                    </a:p>
+                    <a:p>
+                      <a:r>
+                        <a:rPr lang="en-US" altLang="zh-CN" dirty="0"/>
+                        <a:t>[2, 5]</a:t>
+                      </a:r>
+                      <a:endParaRPr lang="zh-CN" altLang="en-US" dirty="0"/>
+                    </a:p>
+                    <a:p>
+                      <a:endParaRPr lang="zh-CN" altLang="en-US" dirty="0"/>
+                    </a:p>
+                  </a:txBody>
+                  <a:tcPr/>
+                </a:tc>
+                <a:tc>
+                  <a:txBody>
+                    <a:bodyPr/>
+                    <a:lstStyle/>
+                    <a:p>
+                      <a:r>
+                        <a:rPr lang="en-US" altLang="zh-CN" dirty="0"/>
+                        <a:t>1,</a:t>
+                      </a:r>
+                    </a:p>
+                    <a:p>
+                      <a:r>
+                        <a:rPr lang="en-US" altLang="zh-CN" dirty="0"/>
+                        <a:t>[2, 5]</a:t>
+                      </a:r>
+                      <a:endParaRPr lang="zh-CN" altLang="en-US" dirty="0"/>
+                    </a:p>
+                    <a:p>
+                      <a:endParaRPr lang="zh-CN" altLang="en-US" dirty="0"/>
+                    </a:p>
+                  </a:txBody>
+                  <a:tcPr/>
+                </a:tc>
+                <a:tc>
+                  <a:txBody>
+                    <a:bodyPr/>
+                    <a:lstStyle/>
+                    <a:p>
+                      <a:r>
+                        <a:rPr lang="en-US" altLang="zh-CN" dirty="0"/>
+                        <a:t>0.5,</a:t>
+                      </a:r>
+                    </a:p>
+                    <a:p>
+                      <a:r>
+                        <a:rPr lang="en-US" altLang="zh-CN" dirty="0"/>
+                        <a:t>[2, 10]</a:t>
+                      </a:r>
+                      <a:endParaRPr lang="zh-CN" altLang="en-US" dirty="0"/>
+                    </a:p>
+                    <a:p>
+                      <a:endParaRPr lang="zh-CN" altLang="en-US" dirty="0"/>
+                    </a:p>
+                  </a:txBody>
+                  <a:tcPr/>
+                </a:tc>
+                <a:tc>
+                  <a:txBody>
+                    <a:bodyPr/>
+                    <a:lstStyle/>
+                    <a:p>
+                      <a:r>
+                        <a:rPr lang="en-US" altLang="zh-CN" dirty="0"/>
+                        <a:t>0.9,</a:t>
+                      </a:r>
+                    </a:p>
+                    <a:p>
+                      <a:r>
+                        <a:rPr lang="en-US" altLang="zh-CN" dirty="0"/>
+                        <a:t>[2, 10]</a:t>
+                      </a:r>
+                      <a:endParaRPr lang="zh-CN" altLang="en-US" dirty="0"/>
+                    </a:p>
+                    <a:p>
+                      <a:endParaRPr lang="zh-CN" altLang="en-US" dirty="0"/>
+                    </a:p>
+                  </a:txBody>
+                  <a:tcPr/>
+                </a:tc>
+                <a:tc>
+                  <a:txBody>
+                    <a:bodyPr/>
+                    <a:lstStyle/>
+                    <a:p>
+                      <a:r>
+                        <a:rPr lang="en-US" altLang="zh-CN" dirty="0"/>
+                        <a:t>1,</a:t>
+                      </a:r>
+                    </a:p>
+                    <a:p>
+                      <a:r>
+                        <a:rPr lang="en-US" altLang="zh-CN" dirty="0"/>
+                        <a:t>[2, 10]</a:t>
+                      </a:r>
+                      <a:endParaRPr lang="zh-CN" altLang="en-US" dirty="0"/>
+                    </a:p>
+                    <a:p>
+                      <a:endParaRPr lang="zh-CN" altLang="en-US" dirty="0"/>
+                    </a:p>
+                  </a:txBody>
+                  <a:tcPr/>
+                </a:tc>
+                <a:tc>
+                  <a:txBody>
+                    <a:bodyPr/>
+                    <a:lstStyle/>
+                    <a:p>
+                      <a:r>
+                        <a:rPr lang="zh-CN" altLang="en-US" dirty="0"/>
+                        <a:t>无</a:t>
+                      </a:r>
+                    </a:p>
+                  </a:txBody>
+                  <a:tcPr/>
+                </a:tc>
+                <a:extLst>
+                  <a:ext uri="{0D108BD9-81ED-4DB2-BD59-A6C34878D82A}">
+                    <a16:rowId xmlns:a16="http://schemas.microsoft.com/office/drawing/2014/main" val="3271141709"/>
+                  </a:ext>
+                </a:extLst>
+              </a:tr>
+              <a:tr h="508940">
+                <a:tc>
+                  <a:txBody>
+                    <a:bodyPr/>
+                    <a:lstStyle/>
+                    <a:p>
+                      <a:r>
+                        <a:rPr lang="en-US" altLang="zh-CN" dirty="0"/>
+                        <a:t>T1_in</a:t>
+                      </a:r>
+                      <a:endParaRPr lang="zh-CN" altLang="en-US" dirty="0"/>
+                    </a:p>
+                  </a:txBody>
+                  <a:tcPr/>
+                </a:tc>
+                <a:tc>
+                  <a:txBody>
+                    <a:bodyPr/>
+                    <a:lstStyle/>
+                    <a:p>
+                      <a:r>
+                        <a:rPr lang="en-US" altLang="zh-CN" dirty="0"/>
+                        <a:t>0.3617</a:t>
+                      </a:r>
+                      <a:endParaRPr lang="zh-CN" altLang="en-US" dirty="0"/>
+                    </a:p>
+                  </a:txBody>
+                  <a:tcPr/>
+                </a:tc>
+                <a:tc>
+                  <a:txBody>
+                    <a:bodyPr/>
+                    <a:lstStyle/>
+                    <a:p>
+                      <a:r>
+                        <a:rPr lang="en-US" altLang="zh-CN" dirty="0"/>
+                        <a:t>0.4080</a:t>
+                      </a:r>
+                      <a:endParaRPr lang="zh-CN" altLang="en-US" dirty="0"/>
+                    </a:p>
+                  </a:txBody>
+                  <a:tcPr/>
+                </a:tc>
+                <a:tc>
+                  <a:txBody>
+                    <a:bodyPr/>
+                    <a:lstStyle/>
+                    <a:p>
+                      <a:r>
+                        <a:rPr lang="en-US" altLang="zh-CN" dirty="0"/>
+                        <a:t>0.8779</a:t>
+                      </a:r>
+                      <a:endParaRPr lang="zh-CN" altLang="en-US" dirty="0"/>
+                    </a:p>
+                  </a:txBody>
+                  <a:tcPr/>
+                </a:tc>
+                <a:tc>
+                  <a:txBody>
+                    <a:bodyPr/>
+                    <a:lstStyle/>
+                    <a:p>
+                      <a:r>
+                        <a:rPr lang="en-US" altLang="zh-CN" dirty="0"/>
+                        <a:t>0.8903</a:t>
+                      </a:r>
+                      <a:endParaRPr lang="zh-CN" altLang="en-US" dirty="0"/>
+                    </a:p>
+                  </a:txBody>
+                  <a:tcPr/>
+                </a:tc>
+                <a:tc>
+                  <a:txBody>
+                    <a:bodyPr/>
+                    <a:lstStyle/>
+                    <a:p>
+                      <a:r>
+                        <a:rPr lang="en-US" altLang="zh-CN" dirty="0"/>
+                        <a:t>0.8809</a:t>
+                      </a:r>
+                      <a:endParaRPr lang="zh-CN" altLang="en-US" dirty="0"/>
+                    </a:p>
+                  </a:txBody>
+                  <a:tcPr/>
+                </a:tc>
+                <a:tc>
+                  <a:txBody>
+                    <a:bodyPr/>
+                    <a:lstStyle/>
+                    <a:p>
+                      <a:r>
+                        <a:rPr lang="en-US" altLang="zh-CN" dirty="0"/>
+                        <a:t>0.8702</a:t>
+                      </a:r>
+                      <a:endParaRPr lang="zh-CN" altLang="en-US" dirty="0"/>
+                    </a:p>
+                  </a:txBody>
+                  <a:tcPr/>
+                </a:tc>
+                <a:tc>
+                  <a:txBody>
+                    <a:bodyPr/>
+                    <a:lstStyle/>
+                    <a:p>
+                      <a:r>
+                        <a:rPr lang="en-US" altLang="zh-CN" dirty="0"/>
+                        <a:t>0.8872</a:t>
+                      </a:r>
+                      <a:endParaRPr lang="zh-CN" altLang="en-US" dirty="0"/>
+                    </a:p>
+                  </a:txBody>
+                  <a:tcPr/>
+                </a:tc>
+                <a:tc>
+                  <a:txBody>
+                    <a:bodyPr/>
+                    <a:lstStyle/>
+                    <a:p>
+                      <a:r>
+                        <a:rPr lang="en-US" altLang="zh-CN" dirty="0"/>
+                        <a:t>0.8887</a:t>
+                      </a:r>
+                      <a:endParaRPr lang="zh-CN" altLang="en-US" dirty="0"/>
+                    </a:p>
+                  </a:txBody>
+                  <a:tcPr/>
+                </a:tc>
+                <a:tc>
+                  <a:txBody>
+                    <a:bodyPr/>
+                    <a:lstStyle/>
+                    <a:p>
+                      <a:r>
+                        <a:rPr lang="en-US" altLang="zh-CN" dirty="0"/>
+                        <a:t>0.9119</a:t>
+                      </a:r>
+                      <a:endParaRPr lang="zh-CN" altLang="en-US" dirty="0"/>
+                    </a:p>
+                  </a:txBody>
+                  <a:tcPr/>
+                </a:tc>
+                <a:extLst>
+                  <a:ext uri="{0D108BD9-81ED-4DB2-BD59-A6C34878D82A}">
+                    <a16:rowId xmlns:a16="http://schemas.microsoft.com/office/drawing/2014/main" val="574348140"/>
+                  </a:ext>
+                </a:extLst>
+              </a:tr>
+              <a:tr h="508940">
+                <a:tc>
+                  <a:txBody>
+                    <a:bodyPr/>
+                    <a:lstStyle/>
+                    <a:p>
+                      <a:r>
+                        <a:rPr lang="en-US" altLang="zh-CN" dirty="0"/>
+                        <a:t>T1_out</a:t>
+                      </a:r>
+                      <a:endParaRPr lang="zh-CN" altLang="en-US" dirty="0"/>
+                    </a:p>
+                  </a:txBody>
+                  <a:tcPr/>
+                </a:tc>
+                <a:tc>
+                  <a:txBody>
+                    <a:bodyPr/>
+                    <a:lstStyle/>
+                    <a:p>
+                      <a:r>
+                        <a:rPr lang="en-US" altLang="zh-CN" dirty="0"/>
+                        <a:t>0.3632</a:t>
+                      </a:r>
+                      <a:endParaRPr lang="zh-CN" altLang="en-US" dirty="0"/>
+                    </a:p>
+                  </a:txBody>
+                  <a:tcPr/>
+                </a:tc>
+                <a:tc>
+                  <a:txBody>
+                    <a:bodyPr/>
+                    <a:lstStyle/>
+                    <a:p>
+                      <a:r>
+                        <a:rPr lang="en-US" altLang="zh-CN" dirty="0"/>
+                        <a:t>0.3941</a:t>
+                      </a:r>
+                      <a:endParaRPr lang="zh-CN" altLang="en-US" dirty="0"/>
+                    </a:p>
+                  </a:txBody>
+                  <a:tcPr/>
+                </a:tc>
+                <a:tc>
+                  <a:txBody>
+                    <a:bodyPr/>
+                    <a:lstStyle/>
+                    <a:p>
+                      <a:r>
+                        <a:rPr lang="en-US" altLang="zh-CN" dirty="0"/>
+                        <a:t>0.8655</a:t>
+                      </a:r>
+                      <a:endParaRPr lang="zh-CN" altLang="en-US" dirty="0"/>
+                    </a:p>
+                  </a:txBody>
+                  <a:tcPr/>
+                </a:tc>
+                <a:tc>
+                  <a:txBody>
+                    <a:bodyPr/>
+                    <a:lstStyle/>
+                    <a:p>
+                      <a:r>
+                        <a:rPr lang="en-US" altLang="zh-CN" dirty="0"/>
+                        <a:t>0.8856</a:t>
+                      </a:r>
+                      <a:endParaRPr lang="zh-CN" altLang="en-US" dirty="0"/>
+                    </a:p>
+                  </a:txBody>
+                  <a:tcPr/>
+                </a:tc>
+                <a:tc>
+                  <a:txBody>
+                    <a:bodyPr/>
+                    <a:lstStyle/>
+                    <a:p>
+                      <a:r>
+                        <a:rPr lang="en-US" altLang="zh-CN" dirty="0"/>
+                        <a:t>0.8933</a:t>
+                      </a:r>
+                      <a:endParaRPr lang="zh-CN" altLang="en-US" dirty="0"/>
+                    </a:p>
+                  </a:txBody>
+                  <a:tcPr/>
+                </a:tc>
+                <a:tc>
+                  <a:txBody>
+                    <a:bodyPr/>
+                    <a:lstStyle/>
+                    <a:p>
+                      <a:r>
+                        <a:rPr lang="en-US" altLang="zh-CN" dirty="0"/>
+                        <a:t>0.8794</a:t>
+                      </a:r>
+                      <a:endParaRPr lang="zh-CN" altLang="en-US" dirty="0"/>
+                    </a:p>
+                  </a:txBody>
+                  <a:tcPr/>
+                </a:tc>
+                <a:tc>
+                  <a:txBody>
+                    <a:bodyPr/>
+                    <a:lstStyle/>
+                    <a:p>
+                      <a:r>
+                        <a:rPr lang="en-US" altLang="zh-CN" dirty="0"/>
+                        <a:t>0.8849</a:t>
+                      </a:r>
+                      <a:endParaRPr lang="zh-CN" altLang="en-US" dirty="0"/>
+                    </a:p>
+                  </a:txBody>
+                  <a:tcPr/>
+                </a:tc>
+                <a:tc>
+                  <a:txBody>
+                    <a:bodyPr/>
+                    <a:lstStyle/>
+                    <a:p>
+                      <a:r>
+                        <a:rPr lang="en-US" altLang="zh-CN" dirty="0"/>
+                        <a:t>0.8949</a:t>
+                      </a:r>
+                      <a:endParaRPr lang="zh-CN" altLang="en-US" dirty="0"/>
+                    </a:p>
+                  </a:txBody>
+                  <a:tcPr/>
+                </a:tc>
+                <a:tc>
+                  <a:txBody>
+                    <a:bodyPr/>
+                    <a:lstStyle/>
+                    <a:p>
+                      <a:r>
+                        <a:rPr lang="en-US" altLang="zh-CN" dirty="0"/>
+                        <a:t>0.9212</a:t>
+                      </a:r>
+                      <a:endParaRPr lang="zh-CN" altLang="en-US" dirty="0"/>
+                    </a:p>
+                  </a:txBody>
+                  <a:tcPr/>
+                </a:tc>
+                <a:extLst>
+                  <a:ext uri="{0D108BD9-81ED-4DB2-BD59-A6C34878D82A}">
+                    <a16:rowId xmlns:a16="http://schemas.microsoft.com/office/drawing/2014/main" val="2055444285"/>
+                  </a:ext>
+                </a:extLst>
+              </a:tr>
+              <a:tr h="508940">
+                <a:tc>
+                  <a:txBody>
+                    <a:bodyPr/>
+                    <a:lstStyle/>
+                    <a:p>
+                      <a:r>
+                        <a:rPr lang="en-US" altLang="zh-CN" dirty="0"/>
+                        <a:t>T2</a:t>
+                      </a:r>
+                      <a:endParaRPr lang="zh-CN" altLang="en-US" dirty="0"/>
+                    </a:p>
+                  </a:txBody>
+                  <a:tcPr/>
+                </a:tc>
+                <a:tc>
+                  <a:txBody>
+                    <a:bodyPr/>
+                    <a:lstStyle/>
+                    <a:p>
+                      <a:r>
+                        <a:rPr lang="en-US" altLang="zh-CN" dirty="0"/>
+                        <a:t>0.3515</a:t>
+                      </a:r>
+                      <a:endParaRPr lang="zh-CN" altLang="en-US" dirty="0"/>
+                    </a:p>
+                  </a:txBody>
+                  <a:tcPr/>
+                </a:tc>
+                <a:tc>
+                  <a:txBody>
+                    <a:bodyPr/>
+                    <a:lstStyle/>
+                    <a:p>
+                      <a:r>
+                        <a:rPr lang="en-US" altLang="zh-CN" dirty="0"/>
+                        <a:t>0.3499</a:t>
+                      </a:r>
+                      <a:endParaRPr lang="zh-CN" altLang="en-US" dirty="0"/>
+                    </a:p>
+                  </a:txBody>
+                  <a:tcPr/>
+                </a:tc>
+                <a:tc>
+                  <a:txBody>
+                    <a:bodyPr/>
+                    <a:lstStyle/>
+                    <a:p>
+                      <a:r>
+                        <a:rPr lang="en-US" altLang="zh-CN" dirty="0"/>
+                        <a:t>0.7448</a:t>
+                      </a:r>
+                      <a:endParaRPr lang="zh-CN" altLang="en-US" dirty="0"/>
+                    </a:p>
+                  </a:txBody>
+                  <a:tcPr/>
+                </a:tc>
+                <a:tc>
+                  <a:txBody>
+                    <a:bodyPr/>
+                    <a:lstStyle/>
+                    <a:p>
+                      <a:r>
+                        <a:rPr lang="en-US" altLang="zh-CN" dirty="0"/>
+                        <a:t>0.7961</a:t>
+                      </a:r>
+                      <a:endParaRPr lang="zh-CN" altLang="en-US" dirty="0"/>
+                    </a:p>
+                  </a:txBody>
+                  <a:tcPr/>
+                </a:tc>
+                <a:tc>
+                  <a:txBody>
+                    <a:bodyPr/>
+                    <a:lstStyle/>
+                    <a:p>
+                      <a:r>
+                        <a:rPr lang="en-US" altLang="zh-CN" dirty="0"/>
+                        <a:t>0.7945</a:t>
+                      </a:r>
+                      <a:endParaRPr lang="zh-CN" altLang="en-US" dirty="0"/>
+                    </a:p>
+                  </a:txBody>
+                  <a:tcPr/>
+                </a:tc>
+                <a:tc>
+                  <a:txBody>
+                    <a:bodyPr/>
+                    <a:lstStyle/>
+                    <a:p>
+                      <a:r>
+                        <a:rPr lang="en-US" altLang="zh-CN" dirty="0"/>
+                        <a:t>0.7881</a:t>
+                      </a:r>
+                      <a:endParaRPr lang="zh-CN" altLang="en-US" dirty="0"/>
+                    </a:p>
+                  </a:txBody>
+                  <a:tcPr/>
+                </a:tc>
+                <a:tc>
+                  <a:txBody>
+                    <a:bodyPr/>
+                    <a:lstStyle/>
+                    <a:p>
+                      <a:r>
+                        <a:rPr lang="en-US" altLang="zh-CN" dirty="0"/>
+                        <a:t>0.8523</a:t>
+                      </a:r>
+                      <a:endParaRPr lang="zh-CN" altLang="en-US" dirty="0"/>
+                    </a:p>
+                  </a:txBody>
+                  <a:tcPr/>
+                </a:tc>
+                <a:tc>
+                  <a:txBody>
+                    <a:bodyPr/>
+                    <a:lstStyle/>
+                    <a:p>
+                      <a:r>
+                        <a:rPr lang="en-US" altLang="zh-CN" dirty="0"/>
+                        <a:t>0.8716</a:t>
+                      </a:r>
+                      <a:endParaRPr lang="zh-CN" altLang="en-US" dirty="0"/>
+                    </a:p>
+                  </a:txBody>
+                  <a:tcPr/>
+                </a:tc>
+                <a:tc>
+                  <a:txBody>
+                    <a:bodyPr/>
+                    <a:lstStyle/>
+                    <a:p>
+                      <a:r>
+                        <a:rPr lang="en-US" altLang="zh-CN" dirty="0"/>
+                        <a:t>0.8347</a:t>
+                      </a:r>
+                      <a:endParaRPr lang="zh-CN" altLang="en-US" dirty="0"/>
+                    </a:p>
+                  </a:txBody>
+                  <a:tcPr/>
+                </a:tc>
+                <a:extLst>
+                  <a:ext uri="{0D108BD9-81ED-4DB2-BD59-A6C34878D82A}">
+                    <a16:rowId xmlns:a16="http://schemas.microsoft.com/office/drawing/2014/main" val="2516485212"/>
+                  </a:ext>
+                </a:extLst>
+              </a:tr>
+            </a:tbl>
+          </a:graphicData>
+        </a:graphic>
+      </p:graphicFrame>
     </p:spTree>
     <p:extLst>
       <p:ext uri="{BB962C8B-B14F-4D97-AF65-F5344CB8AC3E}">
-        <p14:creationId xmlns:p14="http://schemas.microsoft.com/office/powerpoint/2010/main" val="524428823"/>
+        <p14:creationId xmlns:p14="http://schemas.microsoft.com/office/powerpoint/2010/main" val="4267861341"/>
       </p:ext>
     </p:extLst>
   </p:cSld>

--- a/开题.pptx
+++ b/开题.pptx
@@ -5,7 +5,7 @@
     <p:sldMasterId id="2147483648" r:id="rId1"/>
   </p:sldMasterIdLst>
   <p:notesMasterIdLst>
-    <p:notesMasterId r:id="rId32"/>
+    <p:notesMasterId r:id="rId31"/>
   </p:notesMasterIdLst>
   <p:sldIdLst>
     <p:sldId id="313" r:id="rId2"/>
@@ -24,20 +24,19 @@
     <p:sldId id="321" r:id="rId15"/>
     <p:sldId id="322" r:id="rId16"/>
     <p:sldId id="323" r:id="rId17"/>
-    <p:sldId id="326" r:id="rId18"/>
-    <p:sldId id="327" r:id="rId19"/>
-    <p:sldId id="329" r:id="rId20"/>
-    <p:sldId id="330" r:id="rId21"/>
-    <p:sldId id="331" r:id="rId22"/>
-    <p:sldId id="332" r:id="rId23"/>
-    <p:sldId id="333" r:id="rId24"/>
-    <p:sldId id="334" r:id="rId25"/>
-    <p:sldId id="335" r:id="rId26"/>
-    <p:sldId id="336" r:id="rId27"/>
-    <p:sldId id="337" r:id="rId28"/>
-    <p:sldId id="338" r:id="rId29"/>
-    <p:sldId id="339" r:id="rId30"/>
-    <p:sldId id="328" r:id="rId31"/>
+    <p:sldId id="348" r:id="rId18"/>
+    <p:sldId id="344" r:id="rId19"/>
+    <p:sldId id="326" r:id="rId20"/>
+    <p:sldId id="345" r:id="rId21"/>
+    <p:sldId id="346" r:id="rId22"/>
+    <p:sldId id="347" r:id="rId23"/>
+    <p:sldId id="327" r:id="rId24"/>
+    <p:sldId id="329" r:id="rId25"/>
+    <p:sldId id="330" r:id="rId26"/>
+    <p:sldId id="331" r:id="rId27"/>
+    <p:sldId id="336" r:id="rId28"/>
+    <p:sldId id="337" r:id="rId29"/>
+    <p:sldId id="328" r:id="rId30"/>
   </p:sldIdLst>
   <p:sldSz cx="12192000" cy="6858000"/>
   <p:notesSz cx="6858000" cy="9144000"/>
@@ -226,7 +225,7 @@
           <a:p>
             <a:fld id="{B0C5499A-E137-45CD-ACE3-F044CB7CD816}" type="datetimeFigureOut">
               <a:rPr lang="zh-CN" altLang="en-US" smtClean="0"/>
-              <a:t>2023/11/27</a:t>
+              <a:t>2023/11/28</a:t>
             </a:fld>
             <a:endParaRPr lang="zh-CN" altLang="en-US"/>
           </a:p>
@@ -888,7 +887,7 @@
           <a:p>
             <a:fld id="{A9F4CA5D-05E9-4925-A779-A8ED914EAD44}" type="datetimeFigureOut">
               <a:rPr lang="zh-CN" altLang="en-US" smtClean="0"/>
-              <a:t>2023/11/27</a:t>
+              <a:t>2023/11/28</a:t>
             </a:fld>
             <a:endParaRPr lang="zh-CN" altLang="en-US"/>
           </a:p>
@@ -1086,7 +1085,7 @@
           <a:p>
             <a:fld id="{A9F4CA5D-05E9-4925-A779-A8ED914EAD44}" type="datetimeFigureOut">
               <a:rPr lang="zh-CN" altLang="en-US" smtClean="0"/>
-              <a:t>2023/11/27</a:t>
+              <a:t>2023/11/28</a:t>
             </a:fld>
             <a:endParaRPr lang="zh-CN" altLang="en-US"/>
           </a:p>
@@ -1294,7 +1293,7 @@
           <a:p>
             <a:fld id="{A9F4CA5D-05E9-4925-A779-A8ED914EAD44}" type="datetimeFigureOut">
               <a:rPr lang="zh-CN" altLang="en-US" smtClean="0"/>
-              <a:t>2023/11/27</a:t>
+              <a:t>2023/11/28</a:t>
             </a:fld>
             <a:endParaRPr lang="zh-CN" altLang="en-US"/>
           </a:p>
@@ -1492,7 +1491,7 @@
           <a:p>
             <a:fld id="{A9F4CA5D-05E9-4925-A779-A8ED914EAD44}" type="datetimeFigureOut">
               <a:rPr lang="zh-CN" altLang="en-US" smtClean="0"/>
-              <a:t>2023/11/27</a:t>
+              <a:t>2023/11/28</a:t>
             </a:fld>
             <a:endParaRPr lang="zh-CN" altLang="en-US"/>
           </a:p>
@@ -1767,7 +1766,7 @@
           <a:p>
             <a:fld id="{A9F4CA5D-05E9-4925-A779-A8ED914EAD44}" type="datetimeFigureOut">
               <a:rPr lang="zh-CN" altLang="en-US" smtClean="0"/>
-              <a:t>2023/11/27</a:t>
+              <a:t>2023/11/28</a:t>
             </a:fld>
             <a:endParaRPr lang="zh-CN" altLang="en-US"/>
           </a:p>
@@ -2032,7 +2031,7 @@
           <a:p>
             <a:fld id="{A9F4CA5D-05E9-4925-A779-A8ED914EAD44}" type="datetimeFigureOut">
               <a:rPr lang="zh-CN" altLang="en-US" smtClean="0"/>
-              <a:t>2023/11/27</a:t>
+              <a:t>2023/11/28</a:t>
             </a:fld>
             <a:endParaRPr lang="zh-CN" altLang="en-US"/>
           </a:p>
@@ -2444,7 +2443,7 @@
           <a:p>
             <a:fld id="{A9F4CA5D-05E9-4925-A779-A8ED914EAD44}" type="datetimeFigureOut">
               <a:rPr lang="zh-CN" altLang="en-US" smtClean="0"/>
-              <a:t>2023/11/27</a:t>
+              <a:t>2023/11/28</a:t>
             </a:fld>
             <a:endParaRPr lang="zh-CN" altLang="en-US"/>
           </a:p>
@@ -2585,7 +2584,7 @@
           <a:p>
             <a:fld id="{A9F4CA5D-05E9-4925-A779-A8ED914EAD44}" type="datetimeFigureOut">
               <a:rPr lang="zh-CN" altLang="en-US" smtClean="0"/>
-              <a:t>2023/11/27</a:t>
+              <a:t>2023/11/28</a:t>
             </a:fld>
             <a:endParaRPr lang="zh-CN" altLang="en-US"/>
           </a:p>
@@ -2698,7 +2697,7 @@
           <a:p>
             <a:fld id="{A9F4CA5D-05E9-4925-A779-A8ED914EAD44}" type="datetimeFigureOut">
               <a:rPr lang="zh-CN" altLang="en-US" smtClean="0"/>
-              <a:t>2023/11/27</a:t>
+              <a:t>2023/11/28</a:t>
             </a:fld>
             <a:endParaRPr lang="zh-CN" altLang="en-US"/>
           </a:p>
@@ -3009,7 +3008,7 @@
           <a:p>
             <a:fld id="{A9F4CA5D-05E9-4925-A779-A8ED914EAD44}" type="datetimeFigureOut">
               <a:rPr lang="zh-CN" altLang="en-US" smtClean="0"/>
-              <a:t>2023/11/27</a:t>
+              <a:t>2023/11/28</a:t>
             </a:fld>
             <a:endParaRPr lang="zh-CN" altLang="en-US"/>
           </a:p>
@@ -3300,7 +3299,7 @@
           <a:p>
             <a:fld id="{A9F4CA5D-05E9-4925-A779-A8ED914EAD44}" type="datetimeFigureOut">
               <a:rPr lang="zh-CN" altLang="en-US" smtClean="0"/>
-              <a:t>2023/11/27</a:t>
+              <a:t>2023/11/28</a:t>
             </a:fld>
             <a:endParaRPr lang="zh-CN" altLang="en-US"/>
           </a:p>
@@ -3541,7 +3540,7 @@
           <a:p>
             <a:fld id="{A9F4CA5D-05E9-4925-A779-A8ED914EAD44}" type="datetimeFigureOut">
               <a:rPr lang="zh-CN" altLang="en-US" smtClean="0"/>
-              <a:t>2023/11/27</a:t>
+              <a:t>2023/11/28</a:t>
             </a:fld>
             <a:endParaRPr lang="zh-CN" altLang="en-US"/>
           </a:p>
@@ -6249,7 +6248,7 @@
         <p:spPr>
           <a:xfrm>
             <a:off x="1187449" y="1681843"/>
-            <a:ext cx="6895193" cy="1200329"/>
+            <a:ext cx="6895193" cy="2308324"/>
           </a:xfrm>
           <a:prstGeom prst="rect">
             <a:avLst/>
@@ -6268,7 +6267,7 @@
             </a:r>
             <a:r>
               <a:rPr lang="zh-CN" altLang="en-US" sz="2400" dirty="0"/>
-              <a:t>基于数据增强的</a:t>
+              <a:t>基于改变图像分布的</a:t>
             </a:r>
             <a:r>
               <a:rPr lang="en-US" altLang="zh-CN" sz="2400" dirty="0"/>
@@ -6284,6 +6283,24 @@
             <a:r>
               <a:rPr lang="zh-CN" altLang="en-US" sz="2400" dirty="0"/>
               <a:t>数据增强作为数据操控方法的一种，能够以低成本简单地提升模型的泛化能力</a:t>
+            </a:r>
+            <a:endParaRPr lang="en-US" altLang="zh-CN" sz="2400" dirty="0"/>
+          </a:p>
+          <a:p>
+            <a:r>
+              <a:rPr lang="en-US" altLang="zh-CN" sz="2400" dirty="0"/>
+              <a:t>2.</a:t>
+            </a:r>
+            <a:r>
+              <a:rPr lang="zh-CN" altLang="en-US" sz="2400" dirty="0"/>
+              <a:t>基于对比学习的域不变表征域泛化方法</a:t>
+            </a:r>
+            <a:endParaRPr lang="en-US" altLang="zh-CN" sz="2400" dirty="0"/>
+          </a:p>
+          <a:p>
+            <a:r>
+              <a:rPr lang="zh-CN" altLang="en-US" sz="2400" dirty="0"/>
+              <a:t>域不变表征作为不同域间的共有特征，能够为模型带来优秀的泛化能力。</a:t>
             </a:r>
           </a:p>
         </p:txBody>
@@ -6513,10 +6530,53 @@
           </a:p>
         </p:txBody>
       </p:sp>
+      <p:sp>
+        <p:nvSpPr>
+          <p:cNvPr id="3" name="文本框 2">
+            <a:extLst>
+              <a:ext uri="{FF2B5EF4-FFF2-40B4-BE49-F238E27FC236}">
+                <a16:creationId xmlns:a16="http://schemas.microsoft.com/office/drawing/2014/main" id="{46A03C8F-448C-92D8-F22F-28CE8C9873B3}"/>
+              </a:ext>
+            </a:extLst>
+          </p:cNvPr>
+          <p:cNvSpPr txBox="1"/>
+          <p:nvPr/>
+        </p:nvSpPr>
+        <p:spPr>
+          <a:xfrm>
+            <a:off x="3722945" y="2676343"/>
+            <a:ext cx="4190305" cy="1015663"/>
+          </a:xfrm>
+          <a:prstGeom prst="rect">
+            <a:avLst/>
+          </a:prstGeom>
+          <a:noFill/>
+        </p:spPr>
+        <p:txBody>
+          <a:bodyPr wrap="square" rtlCol="0">
+            <a:spAutoFit/>
+          </a:bodyPr>
+          <a:lstStyle/>
+          <a:p>
+            <a:r>
+              <a:rPr lang="zh-CN" altLang="en-US" sz="6000" dirty="0"/>
+              <a:t>四</a:t>
+            </a:r>
+            <a:r>
+              <a:rPr lang="en-US" altLang="zh-CN" sz="6000" dirty="0"/>
+              <a:t>.</a:t>
+            </a:r>
+            <a:r>
+              <a:rPr lang="zh-CN" altLang="en-US" sz="6000" dirty="0"/>
+              <a:t>研究方案</a:t>
+            </a:r>
+          </a:p>
+        </p:txBody>
+      </p:sp>
     </p:spTree>
     <p:extLst>
       <p:ext uri="{BB962C8B-B14F-4D97-AF65-F5344CB8AC3E}">
-        <p14:creationId xmlns:p14="http://schemas.microsoft.com/office/powerpoint/2010/main" val="3559660908"/>
+        <p14:creationId xmlns:p14="http://schemas.microsoft.com/office/powerpoint/2010/main" val="3129741097"/>
       </p:ext>
     </p:extLst>
   </p:cSld>
@@ -6738,53 +6798,10 @@
           </a:p>
         </p:txBody>
       </p:sp>
-      <p:sp>
-        <p:nvSpPr>
-          <p:cNvPr id="3" name="文本框 2">
-            <a:extLst>
-              <a:ext uri="{FF2B5EF4-FFF2-40B4-BE49-F238E27FC236}">
-                <a16:creationId xmlns:a16="http://schemas.microsoft.com/office/drawing/2014/main" id="{7A89C5BB-524A-1E92-BABC-CE71AD52ABF3}"/>
-              </a:ext>
-            </a:extLst>
-          </p:cNvPr>
-          <p:cNvSpPr txBox="1"/>
-          <p:nvPr/>
-        </p:nvSpPr>
-        <p:spPr>
-          <a:xfrm>
-            <a:off x="3722945" y="2676343"/>
-            <a:ext cx="4190305" cy="1015663"/>
-          </a:xfrm>
-          <a:prstGeom prst="rect">
-            <a:avLst/>
-          </a:prstGeom>
-          <a:noFill/>
-        </p:spPr>
-        <p:txBody>
-          <a:bodyPr wrap="square" rtlCol="0">
-            <a:spAutoFit/>
-          </a:bodyPr>
-          <a:lstStyle/>
-          <a:p>
-            <a:r>
-              <a:rPr lang="zh-CN" altLang="en-US" sz="6000" dirty="0"/>
-              <a:t>五</a:t>
-            </a:r>
-            <a:r>
-              <a:rPr lang="en-US" altLang="zh-CN" sz="6000" dirty="0"/>
-              <a:t>.</a:t>
-            </a:r>
-            <a:r>
-              <a:rPr lang="zh-CN" altLang="en-US" sz="6000" dirty="0"/>
-              <a:t>前期工作</a:t>
-            </a:r>
-          </a:p>
-        </p:txBody>
-      </p:sp>
     </p:spTree>
     <p:extLst>
       <p:ext uri="{BB962C8B-B14F-4D97-AF65-F5344CB8AC3E}">
-        <p14:creationId xmlns:p14="http://schemas.microsoft.com/office/powerpoint/2010/main" val="651314330"/>
+        <p14:creationId xmlns:p14="http://schemas.microsoft.com/office/powerpoint/2010/main" val="1387876701"/>
       </p:ext>
     </p:extLst>
   </p:cSld>
@@ -7006,233 +7023,40 @@
           </a:p>
         </p:txBody>
       </p:sp>
-      <p:sp>
-        <p:nvSpPr>
-          <p:cNvPr id="4" name="文本框 3">
+      <p:pic>
+        <p:nvPicPr>
+          <p:cNvPr id="4" name="图片 3">
             <a:extLst>
               <a:ext uri="{FF2B5EF4-FFF2-40B4-BE49-F238E27FC236}">
-                <a16:creationId xmlns:a16="http://schemas.microsoft.com/office/drawing/2014/main" id="{5E187EBF-7A07-EAE2-34E9-8A10A6B1681E}"/>
+                <a16:creationId xmlns:a16="http://schemas.microsoft.com/office/drawing/2014/main" id="{78C52E16-8D52-CD9C-4178-F96A77D6A6B5}"/>
               </a:ext>
             </a:extLst>
           </p:cNvPr>
-          <p:cNvSpPr txBox="1"/>
+          <p:cNvPicPr>
+            <a:picLocks noChangeAspect="1"/>
+          </p:cNvPicPr>
           <p:nvPr/>
-        </p:nvSpPr>
+        </p:nvPicPr>
+        <p:blipFill>
+          <a:blip r:embed="rId4"/>
+          <a:stretch>
+            <a:fillRect/>
+          </a:stretch>
+        </p:blipFill>
         <p:spPr>
           <a:xfrm>
-            <a:off x="730826" y="1114558"/>
-            <a:ext cx="9964883" cy="4960461"/>
+            <a:off x="506187" y="1114558"/>
+            <a:ext cx="10534650" cy="5562600"/>
           </a:xfrm>
           <a:prstGeom prst="rect">
             <a:avLst/>
           </a:prstGeom>
-          <a:noFill/>
         </p:spPr>
-        <p:txBody>
-          <a:bodyPr wrap="square" rtlCol="0">
-            <a:spAutoFit/>
-          </a:bodyPr>
-          <a:lstStyle/>
-          <a:p>
-            <a:r>
-              <a:rPr lang="zh-CN" altLang="en-US" sz="3200" b="1" dirty="0"/>
-              <a:t>数据集准备与数据处理：</a:t>
-            </a:r>
-            <a:endParaRPr lang="en-US" altLang="zh-CN" sz="3200" b="1" dirty="0"/>
-          </a:p>
-          <a:p>
-            <a:pPr>
-              <a:lnSpc>
-                <a:spcPct val="150000"/>
-              </a:lnSpc>
-            </a:pPr>
-            <a:r>
-              <a:rPr lang="en-US" altLang="zh-CN" sz="2400" dirty="0"/>
-              <a:t>1.</a:t>
-            </a:r>
-            <a:r>
-              <a:rPr lang="zh-CN" altLang="en-US" sz="2400" dirty="0"/>
-              <a:t>训练集：</a:t>
-            </a:r>
-            <a:endParaRPr lang="en-US" altLang="zh-CN" sz="2400" dirty="0"/>
-          </a:p>
-          <a:p>
-            <a:pPr>
-              <a:lnSpc>
-                <a:spcPct val="150000"/>
-              </a:lnSpc>
-            </a:pPr>
-            <a:r>
-              <a:rPr lang="zh-CN" altLang="en-US" sz="2400" dirty="0"/>
-              <a:t>使用</a:t>
-            </a:r>
-            <a:r>
-              <a:rPr lang="en-US" altLang="zh-CN" sz="2400" dirty="0"/>
-              <a:t>total </a:t>
-            </a:r>
-            <a:r>
-              <a:rPr lang="en-US" altLang="zh-CN" sz="2400" dirty="0" err="1"/>
-              <a:t>sementator</a:t>
-            </a:r>
-            <a:r>
-              <a:rPr lang="zh-CN" altLang="en-US" sz="2400" dirty="0"/>
-              <a:t>数据集（</a:t>
-            </a:r>
-            <a:r>
-              <a:rPr lang="en-US" altLang="zh-CN" sz="2400" dirty="0"/>
-              <a:t>CT</a:t>
-            </a:r>
-            <a:r>
-              <a:rPr lang="zh-CN" altLang="en-US" sz="2400" dirty="0"/>
-              <a:t>）作为训练集，筛选掉非正方形的切片后，共</a:t>
-            </a:r>
-            <a:r>
-              <a:rPr lang="en-US" altLang="zh-CN" sz="2400" dirty="0"/>
-              <a:t>241442</a:t>
-            </a:r>
-            <a:r>
-              <a:rPr lang="zh-CN" altLang="en-US" sz="2400" dirty="0"/>
-              <a:t>张切片。按病例划分训练集与验证集，其中</a:t>
-            </a:r>
-            <a:r>
-              <a:rPr lang="en-US" altLang="zh-CN" sz="2400" dirty="0"/>
-              <a:t>201782</a:t>
-            </a:r>
-            <a:r>
-              <a:rPr lang="zh-CN" altLang="en-US" sz="2400" dirty="0"/>
-              <a:t>张切片作为训练集，</a:t>
-            </a:r>
-            <a:r>
-              <a:rPr lang="en-US" altLang="zh-CN" sz="2400" dirty="0"/>
-              <a:t>39360</a:t>
-            </a:r>
-            <a:r>
-              <a:rPr lang="zh-CN" altLang="en-US" sz="2400" dirty="0"/>
-              <a:t>张切片作为验证集。</a:t>
-            </a:r>
-            <a:endParaRPr lang="en-US" altLang="zh-CN" sz="2400" dirty="0"/>
-          </a:p>
-          <a:p>
-            <a:pPr>
-              <a:lnSpc>
-                <a:spcPct val="150000"/>
-              </a:lnSpc>
-            </a:pPr>
-            <a:r>
-              <a:rPr lang="en-US" altLang="zh-CN" sz="2400" dirty="0"/>
-              <a:t>2.</a:t>
-            </a:r>
-            <a:r>
-              <a:rPr lang="zh-CN" altLang="en-US" sz="2400" dirty="0"/>
-              <a:t>测试集：</a:t>
-            </a:r>
-            <a:endParaRPr lang="en-US" altLang="zh-CN" sz="2400" dirty="0"/>
-          </a:p>
-          <a:p>
-            <a:pPr>
-              <a:lnSpc>
-                <a:spcPct val="150000"/>
-              </a:lnSpc>
-            </a:pPr>
-            <a:r>
-              <a:rPr lang="zh-CN" altLang="en-US" sz="2400" dirty="0"/>
-              <a:t>使用</a:t>
-            </a:r>
-            <a:r>
-              <a:rPr lang="en-US" altLang="zh-CN" sz="2400" dirty="0"/>
-              <a:t>CHAOS</a:t>
-            </a:r>
-            <a:r>
-              <a:rPr lang="zh-CN" altLang="en-US" sz="2400" dirty="0"/>
-              <a:t>数据集的</a:t>
-            </a:r>
-            <a:r>
-              <a:rPr lang="en-US" altLang="zh-CN" sz="2400" dirty="0"/>
-              <a:t>MR</a:t>
-            </a:r>
-            <a:r>
-              <a:rPr lang="zh-CN" altLang="en-US" sz="2400" dirty="0"/>
-              <a:t>模态部分数据作为测试集，该数据集含有肝、肾、脾的分割标准，包括</a:t>
-            </a:r>
-            <a:r>
-              <a:rPr lang="en-US" altLang="zh-CN" sz="2400" dirty="0"/>
-              <a:t>T1_in, T1_out</a:t>
-            </a:r>
-            <a:r>
-              <a:rPr lang="zh-CN" altLang="en-US" sz="2400" dirty="0"/>
-              <a:t>和</a:t>
-            </a:r>
-            <a:r>
-              <a:rPr lang="en-US" altLang="zh-CN" sz="2400" dirty="0"/>
-              <a:t>T2</a:t>
-            </a:r>
-            <a:r>
-              <a:rPr lang="zh-CN" altLang="en-US" sz="2400" dirty="0"/>
-              <a:t>三个</a:t>
-            </a:r>
-            <a:r>
-              <a:rPr lang="en-US" altLang="zh-CN" sz="2400" dirty="0"/>
-              <a:t>MR</a:t>
-            </a:r>
-            <a:r>
-              <a:rPr lang="zh-CN" altLang="en-US" sz="2400" dirty="0"/>
-              <a:t>序列。处理后</a:t>
-            </a:r>
-            <a:r>
-              <a:rPr lang="en-US" altLang="zh-CN" sz="2400" dirty="0"/>
-              <a:t>T1_in</a:t>
-            </a:r>
-            <a:r>
-              <a:rPr lang="zh-CN" altLang="en-US" sz="2400" dirty="0"/>
-              <a:t>序列</a:t>
-            </a:r>
-            <a:r>
-              <a:rPr lang="en-US" altLang="zh-CN" sz="2400" dirty="0"/>
-              <a:t>647</a:t>
-            </a:r>
-            <a:r>
-              <a:rPr lang="zh-CN" altLang="en-US" sz="2400" dirty="0"/>
-              <a:t>张切片，</a:t>
-            </a:r>
-            <a:r>
-              <a:rPr lang="en-US" altLang="zh-CN" sz="2400" dirty="0"/>
-              <a:t>T1_out</a:t>
-            </a:r>
-            <a:r>
-              <a:rPr lang="zh-CN" altLang="en-US" sz="2400" dirty="0"/>
-              <a:t>序列</a:t>
-            </a:r>
-            <a:r>
-              <a:rPr lang="en-US" altLang="zh-CN" sz="2400" dirty="0"/>
-              <a:t>647</a:t>
-            </a:r>
-            <a:r>
-              <a:rPr lang="zh-CN" altLang="en-US" sz="2400" dirty="0"/>
-              <a:t>张切片，</a:t>
-            </a:r>
-            <a:r>
-              <a:rPr lang="en-US" altLang="zh-CN" sz="2400" dirty="0"/>
-              <a:t>T2</a:t>
-            </a:r>
-            <a:r>
-              <a:rPr lang="zh-CN" altLang="en-US" sz="2400" dirty="0"/>
-              <a:t>序列</a:t>
-            </a:r>
-            <a:r>
-              <a:rPr lang="en-US" altLang="zh-CN" sz="2400" dirty="0"/>
-              <a:t>623</a:t>
-            </a:r>
-            <a:r>
-              <a:rPr lang="zh-CN" altLang="en-US" sz="2400" dirty="0"/>
-              <a:t>张切片</a:t>
-            </a:r>
-          </a:p>
-        </p:txBody>
-      </p:sp>
+      </p:pic>
     </p:spTree>
     <p:extLst>
       <p:ext uri="{BB962C8B-B14F-4D97-AF65-F5344CB8AC3E}">
-        <p14:creationId xmlns:p14="http://schemas.microsoft.com/office/powerpoint/2010/main" val="1773198984"/>
+        <p14:creationId xmlns:p14="http://schemas.microsoft.com/office/powerpoint/2010/main" val="3559660908"/>
       </p:ext>
     </p:extLst>
   </p:cSld>
@@ -7858,3400 +7682,10 @@
           </a:p>
         </p:txBody>
       </p:sp>
-      <p:graphicFrame>
-        <p:nvGraphicFramePr>
-          <p:cNvPr id="4" name="表格 3">
-            <a:extLst>
-              <a:ext uri="{FF2B5EF4-FFF2-40B4-BE49-F238E27FC236}">
-                <a16:creationId xmlns:a16="http://schemas.microsoft.com/office/drawing/2014/main" id="{7086AFE6-EFF8-71AD-78FF-3D6A716018DA}"/>
-              </a:ext>
-            </a:extLst>
-          </p:cNvPr>
-          <p:cNvGraphicFramePr>
-            <a:graphicFrameLocks noGrp="1"/>
-          </p:cNvGraphicFramePr>
-          <p:nvPr>
-            <p:extLst>
-              <p:ext uri="{D42A27DB-BD31-4B8C-83A1-F6EECF244321}">
-                <p14:modId xmlns:p14="http://schemas.microsoft.com/office/powerpoint/2010/main" val="549380860"/>
-              </p:ext>
-            </p:extLst>
-          </p:nvPr>
-        </p:nvGraphicFramePr>
-        <p:xfrm>
-          <a:off x="387386" y="905688"/>
-          <a:ext cx="10149985" cy="5904436"/>
-        </p:xfrm>
-        <a:graphic>
-          <a:graphicData uri="http://schemas.openxmlformats.org/drawingml/2006/table">
-            <a:tbl>
-              <a:tblPr>
-                <a:tableStyleId>{5C22544A-7EE6-4342-B048-85BDC9FD1C3A}</a:tableStyleId>
-              </a:tblPr>
-              <a:tblGrid>
-                <a:gridCol w="1898614">
-                  <a:extLst>
-                    <a:ext uri="{9D8B030D-6E8A-4147-A177-3AD203B41FA5}">
-                      <a16:colId xmlns:a16="http://schemas.microsoft.com/office/drawing/2014/main" val="1846116592"/>
-                    </a:ext>
-                  </a:extLst>
-                </a:gridCol>
-                <a:gridCol w="1676400">
-                  <a:extLst>
-                    <a:ext uri="{9D8B030D-6E8A-4147-A177-3AD203B41FA5}">
-                      <a16:colId xmlns:a16="http://schemas.microsoft.com/office/drawing/2014/main" val="531732756"/>
-                    </a:ext>
-                  </a:extLst>
-                </a:gridCol>
-                <a:gridCol w="1001486">
-                  <a:extLst>
-                    <a:ext uri="{9D8B030D-6E8A-4147-A177-3AD203B41FA5}">
-                      <a16:colId xmlns:a16="http://schemas.microsoft.com/office/drawing/2014/main" val="763298744"/>
-                    </a:ext>
-                  </a:extLst>
-                </a:gridCol>
-                <a:gridCol w="1012371">
-                  <a:extLst>
-                    <a:ext uri="{9D8B030D-6E8A-4147-A177-3AD203B41FA5}">
-                      <a16:colId xmlns:a16="http://schemas.microsoft.com/office/drawing/2014/main" val="1947301579"/>
-                    </a:ext>
-                  </a:extLst>
-                </a:gridCol>
-                <a:gridCol w="1153886">
-                  <a:extLst>
-                    <a:ext uri="{9D8B030D-6E8A-4147-A177-3AD203B41FA5}">
-                      <a16:colId xmlns:a16="http://schemas.microsoft.com/office/drawing/2014/main" val="2101050746"/>
-                    </a:ext>
-                  </a:extLst>
-                </a:gridCol>
-                <a:gridCol w="1186543">
-                  <a:extLst>
-                    <a:ext uri="{9D8B030D-6E8A-4147-A177-3AD203B41FA5}">
-                      <a16:colId xmlns:a16="http://schemas.microsoft.com/office/drawing/2014/main" val="4259091988"/>
-                    </a:ext>
-                  </a:extLst>
-                </a:gridCol>
-                <a:gridCol w="1066800">
-                  <a:extLst>
-                    <a:ext uri="{9D8B030D-6E8A-4147-A177-3AD203B41FA5}">
-                      <a16:colId xmlns:a16="http://schemas.microsoft.com/office/drawing/2014/main" val="1830618381"/>
-                    </a:ext>
-                  </a:extLst>
-                </a:gridCol>
-                <a:gridCol w="1153885">
-                  <a:extLst>
-                    <a:ext uri="{9D8B030D-6E8A-4147-A177-3AD203B41FA5}">
-                      <a16:colId xmlns:a16="http://schemas.microsoft.com/office/drawing/2014/main" val="4264783808"/>
-                    </a:ext>
-                  </a:extLst>
-                </a:gridCol>
-              </a:tblGrid>
-              <a:tr h="51097">
-                <a:tc>
-                  <a:txBody>
-                    <a:bodyPr/>
-                    <a:lstStyle/>
-                    <a:p>
-                      <a:pPr algn="l" rtl="0" fontAlgn="ctr">
-                        <a:lnSpc>
-                          <a:spcPct val="150000"/>
-                        </a:lnSpc>
-                      </a:pPr>
-                      <a:r>
-                        <a:rPr lang="en-US" sz="1800" b="1" u="none" strike="noStrike" dirty="0">
-                          <a:solidFill>
-                            <a:schemeClr val="bg1"/>
-                          </a:solidFill>
-                          <a:effectLst/>
-                        </a:rPr>
-                        <a:t>Flip</a:t>
-                      </a:r>
-                      <a:endParaRPr lang="en-US" sz="1800" b="1" i="0" u="none" strike="noStrike" dirty="0">
-                        <a:solidFill>
-                          <a:schemeClr val="bg1"/>
-                        </a:solidFill>
-                        <a:effectLst/>
-                        <a:latin typeface="Times New Roman" panose="02020603050405020304" pitchFamily="18" charset="0"/>
-                        <a:ea typeface="等线" panose="02010600030101010101" pitchFamily="2" charset="-122"/>
-                      </a:endParaRPr>
-                    </a:p>
-                  </a:txBody>
-                  <a:tcPr marL="9318" marR="9318" marT="9318" marB="0" anchor="ctr">
-                    <a:solidFill>
-                      <a:schemeClr val="accent1"/>
-                    </a:solidFill>
-                  </a:tcPr>
-                </a:tc>
-                <a:tc rowSpan="2">
-                  <a:txBody>
-                    <a:bodyPr/>
-                    <a:lstStyle/>
-                    <a:p>
-                      <a:pPr algn="ctr" fontAlgn="t">
-                        <a:lnSpc>
-                          <a:spcPct val="150000"/>
-                        </a:lnSpc>
-                      </a:pPr>
-                      <a:r>
-                        <a:rPr lang="zh-CN" altLang="en-US" sz="1800" b="1" u="none" strike="noStrike" dirty="0">
-                          <a:solidFill>
-                            <a:schemeClr val="bg1"/>
-                          </a:solidFill>
-                          <a:effectLst/>
-                        </a:rPr>
-                        <a:t>　</a:t>
-                      </a:r>
-                    </a:p>
-                    <a:p>
-                      <a:pPr algn="ctr" fontAlgn="t">
-                        <a:lnSpc>
-                          <a:spcPct val="150000"/>
-                        </a:lnSpc>
-                      </a:pPr>
-                      <a:r>
-                        <a:rPr lang="zh-CN" altLang="en-US" sz="1800" b="1" u="none" strike="noStrike" dirty="0">
-                          <a:solidFill>
-                            <a:schemeClr val="bg1"/>
-                          </a:solidFill>
-                          <a:effectLst/>
-                        </a:rPr>
-                        <a:t>　</a:t>
-                      </a:r>
-                      <a:r>
-                        <a:rPr lang="en-US" altLang="zh-CN" sz="1800" b="1" u="none" strike="noStrike" dirty="0">
-                          <a:solidFill>
-                            <a:schemeClr val="bg1"/>
-                          </a:solidFill>
-                          <a:effectLst/>
-                        </a:rPr>
-                        <a:t>acc</a:t>
-                      </a:r>
-                      <a:endParaRPr lang="zh-CN" altLang="en-US" sz="1800" b="1" i="0" u="none" strike="noStrike" dirty="0">
-                        <a:solidFill>
-                          <a:schemeClr val="bg1"/>
-                        </a:solidFill>
-                        <a:effectLst/>
-                        <a:latin typeface="Times New Roman" panose="02020603050405020304" pitchFamily="18" charset="0"/>
-                        <a:ea typeface="等线" panose="02010600030101010101" pitchFamily="2" charset="-122"/>
-                      </a:endParaRPr>
-                    </a:p>
-                  </a:txBody>
-                  <a:tcPr marL="9318" marR="9318" marT="9318" marB="0">
-                    <a:solidFill>
-                      <a:schemeClr val="accent1"/>
-                    </a:solidFill>
-                  </a:tcPr>
-                </a:tc>
-                <a:tc>
-                  <a:txBody>
-                    <a:bodyPr/>
-                    <a:lstStyle/>
-                    <a:p>
-                      <a:pPr algn="l" rtl="0" fontAlgn="ctr">
-                        <a:lnSpc>
-                          <a:spcPct val="150000"/>
-                        </a:lnSpc>
-                      </a:pPr>
-                      <a:r>
-                        <a:rPr lang="zh-CN" altLang="en-US" sz="1800" b="1" u="none" strike="noStrike" dirty="0">
-                          <a:solidFill>
-                            <a:schemeClr val="bg1"/>
-                          </a:solidFill>
-                          <a:effectLst/>
-                        </a:rPr>
-                        <a:t>无</a:t>
-                      </a:r>
-                      <a:endParaRPr lang="zh-CN" altLang="en-US" sz="1800" b="1" i="0" u="none" strike="noStrike" dirty="0">
-                        <a:solidFill>
-                          <a:schemeClr val="bg1"/>
-                        </a:solidFill>
-                        <a:effectLst/>
-                        <a:latin typeface="Times New Roman" panose="02020603050405020304" pitchFamily="18" charset="0"/>
-                        <a:ea typeface="等线" panose="02010600030101010101" pitchFamily="2" charset="-122"/>
-                      </a:endParaRPr>
-                    </a:p>
-                  </a:txBody>
-                  <a:tcPr marL="9318" marR="9318" marT="9318" marB="0" anchor="ctr">
-                    <a:solidFill>
-                      <a:schemeClr val="accent1"/>
-                    </a:solidFill>
-                  </a:tcPr>
-                </a:tc>
-                <a:tc>
-                  <a:txBody>
-                    <a:bodyPr/>
-                    <a:lstStyle/>
-                    <a:p>
-                      <a:pPr algn="l" rtl="0" fontAlgn="ctr">
-                        <a:lnSpc>
-                          <a:spcPct val="150000"/>
-                        </a:lnSpc>
-                      </a:pPr>
-                      <a:r>
-                        <a:rPr lang="zh-CN" altLang="en-US" sz="1800" b="1" u="none" strike="noStrike" dirty="0">
-                          <a:solidFill>
-                            <a:schemeClr val="bg1"/>
-                          </a:solidFill>
-                          <a:effectLst/>
-                        </a:rPr>
-                        <a:t>有</a:t>
-                      </a:r>
-                      <a:endParaRPr lang="zh-CN" altLang="en-US" sz="1800" b="1" i="0" u="none" strike="noStrike" dirty="0">
-                        <a:solidFill>
-                          <a:schemeClr val="bg1"/>
-                        </a:solidFill>
-                        <a:effectLst/>
-                        <a:latin typeface="Times New Roman" panose="02020603050405020304" pitchFamily="18" charset="0"/>
-                        <a:ea typeface="等线" panose="02010600030101010101" pitchFamily="2" charset="-122"/>
-                      </a:endParaRPr>
-                    </a:p>
-                  </a:txBody>
-                  <a:tcPr marL="9318" marR="9318" marT="9318" marB="0" anchor="ctr">
-                    <a:solidFill>
-                      <a:schemeClr val="accent1"/>
-                    </a:solidFill>
-                  </a:tcPr>
-                </a:tc>
-                <a:tc>
-                  <a:txBody>
-                    <a:bodyPr/>
-                    <a:lstStyle/>
-                    <a:p>
-                      <a:pPr algn="l" rtl="0" fontAlgn="ctr">
-                        <a:lnSpc>
-                          <a:spcPct val="150000"/>
-                        </a:lnSpc>
-                      </a:pPr>
-                      <a:r>
-                        <a:rPr lang="zh-CN" altLang="en-US" sz="1800" b="1" u="none" strike="noStrike" dirty="0">
-                          <a:solidFill>
-                            <a:schemeClr val="bg1"/>
-                          </a:solidFill>
-                          <a:effectLst/>
-                        </a:rPr>
-                        <a:t>无</a:t>
-                      </a:r>
-                      <a:endParaRPr lang="zh-CN" altLang="en-US" sz="1800" b="1" i="0" u="none" strike="noStrike" dirty="0">
-                        <a:solidFill>
-                          <a:schemeClr val="bg1"/>
-                        </a:solidFill>
-                        <a:effectLst/>
-                        <a:latin typeface="Times New Roman" panose="02020603050405020304" pitchFamily="18" charset="0"/>
-                        <a:ea typeface="等线" panose="02010600030101010101" pitchFamily="2" charset="-122"/>
-                      </a:endParaRPr>
-                    </a:p>
-                  </a:txBody>
-                  <a:tcPr marL="9318" marR="9318" marT="9318" marB="0" anchor="ctr">
-                    <a:solidFill>
-                      <a:schemeClr val="accent1"/>
-                    </a:solidFill>
-                  </a:tcPr>
-                </a:tc>
-                <a:tc>
-                  <a:txBody>
-                    <a:bodyPr/>
-                    <a:lstStyle/>
-                    <a:p>
-                      <a:pPr algn="l" rtl="0" fontAlgn="ctr">
-                        <a:lnSpc>
-                          <a:spcPct val="150000"/>
-                        </a:lnSpc>
-                      </a:pPr>
-                      <a:r>
-                        <a:rPr lang="zh-CN" altLang="en-US" sz="1800" b="1" u="none" strike="noStrike" dirty="0">
-                          <a:solidFill>
-                            <a:schemeClr val="bg1"/>
-                          </a:solidFill>
-                          <a:effectLst/>
-                        </a:rPr>
-                        <a:t>无</a:t>
-                      </a:r>
-                      <a:endParaRPr lang="zh-CN" altLang="en-US" sz="1800" b="1" i="0" u="none" strike="noStrike" dirty="0">
-                        <a:solidFill>
-                          <a:schemeClr val="bg1"/>
-                        </a:solidFill>
-                        <a:effectLst/>
-                        <a:latin typeface="Times New Roman" panose="02020603050405020304" pitchFamily="18" charset="0"/>
-                        <a:ea typeface="等线" panose="02010600030101010101" pitchFamily="2" charset="-122"/>
-                      </a:endParaRPr>
-                    </a:p>
-                  </a:txBody>
-                  <a:tcPr marL="9318" marR="9318" marT="9318" marB="0" anchor="ctr">
-                    <a:solidFill>
-                      <a:schemeClr val="accent1"/>
-                    </a:solidFill>
-                  </a:tcPr>
-                </a:tc>
-                <a:tc>
-                  <a:txBody>
-                    <a:bodyPr/>
-                    <a:lstStyle/>
-                    <a:p>
-                      <a:pPr algn="l" rtl="0" fontAlgn="ctr">
-                        <a:lnSpc>
-                          <a:spcPct val="150000"/>
-                        </a:lnSpc>
-                      </a:pPr>
-                      <a:r>
-                        <a:rPr lang="zh-CN" altLang="en-US" sz="1800" b="1" u="none" strike="noStrike" dirty="0">
-                          <a:solidFill>
-                            <a:schemeClr val="bg1"/>
-                          </a:solidFill>
-                          <a:effectLst/>
-                        </a:rPr>
-                        <a:t>无</a:t>
-                      </a:r>
-                      <a:endParaRPr lang="zh-CN" altLang="en-US" sz="1800" b="1" i="0" u="none" strike="noStrike" dirty="0">
-                        <a:solidFill>
-                          <a:schemeClr val="bg1"/>
-                        </a:solidFill>
-                        <a:effectLst/>
-                        <a:latin typeface="Times New Roman" panose="02020603050405020304" pitchFamily="18" charset="0"/>
-                        <a:ea typeface="等线" panose="02010600030101010101" pitchFamily="2" charset="-122"/>
-                      </a:endParaRPr>
-                    </a:p>
-                  </a:txBody>
-                  <a:tcPr marL="9318" marR="9318" marT="9318" marB="0" anchor="ctr">
-                    <a:solidFill>
-                      <a:schemeClr val="accent1"/>
-                    </a:solidFill>
-                  </a:tcPr>
-                </a:tc>
-                <a:tc>
-                  <a:txBody>
-                    <a:bodyPr/>
-                    <a:lstStyle/>
-                    <a:p>
-                      <a:pPr algn="l" rtl="0" fontAlgn="ctr">
-                        <a:lnSpc>
-                          <a:spcPct val="150000"/>
-                        </a:lnSpc>
-                      </a:pPr>
-                      <a:r>
-                        <a:rPr lang="zh-CN" altLang="en-US" sz="1800" b="1" u="none" strike="noStrike" dirty="0">
-                          <a:solidFill>
-                            <a:schemeClr val="bg1"/>
-                          </a:solidFill>
-                          <a:effectLst/>
-                        </a:rPr>
-                        <a:t>无</a:t>
-                      </a:r>
-                      <a:endParaRPr lang="zh-CN" altLang="en-US" sz="1800" b="1" i="0" u="none" strike="noStrike" dirty="0">
-                        <a:solidFill>
-                          <a:schemeClr val="bg1"/>
-                        </a:solidFill>
-                        <a:effectLst/>
-                        <a:latin typeface="Times New Roman" panose="02020603050405020304" pitchFamily="18" charset="0"/>
-                        <a:ea typeface="等线" panose="02010600030101010101" pitchFamily="2" charset="-122"/>
-                      </a:endParaRPr>
-                    </a:p>
-                  </a:txBody>
-                  <a:tcPr marL="9318" marR="9318" marT="9318" marB="0" anchor="ctr">
-                    <a:solidFill>
-                      <a:schemeClr val="accent1"/>
-                    </a:solidFill>
-                  </a:tcPr>
-                </a:tc>
-                <a:extLst>
-                  <a:ext uri="{0D108BD9-81ED-4DB2-BD59-A6C34878D82A}">
-                    <a16:rowId xmlns:a16="http://schemas.microsoft.com/office/drawing/2014/main" val="4007906548"/>
-                  </a:ext>
-                </a:extLst>
-              </a:tr>
-              <a:tr h="434062">
-                <a:tc>
-                  <a:txBody>
-                    <a:bodyPr/>
-                    <a:lstStyle/>
-                    <a:p>
-                      <a:pPr algn="l" rtl="0" fontAlgn="ctr">
-                        <a:lnSpc>
-                          <a:spcPct val="150000"/>
-                        </a:lnSpc>
-                      </a:pPr>
-                      <a:r>
-                        <a:rPr lang="en-US" sz="1800" b="1" u="none" strike="noStrike" dirty="0">
-                          <a:solidFill>
-                            <a:schemeClr val="bg1"/>
-                          </a:solidFill>
-                          <a:effectLst/>
-                        </a:rPr>
-                        <a:t>Shuffle remap</a:t>
-                      </a:r>
-                      <a:endParaRPr lang="en-US" sz="1800" b="1" i="0" u="none" strike="noStrike" dirty="0">
-                        <a:solidFill>
-                          <a:schemeClr val="bg1"/>
-                        </a:solidFill>
-                        <a:effectLst/>
-                        <a:latin typeface="Times New Roman" panose="02020603050405020304" pitchFamily="18" charset="0"/>
-                        <a:ea typeface="等线" panose="02010600030101010101" pitchFamily="2" charset="-122"/>
-                      </a:endParaRPr>
-                    </a:p>
-                  </a:txBody>
-                  <a:tcPr marL="9318" marR="9318" marT="9318" marB="0" anchor="ctr">
-                    <a:solidFill>
-                      <a:schemeClr val="accent1"/>
-                    </a:solidFill>
-                  </a:tcPr>
-                </a:tc>
-                <a:tc vMerge="1">
-                  <a:txBody>
-                    <a:bodyPr/>
-                    <a:lstStyle/>
-                    <a:p>
-                      <a:pPr algn="l" fontAlgn="t">
-                        <a:lnSpc>
-                          <a:spcPct val="150000"/>
-                        </a:lnSpc>
-                      </a:pPr>
-                      <a:r>
-                        <a:rPr lang="zh-CN" altLang="en-US" sz="1800" u="none" strike="noStrike" dirty="0">
-                          <a:effectLst/>
-                        </a:rPr>
-                        <a:t>　</a:t>
-                      </a:r>
-                      <a:endParaRPr lang="zh-CN" altLang="en-US" sz="1800" b="0" i="0" u="none" strike="noStrike" dirty="0">
-                        <a:solidFill>
-                          <a:srgbClr val="000000"/>
-                        </a:solidFill>
-                        <a:effectLst/>
-                        <a:latin typeface="Times New Roman" panose="02020603050405020304" pitchFamily="18" charset="0"/>
-                        <a:ea typeface="等线" panose="02010600030101010101" pitchFamily="2" charset="-122"/>
-                      </a:endParaRPr>
-                    </a:p>
-                  </a:txBody>
-                  <a:tcPr marL="9318" marR="9318" marT="9318" marB="0"/>
-                </a:tc>
-                <a:tc>
-                  <a:txBody>
-                    <a:bodyPr/>
-                    <a:lstStyle/>
-                    <a:p>
-                      <a:pPr algn="l" rtl="0" fontAlgn="ctr">
-                        <a:lnSpc>
-                          <a:spcPct val="150000"/>
-                        </a:lnSpc>
-                      </a:pPr>
-                      <a:r>
-                        <a:rPr lang="zh-CN" altLang="en-US" sz="1800" b="1" u="none" strike="noStrike" dirty="0">
-                          <a:solidFill>
-                            <a:schemeClr val="bg1"/>
-                          </a:solidFill>
-                          <a:effectLst/>
-                        </a:rPr>
-                        <a:t>无</a:t>
-                      </a:r>
-                      <a:endParaRPr lang="zh-CN" altLang="en-US" sz="1800" b="1" i="0" u="none" strike="noStrike" dirty="0">
-                        <a:solidFill>
-                          <a:schemeClr val="bg1"/>
-                        </a:solidFill>
-                        <a:effectLst/>
-                        <a:latin typeface="Times New Roman" panose="02020603050405020304" pitchFamily="18" charset="0"/>
-                        <a:ea typeface="等线" panose="02010600030101010101" pitchFamily="2" charset="-122"/>
-                      </a:endParaRPr>
-                    </a:p>
-                  </a:txBody>
-                  <a:tcPr marL="9318" marR="9318" marT="9318" marB="0" anchor="ctr">
-                    <a:solidFill>
-                      <a:schemeClr val="accent1"/>
-                    </a:solidFill>
-                  </a:tcPr>
-                </a:tc>
-                <a:tc>
-                  <a:txBody>
-                    <a:bodyPr/>
-                    <a:lstStyle/>
-                    <a:p>
-                      <a:pPr algn="l" rtl="0" fontAlgn="ctr">
-                        <a:lnSpc>
-                          <a:spcPct val="150000"/>
-                        </a:lnSpc>
-                      </a:pPr>
-                      <a:r>
-                        <a:rPr lang="zh-CN" altLang="en-US" sz="1800" b="1" u="none" strike="noStrike" dirty="0">
-                          <a:solidFill>
-                            <a:schemeClr val="bg1"/>
-                          </a:solidFill>
-                          <a:effectLst/>
-                        </a:rPr>
-                        <a:t>无</a:t>
-                      </a:r>
-                      <a:endParaRPr lang="zh-CN" altLang="en-US" sz="1800" b="1" i="0" u="none" strike="noStrike" dirty="0">
-                        <a:solidFill>
-                          <a:schemeClr val="bg1"/>
-                        </a:solidFill>
-                        <a:effectLst/>
-                        <a:latin typeface="Times New Roman" panose="02020603050405020304" pitchFamily="18" charset="0"/>
-                        <a:ea typeface="等线" panose="02010600030101010101" pitchFamily="2" charset="-122"/>
-                      </a:endParaRPr>
-                    </a:p>
-                  </a:txBody>
-                  <a:tcPr marL="9318" marR="9318" marT="9318" marB="0" anchor="ctr">
-                    <a:solidFill>
-                      <a:schemeClr val="accent1"/>
-                    </a:solidFill>
-                  </a:tcPr>
-                </a:tc>
-                <a:tc>
-                  <a:txBody>
-                    <a:bodyPr/>
-                    <a:lstStyle/>
-                    <a:p>
-                      <a:pPr algn="l" rtl="0" fontAlgn="ctr">
-                        <a:lnSpc>
-                          <a:spcPct val="150000"/>
-                        </a:lnSpc>
-                      </a:pPr>
-                      <a:r>
-                        <a:rPr lang="en-US" altLang="zh-CN" sz="1800" b="1" u="none" strike="noStrike" dirty="0">
-                          <a:solidFill>
-                            <a:schemeClr val="bg1"/>
-                          </a:solidFill>
-                          <a:effectLst/>
-                        </a:rPr>
-                        <a:t>0.5,[2, 5]</a:t>
-                      </a:r>
-                      <a:endParaRPr lang="en-US" altLang="zh-CN" sz="1800" b="1" i="0" u="none" strike="noStrike" dirty="0">
-                        <a:solidFill>
-                          <a:schemeClr val="bg1"/>
-                        </a:solidFill>
-                        <a:effectLst/>
-                        <a:latin typeface="Times New Roman" panose="02020603050405020304" pitchFamily="18" charset="0"/>
-                        <a:ea typeface="等线" panose="02010600030101010101" pitchFamily="2" charset="-122"/>
-                      </a:endParaRPr>
-                    </a:p>
-                  </a:txBody>
-                  <a:tcPr marL="9318" marR="9318" marT="9318" marB="0" anchor="ctr">
-                    <a:solidFill>
-                      <a:schemeClr val="accent1"/>
-                    </a:solidFill>
-                  </a:tcPr>
-                </a:tc>
-                <a:tc>
-                  <a:txBody>
-                    <a:bodyPr/>
-                    <a:lstStyle/>
-                    <a:p>
-                      <a:pPr algn="l" rtl="0" fontAlgn="ctr">
-                        <a:lnSpc>
-                          <a:spcPct val="150000"/>
-                        </a:lnSpc>
-                      </a:pPr>
-                      <a:r>
-                        <a:rPr lang="en-US" altLang="zh-CN" sz="1800" b="1" u="none" strike="noStrike" dirty="0">
-                          <a:solidFill>
-                            <a:schemeClr val="bg1"/>
-                          </a:solidFill>
-                          <a:effectLst/>
-                        </a:rPr>
-                        <a:t>0.75,[2, 5]</a:t>
-                      </a:r>
-                      <a:endParaRPr lang="en-US" altLang="zh-CN" sz="1800" b="1" i="0" u="none" strike="noStrike" dirty="0">
-                        <a:solidFill>
-                          <a:schemeClr val="bg1"/>
-                        </a:solidFill>
-                        <a:effectLst/>
-                        <a:latin typeface="Times New Roman" panose="02020603050405020304" pitchFamily="18" charset="0"/>
-                        <a:ea typeface="等线" panose="02010600030101010101" pitchFamily="2" charset="-122"/>
-                      </a:endParaRPr>
-                    </a:p>
-                  </a:txBody>
-                  <a:tcPr marL="9318" marR="9318" marT="9318" marB="0" anchor="ctr">
-                    <a:solidFill>
-                      <a:schemeClr val="accent1"/>
-                    </a:solidFill>
-                  </a:tcPr>
-                </a:tc>
-                <a:tc>
-                  <a:txBody>
-                    <a:bodyPr/>
-                    <a:lstStyle/>
-                    <a:p>
-                      <a:pPr algn="l" rtl="0" fontAlgn="ctr">
-                        <a:lnSpc>
-                          <a:spcPct val="150000"/>
-                        </a:lnSpc>
-                      </a:pPr>
-                      <a:r>
-                        <a:rPr lang="en-US" altLang="zh-CN" sz="1800" b="1" u="none" strike="noStrike" dirty="0">
-                          <a:solidFill>
-                            <a:schemeClr val="bg1"/>
-                          </a:solidFill>
-                          <a:effectLst/>
-                        </a:rPr>
-                        <a:t>1,[2, 5]</a:t>
-                      </a:r>
-                      <a:endParaRPr lang="en-US" altLang="zh-CN" sz="1800" b="1" i="0" u="none" strike="noStrike" dirty="0">
-                        <a:solidFill>
-                          <a:schemeClr val="bg1"/>
-                        </a:solidFill>
-                        <a:effectLst/>
-                        <a:latin typeface="Times New Roman" panose="02020603050405020304" pitchFamily="18" charset="0"/>
-                        <a:ea typeface="等线" panose="02010600030101010101" pitchFamily="2" charset="-122"/>
-                      </a:endParaRPr>
-                    </a:p>
-                  </a:txBody>
-                  <a:tcPr marL="9318" marR="9318" marT="9318" marB="0" anchor="ctr">
-                    <a:solidFill>
-                      <a:schemeClr val="accent1"/>
-                    </a:solidFill>
-                  </a:tcPr>
-                </a:tc>
-                <a:tc>
-                  <a:txBody>
-                    <a:bodyPr/>
-                    <a:lstStyle/>
-                    <a:p>
-                      <a:pPr algn="l" rtl="0" fontAlgn="ctr">
-                        <a:lnSpc>
-                          <a:spcPct val="150000"/>
-                        </a:lnSpc>
-                      </a:pPr>
-                      <a:r>
-                        <a:rPr lang="en-US" altLang="zh-CN" sz="1800" b="1" u="none" strike="noStrike" dirty="0">
-                          <a:solidFill>
-                            <a:schemeClr val="bg1"/>
-                          </a:solidFill>
-                          <a:effectLst/>
-                        </a:rPr>
-                        <a:t>0.5,[2, 10]</a:t>
-                      </a:r>
-                      <a:endParaRPr lang="en-US" altLang="zh-CN" sz="1800" b="1" i="0" u="none" strike="noStrike" dirty="0">
-                        <a:solidFill>
-                          <a:schemeClr val="bg1"/>
-                        </a:solidFill>
-                        <a:effectLst/>
-                        <a:latin typeface="Times New Roman" panose="02020603050405020304" pitchFamily="18" charset="0"/>
-                        <a:ea typeface="等线" panose="02010600030101010101" pitchFamily="2" charset="-122"/>
-                      </a:endParaRPr>
-                    </a:p>
-                  </a:txBody>
-                  <a:tcPr marL="9318" marR="9318" marT="9318" marB="0" anchor="ctr">
-                    <a:solidFill>
-                      <a:schemeClr val="accent1"/>
-                    </a:solidFill>
-                  </a:tcPr>
-                </a:tc>
-                <a:extLst>
-                  <a:ext uri="{0D108BD9-81ED-4DB2-BD59-A6C34878D82A}">
-                    <a16:rowId xmlns:a16="http://schemas.microsoft.com/office/drawing/2014/main" val="1008533682"/>
-                  </a:ext>
-                </a:extLst>
-              </a:tr>
-              <a:tr h="332473">
-                <a:tc rowSpan="4">
-                  <a:txBody>
-                    <a:bodyPr/>
-                    <a:lstStyle/>
-                    <a:p>
-                      <a:pPr algn="l" rtl="0" fontAlgn="ctr">
-                        <a:lnSpc>
-                          <a:spcPct val="150000"/>
-                        </a:lnSpc>
-                      </a:pPr>
-                      <a:r>
-                        <a:rPr lang="en-US" sz="1800" b="1" u="none" strike="noStrike" dirty="0">
-                          <a:effectLst/>
-                        </a:rPr>
-                        <a:t>T1_in</a:t>
-                      </a:r>
-                      <a:endParaRPr lang="en-US" sz="1800" b="1" i="0" u="none" strike="noStrike" dirty="0">
-                        <a:solidFill>
-                          <a:srgbClr val="000000"/>
-                        </a:solidFill>
-                        <a:effectLst/>
-                        <a:latin typeface="Times New Roman" panose="02020603050405020304" pitchFamily="18" charset="0"/>
-                        <a:ea typeface="等线" panose="02010600030101010101" pitchFamily="2" charset="-122"/>
-                      </a:endParaRPr>
-                    </a:p>
-                  </a:txBody>
-                  <a:tcPr marL="9318" marR="9318" marT="9318" marB="0" anchor="ctr"/>
-                </a:tc>
-                <a:tc>
-                  <a:txBody>
-                    <a:bodyPr/>
-                    <a:lstStyle/>
-                    <a:p>
-                      <a:pPr algn="l" fontAlgn="t">
-                        <a:lnSpc>
-                          <a:spcPct val="150000"/>
-                        </a:lnSpc>
-                      </a:pPr>
-                      <a:r>
-                        <a:rPr lang="en-US" sz="1800" b="1" u="none" strike="noStrike" dirty="0">
-                          <a:effectLst/>
-                        </a:rPr>
-                        <a:t>average acc</a:t>
-                      </a:r>
-                      <a:endParaRPr lang="en-US" sz="1800" b="1" i="0" u="none" strike="noStrike" dirty="0">
-                        <a:solidFill>
-                          <a:srgbClr val="000000"/>
-                        </a:solidFill>
-                        <a:effectLst/>
-                        <a:latin typeface="Times New Roman" panose="02020603050405020304" pitchFamily="18" charset="0"/>
-                        <a:ea typeface="等线" panose="02010600030101010101" pitchFamily="2" charset="-122"/>
-                      </a:endParaRPr>
-                    </a:p>
-                  </a:txBody>
-                  <a:tcPr marL="9318" marR="9318" marT="9318" marB="0"/>
-                </a:tc>
-                <a:tc>
-                  <a:txBody>
-                    <a:bodyPr/>
-                    <a:lstStyle/>
-                    <a:p>
-                      <a:pPr algn="l" rtl="0" fontAlgn="ctr">
-                        <a:lnSpc>
-                          <a:spcPct val="150000"/>
-                        </a:lnSpc>
-                      </a:pPr>
-                      <a:r>
-                        <a:rPr lang="en-US" altLang="zh-CN" sz="1800" u="none" strike="noStrike" dirty="0">
-                          <a:effectLst/>
-                        </a:rPr>
-                        <a:t>0.5348</a:t>
-                      </a:r>
-                      <a:endParaRPr lang="en-US" altLang="zh-CN" sz="1800" b="0" i="0" u="none" strike="noStrike" dirty="0">
-                        <a:solidFill>
-                          <a:srgbClr val="000000"/>
-                        </a:solidFill>
-                        <a:effectLst/>
-                        <a:latin typeface="Times New Roman" panose="02020603050405020304" pitchFamily="18" charset="0"/>
-                        <a:ea typeface="等线" panose="02010600030101010101" pitchFamily="2" charset="-122"/>
-                      </a:endParaRPr>
-                    </a:p>
-                  </a:txBody>
-                  <a:tcPr marL="9318" marR="9318" marT="9318" marB="0" anchor="ctr">
-                    <a:solidFill>
-                      <a:schemeClr val="accent4"/>
-                    </a:solidFill>
-                  </a:tcPr>
-                </a:tc>
-                <a:tc>
-                  <a:txBody>
-                    <a:bodyPr/>
-                    <a:lstStyle/>
-                    <a:p>
-                      <a:pPr algn="l" rtl="0" fontAlgn="ctr">
-                        <a:lnSpc>
-                          <a:spcPct val="150000"/>
-                        </a:lnSpc>
-                      </a:pPr>
-                      <a:r>
-                        <a:rPr lang="en-US" altLang="zh-CN" sz="1800" u="none" strike="noStrike">
-                          <a:effectLst/>
-                        </a:rPr>
-                        <a:t>0.5281</a:t>
-                      </a:r>
-                      <a:endParaRPr lang="en-US" altLang="zh-CN" sz="1800" b="0" i="0" u="none" strike="noStrike">
-                        <a:solidFill>
-                          <a:srgbClr val="000000"/>
-                        </a:solidFill>
-                        <a:effectLst/>
-                        <a:latin typeface="Times New Roman" panose="02020603050405020304" pitchFamily="18" charset="0"/>
-                        <a:ea typeface="等线" panose="02010600030101010101" pitchFamily="2" charset="-122"/>
-                      </a:endParaRPr>
-                    </a:p>
-                  </a:txBody>
-                  <a:tcPr marL="9318" marR="9318" marT="9318" marB="0" anchor="ctr">
-                    <a:solidFill>
-                      <a:schemeClr val="accent4"/>
-                    </a:solidFill>
-                  </a:tcPr>
-                </a:tc>
-                <a:tc>
-                  <a:txBody>
-                    <a:bodyPr/>
-                    <a:lstStyle/>
-                    <a:p>
-                      <a:pPr algn="l" rtl="0" fontAlgn="ctr">
-                        <a:lnSpc>
-                          <a:spcPct val="150000"/>
-                        </a:lnSpc>
-                      </a:pPr>
-                      <a:r>
-                        <a:rPr lang="en-US" altLang="zh-CN" sz="1800" u="none" strike="noStrike">
-                          <a:effectLst/>
-                        </a:rPr>
-                        <a:t>0.8877</a:t>
-                      </a:r>
-                      <a:endParaRPr lang="en-US" altLang="zh-CN" sz="1800" b="0" i="0" u="none" strike="noStrike">
-                        <a:solidFill>
-                          <a:srgbClr val="000000"/>
-                        </a:solidFill>
-                        <a:effectLst/>
-                        <a:latin typeface="Times New Roman" panose="02020603050405020304" pitchFamily="18" charset="0"/>
-                        <a:ea typeface="等线" panose="02010600030101010101" pitchFamily="2" charset="-122"/>
-                      </a:endParaRPr>
-                    </a:p>
-                  </a:txBody>
-                  <a:tcPr marL="9318" marR="9318" marT="9318" marB="0" anchor="ctr"/>
-                </a:tc>
-                <a:tc>
-                  <a:txBody>
-                    <a:bodyPr/>
-                    <a:lstStyle/>
-                    <a:p>
-                      <a:pPr algn="l" rtl="0" fontAlgn="ctr">
-                        <a:lnSpc>
-                          <a:spcPct val="150000"/>
-                        </a:lnSpc>
-                      </a:pPr>
-                      <a:r>
-                        <a:rPr lang="en-US" altLang="zh-CN" sz="1800" u="none" strike="noStrike">
-                          <a:effectLst/>
-                        </a:rPr>
-                        <a:t>0.9001</a:t>
-                      </a:r>
-                      <a:endParaRPr lang="en-US" altLang="zh-CN" sz="1800" b="0" i="0" u="none" strike="noStrike">
-                        <a:solidFill>
-                          <a:srgbClr val="000000"/>
-                        </a:solidFill>
-                        <a:effectLst/>
-                        <a:latin typeface="Times New Roman" panose="02020603050405020304" pitchFamily="18" charset="0"/>
-                        <a:ea typeface="等线" panose="02010600030101010101" pitchFamily="2" charset="-122"/>
-                      </a:endParaRPr>
-                    </a:p>
-                  </a:txBody>
-                  <a:tcPr marL="9318" marR="9318" marT="9318" marB="0" anchor="ctr"/>
-                </a:tc>
-                <a:tc>
-                  <a:txBody>
-                    <a:bodyPr/>
-                    <a:lstStyle/>
-                    <a:p>
-                      <a:pPr algn="l" rtl="0" fontAlgn="ctr">
-                        <a:lnSpc>
-                          <a:spcPct val="150000"/>
-                        </a:lnSpc>
-                      </a:pPr>
-                      <a:r>
-                        <a:rPr lang="en-US" altLang="zh-CN" sz="1800" u="none" strike="noStrike">
-                          <a:effectLst/>
-                        </a:rPr>
-                        <a:t>0.8815</a:t>
-                      </a:r>
-                      <a:endParaRPr lang="en-US" altLang="zh-CN" sz="1800" b="0" i="0" u="none" strike="noStrike">
-                        <a:solidFill>
-                          <a:srgbClr val="000000"/>
-                        </a:solidFill>
-                        <a:effectLst/>
-                        <a:latin typeface="Times New Roman" panose="02020603050405020304" pitchFamily="18" charset="0"/>
-                        <a:ea typeface="等线" panose="02010600030101010101" pitchFamily="2" charset="-122"/>
-                      </a:endParaRPr>
-                    </a:p>
-                  </a:txBody>
-                  <a:tcPr marL="9318" marR="9318" marT="9318" marB="0" anchor="ctr"/>
-                </a:tc>
-                <a:tc>
-                  <a:txBody>
-                    <a:bodyPr/>
-                    <a:lstStyle/>
-                    <a:p>
-                      <a:pPr algn="l" rtl="0" fontAlgn="ctr">
-                        <a:lnSpc>
-                          <a:spcPct val="150000"/>
-                        </a:lnSpc>
-                      </a:pPr>
-                      <a:r>
-                        <a:rPr lang="en-US" altLang="zh-CN" sz="1800" u="none" strike="noStrike" dirty="0">
-                          <a:effectLst/>
-                        </a:rPr>
-                        <a:t>0.8954</a:t>
-                      </a:r>
-                      <a:endParaRPr lang="en-US" altLang="zh-CN" sz="1800" b="0" i="0" u="none" strike="noStrike" dirty="0">
-                        <a:solidFill>
-                          <a:srgbClr val="000000"/>
-                        </a:solidFill>
-                        <a:effectLst/>
-                        <a:latin typeface="Times New Roman" panose="02020603050405020304" pitchFamily="18" charset="0"/>
-                        <a:ea typeface="等线" panose="02010600030101010101" pitchFamily="2" charset="-122"/>
-                      </a:endParaRPr>
-                    </a:p>
-                  </a:txBody>
-                  <a:tcPr marL="9318" marR="9318" marT="9318" marB="0" anchor="ctr"/>
-                </a:tc>
-                <a:extLst>
-                  <a:ext uri="{0D108BD9-81ED-4DB2-BD59-A6C34878D82A}">
-                    <a16:rowId xmlns:a16="http://schemas.microsoft.com/office/drawing/2014/main" val="3693178649"/>
-                  </a:ext>
-                </a:extLst>
-              </a:tr>
-              <a:tr h="295531">
-                <a:tc vMerge="1">
-                  <a:txBody>
-                    <a:bodyPr/>
-                    <a:lstStyle/>
-                    <a:p>
-                      <a:endParaRPr lang="zh-CN" altLang="en-US"/>
-                    </a:p>
-                  </a:txBody>
-                  <a:tcPr/>
-                </a:tc>
-                <a:tc>
-                  <a:txBody>
-                    <a:bodyPr/>
-                    <a:lstStyle/>
-                    <a:p>
-                      <a:pPr algn="l" fontAlgn="t">
-                        <a:lnSpc>
-                          <a:spcPct val="150000"/>
-                        </a:lnSpc>
-                      </a:pPr>
-                      <a:r>
-                        <a:rPr lang="en-US" sz="1800" b="1" u="none" strike="noStrike" dirty="0">
-                          <a:effectLst/>
-                        </a:rPr>
-                        <a:t>spleen acc</a:t>
-                      </a:r>
-                      <a:endParaRPr lang="en-US" sz="1800" b="1" i="0" u="none" strike="noStrike" dirty="0">
-                        <a:solidFill>
-                          <a:srgbClr val="000000"/>
-                        </a:solidFill>
-                        <a:effectLst/>
-                        <a:latin typeface="Times New Roman" panose="02020603050405020304" pitchFamily="18" charset="0"/>
-                        <a:ea typeface="等线" panose="02010600030101010101" pitchFamily="2" charset="-122"/>
-                      </a:endParaRPr>
-                    </a:p>
-                  </a:txBody>
-                  <a:tcPr marL="9318" marR="9318" marT="9318" marB="0"/>
-                </a:tc>
-                <a:tc>
-                  <a:txBody>
-                    <a:bodyPr/>
-                    <a:lstStyle/>
-                    <a:p>
-                      <a:pPr algn="l" rtl="0" fontAlgn="ctr">
-                        <a:lnSpc>
-                          <a:spcPct val="150000"/>
-                        </a:lnSpc>
-                      </a:pPr>
-                      <a:r>
-                        <a:rPr lang="en-US" altLang="zh-CN" sz="1800" u="none" strike="noStrike" dirty="0">
-                          <a:effectLst/>
-                        </a:rPr>
-                        <a:t>0.6352</a:t>
-                      </a:r>
-                      <a:endParaRPr lang="en-US" altLang="zh-CN" sz="1800" b="0" i="0" u="none" strike="noStrike" dirty="0">
-                        <a:solidFill>
-                          <a:srgbClr val="000000"/>
-                        </a:solidFill>
-                        <a:effectLst/>
-                        <a:latin typeface="Times New Roman" panose="02020603050405020304" pitchFamily="18" charset="0"/>
-                        <a:ea typeface="等线" panose="02010600030101010101" pitchFamily="2" charset="-122"/>
-                      </a:endParaRPr>
-                    </a:p>
-                  </a:txBody>
-                  <a:tcPr marL="9318" marR="9318" marT="9318" marB="0" anchor="ctr">
-                    <a:solidFill>
-                      <a:schemeClr val="accent4"/>
-                    </a:solidFill>
-                  </a:tcPr>
-                </a:tc>
-                <a:tc>
-                  <a:txBody>
-                    <a:bodyPr/>
-                    <a:lstStyle/>
-                    <a:p>
-                      <a:pPr algn="l" rtl="0" fontAlgn="ctr">
-                        <a:lnSpc>
-                          <a:spcPct val="150000"/>
-                        </a:lnSpc>
-                      </a:pPr>
-                      <a:r>
-                        <a:rPr lang="en-US" altLang="zh-CN" sz="1800" u="none" strike="noStrike">
-                          <a:effectLst/>
-                        </a:rPr>
-                        <a:t>0.6352</a:t>
-                      </a:r>
-                      <a:endParaRPr lang="en-US" altLang="zh-CN" sz="1800" b="0" i="0" u="none" strike="noStrike">
-                        <a:solidFill>
-                          <a:srgbClr val="000000"/>
-                        </a:solidFill>
-                        <a:effectLst/>
-                        <a:latin typeface="Times New Roman" panose="02020603050405020304" pitchFamily="18" charset="0"/>
-                        <a:ea typeface="等线" panose="02010600030101010101" pitchFamily="2" charset="-122"/>
-                      </a:endParaRPr>
-                    </a:p>
-                  </a:txBody>
-                  <a:tcPr marL="9318" marR="9318" marT="9318" marB="0" anchor="ctr">
-                    <a:solidFill>
-                      <a:schemeClr val="accent4"/>
-                    </a:solidFill>
-                  </a:tcPr>
-                </a:tc>
-                <a:tc>
-                  <a:txBody>
-                    <a:bodyPr/>
-                    <a:lstStyle/>
-                    <a:p>
-                      <a:pPr algn="l" rtl="0" fontAlgn="ctr">
-                        <a:lnSpc>
-                          <a:spcPct val="150000"/>
-                        </a:lnSpc>
-                      </a:pPr>
-                      <a:r>
-                        <a:rPr lang="en-US" altLang="zh-CN" sz="1800" u="none" strike="noStrike">
-                          <a:effectLst/>
-                        </a:rPr>
-                        <a:t>0.847</a:t>
-                      </a:r>
-                      <a:endParaRPr lang="en-US" altLang="zh-CN" sz="1800" b="0" i="0" u="none" strike="noStrike">
-                        <a:solidFill>
-                          <a:srgbClr val="000000"/>
-                        </a:solidFill>
-                        <a:effectLst/>
-                        <a:latin typeface="Times New Roman" panose="02020603050405020304" pitchFamily="18" charset="0"/>
-                        <a:ea typeface="等线" panose="02010600030101010101" pitchFamily="2" charset="-122"/>
-                      </a:endParaRPr>
-                    </a:p>
-                  </a:txBody>
-                  <a:tcPr marL="9318" marR="9318" marT="9318" marB="0" anchor="ctr"/>
-                </a:tc>
-                <a:tc>
-                  <a:txBody>
-                    <a:bodyPr/>
-                    <a:lstStyle/>
-                    <a:p>
-                      <a:pPr algn="l" rtl="0" fontAlgn="ctr">
-                        <a:lnSpc>
-                          <a:spcPct val="150000"/>
-                        </a:lnSpc>
-                      </a:pPr>
-                      <a:r>
-                        <a:rPr lang="en-US" altLang="zh-CN" sz="1800" u="none" strike="noStrike">
-                          <a:effectLst/>
-                        </a:rPr>
-                        <a:t>0.8532</a:t>
-                      </a:r>
-                      <a:endParaRPr lang="en-US" altLang="zh-CN" sz="1800" b="0" i="0" u="none" strike="noStrike">
-                        <a:solidFill>
-                          <a:srgbClr val="000000"/>
-                        </a:solidFill>
-                        <a:effectLst/>
-                        <a:latin typeface="Times New Roman" panose="02020603050405020304" pitchFamily="18" charset="0"/>
-                        <a:ea typeface="等线" panose="02010600030101010101" pitchFamily="2" charset="-122"/>
-                      </a:endParaRPr>
-                    </a:p>
-                  </a:txBody>
-                  <a:tcPr marL="9318" marR="9318" marT="9318" marB="0" anchor="ctr"/>
-                </a:tc>
-                <a:tc>
-                  <a:txBody>
-                    <a:bodyPr/>
-                    <a:lstStyle/>
-                    <a:p>
-                      <a:pPr algn="l" rtl="0" fontAlgn="ctr">
-                        <a:lnSpc>
-                          <a:spcPct val="150000"/>
-                        </a:lnSpc>
-                      </a:pPr>
-                      <a:r>
-                        <a:rPr lang="en-US" altLang="zh-CN" sz="1800" u="none" strike="noStrike">
-                          <a:effectLst/>
-                        </a:rPr>
-                        <a:t>0.8501</a:t>
-                      </a:r>
-                      <a:endParaRPr lang="en-US" altLang="zh-CN" sz="1800" b="0" i="0" u="none" strike="noStrike">
-                        <a:solidFill>
-                          <a:srgbClr val="000000"/>
-                        </a:solidFill>
-                        <a:effectLst/>
-                        <a:latin typeface="Times New Roman" panose="02020603050405020304" pitchFamily="18" charset="0"/>
-                        <a:ea typeface="等线" panose="02010600030101010101" pitchFamily="2" charset="-122"/>
-                      </a:endParaRPr>
-                    </a:p>
-                  </a:txBody>
-                  <a:tcPr marL="9318" marR="9318" marT="9318" marB="0" anchor="ctr"/>
-                </a:tc>
-                <a:tc>
-                  <a:txBody>
-                    <a:bodyPr/>
-                    <a:lstStyle/>
-                    <a:p>
-                      <a:pPr algn="l" rtl="0" fontAlgn="ctr">
-                        <a:lnSpc>
-                          <a:spcPct val="150000"/>
-                        </a:lnSpc>
-                      </a:pPr>
-                      <a:r>
-                        <a:rPr lang="en-US" altLang="zh-CN" sz="1800" u="none" strike="noStrike">
-                          <a:effectLst/>
-                        </a:rPr>
-                        <a:t>0.8702</a:t>
-                      </a:r>
-                      <a:endParaRPr lang="en-US" altLang="zh-CN" sz="1800" b="0" i="0" u="none" strike="noStrike">
-                        <a:solidFill>
-                          <a:srgbClr val="000000"/>
-                        </a:solidFill>
-                        <a:effectLst/>
-                        <a:latin typeface="Times New Roman" panose="02020603050405020304" pitchFamily="18" charset="0"/>
-                        <a:ea typeface="等线" panose="02010600030101010101" pitchFamily="2" charset="-122"/>
-                      </a:endParaRPr>
-                    </a:p>
-                  </a:txBody>
-                  <a:tcPr marL="9318" marR="9318" marT="9318" marB="0" anchor="ctr"/>
-                </a:tc>
-                <a:extLst>
-                  <a:ext uri="{0D108BD9-81ED-4DB2-BD59-A6C34878D82A}">
-                    <a16:rowId xmlns:a16="http://schemas.microsoft.com/office/drawing/2014/main" val="2248108599"/>
-                  </a:ext>
-                </a:extLst>
-              </a:tr>
-              <a:tr h="295531">
-                <a:tc vMerge="1">
-                  <a:txBody>
-                    <a:bodyPr/>
-                    <a:lstStyle/>
-                    <a:p>
-                      <a:endParaRPr lang="zh-CN" altLang="en-US"/>
-                    </a:p>
-                  </a:txBody>
-                  <a:tcPr/>
-                </a:tc>
-                <a:tc>
-                  <a:txBody>
-                    <a:bodyPr/>
-                    <a:lstStyle/>
-                    <a:p>
-                      <a:pPr algn="l" fontAlgn="t">
-                        <a:lnSpc>
-                          <a:spcPct val="150000"/>
-                        </a:lnSpc>
-                      </a:pPr>
-                      <a:r>
-                        <a:rPr lang="en-US" sz="1800" b="1" u="none" strike="noStrike" dirty="0">
-                          <a:effectLst/>
-                        </a:rPr>
-                        <a:t>kidney acc</a:t>
-                      </a:r>
-                      <a:endParaRPr lang="en-US" sz="1800" b="1" i="0" u="none" strike="noStrike" dirty="0">
-                        <a:solidFill>
-                          <a:srgbClr val="000000"/>
-                        </a:solidFill>
-                        <a:effectLst/>
-                        <a:latin typeface="Times New Roman" panose="02020603050405020304" pitchFamily="18" charset="0"/>
-                        <a:ea typeface="等线" panose="02010600030101010101" pitchFamily="2" charset="-122"/>
-                      </a:endParaRPr>
-                    </a:p>
-                  </a:txBody>
-                  <a:tcPr marL="9318" marR="9318" marT="9318" marB="0"/>
-                </a:tc>
-                <a:tc>
-                  <a:txBody>
-                    <a:bodyPr/>
-                    <a:lstStyle/>
-                    <a:p>
-                      <a:pPr algn="l" rtl="0" fontAlgn="ctr">
-                        <a:lnSpc>
-                          <a:spcPct val="150000"/>
-                        </a:lnSpc>
-                      </a:pPr>
-                      <a:r>
-                        <a:rPr lang="en-US" altLang="zh-CN" sz="1800" u="none" strike="noStrike">
-                          <a:effectLst/>
-                        </a:rPr>
-                        <a:t>0.5352</a:t>
-                      </a:r>
-                      <a:endParaRPr lang="en-US" altLang="zh-CN" sz="1800" b="0" i="0" u="none" strike="noStrike">
-                        <a:solidFill>
-                          <a:srgbClr val="000000"/>
-                        </a:solidFill>
-                        <a:effectLst/>
-                        <a:latin typeface="Times New Roman" panose="02020603050405020304" pitchFamily="18" charset="0"/>
-                        <a:ea typeface="等线" panose="02010600030101010101" pitchFamily="2" charset="-122"/>
-                      </a:endParaRPr>
-                    </a:p>
-                  </a:txBody>
-                  <a:tcPr marL="9318" marR="9318" marT="9318" marB="0" anchor="ctr">
-                    <a:solidFill>
-                      <a:schemeClr val="accent4"/>
-                    </a:solidFill>
-                  </a:tcPr>
-                </a:tc>
-                <a:tc>
-                  <a:txBody>
-                    <a:bodyPr/>
-                    <a:lstStyle/>
-                    <a:p>
-                      <a:pPr algn="l" rtl="0" fontAlgn="ctr">
-                        <a:lnSpc>
-                          <a:spcPct val="150000"/>
-                        </a:lnSpc>
-                      </a:pPr>
-                      <a:r>
-                        <a:rPr lang="en-US" altLang="zh-CN" sz="1800" u="none" strike="noStrike">
-                          <a:effectLst/>
-                        </a:rPr>
-                        <a:t>0.5518</a:t>
-                      </a:r>
-                      <a:endParaRPr lang="en-US" altLang="zh-CN" sz="1800" b="0" i="0" u="none" strike="noStrike">
-                        <a:solidFill>
-                          <a:srgbClr val="000000"/>
-                        </a:solidFill>
-                        <a:effectLst/>
-                        <a:latin typeface="Times New Roman" panose="02020603050405020304" pitchFamily="18" charset="0"/>
-                        <a:ea typeface="等线" panose="02010600030101010101" pitchFamily="2" charset="-122"/>
-                      </a:endParaRPr>
-                    </a:p>
-                  </a:txBody>
-                  <a:tcPr marL="9318" marR="9318" marT="9318" marB="0" anchor="ctr">
-                    <a:solidFill>
-                      <a:schemeClr val="accent4"/>
-                    </a:solidFill>
-                  </a:tcPr>
-                </a:tc>
-                <a:tc>
-                  <a:txBody>
-                    <a:bodyPr/>
-                    <a:lstStyle/>
-                    <a:p>
-                      <a:pPr algn="l" rtl="0" fontAlgn="ctr">
-                        <a:lnSpc>
-                          <a:spcPct val="150000"/>
-                        </a:lnSpc>
-                      </a:pPr>
-                      <a:r>
-                        <a:rPr lang="en-US" altLang="zh-CN" sz="1800" u="none" strike="noStrike">
-                          <a:effectLst/>
-                        </a:rPr>
-                        <a:t>0.8918</a:t>
-                      </a:r>
-                      <a:endParaRPr lang="en-US" altLang="zh-CN" sz="1800" b="0" i="0" u="none" strike="noStrike">
-                        <a:solidFill>
-                          <a:srgbClr val="000000"/>
-                        </a:solidFill>
-                        <a:effectLst/>
-                        <a:latin typeface="Times New Roman" panose="02020603050405020304" pitchFamily="18" charset="0"/>
-                        <a:ea typeface="等线" panose="02010600030101010101" pitchFamily="2" charset="-122"/>
-                      </a:endParaRPr>
-                    </a:p>
-                  </a:txBody>
-                  <a:tcPr marL="9318" marR="9318" marT="9318" marB="0" anchor="ctr"/>
-                </a:tc>
-                <a:tc>
-                  <a:txBody>
-                    <a:bodyPr/>
-                    <a:lstStyle/>
-                    <a:p>
-                      <a:pPr algn="l" rtl="0" fontAlgn="ctr">
-                        <a:lnSpc>
-                          <a:spcPct val="150000"/>
-                        </a:lnSpc>
-                      </a:pPr>
-                      <a:r>
-                        <a:rPr lang="en-US" altLang="zh-CN" sz="1800" u="none" strike="noStrike">
-                          <a:effectLst/>
-                        </a:rPr>
-                        <a:t>0.9212</a:t>
-                      </a:r>
-                      <a:endParaRPr lang="en-US" altLang="zh-CN" sz="1800" b="0" i="0" u="none" strike="noStrike">
-                        <a:solidFill>
-                          <a:srgbClr val="000000"/>
-                        </a:solidFill>
-                        <a:effectLst/>
-                        <a:latin typeface="Times New Roman" panose="02020603050405020304" pitchFamily="18" charset="0"/>
-                        <a:ea typeface="等线" panose="02010600030101010101" pitchFamily="2" charset="-122"/>
-                      </a:endParaRPr>
-                    </a:p>
-                  </a:txBody>
-                  <a:tcPr marL="9318" marR="9318" marT="9318" marB="0" anchor="ctr"/>
-                </a:tc>
-                <a:tc>
-                  <a:txBody>
-                    <a:bodyPr/>
-                    <a:lstStyle/>
-                    <a:p>
-                      <a:pPr algn="l" rtl="0" fontAlgn="ctr">
-                        <a:lnSpc>
-                          <a:spcPct val="150000"/>
-                        </a:lnSpc>
-                      </a:pPr>
-                      <a:r>
-                        <a:rPr lang="en-US" altLang="zh-CN" sz="1800" u="none" strike="noStrike">
-                          <a:effectLst/>
-                        </a:rPr>
-                        <a:t>0.881</a:t>
-                      </a:r>
-                      <a:endParaRPr lang="en-US" altLang="zh-CN" sz="1800" b="0" i="0" u="none" strike="noStrike">
-                        <a:solidFill>
-                          <a:srgbClr val="000000"/>
-                        </a:solidFill>
-                        <a:effectLst/>
-                        <a:latin typeface="Times New Roman" panose="02020603050405020304" pitchFamily="18" charset="0"/>
-                        <a:ea typeface="等线" panose="02010600030101010101" pitchFamily="2" charset="-122"/>
-                      </a:endParaRPr>
-                    </a:p>
-                  </a:txBody>
-                  <a:tcPr marL="9318" marR="9318" marT="9318" marB="0" anchor="ctr"/>
-                </a:tc>
-                <a:tc>
-                  <a:txBody>
-                    <a:bodyPr/>
-                    <a:lstStyle/>
-                    <a:p>
-                      <a:pPr algn="l" rtl="0" fontAlgn="ctr">
-                        <a:lnSpc>
-                          <a:spcPct val="150000"/>
-                        </a:lnSpc>
-                      </a:pPr>
-                      <a:r>
-                        <a:rPr lang="en-US" altLang="zh-CN" sz="1800" u="none" strike="noStrike">
-                          <a:effectLst/>
-                        </a:rPr>
-                        <a:t>0.8949</a:t>
-                      </a:r>
-                      <a:endParaRPr lang="en-US" altLang="zh-CN" sz="1800" b="0" i="0" u="none" strike="noStrike">
-                        <a:solidFill>
-                          <a:srgbClr val="000000"/>
-                        </a:solidFill>
-                        <a:effectLst/>
-                        <a:latin typeface="Times New Roman" panose="02020603050405020304" pitchFamily="18" charset="0"/>
-                        <a:ea typeface="等线" panose="02010600030101010101" pitchFamily="2" charset="-122"/>
-                      </a:endParaRPr>
-                    </a:p>
-                  </a:txBody>
-                  <a:tcPr marL="9318" marR="9318" marT="9318" marB="0" anchor="ctr"/>
-                </a:tc>
-                <a:extLst>
-                  <a:ext uri="{0D108BD9-81ED-4DB2-BD59-A6C34878D82A}">
-                    <a16:rowId xmlns:a16="http://schemas.microsoft.com/office/drawing/2014/main" val="2694708206"/>
-                  </a:ext>
-                </a:extLst>
-              </a:tr>
-              <a:tr h="295531">
-                <a:tc vMerge="1">
-                  <a:txBody>
-                    <a:bodyPr/>
-                    <a:lstStyle/>
-                    <a:p>
-                      <a:endParaRPr lang="zh-CN" altLang="en-US"/>
-                    </a:p>
-                  </a:txBody>
-                  <a:tcPr/>
-                </a:tc>
-                <a:tc>
-                  <a:txBody>
-                    <a:bodyPr/>
-                    <a:lstStyle/>
-                    <a:p>
-                      <a:pPr algn="l" fontAlgn="t">
-                        <a:lnSpc>
-                          <a:spcPct val="150000"/>
-                        </a:lnSpc>
-                      </a:pPr>
-                      <a:r>
-                        <a:rPr lang="en-US" sz="1800" b="1" u="none" strike="noStrike" dirty="0">
-                          <a:effectLst/>
-                        </a:rPr>
-                        <a:t>liver acc</a:t>
-                      </a:r>
-                      <a:endParaRPr lang="en-US" sz="1800" b="1" i="0" u="none" strike="noStrike" dirty="0">
-                        <a:solidFill>
-                          <a:srgbClr val="000000"/>
-                        </a:solidFill>
-                        <a:effectLst/>
-                        <a:latin typeface="Times New Roman" panose="02020603050405020304" pitchFamily="18" charset="0"/>
-                        <a:ea typeface="等线" panose="02010600030101010101" pitchFamily="2" charset="-122"/>
-                      </a:endParaRPr>
-                    </a:p>
-                  </a:txBody>
-                  <a:tcPr marL="9318" marR="9318" marT="9318" marB="0"/>
-                </a:tc>
-                <a:tc>
-                  <a:txBody>
-                    <a:bodyPr/>
-                    <a:lstStyle/>
-                    <a:p>
-                      <a:pPr algn="l" rtl="0" fontAlgn="ctr">
-                        <a:lnSpc>
-                          <a:spcPct val="150000"/>
-                        </a:lnSpc>
-                      </a:pPr>
-                      <a:r>
-                        <a:rPr lang="en-US" altLang="zh-CN" sz="1800" u="none" strike="noStrike" dirty="0">
-                          <a:effectLst/>
-                        </a:rPr>
-                        <a:t>0.4343</a:t>
-                      </a:r>
-                      <a:endParaRPr lang="en-US" altLang="zh-CN" sz="1800" b="0" i="0" u="none" strike="noStrike" dirty="0">
-                        <a:solidFill>
-                          <a:srgbClr val="000000"/>
-                        </a:solidFill>
-                        <a:effectLst/>
-                        <a:latin typeface="Times New Roman" panose="02020603050405020304" pitchFamily="18" charset="0"/>
-                        <a:ea typeface="等线" panose="02010600030101010101" pitchFamily="2" charset="-122"/>
-                      </a:endParaRPr>
-                    </a:p>
-                  </a:txBody>
-                  <a:tcPr marL="9318" marR="9318" marT="9318" marB="0" anchor="ctr">
-                    <a:solidFill>
-                      <a:schemeClr val="accent4"/>
-                    </a:solidFill>
-                  </a:tcPr>
-                </a:tc>
-                <a:tc>
-                  <a:txBody>
-                    <a:bodyPr/>
-                    <a:lstStyle/>
-                    <a:p>
-                      <a:pPr algn="l" rtl="0" fontAlgn="ctr">
-                        <a:lnSpc>
-                          <a:spcPct val="150000"/>
-                        </a:lnSpc>
-                      </a:pPr>
-                      <a:r>
-                        <a:rPr lang="en-US" altLang="zh-CN" sz="1800" u="none" strike="noStrike" dirty="0">
-                          <a:effectLst/>
-                        </a:rPr>
-                        <a:t>0.3942</a:t>
-                      </a:r>
-                      <a:endParaRPr lang="en-US" altLang="zh-CN" sz="1800" b="0" i="0" u="none" strike="noStrike" dirty="0">
-                        <a:solidFill>
-                          <a:srgbClr val="000000"/>
-                        </a:solidFill>
-                        <a:effectLst/>
-                        <a:latin typeface="Times New Roman" panose="02020603050405020304" pitchFamily="18" charset="0"/>
-                        <a:ea typeface="等线" panose="02010600030101010101" pitchFamily="2" charset="-122"/>
-                      </a:endParaRPr>
-                    </a:p>
-                  </a:txBody>
-                  <a:tcPr marL="9318" marR="9318" marT="9318" marB="0" anchor="ctr">
-                    <a:solidFill>
-                      <a:schemeClr val="accent4"/>
-                    </a:solidFill>
-                  </a:tcPr>
-                </a:tc>
-                <a:tc>
-                  <a:txBody>
-                    <a:bodyPr/>
-                    <a:lstStyle/>
-                    <a:p>
-                      <a:pPr algn="l" rtl="0" fontAlgn="ctr">
-                        <a:lnSpc>
-                          <a:spcPct val="150000"/>
-                        </a:lnSpc>
-                      </a:pPr>
-                      <a:r>
-                        <a:rPr lang="en-US" altLang="zh-CN" sz="1800" u="none" strike="noStrike">
-                          <a:effectLst/>
-                        </a:rPr>
-                        <a:t>0.9243</a:t>
-                      </a:r>
-                      <a:endParaRPr lang="en-US" altLang="zh-CN" sz="1800" b="0" i="0" u="none" strike="noStrike">
-                        <a:solidFill>
-                          <a:srgbClr val="000000"/>
-                        </a:solidFill>
-                        <a:effectLst/>
-                        <a:latin typeface="Times New Roman" panose="02020603050405020304" pitchFamily="18" charset="0"/>
-                        <a:ea typeface="等线" panose="02010600030101010101" pitchFamily="2" charset="-122"/>
-                      </a:endParaRPr>
-                    </a:p>
-                  </a:txBody>
-                  <a:tcPr marL="9318" marR="9318" marT="9318" marB="0" anchor="ctr"/>
-                </a:tc>
-                <a:tc>
-                  <a:txBody>
-                    <a:bodyPr/>
-                    <a:lstStyle/>
-                    <a:p>
-                      <a:pPr algn="l" rtl="0" fontAlgn="ctr">
-                        <a:lnSpc>
-                          <a:spcPct val="150000"/>
-                        </a:lnSpc>
-                      </a:pPr>
-                      <a:r>
-                        <a:rPr lang="en-US" altLang="zh-CN" sz="1800" u="none" strike="noStrike">
-                          <a:effectLst/>
-                        </a:rPr>
-                        <a:t>0.9258</a:t>
-                      </a:r>
-                      <a:endParaRPr lang="en-US" altLang="zh-CN" sz="1800" b="0" i="0" u="none" strike="noStrike">
-                        <a:solidFill>
-                          <a:srgbClr val="000000"/>
-                        </a:solidFill>
-                        <a:effectLst/>
-                        <a:latin typeface="Times New Roman" panose="02020603050405020304" pitchFamily="18" charset="0"/>
-                        <a:ea typeface="等线" panose="02010600030101010101" pitchFamily="2" charset="-122"/>
-                      </a:endParaRPr>
-                    </a:p>
-                  </a:txBody>
-                  <a:tcPr marL="9318" marR="9318" marT="9318" marB="0" anchor="ctr"/>
-                </a:tc>
-                <a:tc>
-                  <a:txBody>
-                    <a:bodyPr/>
-                    <a:lstStyle/>
-                    <a:p>
-                      <a:pPr algn="l" rtl="0" fontAlgn="ctr">
-                        <a:lnSpc>
-                          <a:spcPct val="150000"/>
-                        </a:lnSpc>
-                      </a:pPr>
-                      <a:r>
-                        <a:rPr lang="en-US" altLang="zh-CN" sz="1800" u="none" strike="noStrike" dirty="0">
-                          <a:effectLst/>
-                        </a:rPr>
-                        <a:t>0.9134</a:t>
-                      </a:r>
-                      <a:endParaRPr lang="en-US" altLang="zh-CN" sz="1800" b="0" i="0" u="none" strike="noStrike" dirty="0">
-                        <a:solidFill>
-                          <a:srgbClr val="000000"/>
-                        </a:solidFill>
-                        <a:effectLst/>
-                        <a:latin typeface="Times New Roman" panose="02020603050405020304" pitchFamily="18" charset="0"/>
-                        <a:ea typeface="等线" panose="02010600030101010101" pitchFamily="2" charset="-122"/>
-                      </a:endParaRPr>
-                    </a:p>
-                  </a:txBody>
-                  <a:tcPr marL="9318" marR="9318" marT="9318" marB="0" anchor="ctr"/>
-                </a:tc>
-                <a:tc>
-                  <a:txBody>
-                    <a:bodyPr/>
-                    <a:lstStyle/>
-                    <a:p>
-                      <a:pPr algn="l" rtl="0" fontAlgn="ctr">
-                        <a:lnSpc>
-                          <a:spcPct val="150000"/>
-                        </a:lnSpc>
-                      </a:pPr>
-                      <a:r>
-                        <a:rPr lang="en-US" altLang="zh-CN" sz="1800" u="none" strike="noStrike">
-                          <a:effectLst/>
-                        </a:rPr>
-                        <a:t>0.9212</a:t>
-                      </a:r>
-                      <a:endParaRPr lang="en-US" altLang="zh-CN" sz="1800" b="0" i="0" u="none" strike="noStrike">
-                        <a:solidFill>
-                          <a:srgbClr val="000000"/>
-                        </a:solidFill>
-                        <a:effectLst/>
-                        <a:latin typeface="Times New Roman" panose="02020603050405020304" pitchFamily="18" charset="0"/>
-                        <a:ea typeface="等线" panose="02010600030101010101" pitchFamily="2" charset="-122"/>
-                      </a:endParaRPr>
-                    </a:p>
-                  </a:txBody>
-                  <a:tcPr marL="9318" marR="9318" marT="9318" marB="0" anchor="ctr"/>
-                </a:tc>
-                <a:extLst>
-                  <a:ext uri="{0D108BD9-81ED-4DB2-BD59-A6C34878D82A}">
-                    <a16:rowId xmlns:a16="http://schemas.microsoft.com/office/drawing/2014/main" val="3512762867"/>
-                  </a:ext>
-                </a:extLst>
-              </a:tr>
-              <a:tr h="295531">
-                <a:tc rowSpan="4">
-                  <a:txBody>
-                    <a:bodyPr/>
-                    <a:lstStyle/>
-                    <a:p>
-                      <a:pPr algn="l" rtl="0" fontAlgn="ctr">
-                        <a:lnSpc>
-                          <a:spcPct val="150000"/>
-                        </a:lnSpc>
-                      </a:pPr>
-                      <a:r>
-                        <a:rPr lang="en-US" sz="1800" b="1" u="none" strike="noStrike" dirty="0">
-                          <a:effectLst/>
-                        </a:rPr>
-                        <a:t>T1_out</a:t>
-                      </a:r>
-                      <a:endParaRPr lang="en-US" sz="1800" b="1" i="0" u="none" strike="noStrike" dirty="0">
-                        <a:solidFill>
-                          <a:srgbClr val="000000"/>
-                        </a:solidFill>
-                        <a:effectLst/>
-                        <a:latin typeface="Times New Roman" panose="02020603050405020304" pitchFamily="18" charset="0"/>
-                        <a:ea typeface="等线" panose="02010600030101010101" pitchFamily="2" charset="-122"/>
-                      </a:endParaRPr>
-                    </a:p>
-                  </a:txBody>
-                  <a:tcPr marL="9318" marR="9318" marT="9318" marB="0" anchor="ctr"/>
-                </a:tc>
-                <a:tc>
-                  <a:txBody>
-                    <a:bodyPr/>
-                    <a:lstStyle/>
-                    <a:p>
-                      <a:pPr algn="l" fontAlgn="t">
-                        <a:lnSpc>
-                          <a:spcPct val="150000"/>
-                        </a:lnSpc>
-                      </a:pPr>
-                      <a:r>
-                        <a:rPr lang="en-US" sz="1800" b="1" u="none" strike="noStrike">
-                          <a:effectLst/>
-                        </a:rPr>
-                        <a:t>average acc</a:t>
-                      </a:r>
-                      <a:endParaRPr lang="en-US" sz="1800" b="1" i="0" u="none" strike="noStrike">
-                        <a:solidFill>
-                          <a:srgbClr val="000000"/>
-                        </a:solidFill>
-                        <a:effectLst/>
-                        <a:latin typeface="Times New Roman" panose="02020603050405020304" pitchFamily="18" charset="0"/>
-                        <a:ea typeface="等线" panose="02010600030101010101" pitchFamily="2" charset="-122"/>
-                      </a:endParaRPr>
-                    </a:p>
-                  </a:txBody>
-                  <a:tcPr marL="9318" marR="9318" marT="9318" marB="0"/>
-                </a:tc>
-                <a:tc>
-                  <a:txBody>
-                    <a:bodyPr/>
-                    <a:lstStyle/>
-                    <a:p>
-                      <a:pPr algn="l" rtl="0" fontAlgn="ctr">
-                        <a:lnSpc>
-                          <a:spcPct val="150000"/>
-                        </a:lnSpc>
-                      </a:pPr>
-                      <a:r>
-                        <a:rPr lang="en-US" altLang="zh-CN" sz="1800" u="none" strike="noStrike">
-                          <a:effectLst/>
-                        </a:rPr>
-                        <a:t>0.5549</a:t>
-                      </a:r>
-                      <a:endParaRPr lang="en-US" altLang="zh-CN" sz="1800" b="0" i="0" u="none" strike="noStrike">
-                        <a:solidFill>
-                          <a:srgbClr val="000000"/>
-                        </a:solidFill>
-                        <a:effectLst/>
-                        <a:latin typeface="Times New Roman" panose="02020603050405020304" pitchFamily="18" charset="0"/>
-                        <a:ea typeface="等线" panose="02010600030101010101" pitchFamily="2" charset="-122"/>
-                      </a:endParaRPr>
-                    </a:p>
-                  </a:txBody>
-                  <a:tcPr marL="9318" marR="9318" marT="9318" marB="0" anchor="ctr">
-                    <a:solidFill>
-                      <a:schemeClr val="accent4"/>
-                    </a:solidFill>
-                  </a:tcPr>
-                </a:tc>
-                <a:tc>
-                  <a:txBody>
-                    <a:bodyPr/>
-                    <a:lstStyle/>
-                    <a:p>
-                      <a:pPr algn="l" rtl="0" fontAlgn="ctr">
-                        <a:lnSpc>
-                          <a:spcPct val="150000"/>
-                        </a:lnSpc>
-                      </a:pPr>
-                      <a:r>
-                        <a:rPr lang="en-US" altLang="zh-CN" sz="1800" u="none" strike="noStrike" dirty="0">
-                          <a:effectLst/>
-                        </a:rPr>
-                        <a:t>0.5245</a:t>
-                      </a:r>
-                      <a:endParaRPr lang="en-US" altLang="zh-CN" sz="1800" b="0" i="0" u="none" strike="noStrike" dirty="0">
-                        <a:solidFill>
-                          <a:srgbClr val="000000"/>
-                        </a:solidFill>
-                        <a:effectLst/>
-                        <a:latin typeface="Times New Roman" panose="02020603050405020304" pitchFamily="18" charset="0"/>
-                        <a:ea typeface="等线" panose="02010600030101010101" pitchFamily="2" charset="-122"/>
-                      </a:endParaRPr>
-                    </a:p>
-                  </a:txBody>
-                  <a:tcPr marL="9318" marR="9318" marT="9318" marB="0" anchor="ctr">
-                    <a:solidFill>
-                      <a:schemeClr val="accent4"/>
-                    </a:solidFill>
-                  </a:tcPr>
-                </a:tc>
-                <a:tc>
-                  <a:txBody>
-                    <a:bodyPr/>
-                    <a:lstStyle/>
-                    <a:p>
-                      <a:pPr algn="l" rtl="0" fontAlgn="ctr">
-                        <a:lnSpc>
-                          <a:spcPct val="150000"/>
-                        </a:lnSpc>
-                      </a:pPr>
-                      <a:r>
-                        <a:rPr lang="en-US" altLang="zh-CN" sz="1800" u="none" strike="noStrike">
-                          <a:effectLst/>
-                        </a:rPr>
-                        <a:t>0.8897</a:t>
-                      </a:r>
-                      <a:endParaRPr lang="en-US" altLang="zh-CN" sz="1800" b="0" i="0" u="none" strike="noStrike">
-                        <a:solidFill>
-                          <a:srgbClr val="000000"/>
-                        </a:solidFill>
-                        <a:effectLst/>
-                        <a:latin typeface="Times New Roman" panose="02020603050405020304" pitchFamily="18" charset="0"/>
-                        <a:ea typeface="等线" panose="02010600030101010101" pitchFamily="2" charset="-122"/>
-                      </a:endParaRPr>
-                    </a:p>
-                  </a:txBody>
-                  <a:tcPr marL="9318" marR="9318" marT="9318" marB="0" anchor="ctr"/>
-                </a:tc>
-                <a:tc>
-                  <a:txBody>
-                    <a:bodyPr/>
-                    <a:lstStyle/>
-                    <a:p>
-                      <a:pPr algn="l" rtl="0" fontAlgn="ctr">
-                        <a:lnSpc>
-                          <a:spcPct val="150000"/>
-                        </a:lnSpc>
-                      </a:pPr>
-                      <a:r>
-                        <a:rPr lang="en-US" altLang="zh-CN" sz="1800" u="none" strike="noStrike" dirty="0">
-                          <a:effectLst/>
-                        </a:rPr>
-                        <a:t>0.897</a:t>
-                      </a:r>
-                      <a:endParaRPr lang="en-US" altLang="zh-CN" sz="1800" b="0" i="0" u="none" strike="noStrike" dirty="0">
-                        <a:solidFill>
-                          <a:srgbClr val="000000"/>
-                        </a:solidFill>
-                        <a:effectLst/>
-                        <a:latin typeface="Times New Roman" panose="02020603050405020304" pitchFamily="18" charset="0"/>
-                        <a:ea typeface="等线" panose="02010600030101010101" pitchFamily="2" charset="-122"/>
-                      </a:endParaRPr>
-                    </a:p>
-                  </a:txBody>
-                  <a:tcPr marL="9318" marR="9318" marT="9318" marB="0" anchor="ctr"/>
-                </a:tc>
-                <a:tc>
-                  <a:txBody>
-                    <a:bodyPr/>
-                    <a:lstStyle/>
-                    <a:p>
-                      <a:pPr algn="l" rtl="0" fontAlgn="ctr">
-                        <a:lnSpc>
-                          <a:spcPct val="150000"/>
-                        </a:lnSpc>
-                      </a:pPr>
-                      <a:r>
-                        <a:rPr lang="en-US" altLang="zh-CN" sz="1800" u="none" strike="noStrike">
-                          <a:effectLst/>
-                        </a:rPr>
-                        <a:t>0.8897</a:t>
-                      </a:r>
-                      <a:endParaRPr lang="en-US" altLang="zh-CN" sz="1800" b="0" i="0" u="none" strike="noStrike">
-                        <a:solidFill>
-                          <a:srgbClr val="000000"/>
-                        </a:solidFill>
-                        <a:effectLst/>
-                        <a:latin typeface="Times New Roman" panose="02020603050405020304" pitchFamily="18" charset="0"/>
-                        <a:ea typeface="等线" panose="02010600030101010101" pitchFamily="2" charset="-122"/>
-                      </a:endParaRPr>
-                    </a:p>
-                  </a:txBody>
-                  <a:tcPr marL="9318" marR="9318" marT="9318" marB="0" anchor="ctr"/>
-                </a:tc>
-                <a:tc>
-                  <a:txBody>
-                    <a:bodyPr/>
-                    <a:lstStyle/>
-                    <a:p>
-                      <a:pPr algn="l" rtl="0" fontAlgn="ctr">
-                        <a:lnSpc>
-                          <a:spcPct val="150000"/>
-                        </a:lnSpc>
-                      </a:pPr>
-                      <a:r>
-                        <a:rPr lang="en-US" altLang="zh-CN" sz="1800" u="none" strike="noStrike">
-                          <a:effectLst/>
-                        </a:rPr>
-                        <a:t>0.899</a:t>
-                      </a:r>
-                      <a:endParaRPr lang="en-US" altLang="zh-CN" sz="1800" b="0" i="0" u="none" strike="noStrike">
-                        <a:solidFill>
-                          <a:srgbClr val="000000"/>
-                        </a:solidFill>
-                        <a:effectLst/>
-                        <a:latin typeface="Times New Roman" panose="02020603050405020304" pitchFamily="18" charset="0"/>
-                        <a:ea typeface="等线" panose="02010600030101010101" pitchFamily="2" charset="-122"/>
-                      </a:endParaRPr>
-                    </a:p>
-                  </a:txBody>
-                  <a:tcPr marL="9318" marR="9318" marT="9318" marB="0" anchor="ctr"/>
-                </a:tc>
-                <a:extLst>
-                  <a:ext uri="{0D108BD9-81ED-4DB2-BD59-A6C34878D82A}">
-                    <a16:rowId xmlns:a16="http://schemas.microsoft.com/office/drawing/2014/main" val="2398966593"/>
-                  </a:ext>
-                </a:extLst>
-              </a:tr>
-              <a:tr h="295531">
-                <a:tc vMerge="1">
-                  <a:txBody>
-                    <a:bodyPr/>
-                    <a:lstStyle/>
-                    <a:p>
-                      <a:endParaRPr lang="zh-CN" altLang="en-US"/>
-                    </a:p>
-                  </a:txBody>
-                  <a:tcPr/>
-                </a:tc>
-                <a:tc>
-                  <a:txBody>
-                    <a:bodyPr/>
-                    <a:lstStyle/>
-                    <a:p>
-                      <a:pPr algn="l" fontAlgn="t">
-                        <a:lnSpc>
-                          <a:spcPct val="150000"/>
-                        </a:lnSpc>
-                      </a:pPr>
-                      <a:r>
-                        <a:rPr lang="en-US" sz="1800" b="1" u="none" strike="noStrike" dirty="0">
-                          <a:effectLst/>
-                        </a:rPr>
-                        <a:t>spleen acc</a:t>
-                      </a:r>
-                      <a:endParaRPr lang="en-US" sz="1800" b="1" i="0" u="none" strike="noStrike" dirty="0">
-                        <a:solidFill>
-                          <a:srgbClr val="000000"/>
-                        </a:solidFill>
-                        <a:effectLst/>
-                        <a:latin typeface="Times New Roman" panose="02020603050405020304" pitchFamily="18" charset="0"/>
-                        <a:ea typeface="等线" panose="02010600030101010101" pitchFamily="2" charset="-122"/>
-                      </a:endParaRPr>
-                    </a:p>
-                  </a:txBody>
-                  <a:tcPr marL="9318" marR="9318" marT="9318" marB="0"/>
-                </a:tc>
-                <a:tc>
-                  <a:txBody>
-                    <a:bodyPr/>
-                    <a:lstStyle/>
-                    <a:p>
-                      <a:pPr algn="l" rtl="0" fontAlgn="ctr">
-                        <a:lnSpc>
-                          <a:spcPct val="150000"/>
-                        </a:lnSpc>
-                      </a:pPr>
-                      <a:r>
-                        <a:rPr lang="en-US" altLang="zh-CN" sz="1800" u="none" strike="noStrike">
-                          <a:effectLst/>
-                        </a:rPr>
-                        <a:t>0.6352</a:t>
-                      </a:r>
-                      <a:endParaRPr lang="en-US" altLang="zh-CN" sz="1800" b="0" i="0" u="none" strike="noStrike">
-                        <a:solidFill>
-                          <a:srgbClr val="000000"/>
-                        </a:solidFill>
-                        <a:effectLst/>
-                        <a:latin typeface="Times New Roman" panose="02020603050405020304" pitchFamily="18" charset="0"/>
-                        <a:ea typeface="等线" panose="02010600030101010101" pitchFamily="2" charset="-122"/>
-                      </a:endParaRPr>
-                    </a:p>
-                  </a:txBody>
-                  <a:tcPr marL="9318" marR="9318" marT="9318" marB="0" anchor="ctr">
-                    <a:solidFill>
-                      <a:schemeClr val="accent4"/>
-                    </a:solidFill>
-                  </a:tcPr>
-                </a:tc>
-                <a:tc>
-                  <a:txBody>
-                    <a:bodyPr/>
-                    <a:lstStyle/>
-                    <a:p>
-                      <a:pPr algn="l" rtl="0" fontAlgn="ctr">
-                        <a:lnSpc>
-                          <a:spcPct val="150000"/>
-                        </a:lnSpc>
-                      </a:pPr>
-                      <a:r>
-                        <a:rPr lang="en-US" altLang="zh-CN" sz="1800" u="none" strike="noStrike" dirty="0">
-                          <a:effectLst/>
-                        </a:rPr>
-                        <a:t>0.6352</a:t>
-                      </a:r>
-                      <a:endParaRPr lang="en-US" altLang="zh-CN" sz="1800" b="0" i="0" u="none" strike="noStrike" dirty="0">
-                        <a:solidFill>
-                          <a:srgbClr val="000000"/>
-                        </a:solidFill>
-                        <a:effectLst/>
-                        <a:latin typeface="Times New Roman" panose="02020603050405020304" pitchFamily="18" charset="0"/>
-                        <a:ea typeface="等线" panose="02010600030101010101" pitchFamily="2" charset="-122"/>
-                      </a:endParaRPr>
-                    </a:p>
-                  </a:txBody>
-                  <a:tcPr marL="9318" marR="9318" marT="9318" marB="0" anchor="ctr">
-                    <a:solidFill>
-                      <a:schemeClr val="accent4"/>
-                    </a:solidFill>
-                  </a:tcPr>
-                </a:tc>
-                <a:tc>
-                  <a:txBody>
-                    <a:bodyPr/>
-                    <a:lstStyle/>
-                    <a:p>
-                      <a:pPr algn="l" rtl="0" fontAlgn="ctr">
-                        <a:lnSpc>
-                          <a:spcPct val="150000"/>
-                        </a:lnSpc>
-                      </a:pPr>
-                      <a:r>
-                        <a:rPr lang="en-US" altLang="zh-CN" sz="1800" u="none" strike="noStrike">
-                          <a:effectLst/>
-                        </a:rPr>
-                        <a:t>0.8655</a:t>
-                      </a:r>
-                      <a:endParaRPr lang="en-US" altLang="zh-CN" sz="1800" b="0" i="0" u="none" strike="noStrike">
-                        <a:solidFill>
-                          <a:srgbClr val="000000"/>
-                        </a:solidFill>
-                        <a:effectLst/>
-                        <a:latin typeface="Times New Roman" panose="02020603050405020304" pitchFamily="18" charset="0"/>
-                        <a:ea typeface="等线" panose="02010600030101010101" pitchFamily="2" charset="-122"/>
-                      </a:endParaRPr>
-                    </a:p>
-                  </a:txBody>
-                  <a:tcPr marL="9318" marR="9318" marT="9318" marB="0" anchor="ctr"/>
-                </a:tc>
-                <a:tc>
-                  <a:txBody>
-                    <a:bodyPr/>
-                    <a:lstStyle/>
-                    <a:p>
-                      <a:pPr algn="l" rtl="0" fontAlgn="ctr">
-                        <a:lnSpc>
-                          <a:spcPct val="150000"/>
-                        </a:lnSpc>
-                      </a:pPr>
-                      <a:r>
-                        <a:rPr lang="en-US" altLang="zh-CN" sz="1800" u="none" strike="noStrike">
-                          <a:effectLst/>
-                        </a:rPr>
-                        <a:t>0.8794</a:t>
-                      </a:r>
-                      <a:endParaRPr lang="en-US" altLang="zh-CN" sz="1800" b="0" i="0" u="none" strike="noStrike">
-                        <a:solidFill>
-                          <a:srgbClr val="000000"/>
-                        </a:solidFill>
-                        <a:effectLst/>
-                        <a:latin typeface="Times New Roman" panose="02020603050405020304" pitchFamily="18" charset="0"/>
-                        <a:ea typeface="等线" panose="02010600030101010101" pitchFamily="2" charset="-122"/>
-                      </a:endParaRPr>
-                    </a:p>
-                  </a:txBody>
-                  <a:tcPr marL="9318" marR="9318" marT="9318" marB="0" anchor="ctr"/>
-                </a:tc>
-                <a:tc>
-                  <a:txBody>
-                    <a:bodyPr/>
-                    <a:lstStyle/>
-                    <a:p>
-                      <a:pPr algn="l" rtl="0" fontAlgn="ctr">
-                        <a:lnSpc>
-                          <a:spcPct val="150000"/>
-                        </a:lnSpc>
-                      </a:pPr>
-                      <a:r>
-                        <a:rPr lang="en-US" altLang="zh-CN" sz="1800" u="none" strike="noStrike">
-                          <a:effectLst/>
-                        </a:rPr>
-                        <a:t>0.8779</a:t>
-                      </a:r>
-                      <a:endParaRPr lang="en-US" altLang="zh-CN" sz="1800" b="0" i="0" u="none" strike="noStrike">
-                        <a:solidFill>
-                          <a:srgbClr val="000000"/>
-                        </a:solidFill>
-                        <a:effectLst/>
-                        <a:latin typeface="Times New Roman" panose="02020603050405020304" pitchFamily="18" charset="0"/>
-                        <a:ea typeface="等线" panose="02010600030101010101" pitchFamily="2" charset="-122"/>
-                      </a:endParaRPr>
-                    </a:p>
-                  </a:txBody>
-                  <a:tcPr marL="9318" marR="9318" marT="9318" marB="0" anchor="ctr"/>
-                </a:tc>
-                <a:tc>
-                  <a:txBody>
-                    <a:bodyPr/>
-                    <a:lstStyle/>
-                    <a:p>
-                      <a:pPr algn="l" rtl="0" fontAlgn="ctr">
-                        <a:lnSpc>
-                          <a:spcPct val="150000"/>
-                        </a:lnSpc>
-                      </a:pPr>
-                      <a:r>
-                        <a:rPr lang="en-US" altLang="zh-CN" sz="1800" u="none" strike="noStrike">
-                          <a:effectLst/>
-                        </a:rPr>
-                        <a:t>0.8794</a:t>
-                      </a:r>
-                      <a:endParaRPr lang="en-US" altLang="zh-CN" sz="1800" b="0" i="0" u="none" strike="noStrike">
-                        <a:solidFill>
-                          <a:srgbClr val="000000"/>
-                        </a:solidFill>
-                        <a:effectLst/>
-                        <a:latin typeface="Times New Roman" panose="02020603050405020304" pitchFamily="18" charset="0"/>
-                        <a:ea typeface="等线" panose="02010600030101010101" pitchFamily="2" charset="-122"/>
-                      </a:endParaRPr>
-                    </a:p>
-                  </a:txBody>
-                  <a:tcPr marL="9318" marR="9318" marT="9318" marB="0" anchor="ctr"/>
-                </a:tc>
-                <a:extLst>
-                  <a:ext uri="{0D108BD9-81ED-4DB2-BD59-A6C34878D82A}">
-                    <a16:rowId xmlns:a16="http://schemas.microsoft.com/office/drawing/2014/main" val="3070976615"/>
-                  </a:ext>
-                </a:extLst>
-              </a:tr>
-              <a:tr h="295531">
-                <a:tc vMerge="1">
-                  <a:txBody>
-                    <a:bodyPr/>
-                    <a:lstStyle/>
-                    <a:p>
-                      <a:endParaRPr lang="zh-CN" altLang="en-US"/>
-                    </a:p>
-                  </a:txBody>
-                  <a:tcPr/>
-                </a:tc>
-                <a:tc>
-                  <a:txBody>
-                    <a:bodyPr/>
-                    <a:lstStyle/>
-                    <a:p>
-                      <a:pPr algn="l" fontAlgn="t">
-                        <a:lnSpc>
-                          <a:spcPct val="150000"/>
-                        </a:lnSpc>
-                      </a:pPr>
-                      <a:r>
-                        <a:rPr lang="en-US" sz="1800" b="1" u="none" strike="noStrike" dirty="0">
-                          <a:effectLst/>
-                        </a:rPr>
-                        <a:t>kidney acc</a:t>
-                      </a:r>
-                      <a:endParaRPr lang="en-US" sz="1800" b="1" i="0" u="none" strike="noStrike" dirty="0">
-                        <a:solidFill>
-                          <a:srgbClr val="000000"/>
-                        </a:solidFill>
-                        <a:effectLst/>
-                        <a:latin typeface="Times New Roman" panose="02020603050405020304" pitchFamily="18" charset="0"/>
-                        <a:ea typeface="等线" panose="02010600030101010101" pitchFamily="2" charset="-122"/>
-                      </a:endParaRPr>
-                    </a:p>
-                  </a:txBody>
-                  <a:tcPr marL="9318" marR="9318" marT="9318" marB="0"/>
-                </a:tc>
-                <a:tc>
-                  <a:txBody>
-                    <a:bodyPr/>
-                    <a:lstStyle/>
-                    <a:p>
-                      <a:pPr algn="l" rtl="0" fontAlgn="ctr">
-                        <a:lnSpc>
-                          <a:spcPct val="150000"/>
-                        </a:lnSpc>
-                      </a:pPr>
-                      <a:r>
-                        <a:rPr lang="en-US" altLang="zh-CN" sz="1800" u="none" strike="noStrike">
-                          <a:effectLst/>
-                        </a:rPr>
-                        <a:t>0.5394</a:t>
-                      </a:r>
-                      <a:endParaRPr lang="en-US" altLang="zh-CN" sz="1800" b="0" i="0" u="none" strike="noStrike">
-                        <a:solidFill>
-                          <a:srgbClr val="000000"/>
-                        </a:solidFill>
-                        <a:effectLst/>
-                        <a:latin typeface="Times New Roman" panose="02020603050405020304" pitchFamily="18" charset="0"/>
-                        <a:ea typeface="等线" panose="02010600030101010101" pitchFamily="2" charset="-122"/>
-                      </a:endParaRPr>
-                    </a:p>
-                  </a:txBody>
-                  <a:tcPr marL="9318" marR="9318" marT="9318" marB="0" anchor="ctr">
-                    <a:solidFill>
-                      <a:schemeClr val="accent4"/>
-                    </a:solidFill>
-                  </a:tcPr>
-                </a:tc>
-                <a:tc>
-                  <a:txBody>
-                    <a:bodyPr/>
-                    <a:lstStyle/>
-                    <a:p>
-                      <a:pPr algn="l" rtl="0" fontAlgn="ctr">
-                        <a:lnSpc>
-                          <a:spcPct val="150000"/>
-                        </a:lnSpc>
-                      </a:pPr>
-                      <a:r>
-                        <a:rPr lang="en-US" altLang="zh-CN" sz="1800" u="none" strike="noStrike" dirty="0">
-                          <a:effectLst/>
-                        </a:rPr>
-                        <a:t>0.5379</a:t>
-                      </a:r>
-                      <a:endParaRPr lang="en-US" altLang="zh-CN" sz="1800" b="0" i="0" u="none" strike="noStrike" dirty="0">
-                        <a:solidFill>
-                          <a:srgbClr val="000000"/>
-                        </a:solidFill>
-                        <a:effectLst/>
-                        <a:latin typeface="Times New Roman" panose="02020603050405020304" pitchFamily="18" charset="0"/>
-                        <a:ea typeface="等线" panose="02010600030101010101" pitchFamily="2" charset="-122"/>
-                      </a:endParaRPr>
-                    </a:p>
-                  </a:txBody>
-                  <a:tcPr marL="9318" marR="9318" marT="9318" marB="0" anchor="ctr">
-                    <a:solidFill>
-                      <a:schemeClr val="accent4"/>
-                    </a:solidFill>
-                  </a:tcPr>
-                </a:tc>
-                <a:tc>
-                  <a:txBody>
-                    <a:bodyPr/>
-                    <a:lstStyle/>
-                    <a:p>
-                      <a:pPr algn="l" rtl="0" fontAlgn="ctr">
-                        <a:lnSpc>
-                          <a:spcPct val="150000"/>
-                        </a:lnSpc>
-                      </a:pPr>
-                      <a:r>
-                        <a:rPr lang="en-US" altLang="zh-CN" sz="1800" u="none" strike="noStrike">
-                          <a:effectLst/>
-                        </a:rPr>
-                        <a:t>0.8779</a:t>
-                      </a:r>
-                      <a:endParaRPr lang="en-US" altLang="zh-CN" sz="1800" b="0" i="0" u="none" strike="noStrike">
-                        <a:solidFill>
-                          <a:srgbClr val="000000"/>
-                        </a:solidFill>
-                        <a:effectLst/>
-                        <a:latin typeface="Times New Roman" panose="02020603050405020304" pitchFamily="18" charset="0"/>
-                        <a:ea typeface="等线" panose="02010600030101010101" pitchFamily="2" charset="-122"/>
-                      </a:endParaRPr>
-                    </a:p>
-                  </a:txBody>
-                  <a:tcPr marL="9318" marR="9318" marT="9318" marB="0" anchor="ctr"/>
-                </a:tc>
-                <a:tc>
-                  <a:txBody>
-                    <a:bodyPr/>
-                    <a:lstStyle/>
-                    <a:p>
-                      <a:pPr algn="l" rtl="0" fontAlgn="ctr">
-                        <a:lnSpc>
-                          <a:spcPct val="150000"/>
-                        </a:lnSpc>
-                      </a:pPr>
-                      <a:r>
-                        <a:rPr lang="en-US" altLang="zh-CN" sz="1800" u="none" strike="noStrike">
-                          <a:effectLst/>
-                        </a:rPr>
-                        <a:t>0.9042</a:t>
-                      </a:r>
-                      <a:endParaRPr lang="en-US" altLang="zh-CN" sz="1800" b="0" i="0" u="none" strike="noStrike">
-                        <a:solidFill>
-                          <a:srgbClr val="000000"/>
-                        </a:solidFill>
-                        <a:effectLst/>
-                        <a:latin typeface="Times New Roman" panose="02020603050405020304" pitchFamily="18" charset="0"/>
-                        <a:ea typeface="等线" panose="02010600030101010101" pitchFamily="2" charset="-122"/>
-                      </a:endParaRPr>
-                    </a:p>
-                  </a:txBody>
-                  <a:tcPr marL="9318" marR="9318" marT="9318" marB="0" anchor="ctr"/>
-                </a:tc>
-                <a:tc>
-                  <a:txBody>
-                    <a:bodyPr/>
-                    <a:lstStyle/>
-                    <a:p>
-                      <a:pPr algn="l" rtl="0" fontAlgn="ctr">
-                        <a:lnSpc>
-                          <a:spcPct val="150000"/>
-                        </a:lnSpc>
-                      </a:pPr>
-                      <a:r>
-                        <a:rPr lang="en-US" altLang="zh-CN" sz="1800" u="none" strike="noStrike">
-                          <a:effectLst/>
-                        </a:rPr>
-                        <a:t>0.8856</a:t>
-                      </a:r>
-                      <a:endParaRPr lang="en-US" altLang="zh-CN" sz="1800" b="0" i="0" u="none" strike="noStrike">
-                        <a:solidFill>
-                          <a:srgbClr val="000000"/>
-                        </a:solidFill>
-                        <a:effectLst/>
-                        <a:latin typeface="Times New Roman" panose="02020603050405020304" pitchFamily="18" charset="0"/>
-                        <a:ea typeface="等线" panose="02010600030101010101" pitchFamily="2" charset="-122"/>
-                      </a:endParaRPr>
-                    </a:p>
-                  </a:txBody>
-                  <a:tcPr marL="9318" marR="9318" marT="9318" marB="0" anchor="ctr"/>
-                </a:tc>
-                <a:tc>
-                  <a:txBody>
-                    <a:bodyPr/>
-                    <a:lstStyle/>
-                    <a:p>
-                      <a:pPr algn="l" rtl="0" fontAlgn="ctr">
-                        <a:lnSpc>
-                          <a:spcPct val="150000"/>
-                        </a:lnSpc>
-                      </a:pPr>
-                      <a:r>
-                        <a:rPr lang="en-US" altLang="zh-CN" sz="1800" u="none" strike="noStrike">
-                          <a:effectLst/>
-                        </a:rPr>
-                        <a:t>0.9011</a:t>
-                      </a:r>
-                      <a:endParaRPr lang="en-US" altLang="zh-CN" sz="1800" b="0" i="0" u="none" strike="noStrike">
-                        <a:solidFill>
-                          <a:srgbClr val="000000"/>
-                        </a:solidFill>
-                        <a:effectLst/>
-                        <a:latin typeface="Times New Roman" panose="02020603050405020304" pitchFamily="18" charset="0"/>
-                        <a:ea typeface="等线" panose="02010600030101010101" pitchFamily="2" charset="-122"/>
-                      </a:endParaRPr>
-                    </a:p>
-                  </a:txBody>
-                  <a:tcPr marL="9318" marR="9318" marT="9318" marB="0" anchor="ctr"/>
-                </a:tc>
-                <a:extLst>
-                  <a:ext uri="{0D108BD9-81ED-4DB2-BD59-A6C34878D82A}">
-                    <a16:rowId xmlns:a16="http://schemas.microsoft.com/office/drawing/2014/main" val="2361242770"/>
-                  </a:ext>
-                </a:extLst>
-              </a:tr>
-              <a:tr h="295531">
-                <a:tc vMerge="1">
-                  <a:txBody>
-                    <a:bodyPr/>
-                    <a:lstStyle/>
-                    <a:p>
-                      <a:endParaRPr lang="zh-CN" altLang="en-US"/>
-                    </a:p>
-                  </a:txBody>
-                  <a:tcPr/>
-                </a:tc>
-                <a:tc>
-                  <a:txBody>
-                    <a:bodyPr/>
-                    <a:lstStyle/>
-                    <a:p>
-                      <a:pPr algn="l" fontAlgn="t">
-                        <a:lnSpc>
-                          <a:spcPct val="150000"/>
-                        </a:lnSpc>
-                      </a:pPr>
-                      <a:r>
-                        <a:rPr lang="en-US" sz="1800" b="1" u="none" strike="noStrike" dirty="0">
-                          <a:effectLst/>
-                        </a:rPr>
-                        <a:t>liver acc</a:t>
-                      </a:r>
-                      <a:endParaRPr lang="en-US" sz="1800" b="1" i="0" u="none" strike="noStrike" dirty="0">
-                        <a:solidFill>
-                          <a:srgbClr val="000000"/>
-                        </a:solidFill>
-                        <a:effectLst/>
-                        <a:latin typeface="Times New Roman" panose="02020603050405020304" pitchFamily="18" charset="0"/>
-                        <a:ea typeface="等线" panose="02010600030101010101" pitchFamily="2" charset="-122"/>
-                      </a:endParaRPr>
-                    </a:p>
-                  </a:txBody>
-                  <a:tcPr marL="9318" marR="9318" marT="9318" marB="0"/>
-                </a:tc>
-                <a:tc>
-                  <a:txBody>
-                    <a:bodyPr/>
-                    <a:lstStyle/>
-                    <a:p>
-                      <a:pPr algn="l" rtl="0" fontAlgn="ctr">
-                        <a:lnSpc>
-                          <a:spcPct val="150000"/>
-                        </a:lnSpc>
-                      </a:pPr>
-                      <a:r>
-                        <a:rPr lang="en-US" altLang="zh-CN" sz="1800" u="none" strike="noStrike">
-                          <a:effectLst/>
-                        </a:rPr>
-                        <a:t>0.49</a:t>
-                      </a:r>
-                      <a:endParaRPr lang="en-US" altLang="zh-CN" sz="1800" b="0" i="0" u="none" strike="noStrike">
-                        <a:solidFill>
-                          <a:srgbClr val="000000"/>
-                        </a:solidFill>
-                        <a:effectLst/>
-                        <a:latin typeface="Times New Roman" panose="02020603050405020304" pitchFamily="18" charset="0"/>
-                        <a:ea typeface="等线" panose="02010600030101010101" pitchFamily="2" charset="-122"/>
-                      </a:endParaRPr>
-                    </a:p>
-                  </a:txBody>
-                  <a:tcPr marL="9318" marR="9318" marT="9318" marB="0" anchor="ctr">
-                    <a:solidFill>
-                      <a:schemeClr val="accent4"/>
-                    </a:solidFill>
-                  </a:tcPr>
-                </a:tc>
-                <a:tc>
-                  <a:txBody>
-                    <a:bodyPr/>
-                    <a:lstStyle/>
-                    <a:p>
-                      <a:pPr algn="l" rtl="0" fontAlgn="ctr">
-                        <a:lnSpc>
-                          <a:spcPct val="150000"/>
-                        </a:lnSpc>
-                      </a:pPr>
-                      <a:r>
-                        <a:rPr lang="en-US" altLang="zh-CN" sz="1800" u="none" strike="noStrike" dirty="0">
-                          <a:effectLst/>
-                        </a:rPr>
-                        <a:t>0.4003</a:t>
-                      </a:r>
-                      <a:endParaRPr lang="en-US" altLang="zh-CN" sz="1800" b="0" i="0" u="none" strike="noStrike" dirty="0">
-                        <a:solidFill>
-                          <a:srgbClr val="000000"/>
-                        </a:solidFill>
-                        <a:effectLst/>
-                        <a:latin typeface="Times New Roman" panose="02020603050405020304" pitchFamily="18" charset="0"/>
-                        <a:ea typeface="等线" panose="02010600030101010101" pitchFamily="2" charset="-122"/>
-                      </a:endParaRPr>
-                    </a:p>
-                  </a:txBody>
-                  <a:tcPr marL="9318" marR="9318" marT="9318" marB="0" anchor="ctr">
-                    <a:solidFill>
-                      <a:schemeClr val="accent4"/>
-                    </a:solidFill>
-                  </a:tcPr>
-                </a:tc>
-                <a:tc>
-                  <a:txBody>
-                    <a:bodyPr/>
-                    <a:lstStyle/>
-                    <a:p>
-                      <a:pPr algn="l" rtl="0" fontAlgn="ctr">
-                        <a:lnSpc>
-                          <a:spcPct val="150000"/>
-                        </a:lnSpc>
-                      </a:pPr>
-                      <a:r>
-                        <a:rPr lang="en-US" altLang="zh-CN" sz="1800" u="none" strike="noStrike">
-                          <a:effectLst/>
-                        </a:rPr>
-                        <a:t>0.9258</a:t>
-                      </a:r>
-                      <a:endParaRPr lang="en-US" altLang="zh-CN" sz="1800" b="0" i="0" u="none" strike="noStrike">
-                        <a:solidFill>
-                          <a:srgbClr val="000000"/>
-                        </a:solidFill>
-                        <a:effectLst/>
-                        <a:latin typeface="Times New Roman" panose="02020603050405020304" pitchFamily="18" charset="0"/>
-                        <a:ea typeface="等线" panose="02010600030101010101" pitchFamily="2" charset="-122"/>
-                      </a:endParaRPr>
-                    </a:p>
-                  </a:txBody>
-                  <a:tcPr marL="9318" marR="9318" marT="9318" marB="0" anchor="ctr"/>
-                </a:tc>
-                <a:tc>
-                  <a:txBody>
-                    <a:bodyPr/>
-                    <a:lstStyle/>
-                    <a:p>
-                      <a:pPr algn="l" rtl="0" fontAlgn="ctr">
-                        <a:lnSpc>
-                          <a:spcPct val="150000"/>
-                        </a:lnSpc>
-                      </a:pPr>
-                      <a:r>
-                        <a:rPr lang="en-US" altLang="zh-CN" sz="1800" u="none" strike="noStrike">
-                          <a:effectLst/>
-                        </a:rPr>
-                        <a:t>0.9073</a:t>
-                      </a:r>
-                      <a:endParaRPr lang="en-US" altLang="zh-CN" sz="1800" b="0" i="0" u="none" strike="noStrike">
-                        <a:solidFill>
-                          <a:srgbClr val="000000"/>
-                        </a:solidFill>
-                        <a:effectLst/>
-                        <a:latin typeface="Times New Roman" panose="02020603050405020304" pitchFamily="18" charset="0"/>
-                        <a:ea typeface="等线" panose="02010600030101010101" pitchFamily="2" charset="-122"/>
-                      </a:endParaRPr>
-                    </a:p>
-                  </a:txBody>
-                  <a:tcPr marL="9318" marR="9318" marT="9318" marB="0" anchor="ctr"/>
-                </a:tc>
-                <a:tc>
-                  <a:txBody>
-                    <a:bodyPr/>
-                    <a:lstStyle/>
-                    <a:p>
-                      <a:pPr algn="l" rtl="0" fontAlgn="ctr">
-                        <a:lnSpc>
-                          <a:spcPct val="150000"/>
-                        </a:lnSpc>
-                      </a:pPr>
-                      <a:r>
-                        <a:rPr lang="en-US" altLang="zh-CN" sz="1800" u="none" strike="noStrike">
-                          <a:effectLst/>
-                        </a:rPr>
-                        <a:t>0.9057</a:t>
-                      </a:r>
-                      <a:endParaRPr lang="en-US" altLang="zh-CN" sz="1800" b="0" i="0" u="none" strike="noStrike">
-                        <a:solidFill>
-                          <a:srgbClr val="000000"/>
-                        </a:solidFill>
-                        <a:effectLst/>
-                        <a:latin typeface="Times New Roman" panose="02020603050405020304" pitchFamily="18" charset="0"/>
-                        <a:ea typeface="等线" panose="02010600030101010101" pitchFamily="2" charset="-122"/>
-                      </a:endParaRPr>
-                    </a:p>
-                  </a:txBody>
-                  <a:tcPr marL="9318" marR="9318" marT="9318" marB="0" anchor="ctr"/>
-                </a:tc>
-                <a:tc>
-                  <a:txBody>
-                    <a:bodyPr/>
-                    <a:lstStyle/>
-                    <a:p>
-                      <a:pPr algn="l" rtl="0" fontAlgn="ctr">
-                        <a:lnSpc>
-                          <a:spcPct val="150000"/>
-                        </a:lnSpc>
-                      </a:pPr>
-                      <a:r>
-                        <a:rPr lang="en-US" altLang="zh-CN" sz="1800" u="none" strike="noStrike">
-                          <a:effectLst/>
-                        </a:rPr>
-                        <a:t>0.9165</a:t>
-                      </a:r>
-                      <a:endParaRPr lang="en-US" altLang="zh-CN" sz="1800" b="0" i="0" u="none" strike="noStrike">
-                        <a:solidFill>
-                          <a:srgbClr val="000000"/>
-                        </a:solidFill>
-                        <a:effectLst/>
-                        <a:latin typeface="Times New Roman" panose="02020603050405020304" pitchFamily="18" charset="0"/>
-                        <a:ea typeface="等线" panose="02010600030101010101" pitchFamily="2" charset="-122"/>
-                      </a:endParaRPr>
-                    </a:p>
-                  </a:txBody>
-                  <a:tcPr marL="9318" marR="9318" marT="9318" marB="0" anchor="ctr"/>
-                </a:tc>
-                <a:extLst>
-                  <a:ext uri="{0D108BD9-81ED-4DB2-BD59-A6C34878D82A}">
-                    <a16:rowId xmlns:a16="http://schemas.microsoft.com/office/drawing/2014/main" val="86368282"/>
-                  </a:ext>
-                </a:extLst>
-              </a:tr>
-              <a:tr h="295531">
-                <a:tc rowSpan="4">
-                  <a:txBody>
-                    <a:bodyPr/>
-                    <a:lstStyle/>
-                    <a:p>
-                      <a:pPr algn="l" rtl="0" fontAlgn="ctr">
-                        <a:lnSpc>
-                          <a:spcPct val="150000"/>
-                        </a:lnSpc>
-                      </a:pPr>
-                      <a:r>
-                        <a:rPr lang="en-US" sz="1800" b="1" u="none" strike="noStrike" dirty="0">
-                          <a:effectLst/>
-                        </a:rPr>
-                        <a:t>T2</a:t>
-                      </a:r>
-                      <a:endParaRPr lang="en-US" sz="1800" b="1" i="0" u="none" strike="noStrike" dirty="0">
-                        <a:solidFill>
-                          <a:srgbClr val="000000"/>
-                        </a:solidFill>
-                        <a:effectLst/>
-                        <a:latin typeface="Times New Roman" panose="02020603050405020304" pitchFamily="18" charset="0"/>
-                        <a:ea typeface="等线" panose="02010600030101010101" pitchFamily="2" charset="-122"/>
-                      </a:endParaRPr>
-                    </a:p>
-                  </a:txBody>
-                  <a:tcPr marL="9318" marR="9318" marT="9318" marB="0" anchor="ctr"/>
-                </a:tc>
-                <a:tc>
-                  <a:txBody>
-                    <a:bodyPr/>
-                    <a:lstStyle/>
-                    <a:p>
-                      <a:pPr algn="l" fontAlgn="t">
-                        <a:lnSpc>
-                          <a:spcPct val="150000"/>
-                        </a:lnSpc>
-                      </a:pPr>
-                      <a:r>
-                        <a:rPr lang="en-US" sz="1800" b="1" u="none" strike="noStrike" dirty="0">
-                          <a:effectLst/>
-                        </a:rPr>
-                        <a:t>average acc</a:t>
-                      </a:r>
-                      <a:endParaRPr lang="en-US" sz="1800" b="1" i="0" u="none" strike="noStrike" dirty="0">
-                        <a:solidFill>
-                          <a:srgbClr val="000000"/>
-                        </a:solidFill>
-                        <a:effectLst/>
-                        <a:latin typeface="Times New Roman" panose="02020603050405020304" pitchFamily="18" charset="0"/>
-                        <a:ea typeface="等线" panose="02010600030101010101" pitchFamily="2" charset="-122"/>
-                      </a:endParaRPr>
-                    </a:p>
-                  </a:txBody>
-                  <a:tcPr marL="9318" marR="9318" marT="9318" marB="0"/>
-                </a:tc>
-                <a:tc>
-                  <a:txBody>
-                    <a:bodyPr/>
-                    <a:lstStyle/>
-                    <a:p>
-                      <a:pPr algn="l" rtl="0" fontAlgn="ctr">
-                        <a:lnSpc>
-                          <a:spcPct val="150000"/>
-                        </a:lnSpc>
-                      </a:pPr>
-                      <a:r>
-                        <a:rPr lang="en-US" altLang="zh-CN" sz="1800" u="none" strike="noStrike">
-                          <a:effectLst/>
-                        </a:rPr>
-                        <a:t>0.4992</a:t>
-                      </a:r>
-                      <a:endParaRPr lang="en-US" altLang="zh-CN" sz="1800" b="0" i="0" u="none" strike="noStrike">
-                        <a:solidFill>
-                          <a:srgbClr val="000000"/>
-                        </a:solidFill>
-                        <a:effectLst/>
-                        <a:latin typeface="Times New Roman" panose="02020603050405020304" pitchFamily="18" charset="0"/>
-                        <a:ea typeface="等线" panose="02010600030101010101" pitchFamily="2" charset="-122"/>
-                      </a:endParaRPr>
-                    </a:p>
-                  </a:txBody>
-                  <a:tcPr marL="9318" marR="9318" marT="9318" marB="0" anchor="ctr">
-                    <a:solidFill>
-                      <a:schemeClr val="accent4"/>
-                    </a:solidFill>
-                  </a:tcPr>
-                </a:tc>
-                <a:tc>
-                  <a:txBody>
-                    <a:bodyPr/>
-                    <a:lstStyle/>
-                    <a:p>
-                      <a:pPr algn="l" rtl="0" fontAlgn="ctr">
-                        <a:lnSpc>
-                          <a:spcPct val="150000"/>
-                        </a:lnSpc>
-                      </a:pPr>
-                      <a:r>
-                        <a:rPr lang="en-US" altLang="zh-CN" sz="1800" u="none" strike="noStrike" dirty="0">
-                          <a:effectLst/>
-                        </a:rPr>
-                        <a:t>0.5003</a:t>
-                      </a:r>
-                      <a:endParaRPr lang="en-US" altLang="zh-CN" sz="1800" b="0" i="0" u="none" strike="noStrike" dirty="0">
-                        <a:solidFill>
-                          <a:srgbClr val="000000"/>
-                        </a:solidFill>
-                        <a:effectLst/>
-                        <a:latin typeface="Times New Roman" panose="02020603050405020304" pitchFamily="18" charset="0"/>
-                        <a:ea typeface="等线" panose="02010600030101010101" pitchFamily="2" charset="-122"/>
-                      </a:endParaRPr>
-                    </a:p>
-                  </a:txBody>
-                  <a:tcPr marL="9318" marR="9318" marT="9318" marB="0" anchor="ctr">
-                    <a:solidFill>
-                      <a:schemeClr val="accent4"/>
-                    </a:solidFill>
-                  </a:tcPr>
-                </a:tc>
-                <a:tc>
-                  <a:txBody>
-                    <a:bodyPr/>
-                    <a:lstStyle/>
-                    <a:p>
-                      <a:pPr algn="l" rtl="0" fontAlgn="ctr">
-                        <a:lnSpc>
-                          <a:spcPct val="150000"/>
-                        </a:lnSpc>
-                      </a:pPr>
-                      <a:r>
-                        <a:rPr lang="en-US" altLang="zh-CN" sz="1800" u="none" strike="noStrike">
-                          <a:effectLst/>
-                        </a:rPr>
-                        <a:t>0.8705</a:t>
-                      </a:r>
-                      <a:endParaRPr lang="en-US" altLang="zh-CN" sz="1800" b="0" i="0" u="none" strike="noStrike">
-                        <a:solidFill>
-                          <a:srgbClr val="000000"/>
-                        </a:solidFill>
-                        <a:effectLst/>
-                        <a:latin typeface="Times New Roman" panose="02020603050405020304" pitchFamily="18" charset="0"/>
-                        <a:ea typeface="等线" panose="02010600030101010101" pitchFamily="2" charset="-122"/>
-                      </a:endParaRPr>
-                    </a:p>
-                  </a:txBody>
-                  <a:tcPr marL="9318" marR="9318" marT="9318" marB="0" anchor="ctr"/>
-                </a:tc>
-                <a:tc>
-                  <a:txBody>
-                    <a:bodyPr/>
-                    <a:lstStyle/>
-                    <a:p>
-                      <a:pPr algn="l" rtl="0" fontAlgn="ctr">
-                        <a:lnSpc>
-                          <a:spcPct val="150000"/>
-                        </a:lnSpc>
-                      </a:pPr>
-                      <a:r>
-                        <a:rPr lang="en-US" altLang="zh-CN" sz="1800" u="none" strike="noStrike">
-                          <a:effectLst/>
-                        </a:rPr>
-                        <a:t>0.8844</a:t>
-                      </a:r>
-                      <a:endParaRPr lang="en-US" altLang="zh-CN" sz="1800" b="0" i="0" u="none" strike="noStrike">
-                        <a:solidFill>
-                          <a:srgbClr val="000000"/>
-                        </a:solidFill>
-                        <a:effectLst/>
-                        <a:latin typeface="Times New Roman" panose="02020603050405020304" pitchFamily="18" charset="0"/>
-                        <a:ea typeface="等线" panose="02010600030101010101" pitchFamily="2" charset="-122"/>
-                      </a:endParaRPr>
-                    </a:p>
-                  </a:txBody>
-                  <a:tcPr marL="9318" marR="9318" marT="9318" marB="0" anchor="ctr"/>
-                </a:tc>
-                <a:tc>
-                  <a:txBody>
-                    <a:bodyPr/>
-                    <a:lstStyle/>
-                    <a:p>
-                      <a:pPr algn="l" rtl="0" fontAlgn="ctr">
-                        <a:lnSpc>
-                          <a:spcPct val="150000"/>
-                        </a:lnSpc>
-                      </a:pPr>
-                      <a:r>
-                        <a:rPr lang="en-US" altLang="zh-CN" sz="1800" u="none" strike="noStrike">
-                          <a:effectLst/>
-                        </a:rPr>
-                        <a:t>0.8689</a:t>
-                      </a:r>
-                      <a:endParaRPr lang="en-US" altLang="zh-CN" sz="1800" b="0" i="0" u="none" strike="noStrike">
-                        <a:solidFill>
-                          <a:srgbClr val="000000"/>
-                        </a:solidFill>
-                        <a:effectLst/>
-                        <a:latin typeface="Times New Roman" panose="02020603050405020304" pitchFamily="18" charset="0"/>
-                        <a:ea typeface="等线" panose="02010600030101010101" pitchFamily="2" charset="-122"/>
-                      </a:endParaRPr>
-                    </a:p>
-                  </a:txBody>
-                  <a:tcPr marL="9318" marR="9318" marT="9318" marB="0" anchor="ctr"/>
-                </a:tc>
-                <a:tc>
-                  <a:txBody>
-                    <a:bodyPr/>
-                    <a:lstStyle/>
-                    <a:p>
-                      <a:pPr algn="l" rtl="0" fontAlgn="ctr">
-                        <a:lnSpc>
-                          <a:spcPct val="150000"/>
-                        </a:lnSpc>
-                      </a:pPr>
-                      <a:r>
-                        <a:rPr lang="en-US" altLang="zh-CN" sz="1800" u="none" strike="noStrike">
-                          <a:effectLst/>
-                        </a:rPr>
-                        <a:t>0.8732</a:t>
-                      </a:r>
-                      <a:endParaRPr lang="en-US" altLang="zh-CN" sz="1800" b="0" i="0" u="none" strike="noStrike">
-                        <a:solidFill>
-                          <a:srgbClr val="000000"/>
-                        </a:solidFill>
-                        <a:effectLst/>
-                        <a:latin typeface="Times New Roman" panose="02020603050405020304" pitchFamily="18" charset="0"/>
-                        <a:ea typeface="等线" panose="02010600030101010101" pitchFamily="2" charset="-122"/>
-                      </a:endParaRPr>
-                    </a:p>
-                  </a:txBody>
-                  <a:tcPr marL="9318" marR="9318" marT="9318" marB="0" anchor="ctr"/>
-                </a:tc>
-                <a:extLst>
-                  <a:ext uri="{0D108BD9-81ED-4DB2-BD59-A6C34878D82A}">
-                    <a16:rowId xmlns:a16="http://schemas.microsoft.com/office/drawing/2014/main" val="2571274516"/>
-                  </a:ext>
-                </a:extLst>
-              </a:tr>
-              <a:tr h="295531">
-                <a:tc vMerge="1">
-                  <a:txBody>
-                    <a:bodyPr/>
-                    <a:lstStyle/>
-                    <a:p>
-                      <a:endParaRPr lang="zh-CN" altLang="en-US"/>
-                    </a:p>
-                  </a:txBody>
-                  <a:tcPr/>
-                </a:tc>
-                <a:tc>
-                  <a:txBody>
-                    <a:bodyPr/>
-                    <a:lstStyle/>
-                    <a:p>
-                      <a:pPr algn="l" fontAlgn="t">
-                        <a:lnSpc>
-                          <a:spcPct val="150000"/>
-                        </a:lnSpc>
-                      </a:pPr>
-                      <a:r>
-                        <a:rPr lang="en-US" sz="1800" b="1" u="none" strike="noStrike" dirty="0">
-                          <a:effectLst/>
-                        </a:rPr>
-                        <a:t>spleen acc</a:t>
-                      </a:r>
-                      <a:endParaRPr lang="en-US" sz="1800" b="1" i="0" u="none" strike="noStrike" dirty="0">
-                        <a:solidFill>
-                          <a:srgbClr val="000000"/>
-                        </a:solidFill>
-                        <a:effectLst/>
-                        <a:latin typeface="Times New Roman" panose="02020603050405020304" pitchFamily="18" charset="0"/>
-                        <a:ea typeface="等线" panose="02010600030101010101" pitchFamily="2" charset="-122"/>
-                      </a:endParaRPr>
-                    </a:p>
-                  </a:txBody>
-                  <a:tcPr marL="9318" marR="9318" marT="9318" marB="0"/>
-                </a:tc>
-                <a:tc>
-                  <a:txBody>
-                    <a:bodyPr/>
-                    <a:lstStyle/>
-                    <a:p>
-                      <a:pPr algn="l" rtl="0" fontAlgn="ctr">
-                        <a:lnSpc>
-                          <a:spcPct val="150000"/>
-                        </a:lnSpc>
-                      </a:pPr>
-                      <a:r>
-                        <a:rPr lang="en-US" altLang="zh-CN" sz="1800" u="none" strike="noStrike">
-                          <a:effectLst/>
-                        </a:rPr>
-                        <a:t>0.61</a:t>
-                      </a:r>
-                      <a:endParaRPr lang="en-US" altLang="zh-CN" sz="1800" b="0" i="0" u="none" strike="noStrike">
-                        <a:solidFill>
-                          <a:srgbClr val="000000"/>
-                        </a:solidFill>
-                        <a:effectLst/>
-                        <a:latin typeface="Times New Roman" panose="02020603050405020304" pitchFamily="18" charset="0"/>
-                        <a:ea typeface="等线" panose="02010600030101010101" pitchFamily="2" charset="-122"/>
-                      </a:endParaRPr>
-                    </a:p>
-                  </a:txBody>
-                  <a:tcPr marL="9318" marR="9318" marT="9318" marB="0" anchor="ctr">
-                    <a:solidFill>
-                      <a:schemeClr val="accent4"/>
-                    </a:solidFill>
-                  </a:tcPr>
-                </a:tc>
-                <a:tc>
-                  <a:txBody>
-                    <a:bodyPr/>
-                    <a:lstStyle/>
-                    <a:p>
-                      <a:pPr algn="l" rtl="0" fontAlgn="ctr">
-                        <a:lnSpc>
-                          <a:spcPct val="150000"/>
-                        </a:lnSpc>
-                      </a:pPr>
-                      <a:r>
-                        <a:rPr lang="en-US" altLang="zh-CN" sz="1800" u="none" strike="noStrike" dirty="0">
-                          <a:effectLst/>
-                        </a:rPr>
-                        <a:t>0.6116</a:t>
-                      </a:r>
-                      <a:endParaRPr lang="en-US" altLang="zh-CN" sz="1800" b="0" i="0" u="none" strike="noStrike" dirty="0">
-                        <a:solidFill>
-                          <a:srgbClr val="000000"/>
-                        </a:solidFill>
-                        <a:effectLst/>
-                        <a:latin typeface="Times New Roman" panose="02020603050405020304" pitchFamily="18" charset="0"/>
-                        <a:ea typeface="等线" panose="02010600030101010101" pitchFamily="2" charset="-122"/>
-                      </a:endParaRPr>
-                    </a:p>
-                  </a:txBody>
-                  <a:tcPr marL="9318" marR="9318" marT="9318" marB="0" anchor="ctr">
-                    <a:solidFill>
-                      <a:schemeClr val="accent4"/>
-                    </a:solidFill>
-                  </a:tcPr>
-                </a:tc>
-                <a:tc>
-                  <a:txBody>
-                    <a:bodyPr/>
-                    <a:lstStyle/>
-                    <a:p>
-                      <a:pPr algn="l" rtl="0" fontAlgn="ctr">
-                        <a:lnSpc>
-                          <a:spcPct val="150000"/>
-                        </a:lnSpc>
-                      </a:pPr>
-                      <a:r>
-                        <a:rPr lang="en-US" altLang="zh-CN" sz="1800" u="none" strike="noStrike">
-                          <a:effectLst/>
-                        </a:rPr>
-                        <a:t>0.8523</a:t>
-                      </a:r>
-                      <a:endParaRPr lang="en-US" altLang="zh-CN" sz="1800" b="0" i="0" u="none" strike="noStrike">
-                        <a:solidFill>
-                          <a:srgbClr val="000000"/>
-                        </a:solidFill>
-                        <a:effectLst/>
-                        <a:latin typeface="Times New Roman" panose="02020603050405020304" pitchFamily="18" charset="0"/>
-                        <a:ea typeface="等线" panose="02010600030101010101" pitchFamily="2" charset="-122"/>
-                      </a:endParaRPr>
-                    </a:p>
-                  </a:txBody>
-                  <a:tcPr marL="9318" marR="9318" marT="9318" marB="0" anchor="ctr"/>
-                </a:tc>
-                <a:tc>
-                  <a:txBody>
-                    <a:bodyPr/>
-                    <a:lstStyle/>
-                    <a:p>
-                      <a:pPr algn="l" rtl="0" fontAlgn="ctr">
-                        <a:lnSpc>
-                          <a:spcPct val="150000"/>
-                        </a:lnSpc>
-                      </a:pPr>
-                      <a:r>
-                        <a:rPr lang="en-US" altLang="zh-CN" sz="1800" u="none" strike="noStrike">
-                          <a:effectLst/>
-                        </a:rPr>
-                        <a:t>0.878</a:t>
-                      </a:r>
-                      <a:endParaRPr lang="en-US" altLang="zh-CN" sz="1800" b="0" i="0" u="none" strike="noStrike">
-                        <a:solidFill>
-                          <a:srgbClr val="000000"/>
-                        </a:solidFill>
-                        <a:effectLst/>
-                        <a:latin typeface="Times New Roman" panose="02020603050405020304" pitchFamily="18" charset="0"/>
-                        <a:ea typeface="等线" panose="02010600030101010101" pitchFamily="2" charset="-122"/>
-                      </a:endParaRPr>
-                    </a:p>
-                  </a:txBody>
-                  <a:tcPr marL="9318" marR="9318" marT="9318" marB="0" anchor="ctr"/>
-                </a:tc>
-                <a:tc>
-                  <a:txBody>
-                    <a:bodyPr/>
-                    <a:lstStyle/>
-                    <a:p>
-                      <a:pPr algn="l" rtl="0" fontAlgn="ctr">
-                        <a:lnSpc>
-                          <a:spcPct val="150000"/>
-                        </a:lnSpc>
-                      </a:pPr>
-                      <a:r>
-                        <a:rPr lang="en-US" altLang="zh-CN" sz="1800" u="none" strike="noStrike">
-                          <a:effectLst/>
-                        </a:rPr>
-                        <a:t>0.8884</a:t>
-                      </a:r>
-                      <a:endParaRPr lang="en-US" altLang="zh-CN" sz="1800" b="0" i="0" u="none" strike="noStrike">
-                        <a:solidFill>
-                          <a:srgbClr val="000000"/>
-                        </a:solidFill>
-                        <a:effectLst/>
-                        <a:latin typeface="Times New Roman" panose="02020603050405020304" pitchFamily="18" charset="0"/>
-                        <a:ea typeface="等线" panose="02010600030101010101" pitchFamily="2" charset="-122"/>
-                      </a:endParaRPr>
-                    </a:p>
-                  </a:txBody>
-                  <a:tcPr marL="9318" marR="9318" marT="9318" marB="0" anchor="ctr"/>
-                </a:tc>
-                <a:tc>
-                  <a:txBody>
-                    <a:bodyPr/>
-                    <a:lstStyle/>
-                    <a:p>
-                      <a:pPr algn="l" rtl="0" fontAlgn="ctr">
-                        <a:lnSpc>
-                          <a:spcPct val="150000"/>
-                        </a:lnSpc>
-                      </a:pPr>
-                      <a:r>
-                        <a:rPr lang="en-US" altLang="zh-CN" sz="1800" u="none" strike="noStrike">
-                          <a:effectLst/>
-                        </a:rPr>
-                        <a:t>0.8716</a:t>
-                      </a:r>
-                      <a:endParaRPr lang="en-US" altLang="zh-CN" sz="1800" b="0" i="0" u="none" strike="noStrike">
-                        <a:solidFill>
-                          <a:srgbClr val="000000"/>
-                        </a:solidFill>
-                        <a:effectLst/>
-                        <a:latin typeface="Times New Roman" panose="02020603050405020304" pitchFamily="18" charset="0"/>
-                        <a:ea typeface="等线" panose="02010600030101010101" pitchFamily="2" charset="-122"/>
-                      </a:endParaRPr>
-                    </a:p>
-                  </a:txBody>
-                  <a:tcPr marL="9318" marR="9318" marT="9318" marB="0" anchor="ctr"/>
-                </a:tc>
-                <a:extLst>
-                  <a:ext uri="{0D108BD9-81ED-4DB2-BD59-A6C34878D82A}">
-                    <a16:rowId xmlns:a16="http://schemas.microsoft.com/office/drawing/2014/main" val="2110567445"/>
-                  </a:ext>
-                </a:extLst>
-              </a:tr>
-              <a:tr h="295531">
-                <a:tc vMerge="1">
-                  <a:txBody>
-                    <a:bodyPr/>
-                    <a:lstStyle/>
-                    <a:p>
-                      <a:endParaRPr lang="zh-CN" altLang="en-US"/>
-                    </a:p>
-                  </a:txBody>
-                  <a:tcPr/>
-                </a:tc>
-                <a:tc>
-                  <a:txBody>
-                    <a:bodyPr/>
-                    <a:lstStyle/>
-                    <a:p>
-                      <a:pPr algn="l" fontAlgn="t">
-                        <a:lnSpc>
-                          <a:spcPct val="150000"/>
-                        </a:lnSpc>
-                      </a:pPr>
-                      <a:r>
-                        <a:rPr lang="en-US" sz="1800" b="1" u="none" strike="noStrike" dirty="0">
-                          <a:effectLst/>
-                        </a:rPr>
-                        <a:t>kidney acc</a:t>
-                      </a:r>
-                      <a:endParaRPr lang="en-US" sz="1800" b="1" i="0" u="none" strike="noStrike" dirty="0">
-                        <a:solidFill>
-                          <a:srgbClr val="000000"/>
-                        </a:solidFill>
-                        <a:effectLst/>
-                        <a:latin typeface="Times New Roman" panose="02020603050405020304" pitchFamily="18" charset="0"/>
-                        <a:ea typeface="等线" panose="02010600030101010101" pitchFamily="2" charset="-122"/>
-                      </a:endParaRPr>
-                    </a:p>
-                  </a:txBody>
-                  <a:tcPr marL="9318" marR="9318" marT="9318" marB="0"/>
-                </a:tc>
-                <a:tc>
-                  <a:txBody>
-                    <a:bodyPr/>
-                    <a:lstStyle/>
-                    <a:p>
-                      <a:pPr algn="l" rtl="0" fontAlgn="ctr">
-                        <a:lnSpc>
-                          <a:spcPct val="150000"/>
-                        </a:lnSpc>
-                      </a:pPr>
-                      <a:r>
-                        <a:rPr lang="en-US" altLang="zh-CN" sz="1800" u="none" strike="noStrike">
-                          <a:effectLst/>
-                        </a:rPr>
-                        <a:t>0.5409</a:t>
-                      </a:r>
-                      <a:endParaRPr lang="en-US" altLang="zh-CN" sz="1800" b="0" i="0" u="none" strike="noStrike">
-                        <a:solidFill>
-                          <a:srgbClr val="000000"/>
-                        </a:solidFill>
-                        <a:effectLst/>
-                        <a:latin typeface="Times New Roman" panose="02020603050405020304" pitchFamily="18" charset="0"/>
-                        <a:ea typeface="等线" panose="02010600030101010101" pitchFamily="2" charset="-122"/>
-                      </a:endParaRPr>
-                    </a:p>
-                  </a:txBody>
-                  <a:tcPr marL="9318" marR="9318" marT="9318" marB="0" anchor="ctr">
-                    <a:solidFill>
-                      <a:schemeClr val="accent4"/>
-                    </a:solidFill>
-                  </a:tcPr>
-                </a:tc>
-                <a:tc>
-                  <a:txBody>
-                    <a:bodyPr/>
-                    <a:lstStyle/>
-                    <a:p>
-                      <a:pPr algn="l" rtl="0" fontAlgn="ctr">
-                        <a:lnSpc>
-                          <a:spcPct val="150000"/>
-                        </a:lnSpc>
-                      </a:pPr>
-                      <a:r>
-                        <a:rPr lang="en-US" altLang="zh-CN" sz="1800" u="none" strike="noStrike" dirty="0">
-                          <a:effectLst/>
-                        </a:rPr>
-                        <a:t>0.5409</a:t>
-                      </a:r>
-                      <a:endParaRPr lang="en-US" altLang="zh-CN" sz="1800" b="0" i="0" u="none" strike="noStrike" dirty="0">
-                        <a:solidFill>
-                          <a:srgbClr val="000000"/>
-                        </a:solidFill>
-                        <a:effectLst/>
-                        <a:latin typeface="Times New Roman" panose="02020603050405020304" pitchFamily="18" charset="0"/>
-                        <a:ea typeface="等线" panose="02010600030101010101" pitchFamily="2" charset="-122"/>
-                      </a:endParaRPr>
-                    </a:p>
-                  </a:txBody>
-                  <a:tcPr marL="9318" marR="9318" marT="9318" marB="0" anchor="ctr">
-                    <a:solidFill>
-                      <a:schemeClr val="accent4"/>
-                    </a:solidFill>
-                  </a:tcPr>
-                </a:tc>
-                <a:tc>
-                  <a:txBody>
-                    <a:bodyPr/>
-                    <a:lstStyle/>
-                    <a:p>
-                      <a:pPr algn="l" rtl="0" fontAlgn="ctr">
-                        <a:lnSpc>
-                          <a:spcPct val="150000"/>
-                        </a:lnSpc>
-                      </a:pPr>
-                      <a:r>
-                        <a:rPr lang="en-US" altLang="zh-CN" sz="1800" u="none" strike="noStrike">
-                          <a:effectLst/>
-                        </a:rPr>
-                        <a:t>0.886</a:t>
-                      </a:r>
-                      <a:endParaRPr lang="en-US" altLang="zh-CN" sz="1800" b="0" i="0" u="none" strike="noStrike">
-                        <a:solidFill>
-                          <a:srgbClr val="000000"/>
-                        </a:solidFill>
-                        <a:effectLst/>
-                        <a:latin typeface="Times New Roman" panose="02020603050405020304" pitchFamily="18" charset="0"/>
-                        <a:ea typeface="等线" panose="02010600030101010101" pitchFamily="2" charset="-122"/>
-                      </a:endParaRPr>
-                    </a:p>
-                  </a:txBody>
-                  <a:tcPr marL="9318" marR="9318" marT="9318" marB="0" anchor="ctr"/>
-                </a:tc>
-                <a:tc>
-                  <a:txBody>
-                    <a:bodyPr/>
-                    <a:lstStyle/>
-                    <a:p>
-                      <a:pPr algn="l" rtl="0" fontAlgn="ctr">
-                        <a:lnSpc>
-                          <a:spcPct val="150000"/>
-                        </a:lnSpc>
-                      </a:pPr>
-                      <a:r>
-                        <a:rPr lang="en-US" altLang="zh-CN" sz="1800" u="none" strike="noStrike">
-                          <a:effectLst/>
-                        </a:rPr>
-                        <a:t>0.8957</a:t>
-                      </a:r>
-                      <a:endParaRPr lang="en-US" altLang="zh-CN" sz="1800" b="0" i="0" u="none" strike="noStrike">
-                        <a:solidFill>
-                          <a:srgbClr val="000000"/>
-                        </a:solidFill>
-                        <a:effectLst/>
-                        <a:latin typeface="Times New Roman" panose="02020603050405020304" pitchFamily="18" charset="0"/>
-                        <a:ea typeface="等线" panose="02010600030101010101" pitchFamily="2" charset="-122"/>
-                      </a:endParaRPr>
-                    </a:p>
-                  </a:txBody>
-                  <a:tcPr marL="9318" marR="9318" marT="9318" marB="0" anchor="ctr"/>
-                </a:tc>
-                <a:tc>
-                  <a:txBody>
-                    <a:bodyPr/>
-                    <a:lstStyle/>
-                    <a:p>
-                      <a:pPr algn="l" rtl="0" fontAlgn="ctr">
-                        <a:lnSpc>
-                          <a:spcPct val="150000"/>
-                        </a:lnSpc>
-                      </a:pPr>
-                      <a:r>
-                        <a:rPr lang="en-US" altLang="zh-CN" sz="1800" u="none" strike="noStrike">
-                          <a:effectLst/>
-                        </a:rPr>
-                        <a:t>0.8748</a:t>
-                      </a:r>
-                      <a:endParaRPr lang="en-US" altLang="zh-CN" sz="1800" b="0" i="0" u="none" strike="noStrike">
-                        <a:solidFill>
-                          <a:srgbClr val="000000"/>
-                        </a:solidFill>
-                        <a:effectLst/>
-                        <a:latin typeface="Times New Roman" panose="02020603050405020304" pitchFamily="18" charset="0"/>
-                        <a:ea typeface="等线" panose="02010600030101010101" pitchFamily="2" charset="-122"/>
-                      </a:endParaRPr>
-                    </a:p>
-                  </a:txBody>
-                  <a:tcPr marL="9318" marR="9318" marT="9318" marB="0" anchor="ctr"/>
-                </a:tc>
-                <a:tc>
-                  <a:txBody>
-                    <a:bodyPr/>
-                    <a:lstStyle/>
-                    <a:p>
-                      <a:pPr algn="l" rtl="0" fontAlgn="ctr">
-                        <a:lnSpc>
-                          <a:spcPct val="150000"/>
-                        </a:lnSpc>
-                      </a:pPr>
-                      <a:r>
-                        <a:rPr lang="en-US" altLang="zh-CN" sz="1800" u="none" strike="noStrike">
-                          <a:effectLst/>
-                        </a:rPr>
-                        <a:t>0.8876</a:t>
-                      </a:r>
-                      <a:endParaRPr lang="en-US" altLang="zh-CN" sz="1800" b="0" i="0" u="none" strike="noStrike">
-                        <a:solidFill>
-                          <a:srgbClr val="000000"/>
-                        </a:solidFill>
-                        <a:effectLst/>
-                        <a:latin typeface="Times New Roman" panose="02020603050405020304" pitchFamily="18" charset="0"/>
-                        <a:ea typeface="等线" panose="02010600030101010101" pitchFamily="2" charset="-122"/>
-                      </a:endParaRPr>
-                    </a:p>
-                  </a:txBody>
-                  <a:tcPr marL="9318" marR="9318" marT="9318" marB="0" anchor="ctr"/>
-                </a:tc>
-                <a:extLst>
-                  <a:ext uri="{0D108BD9-81ED-4DB2-BD59-A6C34878D82A}">
-                    <a16:rowId xmlns:a16="http://schemas.microsoft.com/office/drawing/2014/main" val="2043292981"/>
-                  </a:ext>
-                </a:extLst>
-              </a:tr>
-              <a:tr h="295531">
-                <a:tc vMerge="1">
-                  <a:txBody>
-                    <a:bodyPr/>
-                    <a:lstStyle/>
-                    <a:p>
-                      <a:endParaRPr lang="zh-CN" altLang="en-US"/>
-                    </a:p>
-                  </a:txBody>
-                  <a:tcPr/>
-                </a:tc>
-                <a:tc>
-                  <a:txBody>
-                    <a:bodyPr/>
-                    <a:lstStyle/>
-                    <a:p>
-                      <a:pPr algn="l" fontAlgn="t">
-                        <a:lnSpc>
-                          <a:spcPct val="150000"/>
-                        </a:lnSpc>
-                      </a:pPr>
-                      <a:r>
-                        <a:rPr lang="en-US" sz="1800" b="1" u="none" strike="noStrike" dirty="0">
-                          <a:effectLst/>
-                        </a:rPr>
-                        <a:t>liver acc</a:t>
-                      </a:r>
-                      <a:endParaRPr lang="en-US" sz="1800" b="1" i="0" u="none" strike="noStrike" dirty="0">
-                        <a:solidFill>
-                          <a:srgbClr val="000000"/>
-                        </a:solidFill>
-                        <a:effectLst/>
-                        <a:latin typeface="Times New Roman" panose="02020603050405020304" pitchFamily="18" charset="0"/>
-                        <a:ea typeface="等线" panose="02010600030101010101" pitchFamily="2" charset="-122"/>
-                      </a:endParaRPr>
-                    </a:p>
-                  </a:txBody>
-                  <a:tcPr marL="9318" marR="9318" marT="9318" marB="0"/>
-                </a:tc>
-                <a:tc>
-                  <a:txBody>
-                    <a:bodyPr/>
-                    <a:lstStyle/>
-                    <a:p>
-                      <a:pPr algn="l" rtl="0" fontAlgn="ctr">
-                        <a:lnSpc>
-                          <a:spcPct val="150000"/>
-                        </a:lnSpc>
-                      </a:pPr>
-                      <a:r>
-                        <a:rPr lang="en-US" altLang="zh-CN" sz="1800" u="none" strike="noStrike">
-                          <a:effectLst/>
-                        </a:rPr>
-                        <a:t>0.3467</a:t>
-                      </a:r>
-                      <a:endParaRPr lang="en-US" altLang="zh-CN" sz="1800" b="0" i="0" u="none" strike="noStrike">
-                        <a:solidFill>
-                          <a:srgbClr val="000000"/>
-                        </a:solidFill>
-                        <a:effectLst/>
-                        <a:latin typeface="Times New Roman" panose="02020603050405020304" pitchFamily="18" charset="0"/>
-                        <a:ea typeface="等线" panose="02010600030101010101" pitchFamily="2" charset="-122"/>
-                      </a:endParaRPr>
-                    </a:p>
-                  </a:txBody>
-                  <a:tcPr marL="9318" marR="9318" marT="9318" marB="0" anchor="ctr">
-                    <a:solidFill>
-                      <a:schemeClr val="accent4"/>
-                    </a:solidFill>
-                  </a:tcPr>
-                </a:tc>
-                <a:tc>
-                  <a:txBody>
-                    <a:bodyPr/>
-                    <a:lstStyle/>
-                    <a:p>
-                      <a:pPr algn="l" rtl="0" fontAlgn="ctr">
-                        <a:lnSpc>
-                          <a:spcPct val="150000"/>
-                        </a:lnSpc>
-                      </a:pPr>
-                      <a:r>
-                        <a:rPr lang="en-US" altLang="zh-CN" sz="1800" u="none" strike="noStrike" dirty="0">
-                          <a:effectLst/>
-                        </a:rPr>
-                        <a:t>0.3483</a:t>
-                      </a:r>
-                      <a:endParaRPr lang="en-US" altLang="zh-CN" sz="1800" b="0" i="0" u="none" strike="noStrike" dirty="0">
-                        <a:solidFill>
-                          <a:srgbClr val="000000"/>
-                        </a:solidFill>
-                        <a:effectLst/>
-                        <a:latin typeface="Times New Roman" panose="02020603050405020304" pitchFamily="18" charset="0"/>
-                        <a:ea typeface="等线" panose="02010600030101010101" pitchFamily="2" charset="-122"/>
-                      </a:endParaRPr>
-                    </a:p>
-                  </a:txBody>
-                  <a:tcPr marL="9318" marR="9318" marT="9318" marB="0" anchor="ctr">
-                    <a:solidFill>
-                      <a:schemeClr val="accent4"/>
-                    </a:solidFill>
-                  </a:tcPr>
-                </a:tc>
-                <a:tc>
-                  <a:txBody>
-                    <a:bodyPr/>
-                    <a:lstStyle/>
-                    <a:p>
-                      <a:pPr algn="l" rtl="0" fontAlgn="ctr">
-                        <a:lnSpc>
-                          <a:spcPct val="150000"/>
-                        </a:lnSpc>
-                      </a:pPr>
-                      <a:r>
-                        <a:rPr lang="en-US" altLang="zh-CN" sz="1800" u="none" strike="noStrike">
-                          <a:effectLst/>
-                        </a:rPr>
-                        <a:t>0.8732</a:t>
-                      </a:r>
-                      <a:endParaRPr lang="en-US" altLang="zh-CN" sz="1800" b="0" i="0" u="none" strike="noStrike">
-                        <a:solidFill>
-                          <a:srgbClr val="000000"/>
-                        </a:solidFill>
-                        <a:effectLst/>
-                        <a:latin typeface="Times New Roman" panose="02020603050405020304" pitchFamily="18" charset="0"/>
-                        <a:ea typeface="等线" panose="02010600030101010101" pitchFamily="2" charset="-122"/>
-                      </a:endParaRPr>
-                    </a:p>
-                  </a:txBody>
-                  <a:tcPr marL="9318" marR="9318" marT="9318" marB="0" anchor="ctr"/>
-                </a:tc>
-                <a:tc>
-                  <a:txBody>
-                    <a:bodyPr/>
-                    <a:lstStyle/>
-                    <a:p>
-                      <a:pPr algn="l" rtl="0" fontAlgn="ctr">
-                        <a:lnSpc>
-                          <a:spcPct val="150000"/>
-                        </a:lnSpc>
-                      </a:pPr>
-                      <a:r>
-                        <a:rPr lang="en-US" altLang="zh-CN" sz="1800" u="none" strike="noStrike">
-                          <a:effectLst/>
-                        </a:rPr>
-                        <a:t>0.8796</a:t>
-                      </a:r>
-                      <a:endParaRPr lang="en-US" altLang="zh-CN" sz="1800" b="0" i="0" u="none" strike="noStrike">
-                        <a:solidFill>
-                          <a:srgbClr val="000000"/>
-                        </a:solidFill>
-                        <a:effectLst/>
-                        <a:latin typeface="Times New Roman" panose="02020603050405020304" pitchFamily="18" charset="0"/>
-                        <a:ea typeface="等线" panose="02010600030101010101" pitchFamily="2" charset="-122"/>
-                      </a:endParaRPr>
-                    </a:p>
-                  </a:txBody>
-                  <a:tcPr marL="9318" marR="9318" marT="9318" marB="0" anchor="ctr"/>
-                </a:tc>
-                <a:tc>
-                  <a:txBody>
-                    <a:bodyPr/>
-                    <a:lstStyle/>
-                    <a:p>
-                      <a:pPr algn="l" rtl="0" fontAlgn="ctr">
-                        <a:lnSpc>
-                          <a:spcPct val="150000"/>
-                        </a:lnSpc>
-                      </a:pPr>
-                      <a:r>
-                        <a:rPr lang="en-US" altLang="zh-CN" sz="1800" u="none" strike="noStrike">
-                          <a:effectLst/>
-                        </a:rPr>
-                        <a:t>0.8475</a:t>
-                      </a:r>
-                      <a:endParaRPr lang="en-US" altLang="zh-CN" sz="1800" b="0" i="0" u="none" strike="noStrike">
-                        <a:solidFill>
-                          <a:srgbClr val="000000"/>
-                        </a:solidFill>
-                        <a:effectLst/>
-                        <a:latin typeface="Times New Roman" panose="02020603050405020304" pitchFamily="18" charset="0"/>
-                        <a:ea typeface="等线" panose="02010600030101010101" pitchFamily="2" charset="-122"/>
-                      </a:endParaRPr>
-                    </a:p>
-                  </a:txBody>
-                  <a:tcPr marL="9318" marR="9318" marT="9318" marB="0" anchor="ctr"/>
-                </a:tc>
-                <a:tc>
-                  <a:txBody>
-                    <a:bodyPr/>
-                    <a:lstStyle/>
-                    <a:p>
-                      <a:pPr algn="l" rtl="0" fontAlgn="ctr">
-                        <a:lnSpc>
-                          <a:spcPct val="150000"/>
-                        </a:lnSpc>
-                      </a:pPr>
-                      <a:r>
-                        <a:rPr lang="en-US" altLang="zh-CN" sz="1800" u="none" strike="noStrike" dirty="0">
-                          <a:effectLst/>
-                        </a:rPr>
-                        <a:t>0.8604</a:t>
-                      </a:r>
-                      <a:endParaRPr lang="en-US" altLang="zh-CN" sz="1800" b="0" i="0" u="none" strike="noStrike" dirty="0">
-                        <a:solidFill>
-                          <a:srgbClr val="000000"/>
-                        </a:solidFill>
-                        <a:effectLst/>
-                        <a:latin typeface="Times New Roman" panose="02020603050405020304" pitchFamily="18" charset="0"/>
-                        <a:ea typeface="等线" panose="02010600030101010101" pitchFamily="2" charset="-122"/>
-                      </a:endParaRPr>
-                    </a:p>
-                  </a:txBody>
-                  <a:tcPr marL="9318" marR="9318" marT="9318" marB="0" anchor="ctr"/>
-                </a:tc>
-                <a:extLst>
-                  <a:ext uri="{0D108BD9-81ED-4DB2-BD59-A6C34878D82A}">
-                    <a16:rowId xmlns:a16="http://schemas.microsoft.com/office/drawing/2014/main" val="3804307614"/>
-                  </a:ext>
-                </a:extLst>
-              </a:tr>
-            </a:tbl>
-          </a:graphicData>
-        </a:graphic>
-      </p:graphicFrame>
     </p:spTree>
     <p:extLst>
       <p:ext uri="{BB962C8B-B14F-4D97-AF65-F5344CB8AC3E}">
-        <p14:creationId xmlns:p14="http://schemas.microsoft.com/office/powerpoint/2010/main" val="3710281253"/>
+        <p14:creationId xmlns:p14="http://schemas.microsoft.com/office/powerpoint/2010/main" val="1785507750"/>
       </p:ext>
     </p:extLst>
   </p:cSld>
@@ -11476,7 +7910,7 @@
     </p:spTree>
     <p:extLst>
       <p:ext uri="{BB962C8B-B14F-4D97-AF65-F5344CB8AC3E}">
-        <p14:creationId xmlns:p14="http://schemas.microsoft.com/office/powerpoint/2010/main" val="358056254"/>
+        <p14:creationId xmlns:p14="http://schemas.microsoft.com/office/powerpoint/2010/main" val="1072229439"/>
       </p:ext>
     </p:extLst>
   </p:cSld>
@@ -11701,7 +8135,7 @@
     </p:spTree>
     <p:extLst>
       <p:ext uri="{BB962C8B-B14F-4D97-AF65-F5344CB8AC3E}">
-        <p14:creationId xmlns:p14="http://schemas.microsoft.com/office/powerpoint/2010/main" val="3232509422"/>
+        <p14:creationId xmlns:p14="http://schemas.microsoft.com/office/powerpoint/2010/main" val="3016937079"/>
       </p:ext>
     </p:extLst>
   </p:cSld>
@@ -11923,10 +8357,53 @@
           </a:p>
         </p:txBody>
       </p:sp>
+      <p:sp>
+        <p:nvSpPr>
+          <p:cNvPr id="3" name="文本框 2">
+            <a:extLst>
+              <a:ext uri="{FF2B5EF4-FFF2-40B4-BE49-F238E27FC236}">
+                <a16:creationId xmlns:a16="http://schemas.microsoft.com/office/drawing/2014/main" id="{7A89C5BB-524A-1E92-BABC-CE71AD52ABF3}"/>
+              </a:ext>
+            </a:extLst>
+          </p:cNvPr>
+          <p:cNvSpPr txBox="1"/>
+          <p:nvPr/>
+        </p:nvSpPr>
+        <p:spPr>
+          <a:xfrm>
+            <a:off x="3722945" y="2676343"/>
+            <a:ext cx="4190305" cy="1015663"/>
+          </a:xfrm>
+          <a:prstGeom prst="rect">
+            <a:avLst/>
+          </a:prstGeom>
+          <a:noFill/>
+        </p:spPr>
+        <p:txBody>
+          <a:bodyPr wrap="square" rtlCol="0">
+            <a:spAutoFit/>
+          </a:bodyPr>
+          <a:lstStyle/>
+          <a:p>
+            <a:r>
+              <a:rPr lang="zh-CN" altLang="en-US" sz="6000" dirty="0"/>
+              <a:t>五</a:t>
+            </a:r>
+            <a:r>
+              <a:rPr lang="en-US" altLang="zh-CN" sz="6000" dirty="0"/>
+              <a:t>.</a:t>
+            </a:r>
+            <a:r>
+              <a:rPr lang="zh-CN" altLang="en-US" sz="6000" dirty="0"/>
+              <a:t>前期工作</a:t>
+            </a:r>
+          </a:p>
+        </p:txBody>
+      </p:sp>
     </p:spTree>
     <p:extLst>
       <p:ext uri="{BB962C8B-B14F-4D97-AF65-F5344CB8AC3E}">
-        <p14:creationId xmlns:p14="http://schemas.microsoft.com/office/powerpoint/2010/main" val="3954363875"/>
+        <p14:creationId xmlns:p14="http://schemas.microsoft.com/office/powerpoint/2010/main" val="651314330"/>
       </p:ext>
     </p:extLst>
   </p:cSld>
@@ -12148,10 +8625,233 @@
           </a:p>
         </p:txBody>
       </p:sp>
+      <p:sp>
+        <p:nvSpPr>
+          <p:cNvPr id="4" name="文本框 3">
+            <a:extLst>
+              <a:ext uri="{FF2B5EF4-FFF2-40B4-BE49-F238E27FC236}">
+                <a16:creationId xmlns:a16="http://schemas.microsoft.com/office/drawing/2014/main" id="{5E187EBF-7A07-EAE2-34E9-8A10A6B1681E}"/>
+              </a:ext>
+            </a:extLst>
+          </p:cNvPr>
+          <p:cNvSpPr txBox="1"/>
+          <p:nvPr/>
+        </p:nvSpPr>
+        <p:spPr>
+          <a:xfrm>
+            <a:off x="730826" y="1114558"/>
+            <a:ext cx="9964883" cy="4960461"/>
+          </a:xfrm>
+          <a:prstGeom prst="rect">
+            <a:avLst/>
+          </a:prstGeom>
+          <a:noFill/>
+        </p:spPr>
+        <p:txBody>
+          <a:bodyPr wrap="square" rtlCol="0">
+            <a:spAutoFit/>
+          </a:bodyPr>
+          <a:lstStyle/>
+          <a:p>
+            <a:r>
+              <a:rPr lang="zh-CN" altLang="en-US" sz="3200" b="1" dirty="0"/>
+              <a:t>数据集准备与数据处理：</a:t>
+            </a:r>
+            <a:endParaRPr lang="en-US" altLang="zh-CN" sz="3200" b="1" dirty="0"/>
+          </a:p>
+          <a:p>
+            <a:pPr>
+              <a:lnSpc>
+                <a:spcPct val="150000"/>
+              </a:lnSpc>
+            </a:pPr>
+            <a:r>
+              <a:rPr lang="en-US" altLang="zh-CN" sz="2400" dirty="0"/>
+              <a:t>1.</a:t>
+            </a:r>
+            <a:r>
+              <a:rPr lang="zh-CN" altLang="en-US" sz="2400" dirty="0"/>
+              <a:t>训练集：</a:t>
+            </a:r>
+            <a:endParaRPr lang="en-US" altLang="zh-CN" sz="2400" dirty="0"/>
+          </a:p>
+          <a:p>
+            <a:pPr>
+              <a:lnSpc>
+                <a:spcPct val="150000"/>
+              </a:lnSpc>
+            </a:pPr>
+            <a:r>
+              <a:rPr lang="zh-CN" altLang="en-US" sz="2400" dirty="0"/>
+              <a:t>使用</a:t>
+            </a:r>
+            <a:r>
+              <a:rPr lang="en-US" altLang="zh-CN" sz="2400" dirty="0"/>
+              <a:t>total </a:t>
+            </a:r>
+            <a:r>
+              <a:rPr lang="en-US" altLang="zh-CN" sz="2400" dirty="0" err="1"/>
+              <a:t>sementator</a:t>
+            </a:r>
+            <a:r>
+              <a:rPr lang="zh-CN" altLang="en-US" sz="2400" dirty="0"/>
+              <a:t>数据集（</a:t>
+            </a:r>
+            <a:r>
+              <a:rPr lang="en-US" altLang="zh-CN" sz="2400" dirty="0"/>
+              <a:t>CT</a:t>
+            </a:r>
+            <a:r>
+              <a:rPr lang="zh-CN" altLang="en-US" sz="2400" dirty="0"/>
+              <a:t>）作为训练集，筛选掉非正方形的切片后，共</a:t>
+            </a:r>
+            <a:r>
+              <a:rPr lang="en-US" altLang="zh-CN" sz="2400" dirty="0"/>
+              <a:t>241442</a:t>
+            </a:r>
+            <a:r>
+              <a:rPr lang="zh-CN" altLang="en-US" sz="2400" dirty="0"/>
+              <a:t>张切片。按病例划分训练集与验证集，其中</a:t>
+            </a:r>
+            <a:r>
+              <a:rPr lang="en-US" altLang="zh-CN" sz="2400" dirty="0"/>
+              <a:t>201782</a:t>
+            </a:r>
+            <a:r>
+              <a:rPr lang="zh-CN" altLang="en-US" sz="2400" dirty="0"/>
+              <a:t>张切片作为训练集，</a:t>
+            </a:r>
+            <a:r>
+              <a:rPr lang="en-US" altLang="zh-CN" sz="2400" dirty="0"/>
+              <a:t>39360</a:t>
+            </a:r>
+            <a:r>
+              <a:rPr lang="zh-CN" altLang="en-US" sz="2400" dirty="0"/>
+              <a:t>张切片作为验证集。</a:t>
+            </a:r>
+            <a:endParaRPr lang="en-US" altLang="zh-CN" sz="2400" dirty="0"/>
+          </a:p>
+          <a:p>
+            <a:pPr>
+              <a:lnSpc>
+                <a:spcPct val="150000"/>
+              </a:lnSpc>
+            </a:pPr>
+            <a:r>
+              <a:rPr lang="en-US" altLang="zh-CN" sz="2400" dirty="0"/>
+              <a:t>2.</a:t>
+            </a:r>
+            <a:r>
+              <a:rPr lang="zh-CN" altLang="en-US" sz="2400" dirty="0"/>
+              <a:t>测试集：</a:t>
+            </a:r>
+            <a:endParaRPr lang="en-US" altLang="zh-CN" sz="2400" dirty="0"/>
+          </a:p>
+          <a:p>
+            <a:pPr>
+              <a:lnSpc>
+                <a:spcPct val="150000"/>
+              </a:lnSpc>
+            </a:pPr>
+            <a:r>
+              <a:rPr lang="zh-CN" altLang="en-US" sz="2400" dirty="0"/>
+              <a:t>使用</a:t>
+            </a:r>
+            <a:r>
+              <a:rPr lang="en-US" altLang="zh-CN" sz="2400" dirty="0"/>
+              <a:t>CHAOS</a:t>
+            </a:r>
+            <a:r>
+              <a:rPr lang="zh-CN" altLang="en-US" sz="2400" dirty="0"/>
+              <a:t>数据集的</a:t>
+            </a:r>
+            <a:r>
+              <a:rPr lang="en-US" altLang="zh-CN" sz="2400" dirty="0"/>
+              <a:t>MR</a:t>
+            </a:r>
+            <a:r>
+              <a:rPr lang="zh-CN" altLang="en-US" sz="2400" dirty="0"/>
+              <a:t>模态部分数据作为测试集，该数据集含有肝、肾、脾的分割标准，包括</a:t>
+            </a:r>
+            <a:r>
+              <a:rPr lang="en-US" altLang="zh-CN" sz="2400" dirty="0"/>
+              <a:t>T1_in, T1_out</a:t>
+            </a:r>
+            <a:r>
+              <a:rPr lang="zh-CN" altLang="en-US" sz="2400" dirty="0"/>
+              <a:t>和</a:t>
+            </a:r>
+            <a:r>
+              <a:rPr lang="en-US" altLang="zh-CN" sz="2400" dirty="0"/>
+              <a:t>T2</a:t>
+            </a:r>
+            <a:r>
+              <a:rPr lang="zh-CN" altLang="en-US" sz="2400" dirty="0"/>
+              <a:t>三个</a:t>
+            </a:r>
+            <a:r>
+              <a:rPr lang="en-US" altLang="zh-CN" sz="2400" dirty="0"/>
+              <a:t>MR</a:t>
+            </a:r>
+            <a:r>
+              <a:rPr lang="zh-CN" altLang="en-US" sz="2400" dirty="0"/>
+              <a:t>序列。处理后</a:t>
+            </a:r>
+            <a:r>
+              <a:rPr lang="en-US" altLang="zh-CN" sz="2400" dirty="0"/>
+              <a:t>T1_in</a:t>
+            </a:r>
+            <a:r>
+              <a:rPr lang="zh-CN" altLang="en-US" sz="2400" dirty="0"/>
+              <a:t>序列</a:t>
+            </a:r>
+            <a:r>
+              <a:rPr lang="en-US" altLang="zh-CN" sz="2400" dirty="0"/>
+              <a:t>647</a:t>
+            </a:r>
+            <a:r>
+              <a:rPr lang="zh-CN" altLang="en-US" sz="2400" dirty="0"/>
+              <a:t>张切片，</a:t>
+            </a:r>
+            <a:r>
+              <a:rPr lang="en-US" altLang="zh-CN" sz="2400" dirty="0"/>
+              <a:t>T1_out</a:t>
+            </a:r>
+            <a:r>
+              <a:rPr lang="zh-CN" altLang="en-US" sz="2400" dirty="0"/>
+              <a:t>序列</a:t>
+            </a:r>
+            <a:r>
+              <a:rPr lang="en-US" altLang="zh-CN" sz="2400" dirty="0"/>
+              <a:t>647</a:t>
+            </a:r>
+            <a:r>
+              <a:rPr lang="zh-CN" altLang="en-US" sz="2400" dirty="0"/>
+              <a:t>张切片，</a:t>
+            </a:r>
+            <a:r>
+              <a:rPr lang="en-US" altLang="zh-CN" sz="2400" dirty="0"/>
+              <a:t>T2</a:t>
+            </a:r>
+            <a:r>
+              <a:rPr lang="zh-CN" altLang="en-US" sz="2400" dirty="0"/>
+              <a:t>序列</a:t>
+            </a:r>
+            <a:r>
+              <a:rPr lang="en-US" altLang="zh-CN" sz="2400" dirty="0"/>
+              <a:t>623</a:t>
+            </a:r>
+            <a:r>
+              <a:rPr lang="zh-CN" altLang="en-US" sz="2400" dirty="0"/>
+              <a:t>张切片</a:t>
+            </a:r>
+          </a:p>
+        </p:txBody>
+      </p:sp>
     </p:spTree>
     <p:extLst>
       <p:ext uri="{BB962C8B-B14F-4D97-AF65-F5344CB8AC3E}">
-        <p14:creationId xmlns:p14="http://schemas.microsoft.com/office/powerpoint/2010/main" val="2410668142"/>
+        <p14:creationId xmlns:p14="http://schemas.microsoft.com/office/powerpoint/2010/main" val="1773198984"/>
       </p:ext>
     </p:extLst>
   </p:cSld>
@@ -12373,10 +9073,3400 @@
           </a:p>
         </p:txBody>
       </p:sp>
+      <p:graphicFrame>
+        <p:nvGraphicFramePr>
+          <p:cNvPr id="4" name="表格 3">
+            <a:extLst>
+              <a:ext uri="{FF2B5EF4-FFF2-40B4-BE49-F238E27FC236}">
+                <a16:creationId xmlns:a16="http://schemas.microsoft.com/office/drawing/2014/main" id="{7086AFE6-EFF8-71AD-78FF-3D6A716018DA}"/>
+              </a:ext>
+            </a:extLst>
+          </p:cNvPr>
+          <p:cNvGraphicFramePr>
+            <a:graphicFrameLocks noGrp="1"/>
+          </p:cNvGraphicFramePr>
+          <p:nvPr>
+            <p:extLst>
+              <p:ext uri="{D42A27DB-BD31-4B8C-83A1-F6EECF244321}">
+                <p14:modId xmlns:p14="http://schemas.microsoft.com/office/powerpoint/2010/main" val="549380860"/>
+              </p:ext>
+            </p:extLst>
+          </p:nvPr>
+        </p:nvGraphicFramePr>
+        <p:xfrm>
+          <a:off x="387386" y="905688"/>
+          <a:ext cx="10149985" cy="5904436"/>
+        </p:xfrm>
+        <a:graphic>
+          <a:graphicData uri="http://schemas.openxmlformats.org/drawingml/2006/table">
+            <a:tbl>
+              <a:tblPr>
+                <a:tableStyleId>{5C22544A-7EE6-4342-B048-85BDC9FD1C3A}</a:tableStyleId>
+              </a:tblPr>
+              <a:tblGrid>
+                <a:gridCol w="1898614">
+                  <a:extLst>
+                    <a:ext uri="{9D8B030D-6E8A-4147-A177-3AD203B41FA5}">
+                      <a16:colId xmlns:a16="http://schemas.microsoft.com/office/drawing/2014/main" val="1846116592"/>
+                    </a:ext>
+                  </a:extLst>
+                </a:gridCol>
+                <a:gridCol w="1676400">
+                  <a:extLst>
+                    <a:ext uri="{9D8B030D-6E8A-4147-A177-3AD203B41FA5}">
+                      <a16:colId xmlns:a16="http://schemas.microsoft.com/office/drawing/2014/main" val="531732756"/>
+                    </a:ext>
+                  </a:extLst>
+                </a:gridCol>
+                <a:gridCol w="1001486">
+                  <a:extLst>
+                    <a:ext uri="{9D8B030D-6E8A-4147-A177-3AD203B41FA5}">
+                      <a16:colId xmlns:a16="http://schemas.microsoft.com/office/drawing/2014/main" val="763298744"/>
+                    </a:ext>
+                  </a:extLst>
+                </a:gridCol>
+                <a:gridCol w="1012371">
+                  <a:extLst>
+                    <a:ext uri="{9D8B030D-6E8A-4147-A177-3AD203B41FA5}">
+                      <a16:colId xmlns:a16="http://schemas.microsoft.com/office/drawing/2014/main" val="1947301579"/>
+                    </a:ext>
+                  </a:extLst>
+                </a:gridCol>
+                <a:gridCol w="1153886">
+                  <a:extLst>
+                    <a:ext uri="{9D8B030D-6E8A-4147-A177-3AD203B41FA5}">
+                      <a16:colId xmlns:a16="http://schemas.microsoft.com/office/drawing/2014/main" val="2101050746"/>
+                    </a:ext>
+                  </a:extLst>
+                </a:gridCol>
+                <a:gridCol w="1186543">
+                  <a:extLst>
+                    <a:ext uri="{9D8B030D-6E8A-4147-A177-3AD203B41FA5}">
+                      <a16:colId xmlns:a16="http://schemas.microsoft.com/office/drawing/2014/main" val="4259091988"/>
+                    </a:ext>
+                  </a:extLst>
+                </a:gridCol>
+                <a:gridCol w="1066800">
+                  <a:extLst>
+                    <a:ext uri="{9D8B030D-6E8A-4147-A177-3AD203B41FA5}">
+                      <a16:colId xmlns:a16="http://schemas.microsoft.com/office/drawing/2014/main" val="1830618381"/>
+                    </a:ext>
+                  </a:extLst>
+                </a:gridCol>
+                <a:gridCol w="1153885">
+                  <a:extLst>
+                    <a:ext uri="{9D8B030D-6E8A-4147-A177-3AD203B41FA5}">
+                      <a16:colId xmlns:a16="http://schemas.microsoft.com/office/drawing/2014/main" val="4264783808"/>
+                    </a:ext>
+                  </a:extLst>
+                </a:gridCol>
+              </a:tblGrid>
+              <a:tr h="51097">
+                <a:tc>
+                  <a:txBody>
+                    <a:bodyPr/>
+                    <a:lstStyle/>
+                    <a:p>
+                      <a:pPr algn="l" rtl="0" fontAlgn="ctr">
+                        <a:lnSpc>
+                          <a:spcPct val="150000"/>
+                        </a:lnSpc>
+                      </a:pPr>
+                      <a:r>
+                        <a:rPr lang="en-US" sz="1800" b="1" u="none" strike="noStrike" dirty="0">
+                          <a:solidFill>
+                            <a:schemeClr val="bg1"/>
+                          </a:solidFill>
+                          <a:effectLst/>
+                        </a:rPr>
+                        <a:t>Flip</a:t>
+                      </a:r>
+                      <a:endParaRPr lang="en-US" sz="1800" b="1" i="0" u="none" strike="noStrike" dirty="0">
+                        <a:solidFill>
+                          <a:schemeClr val="bg1"/>
+                        </a:solidFill>
+                        <a:effectLst/>
+                        <a:latin typeface="Times New Roman" panose="02020603050405020304" pitchFamily="18" charset="0"/>
+                        <a:ea typeface="等线" panose="02010600030101010101" pitchFamily="2" charset="-122"/>
+                      </a:endParaRPr>
+                    </a:p>
+                  </a:txBody>
+                  <a:tcPr marL="9318" marR="9318" marT="9318" marB="0" anchor="ctr">
+                    <a:solidFill>
+                      <a:schemeClr val="accent1"/>
+                    </a:solidFill>
+                  </a:tcPr>
+                </a:tc>
+                <a:tc rowSpan="2">
+                  <a:txBody>
+                    <a:bodyPr/>
+                    <a:lstStyle/>
+                    <a:p>
+                      <a:pPr algn="ctr" fontAlgn="t">
+                        <a:lnSpc>
+                          <a:spcPct val="150000"/>
+                        </a:lnSpc>
+                      </a:pPr>
+                      <a:r>
+                        <a:rPr lang="zh-CN" altLang="en-US" sz="1800" b="1" u="none" strike="noStrike" dirty="0">
+                          <a:solidFill>
+                            <a:schemeClr val="bg1"/>
+                          </a:solidFill>
+                          <a:effectLst/>
+                        </a:rPr>
+                        <a:t>　</a:t>
+                      </a:r>
+                    </a:p>
+                    <a:p>
+                      <a:pPr algn="ctr" fontAlgn="t">
+                        <a:lnSpc>
+                          <a:spcPct val="150000"/>
+                        </a:lnSpc>
+                      </a:pPr>
+                      <a:r>
+                        <a:rPr lang="zh-CN" altLang="en-US" sz="1800" b="1" u="none" strike="noStrike" dirty="0">
+                          <a:solidFill>
+                            <a:schemeClr val="bg1"/>
+                          </a:solidFill>
+                          <a:effectLst/>
+                        </a:rPr>
+                        <a:t>　</a:t>
+                      </a:r>
+                      <a:r>
+                        <a:rPr lang="en-US" altLang="zh-CN" sz="1800" b="1" u="none" strike="noStrike" dirty="0">
+                          <a:solidFill>
+                            <a:schemeClr val="bg1"/>
+                          </a:solidFill>
+                          <a:effectLst/>
+                        </a:rPr>
+                        <a:t>acc</a:t>
+                      </a:r>
+                      <a:endParaRPr lang="zh-CN" altLang="en-US" sz="1800" b="1" i="0" u="none" strike="noStrike" dirty="0">
+                        <a:solidFill>
+                          <a:schemeClr val="bg1"/>
+                        </a:solidFill>
+                        <a:effectLst/>
+                        <a:latin typeface="Times New Roman" panose="02020603050405020304" pitchFamily="18" charset="0"/>
+                        <a:ea typeface="等线" panose="02010600030101010101" pitchFamily="2" charset="-122"/>
+                      </a:endParaRPr>
+                    </a:p>
+                  </a:txBody>
+                  <a:tcPr marL="9318" marR="9318" marT="9318" marB="0">
+                    <a:solidFill>
+                      <a:schemeClr val="accent1"/>
+                    </a:solidFill>
+                  </a:tcPr>
+                </a:tc>
+                <a:tc>
+                  <a:txBody>
+                    <a:bodyPr/>
+                    <a:lstStyle/>
+                    <a:p>
+                      <a:pPr algn="l" rtl="0" fontAlgn="ctr">
+                        <a:lnSpc>
+                          <a:spcPct val="150000"/>
+                        </a:lnSpc>
+                      </a:pPr>
+                      <a:r>
+                        <a:rPr lang="zh-CN" altLang="en-US" sz="1800" b="1" u="none" strike="noStrike" dirty="0">
+                          <a:solidFill>
+                            <a:schemeClr val="bg1"/>
+                          </a:solidFill>
+                          <a:effectLst/>
+                        </a:rPr>
+                        <a:t>无</a:t>
+                      </a:r>
+                      <a:endParaRPr lang="zh-CN" altLang="en-US" sz="1800" b="1" i="0" u="none" strike="noStrike" dirty="0">
+                        <a:solidFill>
+                          <a:schemeClr val="bg1"/>
+                        </a:solidFill>
+                        <a:effectLst/>
+                        <a:latin typeface="Times New Roman" panose="02020603050405020304" pitchFamily="18" charset="0"/>
+                        <a:ea typeface="等线" panose="02010600030101010101" pitchFamily="2" charset="-122"/>
+                      </a:endParaRPr>
+                    </a:p>
+                  </a:txBody>
+                  <a:tcPr marL="9318" marR="9318" marT="9318" marB="0" anchor="ctr">
+                    <a:solidFill>
+                      <a:schemeClr val="accent1"/>
+                    </a:solidFill>
+                  </a:tcPr>
+                </a:tc>
+                <a:tc>
+                  <a:txBody>
+                    <a:bodyPr/>
+                    <a:lstStyle/>
+                    <a:p>
+                      <a:pPr algn="l" rtl="0" fontAlgn="ctr">
+                        <a:lnSpc>
+                          <a:spcPct val="150000"/>
+                        </a:lnSpc>
+                      </a:pPr>
+                      <a:r>
+                        <a:rPr lang="zh-CN" altLang="en-US" sz="1800" b="1" u="none" strike="noStrike" dirty="0">
+                          <a:solidFill>
+                            <a:schemeClr val="bg1"/>
+                          </a:solidFill>
+                          <a:effectLst/>
+                        </a:rPr>
+                        <a:t>有</a:t>
+                      </a:r>
+                      <a:endParaRPr lang="zh-CN" altLang="en-US" sz="1800" b="1" i="0" u="none" strike="noStrike" dirty="0">
+                        <a:solidFill>
+                          <a:schemeClr val="bg1"/>
+                        </a:solidFill>
+                        <a:effectLst/>
+                        <a:latin typeface="Times New Roman" panose="02020603050405020304" pitchFamily="18" charset="0"/>
+                        <a:ea typeface="等线" panose="02010600030101010101" pitchFamily="2" charset="-122"/>
+                      </a:endParaRPr>
+                    </a:p>
+                  </a:txBody>
+                  <a:tcPr marL="9318" marR="9318" marT="9318" marB="0" anchor="ctr">
+                    <a:solidFill>
+                      <a:schemeClr val="accent1"/>
+                    </a:solidFill>
+                  </a:tcPr>
+                </a:tc>
+                <a:tc>
+                  <a:txBody>
+                    <a:bodyPr/>
+                    <a:lstStyle/>
+                    <a:p>
+                      <a:pPr algn="l" rtl="0" fontAlgn="ctr">
+                        <a:lnSpc>
+                          <a:spcPct val="150000"/>
+                        </a:lnSpc>
+                      </a:pPr>
+                      <a:r>
+                        <a:rPr lang="zh-CN" altLang="en-US" sz="1800" b="1" u="none" strike="noStrike" dirty="0">
+                          <a:solidFill>
+                            <a:schemeClr val="bg1"/>
+                          </a:solidFill>
+                          <a:effectLst/>
+                        </a:rPr>
+                        <a:t>无</a:t>
+                      </a:r>
+                      <a:endParaRPr lang="zh-CN" altLang="en-US" sz="1800" b="1" i="0" u="none" strike="noStrike" dirty="0">
+                        <a:solidFill>
+                          <a:schemeClr val="bg1"/>
+                        </a:solidFill>
+                        <a:effectLst/>
+                        <a:latin typeface="Times New Roman" panose="02020603050405020304" pitchFamily="18" charset="0"/>
+                        <a:ea typeface="等线" panose="02010600030101010101" pitchFamily="2" charset="-122"/>
+                      </a:endParaRPr>
+                    </a:p>
+                  </a:txBody>
+                  <a:tcPr marL="9318" marR="9318" marT="9318" marB="0" anchor="ctr">
+                    <a:solidFill>
+                      <a:schemeClr val="accent1"/>
+                    </a:solidFill>
+                  </a:tcPr>
+                </a:tc>
+                <a:tc>
+                  <a:txBody>
+                    <a:bodyPr/>
+                    <a:lstStyle/>
+                    <a:p>
+                      <a:pPr algn="l" rtl="0" fontAlgn="ctr">
+                        <a:lnSpc>
+                          <a:spcPct val="150000"/>
+                        </a:lnSpc>
+                      </a:pPr>
+                      <a:r>
+                        <a:rPr lang="zh-CN" altLang="en-US" sz="1800" b="1" u="none" strike="noStrike" dirty="0">
+                          <a:solidFill>
+                            <a:schemeClr val="bg1"/>
+                          </a:solidFill>
+                          <a:effectLst/>
+                        </a:rPr>
+                        <a:t>无</a:t>
+                      </a:r>
+                      <a:endParaRPr lang="zh-CN" altLang="en-US" sz="1800" b="1" i="0" u="none" strike="noStrike" dirty="0">
+                        <a:solidFill>
+                          <a:schemeClr val="bg1"/>
+                        </a:solidFill>
+                        <a:effectLst/>
+                        <a:latin typeface="Times New Roman" panose="02020603050405020304" pitchFamily="18" charset="0"/>
+                        <a:ea typeface="等线" panose="02010600030101010101" pitchFamily="2" charset="-122"/>
+                      </a:endParaRPr>
+                    </a:p>
+                  </a:txBody>
+                  <a:tcPr marL="9318" marR="9318" marT="9318" marB="0" anchor="ctr">
+                    <a:solidFill>
+                      <a:schemeClr val="accent1"/>
+                    </a:solidFill>
+                  </a:tcPr>
+                </a:tc>
+                <a:tc>
+                  <a:txBody>
+                    <a:bodyPr/>
+                    <a:lstStyle/>
+                    <a:p>
+                      <a:pPr algn="l" rtl="0" fontAlgn="ctr">
+                        <a:lnSpc>
+                          <a:spcPct val="150000"/>
+                        </a:lnSpc>
+                      </a:pPr>
+                      <a:r>
+                        <a:rPr lang="zh-CN" altLang="en-US" sz="1800" b="1" u="none" strike="noStrike" dirty="0">
+                          <a:solidFill>
+                            <a:schemeClr val="bg1"/>
+                          </a:solidFill>
+                          <a:effectLst/>
+                        </a:rPr>
+                        <a:t>无</a:t>
+                      </a:r>
+                      <a:endParaRPr lang="zh-CN" altLang="en-US" sz="1800" b="1" i="0" u="none" strike="noStrike" dirty="0">
+                        <a:solidFill>
+                          <a:schemeClr val="bg1"/>
+                        </a:solidFill>
+                        <a:effectLst/>
+                        <a:latin typeface="Times New Roman" panose="02020603050405020304" pitchFamily="18" charset="0"/>
+                        <a:ea typeface="等线" panose="02010600030101010101" pitchFamily="2" charset="-122"/>
+                      </a:endParaRPr>
+                    </a:p>
+                  </a:txBody>
+                  <a:tcPr marL="9318" marR="9318" marT="9318" marB="0" anchor="ctr">
+                    <a:solidFill>
+                      <a:schemeClr val="accent1"/>
+                    </a:solidFill>
+                  </a:tcPr>
+                </a:tc>
+                <a:tc>
+                  <a:txBody>
+                    <a:bodyPr/>
+                    <a:lstStyle/>
+                    <a:p>
+                      <a:pPr algn="l" rtl="0" fontAlgn="ctr">
+                        <a:lnSpc>
+                          <a:spcPct val="150000"/>
+                        </a:lnSpc>
+                      </a:pPr>
+                      <a:r>
+                        <a:rPr lang="zh-CN" altLang="en-US" sz="1800" b="1" u="none" strike="noStrike" dirty="0">
+                          <a:solidFill>
+                            <a:schemeClr val="bg1"/>
+                          </a:solidFill>
+                          <a:effectLst/>
+                        </a:rPr>
+                        <a:t>无</a:t>
+                      </a:r>
+                      <a:endParaRPr lang="zh-CN" altLang="en-US" sz="1800" b="1" i="0" u="none" strike="noStrike" dirty="0">
+                        <a:solidFill>
+                          <a:schemeClr val="bg1"/>
+                        </a:solidFill>
+                        <a:effectLst/>
+                        <a:latin typeface="Times New Roman" panose="02020603050405020304" pitchFamily="18" charset="0"/>
+                        <a:ea typeface="等线" panose="02010600030101010101" pitchFamily="2" charset="-122"/>
+                      </a:endParaRPr>
+                    </a:p>
+                  </a:txBody>
+                  <a:tcPr marL="9318" marR="9318" marT="9318" marB="0" anchor="ctr">
+                    <a:solidFill>
+                      <a:schemeClr val="accent1"/>
+                    </a:solidFill>
+                  </a:tcPr>
+                </a:tc>
+                <a:extLst>
+                  <a:ext uri="{0D108BD9-81ED-4DB2-BD59-A6C34878D82A}">
+                    <a16:rowId xmlns:a16="http://schemas.microsoft.com/office/drawing/2014/main" val="4007906548"/>
+                  </a:ext>
+                </a:extLst>
+              </a:tr>
+              <a:tr h="434062">
+                <a:tc>
+                  <a:txBody>
+                    <a:bodyPr/>
+                    <a:lstStyle/>
+                    <a:p>
+                      <a:pPr algn="l" rtl="0" fontAlgn="ctr">
+                        <a:lnSpc>
+                          <a:spcPct val="150000"/>
+                        </a:lnSpc>
+                      </a:pPr>
+                      <a:r>
+                        <a:rPr lang="en-US" sz="1800" b="1" u="none" strike="noStrike" dirty="0">
+                          <a:solidFill>
+                            <a:schemeClr val="bg1"/>
+                          </a:solidFill>
+                          <a:effectLst/>
+                        </a:rPr>
+                        <a:t>Shuffle remap</a:t>
+                      </a:r>
+                      <a:endParaRPr lang="en-US" sz="1800" b="1" i="0" u="none" strike="noStrike" dirty="0">
+                        <a:solidFill>
+                          <a:schemeClr val="bg1"/>
+                        </a:solidFill>
+                        <a:effectLst/>
+                        <a:latin typeface="Times New Roman" panose="02020603050405020304" pitchFamily="18" charset="0"/>
+                        <a:ea typeface="等线" panose="02010600030101010101" pitchFamily="2" charset="-122"/>
+                      </a:endParaRPr>
+                    </a:p>
+                  </a:txBody>
+                  <a:tcPr marL="9318" marR="9318" marT="9318" marB="0" anchor="ctr">
+                    <a:solidFill>
+                      <a:schemeClr val="accent1"/>
+                    </a:solidFill>
+                  </a:tcPr>
+                </a:tc>
+                <a:tc vMerge="1">
+                  <a:txBody>
+                    <a:bodyPr/>
+                    <a:lstStyle/>
+                    <a:p>
+                      <a:pPr algn="l" fontAlgn="t">
+                        <a:lnSpc>
+                          <a:spcPct val="150000"/>
+                        </a:lnSpc>
+                      </a:pPr>
+                      <a:r>
+                        <a:rPr lang="zh-CN" altLang="en-US" sz="1800" u="none" strike="noStrike" dirty="0">
+                          <a:effectLst/>
+                        </a:rPr>
+                        <a:t>　</a:t>
+                      </a:r>
+                      <a:endParaRPr lang="zh-CN" altLang="en-US" sz="1800" b="0" i="0" u="none" strike="noStrike" dirty="0">
+                        <a:solidFill>
+                          <a:srgbClr val="000000"/>
+                        </a:solidFill>
+                        <a:effectLst/>
+                        <a:latin typeface="Times New Roman" panose="02020603050405020304" pitchFamily="18" charset="0"/>
+                        <a:ea typeface="等线" panose="02010600030101010101" pitchFamily="2" charset="-122"/>
+                      </a:endParaRPr>
+                    </a:p>
+                  </a:txBody>
+                  <a:tcPr marL="9318" marR="9318" marT="9318" marB="0"/>
+                </a:tc>
+                <a:tc>
+                  <a:txBody>
+                    <a:bodyPr/>
+                    <a:lstStyle/>
+                    <a:p>
+                      <a:pPr algn="l" rtl="0" fontAlgn="ctr">
+                        <a:lnSpc>
+                          <a:spcPct val="150000"/>
+                        </a:lnSpc>
+                      </a:pPr>
+                      <a:r>
+                        <a:rPr lang="zh-CN" altLang="en-US" sz="1800" b="1" u="none" strike="noStrike" dirty="0">
+                          <a:solidFill>
+                            <a:schemeClr val="bg1"/>
+                          </a:solidFill>
+                          <a:effectLst/>
+                        </a:rPr>
+                        <a:t>无</a:t>
+                      </a:r>
+                      <a:endParaRPr lang="zh-CN" altLang="en-US" sz="1800" b="1" i="0" u="none" strike="noStrike" dirty="0">
+                        <a:solidFill>
+                          <a:schemeClr val="bg1"/>
+                        </a:solidFill>
+                        <a:effectLst/>
+                        <a:latin typeface="Times New Roman" panose="02020603050405020304" pitchFamily="18" charset="0"/>
+                        <a:ea typeface="等线" panose="02010600030101010101" pitchFamily="2" charset="-122"/>
+                      </a:endParaRPr>
+                    </a:p>
+                  </a:txBody>
+                  <a:tcPr marL="9318" marR="9318" marT="9318" marB="0" anchor="ctr">
+                    <a:solidFill>
+                      <a:schemeClr val="accent1"/>
+                    </a:solidFill>
+                  </a:tcPr>
+                </a:tc>
+                <a:tc>
+                  <a:txBody>
+                    <a:bodyPr/>
+                    <a:lstStyle/>
+                    <a:p>
+                      <a:pPr algn="l" rtl="0" fontAlgn="ctr">
+                        <a:lnSpc>
+                          <a:spcPct val="150000"/>
+                        </a:lnSpc>
+                      </a:pPr>
+                      <a:r>
+                        <a:rPr lang="zh-CN" altLang="en-US" sz="1800" b="1" u="none" strike="noStrike" dirty="0">
+                          <a:solidFill>
+                            <a:schemeClr val="bg1"/>
+                          </a:solidFill>
+                          <a:effectLst/>
+                        </a:rPr>
+                        <a:t>无</a:t>
+                      </a:r>
+                      <a:endParaRPr lang="zh-CN" altLang="en-US" sz="1800" b="1" i="0" u="none" strike="noStrike" dirty="0">
+                        <a:solidFill>
+                          <a:schemeClr val="bg1"/>
+                        </a:solidFill>
+                        <a:effectLst/>
+                        <a:latin typeface="Times New Roman" panose="02020603050405020304" pitchFamily="18" charset="0"/>
+                        <a:ea typeface="等线" panose="02010600030101010101" pitchFamily="2" charset="-122"/>
+                      </a:endParaRPr>
+                    </a:p>
+                  </a:txBody>
+                  <a:tcPr marL="9318" marR="9318" marT="9318" marB="0" anchor="ctr">
+                    <a:solidFill>
+                      <a:schemeClr val="accent1"/>
+                    </a:solidFill>
+                  </a:tcPr>
+                </a:tc>
+                <a:tc>
+                  <a:txBody>
+                    <a:bodyPr/>
+                    <a:lstStyle/>
+                    <a:p>
+                      <a:pPr algn="l" rtl="0" fontAlgn="ctr">
+                        <a:lnSpc>
+                          <a:spcPct val="150000"/>
+                        </a:lnSpc>
+                      </a:pPr>
+                      <a:r>
+                        <a:rPr lang="en-US" altLang="zh-CN" sz="1800" b="1" u="none" strike="noStrike" dirty="0">
+                          <a:solidFill>
+                            <a:schemeClr val="bg1"/>
+                          </a:solidFill>
+                          <a:effectLst/>
+                        </a:rPr>
+                        <a:t>0.5,[2, 5]</a:t>
+                      </a:r>
+                      <a:endParaRPr lang="en-US" altLang="zh-CN" sz="1800" b="1" i="0" u="none" strike="noStrike" dirty="0">
+                        <a:solidFill>
+                          <a:schemeClr val="bg1"/>
+                        </a:solidFill>
+                        <a:effectLst/>
+                        <a:latin typeface="Times New Roman" panose="02020603050405020304" pitchFamily="18" charset="0"/>
+                        <a:ea typeface="等线" panose="02010600030101010101" pitchFamily="2" charset="-122"/>
+                      </a:endParaRPr>
+                    </a:p>
+                  </a:txBody>
+                  <a:tcPr marL="9318" marR="9318" marT="9318" marB="0" anchor="ctr">
+                    <a:solidFill>
+                      <a:schemeClr val="accent1"/>
+                    </a:solidFill>
+                  </a:tcPr>
+                </a:tc>
+                <a:tc>
+                  <a:txBody>
+                    <a:bodyPr/>
+                    <a:lstStyle/>
+                    <a:p>
+                      <a:pPr algn="l" rtl="0" fontAlgn="ctr">
+                        <a:lnSpc>
+                          <a:spcPct val="150000"/>
+                        </a:lnSpc>
+                      </a:pPr>
+                      <a:r>
+                        <a:rPr lang="en-US" altLang="zh-CN" sz="1800" b="1" u="none" strike="noStrike" dirty="0">
+                          <a:solidFill>
+                            <a:schemeClr val="bg1"/>
+                          </a:solidFill>
+                          <a:effectLst/>
+                        </a:rPr>
+                        <a:t>0.75,[2, 5]</a:t>
+                      </a:r>
+                      <a:endParaRPr lang="en-US" altLang="zh-CN" sz="1800" b="1" i="0" u="none" strike="noStrike" dirty="0">
+                        <a:solidFill>
+                          <a:schemeClr val="bg1"/>
+                        </a:solidFill>
+                        <a:effectLst/>
+                        <a:latin typeface="Times New Roman" panose="02020603050405020304" pitchFamily="18" charset="0"/>
+                        <a:ea typeface="等线" panose="02010600030101010101" pitchFamily="2" charset="-122"/>
+                      </a:endParaRPr>
+                    </a:p>
+                  </a:txBody>
+                  <a:tcPr marL="9318" marR="9318" marT="9318" marB="0" anchor="ctr">
+                    <a:solidFill>
+                      <a:schemeClr val="accent1"/>
+                    </a:solidFill>
+                  </a:tcPr>
+                </a:tc>
+                <a:tc>
+                  <a:txBody>
+                    <a:bodyPr/>
+                    <a:lstStyle/>
+                    <a:p>
+                      <a:pPr algn="l" rtl="0" fontAlgn="ctr">
+                        <a:lnSpc>
+                          <a:spcPct val="150000"/>
+                        </a:lnSpc>
+                      </a:pPr>
+                      <a:r>
+                        <a:rPr lang="en-US" altLang="zh-CN" sz="1800" b="1" u="none" strike="noStrike" dirty="0">
+                          <a:solidFill>
+                            <a:schemeClr val="bg1"/>
+                          </a:solidFill>
+                          <a:effectLst/>
+                        </a:rPr>
+                        <a:t>1,[2, 5]</a:t>
+                      </a:r>
+                      <a:endParaRPr lang="en-US" altLang="zh-CN" sz="1800" b="1" i="0" u="none" strike="noStrike" dirty="0">
+                        <a:solidFill>
+                          <a:schemeClr val="bg1"/>
+                        </a:solidFill>
+                        <a:effectLst/>
+                        <a:latin typeface="Times New Roman" panose="02020603050405020304" pitchFamily="18" charset="0"/>
+                        <a:ea typeface="等线" panose="02010600030101010101" pitchFamily="2" charset="-122"/>
+                      </a:endParaRPr>
+                    </a:p>
+                  </a:txBody>
+                  <a:tcPr marL="9318" marR="9318" marT="9318" marB="0" anchor="ctr">
+                    <a:solidFill>
+                      <a:schemeClr val="accent1"/>
+                    </a:solidFill>
+                  </a:tcPr>
+                </a:tc>
+                <a:tc>
+                  <a:txBody>
+                    <a:bodyPr/>
+                    <a:lstStyle/>
+                    <a:p>
+                      <a:pPr algn="l" rtl="0" fontAlgn="ctr">
+                        <a:lnSpc>
+                          <a:spcPct val="150000"/>
+                        </a:lnSpc>
+                      </a:pPr>
+                      <a:r>
+                        <a:rPr lang="en-US" altLang="zh-CN" sz="1800" b="1" u="none" strike="noStrike" dirty="0">
+                          <a:solidFill>
+                            <a:schemeClr val="bg1"/>
+                          </a:solidFill>
+                          <a:effectLst/>
+                        </a:rPr>
+                        <a:t>0.5,[2, 10]</a:t>
+                      </a:r>
+                      <a:endParaRPr lang="en-US" altLang="zh-CN" sz="1800" b="1" i="0" u="none" strike="noStrike" dirty="0">
+                        <a:solidFill>
+                          <a:schemeClr val="bg1"/>
+                        </a:solidFill>
+                        <a:effectLst/>
+                        <a:latin typeface="Times New Roman" panose="02020603050405020304" pitchFamily="18" charset="0"/>
+                        <a:ea typeface="等线" panose="02010600030101010101" pitchFamily="2" charset="-122"/>
+                      </a:endParaRPr>
+                    </a:p>
+                  </a:txBody>
+                  <a:tcPr marL="9318" marR="9318" marT="9318" marB="0" anchor="ctr">
+                    <a:solidFill>
+                      <a:schemeClr val="accent1"/>
+                    </a:solidFill>
+                  </a:tcPr>
+                </a:tc>
+                <a:extLst>
+                  <a:ext uri="{0D108BD9-81ED-4DB2-BD59-A6C34878D82A}">
+                    <a16:rowId xmlns:a16="http://schemas.microsoft.com/office/drawing/2014/main" val="1008533682"/>
+                  </a:ext>
+                </a:extLst>
+              </a:tr>
+              <a:tr h="332473">
+                <a:tc rowSpan="4">
+                  <a:txBody>
+                    <a:bodyPr/>
+                    <a:lstStyle/>
+                    <a:p>
+                      <a:pPr algn="l" rtl="0" fontAlgn="ctr">
+                        <a:lnSpc>
+                          <a:spcPct val="150000"/>
+                        </a:lnSpc>
+                      </a:pPr>
+                      <a:r>
+                        <a:rPr lang="en-US" sz="1800" b="1" u="none" strike="noStrike" dirty="0">
+                          <a:effectLst/>
+                        </a:rPr>
+                        <a:t>T1_in</a:t>
+                      </a:r>
+                      <a:endParaRPr lang="en-US" sz="1800" b="1" i="0" u="none" strike="noStrike" dirty="0">
+                        <a:solidFill>
+                          <a:srgbClr val="000000"/>
+                        </a:solidFill>
+                        <a:effectLst/>
+                        <a:latin typeface="Times New Roman" panose="02020603050405020304" pitchFamily="18" charset="0"/>
+                        <a:ea typeface="等线" panose="02010600030101010101" pitchFamily="2" charset="-122"/>
+                      </a:endParaRPr>
+                    </a:p>
+                  </a:txBody>
+                  <a:tcPr marL="9318" marR="9318" marT="9318" marB="0" anchor="ctr"/>
+                </a:tc>
+                <a:tc>
+                  <a:txBody>
+                    <a:bodyPr/>
+                    <a:lstStyle/>
+                    <a:p>
+                      <a:pPr algn="l" fontAlgn="t">
+                        <a:lnSpc>
+                          <a:spcPct val="150000"/>
+                        </a:lnSpc>
+                      </a:pPr>
+                      <a:r>
+                        <a:rPr lang="en-US" sz="1800" b="1" u="none" strike="noStrike" dirty="0">
+                          <a:effectLst/>
+                        </a:rPr>
+                        <a:t>average acc</a:t>
+                      </a:r>
+                      <a:endParaRPr lang="en-US" sz="1800" b="1" i="0" u="none" strike="noStrike" dirty="0">
+                        <a:solidFill>
+                          <a:srgbClr val="000000"/>
+                        </a:solidFill>
+                        <a:effectLst/>
+                        <a:latin typeface="Times New Roman" panose="02020603050405020304" pitchFamily="18" charset="0"/>
+                        <a:ea typeface="等线" panose="02010600030101010101" pitchFamily="2" charset="-122"/>
+                      </a:endParaRPr>
+                    </a:p>
+                  </a:txBody>
+                  <a:tcPr marL="9318" marR="9318" marT="9318" marB="0"/>
+                </a:tc>
+                <a:tc>
+                  <a:txBody>
+                    <a:bodyPr/>
+                    <a:lstStyle/>
+                    <a:p>
+                      <a:pPr algn="l" rtl="0" fontAlgn="ctr">
+                        <a:lnSpc>
+                          <a:spcPct val="150000"/>
+                        </a:lnSpc>
+                      </a:pPr>
+                      <a:r>
+                        <a:rPr lang="en-US" altLang="zh-CN" sz="1800" u="none" strike="noStrike" dirty="0">
+                          <a:effectLst/>
+                        </a:rPr>
+                        <a:t>0.5348</a:t>
+                      </a:r>
+                      <a:endParaRPr lang="en-US" altLang="zh-CN" sz="1800" b="0" i="0" u="none" strike="noStrike" dirty="0">
+                        <a:solidFill>
+                          <a:srgbClr val="000000"/>
+                        </a:solidFill>
+                        <a:effectLst/>
+                        <a:latin typeface="Times New Roman" panose="02020603050405020304" pitchFamily="18" charset="0"/>
+                        <a:ea typeface="等线" panose="02010600030101010101" pitchFamily="2" charset="-122"/>
+                      </a:endParaRPr>
+                    </a:p>
+                  </a:txBody>
+                  <a:tcPr marL="9318" marR="9318" marT="9318" marB="0" anchor="ctr">
+                    <a:solidFill>
+                      <a:schemeClr val="accent4"/>
+                    </a:solidFill>
+                  </a:tcPr>
+                </a:tc>
+                <a:tc>
+                  <a:txBody>
+                    <a:bodyPr/>
+                    <a:lstStyle/>
+                    <a:p>
+                      <a:pPr algn="l" rtl="0" fontAlgn="ctr">
+                        <a:lnSpc>
+                          <a:spcPct val="150000"/>
+                        </a:lnSpc>
+                      </a:pPr>
+                      <a:r>
+                        <a:rPr lang="en-US" altLang="zh-CN" sz="1800" u="none" strike="noStrike">
+                          <a:effectLst/>
+                        </a:rPr>
+                        <a:t>0.5281</a:t>
+                      </a:r>
+                      <a:endParaRPr lang="en-US" altLang="zh-CN" sz="1800" b="0" i="0" u="none" strike="noStrike">
+                        <a:solidFill>
+                          <a:srgbClr val="000000"/>
+                        </a:solidFill>
+                        <a:effectLst/>
+                        <a:latin typeface="Times New Roman" panose="02020603050405020304" pitchFamily="18" charset="0"/>
+                        <a:ea typeface="等线" panose="02010600030101010101" pitchFamily="2" charset="-122"/>
+                      </a:endParaRPr>
+                    </a:p>
+                  </a:txBody>
+                  <a:tcPr marL="9318" marR="9318" marT="9318" marB="0" anchor="ctr">
+                    <a:solidFill>
+                      <a:schemeClr val="accent4"/>
+                    </a:solidFill>
+                  </a:tcPr>
+                </a:tc>
+                <a:tc>
+                  <a:txBody>
+                    <a:bodyPr/>
+                    <a:lstStyle/>
+                    <a:p>
+                      <a:pPr algn="l" rtl="0" fontAlgn="ctr">
+                        <a:lnSpc>
+                          <a:spcPct val="150000"/>
+                        </a:lnSpc>
+                      </a:pPr>
+                      <a:r>
+                        <a:rPr lang="en-US" altLang="zh-CN" sz="1800" u="none" strike="noStrike">
+                          <a:effectLst/>
+                        </a:rPr>
+                        <a:t>0.8877</a:t>
+                      </a:r>
+                      <a:endParaRPr lang="en-US" altLang="zh-CN" sz="1800" b="0" i="0" u="none" strike="noStrike">
+                        <a:solidFill>
+                          <a:srgbClr val="000000"/>
+                        </a:solidFill>
+                        <a:effectLst/>
+                        <a:latin typeface="Times New Roman" panose="02020603050405020304" pitchFamily="18" charset="0"/>
+                        <a:ea typeface="等线" panose="02010600030101010101" pitchFamily="2" charset="-122"/>
+                      </a:endParaRPr>
+                    </a:p>
+                  </a:txBody>
+                  <a:tcPr marL="9318" marR="9318" marT="9318" marB="0" anchor="ctr"/>
+                </a:tc>
+                <a:tc>
+                  <a:txBody>
+                    <a:bodyPr/>
+                    <a:lstStyle/>
+                    <a:p>
+                      <a:pPr algn="l" rtl="0" fontAlgn="ctr">
+                        <a:lnSpc>
+                          <a:spcPct val="150000"/>
+                        </a:lnSpc>
+                      </a:pPr>
+                      <a:r>
+                        <a:rPr lang="en-US" altLang="zh-CN" sz="1800" u="none" strike="noStrike">
+                          <a:effectLst/>
+                        </a:rPr>
+                        <a:t>0.9001</a:t>
+                      </a:r>
+                      <a:endParaRPr lang="en-US" altLang="zh-CN" sz="1800" b="0" i="0" u="none" strike="noStrike">
+                        <a:solidFill>
+                          <a:srgbClr val="000000"/>
+                        </a:solidFill>
+                        <a:effectLst/>
+                        <a:latin typeface="Times New Roman" panose="02020603050405020304" pitchFamily="18" charset="0"/>
+                        <a:ea typeface="等线" panose="02010600030101010101" pitchFamily="2" charset="-122"/>
+                      </a:endParaRPr>
+                    </a:p>
+                  </a:txBody>
+                  <a:tcPr marL="9318" marR="9318" marT="9318" marB="0" anchor="ctr"/>
+                </a:tc>
+                <a:tc>
+                  <a:txBody>
+                    <a:bodyPr/>
+                    <a:lstStyle/>
+                    <a:p>
+                      <a:pPr algn="l" rtl="0" fontAlgn="ctr">
+                        <a:lnSpc>
+                          <a:spcPct val="150000"/>
+                        </a:lnSpc>
+                      </a:pPr>
+                      <a:r>
+                        <a:rPr lang="en-US" altLang="zh-CN" sz="1800" u="none" strike="noStrike">
+                          <a:effectLst/>
+                        </a:rPr>
+                        <a:t>0.8815</a:t>
+                      </a:r>
+                      <a:endParaRPr lang="en-US" altLang="zh-CN" sz="1800" b="0" i="0" u="none" strike="noStrike">
+                        <a:solidFill>
+                          <a:srgbClr val="000000"/>
+                        </a:solidFill>
+                        <a:effectLst/>
+                        <a:latin typeface="Times New Roman" panose="02020603050405020304" pitchFamily="18" charset="0"/>
+                        <a:ea typeface="等线" panose="02010600030101010101" pitchFamily="2" charset="-122"/>
+                      </a:endParaRPr>
+                    </a:p>
+                  </a:txBody>
+                  <a:tcPr marL="9318" marR="9318" marT="9318" marB="0" anchor="ctr"/>
+                </a:tc>
+                <a:tc>
+                  <a:txBody>
+                    <a:bodyPr/>
+                    <a:lstStyle/>
+                    <a:p>
+                      <a:pPr algn="l" rtl="0" fontAlgn="ctr">
+                        <a:lnSpc>
+                          <a:spcPct val="150000"/>
+                        </a:lnSpc>
+                      </a:pPr>
+                      <a:r>
+                        <a:rPr lang="en-US" altLang="zh-CN" sz="1800" u="none" strike="noStrike" dirty="0">
+                          <a:effectLst/>
+                        </a:rPr>
+                        <a:t>0.8954</a:t>
+                      </a:r>
+                      <a:endParaRPr lang="en-US" altLang="zh-CN" sz="1800" b="0" i="0" u="none" strike="noStrike" dirty="0">
+                        <a:solidFill>
+                          <a:srgbClr val="000000"/>
+                        </a:solidFill>
+                        <a:effectLst/>
+                        <a:latin typeface="Times New Roman" panose="02020603050405020304" pitchFamily="18" charset="0"/>
+                        <a:ea typeface="等线" panose="02010600030101010101" pitchFamily="2" charset="-122"/>
+                      </a:endParaRPr>
+                    </a:p>
+                  </a:txBody>
+                  <a:tcPr marL="9318" marR="9318" marT="9318" marB="0" anchor="ctr"/>
+                </a:tc>
+                <a:extLst>
+                  <a:ext uri="{0D108BD9-81ED-4DB2-BD59-A6C34878D82A}">
+                    <a16:rowId xmlns:a16="http://schemas.microsoft.com/office/drawing/2014/main" val="3693178649"/>
+                  </a:ext>
+                </a:extLst>
+              </a:tr>
+              <a:tr h="295531">
+                <a:tc vMerge="1">
+                  <a:txBody>
+                    <a:bodyPr/>
+                    <a:lstStyle/>
+                    <a:p>
+                      <a:endParaRPr lang="zh-CN" altLang="en-US"/>
+                    </a:p>
+                  </a:txBody>
+                  <a:tcPr/>
+                </a:tc>
+                <a:tc>
+                  <a:txBody>
+                    <a:bodyPr/>
+                    <a:lstStyle/>
+                    <a:p>
+                      <a:pPr algn="l" fontAlgn="t">
+                        <a:lnSpc>
+                          <a:spcPct val="150000"/>
+                        </a:lnSpc>
+                      </a:pPr>
+                      <a:r>
+                        <a:rPr lang="en-US" sz="1800" b="1" u="none" strike="noStrike" dirty="0">
+                          <a:effectLst/>
+                        </a:rPr>
+                        <a:t>spleen acc</a:t>
+                      </a:r>
+                      <a:endParaRPr lang="en-US" sz="1800" b="1" i="0" u="none" strike="noStrike" dirty="0">
+                        <a:solidFill>
+                          <a:srgbClr val="000000"/>
+                        </a:solidFill>
+                        <a:effectLst/>
+                        <a:latin typeface="Times New Roman" panose="02020603050405020304" pitchFamily="18" charset="0"/>
+                        <a:ea typeface="等线" panose="02010600030101010101" pitchFamily="2" charset="-122"/>
+                      </a:endParaRPr>
+                    </a:p>
+                  </a:txBody>
+                  <a:tcPr marL="9318" marR="9318" marT="9318" marB="0"/>
+                </a:tc>
+                <a:tc>
+                  <a:txBody>
+                    <a:bodyPr/>
+                    <a:lstStyle/>
+                    <a:p>
+                      <a:pPr algn="l" rtl="0" fontAlgn="ctr">
+                        <a:lnSpc>
+                          <a:spcPct val="150000"/>
+                        </a:lnSpc>
+                      </a:pPr>
+                      <a:r>
+                        <a:rPr lang="en-US" altLang="zh-CN" sz="1800" u="none" strike="noStrike" dirty="0">
+                          <a:effectLst/>
+                        </a:rPr>
+                        <a:t>0.6352</a:t>
+                      </a:r>
+                      <a:endParaRPr lang="en-US" altLang="zh-CN" sz="1800" b="0" i="0" u="none" strike="noStrike" dirty="0">
+                        <a:solidFill>
+                          <a:srgbClr val="000000"/>
+                        </a:solidFill>
+                        <a:effectLst/>
+                        <a:latin typeface="Times New Roman" panose="02020603050405020304" pitchFamily="18" charset="0"/>
+                        <a:ea typeface="等线" panose="02010600030101010101" pitchFamily="2" charset="-122"/>
+                      </a:endParaRPr>
+                    </a:p>
+                  </a:txBody>
+                  <a:tcPr marL="9318" marR="9318" marT="9318" marB="0" anchor="ctr">
+                    <a:solidFill>
+                      <a:schemeClr val="accent4"/>
+                    </a:solidFill>
+                  </a:tcPr>
+                </a:tc>
+                <a:tc>
+                  <a:txBody>
+                    <a:bodyPr/>
+                    <a:lstStyle/>
+                    <a:p>
+                      <a:pPr algn="l" rtl="0" fontAlgn="ctr">
+                        <a:lnSpc>
+                          <a:spcPct val="150000"/>
+                        </a:lnSpc>
+                      </a:pPr>
+                      <a:r>
+                        <a:rPr lang="en-US" altLang="zh-CN" sz="1800" u="none" strike="noStrike">
+                          <a:effectLst/>
+                        </a:rPr>
+                        <a:t>0.6352</a:t>
+                      </a:r>
+                      <a:endParaRPr lang="en-US" altLang="zh-CN" sz="1800" b="0" i="0" u="none" strike="noStrike">
+                        <a:solidFill>
+                          <a:srgbClr val="000000"/>
+                        </a:solidFill>
+                        <a:effectLst/>
+                        <a:latin typeface="Times New Roman" panose="02020603050405020304" pitchFamily="18" charset="0"/>
+                        <a:ea typeface="等线" panose="02010600030101010101" pitchFamily="2" charset="-122"/>
+                      </a:endParaRPr>
+                    </a:p>
+                  </a:txBody>
+                  <a:tcPr marL="9318" marR="9318" marT="9318" marB="0" anchor="ctr">
+                    <a:solidFill>
+                      <a:schemeClr val="accent4"/>
+                    </a:solidFill>
+                  </a:tcPr>
+                </a:tc>
+                <a:tc>
+                  <a:txBody>
+                    <a:bodyPr/>
+                    <a:lstStyle/>
+                    <a:p>
+                      <a:pPr algn="l" rtl="0" fontAlgn="ctr">
+                        <a:lnSpc>
+                          <a:spcPct val="150000"/>
+                        </a:lnSpc>
+                      </a:pPr>
+                      <a:r>
+                        <a:rPr lang="en-US" altLang="zh-CN" sz="1800" u="none" strike="noStrike">
+                          <a:effectLst/>
+                        </a:rPr>
+                        <a:t>0.847</a:t>
+                      </a:r>
+                      <a:endParaRPr lang="en-US" altLang="zh-CN" sz="1800" b="0" i="0" u="none" strike="noStrike">
+                        <a:solidFill>
+                          <a:srgbClr val="000000"/>
+                        </a:solidFill>
+                        <a:effectLst/>
+                        <a:latin typeface="Times New Roman" panose="02020603050405020304" pitchFamily="18" charset="0"/>
+                        <a:ea typeface="等线" panose="02010600030101010101" pitchFamily="2" charset="-122"/>
+                      </a:endParaRPr>
+                    </a:p>
+                  </a:txBody>
+                  <a:tcPr marL="9318" marR="9318" marT="9318" marB="0" anchor="ctr"/>
+                </a:tc>
+                <a:tc>
+                  <a:txBody>
+                    <a:bodyPr/>
+                    <a:lstStyle/>
+                    <a:p>
+                      <a:pPr algn="l" rtl="0" fontAlgn="ctr">
+                        <a:lnSpc>
+                          <a:spcPct val="150000"/>
+                        </a:lnSpc>
+                      </a:pPr>
+                      <a:r>
+                        <a:rPr lang="en-US" altLang="zh-CN" sz="1800" u="none" strike="noStrike">
+                          <a:effectLst/>
+                        </a:rPr>
+                        <a:t>0.8532</a:t>
+                      </a:r>
+                      <a:endParaRPr lang="en-US" altLang="zh-CN" sz="1800" b="0" i="0" u="none" strike="noStrike">
+                        <a:solidFill>
+                          <a:srgbClr val="000000"/>
+                        </a:solidFill>
+                        <a:effectLst/>
+                        <a:latin typeface="Times New Roman" panose="02020603050405020304" pitchFamily="18" charset="0"/>
+                        <a:ea typeface="等线" panose="02010600030101010101" pitchFamily="2" charset="-122"/>
+                      </a:endParaRPr>
+                    </a:p>
+                  </a:txBody>
+                  <a:tcPr marL="9318" marR="9318" marT="9318" marB="0" anchor="ctr"/>
+                </a:tc>
+                <a:tc>
+                  <a:txBody>
+                    <a:bodyPr/>
+                    <a:lstStyle/>
+                    <a:p>
+                      <a:pPr algn="l" rtl="0" fontAlgn="ctr">
+                        <a:lnSpc>
+                          <a:spcPct val="150000"/>
+                        </a:lnSpc>
+                      </a:pPr>
+                      <a:r>
+                        <a:rPr lang="en-US" altLang="zh-CN" sz="1800" u="none" strike="noStrike">
+                          <a:effectLst/>
+                        </a:rPr>
+                        <a:t>0.8501</a:t>
+                      </a:r>
+                      <a:endParaRPr lang="en-US" altLang="zh-CN" sz="1800" b="0" i="0" u="none" strike="noStrike">
+                        <a:solidFill>
+                          <a:srgbClr val="000000"/>
+                        </a:solidFill>
+                        <a:effectLst/>
+                        <a:latin typeface="Times New Roman" panose="02020603050405020304" pitchFamily="18" charset="0"/>
+                        <a:ea typeface="等线" panose="02010600030101010101" pitchFamily="2" charset="-122"/>
+                      </a:endParaRPr>
+                    </a:p>
+                  </a:txBody>
+                  <a:tcPr marL="9318" marR="9318" marT="9318" marB="0" anchor="ctr"/>
+                </a:tc>
+                <a:tc>
+                  <a:txBody>
+                    <a:bodyPr/>
+                    <a:lstStyle/>
+                    <a:p>
+                      <a:pPr algn="l" rtl="0" fontAlgn="ctr">
+                        <a:lnSpc>
+                          <a:spcPct val="150000"/>
+                        </a:lnSpc>
+                      </a:pPr>
+                      <a:r>
+                        <a:rPr lang="en-US" altLang="zh-CN" sz="1800" u="none" strike="noStrike">
+                          <a:effectLst/>
+                        </a:rPr>
+                        <a:t>0.8702</a:t>
+                      </a:r>
+                      <a:endParaRPr lang="en-US" altLang="zh-CN" sz="1800" b="0" i="0" u="none" strike="noStrike">
+                        <a:solidFill>
+                          <a:srgbClr val="000000"/>
+                        </a:solidFill>
+                        <a:effectLst/>
+                        <a:latin typeface="Times New Roman" panose="02020603050405020304" pitchFamily="18" charset="0"/>
+                        <a:ea typeface="等线" panose="02010600030101010101" pitchFamily="2" charset="-122"/>
+                      </a:endParaRPr>
+                    </a:p>
+                  </a:txBody>
+                  <a:tcPr marL="9318" marR="9318" marT="9318" marB="0" anchor="ctr"/>
+                </a:tc>
+                <a:extLst>
+                  <a:ext uri="{0D108BD9-81ED-4DB2-BD59-A6C34878D82A}">
+                    <a16:rowId xmlns:a16="http://schemas.microsoft.com/office/drawing/2014/main" val="2248108599"/>
+                  </a:ext>
+                </a:extLst>
+              </a:tr>
+              <a:tr h="295531">
+                <a:tc vMerge="1">
+                  <a:txBody>
+                    <a:bodyPr/>
+                    <a:lstStyle/>
+                    <a:p>
+                      <a:endParaRPr lang="zh-CN" altLang="en-US"/>
+                    </a:p>
+                  </a:txBody>
+                  <a:tcPr/>
+                </a:tc>
+                <a:tc>
+                  <a:txBody>
+                    <a:bodyPr/>
+                    <a:lstStyle/>
+                    <a:p>
+                      <a:pPr algn="l" fontAlgn="t">
+                        <a:lnSpc>
+                          <a:spcPct val="150000"/>
+                        </a:lnSpc>
+                      </a:pPr>
+                      <a:r>
+                        <a:rPr lang="en-US" sz="1800" b="1" u="none" strike="noStrike" dirty="0">
+                          <a:effectLst/>
+                        </a:rPr>
+                        <a:t>kidney acc</a:t>
+                      </a:r>
+                      <a:endParaRPr lang="en-US" sz="1800" b="1" i="0" u="none" strike="noStrike" dirty="0">
+                        <a:solidFill>
+                          <a:srgbClr val="000000"/>
+                        </a:solidFill>
+                        <a:effectLst/>
+                        <a:latin typeface="Times New Roman" panose="02020603050405020304" pitchFamily="18" charset="0"/>
+                        <a:ea typeface="等线" panose="02010600030101010101" pitchFamily="2" charset="-122"/>
+                      </a:endParaRPr>
+                    </a:p>
+                  </a:txBody>
+                  <a:tcPr marL="9318" marR="9318" marT="9318" marB="0"/>
+                </a:tc>
+                <a:tc>
+                  <a:txBody>
+                    <a:bodyPr/>
+                    <a:lstStyle/>
+                    <a:p>
+                      <a:pPr algn="l" rtl="0" fontAlgn="ctr">
+                        <a:lnSpc>
+                          <a:spcPct val="150000"/>
+                        </a:lnSpc>
+                      </a:pPr>
+                      <a:r>
+                        <a:rPr lang="en-US" altLang="zh-CN" sz="1800" u="none" strike="noStrike">
+                          <a:effectLst/>
+                        </a:rPr>
+                        <a:t>0.5352</a:t>
+                      </a:r>
+                      <a:endParaRPr lang="en-US" altLang="zh-CN" sz="1800" b="0" i="0" u="none" strike="noStrike">
+                        <a:solidFill>
+                          <a:srgbClr val="000000"/>
+                        </a:solidFill>
+                        <a:effectLst/>
+                        <a:latin typeface="Times New Roman" panose="02020603050405020304" pitchFamily="18" charset="0"/>
+                        <a:ea typeface="等线" panose="02010600030101010101" pitchFamily="2" charset="-122"/>
+                      </a:endParaRPr>
+                    </a:p>
+                  </a:txBody>
+                  <a:tcPr marL="9318" marR="9318" marT="9318" marB="0" anchor="ctr">
+                    <a:solidFill>
+                      <a:schemeClr val="accent4"/>
+                    </a:solidFill>
+                  </a:tcPr>
+                </a:tc>
+                <a:tc>
+                  <a:txBody>
+                    <a:bodyPr/>
+                    <a:lstStyle/>
+                    <a:p>
+                      <a:pPr algn="l" rtl="0" fontAlgn="ctr">
+                        <a:lnSpc>
+                          <a:spcPct val="150000"/>
+                        </a:lnSpc>
+                      </a:pPr>
+                      <a:r>
+                        <a:rPr lang="en-US" altLang="zh-CN" sz="1800" u="none" strike="noStrike">
+                          <a:effectLst/>
+                        </a:rPr>
+                        <a:t>0.5518</a:t>
+                      </a:r>
+                      <a:endParaRPr lang="en-US" altLang="zh-CN" sz="1800" b="0" i="0" u="none" strike="noStrike">
+                        <a:solidFill>
+                          <a:srgbClr val="000000"/>
+                        </a:solidFill>
+                        <a:effectLst/>
+                        <a:latin typeface="Times New Roman" panose="02020603050405020304" pitchFamily="18" charset="0"/>
+                        <a:ea typeface="等线" panose="02010600030101010101" pitchFamily="2" charset="-122"/>
+                      </a:endParaRPr>
+                    </a:p>
+                  </a:txBody>
+                  <a:tcPr marL="9318" marR="9318" marT="9318" marB="0" anchor="ctr">
+                    <a:solidFill>
+                      <a:schemeClr val="accent4"/>
+                    </a:solidFill>
+                  </a:tcPr>
+                </a:tc>
+                <a:tc>
+                  <a:txBody>
+                    <a:bodyPr/>
+                    <a:lstStyle/>
+                    <a:p>
+                      <a:pPr algn="l" rtl="0" fontAlgn="ctr">
+                        <a:lnSpc>
+                          <a:spcPct val="150000"/>
+                        </a:lnSpc>
+                      </a:pPr>
+                      <a:r>
+                        <a:rPr lang="en-US" altLang="zh-CN" sz="1800" u="none" strike="noStrike">
+                          <a:effectLst/>
+                        </a:rPr>
+                        <a:t>0.8918</a:t>
+                      </a:r>
+                      <a:endParaRPr lang="en-US" altLang="zh-CN" sz="1800" b="0" i="0" u="none" strike="noStrike">
+                        <a:solidFill>
+                          <a:srgbClr val="000000"/>
+                        </a:solidFill>
+                        <a:effectLst/>
+                        <a:latin typeface="Times New Roman" panose="02020603050405020304" pitchFamily="18" charset="0"/>
+                        <a:ea typeface="等线" panose="02010600030101010101" pitchFamily="2" charset="-122"/>
+                      </a:endParaRPr>
+                    </a:p>
+                  </a:txBody>
+                  <a:tcPr marL="9318" marR="9318" marT="9318" marB="0" anchor="ctr"/>
+                </a:tc>
+                <a:tc>
+                  <a:txBody>
+                    <a:bodyPr/>
+                    <a:lstStyle/>
+                    <a:p>
+                      <a:pPr algn="l" rtl="0" fontAlgn="ctr">
+                        <a:lnSpc>
+                          <a:spcPct val="150000"/>
+                        </a:lnSpc>
+                      </a:pPr>
+                      <a:r>
+                        <a:rPr lang="en-US" altLang="zh-CN" sz="1800" u="none" strike="noStrike">
+                          <a:effectLst/>
+                        </a:rPr>
+                        <a:t>0.9212</a:t>
+                      </a:r>
+                      <a:endParaRPr lang="en-US" altLang="zh-CN" sz="1800" b="0" i="0" u="none" strike="noStrike">
+                        <a:solidFill>
+                          <a:srgbClr val="000000"/>
+                        </a:solidFill>
+                        <a:effectLst/>
+                        <a:latin typeface="Times New Roman" panose="02020603050405020304" pitchFamily="18" charset="0"/>
+                        <a:ea typeface="等线" panose="02010600030101010101" pitchFamily="2" charset="-122"/>
+                      </a:endParaRPr>
+                    </a:p>
+                  </a:txBody>
+                  <a:tcPr marL="9318" marR="9318" marT="9318" marB="0" anchor="ctr"/>
+                </a:tc>
+                <a:tc>
+                  <a:txBody>
+                    <a:bodyPr/>
+                    <a:lstStyle/>
+                    <a:p>
+                      <a:pPr algn="l" rtl="0" fontAlgn="ctr">
+                        <a:lnSpc>
+                          <a:spcPct val="150000"/>
+                        </a:lnSpc>
+                      </a:pPr>
+                      <a:r>
+                        <a:rPr lang="en-US" altLang="zh-CN" sz="1800" u="none" strike="noStrike">
+                          <a:effectLst/>
+                        </a:rPr>
+                        <a:t>0.881</a:t>
+                      </a:r>
+                      <a:endParaRPr lang="en-US" altLang="zh-CN" sz="1800" b="0" i="0" u="none" strike="noStrike">
+                        <a:solidFill>
+                          <a:srgbClr val="000000"/>
+                        </a:solidFill>
+                        <a:effectLst/>
+                        <a:latin typeface="Times New Roman" panose="02020603050405020304" pitchFamily="18" charset="0"/>
+                        <a:ea typeface="等线" panose="02010600030101010101" pitchFamily="2" charset="-122"/>
+                      </a:endParaRPr>
+                    </a:p>
+                  </a:txBody>
+                  <a:tcPr marL="9318" marR="9318" marT="9318" marB="0" anchor="ctr"/>
+                </a:tc>
+                <a:tc>
+                  <a:txBody>
+                    <a:bodyPr/>
+                    <a:lstStyle/>
+                    <a:p>
+                      <a:pPr algn="l" rtl="0" fontAlgn="ctr">
+                        <a:lnSpc>
+                          <a:spcPct val="150000"/>
+                        </a:lnSpc>
+                      </a:pPr>
+                      <a:r>
+                        <a:rPr lang="en-US" altLang="zh-CN" sz="1800" u="none" strike="noStrike">
+                          <a:effectLst/>
+                        </a:rPr>
+                        <a:t>0.8949</a:t>
+                      </a:r>
+                      <a:endParaRPr lang="en-US" altLang="zh-CN" sz="1800" b="0" i="0" u="none" strike="noStrike">
+                        <a:solidFill>
+                          <a:srgbClr val="000000"/>
+                        </a:solidFill>
+                        <a:effectLst/>
+                        <a:latin typeface="Times New Roman" panose="02020603050405020304" pitchFamily="18" charset="0"/>
+                        <a:ea typeface="等线" panose="02010600030101010101" pitchFamily="2" charset="-122"/>
+                      </a:endParaRPr>
+                    </a:p>
+                  </a:txBody>
+                  <a:tcPr marL="9318" marR="9318" marT="9318" marB="0" anchor="ctr"/>
+                </a:tc>
+                <a:extLst>
+                  <a:ext uri="{0D108BD9-81ED-4DB2-BD59-A6C34878D82A}">
+                    <a16:rowId xmlns:a16="http://schemas.microsoft.com/office/drawing/2014/main" val="2694708206"/>
+                  </a:ext>
+                </a:extLst>
+              </a:tr>
+              <a:tr h="295531">
+                <a:tc vMerge="1">
+                  <a:txBody>
+                    <a:bodyPr/>
+                    <a:lstStyle/>
+                    <a:p>
+                      <a:endParaRPr lang="zh-CN" altLang="en-US"/>
+                    </a:p>
+                  </a:txBody>
+                  <a:tcPr/>
+                </a:tc>
+                <a:tc>
+                  <a:txBody>
+                    <a:bodyPr/>
+                    <a:lstStyle/>
+                    <a:p>
+                      <a:pPr algn="l" fontAlgn="t">
+                        <a:lnSpc>
+                          <a:spcPct val="150000"/>
+                        </a:lnSpc>
+                      </a:pPr>
+                      <a:r>
+                        <a:rPr lang="en-US" sz="1800" b="1" u="none" strike="noStrike" dirty="0">
+                          <a:effectLst/>
+                        </a:rPr>
+                        <a:t>liver acc</a:t>
+                      </a:r>
+                      <a:endParaRPr lang="en-US" sz="1800" b="1" i="0" u="none" strike="noStrike" dirty="0">
+                        <a:solidFill>
+                          <a:srgbClr val="000000"/>
+                        </a:solidFill>
+                        <a:effectLst/>
+                        <a:latin typeface="Times New Roman" panose="02020603050405020304" pitchFamily="18" charset="0"/>
+                        <a:ea typeface="等线" panose="02010600030101010101" pitchFamily="2" charset="-122"/>
+                      </a:endParaRPr>
+                    </a:p>
+                  </a:txBody>
+                  <a:tcPr marL="9318" marR="9318" marT="9318" marB="0"/>
+                </a:tc>
+                <a:tc>
+                  <a:txBody>
+                    <a:bodyPr/>
+                    <a:lstStyle/>
+                    <a:p>
+                      <a:pPr algn="l" rtl="0" fontAlgn="ctr">
+                        <a:lnSpc>
+                          <a:spcPct val="150000"/>
+                        </a:lnSpc>
+                      </a:pPr>
+                      <a:r>
+                        <a:rPr lang="en-US" altLang="zh-CN" sz="1800" u="none" strike="noStrike" dirty="0">
+                          <a:effectLst/>
+                        </a:rPr>
+                        <a:t>0.4343</a:t>
+                      </a:r>
+                      <a:endParaRPr lang="en-US" altLang="zh-CN" sz="1800" b="0" i="0" u="none" strike="noStrike" dirty="0">
+                        <a:solidFill>
+                          <a:srgbClr val="000000"/>
+                        </a:solidFill>
+                        <a:effectLst/>
+                        <a:latin typeface="Times New Roman" panose="02020603050405020304" pitchFamily="18" charset="0"/>
+                        <a:ea typeface="等线" panose="02010600030101010101" pitchFamily="2" charset="-122"/>
+                      </a:endParaRPr>
+                    </a:p>
+                  </a:txBody>
+                  <a:tcPr marL="9318" marR="9318" marT="9318" marB="0" anchor="ctr">
+                    <a:solidFill>
+                      <a:schemeClr val="accent4"/>
+                    </a:solidFill>
+                  </a:tcPr>
+                </a:tc>
+                <a:tc>
+                  <a:txBody>
+                    <a:bodyPr/>
+                    <a:lstStyle/>
+                    <a:p>
+                      <a:pPr algn="l" rtl="0" fontAlgn="ctr">
+                        <a:lnSpc>
+                          <a:spcPct val="150000"/>
+                        </a:lnSpc>
+                      </a:pPr>
+                      <a:r>
+                        <a:rPr lang="en-US" altLang="zh-CN" sz="1800" u="none" strike="noStrike" dirty="0">
+                          <a:effectLst/>
+                        </a:rPr>
+                        <a:t>0.3942</a:t>
+                      </a:r>
+                      <a:endParaRPr lang="en-US" altLang="zh-CN" sz="1800" b="0" i="0" u="none" strike="noStrike" dirty="0">
+                        <a:solidFill>
+                          <a:srgbClr val="000000"/>
+                        </a:solidFill>
+                        <a:effectLst/>
+                        <a:latin typeface="Times New Roman" panose="02020603050405020304" pitchFamily="18" charset="0"/>
+                        <a:ea typeface="等线" panose="02010600030101010101" pitchFamily="2" charset="-122"/>
+                      </a:endParaRPr>
+                    </a:p>
+                  </a:txBody>
+                  <a:tcPr marL="9318" marR="9318" marT="9318" marB="0" anchor="ctr">
+                    <a:solidFill>
+                      <a:schemeClr val="accent4"/>
+                    </a:solidFill>
+                  </a:tcPr>
+                </a:tc>
+                <a:tc>
+                  <a:txBody>
+                    <a:bodyPr/>
+                    <a:lstStyle/>
+                    <a:p>
+                      <a:pPr algn="l" rtl="0" fontAlgn="ctr">
+                        <a:lnSpc>
+                          <a:spcPct val="150000"/>
+                        </a:lnSpc>
+                      </a:pPr>
+                      <a:r>
+                        <a:rPr lang="en-US" altLang="zh-CN" sz="1800" u="none" strike="noStrike">
+                          <a:effectLst/>
+                        </a:rPr>
+                        <a:t>0.9243</a:t>
+                      </a:r>
+                      <a:endParaRPr lang="en-US" altLang="zh-CN" sz="1800" b="0" i="0" u="none" strike="noStrike">
+                        <a:solidFill>
+                          <a:srgbClr val="000000"/>
+                        </a:solidFill>
+                        <a:effectLst/>
+                        <a:latin typeface="Times New Roman" panose="02020603050405020304" pitchFamily="18" charset="0"/>
+                        <a:ea typeface="等线" panose="02010600030101010101" pitchFamily="2" charset="-122"/>
+                      </a:endParaRPr>
+                    </a:p>
+                  </a:txBody>
+                  <a:tcPr marL="9318" marR="9318" marT="9318" marB="0" anchor="ctr"/>
+                </a:tc>
+                <a:tc>
+                  <a:txBody>
+                    <a:bodyPr/>
+                    <a:lstStyle/>
+                    <a:p>
+                      <a:pPr algn="l" rtl="0" fontAlgn="ctr">
+                        <a:lnSpc>
+                          <a:spcPct val="150000"/>
+                        </a:lnSpc>
+                      </a:pPr>
+                      <a:r>
+                        <a:rPr lang="en-US" altLang="zh-CN" sz="1800" u="none" strike="noStrike">
+                          <a:effectLst/>
+                        </a:rPr>
+                        <a:t>0.9258</a:t>
+                      </a:r>
+                      <a:endParaRPr lang="en-US" altLang="zh-CN" sz="1800" b="0" i="0" u="none" strike="noStrike">
+                        <a:solidFill>
+                          <a:srgbClr val="000000"/>
+                        </a:solidFill>
+                        <a:effectLst/>
+                        <a:latin typeface="Times New Roman" panose="02020603050405020304" pitchFamily="18" charset="0"/>
+                        <a:ea typeface="等线" panose="02010600030101010101" pitchFamily="2" charset="-122"/>
+                      </a:endParaRPr>
+                    </a:p>
+                  </a:txBody>
+                  <a:tcPr marL="9318" marR="9318" marT="9318" marB="0" anchor="ctr"/>
+                </a:tc>
+                <a:tc>
+                  <a:txBody>
+                    <a:bodyPr/>
+                    <a:lstStyle/>
+                    <a:p>
+                      <a:pPr algn="l" rtl="0" fontAlgn="ctr">
+                        <a:lnSpc>
+                          <a:spcPct val="150000"/>
+                        </a:lnSpc>
+                      </a:pPr>
+                      <a:r>
+                        <a:rPr lang="en-US" altLang="zh-CN" sz="1800" u="none" strike="noStrike" dirty="0">
+                          <a:effectLst/>
+                        </a:rPr>
+                        <a:t>0.9134</a:t>
+                      </a:r>
+                      <a:endParaRPr lang="en-US" altLang="zh-CN" sz="1800" b="0" i="0" u="none" strike="noStrike" dirty="0">
+                        <a:solidFill>
+                          <a:srgbClr val="000000"/>
+                        </a:solidFill>
+                        <a:effectLst/>
+                        <a:latin typeface="Times New Roman" panose="02020603050405020304" pitchFamily="18" charset="0"/>
+                        <a:ea typeface="等线" panose="02010600030101010101" pitchFamily="2" charset="-122"/>
+                      </a:endParaRPr>
+                    </a:p>
+                  </a:txBody>
+                  <a:tcPr marL="9318" marR="9318" marT="9318" marB="0" anchor="ctr"/>
+                </a:tc>
+                <a:tc>
+                  <a:txBody>
+                    <a:bodyPr/>
+                    <a:lstStyle/>
+                    <a:p>
+                      <a:pPr algn="l" rtl="0" fontAlgn="ctr">
+                        <a:lnSpc>
+                          <a:spcPct val="150000"/>
+                        </a:lnSpc>
+                      </a:pPr>
+                      <a:r>
+                        <a:rPr lang="en-US" altLang="zh-CN" sz="1800" u="none" strike="noStrike">
+                          <a:effectLst/>
+                        </a:rPr>
+                        <a:t>0.9212</a:t>
+                      </a:r>
+                      <a:endParaRPr lang="en-US" altLang="zh-CN" sz="1800" b="0" i="0" u="none" strike="noStrike">
+                        <a:solidFill>
+                          <a:srgbClr val="000000"/>
+                        </a:solidFill>
+                        <a:effectLst/>
+                        <a:latin typeface="Times New Roman" panose="02020603050405020304" pitchFamily="18" charset="0"/>
+                        <a:ea typeface="等线" panose="02010600030101010101" pitchFamily="2" charset="-122"/>
+                      </a:endParaRPr>
+                    </a:p>
+                  </a:txBody>
+                  <a:tcPr marL="9318" marR="9318" marT="9318" marB="0" anchor="ctr"/>
+                </a:tc>
+                <a:extLst>
+                  <a:ext uri="{0D108BD9-81ED-4DB2-BD59-A6C34878D82A}">
+                    <a16:rowId xmlns:a16="http://schemas.microsoft.com/office/drawing/2014/main" val="3512762867"/>
+                  </a:ext>
+                </a:extLst>
+              </a:tr>
+              <a:tr h="295531">
+                <a:tc rowSpan="4">
+                  <a:txBody>
+                    <a:bodyPr/>
+                    <a:lstStyle/>
+                    <a:p>
+                      <a:pPr algn="l" rtl="0" fontAlgn="ctr">
+                        <a:lnSpc>
+                          <a:spcPct val="150000"/>
+                        </a:lnSpc>
+                      </a:pPr>
+                      <a:r>
+                        <a:rPr lang="en-US" sz="1800" b="1" u="none" strike="noStrike" dirty="0">
+                          <a:effectLst/>
+                        </a:rPr>
+                        <a:t>T1_out</a:t>
+                      </a:r>
+                      <a:endParaRPr lang="en-US" sz="1800" b="1" i="0" u="none" strike="noStrike" dirty="0">
+                        <a:solidFill>
+                          <a:srgbClr val="000000"/>
+                        </a:solidFill>
+                        <a:effectLst/>
+                        <a:latin typeface="Times New Roman" panose="02020603050405020304" pitchFamily="18" charset="0"/>
+                        <a:ea typeface="等线" panose="02010600030101010101" pitchFamily="2" charset="-122"/>
+                      </a:endParaRPr>
+                    </a:p>
+                  </a:txBody>
+                  <a:tcPr marL="9318" marR="9318" marT="9318" marB="0" anchor="ctr"/>
+                </a:tc>
+                <a:tc>
+                  <a:txBody>
+                    <a:bodyPr/>
+                    <a:lstStyle/>
+                    <a:p>
+                      <a:pPr algn="l" fontAlgn="t">
+                        <a:lnSpc>
+                          <a:spcPct val="150000"/>
+                        </a:lnSpc>
+                      </a:pPr>
+                      <a:r>
+                        <a:rPr lang="en-US" sz="1800" b="1" u="none" strike="noStrike">
+                          <a:effectLst/>
+                        </a:rPr>
+                        <a:t>average acc</a:t>
+                      </a:r>
+                      <a:endParaRPr lang="en-US" sz="1800" b="1" i="0" u="none" strike="noStrike">
+                        <a:solidFill>
+                          <a:srgbClr val="000000"/>
+                        </a:solidFill>
+                        <a:effectLst/>
+                        <a:latin typeface="Times New Roman" panose="02020603050405020304" pitchFamily="18" charset="0"/>
+                        <a:ea typeface="等线" panose="02010600030101010101" pitchFamily="2" charset="-122"/>
+                      </a:endParaRPr>
+                    </a:p>
+                  </a:txBody>
+                  <a:tcPr marL="9318" marR="9318" marT="9318" marB="0"/>
+                </a:tc>
+                <a:tc>
+                  <a:txBody>
+                    <a:bodyPr/>
+                    <a:lstStyle/>
+                    <a:p>
+                      <a:pPr algn="l" rtl="0" fontAlgn="ctr">
+                        <a:lnSpc>
+                          <a:spcPct val="150000"/>
+                        </a:lnSpc>
+                      </a:pPr>
+                      <a:r>
+                        <a:rPr lang="en-US" altLang="zh-CN" sz="1800" u="none" strike="noStrike">
+                          <a:effectLst/>
+                        </a:rPr>
+                        <a:t>0.5549</a:t>
+                      </a:r>
+                      <a:endParaRPr lang="en-US" altLang="zh-CN" sz="1800" b="0" i="0" u="none" strike="noStrike">
+                        <a:solidFill>
+                          <a:srgbClr val="000000"/>
+                        </a:solidFill>
+                        <a:effectLst/>
+                        <a:latin typeface="Times New Roman" panose="02020603050405020304" pitchFamily="18" charset="0"/>
+                        <a:ea typeface="等线" panose="02010600030101010101" pitchFamily="2" charset="-122"/>
+                      </a:endParaRPr>
+                    </a:p>
+                  </a:txBody>
+                  <a:tcPr marL="9318" marR="9318" marT="9318" marB="0" anchor="ctr">
+                    <a:solidFill>
+                      <a:schemeClr val="accent4"/>
+                    </a:solidFill>
+                  </a:tcPr>
+                </a:tc>
+                <a:tc>
+                  <a:txBody>
+                    <a:bodyPr/>
+                    <a:lstStyle/>
+                    <a:p>
+                      <a:pPr algn="l" rtl="0" fontAlgn="ctr">
+                        <a:lnSpc>
+                          <a:spcPct val="150000"/>
+                        </a:lnSpc>
+                      </a:pPr>
+                      <a:r>
+                        <a:rPr lang="en-US" altLang="zh-CN" sz="1800" u="none" strike="noStrike" dirty="0">
+                          <a:effectLst/>
+                        </a:rPr>
+                        <a:t>0.5245</a:t>
+                      </a:r>
+                      <a:endParaRPr lang="en-US" altLang="zh-CN" sz="1800" b="0" i="0" u="none" strike="noStrike" dirty="0">
+                        <a:solidFill>
+                          <a:srgbClr val="000000"/>
+                        </a:solidFill>
+                        <a:effectLst/>
+                        <a:latin typeface="Times New Roman" panose="02020603050405020304" pitchFamily="18" charset="0"/>
+                        <a:ea typeface="等线" panose="02010600030101010101" pitchFamily="2" charset="-122"/>
+                      </a:endParaRPr>
+                    </a:p>
+                  </a:txBody>
+                  <a:tcPr marL="9318" marR="9318" marT="9318" marB="0" anchor="ctr">
+                    <a:solidFill>
+                      <a:schemeClr val="accent4"/>
+                    </a:solidFill>
+                  </a:tcPr>
+                </a:tc>
+                <a:tc>
+                  <a:txBody>
+                    <a:bodyPr/>
+                    <a:lstStyle/>
+                    <a:p>
+                      <a:pPr algn="l" rtl="0" fontAlgn="ctr">
+                        <a:lnSpc>
+                          <a:spcPct val="150000"/>
+                        </a:lnSpc>
+                      </a:pPr>
+                      <a:r>
+                        <a:rPr lang="en-US" altLang="zh-CN" sz="1800" u="none" strike="noStrike">
+                          <a:effectLst/>
+                        </a:rPr>
+                        <a:t>0.8897</a:t>
+                      </a:r>
+                      <a:endParaRPr lang="en-US" altLang="zh-CN" sz="1800" b="0" i="0" u="none" strike="noStrike">
+                        <a:solidFill>
+                          <a:srgbClr val="000000"/>
+                        </a:solidFill>
+                        <a:effectLst/>
+                        <a:latin typeface="Times New Roman" panose="02020603050405020304" pitchFamily="18" charset="0"/>
+                        <a:ea typeface="等线" panose="02010600030101010101" pitchFamily="2" charset="-122"/>
+                      </a:endParaRPr>
+                    </a:p>
+                  </a:txBody>
+                  <a:tcPr marL="9318" marR="9318" marT="9318" marB="0" anchor="ctr"/>
+                </a:tc>
+                <a:tc>
+                  <a:txBody>
+                    <a:bodyPr/>
+                    <a:lstStyle/>
+                    <a:p>
+                      <a:pPr algn="l" rtl="0" fontAlgn="ctr">
+                        <a:lnSpc>
+                          <a:spcPct val="150000"/>
+                        </a:lnSpc>
+                      </a:pPr>
+                      <a:r>
+                        <a:rPr lang="en-US" altLang="zh-CN" sz="1800" u="none" strike="noStrike" dirty="0">
+                          <a:effectLst/>
+                        </a:rPr>
+                        <a:t>0.897</a:t>
+                      </a:r>
+                      <a:endParaRPr lang="en-US" altLang="zh-CN" sz="1800" b="0" i="0" u="none" strike="noStrike" dirty="0">
+                        <a:solidFill>
+                          <a:srgbClr val="000000"/>
+                        </a:solidFill>
+                        <a:effectLst/>
+                        <a:latin typeface="Times New Roman" panose="02020603050405020304" pitchFamily="18" charset="0"/>
+                        <a:ea typeface="等线" panose="02010600030101010101" pitchFamily="2" charset="-122"/>
+                      </a:endParaRPr>
+                    </a:p>
+                  </a:txBody>
+                  <a:tcPr marL="9318" marR="9318" marT="9318" marB="0" anchor="ctr"/>
+                </a:tc>
+                <a:tc>
+                  <a:txBody>
+                    <a:bodyPr/>
+                    <a:lstStyle/>
+                    <a:p>
+                      <a:pPr algn="l" rtl="0" fontAlgn="ctr">
+                        <a:lnSpc>
+                          <a:spcPct val="150000"/>
+                        </a:lnSpc>
+                      </a:pPr>
+                      <a:r>
+                        <a:rPr lang="en-US" altLang="zh-CN" sz="1800" u="none" strike="noStrike">
+                          <a:effectLst/>
+                        </a:rPr>
+                        <a:t>0.8897</a:t>
+                      </a:r>
+                      <a:endParaRPr lang="en-US" altLang="zh-CN" sz="1800" b="0" i="0" u="none" strike="noStrike">
+                        <a:solidFill>
+                          <a:srgbClr val="000000"/>
+                        </a:solidFill>
+                        <a:effectLst/>
+                        <a:latin typeface="Times New Roman" panose="02020603050405020304" pitchFamily="18" charset="0"/>
+                        <a:ea typeface="等线" panose="02010600030101010101" pitchFamily="2" charset="-122"/>
+                      </a:endParaRPr>
+                    </a:p>
+                  </a:txBody>
+                  <a:tcPr marL="9318" marR="9318" marT="9318" marB="0" anchor="ctr"/>
+                </a:tc>
+                <a:tc>
+                  <a:txBody>
+                    <a:bodyPr/>
+                    <a:lstStyle/>
+                    <a:p>
+                      <a:pPr algn="l" rtl="0" fontAlgn="ctr">
+                        <a:lnSpc>
+                          <a:spcPct val="150000"/>
+                        </a:lnSpc>
+                      </a:pPr>
+                      <a:r>
+                        <a:rPr lang="en-US" altLang="zh-CN" sz="1800" u="none" strike="noStrike">
+                          <a:effectLst/>
+                        </a:rPr>
+                        <a:t>0.899</a:t>
+                      </a:r>
+                      <a:endParaRPr lang="en-US" altLang="zh-CN" sz="1800" b="0" i="0" u="none" strike="noStrike">
+                        <a:solidFill>
+                          <a:srgbClr val="000000"/>
+                        </a:solidFill>
+                        <a:effectLst/>
+                        <a:latin typeface="Times New Roman" panose="02020603050405020304" pitchFamily="18" charset="0"/>
+                        <a:ea typeface="等线" panose="02010600030101010101" pitchFamily="2" charset="-122"/>
+                      </a:endParaRPr>
+                    </a:p>
+                  </a:txBody>
+                  <a:tcPr marL="9318" marR="9318" marT="9318" marB="0" anchor="ctr"/>
+                </a:tc>
+                <a:extLst>
+                  <a:ext uri="{0D108BD9-81ED-4DB2-BD59-A6C34878D82A}">
+                    <a16:rowId xmlns:a16="http://schemas.microsoft.com/office/drawing/2014/main" val="2398966593"/>
+                  </a:ext>
+                </a:extLst>
+              </a:tr>
+              <a:tr h="295531">
+                <a:tc vMerge="1">
+                  <a:txBody>
+                    <a:bodyPr/>
+                    <a:lstStyle/>
+                    <a:p>
+                      <a:endParaRPr lang="zh-CN" altLang="en-US"/>
+                    </a:p>
+                  </a:txBody>
+                  <a:tcPr/>
+                </a:tc>
+                <a:tc>
+                  <a:txBody>
+                    <a:bodyPr/>
+                    <a:lstStyle/>
+                    <a:p>
+                      <a:pPr algn="l" fontAlgn="t">
+                        <a:lnSpc>
+                          <a:spcPct val="150000"/>
+                        </a:lnSpc>
+                      </a:pPr>
+                      <a:r>
+                        <a:rPr lang="en-US" sz="1800" b="1" u="none" strike="noStrike" dirty="0">
+                          <a:effectLst/>
+                        </a:rPr>
+                        <a:t>spleen acc</a:t>
+                      </a:r>
+                      <a:endParaRPr lang="en-US" sz="1800" b="1" i="0" u="none" strike="noStrike" dirty="0">
+                        <a:solidFill>
+                          <a:srgbClr val="000000"/>
+                        </a:solidFill>
+                        <a:effectLst/>
+                        <a:latin typeface="Times New Roman" panose="02020603050405020304" pitchFamily="18" charset="0"/>
+                        <a:ea typeface="等线" panose="02010600030101010101" pitchFamily="2" charset="-122"/>
+                      </a:endParaRPr>
+                    </a:p>
+                  </a:txBody>
+                  <a:tcPr marL="9318" marR="9318" marT="9318" marB="0"/>
+                </a:tc>
+                <a:tc>
+                  <a:txBody>
+                    <a:bodyPr/>
+                    <a:lstStyle/>
+                    <a:p>
+                      <a:pPr algn="l" rtl="0" fontAlgn="ctr">
+                        <a:lnSpc>
+                          <a:spcPct val="150000"/>
+                        </a:lnSpc>
+                      </a:pPr>
+                      <a:r>
+                        <a:rPr lang="en-US" altLang="zh-CN" sz="1800" u="none" strike="noStrike">
+                          <a:effectLst/>
+                        </a:rPr>
+                        <a:t>0.6352</a:t>
+                      </a:r>
+                      <a:endParaRPr lang="en-US" altLang="zh-CN" sz="1800" b="0" i="0" u="none" strike="noStrike">
+                        <a:solidFill>
+                          <a:srgbClr val="000000"/>
+                        </a:solidFill>
+                        <a:effectLst/>
+                        <a:latin typeface="Times New Roman" panose="02020603050405020304" pitchFamily="18" charset="0"/>
+                        <a:ea typeface="等线" panose="02010600030101010101" pitchFamily="2" charset="-122"/>
+                      </a:endParaRPr>
+                    </a:p>
+                  </a:txBody>
+                  <a:tcPr marL="9318" marR="9318" marT="9318" marB="0" anchor="ctr">
+                    <a:solidFill>
+                      <a:schemeClr val="accent4"/>
+                    </a:solidFill>
+                  </a:tcPr>
+                </a:tc>
+                <a:tc>
+                  <a:txBody>
+                    <a:bodyPr/>
+                    <a:lstStyle/>
+                    <a:p>
+                      <a:pPr algn="l" rtl="0" fontAlgn="ctr">
+                        <a:lnSpc>
+                          <a:spcPct val="150000"/>
+                        </a:lnSpc>
+                      </a:pPr>
+                      <a:r>
+                        <a:rPr lang="en-US" altLang="zh-CN" sz="1800" u="none" strike="noStrike" dirty="0">
+                          <a:effectLst/>
+                        </a:rPr>
+                        <a:t>0.6352</a:t>
+                      </a:r>
+                      <a:endParaRPr lang="en-US" altLang="zh-CN" sz="1800" b="0" i="0" u="none" strike="noStrike" dirty="0">
+                        <a:solidFill>
+                          <a:srgbClr val="000000"/>
+                        </a:solidFill>
+                        <a:effectLst/>
+                        <a:latin typeface="Times New Roman" panose="02020603050405020304" pitchFamily="18" charset="0"/>
+                        <a:ea typeface="等线" panose="02010600030101010101" pitchFamily="2" charset="-122"/>
+                      </a:endParaRPr>
+                    </a:p>
+                  </a:txBody>
+                  <a:tcPr marL="9318" marR="9318" marT="9318" marB="0" anchor="ctr">
+                    <a:solidFill>
+                      <a:schemeClr val="accent4"/>
+                    </a:solidFill>
+                  </a:tcPr>
+                </a:tc>
+                <a:tc>
+                  <a:txBody>
+                    <a:bodyPr/>
+                    <a:lstStyle/>
+                    <a:p>
+                      <a:pPr algn="l" rtl="0" fontAlgn="ctr">
+                        <a:lnSpc>
+                          <a:spcPct val="150000"/>
+                        </a:lnSpc>
+                      </a:pPr>
+                      <a:r>
+                        <a:rPr lang="en-US" altLang="zh-CN" sz="1800" u="none" strike="noStrike">
+                          <a:effectLst/>
+                        </a:rPr>
+                        <a:t>0.8655</a:t>
+                      </a:r>
+                      <a:endParaRPr lang="en-US" altLang="zh-CN" sz="1800" b="0" i="0" u="none" strike="noStrike">
+                        <a:solidFill>
+                          <a:srgbClr val="000000"/>
+                        </a:solidFill>
+                        <a:effectLst/>
+                        <a:latin typeface="Times New Roman" panose="02020603050405020304" pitchFamily="18" charset="0"/>
+                        <a:ea typeface="等线" panose="02010600030101010101" pitchFamily="2" charset="-122"/>
+                      </a:endParaRPr>
+                    </a:p>
+                  </a:txBody>
+                  <a:tcPr marL="9318" marR="9318" marT="9318" marB="0" anchor="ctr"/>
+                </a:tc>
+                <a:tc>
+                  <a:txBody>
+                    <a:bodyPr/>
+                    <a:lstStyle/>
+                    <a:p>
+                      <a:pPr algn="l" rtl="0" fontAlgn="ctr">
+                        <a:lnSpc>
+                          <a:spcPct val="150000"/>
+                        </a:lnSpc>
+                      </a:pPr>
+                      <a:r>
+                        <a:rPr lang="en-US" altLang="zh-CN" sz="1800" u="none" strike="noStrike">
+                          <a:effectLst/>
+                        </a:rPr>
+                        <a:t>0.8794</a:t>
+                      </a:r>
+                      <a:endParaRPr lang="en-US" altLang="zh-CN" sz="1800" b="0" i="0" u="none" strike="noStrike">
+                        <a:solidFill>
+                          <a:srgbClr val="000000"/>
+                        </a:solidFill>
+                        <a:effectLst/>
+                        <a:latin typeface="Times New Roman" panose="02020603050405020304" pitchFamily="18" charset="0"/>
+                        <a:ea typeface="等线" panose="02010600030101010101" pitchFamily="2" charset="-122"/>
+                      </a:endParaRPr>
+                    </a:p>
+                  </a:txBody>
+                  <a:tcPr marL="9318" marR="9318" marT="9318" marB="0" anchor="ctr"/>
+                </a:tc>
+                <a:tc>
+                  <a:txBody>
+                    <a:bodyPr/>
+                    <a:lstStyle/>
+                    <a:p>
+                      <a:pPr algn="l" rtl="0" fontAlgn="ctr">
+                        <a:lnSpc>
+                          <a:spcPct val="150000"/>
+                        </a:lnSpc>
+                      </a:pPr>
+                      <a:r>
+                        <a:rPr lang="en-US" altLang="zh-CN" sz="1800" u="none" strike="noStrike">
+                          <a:effectLst/>
+                        </a:rPr>
+                        <a:t>0.8779</a:t>
+                      </a:r>
+                      <a:endParaRPr lang="en-US" altLang="zh-CN" sz="1800" b="0" i="0" u="none" strike="noStrike">
+                        <a:solidFill>
+                          <a:srgbClr val="000000"/>
+                        </a:solidFill>
+                        <a:effectLst/>
+                        <a:latin typeface="Times New Roman" panose="02020603050405020304" pitchFamily="18" charset="0"/>
+                        <a:ea typeface="等线" panose="02010600030101010101" pitchFamily="2" charset="-122"/>
+                      </a:endParaRPr>
+                    </a:p>
+                  </a:txBody>
+                  <a:tcPr marL="9318" marR="9318" marT="9318" marB="0" anchor="ctr"/>
+                </a:tc>
+                <a:tc>
+                  <a:txBody>
+                    <a:bodyPr/>
+                    <a:lstStyle/>
+                    <a:p>
+                      <a:pPr algn="l" rtl="0" fontAlgn="ctr">
+                        <a:lnSpc>
+                          <a:spcPct val="150000"/>
+                        </a:lnSpc>
+                      </a:pPr>
+                      <a:r>
+                        <a:rPr lang="en-US" altLang="zh-CN" sz="1800" u="none" strike="noStrike">
+                          <a:effectLst/>
+                        </a:rPr>
+                        <a:t>0.8794</a:t>
+                      </a:r>
+                      <a:endParaRPr lang="en-US" altLang="zh-CN" sz="1800" b="0" i="0" u="none" strike="noStrike">
+                        <a:solidFill>
+                          <a:srgbClr val="000000"/>
+                        </a:solidFill>
+                        <a:effectLst/>
+                        <a:latin typeface="Times New Roman" panose="02020603050405020304" pitchFamily="18" charset="0"/>
+                        <a:ea typeface="等线" panose="02010600030101010101" pitchFamily="2" charset="-122"/>
+                      </a:endParaRPr>
+                    </a:p>
+                  </a:txBody>
+                  <a:tcPr marL="9318" marR="9318" marT="9318" marB="0" anchor="ctr"/>
+                </a:tc>
+                <a:extLst>
+                  <a:ext uri="{0D108BD9-81ED-4DB2-BD59-A6C34878D82A}">
+                    <a16:rowId xmlns:a16="http://schemas.microsoft.com/office/drawing/2014/main" val="3070976615"/>
+                  </a:ext>
+                </a:extLst>
+              </a:tr>
+              <a:tr h="295531">
+                <a:tc vMerge="1">
+                  <a:txBody>
+                    <a:bodyPr/>
+                    <a:lstStyle/>
+                    <a:p>
+                      <a:endParaRPr lang="zh-CN" altLang="en-US"/>
+                    </a:p>
+                  </a:txBody>
+                  <a:tcPr/>
+                </a:tc>
+                <a:tc>
+                  <a:txBody>
+                    <a:bodyPr/>
+                    <a:lstStyle/>
+                    <a:p>
+                      <a:pPr algn="l" fontAlgn="t">
+                        <a:lnSpc>
+                          <a:spcPct val="150000"/>
+                        </a:lnSpc>
+                      </a:pPr>
+                      <a:r>
+                        <a:rPr lang="en-US" sz="1800" b="1" u="none" strike="noStrike" dirty="0">
+                          <a:effectLst/>
+                        </a:rPr>
+                        <a:t>kidney acc</a:t>
+                      </a:r>
+                      <a:endParaRPr lang="en-US" sz="1800" b="1" i="0" u="none" strike="noStrike" dirty="0">
+                        <a:solidFill>
+                          <a:srgbClr val="000000"/>
+                        </a:solidFill>
+                        <a:effectLst/>
+                        <a:latin typeface="Times New Roman" panose="02020603050405020304" pitchFamily="18" charset="0"/>
+                        <a:ea typeface="等线" panose="02010600030101010101" pitchFamily="2" charset="-122"/>
+                      </a:endParaRPr>
+                    </a:p>
+                  </a:txBody>
+                  <a:tcPr marL="9318" marR="9318" marT="9318" marB="0"/>
+                </a:tc>
+                <a:tc>
+                  <a:txBody>
+                    <a:bodyPr/>
+                    <a:lstStyle/>
+                    <a:p>
+                      <a:pPr algn="l" rtl="0" fontAlgn="ctr">
+                        <a:lnSpc>
+                          <a:spcPct val="150000"/>
+                        </a:lnSpc>
+                      </a:pPr>
+                      <a:r>
+                        <a:rPr lang="en-US" altLang="zh-CN" sz="1800" u="none" strike="noStrike">
+                          <a:effectLst/>
+                        </a:rPr>
+                        <a:t>0.5394</a:t>
+                      </a:r>
+                      <a:endParaRPr lang="en-US" altLang="zh-CN" sz="1800" b="0" i="0" u="none" strike="noStrike">
+                        <a:solidFill>
+                          <a:srgbClr val="000000"/>
+                        </a:solidFill>
+                        <a:effectLst/>
+                        <a:latin typeface="Times New Roman" panose="02020603050405020304" pitchFamily="18" charset="0"/>
+                        <a:ea typeface="等线" panose="02010600030101010101" pitchFamily="2" charset="-122"/>
+                      </a:endParaRPr>
+                    </a:p>
+                  </a:txBody>
+                  <a:tcPr marL="9318" marR="9318" marT="9318" marB="0" anchor="ctr">
+                    <a:solidFill>
+                      <a:schemeClr val="accent4"/>
+                    </a:solidFill>
+                  </a:tcPr>
+                </a:tc>
+                <a:tc>
+                  <a:txBody>
+                    <a:bodyPr/>
+                    <a:lstStyle/>
+                    <a:p>
+                      <a:pPr algn="l" rtl="0" fontAlgn="ctr">
+                        <a:lnSpc>
+                          <a:spcPct val="150000"/>
+                        </a:lnSpc>
+                      </a:pPr>
+                      <a:r>
+                        <a:rPr lang="en-US" altLang="zh-CN" sz="1800" u="none" strike="noStrike" dirty="0">
+                          <a:effectLst/>
+                        </a:rPr>
+                        <a:t>0.5379</a:t>
+                      </a:r>
+                      <a:endParaRPr lang="en-US" altLang="zh-CN" sz="1800" b="0" i="0" u="none" strike="noStrike" dirty="0">
+                        <a:solidFill>
+                          <a:srgbClr val="000000"/>
+                        </a:solidFill>
+                        <a:effectLst/>
+                        <a:latin typeface="Times New Roman" panose="02020603050405020304" pitchFamily="18" charset="0"/>
+                        <a:ea typeface="等线" panose="02010600030101010101" pitchFamily="2" charset="-122"/>
+                      </a:endParaRPr>
+                    </a:p>
+                  </a:txBody>
+                  <a:tcPr marL="9318" marR="9318" marT="9318" marB="0" anchor="ctr">
+                    <a:solidFill>
+                      <a:schemeClr val="accent4"/>
+                    </a:solidFill>
+                  </a:tcPr>
+                </a:tc>
+                <a:tc>
+                  <a:txBody>
+                    <a:bodyPr/>
+                    <a:lstStyle/>
+                    <a:p>
+                      <a:pPr algn="l" rtl="0" fontAlgn="ctr">
+                        <a:lnSpc>
+                          <a:spcPct val="150000"/>
+                        </a:lnSpc>
+                      </a:pPr>
+                      <a:r>
+                        <a:rPr lang="en-US" altLang="zh-CN" sz="1800" u="none" strike="noStrike">
+                          <a:effectLst/>
+                        </a:rPr>
+                        <a:t>0.8779</a:t>
+                      </a:r>
+                      <a:endParaRPr lang="en-US" altLang="zh-CN" sz="1800" b="0" i="0" u="none" strike="noStrike">
+                        <a:solidFill>
+                          <a:srgbClr val="000000"/>
+                        </a:solidFill>
+                        <a:effectLst/>
+                        <a:latin typeface="Times New Roman" panose="02020603050405020304" pitchFamily="18" charset="0"/>
+                        <a:ea typeface="等线" panose="02010600030101010101" pitchFamily="2" charset="-122"/>
+                      </a:endParaRPr>
+                    </a:p>
+                  </a:txBody>
+                  <a:tcPr marL="9318" marR="9318" marT="9318" marB="0" anchor="ctr"/>
+                </a:tc>
+                <a:tc>
+                  <a:txBody>
+                    <a:bodyPr/>
+                    <a:lstStyle/>
+                    <a:p>
+                      <a:pPr algn="l" rtl="0" fontAlgn="ctr">
+                        <a:lnSpc>
+                          <a:spcPct val="150000"/>
+                        </a:lnSpc>
+                      </a:pPr>
+                      <a:r>
+                        <a:rPr lang="en-US" altLang="zh-CN" sz="1800" u="none" strike="noStrike">
+                          <a:effectLst/>
+                        </a:rPr>
+                        <a:t>0.9042</a:t>
+                      </a:r>
+                      <a:endParaRPr lang="en-US" altLang="zh-CN" sz="1800" b="0" i="0" u="none" strike="noStrike">
+                        <a:solidFill>
+                          <a:srgbClr val="000000"/>
+                        </a:solidFill>
+                        <a:effectLst/>
+                        <a:latin typeface="Times New Roman" panose="02020603050405020304" pitchFamily="18" charset="0"/>
+                        <a:ea typeface="等线" panose="02010600030101010101" pitchFamily="2" charset="-122"/>
+                      </a:endParaRPr>
+                    </a:p>
+                  </a:txBody>
+                  <a:tcPr marL="9318" marR="9318" marT="9318" marB="0" anchor="ctr"/>
+                </a:tc>
+                <a:tc>
+                  <a:txBody>
+                    <a:bodyPr/>
+                    <a:lstStyle/>
+                    <a:p>
+                      <a:pPr algn="l" rtl="0" fontAlgn="ctr">
+                        <a:lnSpc>
+                          <a:spcPct val="150000"/>
+                        </a:lnSpc>
+                      </a:pPr>
+                      <a:r>
+                        <a:rPr lang="en-US" altLang="zh-CN" sz="1800" u="none" strike="noStrike">
+                          <a:effectLst/>
+                        </a:rPr>
+                        <a:t>0.8856</a:t>
+                      </a:r>
+                      <a:endParaRPr lang="en-US" altLang="zh-CN" sz="1800" b="0" i="0" u="none" strike="noStrike">
+                        <a:solidFill>
+                          <a:srgbClr val="000000"/>
+                        </a:solidFill>
+                        <a:effectLst/>
+                        <a:latin typeface="Times New Roman" panose="02020603050405020304" pitchFamily="18" charset="0"/>
+                        <a:ea typeface="等线" panose="02010600030101010101" pitchFamily="2" charset="-122"/>
+                      </a:endParaRPr>
+                    </a:p>
+                  </a:txBody>
+                  <a:tcPr marL="9318" marR="9318" marT="9318" marB="0" anchor="ctr"/>
+                </a:tc>
+                <a:tc>
+                  <a:txBody>
+                    <a:bodyPr/>
+                    <a:lstStyle/>
+                    <a:p>
+                      <a:pPr algn="l" rtl="0" fontAlgn="ctr">
+                        <a:lnSpc>
+                          <a:spcPct val="150000"/>
+                        </a:lnSpc>
+                      </a:pPr>
+                      <a:r>
+                        <a:rPr lang="en-US" altLang="zh-CN" sz="1800" u="none" strike="noStrike">
+                          <a:effectLst/>
+                        </a:rPr>
+                        <a:t>0.9011</a:t>
+                      </a:r>
+                      <a:endParaRPr lang="en-US" altLang="zh-CN" sz="1800" b="0" i="0" u="none" strike="noStrike">
+                        <a:solidFill>
+                          <a:srgbClr val="000000"/>
+                        </a:solidFill>
+                        <a:effectLst/>
+                        <a:latin typeface="Times New Roman" panose="02020603050405020304" pitchFamily="18" charset="0"/>
+                        <a:ea typeface="等线" panose="02010600030101010101" pitchFamily="2" charset="-122"/>
+                      </a:endParaRPr>
+                    </a:p>
+                  </a:txBody>
+                  <a:tcPr marL="9318" marR="9318" marT="9318" marB="0" anchor="ctr"/>
+                </a:tc>
+                <a:extLst>
+                  <a:ext uri="{0D108BD9-81ED-4DB2-BD59-A6C34878D82A}">
+                    <a16:rowId xmlns:a16="http://schemas.microsoft.com/office/drawing/2014/main" val="2361242770"/>
+                  </a:ext>
+                </a:extLst>
+              </a:tr>
+              <a:tr h="295531">
+                <a:tc vMerge="1">
+                  <a:txBody>
+                    <a:bodyPr/>
+                    <a:lstStyle/>
+                    <a:p>
+                      <a:endParaRPr lang="zh-CN" altLang="en-US"/>
+                    </a:p>
+                  </a:txBody>
+                  <a:tcPr/>
+                </a:tc>
+                <a:tc>
+                  <a:txBody>
+                    <a:bodyPr/>
+                    <a:lstStyle/>
+                    <a:p>
+                      <a:pPr algn="l" fontAlgn="t">
+                        <a:lnSpc>
+                          <a:spcPct val="150000"/>
+                        </a:lnSpc>
+                      </a:pPr>
+                      <a:r>
+                        <a:rPr lang="en-US" sz="1800" b="1" u="none" strike="noStrike" dirty="0">
+                          <a:effectLst/>
+                        </a:rPr>
+                        <a:t>liver acc</a:t>
+                      </a:r>
+                      <a:endParaRPr lang="en-US" sz="1800" b="1" i="0" u="none" strike="noStrike" dirty="0">
+                        <a:solidFill>
+                          <a:srgbClr val="000000"/>
+                        </a:solidFill>
+                        <a:effectLst/>
+                        <a:latin typeface="Times New Roman" panose="02020603050405020304" pitchFamily="18" charset="0"/>
+                        <a:ea typeface="等线" panose="02010600030101010101" pitchFamily="2" charset="-122"/>
+                      </a:endParaRPr>
+                    </a:p>
+                  </a:txBody>
+                  <a:tcPr marL="9318" marR="9318" marT="9318" marB="0"/>
+                </a:tc>
+                <a:tc>
+                  <a:txBody>
+                    <a:bodyPr/>
+                    <a:lstStyle/>
+                    <a:p>
+                      <a:pPr algn="l" rtl="0" fontAlgn="ctr">
+                        <a:lnSpc>
+                          <a:spcPct val="150000"/>
+                        </a:lnSpc>
+                      </a:pPr>
+                      <a:r>
+                        <a:rPr lang="en-US" altLang="zh-CN" sz="1800" u="none" strike="noStrike">
+                          <a:effectLst/>
+                        </a:rPr>
+                        <a:t>0.49</a:t>
+                      </a:r>
+                      <a:endParaRPr lang="en-US" altLang="zh-CN" sz="1800" b="0" i="0" u="none" strike="noStrike">
+                        <a:solidFill>
+                          <a:srgbClr val="000000"/>
+                        </a:solidFill>
+                        <a:effectLst/>
+                        <a:latin typeface="Times New Roman" panose="02020603050405020304" pitchFamily="18" charset="0"/>
+                        <a:ea typeface="等线" panose="02010600030101010101" pitchFamily="2" charset="-122"/>
+                      </a:endParaRPr>
+                    </a:p>
+                  </a:txBody>
+                  <a:tcPr marL="9318" marR="9318" marT="9318" marB="0" anchor="ctr">
+                    <a:solidFill>
+                      <a:schemeClr val="accent4"/>
+                    </a:solidFill>
+                  </a:tcPr>
+                </a:tc>
+                <a:tc>
+                  <a:txBody>
+                    <a:bodyPr/>
+                    <a:lstStyle/>
+                    <a:p>
+                      <a:pPr algn="l" rtl="0" fontAlgn="ctr">
+                        <a:lnSpc>
+                          <a:spcPct val="150000"/>
+                        </a:lnSpc>
+                      </a:pPr>
+                      <a:r>
+                        <a:rPr lang="en-US" altLang="zh-CN" sz="1800" u="none" strike="noStrike" dirty="0">
+                          <a:effectLst/>
+                        </a:rPr>
+                        <a:t>0.4003</a:t>
+                      </a:r>
+                      <a:endParaRPr lang="en-US" altLang="zh-CN" sz="1800" b="0" i="0" u="none" strike="noStrike" dirty="0">
+                        <a:solidFill>
+                          <a:srgbClr val="000000"/>
+                        </a:solidFill>
+                        <a:effectLst/>
+                        <a:latin typeface="Times New Roman" panose="02020603050405020304" pitchFamily="18" charset="0"/>
+                        <a:ea typeface="等线" panose="02010600030101010101" pitchFamily="2" charset="-122"/>
+                      </a:endParaRPr>
+                    </a:p>
+                  </a:txBody>
+                  <a:tcPr marL="9318" marR="9318" marT="9318" marB="0" anchor="ctr">
+                    <a:solidFill>
+                      <a:schemeClr val="accent4"/>
+                    </a:solidFill>
+                  </a:tcPr>
+                </a:tc>
+                <a:tc>
+                  <a:txBody>
+                    <a:bodyPr/>
+                    <a:lstStyle/>
+                    <a:p>
+                      <a:pPr algn="l" rtl="0" fontAlgn="ctr">
+                        <a:lnSpc>
+                          <a:spcPct val="150000"/>
+                        </a:lnSpc>
+                      </a:pPr>
+                      <a:r>
+                        <a:rPr lang="en-US" altLang="zh-CN" sz="1800" u="none" strike="noStrike">
+                          <a:effectLst/>
+                        </a:rPr>
+                        <a:t>0.9258</a:t>
+                      </a:r>
+                      <a:endParaRPr lang="en-US" altLang="zh-CN" sz="1800" b="0" i="0" u="none" strike="noStrike">
+                        <a:solidFill>
+                          <a:srgbClr val="000000"/>
+                        </a:solidFill>
+                        <a:effectLst/>
+                        <a:latin typeface="Times New Roman" panose="02020603050405020304" pitchFamily="18" charset="0"/>
+                        <a:ea typeface="等线" panose="02010600030101010101" pitchFamily="2" charset="-122"/>
+                      </a:endParaRPr>
+                    </a:p>
+                  </a:txBody>
+                  <a:tcPr marL="9318" marR="9318" marT="9318" marB="0" anchor="ctr"/>
+                </a:tc>
+                <a:tc>
+                  <a:txBody>
+                    <a:bodyPr/>
+                    <a:lstStyle/>
+                    <a:p>
+                      <a:pPr algn="l" rtl="0" fontAlgn="ctr">
+                        <a:lnSpc>
+                          <a:spcPct val="150000"/>
+                        </a:lnSpc>
+                      </a:pPr>
+                      <a:r>
+                        <a:rPr lang="en-US" altLang="zh-CN" sz="1800" u="none" strike="noStrike">
+                          <a:effectLst/>
+                        </a:rPr>
+                        <a:t>0.9073</a:t>
+                      </a:r>
+                      <a:endParaRPr lang="en-US" altLang="zh-CN" sz="1800" b="0" i="0" u="none" strike="noStrike">
+                        <a:solidFill>
+                          <a:srgbClr val="000000"/>
+                        </a:solidFill>
+                        <a:effectLst/>
+                        <a:latin typeface="Times New Roman" panose="02020603050405020304" pitchFamily="18" charset="0"/>
+                        <a:ea typeface="等线" panose="02010600030101010101" pitchFamily="2" charset="-122"/>
+                      </a:endParaRPr>
+                    </a:p>
+                  </a:txBody>
+                  <a:tcPr marL="9318" marR="9318" marT="9318" marB="0" anchor="ctr"/>
+                </a:tc>
+                <a:tc>
+                  <a:txBody>
+                    <a:bodyPr/>
+                    <a:lstStyle/>
+                    <a:p>
+                      <a:pPr algn="l" rtl="0" fontAlgn="ctr">
+                        <a:lnSpc>
+                          <a:spcPct val="150000"/>
+                        </a:lnSpc>
+                      </a:pPr>
+                      <a:r>
+                        <a:rPr lang="en-US" altLang="zh-CN" sz="1800" u="none" strike="noStrike">
+                          <a:effectLst/>
+                        </a:rPr>
+                        <a:t>0.9057</a:t>
+                      </a:r>
+                      <a:endParaRPr lang="en-US" altLang="zh-CN" sz="1800" b="0" i="0" u="none" strike="noStrike">
+                        <a:solidFill>
+                          <a:srgbClr val="000000"/>
+                        </a:solidFill>
+                        <a:effectLst/>
+                        <a:latin typeface="Times New Roman" panose="02020603050405020304" pitchFamily="18" charset="0"/>
+                        <a:ea typeface="等线" panose="02010600030101010101" pitchFamily="2" charset="-122"/>
+                      </a:endParaRPr>
+                    </a:p>
+                  </a:txBody>
+                  <a:tcPr marL="9318" marR="9318" marT="9318" marB="0" anchor="ctr"/>
+                </a:tc>
+                <a:tc>
+                  <a:txBody>
+                    <a:bodyPr/>
+                    <a:lstStyle/>
+                    <a:p>
+                      <a:pPr algn="l" rtl="0" fontAlgn="ctr">
+                        <a:lnSpc>
+                          <a:spcPct val="150000"/>
+                        </a:lnSpc>
+                      </a:pPr>
+                      <a:r>
+                        <a:rPr lang="en-US" altLang="zh-CN" sz="1800" u="none" strike="noStrike">
+                          <a:effectLst/>
+                        </a:rPr>
+                        <a:t>0.9165</a:t>
+                      </a:r>
+                      <a:endParaRPr lang="en-US" altLang="zh-CN" sz="1800" b="0" i="0" u="none" strike="noStrike">
+                        <a:solidFill>
+                          <a:srgbClr val="000000"/>
+                        </a:solidFill>
+                        <a:effectLst/>
+                        <a:latin typeface="Times New Roman" panose="02020603050405020304" pitchFamily="18" charset="0"/>
+                        <a:ea typeface="等线" panose="02010600030101010101" pitchFamily="2" charset="-122"/>
+                      </a:endParaRPr>
+                    </a:p>
+                  </a:txBody>
+                  <a:tcPr marL="9318" marR="9318" marT="9318" marB="0" anchor="ctr"/>
+                </a:tc>
+                <a:extLst>
+                  <a:ext uri="{0D108BD9-81ED-4DB2-BD59-A6C34878D82A}">
+                    <a16:rowId xmlns:a16="http://schemas.microsoft.com/office/drawing/2014/main" val="86368282"/>
+                  </a:ext>
+                </a:extLst>
+              </a:tr>
+              <a:tr h="295531">
+                <a:tc rowSpan="4">
+                  <a:txBody>
+                    <a:bodyPr/>
+                    <a:lstStyle/>
+                    <a:p>
+                      <a:pPr algn="l" rtl="0" fontAlgn="ctr">
+                        <a:lnSpc>
+                          <a:spcPct val="150000"/>
+                        </a:lnSpc>
+                      </a:pPr>
+                      <a:r>
+                        <a:rPr lang="en-US" sz="1800" b="1" u="none" strike="noStrike" dirty="0">
+                          <a:effectLst/>
+                        </a:rPr>
+                        <a:t>T2</a:t>
+                      </a:r>
+                      <a:endParaRPr lang="en-US" sz="1800" b="1" i="0" u="none" strike="noStrike" dirty="0">
+                        <a:solidFill>
+                          <a:srgbClr val="000000"/>
+                        </a:solidFill>
+                        <a:effectLst/>
+                        <a:latin typeface="Times New Roman" panose="02020603050405020304" pitchFamily="18" charset="0"/>
+                        <a:ea typeface="等线" panose="02010600030101010101" pitchFamily="2" charset="-122"/>
+                      </a:endParaRPr>
+                    </a:p>
+                  </a:txBody>
+                  <a:tcPr marL="9318" marR="9318" marT="9318" marB="0" anchor="ctr"/>
+                </a:tc>
+                <a:tc>
+                  <a:txBody>
+                    <a:bodyPr/>
+                    <a:lstStyle/>
+                    <a:p>
+                      <a:pPr algn="l" fontAlgn="t">
+                        <a:lnSpc>
+                          <a:spcPct val="150000"/>
+                        </a:lnSpc>
+                      </a:pPr>
+                      <a:r>
+                        <a:rPr lang="en-US" sz="1800" b="1" u="none" strike="noStrike" dirty="0">
+                          <a:effectLst/>
+                        </a:rPr>
+                        <a:t>average acc</a:t>
+                      </a:r>
+                      <a:endParaRPr lang="en-US" sz="1800" b="1" i="0" u="none" strike="noStrike" dirty="0">
+                        <a:solidFill>
+                          <a:srgbClr val="000000"/>
+                        </a:solidFill>
+                        <a:effectLst/>
+                        <a:latin typeface="Times New Roman" panose="02020603050405020304" pitchFamily="18" charset="0"/>
+                        <a:ea typeface="等线" panose="02010600030101010101" pitchFamily="2" charset="-122"/>
+                      </a:endParaRPr>
+                    </a:p>
+                  </a:txBody>
+                  <a:tcPr marL="9318" marR="9318" marT="9318" marB="0"/>
+                </a:tc>
+                <a:tc>
+                  <a:txBody>
+                    <a:bodyPr/>
+                    <a:lstStyle/>
+                    <a:p>
+                      <a:pPr algn="l" rtl="0" fontAlgn="ctr">
+                        <a:lnSpc>
+                          <a:spcPct val="150000"/>
+                        </a:lnSpc>
+                      </a:pPr>
+                      <a:r>
+                        <a:rPr lang="en-US" altLang="zh-CN" sz="1800" u="none" strike="noStrike">
+                          <a:effectLst/>
+                        </a:rPr>
+                        <a:t>0.4992</a:t>
+                      </a:r>
+                      <a:endParaRPr lang="en-US" altLang="zh-CN" sz="1800" b="0" i="0" u="none" strike="noStrike">
+                        <a:solidFill>
+                          <a:srgbClr val="000000"/>
+                        </a:solidFill>
+                        <a:effectLst/>
+                        <a:latin typeface="Times New Roman" panose="02020603050405020304" pitchFamily="18" charset="0"/>
+                        <a:ea typeface="等线" panose="02010600030101010101" pitchFamily="2" charset="-122"/>
+                      </a:endParaRPr>
+                    </a:p>
+                  </a:txBody>
+                  <a:tcPr marL="9318" marR="9318" marT="9318" marB="0" anchor="ctr">
+                    <a:solidFill>
+                      <a:schemeClr val="accent4"/>
+                    </a:solidFill>
+                  </a:tcPr>
+                </a:tc>
+                <a:tc>
+                  <a:txBody>
+                    <a:bodyPr/>
+                    <a:lstStyle/>
+                    <a:p>
+                      <a:pPr algn="l" rtl="0" fontAlgn="ctr">
+                        <a:lnSpc>
+                          <a:spcPct val="150000"/>
+                        </a:lnSpc>
+                      </a:pPr>
+                      <a:r>
+                        <a:rPr lang="en-US" altLang="zh-CN" sz="1800" u="none" strike="noStrike" dirty="0">
+                          <a:effectLst/>
+                        </a:rPr>
+                        <a:t>0.5003</a:t>
+                      </a:r>
+                      <a:endParaRPr lang="en-US" altLang="zh-CN" sz="1800" b="0" i="0" u="none" strike="noStrike" dirty="0">
+                        <a:solidFill>
+                          <a:srgbClr val="000000"/>
+                        </a:solidFill>
+                        <a:effectLst/>
+                        <a:latin typeface="Times New Roman" panose="02020603050405020304" pitchFamily="18" charset="0"/>
+                        <a:ea typeface="等线" panose="02010600030101010101" pitchFamily="2" charset="-122"/>
+                      </a:endParaRPr>
+                    </a:p>
+                  </a:txBody>
+                  <a:tcPr marL="9318" marR="9318" marT="9318" marB="0" anchor="ctr">
+                    <a:solidFill>
+                      <a:schemeClr val="accent4"/>
+                    </a:solidFill>
+                  </a:tcPr>
+                </a:tc>
+                <a:tc>
+                  <a:txBody>
+                    <a:bodyPr/>
+                    <a:lstStyle/>
+                    <a:p>
+                      <a:pPr algn="l" rtl="0" fontAlgn="ctr">
+                        <a:lnSpc>
+                          <a:spcPct val="150000"/>
+                        </a:lnSpc>
+                      </a:pPr>
+                      <a:r>
+                        <a:rPr lang="en-US" altLang="zh-CN" sz="1800" u="none" strike="noStrike">
+                          <a:effectLst/>
+                        </a:rPr>
+                        <a:t>0.8705</a:t>
+                      </a:r>
+                      <a:endParaRPr lang="en-US" altLang="zh-CN" sz="1800" b="0" i="0" u="none" strike="noStrike">
+                        <a:solidFill>
+                          <a:srgbClr val="000000"/>
+                        </a:solidFill>
+                        <a:effectLst/>
+                        <a:latin typeface="Times New Roman" panose="02020603050405020304" pitchFamily="18" charset="0"/>
+                        <a:ea typeface="等线" panose="02010600030101010101" pitchFamily="2" charset="-122"/>
+                      </a:endParaRPr>
+                    </a:p>
+                  </a:txBody>
+                  <a:tcPr marL="9318" marR="9318" marT="9318" marB="0" anchor="ctr"/>
+                </a:tc>
+                <a:tc>
+                  <a:txBody>
+                    <a:bodyPr/>
+                    <a:lstStyle/>
+                    <a:p>
+                      <a:pPr algn="l" rtl="0" fontAlgn="ctr">
+                        <a:lnSpc>
+                          <a:spcPct val="150000"/>
+                        </a:lnSpc>
+                      </a:pPr>
+                      <a:r>
+                        <a:rPr lang="en-US" altLang="zh-CN" sz="1800" u="none" strike="noStrike">
+                          <a:effectLst/>
+                        </a:rPr>
+                        <a:t>0.8844</a:t>
+                      </a:r>
+                      <a:endParaRPr lang="en-US" altLang="zh-CN" sz="1800" b="0" i="0" u="none" strike="noStrike">
+                        <a:solidFill>
+                          <a:srgbClr val="000000"/>
+                        </a:solidFill>
+                        <a:effectLst/>
+                        <a:latin typeface="Times New Roman" panose="02020603050405020304" pitchFamily="18" charset="0"/>
+                        <a:ea typeface="等线" panose="02010600030101010101" pitchFamily="2" charset="-122"/>
+                      </a:endParaRPr>
+                    </a:p>
+                  </a:txBody>
+                  <a:tcPr marL="9318" marR="9318" marT="9318" marB="0" anchor="ctr"/>
+                </a:tc>
+                <a:tc>
+                  <a:txBody>
+                    <a:bodyPr/>
+                    <a:lstStyle/>
+                    <a:p>
+                      <a:pPr algn="l" rtl="0" fontAlgn="ctr">
+                        <a:lnSpc>
+                          <a:spcPct val="150000"/>
+                        </a:lnSpc>
+                      </a:pPr>
+                      <a:r>
+                        <a:rPr lang="en-US" altLang="zh-CN" sz="1800" u="none" strike="noStrike">
+                          <a:effectLst/>
+                        </a:rPr>
+                        <a:t>0.8689</a:t>
+                      </a:r>
+                      <a:endParaRPr lang="en-US" altLang="zh-CN" sz="1800" b="0" i="0" u="none" strike="noStrike">
+                        <a:solidFill>
+                          <a:srgbClr val="000000"/>
+                        </a:solidFill>
+                        <a:effectLst/>
+                        <a:latin typeface="Times New Roman" panose="02020603050405020304" pitchFamily="18" charset="0"/>
+                        <a:ea typeface="等线" panose="02010600030101010101" pitchFamily="2" charset="-122"/>
+                      </a:endParaRPr>
+                    </a:p>
+                  </a:txBody>
+                  <a:tcPr marL="9318" marR="9318" marT="9318" marB="0" anchor="ctr"/>
+                </a:tc>
+                <a:tc>
+                  <a:txBody>
+                    <a:bodyPr/>
+                    <a:lstStyle/>
+                    <a:p>
+                      <a:pPr algn="l" rtl="0" fontAlgn="ctr">
+                        <a:lnSpc>
+                          <a:spcPct val="150000"/>
+                        </a:lnSpc>
+                      </a:pPr>
+                      <a:r>
+                        <a:rPr lang="en-US" altLang="zh-CN" sz="1800" u="none" strike="noStrike">
+                          <a:effectLst/>
+                        </a:rPr>
+                        <a:t>0.8732</a:t>
+                      </a:r>
+                      <a:endParaRPr lang="en-US" altLang="zh-CN" sz="1800" b="0" i="0" u="none" strike="noStrike">
+                        <a:solidFill>
+                          <a:srgbClr val="000000"/>
+                        </a:solidFill>
+                        <a:effectLst/>
+                        <a:latin typeface="Times New Roman" panose="02020603050405020304" pitchFamily="18" charset="0"/>
+                        <a:ea typeface="等线" panose="02010600030101010101" pitchFamily="2" charset="-122"/>
+                      </a:endParaRPr>
+                    </a:p>
+                  </a:txBody>
+                  <a:tcPr marL="9318" marR="9318" marT="9318" marB="0" anchor="ctr"/>
+                </a:tc>
+                <a:extLst>
+                  <a:ext uri="{0D108BD9-81ED-4DB2-BD59-A6C34878D82A}">
+                    <a16:rowId xmlns:a16="http://schemas.microsoft.com/office/drawing/2014/main" val="2571274516"/>
+                  </a:ext>
+                </a:extLst>
+              </a:tr>
+              <a:tr h="295531">
+                <a:tc vMerge="1">
+                  <a:txBody>
+                    <a:bodyPr/>
+                    <a:lstStyle/>
+                    <a:p>
+                      <a:endParaRPr lang="zh-CN" altLang="en-US"/>
+                    </a:p>
+                  </a:txBody>
+                  <a:tcPr/>
+                </a:tc>
+                <a:tc>
+                  <a:txBody>
+                    <a:bodyPr/>
+                    <a:lstStyle/>
+                    <a:p>
+                      <a:pPr algn="l" fontAlgn="t">
+                        <a:lnSpc>
+                          <a:spcPct val="150000"/>
+                        </a:lnSpc>
+                      </a:pPr>
+                      <a:r>
+                        <a:rPr lang="en-US" sz="1800" b="1" u="none" strike="noStrike" dirty="0">
+                          <a:effectLst/>
+                        </a:rPr>
+                        <a:t>spleen acc</a:t>
+                      </a:r>
+                      <a:endParaRPr lang="en-US" sz="1800" b="1" i="0" u="none" strike="noStrike" dirty="0">
+                        <a:solidFill>
+                          <a:srgbClr val="000000"/>
+                        </a:solidFill>
+                        <a:effectLst/>
+                        <a:latin typeface="Times New Roman" panose="02020603050405020304" pitchFamily="18" charset="0"/>
+                        <a:ea typeface="等线" panose="02010600030101010101" pitchFamily="2" charset="-122"/>
+                      </a:endParaRPr>
+                    </a:p>
+                  </a:txBody>
+                  <a:tcPr marL="9318" marR="9318" marT="9318" marB="0"/>
+                </a:tc>
+                <a:tc>
+                  <a:txBody>
+                    <a:bodyPr/>
+                    <a:lstStyle/>
+                    <a:p>
+                      <a:pPr algn="l" rtl="0" fontAlgn="ctr">
+                        <a:lnSpc>
+                          <a:spcPct val="150000"/>
+                        </a:lnSpc>
+                      </a:pPr>
+                      <a:r>
+                        <a:rPr lang="en-US" altLang="zh-CN" sz="1800" u="none" strike="noStrike">
+                          <a:effectLst/>
+                        </a:rPr>
+                        <a:t>0.61</a:t>
+                      </a:r>
+                      <a:endParaRPr lang="en-US" altLang="zh-CN" sz="1800" b="0" i="0" u="none" strike="noStrike">
+                        <a:solidFill>
+                          <a:srgbClr val="000000"/>
+                        </a:solidFill>
+                        <a:effectLst/>
+                        <a:latin typeface="Times New Roman" panose="02020603050405020304" pitchFamily="18" charset="0"/>
+                        <a:ea typeface="等线" panose="02010600030101010101" pitchFamily="2" charset="-122"/>
+                      </a:endParaRPr>
+                    </a:p>
+                  </a:txBody>
+                  <a:tcPr marL="9318" marR="9318" marT="9318" marB="0" anchor="ctr">
+                    <a:solidFill>
+                      <a:schemeClr val="accent4"/>
+                    </a:solidFill>
+                  </a:tcPr>
+                </a:tc>
+                <a:tc>
+                  <a:txBody>
+                    <a:bodyPr/>
+                    <a:lstStyle/>
+                    <a:p>
+                      <a:pPr algn="l" rtl="0" fontAlgn="ctr">
+                        <a:lnSpc>
+                          <a:spcPct val="150000"/>
+                        </a:lnSpc>
+                      </a:pPr>
+                      <a:r>
+                        <a:rPr lang="en-US" altLang="zh-CN" sz="1800" u="none" strike="noStrike" dirty="0">
+                          <a:effectLst/>
+                        </a:rPr>
+                        <a:t>0.6116</a:t>
+                      </a:r>
+                      <a:endParaRPr lang="en-US" altLang="zh-CN" sz="1800" b="0" i="0" u="none" strike="noStrike" dirty="0">
+                        <a:solidFill>
+                          <a:srgbClr val="000000"/>
+                        </a:solidFill>
+                        <a:effectLst/>
+                        <a:latin typeface="Times New Roman" panose="02020603050405020304" pitchFamily="18" charset="0"/>
+                        <a:ea typeface="等线" panose="02010600030101010101" pitchFamily="2" charset="-122"/>
+                      </a:endParaRPr>
+                    </a:p>
+                  </a:txBody>
+                  <a:tcPr marL="9318" marR="9318" marT="9318" marB="0" anchor="ctr">
+                    <a:solidFill>
+                      <a:schemeClr val="accent4"/>
+                    </a:solidFill>
+                  </a:tcPr>
+                </a:tc>
+                <a:tc>
+                  <a:txBody>
+                    <a:bodyPr/>
+                    <a:lstStyle/>
+                    <a:p>
+                      <a:pPr algn="l" rtl="0" fontAlgn="ctr">
+                        <a:lnSpc>
+                          <a:spcPct val="150000"/>
+                        </a:lnSpc>
+                      </a:pPr>
+                      <a:r>
+                        <a:rPr lang="en-US" altLang="zh-CN" sz="1800" u="none" strike="noStrike">
+                          <a:effectLst/>
+                        </a:rPr>
+                        <a:t>0.8523</a:t>
+                      </a:r>
+                      <a:endParaRPr lang="en-US" altLang="zh-CN" sz="1800" b="0" i="0" u="none" strike="noStrike">
+                        <a:solidFill>
+                          <a:srgbClr val="000000"/>
+                        </a:solidFill>
+                        <a:effectLst/>
+                        <a:latin typeface="Times New Roman" panose="02020603050405020304" pitchFamily="18" charset="0"/>
+                        <a:ea typeface="等线" panose="02010600030101010101" pitchFamily="2" charset="-122"/>
+                      </a:endParaRPr>
+                    </a:p>
+                  </a:txBody>
+                  <a:tcPr marL="9318" marR="9318" marT="9318" marB="0" anchor="ctr"/>
+                </a:tc>
+                <a:tc>
+                  <a:txBody>
+                    <a:bodyPr/>
+                    <a:lstStyle/>
+                    <a:p>
+                      <a:pPr algn="l" rtl="0" fontAlgn="ctr">
+                        <a:lnSpc>
+                          <a:spcPct val="150000"/>
+                        </a:lnSpc>
+                      </a:pPr>
+                      <a:r>
+                        <a:rPr lang="en-US" altLang="zh-CN" sz="1800" u="none" strike="noStrike">
+                          <a:effectLst/>
+                        </a:rPr>
+                        <a:t>0.878</a:t>
+                      </a:r>
+                      <a:endParaRPr lang="en-US" altLang="zh-CN" sz="1800" b="0" i="0" u="none" strike="noStrike">
+                        <a:solidFill>
+                          <a:srgbClr val="000000"/>
+                        </a:solidFill>
+                        <a:effectLst/>
+                        <a:latin typeface="Times New Roman" panose="02020603050405020304" pitchFamily="18" charset="0"/>
+                        <a:ea typeface="等线" panose="02010600030101010101" pitchFamily="2" charset="-122"/>
+                      </a:endParaRPr>
+                    </a:p>
+                  </a:txBody>
+                  <a:tcPr marL="9318" marR="9318" marT="9318" marB="0" anchor="ctr"/>
+                </a:tc>
+                <a:tc>
+                  <a:txBody>
+                    <a:bodyPr/>
+                    <a:lstStyle/>
+                    <a:p>
+                      <a:pPr algn="l" rtl="0" fontAlgn="ctr">
+                        <a:lnSpc>
+                          <a:spcPct val="150000"/>
+                        </a:lnSpc>
+                      </a:pPr>
+                      <a:r>
+                        <a:rPr lang="en-US" altLang="zh-CN" sz="1800" u="none" strike="noStrike">
+                          <a:effectLst/>
+                        </a:rPr>
+                        <a:t>0.8884</a:t>
+                      </a:r>
+                      <a:endParaRPr lang="en-US" altLang="zh-CN" sz="1800" b="0" i="0" u="none" strike="noStrike">
+                        <a:solidFill>
+                          <a:srgbClr val="000000"/>
+                        </a:solidFill>
+                        <a:effectLst/>
+                        <a:latin typeface="Times New Roman" panose="02020603050405020304" pitchFamily="18" charset="0"/>
+                        <a:ea typeface="等线" panose="02010600030101010101" pitchFamily="2" charset="-122"/>
+                      </a:endParaRPr>
+                    </a:p>
+                  </a:txBody>
+                  <a:tcPr marL="9318" marR="9318" marT="9318" marB="0" anchor="ctr"/>
+                </a:tc>
+                <a:tc>
+                  <a:txBody>
+                    <a:bodyPr/>
+                    <a:lstStyle/>
+                    <a:p>
+                      <a:pPr algn="l" rtl="0" fontAlgn="ctr">
+                        <a:lnSpc>
+                          <a:spcPct val="150000"/>
+                        </a:lnSpc>
+                      </a:pPr>
+                      <a:r>
+                        <a:rPr lang="en-US" altLang="zh-CN" sz="1800" u="none" strike="noStrike">
+                          <a:effectLst/>
+                        </a:rPr>
+                        <a:t>0.8716</a:t>
+                      </a:r>
+                      <a:endParaRPr lang="en-US" altLang="zh-CN" sz="1800" b="0" i="0" u="none" strike="noStrike">
+                        <a:solidFill>
+                          <a:srgbClr val="000000"/>
+                        </a:solidFill>
+                        <a:effectLst/>
+                        <a:latin typeface="Times New Roman" panose="02020603050405020304" pitchFamily="18" charset="0"/>
+                        <a:ea typeface="等线" panose="02010600030101010101" pitchFamily="2" charset="-122"/>
+                      </a:endParaRPr>
+                    </a:p>
+                  </a:txBody>
+                  <a:tcPr marL="9318" marR="9318" marT="9318" marB="0" anchor="ctr"/>
+                </a:tc>
+                <a:extLst>
+                  <a:ext uri="{0D108BD9-81ED-4DB2-BD59-A6C34878D82A}">
+                    <a16:rowId xmlns:a16="http://schemas.microsoft.com/office/drawing/2014/main" val="2110567445"/>
+                  </a:ext>
+                </a:extLst>
+              </a:tr>
+              <a:tr h="295531">
+                <a:tc vMerge="1">
+                  <a:txBody>
+                    <a:bodyPr/>
+                    <a:lstStyle/>
+                    <a:p>
+                      <a:endParaRPr lang="zh-CN" altLang="en-US"/>
+                    </a:p>
+                  </a:txBody>
+                  <a:tcPr/>
+                </a:tc>
+                <a:tc>
+                  <a:txBody>
+                    <a:bodyPr/>
+                    <a:lstStyle/>
+                    <a:p>
+                      <a:pPr algn="l" fontAlgn="t">
+                        <a:lnSpc>
+                          <a:spcPct val="150000"/>
+                        </a:lnSpc>
+                      </a:pPr>
+                      <a:r>
+                        <a:rPr lang="en-US" sz="1800" b="1" u="none" strike="noStrike" dirty="0">
+                          <a:effectLst/>
+                        </a:rPr>
+                        <a:t>kidney acc</a:t>
+                      </a:r>
+                      <a:endParaRPr lang="en-US" sz="1800" b="1" i="0" u="none" strike="noStrike" dirty="0">
+                        <a:solidFill>
+                          <a:srgbClr val="000000"/>
+                        </a:solidFill>
+                        <a:effectLst/>
+                        <a:latin typeface="Times New Roman" panose="02020603050405020304" pitchFamily="18" charset="0"/>
+                        <a:ea typeface="等线" panose="02010600030101010101" pitchFamily="2" charset="-122"/>
+                      </a:endParaRPr>
+                    </a:p>
+                  </a:txBody>
+                  <a:tcPr marL="9318" marR="9318" marT="9318" marB="0"/>
+                </a:tc>
+                <a:tc>
+                  <a:txBody>
+                    <a:bodyPr/>
+                    <a:lstStyle/>
+                    <a:p>
+                      <a:pPr algn="l" rtl="0" fontAlgn="ctr">
+                        <a:lnSpc>
+                          <a:spcPct val="150000"/>
+                        </a:lnSpc>
+                      </a:pPr>
+                      <a:r>
+                        <a:rPr lang="en-US" altLang="zh-CN" sz="1800" u="none" strike="noStrike">
+                          <a:effectLst/>
+                        </a:rPr>
+                        <a:t>0.5409</a:t>
+                      </a:r>
+                      <a:endParaRPr lang="en-US" altLang="zh-CN" sz="1800" b="0" i="0" u="none" strike="noStrike">
+                        <a:solidFill>
+                          <a:srgbClr val="000000"/>
+                        </a:solidFill>
+                        <a:effectLst/>
+                        <a:latin typeface="Times New Roman" panose="02020603050405020304" pitchFamily="18" charset="0"/>
+                        <a:ea typeface="等线" panose="02010600030101010101" pitchFamily="2" charset="-122"/>
+                      </a:endParaRPr>
+                    </a:p>
+                  </a:txBody>
+                  <a:tcPr marL="9318" marR="9318" marT="9318" marB="0" anchor="ctr">
+                    <a:solidFill>
+                      <a:schemeClr val="accent4"/>
+                    </a:solidFill>
+                  </a:tcPr>
+                </a:tc>
+                <a:tc>
+                  <a:txBody>
+                    <a:bodyPr/>
+                    <a:lstStyle/>
+                    <a:p>
+                      <a:pPr algn="l" rtl="0" fontAlgn="ctr">
+                        <a:lnSpc>
+                          <a:spcPct val="150000"/>
+                        </a:lnSpc>
+                      </a:pPr>
+                      <a:r>
+                        <a:rPr lang="en-US" altLang="zh-CN" sz="1800" u="none" strike="noStrike" dirty="0">
+                          <a:effectLst/>
+                        </a:rPr>
+                        <a:t>0.5409</a:t>
+                      </a:r>
+                      <a:endParaRPr lang="en-US" altLang="zh-CN" sz="1800" b="0" i="0" u="none" strike="noStrike" dirty="0">
+                        <a:solidFill>
+                          <a:srgbClr val="000000"/>
+                        </a:solidFill>
+                        <a:effectLst/>
+                        <a:latin typeface="Times New Roman" panose="02020603050405020304" pitchFamily="18" charset="0"/>
+                        <a:ea typeface="等线" panose="02010600030101010101" pitchFamily="2" charset="-122"/>
+                      </a:endParaRPr>
+                    </a:p>
+                  </a:txBody>
+                  <a:tcPr marL="9318" marR="9318" marT="9318" marB="0" anchor="ctr">
+                    <a:solidFill>
+                      <a:schemeClr val="accent4"/>
+                    </a:solidFill>
+                  </a:tcPr>
+                </a:tc>
+                <a:tc>
+                  <a:txBody>
+                    <a:bodyPr/>
+                    <a:lstStyle/>
+                    <a:p>
+                      <a:pPr algn="l" rtl="0" fontAlgn="ctr">
+                        <a:lnSpc>
+                          <a:spcPct val="150000"/>
+                        </a:lnSpc>
+                      </a:pPr>
+                      <a:r>
+                        <a:rPr lang="en-US" altLang="zh-CN" sz="1800" u="none" strike="noStrike">
+                          <a:effectLst/>
+                        </a:rPr>
+                        <a:t>0.886</a:t>
+                      </a:r>
+                      <a:endParaRPr lang="en-US" altLang="zh-CN" sz="1800" b="0" i="0" u="none" strike="noStrike">
+                        <a:solidFill>
+                          <a:srgbClr val="000000"/>
+                        </a:solidFill>
+                        <a:effectLst/>
+                        <a:latin typeface="Times New Roman" panose="02020603050405020304" pitchFamily="18" charset="0"/>
+                        <a:ea typeface="等线" panose="02010600030101010101" pitchFamily="2" charset="-122"/>
+                      </a:endParaRPr>
+                    </a:p>
+                  </a:txBody>
+                  <a:tcPr marL="9318" marR="9318" marT="9318" marB="0" anchor="ctr"/>
+                </a:tc>
+                <a:tc>
+                  <a:txBody>
+                    <a:bodyPr/>
+                    <a:lstStyle/>
+                    <a:p>
+                      <a:pPr algn="l" rtl="0" fontAlgn="ctr">
+                        <a:lnSpc>
+                          <a:spcPct val="150000"/>
+                        </a:lnSpc>
+                      </a:pPr>
+                      <a:r>
+                        <a:rPr lang="en-US" altLang="zh-CN" sz="1800" u="none" strike="noStrike">
+                          <a:effectLst/>
+                        </a:rPr>
+                        <a:t>0.8957</a:t>
+                      </a:r>
+                      <a:endParaRPr lang="en-US" altLang="zh-CN" sz="1800" b="0" i="0" u="none" strike="noStrike">
+                        <a:solidFill>
+                          <a:srgbClr val="000000"/>
+                        </a:solidFill>
+                        <a:effectLst/>
+                        <a:latin typeface="Times New Roman" panose="02020603050405020304" pitchFamily="18" charset="0"/>
+                        <a:ea typeface="等线" panose="02010600030101010101" pitchFamily="2" charset="-122"/>
+                      </a:endParaRPr>
+                    </a:p>
+                  </a:txBody>
+                  <a:tcPr marL="9318" marR="9318" marT="9318" marB="0" anchor="ctr"/>
+                </a:tc>
+                <a:tc>
+                  <a:txBody>
+                    <a:bodyPr/>
+                    <a:lstStyle/>
+                    <a:p>
+                      <a:pPr algn="l" rtl="0" fontAlgn="ctr">
+                        <a:lnSpc>
+                          <a:spcPct val="150000"/>
+                        </a:lnSpc>
+                      </a:pPr>
+                      <a:r>
+                        <a:rPr lang="en-US" altLang="zh-CN" sz="1800" u="none" strike="noStrike">
+                          <a:effectLst/>
+                        </a:rPr>
+                        <a:t>0.8748</a:t>
+                      </a:r>
+                      <a:endParaRPr lang="en-US" altLang="zh-CN" sz="1800" b="0" i="0" u="none" strike="noStrike">
+                        <a:solidFill>
+                          <a:srgbClr val="000000"/>
+                        </a:solidFill>
+                        <a:effectLst/>
+                        <a:latin typeface="Times New Roman" panose="02020603050405020304" pitchFamily="18" charset="0"/>
+                        <a:ea typeface="等线" panose="02010600030101010101" pitchFamily="2" charset="-122"/>
+                      </a:endParaRPr>
+                    </a:p>
+                  </a:txBody>
+                  <a:tcPr marL="9318" marR="9318" marT="9318" marB="0" anchor="ctr"/>
+                </a:tc>
+                <a:tc>
+                  <a:txBody>
+                    <a:bodyPr/>
+                    <a:lstStyle/>
+                    <a:p>
+                      <a:pPr algn="l" rtl="0" fontAlgn="ctr">
+                        <a:lnSpc>
+                          <a:spcPct val="150000"/>
+                        </a:lnSpc>
+                      </a:pPr>
+                      <a:r>
+                        <a:rPr lang="en-US" altLang="zh-CN" sz="1800" u="none" strike="noStrike">
+                          <a:effectLst/>
+                        </a:rPr>
+                        <a:t>0.8876</a:t>
+                      </a:r>
+                      <a:endParaRPr lang="en-US" altLang="zh-CN" sz="1800" b="0" i="0" u="none" strike="noStrike">
+                        <a:solidFill>
+                          <a:srgbClr val="000000"/>
+                        </a:solidFill>
+                        <a:effectLst/>
+                        <a:latin typeface="Times New Roman" panose="02020603050405020304" pitchFamily="18" charset="0"/>
+                        <a:ea typeface="等线" panose="02010600030101010101" pitchFamily="2" charset="-122"/>
+                      </a:endParaRPr>
+                    </a:p>
+                  </a:txBody>
+                  <a:tcPr marL="9318" marR="9318" marT="9318" marB="0" anchor="ctr"/>
+                </a:tc>
+                <a:extLst>
+                  <a:ext uri="{0D108BD9-81ED-4DB2-BD59-A6C34878D82A}">
+                    <a16:rowId xmlns:a16="http://schemas.microsoft.com/office/drawing/2014/main" val="2043292981"/>
+                  </a:ext>
+                </a:extLst>
+              </a:tr>
+              <a:tr h="295531">
+                <a:tc vMerge="1">
+                  <a:txBody>
+                    <a:bodyPr/>
+                    <a:lstStyle/>
+                    <a:p>
+                      <a:endParaRPr lang="zh-CN" altLang="en-US"/>
+                    </a:p>
+                  </a:txBody>
+                  <a:tcPr/>
+                </a:tc>
+                <a:tc>
+                  <a:txBody>
+                    <a:bodyPr/>
+                    <a:lstStyle/>
+                    <a:p>
+                      <a:pPr algn="l" fontAlgn="t">
+                        <a:lnSpc>
+                          <a:spcPct val="150000"/>
+                        </a:lnSpc>
+                      </a:pPr>
+                      <a:r>
+                        <a:rPr lang="en-US" sz="1800" b="1" u="none" strike="noStrike" dirty="0">
+                          <a:effectLst/>
+                        </a:rPr>
+                        <a:t>liver acc</a:t>
+                      </a:r>
+                      <a:endParaRPr lang="en-US" sz="1800" b="1" i="0" u="none" strike="noStrike" dirty="0">
+                        <a:solidFill>
+                          <a:srgbClr val="000000"/>
+                        </a:solidFill>
+                        <a:effectLst/>
+                        <a:latin typeface="Times New Roman" panose="02020603050405020304" pitchFamily="18" charset="0"/>
+                        <a:ea typeface="等线" panose="02010600030101010101" pitchFamily="2" charset="-122"/>
+                      </a:endParaRPr>
+                    </a:p>
+                  </a:txBody>
+                  <a:tcPr marL="9318" marR="9318" marT="9318" marB="0"/>
+                </a:tc>
+                <a:tc>
+                  <a:txBody>
+                    <a:bodyPr/>
+                    <a:lstStyle/>
+                    <a:p>
+                      <a:pPr algn="l" rtl="0" fontAlgn="ctr">
+                        <a:lnSpc>
+                          <a:spcPct val="150000"/>
+                        </a:lnSpc>
+                      </a:pPr>
+                      <a:r>
+                        <a:rPr lang="en-US" altLang="zh-CN" sz="1800" u="none" strike="noStrike">
+                          <a:effectLst/>
+                        </a:rPr>
+                        <a:t>0.3467</a:t>
+                      </a:r>
+                      <a:endParaRPr lang="en-US" altLang="zh-CN" sz="1800" b="0" i="0" u="none" strike="noStrike">
+                        <a:solidFill>
+                          <a:srgbClr val="000000"/>
+                        </a:solidFill>
+                        <a:effectLst/>
+                        <a:latin typeface="Times New Roman" panose="02020603050405020304" pitchFamily="18" charset="0"/>
+                        <a:ea typeface="等线" panose="02010600030101010101" pitchFamily="2" charset="-122"/>
+                      </a:endParaRPr>
+                    </a:p>
+                  </a:txBody>
+                  <a:tcPr marL="9318" marR="9318" marT="9318" marB="0" anchor="ctr">
+                    <a:solidFill>
+                      <a:schemeClr val="accent4"/>
+                    </a:solidFill>
+                  </a:tcPr>
+                </a:tc>
+                <a:tc>
+                  <a:txBody>
+                    <a:bodyPr/>
+                    <a:lstStyle/>
+                    <a:p>
+                      <a:pPr algn="l" rtl="0" fontAlgn="ctr">
+                        <a:lnSpc>
+                          <a:spcPct val="150000"/>
+                        </a:lnSpc>
+                      </a:pPr>
+                      <a:r>
+                        <a:rPr lang="en-US" altLang="zh-CN" sz="1800" u="none" strike="noStrike" dirty="0">
+                          <a:effectLst/>
+                        </a:rPr>
+                        <a:t>0.3483</a:t>
+                      </a:r>
+                      <a:endParaRPr lang="en-US" altLang="zh-CN" sz="1800" b="0" i="0" u="none" strike="noStrike" dirty="0">
+                        <a:solidFill>
+                          <a:srgbClr val="000000"/>
+                        </a:solidFill>
+                        <a:effectLst/>
+                        <a:latin typeface="Times New Roman" panose="02020603050405020304" pitchFamily="18" charset="0"/>
+                        <a:ea typeface="等线" panose="02010600030101010101" pitchFamily="2" charset="-122"/>
+                      </a:endParaRPr>
+                    </a:p>
+                  </a:txBody>
+                  <a:tcPr marL="9318" marR="9318" marT="9318" marB="0" anchor="ctr">
+                    <a:solidFill>
+                      <a:schemeClr val="accent4"/>
+                    </a:solidFill>
+                  </a:tcPr>
+                </a:tc>
+                <a:tc>
+                  <a:txBody>
+                    <a:bodyPr/>
+                    <a:lstStyle/>
+                    <a:p>
+                      <a:pPr algn="l" rtl="0" fontAlgn="ctr">
+                        <a:lnSpc>
+                          <a:spcPct val="150000"/>
+                        </a:lnSpc>
+                      </a:pPr>
+                      <a:r>
+                        <a:rPr lang="en-US" altLang="zh-CN" sz="1800" u="none" strike="noStrike">
+                          <a:effectLst/>
+                        </a:rPr>
+                        <a:t>0.8732</a:t>
+                      </a:r>
+                      <a:endParaRPr lang="en-US" altLang="zh-CN" sz="1800" b="0" i="0" u="none" strike="noStrike">
+                        <a:solidFill>
+                          <a:srgbClr val="000000"/>
+                        </a:solidFill>
+                        <a:effectLst/>
+                        <a:latin typeface="Times New Roman" panose="02020603050405020304" pitchFamily="18" charset="0"/>
+                        <a:ea typeface="等线" panose="02010600030101010101" pitchFamily="2" charset="-122"/>
+                      </a:endParaRPr>
+                    </a:p>
+                  </a:txBody>
+                  <a:tcPr marL="9318" marR="9318" marT="9318" marB="0" anchor="ctr"/>
+                </a:tc>
+                <a:tc>
+                  <a:txBody>
+                    <a:bodyPr/>
+                    <a:lstStyle/>
+                    <a:p>
+                      <a:pPr algn="l" rtl="0" fontAlgn="ctr">
+                        <a:lnSpc>
+                          <a:spcPct val="150000"/>
+                        </a:lnSpc>
+                      </a:pPr>
+                      <a:r>
+                        <a:rPr lang="en-US" altLang="zh-CN" sz="1800" u="none" strike="noStrike">
+                          <a:effectLst/>
+                        </a:rPr>
+                        <a:t>0.8796</a:t>
+                      </a:r>
+                      <a:endParaRPr lang="en-US" altLang="zh-CN" sz="1800" b="0" i="0" u="none" strike="noStrike">
+                        <a:solidFill>
+                          <a:srgbClr val="000000"/>
+                        </a:solidFill>
+                        <a:effectLst/>
+                        <a:latin typeface="Times New Roman" panose="02020603050405020304" pitchFamily="18" charset="0"/>
+                        <a:ea typeface="等线" panose="02010600030101010101" pitchFamily="2" charset="-122"/>
+                      </a:endParaRPr>
+                    </a:p>
+                  </a:txBody>
+                  <a:tcPr marL="9318" marR="9318" marT="9318" marB="0" anchor="ctr"/>
+                </a:tc>
+                <a:tc>
+                  <a:txBody>
+                    <a:bodyPr/>
+                    <a:lstStyle/>
+                    <a:p>
+                      <a:pPr algn="l" rtl="0" fontAlgn="ctr">
+                        <a:lnSpc>
+                          <a:spcPct val="150000"/>
+                        </a:lnSpc>
+                      </a:pPr>
+                      <a:r>
+                        <a:rPr lang="en-US" altLang="zh-CN" sz="1800" u="none" strike="noStrike">
+                          <a:effectLst/>
+                        </a:rPr>
+                        <a:t>0.8475</a:t>
+                      </a:r>
+                      <a:endParaRPr lang="en-US" altLang="zh-CN" sz="1800" b="0" i="0" u="none" strike="noStrike">
+                        <a:solidFill>
+                          <a:srgbClr val="000000"/>
+                        </a:solidFill>
+                        <a:effectLst/>
+                        <a:latin typeface="Times New Roman" panose="02020603050405020304" pitchFamily="18" charset="0"/>
+                        <a:ea typeface="等线" panose="02010600030101010101" pitchFamily="2" charset="-122"/>
+                      </a:endParaRPr>
+                    </a:p>
+                  </a:txBody>
+                  <a:tcPr marL="9318" marR="9318" marT="9318" marB="0" anchor="ctr"/>
+                </a:tc>
+                <a:tc>
+                  <a:txBody>
+                    <a:bodyPr/>
+                    <a:lstStyle/>
+                    <a:p>
+                      <a:pPr algn="l" rtl="0" fontAlgn="ctr">
+                        <a:lnSpc>
+                          <a:spcPct val="150000"/>
+                        </a:lnSpc>
+                      </a:pPr>
+                      <a:r>
+                        <a:rPr lang="en-US" altLang="zh-CN" sz="1800" u="none" strike="noStrike" dirty="0">
+                          <a:effectLst/>
+                        </a:rPr>
+                        <a:t>0.8604</a:t>
+                      </a:r>
+                      <a:endParaRPr lang="en-US" altLang="zh-CN" sz="1800" b="0" i="0" u="none" strike="noStrike" dirty="0">
+                        <a:solidFill>
+                          <a:srgbClr val="000000"/>
+                        </a:solidFill>
+                        <a:effectLst/>
+                        <a:latin typeface="Times New Roman" panose="02020603050405020304" pitchFamily="18" charset="0"/>
+                        <a:ea typeface="等线" panose="02010600030101010101" pitchFamily="2" charset="-122"/>
+                      </a:endParaRPr>
+                    </a:p>
+                  </a:txBody>
+                  <a:tcPr marL="9318" marR="9318" marT="9318" marB="0" anchor="ctr"/>
+                </a:tc>
+                <a:extLst>
+                  <a:ext uri="{0D108BD9-81ED-4DB2-BD59-A6C34878D82A}">
+                    <a16:rowId xmlns:a16="http://schemas.microsoft.com/office/drawing/2014/main" val="3804307614"/>
+                  </a:ext>
+                </a:extLst>
+              </a:tr>
+            </a:tbl>
+          </a:graphicData>
+        </a:graphic>
+      </p:graphicFrame>
     </p:spTree>
     <p:extLst>
       <p:ext uri="{BB962C8B-B14F-4D97-AF65-F5344CB8AC3E}">
-        <p14:creationId xmlns:p14="http://schemas.microsoft.com/office/powerpoint/2010/main" val="1059559926"/>
+        <p14:creationId xmlns:p14="http://schemas.microsoft.com/office/powerpoint/2010/main" val="3710281253"/>
       </p:ext>
     </p:extLst>
   </p:cSld>
@@ -12601,7 +12691,7 @@
     </p:spTree>
     <p:extLst>
       <p:ext uri="{BB962C8B-B14F-4D97-AF65-F5344CB8AC3E}">
-        <p14:creationId xmlns:p14="http://schemas.microsoft.com/office/powerpoint/2010/main" val="3906796655"/>
+        <p14:creationId xmlns:p14="http://schemas.microsoft.com/office/powerpoint/2010/main" val="358056254"/>
       </p:ext>
     </p:extLst>
   </p:cSld>
@@ -12826,7 +12916,7 @@
     </p:spTree>
     <p:extLst>
       <p:ext uri="{BB962C8B-B14F-4D97-AF65-F5344CB8AC3E}">
-        <p14:creationId xmlns:p14="http://schemas.microsoft.com/office/powerpoint/2010/main" val="3483579841"/>
+        <p14:creationId xmlns:p14="http://schemas.microsoft.com/office/powerpoint/2010/main" val="3906796655"/>
       </p:ext>
     </p:extLst>
   </p:cSld>
@@ -13051,7 +13141,7 @@
     </p:spTree>
     <p:extLst>
       <p:ext uri="{BB962C8B-B14F-4D97-AF65-F5344CB8AC3E}">
-        <p14:creationId xmlns:p14="http://schemas.microsoft.com/office/powerpoint/2010/main" val="2791434145"/>
+        <p14:creationId xmlns:p14="http://schemas.microsoft.com/office/powerpoint/2010/main" val="3483579841"/>
       </p:ext>
     </p:extLst>
   </p:cSld>
@@ -13273,10 +13363,1010 @@
           </a:p>
         </p:txBody>
       </p:sp>
+      <p:graphicFrame>
+        <p:nvGraphicFramePr>
+          <p:cNvPr id="3" name="表格 2">
+            <a:extLst>
+              <a:ext uri="{FF2B5EF4-FFF2-40B4-BE49-F238E27FC236}">
+                <a16:creationId xmlns:a16="http://schemas.microsoft.com/office/drawing/2014/main" id="{198E8879-F044-74F6-C62E-60CEFD56E5B2}"/>
+              </a:ext>
+            </a:extLst>
+          </p:cNvPr>
+          <p:cNvGraphicFramePr>
+            <a:graphicFrameLocks noGrp="1"/>
+          </p:cNvGraphicFramePr>
+          <p:nvPr>
+            <p:extLst>
+              <p:ext uri="{D42A27DB-BD31-4B8C-83A1-F6EECF244321}">
+                <p14:modId xmlns:p14="http://schemas.microsoft.com/office/powerpoint/2010/main" val="1594112534"/>
+              </p:ext>
+            </p:extLst>
+          </p:nvPr>
+        </p:nvGraphicFramePr>
+        <p:xfrm>
+          <a:off x="367840" y="2156347"/>
+          <a:ext cx="11300990" cy="3355620"/>
+        </p:xfrm>
+        <a:graphic>
+          <a:graphicData uri="http://schemas.openxmlformats.org/drawingml/2006/table">
+            <a:tbl>
+              <a:tblPr firstRow="1" bandRow="1">
+                <a:tableStyleId>{5C22544A-7EE6-4342-B048-85BDC9FD1C3A}</a:tableStyleId>
+              </a:tblPr>
+              <a:tblGrid>
+                <a:gridCol w="1130099">
+                  <a:extLst>
+                    <a:ext uri="{9D8B030D-6E8A-4147-A177-3AD203B41FA5}">
+                      <a16:colId xmlns:a16="http://schemas.microsoft.com/office/drawing/2014/main" val="891346135"/>
+                    </a:ext>
+                  </a:extLst>
+                </a:gridCol>
+                <a:gridCol w="1130099">
+                  <a:extLst>
+                    <a:ext uri="{9D8B030D-6E8A-4147-A177-3AD203B41FA5}">
+                      <a16:colId xmlns:a16="http://schemas.microsoft.com/office/drawing/2014/main" val="3184875327"/>
+                    </a:ext>
+                  </a:extLst>
+                </a:gridCol>
+                <a:gridCol w="852141">
+                  <a:extLst>
+                    <a:ext uri="{9D8B030D-6E8A-4147-A177-3AD203B41FA5}">
+                      <a16:colId xmlns:a16="http://schemas.microsoft.com/office/drawing/2014/main" val="3751108926"/>
+                    </a:ext>
+                  </a:extLst>
+                </a:gridCol>
+                <a:gridCol w="1408057">
+                  <a:extLst>
+                    <a:ext uri="{9D8B030D-6E8A-4147-A177-3AD203B41FA5}">
+                      <a16:colId xmlns:a16="http://schemas.microsoft.com/office/drawing/2014/main" val="2251494086"/>
+                    </a:ext>
+                  </a:extLst>
+                </a:gridCol>
+                <a:gridCol w="1130099">
+                  <a:extLst>
+                    <a:ext uri="{9D8B030D-6E8A-4147-A177-3AD203B41FA5}">
+                      <a16:colId xmlns:a16="http://schemas.microsoft.com/office/drawing/2014/main" val="335364417"/>
+                    </a:ext>
+                  </a:extLst>
+                </a:gridCol>
+                <a:gridCol w="1130099">
+                  <a:extLst>
+                    <a:ext uri="{9D8B030D-6E8A-4147-A177-3AD203B41FA5}">
+                      <a16:colId xmlns:a16="http://schemas.microsoft.com/office/drawing/2014/main" val="3112691872"/>
+                    </a:ext>
+                  </a:extLst>
+                </a:gridCol>
+                <a:gridCol w="1130099">
+                  <a:extLst>
+                    <a:ext uri="{9D8B030D-6E8A-4147-A177-3AD203B41FA5}">
+                      <a16:colId xmlns:a16="http://schemas.microsoft.com/office/drawing/2014/main" val="2803923910"/>
+                    </a:ext>
+                  </a:extLst>
+                </a:gridCol>
+                <a:gridCol w="1130099">
+                  <a:extLst>
+                    <a:ext uri="{9D8B030D-6E8A-4147-A177-3AD203B41FA5}">
+                      <a16:colId xmlns:a16="http://schemas.microsoft.com/office/drawing/2014/main" val="1206696290"/>
+                    </a:ext>
+                  </a:extLst>
+                </a:gridCol>
+                <a:gridCol w="1130099">
+                  <a:extLst>
+                    <a:ext uri="{9D8B030D-6E8A-4147-A177-3AD203B41FA5}">
+                      <a16:colId xmlns:a16="http://schemas.microsoft.com/office/drawing/2014/main" val="2332021292"/>
+                    </a:ext>
+                  </a:extLst>
+                </a:gridCol>
+                <a:gridCol w="1130099">
+                  <a:extLst>
+                    <a:ext uri="{9D8B030D-6E8A-4147-A177-3AD203B41FA5}">
+                      <a16:colId xmlns:a16="http://schemas.microsoft.com/office/drawing/2014/main" val="1852409031"/>
+                    </a:ext>
+                  </a:extLst>
+                </a:gridCol>
+              </a:tblGrid>
+              <a:tr h="914400">
+                <a:tc>
+                  <a:txBody>
+                    <a:bodyPr/>
+                    <a:lstStyle/>
+                    <a:p>
+                      <a:r>
+                        <a:rPr lang="en-US" altLang="zh-CN" dirty="0"/>
+                        <a:t>Flip</a:t>
+                      </a:r>
+                      <a:endParaRPr lang="zh-CN" altLang="en-US" dirty="0"/>
+                    </a:p>
+                  </a:txBody>
+                  <a:tcPr/>
+                </a:tc>
+                <a:tc>
+                  <a:txBody>
+                    <a:bodyPr/>
+                    <a:lstStyle/>
+                    <a:p>
+                      <a:r>
+                        <a:rPr lang="zh-CN" altLang="en-US" dirty="0"/>
+                        <a:t>无</a:t>
+                      </a:r>
+                    </a:p>
+                  </a:txBody>
+                  <a:tcPr/>
+                </a:tc>
+                <a:tc>
+                  <a:txBody>
+                    <a:bodyPr/>
+                    <a:lstStyle/>
+                    <a:p>
+                      <a:r>
+                        <a:rPr lang="zh-CN" altLang="en-US" dirty="0"/>
+                        <a:t>有</a:t>
+                      </a:r>
+                    </a:p>
+                  </a:txBody>
+                  <a:tcPr/>
+                </a:tc>
+                <a:tc>
+                  <a:txBody>
+                    <a:bodyPr/>
+                    <a:lstStyle/>
+                    <a:p>
+                      <a:r>
+                        <a:rPr lang="zh-CN" altLang="en-US" dirty="0"/>
+                        <a:t>有</a:t>
+                      </a:r>
+                    </a:p>
+                  </a:txBody>
+                  <a:tcPr/>
+                </a:tc>
+                <a:tc>
+                  <a:txBody>
+                    <a:bodyPr/>
+                    <a:lstStyle/>
+                    <a:p>
+                      <a:pPr marL="0" marR="0" lvl="0" indent="0" algn="l" defTabSz="914400" rtl="0" eaLnBrk="1" fontAlgn="auto" latinLnBrk="0" hangingPunct="1">
+                        <a:lnSpc>
+                          <a:spcPct val="100000"/>
+                        </a:lnSpc>
+                        <a:spcBef>
+                          <a:spcPts val="0"/>
+                        </a:spcBef>
+                        <a:spcAft>
+                          <a:spcPts val="0"/>
+                        </a:spcAft>
+                        <a:buClrTx/>
+                        <a:buSzTx/>
+                        <a:buFontTx/>
+                        <a:buNone/>
+                        <a:tabLst/>
+                        <a:defRPr/>
+                      </a:pPr>
+                      <a:r>
+                        <a:rPr lang="zh-CN" altLang="en-US" dirty="0"/>
+                        <a:t>有</a:t>
+                      </a:r>
+                    </a:p>
+                    <a:p>
+                      <a:endParaRPr lang="zh-CN" altLang="en-US" dirty="0"/>
+                    </a:p>
+                  </a:txBody>
+                  <a:tcPr/>
+                </a:tc>
+                <a:tc>
+                  <a:txBody>
+                    <a:bodyPr/>
+                    <a:lstStyle/>
+                    <a:p>
+                      <a:pPr marL="0" marR="0" lvl="0" indent="0" algn="l" defTabSz="914400" rtl="0" eaLnBrk="1" fontAlgn="auto" latinLnBrk="0" hangingPunct="1">
+                        <a:lnSpc>
+                          <a:spcPct val="100000"/>
+                        </a:lnSpc>
+                        <a:spcBef>
+                          <a:spcPts val="0"/>
+                        </a:spcBef>
+                        <a:spcAft>
+                          <a:spcPts val="0"/>
+                        </a:spcAft>
+                        <a:buClrTx/>
+                        <a:buSzTx/>
+                        <a:buFontTx/>
+                        <a:buNone/>
+                        <a:tabLst/>
+                        <a:defRPr/>
+                      </a:pPr>
+                      <a:r>
+                        <a:rPr lang="zh-CN" altLang="en-US" dirty="0"/>
+                        <a:t>有</a:t>
+                      </a:r>
+                    </a:p>
+                    <a:p>
+                      <a:endParaRPr lang="zh-CN" altLang="en-US" dirty="0"/>
+                    </a:p>
+                  </a:txBody>
+                  <a:tcPr/>
+                </a:tc>
+                <a:tc>
+                  <a:txBody>
+                    <a:bodyPr/>
+                    <a:lstStyle/>
+                    <a:p>
+                      <a:pPr marL="0" marR="0" lvl="0" indent="0" algn="l" defTabSz="914400" rtl="0" eaLnBrk="1" fontAlgn="auto" latinLnBrk="0" hangingPunct="1">
+                        <a:lnSpc>
+                          <a:spcPct val="100000"/>
+                        </a:lnSpc>
+                        <a:spcBef>
+                          <a:spcPts val="0"/>
+                        </a:spcBef>
+                        <a:spcAft>
+                          <a:spcPts val="0"/>
+                        </a:spcAft>
+                        <a:buClrTx/>
+                        <a:buSzTx/>
+                        <a:buFontTx/>
+                        <a:buNone/>
+                        <a:tabLst/>
+                        <a:defRPr/>
+                      </a:pPr>
+                      <a:r>
+                        <a:rPr lang="zh-CN" altLang="en-US" dirty="0"/>
+                        <a:t>有</a:t>
+                      </a:r>
+                    </a:p>
+                    <a:p>
+                      <a:endParaRPr lang="zh-CN" altLang="en-US" dirty="0"/>
+                    </a:p>
+                  </a:txBody>
+                  <a:tcPr/>
+                </a:tc>
+                <a:tc>
+                  <a:txBody>
+                    <a:bodyPr/>
+                    <a:lstStyle/>
+                    <a:p>
+                      <a:pPr marL="0" marR="0" lvl="0" indent="0" algn="l" defTabSz="914400" rtl="0" eaLnBrk="1" fontAlgn="auto" latinLnBrk="0" hangingPunct="1">
+                        <a:lnSpc>
+                          <a:spcPct val="100000"/>
+                        </a:lnSpc>
+                        <a:spcBef>
+                          <a:spcPts val="0"/>
+                        </a:spcBef>
+                        <a:spcAft>
+                          <a:spcPts val="0"/>
+                        </a:spcAft>
+                        <a:buClrTx/>
+                        <a:buSzTx/>
+                        <a:buFontTx/>
+                        <a:buNone/>
+                        <a:tabLst/>
+                        <a:defRPr/>
+                      </a:pPr>
+                      <a:r>
+                        <a:rPr lang="zh-CN" altLang="en-US" dirty="0"/>
+                        <a:t>有</a:t>
+                      </a:r>
+                    </a:p>
+                    <a:p>
+                      <a:endParaRPr lang="zh-CN" altLang="en-US" dirty="0"/>
+                    </a:p>
+                  </a:txBody>
+                  <a:tcPr/>
+                </a:tc>
+                <a:tc>
+                  <a:txBody>
+                    <a:bodyPr/>
+                    <a:lstStyle/>
+                    <a:p>
+                      <a:pPr marL="0" marR="0" lvl="0" indent="0" algn="l" defTabSz="914400" rtl="0" eaLnBrk="1" fontAlgn="auto" latinLnBrk="0" hangingPunct="1">
+                        <a:lnSpc>
+                          <a:spcPct val="100000"/>
+                        </a:lnSpc>
+                        <a:spcBef>
+                          <a:spcPts val="0"/>
+                        </a:spcBef>
+                        <a:spcAft>
+                          <a:spcPts val="0"/>
+                        </a:spcAft>
+                        <a:buClrTx/>
+                        <a:buSzTx/>
+                        <a:buFontTx/>
+                        <a:buNone/>
+                        <a:tabLst/>
+                        <a:defRPr/>
+                      </a:pPr>
+                      <a:r>
+                        <a:rPr lang="zh-CN" altLang="en-US" dirty="0"/>
+                        <a:t>有</a:t>
+                      </a:r>
+                    </a:p>
+                    <a:p>
+                      <a:endParaRPr lang="zh-CN" altLang="en-US" dirty="0"/>
+                    </a:p>
+                  </a:txBody>
+                  <a:tcPr/>
+                </a:tc>
+                <a:tc>
+                  <a:txBody>
+                    <a:bodyPr/>
+                    <a:lstStyle/>
+                    <a:p>
+                      <a:pPr marL="0" marR="0" lvl="0" indent="0" algn="l" defTabSz="914400" rtl="0" eaLnBrk="1" fontAlgn="auto" latinLnBrk="0" hangingPunct="1">
+                        <a:lnSpc>
+                          <a:spcPct val="100000"/>
+                        </a:lnSpc>
+                        <a:spcBef>
+                          <a:spcPts val="0"/>
+                        </a:spcBef>
+                        <a:spcAft>
+                          <a:spcPts val="0"/>
+                        </a:spcAft>
+                        <a:buClrTx/>
+                        <a:buSzTx/>
+                        <a:buFontTx/>
+                        <a:buNone/>
+                        <a:tabLst/>
+                        <a:defRPr/>
+                      </a:pPr>
+                      <a:r>
+                        <a:rPr lang="zh-CN" altLang="en-US" dirty="0"/>
+                        <a:t>有</a:t>
+                      </a:r>
+                    </a:p>
+                    <a:p>
+                      <a:endParaRPr lang="zh-CN" altLang="en-US" dirty="0"/>
+                    </a:p>
+                  </a:txBody>
+                  <a:tcPr/>
+                </a:tc>
+                <a:extLst>
+                  <a:ext uri="{0D108BD9-81ED-4DB2-BD59-A6C34878D82A}">
+                    <a16:rowId xmlns:a16="http://schemas.microsoft.com/office/drawing/2014/main" val="3445708649"/>
+                  </a:ext>
+                </a:extLst>
+              </a:tr>
+              <a:tr h="914400">
+                <a:tc>
+                  <a:txBody>
+                    <a:bodyPr/>
+                    <a:lstStyle/>
+                    <a:p>
+                      <a:r>
+                        <a:rPr lang="en-US" altLang="zh-CN" dirty="0"/>
+                        <a:t>Shuffle remap</a:t>
+                      </a:r>
+                      <a:endParaRPr lang="zh-CN" altLang="en-US" dirty="0"/>
+                    </a:p>
+                  </a:txBody>
+                  <a:tcPr/>
+                </a:tc>
+                <a:tc>
+                  <a:txBody>
+                    <a:bodyPr/>
+                    <a:lstStyle/>
+                    <a:p>
+                      <a:r>
+                        <a:rPr lang="zh-CN" altLang="en-US" dirty="0"/>
+                        <a:t>无</a:t>
+                      </a:r>
+                    </a:p>
+                  </a:txBody>
+                  <a:tcPr/>
+                </a:tc>
+                <a:tc>
+                  <a:txBody>
+                    <a:bodyPr/>
+                    <a:lstStyle/>
+                    <a:p>
+                      <a:r>
+                        <a:rPr lang="zh-CN" altLang="en-US" dirty="0"/>
+                        <a:t>无</a:t>
+                      </a:r>
+                    </a:p>
+                  </a:txBody>
+                  <a:tcPr/>
+                </a:tc>
+                <a:tc>
+                  <a:txBody>
+                    <a:bodyPr/>
+                    <a:lstStyle/>
+                    <a:p>
+                      <a:r>
+                        <a:rPr lang="en-US" altLang="zh-CN" dirty="0"/>
+                        <a:t>Prob=0.5</a:t>
+                      </a:r>
+                    </a:p>
+                    <a:p>
+                      <a:r>
+                        <a:rPr lang="en-US" altLang="zh-CN" dirty="0"/>
+                        <a:t>Random point=[2, 5]</a:t>
+                      </a:r>
+                      <a:endParaRPr lang="zh-CN" altLang="en-US" dirty="0"/>
+                    </a:p>
+                  </a:txBody>
+                  <a:tcPr/>
+                </a:tc>
+                <a:tc>
+                  <a:txBody>
+                    <a:bodyPr/>
+                    <a:lstStyle/>
+                    <a:p>
+                      <a:r>
+                        <a:rPr lang="en-US" altLang="zh-CN" dirty="0"/>
+                        <a:t>0.9,</a:t>
+                      </a:r>
+                    </a:p>
+                    <a:p>
+                      <a:r>
+                        <a:rPr lang="en-US" altLang="zh-CN" dirty="0"/>
+                        <a:t>[2, 5]</a:t>
+                      </a:r>
+                      <a:endParaRPr lang="zh-CN" altLang="en-US" dirty="0"/>
+                    </a:p>
+                    <a:p>
+                      <a:endParaRPr lang="zh-CN" altLang="en-US" dirty="0"/>
+                    </a:p>
+                  </a:txBody>
+                  <a:tcPr/>
+                </a:tc>
+                <a:tc>
+                  <a:txBody>
+                    <a:bodyPr/>
+                    <a:lstStyle/>
+                    <a:p>
+                      <a:r>
+                        <a:rPr lang="en-US" altLang="zh-CN" dirty="0"/>
+                        <a:t>1,</a:t>
+                      </a:r>
+                    </a:p>
+                    <a:p>
+                      <a:r>
+                        <a:rPr lang="en-US" altLang="zh-CN" dirty="0"/>
+                        <a:t>[2, 5]</a:t>
+                      </a:r>
+                      <a:endParaRPr lang="zh-CN" altLang="en-US" dirty="0"/>
+                    </a:p>
+                    <a:p>
+                      <a:endParaRPr lang="zh-CN" altLang="en-US" dirty="0"/>
+                    </a:p>
+                  </a:txBody>
+                  <a:tcPr/>
+                </a:tc>
+                <a:tc>
+                  <a:txBody>
+                    <a:bodyPr/>
+                    <a:lstStyle/>
+                    <a:p>
+                      <a:r>
+                        <a:rPr lang="en-US" altLang="zh-CN" dirty="0"/>
+                        <a:t>0.5,</a:t>
+                      </a:r>
+                    </a:p>
+                    <a:p>
+                      <a:r>
+                        <a:rPr lang="en-US" altLang="zh-CN" dirty="0"/>
+                        <a:t>[2, 10]</a:t>
+                      </a:r>
+                      <a:endParaRPr lang="zh-CN" altLang="en-US" dirty="0"/>
+                    </a:p>
+                    <a:p>
+                      <a:endParaRPr lang="zh-CN" altLang="en-US" dirty="0"/>
+                    </a:p>
+                  </a:txBody>
+                  <a:tcPr/>
+                </a:tc>
+                <a:tc>
+                  <a:txBody>
+                    <a:bodyPr/>
+                    <a:lstStyle/>
+                    <a:p>
+                      <a:r>
+                        <a:rPr lang="en-US" altLang="zh-CN" dirty="0"/>
+                        <a:t>0.9,</a:t>
+                      </a:r>
+                    </a:p>
+                    <a:p>
+                      <a:r>
+                        <a:rPr lang="en-US" altLang="zh-CN" dirty="0"/>
+                        <a:t>[2, 10]</a:t>
+                      </a:r>
+                      <a:endParaRPr lang="zh-CN" altLang="en-US" dirty="0"/>
+                    </a:p>
+                    <a:p>
+                      <a:endParaRPr lang="zh-CN" altLang="en-US" dirty="0"/>
+                    </a:p>
+                  </a:txBody>
+                  <a:tcPr/>
+                </a:tc>
+                <a:tc>
+                  <a:txBody>
+                    <a:bodyPr/>
+                    <a:lstStyle/>
+                    <a:p>
+                      <a:r>
+                        <a:rPr lang="en-US" altLang="zh-CN" dirty="0"/>
+                        <a:t>1,</a:t>
+                      </a:r>
+                    </a:p>
+                    <a:p>
+                      <a:r>
+                        <a:rPr lang="en-US" altLang="zh-CN" dirty="0"/>
+                        <a:t>[2, 10]</a:t>
+                      </a:r>
+                      <a:endParaRPr lang="zh-CN" altLang="en-US" dirty="0"/>
+                    </a:p>
+                    <a:p>
+                      <a:endParaRPr lang="zh-CN" altLang="en-US" dirty="0"/>
+                    </a:p>
+                  </a:txBody>
+                  <a:tcPr/>
+                </a:tc>
+                <a:tc>
+                  <a:txBody>
+                    <a:bodyPr/>
+                    <a:lstStyle/>
+                    <a:p>
+                      <a:r>
+                        <a:rPr lang="zh-CN" altLang="en-US" dirty="0"/>
+                        <a:t>无</a:t>
+                      </a:r>
+                    </a:p>
+                  </a:txBody>
+                  <a:tcPr/>
+                </a:tc>
+                <a:extLst>
+                  <a:ext uri="{0D108BD9-81ED-4DB2-BD59-A6C34878D82A}">
+                    <a16:rowId xmlns:a16="http://schemas.microsoft.com/office/drawing/2014/main" val="3271141709"/>
+                  </a:ext>
+                </a:extLst>
+              </a:tr>
+              <a:tr h="508940">
+                <a:tc>
+                  <a:txBody>
+                    <a:bodyPr/>
+                    <a:lstStyle/>
+                    <a:p>
+                      <a:r>
+                        <a:rPr lang="en-US" altLang="zh-CN" dirty="0"/>
+                        <a:t>T1_in</a:t>
+                      </a:r>
+                      <a:endParaRPr lang="zh-CN" altLang="en-US" dirty="0"/>
+                    </a:p>
+                  </a:txBody>
+                  <a:tcPr/>
+                </a:tc>
+                <a:tc>
+                  <a:txBody>
+                    <a:bodyPr/>
+                    <a:lstStyle/>
+                    <a:p>
+                      <a:r>
+                        <a:rPr lang="en-US" altLang="zh-CN" dirty="0"/>
+                        <a:t>0.3617</a:t>
+                      </a:r>
+                      <a:endParaRPr lang="zh-CN" altLang="en-US" dirty="0"/>
+                    </a:p>
+                  </a:txBody>
+                  <a:tcPr/>
+                </a:tc>
+                <a:tc>
+                  <a:txBody>
+                    <a:bodyPr/>
+                    <a:lstStyle/>
+                    <a:p>
+                      <a:r>
+                        <a:rPr lang="en-US" altLang="zh-CN" dirty="0"/>
+                        <a:t>0.4080</a:t>
+                      </a:r>
+                      <a:endParaRPr lang="zh-CN" altLang="en-US" dirty="0"/>
+                    </a:p>
+                  </a:txBody>
+                  <a:tcPr/>
+                </a:tc>
+                <a:tc>
+                  <a:txBody>
+                    <a:bodyPr/>
+                    <a:lstStyle/>
+                    <a:p>
+                      <a:r>
+                        <a:rPr lang="en-US" altLang="zh-CN" dirty="0"/>
+                        <a:t>0.8779</a:t>
+                      </a:r>
+                      <a:endParaRPr lang="zh-CN" altLang="en-US" dirty="0"/>
+                    </a:p>
+                  </a:txBody>
+                  <a:tcPr/>
+                </a:tc>
+                <a:tc>
+                  <a:txBody>
+                    <a:bodyPr/>
+                    <a:lstStyle/>
+                    <a:p>
+                      <a:r>
+                        <a:rPr lang="en-US" altLang="zh-CN" dirty="0"/>
+                        <a:t>0.8903</a:t>
+                      </a:r>
+                      <a:endParaRPr lang="zh-CN" altLang="en-US" dirty="0"/>
+                    </a:p>
+                  </a:txBody>
+                  <a:tcPr/>
+                </a:tc>
+                <a:tc>
+                  <a:txBody>
+                    <a:bodyPr/>
+                    <a:lstStyle/>
+                    <a:p>
+                      <a:r>
+                        <a:rPr lang="en-US" altLang="zh-CN" dirty="0"/>
+                        <a:t>0.8809</a:t>
+                      </a:r>
+                      <a:endParaRPr lang="zh-CN" altLang="en-US" dirty="0"/>
+                    </a:p>
+                  </a:txBody>
+                  <a:tcPr/>
+                </a:tc>
+                <a:tc>
+                  <a:txBody>
+                    <a:bodyPr/>
+                    <a:lstStyle/>
+                    <a:p>
+                      <a:r>
+                        <a:rPr lang="en-US" altLang="zh-CN" dirty="0"/>
+                        <a:t>0.8702</a:t>
+                      </a:r>
+                      <a:endParaRPr lang="zh-CN" altLang="en-US" dirty="0"/>
+                    </a:p>
+                  </a:txBody>
+                  <a:tcPr/>
+                </a:tc>
+                <a:tc>
+                  <a:txBody>
+                    <a:bodyPr/>
+                    <a:lstStyle/>
+                    <a:p>
+                      <a:r>
+                        <a:rPr lang="en-US" altLang="zh-CN" dirty="0"/>
+                        <a:t>0.8872</a:t>
+                      </a:r>
+                      <a:endParaRPr lang="zh-CN" altLang="en-US" dirty="0"/>
+                    </a:p>
+                  </a:txBody>
+                  <a:tcPr/>
+                </a:tc>
+                <a:tc>
+                  <a:txBody>
+                    <a:bodyPr/>
+                    <a:lstStyle/>
+                    <a:p>
+                      <a:r>
+                        <a:rPr lang="en-US" altLang="zh-CN" dirty="0"/>
+                        <a:t>0.8887</a:t>
+                      </a:r>
+                      <a:endParaRPr lang="zh-CN" altLang="en-US" dirty="0"/>
+                    </a:p>
+                  </a:txBody>
+                  <a:tcPr/>
+                </a:tc>
+                <a:tc>
+                  <a:txBody>
+                    <a:bodyPr/>
+                    <a:lstStyle/>
+                    <a:p>
+                      <a:r>
+                        <a:rPr lang="en-US" altLang="zh-CN" dirty="0"/>
+                        <a:t>0.9119</a:t>
+                      </a:r>
+                      <a:endParaRPr lang="zh-CN" altLang="en-US" dirty="0"/>
+                    </a:p>
+                  </a:txBody>
+                  <a:tcPr/>
+                </a:tc>
+                <a:extLst>
+                  <a:ext uri="{0D108BD9-81ED-4DB2-BD59-A6C34878D82A}">
+                    <a16:rowId xmlns:a16="http://schemas.microsoft.com/office/drawing/2014/main" val="574348140"/>
+                  </a:ext>
+                </a:extLst>
+              </a:tr>
+              <a:tr h="508940">
+                <a:tc>
+                  <a:txBody>
+                    <a:bodyPr/>
+                    <a:lstStyle/>
+                    <a:p>
+                      <a:r>
+                        <a:rPr lang="en-US" altLang="zh-CN" dirty="0"/>
+                        <a:t>T1_out</a:t>
+                      </a:r>
+                      <a:endParaRPr lang="zh-CN" altLang="en-US" dirty="0"/>
+                    </a:p>
+                  </a:txBody>
+                  <a:tcPr/>
+                </a:tc>
+                <a:tc>
+                  <a:txBody>
+                    <a:bodyPr/>
+                    <a:lstStyle/>
+                    <a:p>
+                      <a:r>
+                        <a:rPr lang="en-US" altLang="zh-CN" dirty="0"/>
+                        <a:t>0.3632</a:t>
+                      </a:r>
+                      <a:endParaRPr lang="zh-CN" altLang="en-US" dirty="0"/>
+                    </a:p>
+                  </a:txBody>
+                  <a:tcPr/>
+                </a:tc>
+                <a:tc>
+                  <a:txBody>
+                    <a:bodyPr/>
+                    <a:lstStyle/>
+                    <a:p>
+                      <a:r>
+                        <a:rPr lang="en-US" altLang="zh-CN" dirty="0"/>
+                        <a:t>0.3941</a:t>
+                      </a:r>
+                      <a:endParaRPr lang="zh-CN" altLang="en-US" dirty="0"/>
+                    </a:p>
+                  </a:txBody>
+                  <a:tcPr/>
+                </a:tc>
+                <a:tc>
+                  <a:txBody>
+                    <a:bodyPr/>
+                    <a:lstStyle/>
+                    <a:p>
+                      <a:r>
+                        <a:rPr lang="en-US" altLang="zh-CN" dirty="0"/>
+                        <a:t>0.8655</a:t>
+                      </a:r>
+                      <a:endParaRPr lang="zh-CN" altLang="en-US" dirty="0"/>
+                    </a:p>
+                  </a:txBody>
+                  <a:tcPr/>
+                </a:tc>
+                <a:tc>
+                  <a:txBody>
+                    <a:bodyPr/>
+                    <a:lstStyle/>
+                    <a:p>
+                      <a:r>
+                        <a:rPr lang="en-US" altLang="zh-CN" dirty="0"/>
+                        <a:t>0.8856</a:t>
+                      </a:r>
+                      <a:endParaRPr lang="zh-CN" altLang="en-US" dirty="0"/>
+                    </a:p>
+                  </a:txBody>
+                  <a:tcPr/>
+                </a:tc>
+                <a:tc>
+                  <a:txBody>
+                    <a:bodyPr/>
+                    <a:lstStyle/>
+                    <a:p>
+                      <a:r>
+                        <a:rPr lang="en-US" altLang="zh-CN" dirty="0"/>
+                        <a:t>0.8933</a:t>
+                      </a:r>
+                      <a:endParaRPr lang="zh-CN" altLang="en-US" dirty="0"/>
+                    </a:p>
+                  </a:txBody>
+                  <a:tcPr/>
+                </a:tc>
+                <a:tc>
+                  <a:txBody>
+                    <a:bodyPr/>
+                    <a:lstStyle/>
+                    <a:p>
+                      <a:r>
+                        <a:rPr lang="en-US" altLang="zh-CN" dirty="0"/>
+                        <a:t>0.8794</a:t>
+                      </a:r>
+                      <a:endParaRPr lang="zh-CN" altLang="en-US" dirty="0"/>
+                    </a:p>
+                  </a:txBody>
+                  <a:tcPr/>
+                </a:tc>
+                <a:tc>
+                  <a:txBody>
+                    <a:bodyPr/>
+                    <a:lstStyle/>
+                    <a:p>
+                      <a:r>
+                        <a:rPr lang="en-US" altLang="zh-CN" dirty="0"/>
+                        <a:t>0.8849</a:t>
+                      </a:r>
+                      <a:endParaRPr lang="zh-CN" altLang="en-US" dirty="0"/>
+                    </a:p>
+                  </a:txBody>
+                  <a:tcPr/>
+                </a:tc>
+                <a:tc>
+                  <a:txBody>
+                    <a:bodyPr/>
+                    <a:lstStyle/>
+                    <a:p>
+                      <a:r>
+                        <a:rPr lang="en-US" altLang="zh-CN" dirty="0"/>
+                        <a:t>0.8949</a:t>
+                      </a:r>
+                      <a:endParaRPr lang="zh-CN" altLang="en-US" dirty="0"/>
+                    </a:p>
+                  </a:txBody>
+                  <a:tcPr/>
+                </a:tc>
+                <a:tc>
+                  <a:txBody>
+                    <a:bodyPr/>
+                    <a:lstStyle/>
+                    <a:p>
+                      <a:r>
+                        <a:rPr lang="en-US" altLang="zh-CN" dirty="0"/>
+                        <a:t>0.9212</a:t>
+                      </a:r>
+                      <a:endParaRPr lang="zh-CN" altLang="en-US" dirty="0"/>
+                    </a:p>
+                  </a:txBody>
+                  <a:tcPr/>
+                </a:tc>
+                <a:extLst>
+                  <a:ext uri="{0D108BD9-81ED-4DB2-BD59-A6C34878D82A}">
+                    <a16:rowId xmlns:a16="http://schemas.microsoft.com/office/drawing/2014/main" val="2055444285"/>
+                  </a:ext>
+                </a:extLst>
+              </a:tr>
+              <a:tr h="508940">
+                <a:tc>
+                  <a:txBody>
+                    <a:bodyPr/>
+                    <a:lstStyle/>
+                    <a:p>
+                      <a:r>
+                        <a:rPr lang="en-US" altLang="zh-CN" dirty="0"/>
+                        <a:t>T2</a:t>
+                      </a:r>
+                      <a:endParaRPr lang="zh-CN" altLang="en-US" dirty="0"/>
+                    </a:p>
+                  </a:txBody>
+                  <a:tcPr/>
+                </a:tc>
+                <a:tc>
+                  <a:txBody>
+                    <a:bodyPr/>
+                    <a:lstStyle/>
+                    <a:p>
+                      <a:r>
+                        <a:rPr lang="en-US" altLang="zh-CN" dirty="0"/>
+                        <a:t>0.3515</a:t>
+                      </a:r>
+                      <a:endParaRPr lang="zh-CN" altLang="en-US" dirty="0"/>
+                    </a:p>
+                  </a:txBody>
+                  <a:tcPr/>
+                </a:tc>
+                <a:tc>
+                  <a:txBody>
+                    <a:bodyPr/>
+                    <a:lstStyle/>
+                    <a:p>
+                      <a:r>
+                        <a:rPr lang="en-US" altLang="zh-CN" dirty="0"/>
+                        <a:t>0.3499</a:t>
+                      </a:r>
+                      <a:endParaRPr lang="zh-CN" altLang="en-US" dirty="0"/>
+                    </a:p>
+                  </a:txBody>
+                  <a:tcPr/>
+                </a:tc>
+                <a:tc>
+                  <a:txBody>
+                    <a:bodyPr/>
+                    <a:lstStyle/>
+                    <a:p>
+                      <a:r>
+                        <a:rPr lang="en-US" altLang="zh-CN" dirty="0"/>
+                        <a:t>0.7448</a:t>
+                      </a:r>
+                      <a:endParaRPr lang="zh-CN" altLang="en-US" dirty="0"/>
+                    </a:p>
+                  </a:txBody>
+                  <a:tcPr/>
+                </a:tc>
+                <a:tc>
+                  <a:txBody>
+                    <a:bodyPr/>
+                    <a:lstStyle/>
+                    <a:p>
+                      <a:r>
+                        <a:rPr lang="en-US" altLang="zh-CN" dirty="0"/>
+                        <a:t>0.7961</a:t>
+                      </a:r>
+                      <a:endParaRPr lang="zh-CN" altLang="en-US" dirty="0"/>
+                    </a:p>
+                  </a:txBody>
+                  <a:tcPr/>
+                </a:tc>
+                <a:tc>
+                  <a:txBody>
+                    <a:bodyPr/>
+                    <a:lstStyle/>
+                    <a:p>
+                      <a:r>
+                        <a:rPr lang="en-US" altLang="zh-CN" dirty="0"/>
+                        <a:t>0.7945</a:t>
+                      </a:r>
+                      <a:endParaRPr lang="zh-CN" altLang="en-US" dirty="0"/>
+                    </a:p>
+                  </a:txBody>
+                  <a:tcPr/>
+                </a:tc>
+                <a:tc>
+                  <a:txBody>
+                    <a:bodyPr/>
+                    <a:lstStyle/>
+                    <a:p>
+                      <a:r>
+                        <a:rPr lang="en-US" altLang="zh-CN" dirty="0"/>
+                        <a:t>0.7881</a:t>
+                      </a:r>
+                      <a:endParaRPr lang="zh-CN" altLang="en-US" dirty="0"/>
+                    </a:p>
+                  </a:txBody>
+                  <a:tcPr/>
+                </a:tc>
+                <a:tc>
+                  <a:txBody>
+                    <a:bodyPr/>
+                    <a:lstStyle/>
+                    <a:p>
+                      <a:r>
+                        <a:rPr lang="en-US" altLang="zh-CN" dirty="0"/>
+                        <a:t>0.8523</a:t>
+                      </a:r>
+                      <a:endParaRPr lang="zh-CN" altLang="en-US" dirty="0"/>
+                    </a:p>
+                  </a:txBody>
+                  <a:tcPr/>
+                </a:tc>
+                <a:tc>
+                  <a:txBody>
+                    <a:bodyPr/>
+                    <a:lstStyle/>
+                    <a:p>
+                      <a:r>
+                        <a:rPr lang="en-US" altLang="zh-CN" dirty="0"/>
+                        <a:t>0.8716</a:t>
+                      </a:r>
+                      <a:endParaRPr lang="zh-CN" altLang="en-US" dirty="0"/>
+                    </a:p>
+                  </a:txBody>
+                  <a:tcPr/>
+                </a:tc>
+                <a:tc>
+                  <a:txBody>
+                    <a:bodyPr/>
+                    <a:lstStyle/>
+                    <a:p>
+                      <a:r>
+                        <a:rPr lang="en-US" altLang="zh-CN" dirty="0"/>
+                        <a:t>0.8347</a:t>
+                      </a:r>
+                      <a:endParaRPr lang="zh-CN" altLang="en-US" dirty="0"/>
+                    </a:p>
+                  </a:txBody>
+                  <a:tcPr/>
+                </a:tc>
+                <a:extLst>
+                  <a:ext uri="{0D108BD9-81ED-4DB2-BD59-A6C34878D82A}">
+                    <a16:rowId xmlns:a16="http://schemas.microsoft.com/office/drawing/2014/main" val="2516485212"/>
+                  </a:ext>
+                </a:extLst>
+              </a:tr>
+            </a:tbl>
+          </a:graphicData>
+        </a:graphic>
+      </p:graphicFrame>
     </p:spTree>
     <p:extLst>
       <p:ext uri="{BB962C8B-B14F-4D97-AF65-F5344CB8AC3E}">
-        <p14:creationId xmlns:p14="http://schemas.microsoft.com/office/powerpoint/2010/main" val="524428823"/>
+        <p14:creationId xmlns:p14="http://schemas.microsoft.com/office/powerpoint/2010/main" val="4267861341"/>
       </p:ext>
     </p:extLst>
   </p:cSld>
@@ -13545,1231 +14635,6 @@
     <p:extLst>
       <p:ext uri="{BB962C8B-B14F-4D97-AF65-F5344CB8AC3E}">
         <p14:creationId xmlns:p14="http://schemas.microsoft.com/office/powerpoint/2010/main" val="1690556736"/>
-      </p:ext>
-    </p:extLst>
-  </p:cSld>
-  <p:clrMapOvr>
-    <a:masterClrMapping/>
-  </p:clrMapOvr>
-</p:sld>
-</file>
-
-<file path=ppt/slides/slide30.xml><?xml version="1.0" encoding="utf-8"?>
-<p:sld xmlns:a="http://schemas.openxmlformats.org/drawingml/2006/main" xmlns:r="http://schemas.openxmlformats.org/officeDocument/2006/relationships" xmlns:p="http://schemas.openxmlformats.org/presentationml/2006/main">
-  <p:cSld>
-    <p:spTree>
-      <p:nvGrpSpPr>
-        <p:cNvPr id="1" name=""/>
-        <p:cNvGrpSpPr/>
-        <p:nvPr/>
-      </p:nvGrpSpPr>
-      <p:grpSpPr>
-        <a:xfrm>
-          <a:off x="0" y="0"/>
-          <a:ext cx="0" cy="0"/>
-          <a:chOff x="0" y="0"/>
-          <a:chExt cx="0" cy="0"/>
-        </a:xfrm>
-      </p:grpSpPr>
-      <p:cxnSp>
-        <p:nvCxnSpPr>
-          <p:cNvPr id="7" name="直接连接符 6"/>
-          <p:cNvCxnSpPr/>
-          <p:nvPr/>
-        </p:nvCxnSpPr>
-        <p:spPr>
-          <a:xfrm>
-            <a:off x="367840" y="809674"/>
-            <a:ext cx="11488800" cy="0"/>
-          </a:xfrm>
-          <a:prstGeom prst="line">
-            <a:avLst/>
-          </a:prstGeom>
-          <a:ln w="9525">
-            <a:solidFill>
-              <a:srgbClr val="024282"/>
-            </a:solidFill>
-          </a:ln>
-        </p:spPr>
-        <p:style>
-          <a:lnRef idx="1">
-            <a:schemeClr val="accent1"/>
-          </a:lnRef>
-          <a:fillRef idx="0">
-            <a:schemeClr val="accent1"/>
-          </a:fillRef>
-          <a:effectRef idx="0">
-            <a:schemeClr val="accent1"/>
-          </a:effectRef>
-          <a:fontRef idx="minor">
-            <a:schemeClr val="tx1"/>
-          </a:fontRef>
-        </p:style>
-      </p:cxnSp>
-      <p:grpSp>
-        <p:nvGrpSpPr>
-          <p:cNvPr id="43" name="组合 42"/>
-          <p:cNvGrpSpPr/>
-          <p:nvPr/>
-        </p:nvGrpSpPr>
-        <p:grpSpPr>
-          <a:xfrm>
-            <a:off x="9456920" y="74604"/>
-            <a:ext cx="2489626" cy="672240"/>
-            <a:chOff x="4638341" y="609261"/>
-            <a:chExt cx="5755951" cy="1554197"/>
-          </a:xfrm>
-        </p:grpSpPr>
-        <p:pic>
-          <p:nvPicPr>
-            <p:cNvPr id="45" name="图片 44"/>
-            <p:cNvPicPr>
-              <a:picLocks noChangeAspect="1"/>
-            </p:cNvPicPr>
-            <p:nvPr/>
-          </p:nvPicPr>
-          <p:blipFill>
-            <a:blip r:embed="rId2" cstate="print">
-              <a:extLst>
-                <a:ext uri="{28A0092B-C50C-407E-A947-70E740481C1C}">
-                  <a14:useLocalDpi xmlns:a14="http://schemas.microsoft.com/office/drawing/2010/main" val="0"/>
-                </a:ext>
-              </a:extLst>
-            </a:blip>
-            <a:srcRect/>
-            <a:stretch>
-              <a:fillRect/>
-            </a:stretch>
-          </p:blipFill>
-          <p:spPr>
-            <a:xfrm>
-              <a:off x="4638341" y="609261"/>
-              <a:ext cx="1502034" cy="1502030"/>
-            </a:xfrm>
-            <a:prstGeom prst="rect">
-              <a:avLst/>
-            </a:prstGeom>
-          </p:spPr>
-        </p:pic>
-        <p:pic>
-          <p:nvPicPr>
-            <p:cNvPr id="46" name="图片 45"/>
-            <p:cNvPicPr>
-              <a:picLocks noChangeAspect="1"/>
-            </p:cNvPicPr>
-            <p:nvPr/>
-          </p:nvPicPr>
-          <p:blipFill>
-            <a:blip r:embed="rId3" cstate="print">
-              <a:extLst>
-                <a:ext uri="{28A0092B-C50C-407E-A947-70E740481C1C}">
-                  <a14:useLocalDpi xmlns:a14="http://schemas.microsoft.com/office/drawing/2010/main" val="0"/>
-                </a:ext>
-              </a:extLst>
-            </a:blip>
-            <a:srcRect/>
-            <a:stretch>
-              <a:fillRect/>
-            </a:stretch>
-          </p:blipFill>
-          <p:spPr>
-            <a:xfrm>
-              <a:off x="6206343" y="750075"/>
-              <a:ext cx="4060280" cy="983091"/>
-            </a:xfrm>
-            <a:prstGeom prst="rect">
-              <a:avLst/>
-            </a:prstGeom>
-          </p:spPr>
-        </p:pic>
-        <p:sp>
-          <p:nvSpPr>
-            <p:cNvPr id="47" name="矩形 46"/>
-            <p:cNvSpPr/>
-            <p:nvPr/>
-          </p:nvSpPr>
-          <p:spPr>
-            <a:xfrm>
-              <a:off x="6206343" y="1665358"/>
-              <a:ext cx="4187949" cy="498100"/>
-            </a:xfrm>
-            <a:prstGeom prst="rect">
-              <a:avLst/>
-            </a:prstGeom>
-          </p:spPr>
-          <p:txBody>
-            <a:bodyPr wrap="square">
-              <a:spAutoFit/>
-            </a:bodyPr>
-            <a:lstStyle/>
-            <a:p>
-              <a:pPr marL="0" marR="0" lvl="0" indent="0" algn="dist" defTabSz="914400" rtl="0" eaLnBrk="1" fontAlgn="auto" latinLnBrk="0" hangingPunct="1">
-                <a:lnSpc>
-                  <a:spcPct val="100000"/>
-                </a:lnSpc>
-                <a:spcBef>
-                  <a:spcPts val="0"/>
-                </a:spcBef>
-                <a:spcAft>
-                  <a:spcPts val="0"/>
-                </a:spcAft>
-                <a:buClrTx/>
-                <a:buSzTx/>
-                <a:buFontTx/>
-                <a:buNone/>
-                <a:defRPr/>
-              </a:pPr>
-              <a:r>
-                <a:rPr kumimoji="0" lang="en-US" altLang="zh-CN" sz="800" b="1" i="0" u="none" strike="noStrike" kern="1200" cap="none" spc="0" normalizeH="0" baseline="0" noProof="0" dirty="0">
-                  <a:ln>
-                    <a:noFill/>
-                  </a:ln>
-                  <a:solidFill>
-                    <a:srgbClr val="024282"/>
-                  </a:solidFill>
-                  <a:effectLst/>
-                  <a:uLnTx/>
-                  <a:uFillTx/>
-                  <a:latin typeface="Calibri" panose="020F0502020204030204"/>
-                  <a:ea typeface="宋体" panose="02010600030101010101" pitchFamily="2" charset="-122"/>
-                  <a:cs typeface="+mn-cs"/>
-                </a:rPr>
-                <a:t>BEIJING UNIVERSITY OF TECHNOLOGY</a:t>
-              </a:r>
-            </a:p>
-          </p:txBody>
-        </p:sp>
-      </p:grpSp>
-      <p:sp>
-        <p:nvSpPr>
-          <p:cNvPr id="2" name="文本框 1"/>
-          <p:cNvSpPr txBox="1"/>
-          <p:nvPr/>
-        </p:nvSpPr>
-        <p:spPr>
-          <a:xfrm>
-            <a:off x="1187450" y="441960"/>
-            <a:ext cx="4064000" cy="368300"/>
-          </a:xfrm>
-          <a:prstGeom prst="rect">
-            <a:avLst/>
-          </a:prstGeom>
-          <a:noFill/>
-        </p:spPr>
-        <p:txBody>
-          <a:bodyPr wrap="square" rtlCol="0">
-            <a:spAutoFit/>
-          </a:bodyPr>
-          <a:lstStyle/>
-          <a:p>
-            <a:endParaRPr lang="zh-CN" altLang="en-US"/>
-          </a:p>
-        </p:txBody>
-      </p:sp>
-      <p:graphicFrame>
-        <p:nvGraphicFramePr>
-          <p:cNvPr id="3" name="表格 2">
-            <a:extLst>
-              <a:ext uri="{FF2B5EF4-FFF2-40B4-BE49-F238E27FC236}">
-                <a16:creationId xmlns:a16="http://schemas.microsoft.com/office/drawing/2014/main" id="{198E8879-F044-74F6-C62E-60CEFD56E5B2}"/>
-              </a:ext>
-            </a:extLst>
-          </p:cNvPr>
-          <p:cNvGraphicFramePr>
-            <a:graphicFrameLocks noGrp="1"/>
-          </p:cNvGraphicFramePr>
-          <p:nvPr>
-            <p:extLst>
-              <p:ext uri="{D42A27DB-BD31-4B8C-83A1-F6EECF244321}">
-                <p14:modId xmlns:p14="http://schemas.microsoft.com/office/powerpoint/2010/main" val="1594112534"/>
-              </p:ext>
-            </p:extLst>
-          </p:nvPr>
-        </p:nvGraphicFramePr>
-        <p:xfrm>
-          <a:off x="367840" y="2156347"/>
-          <a:ext cx="11300990" cy="3355620"/>
-        </p:xfrm>
-        <a:graphic>
-          <a:graphicData uri="http://schemas.openxmlformats.org/drawingml/2006/table">
-            <a:tbl>
-              <a:tblPr firstRow="1" bandRow="1">
-                <a:tableStyleId>{5C22544A-7EE6-4342-B048-85BDC9FD1C3A}</a:tableStyleId>
-              </a:tblPr>
-              <a:tblGrid>
-                <a:gridCol w="1130099">
-                  <a:extLst>
-                    <a:ext uri="{9D8B030D-6E8A-4147-A177-3AD203B41FA5}">
-                      <a16:colId xmlns:a16="http://schemas.microsoft.com/office/drawing/2014/main" val="891346135"/>
-                    </a:ext>
-                  </a:extLst>
-                </a:gridCol>
-                <a:gridCol w="1130099">
-                  <a:extLst>
-                    <a:ext uri="{9D8B030D-6E8A-4147-A177-3AD203B41FA5}">
-                      <a16:colId xmlns:a16="http://schemas.microsoft.com/office/drawing/2014/main" val="3184875327"/>
-                    </a:ext>
-                  </a:extLst>
-                </a:gridCol>
-                <a:gridCol w="852141">
-                  <a:extLst>
-                    <a:ext uri="{9D8B030D-6E8A-4147-A177-3AD203B41FA5}">
-                      <a16:colId xmlns:a16="http://schemas.microsoft.com/office/drawing/2014/main" val="3751108926"/>
-                    </a:ext>
-                  </a:extLst>
-                </a:gridCol>
-                <a:gridCol w="1408057">
-                  <a:extLst>
-                    <a:ext uri="{9D8B030D-6E8A-4147-A177-3AD203B41FA5}">
-                      <a16:colId xmlns:a16="http://schemas.microsoft.com/office/drawing/2014/main" val="2251494086"/>
-                    </a:ext>
-                  </a:extLst>
-                </a:gridCol>
-                <a:gridCol w="1130099">
-                  <a:extLst>
-                    <a:ext uri="{9D8B030D-6E8A-4147-A177-3AD203B41FA5}">
-                      <a16:colId xmlns:a16="http://schemas.microsoft.com/office/drawing/2014/main" val="335364417"/>
-                    </a:ext>
-                  </a:extLst>
-                </a:gridCol>
-                <a:gridCol w="1130099">
-                  <a:extLst>
-                    <a:ext uri="{9D8B030D-6E8A-4147-A177-3AD203B41FA5}">
-                      <a16:colId xmlns:a16="http://schemas.microsoft.com/office/drawing/2014/main" val="3112691872"/>
-                    </a:ext>
-                  </a:extLst>
-                </a:gridCol>
-                <a:gridCol w="1130099">
-                  <a:extLst>
-                    <a:ext uri="{9D8B030D-6E8A-4147-A177-3AD203B41FA5}">
-                      <a16:colId xmlns:a16="http://schemas.microsoft.com/office/drawing/2014/main" val="2803923910"/>
-                    </a:ext>
-                  </a:extLst>
-                </a:gridCol>
-                <a:gridCol w="1130099">
-                  <a:extLst>
-                    <a:ext uri="{9D8B030D-6E8A-4147-A177-3AD203B41FA5}">
-                      <a16:colId xmlns:a16="http://schemas.microsoft.com/office/drawing/2014/main" val="1206696290"/>
-                    </a:ext>
-                  </a:extLst>
-                </a:gridCol>
-                <a:gridCol w="1130099">
-                  <a:extLst>
-                    <a:ext uri="{9D8B030D-6E8A-4147-A177-3AD203B41FA5}">
-                      <a16:colId xmlns:a16="http://schemas.microsoft.com/office/drawing/2014/main" val="2332021292"/>
-                    </a:ext>
-                  </a:extLst>
-                </a:gridCol>
-                <a:gridCol w="1130099">
-                  <a:extLst>
-                    <a:ext uri="{9D8B030D-6E8A-4147-A177-3AD203B41FA5}">
-                      <a16:colId xmlns:a16="http://schemas.microsoft.com/office/drawing/2014/main" val="1852409031"/>
-                    </a:ext>
-                  </a:extLst>
-                </a:gridCol>
-              </a:tblGrid>
-              <a:tr h="914400">
-                <a:tc>
-                  <a:txBody>
-                    <a:bodyPr/>
-                    <a:lstStyle/>
-                    <a:p>
-                      <a:r>
-                        <a:rPr lang="en-US" altLang="zh-CN" dirty="0"/>
-                        <a:t>Flip</a:t>
-                      </a:r>
-                      <a:endParaRPr lang="zh-CN" altLang="en-US" dirty="0"/>
-                    </a:p>
-                  </a:txBody>
-                  <a:tcPr/>
-                </a:tc>
-                <a:tc>
-                  <a:txBody>
-                    <a:bodyPr/>
-                    <a:lstStyle/>
-                    <a:p>
-                      <a:r>
-                        <a:rPr lang="zh-CN" altLang="en-US" dirty="0"/>
-                        <a:t>无</a:t>
-                      </a:r>
-                    </a:p>
-                  </a:txBody>
-                  <a:tcPr/>
-                </a:tc>
-                <a:tc>
-                  <a:txBody>
-                    <a:bodyPr/>
-                    <a:lstStyle/>
-                    <a:p>
-                      <a:r>
-                        <a:rPr lang="zh-CN" altLang="en-US" dirty="0"/>
-                        <a:t>有</a:t>
-                      </a:r>
-                    </a:p>
-                  </a:txBody>
-                  <a:tcPr/>
-                </a:tc>
-                <a:tc>
-                  <a:txBody>
-                    <a:bodyPr/>
-                    <a:lstStyle/>
-                    <a:p>
-                      <a:r>
-                        <a:rPr lang="zh-CN" altLang="en-US" dirty="0"/>
-                        <a:t>有</a:t>
-                      </a:r>
-                    </a:p>
-                  </a:txBody>
-                  <a:tcPr/>
-                </a:tc>
-                <a:tc>
-                  <a:txBody>
-                    <a:bodyPr/>
-                    <a:lstStyle/>
-                    <a:p>
-                      <a:pPr marL="0" marR="0" lvl="0" indent="0" algn="l" defTabSz="914400" rtl="0" eaLnBrk="1" fontAlgn="auto" latinLnBrk="0" hangingPunct="1">
-                        <a:lnSpc>
-                          <a:spcPct val="100000"/>
-                        </a:lnSpc>
-                        <a:spcBef>
-                          <a:spcPts val="0"/>
-                        </a:spcBef>
-                        <a:spcAft>
-                          <a:spcPts val="0"/>
-                        </a:spcAft>
-                        <a:buClrTx/>
-                        <a:buSzTx/>
-                        <a:buFontTx/>
-                        <a:buNone/>
-                        <a:tabLst/>
-                        <a:defRPr/>
-                      </a:pPr>
-                      <a:r>
-                        <a:rPr lang="zh-CN" altLang="en-US" dirty="0"/>
-                        <a:t>有</a:t>
-                      </a:r>
-                    </a:p>
-                    <a:p>
-                      <a:endParaRPr lang="zh-CN" altLang="en-US" dirty="0"/>
-                    </a:p>
-                  </a:txBody>
-                  <a:tcPr/>
-                </a:tc>
-                <a:tc>
-                  <a:txBody>
-                    <a:bodyPr/>
-                    <a:lstStyle/>
-                    <a:p>
-                      <a:pPr marL="0" marR="0" lvl="0" indent="0" algn="l" defTabSz="914400" rtl="0" eaLnBrk="1" fontAlgn="auto" latinLnBrk="0" hangingPunct="1">
-                        <a:lnSpc>
-                          <a:spcPct val="100000"/>
-                        </a:lnSpc>
-                        <a:spcBef>
-                          <a:spcPts val="0"/>
-                        </a:spcBef>
-                        <a:spcAft>
-                          <a:spcPts val="0"/>
-                        </a:spcAft>
-                        <a:buClrTx/>
-                        <a:buSzTx/>
-                        <a:buFontTx/>
-                        <a:buNone/>
-                        <a:tabLst/>
-                        <a:defRPr/>
-                      </a:pPr>
-                      <a:r>
-                        <a:rPr lang="zh-CN" altLang="en-US" dirty="0"/>
-                        <a:t>有</a:t>
-                      </a:r>
-                    </a:p>
-                    <a:p>
-                      <a:endParaRPr lang="zh-CN" altLang="en-US" dirty="0"/>
-                    </a:p>
-                  </a:txBody>
-                  <a:tcPr/>
-                </a:tc>
-                <a:tc>
-                  <a:txBody>
-                    <a:bodyPr/>
-                    <a:lstStyle/>
-                    <a:p>
-                      <a:pPr marL="0" marR="0" lvl="0" indent="0" algn="l" defTabSz="914400" rtl="0" eaLnBrk="1" fontAlgn="auto" latinLnBrk="0" hangingPunct="1">
-                        <a:lnSpc>
-                          <a:spcPct val="100000"/>
-                        </a:lnSpc>
-                        <a:spcBef>
-                          <a:spcPts val="0"/>
-                        </a:spcBef>
-                        <a:spcAft>
-                          <a:spcPts val="0"/>
-                        </a:spcAft>
-                        <a:buClrTx/>
-                        <a:buSzTx/>
-                        <a:buFontTx/>
-                        <a:buNone/>
-                        <a:tabLst/>
-                        <a:defRPr/>
-                      </a:pPr>
-                      <a:r>
-                        <a:rPr lang="zh-CN" altLang="en-US" dirty="0"/>
-                        <a:t>有</a:t>
-                      </a:r>
-                    </a:p>
-                    <a:p>
-                      <a:endParaRPr lang="zh-CN" altLang="en-US" dirty="0"/>
-                    </a:p>
-                  </a:txBody>
-                  <a:tcPr/>
-                </a:tc>
-                <a:tc>
-                  <a:txBody>
-                    <a:bodyPr/>
-                    <a:lstStyle/>
-                    <a:p>
-                      <a:pPr marL="0" marR="0" lvl="0" indent="0" algn="l" defTabSz="914400" rtl="0" eaLnBrk="1" fontAlgn="auto" latinLnBrk="0" hangingPunct="1">
-                        <a:lnSpc>
-                          <a:spcPct val="100000"/>
-                        </a:lnSpc>
-                        <a:spcBef>
-                          <a:spcPts val="0"/>
-                        </a:spcBef>
-                        <a:spcAft>
-                          <a:spcPts val="0"/>
-                        </a:spcAft>
-                        <a:buClrTx/>
-                        <a:buSzTx/>
-                        <a:buFontTx/>
-                        <a:buNone/>
-                        <a:tabLst/>
-                        <a:defRPr/>
-                      </a:pPr>
-                      <a:r>
-                        <a:rPr lang="zh-CN" altLang="en-US" dirty="0"/>
-                        <a:t>有</a:t>
-                      </a:r>
-                    </a:p>
-                    <a:p>
-                      <a:endParaRPr lang="zh-CN" altLang="en-US" dirty="0"/>
-                    </a:p>
-                  </a:txBody>
-                  <a:tcPr/>
-                </a:tc>
-                <a:tc>
-                  <a:txBody>
-                    <a:bodyPr/>
-                    <a:lstStyle/>
-                    <a:p>
-                      <a:pPr marL="0" marR="0" lvl="0" indent="0" algn="l" defTabSz="914400" rtl="0" eaLnBrk="1" fontAlgn="auto" latinLnBrk="0" hangingPunct="1">
-                        <a:lnSpc>
-                          <a:spcPct val="100000"/>
-                        </a:lnSpc>
-                        <a:spcBef>
-                          <a:spcPts val="0"/>
-                        </a:spcBef>
-                        <a:spcAft>
-                          <a:spcPts val="0"/>
-                        </a:spcAft>
-                        <a:buClrTx/>
-                        <a:buSzTx/>
-                        <a:buFontTx/>
-                        <a:buNone/>
-                        <a:tabLst/>
-                        <a:defRPr/>
-                      </a:pPr>
-                      <a:r>
-                        <a:rPr lang="zh-CN" altLang="en-US" dirty="0"/>
-                        <a:t>有</a:t>
-                      </a:r>
-                    </a:p>
-                    <a:p>
-                      <a:endParaRPr lang="zh-CN" altLang="en-US" dirty="0"/>
-                    </a:p>
-                  </a:txBody>
-                  <a:tcPr/>
-                </a:tc>
-                <a:tc>
-                  <a:txBody>
-                    <a:bodyPr/>
-                    <a:lstStyle/>
-                    <a:p>
-                      <a:pPr marL="0" marR="0" lvl="0" indent="0" algn="l" defTabSz="914400" rtl="0" eaLnBrk="1" fontAlgn="auto" latinLnBrk="0" hangingPunct="1">
-                        <a:lnSpc>
-                          <a:spcPct val="100000"/>
-                        </a:lnSpc>
-                        <a:spcBef>
-                          <a:spcPts val="0"/>
-                        </a:spcBef>
-                        <a:spcAft>
-                          <a:spcPts val="0"/>
-                        </a:spcAft>
-                        <a:buClrTx/>
-                        <a:buSzTx/>
-                        <a:buFontTx/>
-                        <a:buNone/>
-                        <a:tabLst/>
-                        <a:defRPr/>
-                      </a:pPr>
-                      <a:r>
-                        <a:rPr lang="zh-CN" altLang="en-US" dirty="0"/>
-                        <a:t>有</a:t>
-                      </a:r>
-                    </a:p>
-                    <a:p>
-                      <a:endParaRPr lang="zh-CN" altLang="en-US" dirty="0"/>
-                    </a:p>
-                  </a:txBody>
-                  <a:tcPr/>
-                </a:tc>
-                <a:extLst>
-                  <a:ext uri="{0D108BD9-81ED-4DB2-BD59-A6C34878D82A}">
-                    <a16:rowId xmlns:a16="http://schemas.microsoft.com/office/drawing/2014/main" val="3445708649"/>
-                  </a:ext>
-                </a:extLst>
-              </a:tr>
-              <a:tr h="914400">
-                <a:tc>
-                  <a:txBody>
-                    <a:bodyPr/>
-                    <a:lstStyle/>
-                    <a:p>
-                      <a:r>
-                        <a:rPr lang="en-US" altLang="zh-CN" dirty="0"/>
-                        <a:t>Shuffle remap</a:t>
-                      </a:r>
-                      <a:endParaRPr lang="zh-CN" altLang="en-US" dirty="0"/>
-                    </a:p>
-                  </a:txBody>
-                  <a:tcPr/>
-                </a:tc>
-                <a:tc>
-                  <a:txBody>
-                    <a:bodyPr/>
-                    <a:lstStyle/>
-                    <a:p>
-                      <a:r>
-                        <a:rPr lang="zh-CN" altLang="en-US" dirty="0"/>
-                        <a:t>无</a:t>
-                      </a:r>
-                    </a:p>
-                  </a:txBody>
-                  <a:tcPr/>
-                </a:tc>
-                <a:tc>
-                  <a:txBody>
-                    <a:bodyPr/>
-                    <a:lstStyle/>
-                    <a:p>
-                      <a:r>
-                        <a:rPr lang="zh-CN" altLang="en-US" dirty="0"/>
-                        <a:t>无</a:t>
-                      </a:r>
-                    </a:p>
-                  </a:txBody>
-                  <a:tcPr/>
-                </a:tc>
-                <a:tc>
-                  <a:txBody>
-                    <a:bodyPr/>
-                    <a:lstStyle/>
-                    <a:p>
-                      <a:r>
-                        <a:rPr lang="en-US" altLang="zh-CN" dirty="0"/>
-                        <a:t>Prob=0.5</a:t>
-                      </a:r>
-                    </a:p>
-                    <a:p>
-                      <a:r>
-                        <a:rPr lang="en-US" altLang="zh-CN" dirty="0"/>
-                        <a:t>Random point=[2, 5]</a:t>
-                      </a:r>
-                      <a:endParaRPr lang="zh-CN" altLang="en-US" dirty="0"/>
-                    </a:p>
-                  </a:txBody>
-                  <a:tcPr/>
-                </a:tc>
-                <a:tc>
-                  <a:txBody>
-                    <a:bodyPr/>
-                    <a:lstStyle/>
-                    <a:p>
-                      <a:r>
-                        <a:rPr lang="en-US" altLang="zh-CN" dirty="0"/>
-                        <a:t>0.9,</a:t>
-                      </a:r>
-                    </a:p>
-                    <a:p>
-                      <a:r>
-                        <a:rPr lang="en-US" altLang="zh-CN" dirty="0"/>
-                        <a:t>[2, 5]</a:t>
-                      </a:r>
-                      <a:endParaRPr lang="zh-CN" altLang="en-US" dirty="0"/>
-                    </a:p>
-                    <a:p>
-                      <a:endParaRPr lang="zh-CN" altLang="en-US" dirty="0"/>
-                    </a:p>
-                  </a:txBody>
-                  <a:tcPr/>
-                </a:tc>
-                <a:tc>
-                  <a:txBody>
-                    <a:bodyPr/>
-                    <a:lstStyle/>
-                    <a:p>
-                      <a:r>
-                        <a:rPr lang="en-US" altLang="zh-CN" dirty="0"/>
-                        <a:t>1,</a:t>
-                      </a:r>
-                    </a:p>
-                    <a:p>
-                      <a:r>
-                        <a:rPr lang="en-US" altLang="zh-CN" dirty="0"/>
-                        <a:t>[2, 5]</a:t>
-                      </a:r>
-                      <a:endParaRPr lang="zh-CN" altLang="en-US" dirty="0"/>
-                    </a:p>
-                    <a:p>
-                      <a:endParaRPr lang="zh-CN" altLang="en-US" dirty="0"/>
-                    </a:p>
-                  </a:txBody>
-                  <a:tcPr/>
-                </a:tc>
-                <a:tc>
-                  <a:txBody>
-                    <a:bodyPr/>
-                    <a:lstStyle/>
-                    <a:p>
-                      <a:r>
-                        <a:rPr lang="en-US" altLang="zh-CN" dirty="0"/>
-                        <a:t>0.5,</a:t>
-                      </a:r>
-                    </a:p>
-                    <a:p>
-                      <a:r>
-                        <a:rPr lang="en-US" altLang="zh-CN" dirty="0"/>
-                        <a:t>[2, 10]</a:t>
-                      </a:r>
-                      <a:endParaRPr lang="zh-CN" altLang="en-US" dirty="0"/>
-                    </a:p>
-                    <a:p>
-                      <a:endParaRPr lang="zh-CN" altLang="en-US" dirty="0"/>
-                    </a:p>
-                  </a:txBody>
-                  <a:tcPr/>
-                </a:tc>
-                <a:tc>
-                  <a:txBody>
-                    <a:bodyPr/>
-                    <a:lstStyle/>
-                    <a:p>
-                      <a:r>
-                        <a:rPr lang="en-US" altLang="zh-CN" dirty="0"/>
-                        <a:t>0.9,</a:t>
-                      </a:r>
-                    </a:p>
-                    <a:p>
-                      <a:r>
-                        <a:rPr lang="en-US" altLang="zh-CN" dirty="0"/>
-                        <a:t>[2, 10]</a:t>
-                      </a:r>
-                      <a:endParaRPr lang="zh-CN" altLang="en-US" dirty="0"/>
-                    </a:p>
-                    <a:p>
-                      <a:endParaRPr lang="zh-CN" altLang="en-US" dirty="0"/>
-                    </a:p>
-                  </a:txBody>
-                  <a:tcPr/>
-                </a:tc>
-                <a:tc>
-                  <a:txBody>
-                    <a:bodyPr/>
-                    <a:lstStyle/>
-                    <a:p>
-                      <a:r>
-                        <a:rPr lang="en-US" altLang="zh-CN" dirty="0"/>
-                        <a:t>1,</a:t>
-                      </a:r>
-                    </a:p>
-                    <a:p>
-                      <a:r>
-                        <a:rPr lang="en-US" altLang="zh-CN" dirty="0"/>
-                        <a:t>[2, 10]</a:t>
-                      </a:r>
-                      <a:endParaRPr lang="zh-CN" altLang="en-US" dirty="0"/>
-                    </a:p>
-                    <a:p>
-                      <a:endParaRPr lang="zh-CN" altLang="en-US" dirty="0"/>
-                    </a:p>
-                  </a:txBody>
-                  <a:tcPr/>
-                </a:tc>
-                <a:tc>
-                  <a:txBody>
-                    <a:bodyPr/>
-                    <a:lstStyle/>
-                    <a:p>
-                      <a:r>
-                        <a:rPr lang="zh-CN" altLang="en-US" dirty="0"/>
-                        <a:t>无</a:t>
-                      </a:r>
-                    </a:p>
-                  </a:txBody>
-                  <a:tcPr/>
-                </a:tc>
-                <a:extLst>
-                  <a:ext uri="{0D108BD9-81ED-4DB2-BD59-A6C34878D82A}">
-                    <a16:rowId xmlns:a16="http://schemas.microsoft.com/office/drawing/2014/main" val="3271141709"/>
-                  </a:ext>
-                </a:extLst>
-              </a:tr>
-              <a:tr h="508940">
-                <a:tc>
-                  <a:txBody>
-                    <a:bodyPr/>
-                    <a:lstStyle/>
-                    <a:p>
-                      <a:r>
-                        <a:rPr lang="en-US" altLang="zh-CN" dirty="0"/>
-                        <a:t>T1_in</a:t>
-                      </a:r>
-                      <a:endParaRPr lang="zh-CN" altLang="en-US" dirty="0"/>
-                    </a:p>
-                  </a:txBody>
-                  <a:tcPr/>
-                </a:tc>
-                <a:tc>
-                  <a:txBody>
-                    <a:bodyPr/>
-                    <a:lstStyle/>
-                    <a:p>
-                      <a:r>
-                        <a:rPr lang="en-US" altLang="zh-CN" dirty="0"/>
-                        <a:t>0.3617</a:t>
-                      </a:r>
-                      <a:endParaRPr lang="zh-CN" altLang="en-US" dirty="0"/>
-                    </a:p>
-                  </a:txBody>
-                  <a:tcPr/>
-                </a:tc>
-                <a:tc>
-                  <a:txBody>
-                    <a:bodyPr/>
-                    <a:lstStyle/>
-                    <a:p>
-                      <a:r>
-                        <a:rPr lang="en-US" altLang="zh-CN" dirty="0"/>
-                        <a:t>0.4080</a:t>
-                      </a:r>
-                      <a:endParaRPr lang="zh-CN" altLang="en-US" dirty="0"/>
-                    </a:p>
-                  </a:txBody>
-                  <a:tcPr/>
-                </a:tc>
-                <a:tc>
-                  <a:txBody>
-                    <a:bodyPr/>
-                    <a:lstStyle/>
-                    <a:p>
-                      <a:r>
-                        <a:rPr lang="en-US" altLang="zh-CN" dirty="0"/>
-                        <a:t>0.8779</a:t>
-                      </a:r>
-                      <a:endParaRPr lang="zh-CN" altLang="en-US" dirty="0"/>
-                    </a:p>
-                  </a:txBody>
-                  <a:tcPr/>
-                </a:tc>
-                <a:tc>
-                  <a:txBody>
-                    <a:bodyPr/>
-                    <a:lstStyle/>
-                    <a:p>
-                      <a:r>
-                        <a:rPr lang="en-US" altLang="zh-CN" dirty="0"/>
-                        <a:t>0.8903</a:t>
-                      </a:r>
-                      <a:endParaRPr lang="zh-CN" altLang="en-US" dirty="0"/>
-                    </a:p>
-                  </a:txBody>
-                  <a:tcPr/>
-                </a:tc>
-                <a:tc>
-                  <a:txBody>
-                    <a:bodyPr/>
-                    <a:lstStyle/>
-                    <a:p>
-                      <a:r>
-                        <a:rPr lang="en-US" altLang="zh-CN" dirty="0"/>
-                        <a:t>0.8809</a:t>
-                      </a:r>
-                      <a:endParaRPr lang="zh-CN" altLang="en-US" dirty="0"/>
-                    </a:p>
-                  </a:txBody>
-                  <a:tcPr/>
-                </a:tc>
-                <a:tc>
-                  <a:txBody>
-                    <a:bodyPr/>
-                    <a:lstStyle/>
-                    <a:p>
-                      <a:r>
-                        <a:rPr lang="en-US" altLang="zh-CN" dirty="0"/>
-                        <a:t>0.8702</a:t>
-                      </a:r>
-                      <a:endParaRPr lang="zh-CN" altLang="en-US" dirty="0"/>
-                    </a:p>
-                  </a:txBody>
-                  <a:tcPr/>
-                </a:tc>
-                <a:tc>
-                  <a:txBody>
-                    <a:bodyPr/>
-                    <a:lstStyle/>
-                    <a:p>
-                      <a:r>
-                        <a:rPr lang="en-US" altLang="zh-CN" dirty="0"/>
-                        <a:t>0.8872</a:t>
-                      </a:r>
-                      <a:endParaRPr lang="zh-CN" altLang="en-US" dirty="0"/>
-                    </a:p>
-                  </a:txBody>
-                  <a:tcPr/>
-                </a:tc>
-                <a:tc>
-                  <a:txBody>
-                    <a:bodyPr/>
-                    <a:lstStyle/>
-                    <a:p>
-                      <a:r>
-                        <a:rPr lang="en-US" altLang="zh-CN" dirty="0"/>
-                        <a:t>0.8887</a:t>
-                      </a:r>
-                      <a:endParaRPr lang="zh-CN" altLang="en-US" dirty="0"/>
-                    </a:p>
-                  </a:txBody>
-                  <a:tcPr/>
-                </a:tc>
-                <a:tc>
-                  <a:txBody>
-                    <a:bodyPr/>
-                    <a:lstStyle/>
-                    <a:p>
-                      <a:r>
-                        <a:rPr lang="en-US" altLang="zh-CN" dirty="0"/>
-                        <a:t>0.9119</a:t>
-                      </a:r>
-                      <a:endParaRPr lang="zh-CN" altLang="en-US" dirty="0"/>
-                    </a:p>
-                  </a:txBody>
-                  <a:tcPr/>
-                </a:tc>
-                <a:extLst>
-                  <a:ext uri="{0D108BD9-81ED-4DB2-BD59-A6C34878D82A}">
-                    <a16:rowId xmlns:a16="http://schemas.microsoft.com/office/drawing/2014/main" val="574348140"/>
-                  </a:ext>
-                </a:extLst>
-              </a:tr>
-              <a:tr h="508940">
-                <a:tc>
-                  <a:txBody>
-                    <a:bodyPr/>
-                    <a:lstStyle/>
-                    <a:p>
-                      <a:r>
-                        <a:rPr lang="en-US" altLang="zh-CN" dirty="0"/>
-                        <a:t>T1_out</a:t>
-                      </a:r>
-                      <a:endParaRPr lang="zh-CN" altLang="en-US" dirty="0"/>
-                    </a:p>
-                  </a:txBody>
-                  <a:tcPr/>
-                </a:tc>
-                <a:tc>
-                  <a:txBody>
-                    <a:bodyPr/>
-                    <a:lstStyle/>
-                    <a:p>
-                      <a:r>
-                        <a:rPr lang="en-US" altLang="zh-CN" dirty="0"/>
-                        <a:t>0.3632</a:t>
-                      </a:r>
-                      <a:endParaRPr lang="zh-CN" altLang="en-US" dirty="0"/>
-                    </a:p>
-                  </a:txBody>
-                  <a:tcPr/>
-                </a:tc>
-                <a:tc>
-                  <a:txBody>
-                    <a:bodyPr/>
-                    <a:lstStyle/>
-                    <a:p>
-                      <a:r>
-                        <a:rPr lang="en-US" altLang="zh-CN" dirty="0"/>
-                        <a:t>0.3941</a:t>
-                      </a:r>
-                      <a:endParaRPr lang="zh-CN" altLang="en-US" dirty="0"/>
-                    </a:p>
-                  </a:txBody>
-                  <a:tcPr/>
-                </a:tc>
-                <a:tc>
-                  <a:txBody>
-                    <a:bodyPr/>
-                    <a:lstStyle/>
-                    <a:p>
-                      <a:r>
-                        <a:rPr lang="en-US" altLang="zh-CN" dirty="0"/>
-                        <a:t>0.8655</a:t>
-                      </a:r>
-                      <a:endParaRPr lang="zh-CN" altLang="en-US" dirty="0"/>
-                    </a:p>
-                  </a:txBody>
-                  <a:tcPr/>
-                </a:tc>
-                <a:tc>
-                  <a:txBody>
-                    <a:bodyPr/>
-                    <a:lstStyle/>
-                    <a:p>
-                      <a:r>
-                        <a:rPr lang="en-US" altLang="zh-CN" dirty="0"/>
-                        <a:t>0.8856</a:t>
-                      </a:r>
-                      <a:endParaRPr lang="zh-CN" altLang="en-US" dirty="0"/>
-                    </a:p>
-                  </a:txBody>
-                  <a:tcPr/>
-                </a:tc>
-                <a:tc>
-                  <a:txBody>
-                    <a:bodyPr/>
-                    <a:lstStyle/>
-                    <a:p>
-                      <a:r>
-                        <a:rPr lang="en-US" altLang="zh-CN" dirty="0"/>
-                        <a:t>0.8933</a:t>
-                      </a:r>
-                      <a:endParaRPr lang="zh-CN" altLang="en-US" dirty="0"/>
-                    </a:p>
-                  </a:txBody>
-                  <a:tcPr/>
-                </a:tc>
-                <a:tc>
-                  <a:txBody>
-                    <a:bodyPr/>
-                    <a:lstStyle/>
-                    <a:p>
-                      <a:r>
-                        <a:rPr lang="en-US" altLang="zh-CN" dirty="0"/>
-                        <a:t>0.8794</a:t>
-                      </a:r>
-                      <a:endParaRPr lang="zh-CN" altLang="en-US" dirty="0"/>
-                    </a:p>
-                  </a:txBody>
-                  <a:tcPr/>
-                </a:tc>
-                <a:tc>
-                  <a:txBody>
-                    <a:bodyPr/>
-                    <a:lstStyle/>
-                    <a:p>
-                      <a:r>
-                        <a:rPr lang="en-US" altLang="zh-CN" dirty="0"/>
-                        <a:t>0.8849</a:t>
-                      </a:r>
-                      <a:endParaRPr lang="zh-CN" altLang="en-US" dirty="0"/>
-                    </a:p>
-                  </a:txBody>
-                  <a:tcPr/>
-                </a:tc>
-                <a:tc>
-                  <a:txBody>
-                    <a:bodyPr/>
-                    <a:lstStyle/>
-                    <a:p>
-                      <a:r>
-                        <a:rPr lang="en-US" altLang="zh-CN" dirty="0"/>
-                        <a:t>0.8949</a:t>
-                      </a:r>
-                      <a:endParaRPr lang="zh-CN" altLang="en-US" dirty="0"/>
-                    </a:p>
-                  </a:txBody>
-                  <a:tcPr/>
-                </a:tc>
-                <a:tc>
-                  <a:txBody>
-                    <a:bodyPr/>
-                    <a:lstStyle/>
-                    <a:p>
-                      <a:r>
-                        <a:rPr lang="en-US" altLang="zh-CN" dirty="0"/>
-                        <a:t>0.9212</a:t>
-                      </a:r>
-                      <a:endParaRPr lang="zh-CN" altLang="en-US" dirty="0"/>
-                    </a:p>
-                  </a:txBody>
-                  <a:tcPr/>
-                </a:tc>
-                <a:extLst>
-                  <a:ext uri="{0D108BD9-81ED-4DB2-BD59-A6C34878D82A}">
-                    <a16:rowId xmlns:a16="http://schemas.microsoft.com/office/drawing/2014/main" val="2055444285"/>
-                  </a:ext>
-                </a:extLst>
-              </a:tr>
-              <a:tr h="508940">
-                <a:tc>
-                  <a:txBody>
-                    <a:bodyPr/>
-                    <a:lstStyle/>
-                    <a:p>
-                      <a:r>
-                        <a:rPr lang="en-US" altLang="zh-CN" dirty="0"/>
-                        <a:t>T2</a:t>
-                      </a:r>
-                      <a:endParaRPr lang="zh-CN" altLang="en-US" dirty="0"/>
-                    </a:p>
-                  </a:txBody>
-                  <a:tcPr/>
-                </a:tc>
-                <a:tc>
-                  <a:txBody>
-                    <a:bodyPr/>
-                    <a:lstStyle/>
-                    <a:p>
-                      <a:r>
-                        <a:rPr lang="en-US" altLang="zh-CN" dirty="0"/>
-                        <a:t>0.3515</a:t>
-                      </a:r>
-                      <a:endParaRPr lang="zh-CN" altLang="en-US" dirty="0"/>
-                    </a:p>
-                  </a:txBody>
-                  <a:tcPr/>
-                </a:tc>
-                <a:tc>
-                  <a:txBody>
-                    <a:bodyPr/>
-                    <a:lstStyle/>
-                    <a:p>
-                      <a:r>
-                        <a:rPr lang="en-US" altLang="zh-CN" dirty="0"/>
-                        <a:t>0.3499</a:t>
-                      </a:r>
-                      <a:endParaRPr lang="zh-CN" altLang="en-US" dirty="0"/>
-                    </a:p>
-                  </a:txBody>
-                  <a:tcPr/>
-                </a:tc>
-                <a:tc>
-                  <a:txBody>
-                    <a:bodyPr/>
-                    <a:lstStyle/>
-                    <a:p>
-                      <a:r>
-                        <a:rPr lang="en-US" altLang="zh-CN" dirty="0"/>
-                        <a:t>0.7448</a:t>
-                      </a:r>
-                      <a:endParaRPr lang="zh-CN" altLang="en-US" dirty="0"/>
-                    </a:p>
-                  </a:txBody>
-                  <a:tcPr/>
-                </a:tc>
-                <a:tc>
-                  <a:txBody>
-                    <a:bodyPr/>
-                    <a:lstStyle/>
-                    <a:p>
-                      <a:r>
-                        <a:rPr lang="en-US" altLang="zh-CN" dirty="0"/>
-                        <a:t>0.7961</a:t>
-                      </a:r>
-                      <a:endParaRPr lang="zh-CN" altLang="en-US" dirty="0"/>
-                    </a:p>
-                  </a:txBody>
-                  <a:tcPr/>
-                </a:tc>
-                <a:tc>
-                  <a:txBody>
-                    <a:bodyPr/>
-                    <a:lstStyle/>
-                    <a:p>
-                      <a:r>
-                        <a:rPr lang="en-US" altLang="zh-CN" dirty="0"/>
-                        <a:t>0.7945</a:t>
-                      </a:r>
-                      <a:endParaRPr lang="zh-CN" altLang="en-US" dirty="0"/>
-                    </a:p>
-                  </a:txBody>
-                  <a:tcPr/>
-                </a:tc>
-                <a:tc>
-                  <a:txBody>
-                    <a:bodyPr/>
-                    <a:lstStyle/>
-                    <a:p>
-                      <a:r>
-                        <a:rPr lang="en-US" altLang="zh-CN" dirty="0"/>
-                        <a:t>0.7881</a:t>
-                      </a:r>
-                      <a:endParaRPr lang="zh-CN" altLang="en-US" dirty="0"/>
-                    </a:p>
-                  </a:txBody>
-                  <a:tcPr/>
-                </a:tc>
-                <a:tc>
-                  <a:txBody>
-                    <a:bodyPr/>
-                    <a:lstStyle/>
-                    <a:p>
-                      <a:r>
-                        <a:rPr lang="en-US" altLang="zh-CN" dirty="0"/>
-                        <a:t>0.8523</a:t>
-                      </a:r>
-                      <a:endParaRPr lang="zh-CN" altLang="en-US" dirty="0"/>
-                    </a:p>
-                  </a:txBody>
-                  <a:tcPr/>
-                </a:tc>
-                <a:tc>
-                  <a:txBody>
-                    <a:bodyPr/>
-                    <a:lstStyle/>
-                    <a:p>
-                      <a:r>
-                        <a:rPr lang="en-US" altLang="zh-CN" dirty="0"/>
-                        <a:t>0.8716</a:t>
-                      </a:r>
-                      <a:endParaRPr lang="zh-CN" altLang="en-US" dirty="0"/>
-                    </a:p>
-                  </a:txBody>
-                  <a:tcPr/>
-                </a:tc>
-                <a:tc>
-                  <a:txBody>
-                    <a:bodyPr/>
-                    <a:lstStyle/>
-                    <a:p>
-                      <a:r>
-                        <a:rPr lang="en-US" altLang="zh-CN" dirty="0"/>
-                        <a:t>0.8347</a:t>
-                      </a:r>
-                      <a:endParaRPr lang="zh-CN" altLang="en-US" dirty="0"/>
-                    </a:p>
-                  </a:txBody>
-                  <a:tcPr/>
-                </a:tc>
-                <a:extLst>
-                  <a:ext uri="{0D108BD9-81ED-4DB2-BD59-A6C34878D82A}">
-                    <a16:rowId xmlns:a16="http://schemas.microsoft.com/office/drawing/2014/main" val="2516485212"/>
-                  </a:ext>
-                </a:extLst>
-              </a:tr>
-            </a:tbl>
-          </a:graphicData>
-        </a:graphic>
-      </p:graphicFrame>
-    </p:spTree>
-    <p:extLst>
-      <p:ext uri="{BB962C8B-B14F-4D97-AF65-F5344CB8AC3E}">
-        <p14:creationId xmlns:p14="http://schemas.microsoft.com/office/powerpoint/2010/main" val="4267861341"/>
       </p:ext>
     </p:extLst>
   </p:cSld>

--- a/开题.pptx
+++ b/开题.pptx
@@ -6798,6 +6798,36 @@
           </a:p>
         </p:txBody>
       </p:sp>
+      <p:pic>
+        <p:nvPicPr>
+          <p:cNvPr id="4" name="图片 3">
+            <a:extLst>
+              <a:ext uri="{FF2B5EF4-FFF2-40B4-BE49-F238E27FC236}">
+                <a16:creationId xmlns:a16="http://schemas.microsoft.com/office/drawing/2014/main" id="{85A5D64C-0B5C-1279-D4AA-89378D028621}"/>
+              </a:ext>
+            </a:extLst>
+          </p:cNvPr>
+          <p:cNvPicPr>
+            <a:picLocks noChangeAspect="1"/>
+          </p:cNvPicPr>
+          <p:nvPr/>
+        </p:nvPicPr>
+        <p:blipFill>
+          <a:blip r:embed="rId4"/>
+          <a:stretch>
+            <a:fillRect/>
+          </a:stretch>
+        </p:blipFill>
+        <p:spPr>
+          <a:xfrm>
+            <a:off x="1111828" y="1604958"/>
+            <a:ext cx="9181234" cy="5297491"/>
+          </a:xfrm>
+          <a:prstGeom prst="rect">
+            <a:avLst/>
+          </a:prstGeom>
+        </p:spPr>
+      </p:pic>
     </p:spTree>
     <p:extLst>
       <p:ext uri="{BB962C8B-B14F-4D97-AF65-F5344CB8AC3E}">
@@ -7025,10 +7055,10 @@
       </p:sp>
       <p:pic>
         <p:nvPicPr>
-          <p:cNvPr id="4" name="图片 3">
+          <p:cNvPr id="5" name="图片 4">
             <a:extLst>
               <a:ext uri="{FF2B5EF4-FFF2-40B4-BE49-F238E27FC236}">
-                <a16:creationId xmlns:a16="http://schemas.microsoft.com/office/drawing/2014/main" id="{78C52E16-8D52-CD9C-4178-F96A77D6A6B5}"/>
+                <a16:creationId xmlns:a16="http://schemas.microsoft.com/office/drawing/2014/main" id="{6D587433-119A-D49C-287C-98EAED4121F1}"/>
               </a:ext>
             </a:extLst>
           </p:cNvPr>
@@ -7045,8 +7075,8 @@
         </p:blipFill>
         <p:spPr>
           <a:xfrm>
-            <a:off x="506187" y="1114558"/>
-            <a:ext cx="10534650" cy="5562600"/>
+            <a:off x="1419225" y="2008475"/>
+            <a:ext cx="9353550" cy="4524375"/>
           </a:xfrm>
           <a:prstGeom prst="rect">
             <a:avLst/>

--- a/开题.pptx
+++ b/开题.pptx
@@ -5,7 +5,7 @@
     <p:sldMasterId id="2147483648" r:id="rId1"/>
   </p:sldMasterIdLst>
   <p:notesMasterIdLst>
-    <p:notesMasterId r:id="rId31"/>
+    <p:notesMasterId r:id="rId30"/>
   </p:notesMasterIdLst>
   <p:sldIdLst>
     <p:sldId id="313" r:id="rId2"/>
@@ -18,25 +18,24 @@
     <p:sldId id="342" r:id="rId9"/>
     <p:sldId id="340" r:id="rId10"/>
     <p:sldId id="343" r:id="rId11"/>
-    <p:sldId id="324" r:id="rId12"/>
-    <p:sldId id="325" r:id="rId13"/>
-    <p:sldId id="320" r:id="rId14"/>
-    <p:sldId id="321" r:id="rId15"/>
+    <p:sldId id="325" r:id="rId12"/>
+    <p:sldId id="320" r:id="rId13"/>
+    <p:sldId id="321" r:id="rId14"/>
+    <p:sldId id="346" r:id="rId15"/>
     <p:sldId id="322" r:id="rId16"/>
     <p:sldId id="323" r:id="rId17"/>
     <p:sldId id="348" r:id="rId18"/>
     <p:sldId id="344" r:id="rId19"/>
     <p:sldId id="326" r:id="rId20"/>
     <p:sldId id="345" r:id="rId21"/>
-    <p:sldId id="346" r:id="rId22"/>
-    <p:sldId id="347" r:id="rId23"/>
-    <p:sldId id="327" r:id="rId24"/>
-    <p:sldId id="329" r:id="rId25"/>
-    <p:sldId id="330" r:id="rId26"/>
-    <p:sldId id="331" r:id="rId27"/>
-    <p:sldId id="336" r:id="rId28"/>
-    <p:sldId id="337" r:id="rId29"/>
-    <p:sldId id="328" r:id="rId30"/>
+    <p:sldId id="347" r:id="rId22"/>
+    <p:sldId id="327" r:id="rId23"/>
+    <p:sldId id="329" r:id="rId24"/>
+    <p:sldId id="330" r:id="rId25"/>
+    <p:sldId id="331" r:id="rId26"/>
+    <p:sldId id="336" r:id="rId27"/>
+    <p:sldId id="337" r:id="rId28"/>
+    <p:sldId id="328" r:id="rId29"/>
   </p:sldIdLst>
   <p:sldSz cx="12192000" cy="6858000"/>
   <p:notesSz cx="6858000" cy="9144000"/>
@@ -690,15 +689,7 @@
           <a:p>
             <a:r>
               <a:rPr lang="zh-CN" altLang="en-US" sz="1200" dirty="0"/>
-              <a:t>然而，当训练数据和测试数据的概率分布不同时，</a:t>
-            </a:r>
-            <a:r>
-              <a:rPr lang="en-US" altLang="zh-CN" sz="1200" dirty="0"/>
-              <a:t>ML</a:t>
-            </a:r>
-            <a:r>
-              <a:rPr lang="zh-CN" altLang="en-US" sz="1200" dirty="0"/>
-              <a:t>模型的性能往往会因域分布差距而下降。</a:t>
+              <a:t>然而，当训练数据和测试数据的概率分布不同时，机器学习模型的性能往往会因域分布差距而下降。</a:t>
             </a:r>
             <a:endParaRPr lang="zh-CN" altLang="en-US" dirty="0"/>
           </a:p>
@@ -731,6 +722,97 @@
     <p:extLst>
       <p:ext uri="{BB962C8B-B14F-4D97-AF65-F5344CB8AC3E}">
         <p14:creationId xmlns:p14="http://schemas.microsoft.com/office/powerpoint/2010/main" val="35506203"/>
+      </p:ext>
+    </p:extLst>
+  </p:cSld>
+  <p:clrMapOvr>
+    <a:masterClrMapping/>
+  </p:clrMapOvr>
+</p:notes>
+</file>
+
+<file path=ppt/notesSlides/notesSlide3.xml><?xml version="1.0" encoding="utf-8"?>
+<p:notes xmlns:a="http://schemas.openxmlformats.org/drawingml/2006/main" xmlns:r="http://schemas.openxmlformats.org/officeDocument/2006/relationships" xmlns:p="http://schemas.openxmlformats.org/presentationml/2006/main">
+  <p:cSld>
+    <p:spTree>
+      <p:nvGrpSpPr>
+        <p:cNvPr id="1" name=""/>
+        <p:cNvGrpSpPr/>
+        <p:nvPr/>
+      </p:nvGrpSpPr>
+      <p:grpSpPr>
+        <a:xfrm>
+          <a:off x="0" y="0"/>
+          <a:ext cx="0" cy="0"/>
+          <a:chOff x="0" y="0"/>
+          <a:chExt cx="0" cy="0"/>
+        </a:xfrm>
+      </p:grpSpPr>
+      <p:sp>
+        <p:nvSpPr>
+          <p:cNvPr id="2" name="幻灯片图像占位符 1"/>
+          <p:cNvSpPr>
+            <a:spLocks noGrp="1" noRot="1" noChangeAspect="1"/>
+          </p:cNvSpPr>
+          <p:nvPr>
+            <p:ph type="sldImg"/>
+          </p:nvPr>
+        </p:nvSpPr>
+        <p:spPr/>
+      </p:sp>
+      <p:sp>
+        <p:nvSpPr>
+          <p:cNvPr id="3" name="备注占位符 2"/>
+          <p:cNvSpPr>
+            <a:spLocks noGrp="1"/>
+          </p:cNvSpPr>
+          <p:nvPr>
+            <p:ph type="body" idx="1"/>
+          </p:nvPr>
+        </p:nvSpPr>
+        <p:spPr/>
+        <p:txBody>
+          <a:bodyPr/>
+          <a:lstStyle/>
+          <a:p>
+            <a:r>
+              <a:rPr lang="zh-CN" altLang="en-US" b="0" i="0" dirty="0">
+                <a:effectLst/>
+                <a:latin typeface="-apple-system"/>
+              </a:rPr>
+              <a:t>金字塔一致性是指在图像处理中，将图像分解为不同尺度的金字塔，然后在不同尺度的图像之间强制执行一致性。在这篇文章中，金字塔一致性被用于训练模型，以便在不同域之间学习到具有更好泛化能力的表示。具体来说，金字塔一致性被用于在不同风格但具有相同语义内容的图像之间强制执行一致性，以便在测试阶段，模型可以泛化到看不见的目标域。此外，该方法还使用金字塔一致性在图像内部和跨域之间强制执行一致性，以便在处理不同域之间的系统差异时提高模型的鲁棒性。</a:t>
+            </a:r>
+            <a:endParaRPr lang="zh-CN" altLang="en-US" dirty="0"/>
+          </a:p>
+        </p:txBody>
+      </p:sp>
+      <p:sp>
+        <p:nvSpPr>
+          <p:cNvPr id="4" name="灯片编号占位符 3"/>
+          <p:cNvSpPr>
+            <a:spLocks noGrp="1"/>
+          </p:cNvSpPr>
+          <p:nvPr>
+            <p:ph type="sldNum" sz="quarter" idx="5"/>
+          </p:nvPr>
+        </p:nvSpPr>
+        <p:spPr/>
+        <p:txBody>
+          <a:bodyPr/>
+          <a:lstStyle/>
+          <a:p>
+            <a:fld id="{C051D1BE-CA4E-40ED-88EB-F0221502D351}" type="slidenum">
+              <a:rPr lang="zh-CN" altLang="en-US" smtClean="0"/>
+              <a:t>11</a:t>
+            </a:fld>
+            <a:endParaRPr lang="zh-CN" altLang="en-US"/>
+          </a:p>
+        </p:txBody>
+      </p:sp>
+    </p:spTree>
+    <p:extLst>
+      <p:ext uri="{BB962C8B-B14F-4D97-AF65-F5344CB8AC3E}">
+        <p14:creationId xmlns:p14="http://schemas.microsoft.com/office/powerpoint/2010/main" val="4227069907"/>
       </p:ext>
     </p:extLst>
   </p:cSld>
@@ -4226,7 +4308,7 @@
         </p:nvSpPr>
         <p:spPr>
           <a:xfrm>
-            <a:off x="1187450" y="2067210"/>
+            <a:off x="2147570" y="2981610"/>
             <a:ext cx="11166764" cy="584775"/>
           </a:xfrm>
           <a:prstGeom prst="rect">
@@ -4525,7 +4607,7 @@
         <p:spPr>
           <a:xfrm>
             <a:off x="1479176" y="1366800"/>
-            <a:ext cx="9233647" cy="4124399"/>
+            <a:ext cx="9233647" cy="5201617"/>
           </a:xfrm>
           <a:prstGeom prst="rect">
             <a:avLst/>
@@ -4540,55 +4622,108 @@
           <a:p>
             <a:pPr>
               <a:lnSpc>
-                <a:spcPct val="200000"/>
+                <a:spcPct val="150000"/>
               </a:lnSpc>
             </a:pPr>
             <a:r>
               <a:rPr lang="zh-CN" altLang="en-US" sz="2800" dirty="0"/>
-              <a:t>现有的域泛化方法可以分为如下三类：</a:t>
+              <a:t>现有的域泛化方法可以分为如下几类：</a:t>
             </a:r>
             <a:endParaRPr lang="en-US" altLang="zh-CN" sz="2800" dirty="0"/>
           </a:p>
           <a:p>
             <a:pPr marL="571500" indent="-571500">
+              <a:lnSpc>
+                <a:spcPct val="150000"/>
+              </a:lnSpc>
+              <a:buFont typeface="Arial" panose="020B0604020202020204" pitchFamily="34" charset="0"/>
+              <a:buChar char="•"/>
+            </a:pPr>
+            <a:r>
+              <a:rPr lang="zh-CN" altLang="en-US" sz="3600" dirty="0"/>
+              <a:t>数据操纵</a:t>
+            </a:r>
+            <a:endParaRPr lang="en-US" altLang="zh-CN" sz="3600" dirty="0"/>
+          </a:p>
+          <a:p>
+            <a:pPr marL="1028700" lvl="1" indent="-571500">
+              <a:lnSpc>
+                <a:spcPct val="150000"/>
+              </a:lnSpc>
+              <a:buFont typeface="Arial" panose="020B0604020202020204" pitchFamily="34" charset="0"/>
+              <a:buChar char="•"/>
+            </a:pPr>
+            <a:r>
+              <a:rPr lang="zh-CN" altLang="en-US" sz="2000" dirty="0"/>
+              <a:t>数据增强</a:t>
+            </a:r>
+            <a:endParaRPr lang="en-US" altLang="zh-CN" sz="2000" dirty="0"/>
+          </a:p>
+          <a:p>
+            <a:pPr marL="1028700" lvl="1" indent="-571500">
+              <a:lnSpc>
+                <a:spcPct val="150000"/>
+              </a:lnSpc>
+              <a:buFont typeface="Arial" panose="020B0604020202020204" pitchFamily="34" charset="0"/>
+              <a:buChar char="•"/>
+            </a:pPr>
+            <a:r>
+              <a:rPr lang="zh-CN" altLang="en-US" sz="2000" dirty="0"/>
+              <a:t>数据生成</a:t>
+            </a:r>
+            <a:endParaRPr lang="en-US" altLang="zh-CN" sz="2000" dirty="0"/>
+          </a:p>
+          <a:p>
+            <a:pPr marL="571500" indent="-571500">
+              <a:lnSpc>
+                <a:spcPct val="150000"/>
+              </a:lnSpc>
+              <a:buFont typeface="Arial" panose="020B0604020202020204" pitchFamily="34" charset="0"/>
+              <a:buChar char="•"/>
+            </a:pPr>
+            <a:r>
+              <a:rPr lang="zh-CN" altLang="en-US" sz="3600" dirty="0"/>
+              <a:t>表征学习</a:t>
+            </a:r>
+            <a:endParaRPr lang="en-US" altLang="zh-CN" sz="3600" dirty="0"/>
+          </a:p>
+          <a:p>
+            <a:pPr marL="1028700" lvl="1" indent="-571500">
+              <a:lnSpc>
+                <a:spcPct val="150000"/>
+              </a:lnSpc>
+              <a:buFont typeface="Arial" panose="020B0604020202020204" pitchFamily="34" charset="0"/>
+              <a:buChar char="•"/>
+            </a:pPr>
+            <a:r>
+              <a:rPr lang="zh-CN" altLang="en-US" sz="2000" dirty="0"/>
+              <a:t>域不变表征学习</a:t>
+            </a:r>
+            <a:endParaRPr lang="en-US" altLang="zh-CN" sz="2000" dirty="0"/>
+          </a:p>
+          <a:p>
+            <a:pPr marL="1028700" lvl="1" indent="-571500">
+              <a:lnSpc>
+                <a:spcPct val="150000"/>
+              </a:lnSpc>
+              <a:buFont typeface="Arial" panose="020B0604020202020204" pitchFamily="34" charset="0"/>
+              <a:buChar char="•"/>
+            </a:pPr>
+            <a:r>
+              <a:rPr lang="zh-CN" altLang="en-US" sz="2000" dirty="0"/>
+              <a:t>特征解耦学习</a:t>
+            </a:r>
+            <a:endParaRPr lang="en-US" altLang="zh-CN" sz="2000" dirty="0"/>
+          </a:p>
+          <a:p>
+            <a:pPr marL="1028700" lvl="1" indent="-571500">
               <a:lnSpc>
                 <a:spcPct val="200000"/>
               </a:lnSpc>
               <a:buFont typeface="Arial" panose="020B0604020202020204" pitchFamily="34" charset="0"/>
               <a:buChar char="•"/>
             </a:pPr>
-            <a:r>
-              <a:rPr lang="zh-CN" altLang="en-US" sz="3600" dirty="0"/>
-              <a:t>数据操纵</a:t>
-            </a:r>
             <a:endParaRPr lang="en-US" altLang="zh-CN" sz="3600" dirty="0"/>
-          </a:p>
-          <a:p>
-            <a:pPr marL="571500" indent="-571500">
-              <a:lnSpc>
-                <a:spcPct val="200000"/>
-              </a:lnSpc>
-              <a:buFont typeface="Arial" panose="020B0604020202020204" pitchFamily="34" charset="0"/>
-              <a:buChar char="•"/>
-            </a:pPr>
-            <a:r>
-              <a:rPr lang="zh-CN" altLang="en-US" sz="3600" dirty="0"/>
-              <a:t>表征学习</a:t>
-            </a:r>
-            <a:endParaRPr lang="en-US" altLang="zh-CN" sz="3600" dirty="0"/>
-          </a:p>
-          <a:p>
-            <a:pPr marL="571500" indent="-571500">
-              <a:lnSpc>
-                <a:spcPct val="200000"/>
-              </a:lnSpc>
-              <a:buFont typeface="Arial" panose="020B0604020202020204" pitchFamily="34" charset="0"/>
-              <a:buChar char="•"/>
-            </a:pPr>
-            <a:r>
-              <a:rPr lang="zh-CN" altLang="en-US" sz="3600" dirty="0"/>
-              <a:t>学习策略</a:t>
-            </a:r>
           </a:p>
         </p:txBody>
       </p:sp>
@@ -4680,7 +4815,7 @@
             <p:nvPr/>
           </p:nvPicPr>
           <p:blipFill>
-            <a:blip r:embed="rId2" cstate="print">
+            <a:blip r:embed="rId3" cstate="print">
               <a:extLst>
                 <a:ext uri="{28A0092B-C50C-407E-A947-70E740481C1C}">
                   <a14:useLocalDpi xmlns:a14="http://schemas.microsoft.com/office/drawing/2010/main" val="0"/>
@@ -4711,7 +4846,7 @@
             <p:nvPr/>
           </p:nvPicPr>
           <p:blipFill>
-            <a:blip r:embed="rId3" cstate="print">
+            <a:blip r:embed="rId4" cstate="print">
               <a:extLst>
                 <a:ext uri="{28A0092B-C50C-407E-A947-70E740481C1C}">
                   <a14:useLocalDpi xmlns:a14="http://schemas.microsoft.com/office/drawing/2010/main" val="0"/>
@@ -4822,7 +4957,7 @@
           <p:cNvPr id="4" name="图片 3">
             <a:extLst>
               <a:ext uri="{FF2B5EF4-FFF2-40B4-BE49-F238E27FC236}">
-                <a16:creationId xmlns:a16="http://schemas.microsoft.com/office/drawing/2014/main" id="{7BD8A8F8-83B2-4354-726F-4E56E99BE400}"/>
+                <a16:creationId xmlns:a16="http://schemas.microsoft.com/office/drawing/2014/main" id="{CB41C147-8896-FA97-DC50-9F47E223BAD8}"/>
               </a:ext>
             </a:extLst>
           </p:cNvPr>
@@ -4832,15 +4967,15 @@
           <p:nvPr/>
         </p:nvPicPr>
         <p:blipFill>
-          <a:blip r:embed="rId4"/>
+          <a:blip r:embed="rId5"/>
           <a:stretch>
             <a:fillRect/>
           </a:stretch>
         </p:blipFill>
         <p:spPr>
           <a:xfrm>
-            <a:off x="2516640" y="2902964"/>
-            <a:ext cx="8334375" cy="3819525"/>
+            <a:off x="367840" y="3041980"/>
+            <a:ext cx="11149069" cy="3374060"/>
           </a:xfrm>
           <a:prstGeom prst="rect">
             <a:avLst/>
@@ -4852,7 +4987,7 @@
           <p:cNvPr id="5" name="文本框 4">
             <a:extLst>
               <a:ext uri="{FF2B5EF4-FFF2-40B4-BE49-F238E27FC236}">
-                <a16:creationId xmlns:a16="http://schemas.microsoft.com/office/drawing/2014/main" id="{4F6BD4C8-03CD-493C-D1AC-C3BECE99D314}"/>
+                <a16:creationId xmlns:a16="http://schemas.microsoft.com/office/drawing/2014/main" id="{05DDF17A-F4D0-8070-BCE0-D5B4D2051A82}"/>
               </a:ext>
             </a:extLst>
           </p:cNvPr>
@@ -4861,8 +4996,8 @@
         </p:nvSpPr>
         <p:spPr>
           <a:xfrm>
-            <a:off x="914400" y="1219200"/>
-            <a:ext cx="6858000" cy="923330"/>
+            <a:off x="367840" y="913336"/>
+            <a:ext cx="10143321" cy="1850635"/>
           </a:xfrm>
           <a:prstGeom prst="rect">
             <a:avLst/>
@@ -4870,32 +5005,100 @@
           <a:noFill/>
         </p:spPr>
         <p:txBody>
-          <a:bodyPr wrap="square" rtlCol="0">
+          <a:bodyPr wrap="square">
             <a:spAutoFit/>
           </a:bodyPr>
           <a:lstStyle/>
           <a:p>
-            <a:r>
-              <a:rPr lang="zh-CN" altLang="en-US" dirty="0"/>
-              <a:t>数据操纵</a:t>
-            </a:r>
-            <a:endParaRPr lang="en-US" altLang="zh-CN" dirty="0"/>
-          </a:p>
-          <a:p>
-            <a:endParaRPr lang="en-US" altLang="zh-CN" dirty="0"/>
-          </a:p>
-          <a:p>
-            <a:r>
-              <a:rPr lang="zh-CN" altLang="en-US" dirty="0"/>
-              <a:t>训练数据的数量和质量是域泛化的关键因素之一</a:t>
-            </a:r>
+            <a:pPr marL="285750" indent="-285750">
+              <a:lnSpc>
+                <a:spcPct val="150000"/>
+              </a:lnSpc>
+              <a:buFont typeface="Arial" panose="020B0604020202020204" pitchFamily="34" charset="0"/>
+              <a:buChar char="•"/>
+            </a:pPr>
+            <a:r>
+              <a:rPr lang="zh-CN" altLang="en-US" sz="2400" b="0" i="0" dirty="0">
+                <a:effectLst/>
+                <a:latin typeface="-apple-system"/>
+              </a:rPr>
+              <a:t>域随机化和金字塔一致性</a:t>
+            </a:r>
+            <a:endParaRPr lang="en-US" altLang="zh-CN" sz="2400" dirty="0">
+              <a:latin typeface="-apple-system"/>
+            </a:endParaRPr>
+          </a:p>
+          <a:p>
+            <a:pPr marL="285750" indent="-285750">
+              <a:lnSpc>
+                <a:spcPct val="150000"/>
+              </a:lnSpc>
+              <a:buFont typeface="Arial" panose="020B0604020202020204" pitchFamily="34" charset="0"/>
+              <a:buChar char="•"/>
+            </a:pPr>
+            <a:r>
+              <a:rPr lang="zh-CN" altLang="en-US" b="0" i="0" dirty="0">
+                <a:effectLst/>
+                <a:latin typeface="-apple-system"/>
+              </a:rPr>
+              <a:t>域随机化通过将合成图像映射到多个辅助真实域来生成</a:t>
+            </a:r>
+            <a:r>
+              <a:rPr lang="en-US" altLang="zh-CN" b="0" i="0" dirty="0" err="1">
+                <a:effectLst/>
+                <a:latin typeface="-apple-system"/>
+              </a:rPr>
+              <a:t>ood</a:t>
+            </a:r>
+            <a:r>
+              <a:rPr lang="zh-CN" altLang="en-US" b="0" i="0" dirty="0">
+                <a:effectLst/>
+                <a:latin typeface="-apple-system"/>
+              </a:rPr>
+              <a:t>数据，以便于在测试阶段</a:t>
+            </a:r>
+            <a:r>
+              <a:rPr lang="en-US" altLang="zh-CN" b="0" i="0" dirty="0">
+                <a:effectLst/>
+                <a:latin typeface="-apple-system"/>
+              </a:rPr>
+              <a:t>CNN</a:t>
+            </a:r>
+            <a:r>
+              <a:rPr lang="zh-CN" altLang="en-US" b="0" i="0" dirty="0">
+                <a:effectLst/>
+                <a:latin typeface="-apple-system"/>
+              </a:rPr>
+              <a:t>模型将目标域当作真实域来处理。</a:t>
+            </a:r>
+            <a:endParaRPr lang="en-US" altLang="zh-CN" b="0" i="0" dirty="0">
+              <a:effectLst/>
+              <a:latin typeface="-apple-system"/>
+            </a:endParaRPr>
+          </a:p>
+          <a:p>
+            <a:pPr marL="285750" indent="-285750">
+              <a:lnSpc>
+                <a:spcPct val="150000"/>
+              </a:lnSpc>
+              <a:buFont typeface="Arial" panose="020B0604020202020204" pitchFamily="34" charset="0"/>
+              <a:buChar char="•"/>
+            </a:pPr>
+            <a:r>
+              <a:rPr lang="zh-CN" altLang="en-US" b="0" i="0" dirty="0">
+                <a:effectLst/>
+                <a:latin typeface="-apple-system"/>
+              </a:rPr>
+              <a:t>金字塔一致性训练则通过在域内和跨域强制执行金字塔一致性来学习具有更好泛化能力的表示。</a:t>
+            </a:r>
+            <a:endParaRPr lang="zh-CN" altLang="en-US" dirty="0"/>
           </a:p>
         </p:txBody>
       </p:sp>
     </p:spTree>
     <p:extLst>
       <p:ext uri="{BB962C8B-B14F-4D97-AF65-F5344CB8AC3E}">
-        <p14:creationId xmlns:p14="http://schemas.microsoft.com/office/powerpoint/2010/main" val="1177247411"/>
+        <p14:creationId xmlns:p14="http://schemas.microsoft.com/office/powerpoint/2010/main" val="900507821"/>
       </p:ext>
     </p:extLst>
   </p:cSld>
@@ -5117,12 +5320,47 @@
           </a:p>
         </p:txBody>
       </p:sp>
+      <p:sp>
+        <p:nvSpPr>
+          <p:cNvPr id="3" name="文本框 2">
+            <a:extLst>
+              <a:ext uri="{FF2B5EF4-FFF2-40B4-BE49-F238E27FC236}">
+                <a16:creationId xmlns:a16="http://schemas.microsoft.com/office/drawing/2014/main" id="{E6DD75AC-D6CC-7612-05A8-4D41F288DFCD}"/>
+              </a:ext>
+            </a:extLst>
+          </p:cNvPr>
+          <p:cNvSpPr txBox="1"/>
+          <p:nvPr/>
+        </p:nvSpPr>
+        <p:spPr>
+          <a:xfrm>
+            <a:off x="300675" y="100513"/>
+            <a:ext cx="4064000" cy="646331"/>
+          </a:xfrm>
+          <a:prstGeom prst="rect">
+            <a:avLst/>
+          </a:prstGeom>
+          <a:noFill/>
+        </p:spPr>
+        <p:txBody>
+          <a:bodyPr wrap="square" rtlCol="0">
+            <a:spAutoFit/>
+          </a:bodyPr>
+          <a:lstStyle/>
+          <a:p>
+            <a:r>
+              <a:rPr lang="zh-CN" altLang="en-US" sz="3600" dirty="0"/>
+              <a:t>研究现状</a:t>
+            </a:r>
+          </a:p>
+        </p:txBody>
+      </p:sp>
       <p:pic>
         <p:nvPicPr>
-          <p:cNvPr id="4" name="图片 3">
+          <p:cNvPr id="5" name="图片 4">
             <a:extLst>
               <a:ext uri="{FF2B5EF4-FFF2-40B4-BE49-F238E27FC236}">
-                <a16:creationId xmlns:a16="http://schemas.microsoft.com/office/drawing/2014/main" id="{CB41C147-8896-FA97-DC50-9F47E223BAD8}"/>
+                <a16:creationId xmlns:a16="http://schemas.microsoft.com/office/drawing/2014/main" id="{3F2C8AE1-21D5-8258-46D1-9F0B6A106E93}"/>
               </a:ext>
             </a:extLst>
           </p:cNvPr>
@@ -5139,18 +5377,149 @@
         </p:blipFill>
         <p:spPr>
           <a:xfrm>
-            <a:off x="521465" y="3348429"/>
-            <a:ext cx="11149069" cy="3374060"/>
+            <a:off x="4589754" y="3148989"/>
+            <a:ext cx="6130076" cy="3055969"/>
           </a:xfrm>
           <a:prstGeom prst="rect">
             <a:avLst/>
           </a:prstGeom>
         </p:spPr>
       </p:pic>
+      <p:sp>
+        <p:nvSpPr>
+          <p:cNvPr id="10" name="文本框 9">
+            <a:extLst>
+              <a:ext uri="{FF2B5EF4-FFF2-40B4-BE49-F238E27FC236}">
+                <a16:creationId xmlns:a16="http://schemas.microsoft.com/office/drawing/2014/main" id="{E711D503-26B3-DBAF-182C-00A69162B967}"/>
+              </a:ext>
+            </a:extLst>
+          </p:cNvPr>
+          <p:cNvSpPr txBox="1"/>
+          <p:nvPr/>
+        </p:nvSpPr>
+        <p:spPr>
+          <a:xfrm>
+            <a:off x="4589754" y="6389830"/>
+            <a:ext cx="9254021" cy="278274"/>
+          </a:xfrm>
+          <a:prstGeom prst="rect">
+            <a:avLst/>
+          </a:prstGeom>
+          <a:noFill/>
+        </p:spPr>
+        <p:txBody>
+          <a:bodyPr wrap="square">
+            <a:spAutoFit/>
+          </a:bodyPr>
+          <a:lstStyle/>
+          <a:p>
+            <a:r>
+              <a:rPr lang="en-US" altLang="zh-CN" sz="1200" dirty="0">
+                <a:latin typeface="微软雅黑" panose="020B0503020204020204" pitchFamily="34" charset="-122"/>
+                <a:ea typeface="微软雅黑" panose="020B0503020204020204" pitchFamily="34" charset="-122"/>
+                <a:cs typeface="Times New Roman" panose="02020603050405020304" pitchFamily="18" charset="0"/>
+              </a:rPr>
+              <a:t>H. Li, S. J. Pan, S. Wang, and A. </a:t>
+            </a:r>
+            <a:r>
+              <a:rPr lang="en-US" altLang="zh-CN" sz="1200" dirty="0" err="1">
+                <a:latin typeface="微软雅黑" panose="020B0503020204020204" pitchFamily="34" charset="-122"/>
+                <a:ea typeface="微软雅黑" panose="020B0503020204020204" pitchFamily="34" charset="-122"/>
+                <a:cs typeface="Times New Roman" panose="02020603050405020304" pitchFamily="18" charset="0"/>
+              </a:rPr>
+              <a:t>Kot</a:t>
+            </a:r>
+            <a:r>
+              <a:rPr lang="en-US" altLang="zh-CN" sz="1200" dirty="0">
+                <a:latin typeface="微软雅黑" panose="020B0503020204020204" pitchFamily="34" charset="-122"/>
+                <a:ea typeface="微软雅黑" panose="020B0503020204020204" pitchFamily="34" charset="-122"/>
+                <a:cs typeface="Times New Roman" panose="02020603050405020304" pitchFamily="18" charset="0"/>
+              </a:rPr>
+              <a:t>. Domain generalization with adversarial feature learning. 2018</a:t>
+            </a:r>
+            <a:endParaRPr lang="zh-CN" altLang="en-US" sz="1200" dirty="0">
+              <a:latin typeface="微软雅黑" panose="020B0503020204020204" pitchFamily="34" charset="-122"/>
+              <a:ea typeface="微软雅黑" panose="020B0503020204020204" pitchFamily="34" charset="-122"/>
+              <a:cs typeface="Times New Roman" panose="02020603050405020304" pitchFamily="18" charset="0"/>
+            </a:endParaRPr>
+          </a:p>
+        </p:txBody>
+      </p:sp>
+      <p:sp>
+        <p:nvSpPr>
+          <p:cNvPr id="12" name="文本框 11">
+            <a:extLst>
+              <a:ext uri="{FF2B5EF4-FFF2-40B4-BE49-F238E27FC236}">
+                <a16:creationId xmlns:a16="http://schemas.microsoft.com/office/drawing/2014/main" id="{51B78696-FA27-CB7A-D8CB-89F49FF1644A}"/>
+              </a:ext>
+            </a:extLst>
+          </p:cNvPr>
+          <p:cNvSpPr txBox="1"/>
+          <p:nvPr/>
+        </p:nvSpPr>
+        <p:spPr>
+          <a:xfrm>
+            <a:off x="841159" y="1579225"/>
+            <a:ext cx="6920142" cy="1296445"/>
+          </a:xfrm>
+          <a:prstGeom prst="rect">
+            <a:avLst/>
+          </a:prstGeom>
+          <a:noFill/>
+        </p:spPr>
+        <p:txBody>
+          <a:bodyPr wrap="square">
+            <a:spAutoFit/>
+          </a:bodyPr>
+          <a:lstStyle/>
+          <a:p>
+            <a:pPr algn="l">
+              <a:lnSpc>
+                <a:spcPct val="150000"/>
+              </a:lnSpc>
+            </a:pPr>
+            <a:r>
+              <a:rPr lang="zh-CN" altLang="en-US" b="0" i="0" dirty="0">
+                <a:effectLst/>
+                <a:latin typeface="-apple-system"/>
+              </a:rPr>
+              <a:t>将</a:t>
+            </a:r>
+            <a:r>
+              <a:rPr lang="en-US" altLang="zh-CN" b="0" i="0" dirty="0">
+                <a:effectLst/>
+                <a:latin typeface="-apple-system"/>
+              </a:rPr>
+              <a:t>MMD</a:t>
+            </a:r>
+            <a:r>
+              <a:rPr lang="zh-CN" altLang="en-US" b="0" i="0" dirty="0">
+                <a:effectLst/>
+                <a:latin typeface="-apple-system"/>
+              </a:rPr>
+              <a:t>作为域适应算法的目标函数之一，最小化</a:t>
+            </a:r>
+            <a:r>
+              <a:rPr lang="en-US" altLang="zh-CN" b="0" i="0" dirty="0">
+                <a:effectLst/>
+                <a:latin typeface="-apple-system"/>
+              </a:rPr>
+              <a:t>MMD</a:t>
+            </a:r>
+            <a:r>
+              <a:rPr lang="zh-CN" altLang="en-US" b="0" i="0" dirty="0">
+                <a:effectLst/>
+                <a:latin typeface="-apple-system"/>
+              </a:rPr>
+              <a:t>有助于减小源域和目标域之间的分布差异，从而提高模型在目标域上的泛化能力。</a:t>
+            </a:r>
+          </a:p>
+        </p:txBody>
+      </p:sp>
     </p:spTree>
     <p:extLst>
       <p:ext uri="{BB962C8B-B14F-4D97-AF65-F5344CB8AC3E}">
-        <p14:creationId xmlns:p14="http://schemas.microsoft.com/office/powerpoint/2010/main" val="900507821"/>
+        <p14:creationId xmlns:p14="http://schemas.microsoft.com/office/powerpoint/2010/main" val="2524502693"/>
       </p:ext>
     </p:extLst>
   </p:cSld>
@@ -5372,90 +5741,12 @@
           </a:p>
         </p:txBody>
       </p:sp>
-      <p:sp>
-        <p:nvSpPr>
-          <p:cNvPr id="3" name="文本框 2">
+      <p:pic>
+        <p:nvPicPr>
+          <p:cNvPr id="4" name="图片 3">
             <a:extLst>
               <a:ext uri="{FF2B5EF4-FFF2-40B4-BE49-F238E27FC236}">
-                <a16:creationId xmlns:a16="http://schemas.microsoft.com/office/drawing/2014/main" id="{E6DD75AC-D6CC-7612-05A8-4D41F288DFCD}"/>
-              </a:ext>
-            </a:extLst>
-          </p:cNvPr>
-          <p:cNvSpPr txBox="1"/>
-          <p:nvPr/>
-        </p:nvSpPr>
-        <p:spPr>
-          <a:xfrm>
-            <a:off x="300675" y="100513"/>
-            <a:ext cx="4064000" cy="646331"/>
-          </a:xfrm>
-          <a:prstGeom prst="rect">
-            <a:avLst/>
-          </a:prstGeom>
-          <a:noFill/>
-        </p:spPr>
-        <p:txBody>
-          <a:bodyPr wrap="square" rtlCol="0">
-            <a:spAutoFit/>
-          </a:bodyPr>
-          <a:lstStyle/>
-          <a:p>
-            <a:r>
-              <a:rPr lang="zh-CN" altLang="en-US" sz="3600" dirty="0"/>
-              <a:t>研究现状</a:t>
-            </a:r>
-          </a:p>
-        </p:txBody>
-      </p:sp>
-      <p:sp>
-        <p:nvSpPr>
-          <p:cNvPr id="6" name="文本框 5">
-            <a:extLst>
-              <a:ext uri="{FF2B5EF4-FFF2-40B4-BE49-F238E27FC236}">
-                <a16:creationId xmlns:a16="http://schemas.microsoft.com/office/drawing/2014/main" id="{92074D0C-214B-B1F8-F5C3-B605AAD2E356}"/>
-              </a:ext>
-            </a:extLst>
-          </p:cNvPr>
-          <p:cNvSpPr txBox="1"/>
-          <p:nvPr/>
-        </p:nvSpPr>
-        <p:spPr>
-          <a:xfrm>
-            <a:off x="298654" y="714075"/>
-            <a:ext cx="6096000" cy="940579"/>
-          </a:xfrm>
-          <a:prstGeom prst="rect">
-            <a:avLst/>
-          </a:prstGeom>
-          <a:noFill/>
-        </p:spPr>
-        <p:txBody>
-          <a:bodyPr wrap="square">
-            <a:spAutoFit/>
-          </a:bodyPr>
-          <a:lstStyle/>
-          <a:p>
-            <a:pPr marL="571500" indent="-571500">
-              <a:lnSpc>
-                <a:spcPct val="200000"/>
-              </a:lnSpc>
-              <a:buFont typeface="Arial" panose="020B0604020202020204" pitchFamily="34" charset="0"/>
-              <a:buChar char="•"/>
-            </a:pPr>
-            <a:r>
-              <a:rPr lang="zh-CN" altLang="en-US" sz="3200" dirty="0"/>
-              <a:t>数据操纵</a:t>
-            </a:r>
-            <a:endParaRPr lang="en-US" altLang="zh-CN" sz="3200" dirty="0"/>
-          </a:p>
-        </p:txBody>
-      </p:sp>
-      <p:pic>
-        <p:nvPicPr>
-          <p:cNvPr id="9" name="图片 8">
-            <a:extLst>
-              <a:ext uri="{FF2B5EF4-FFF2-40B4-BE49-F238E27FC236}">
-                <a16:creationId xmlns:a16="http://schemas.microsoft.com/office/drawing/2014/main" id="{8C211044-D679-99FA-975E-BED10FB36D57}"/>
+                <a16:creationId xmlns:a16="http://schemas.microsoft.com/office/drawing/2014/main" id="{0410E679-552B-4896-DBC2-D87371EF6229}"/>
               </a:ext>
             </a:extLst>
           </p:cNvPr>
@@ -5472,18 +5763,208 @@
         </p:blipFill>
         <p:spPr>
           <a:xfrm>
-            <a:off x="4127487" y="902176"/>
-            <a:ext cx="7152368" cy="5885879"/>
+            <a:off x="5613876" y="995789"/>
+            <a:ext cx="5848667" cy="4824028"/>
           </a:xfrm>
           <a:prstGeom prst="rect">
             <a:avLst/>
           </a:prstGeom>
         </p:spPr>
       </p:pic>
+      <p:sp>
+        <p:nvSpPr>
+          <p:cNvPr id="8" name="文本框 7">
+            <a:extLst>
+              <a:ext uri="{FF2B5EF4-FFF2-40B4-BE49-F238E27FC236}">
+                <a16:creationId xmlns:a16="http://schemas.microsoft.com/office/drawing/2014/main" id="{0BC586F2-4E81-FAB8-E3E1-736C8317CAE8}"/>
+              </a:ext>
+            </a:extLst>
+          </p:cNvPr>
+          <p:cNvSpPr txBox="1"/>
+          <p:nvPr/>
+        </p:nvSpPr>
+        <p:spPr>
+          <a:xfrm>
+            <a:off x="274320" y="1561330"/>
+            <a:ext cx="4815840" cy="369332"/>
+          </a:xfrm>
+          <a:prstGeom prst="rect">
+            <a:avLst/>
+          </a:prstGeom>
+          <a:noFill/>
+        </p:spPr>
+        <p:txBody>
+          <a:bodyPr wrap="square">
+            <a:spAutoFit/>
+          </a:bodyPr>
+          <a:lstStyle/>
+          <a:p>
+            <a:endParaRPr lang="zh-CN" altLang="en-US" dirty="0"/>
+          </a:p>
+        </p:txBody>
+      </p:sp>
+      <p:sp>
+        <p:nvSpPr>
+          <p:cNvPr id="10" name="文本框 9">
+            <a:extLst>
+              <a:ext uri="{FF2B5EF4-FFF2-40B4-BE49-F238E27FC236}">
+                <a16:creationId xmlns:a16="http://schemas.microsoft.com/office/drawing/2014/main" id="{CE108C64-D231-E3FF-3E94-F5D5B0701650}"/>
+              </a:ext>
+            </a:extLst>
+          </p:cNvPr>
+          <p:cNvSpPr txBox="1"/>
+          <p:nvPr/>
+        </p:nvSpPr>
+        <p:spPr>
+          <a:xfrm>
+            <a:off x="425450" y="2144621"/>
+            <a:ext cx="4664710" cy="1754326"/>
+          </a:xfrm>
+          <a:prstGeom prst="rect">
+            <a:avLst/>
+          </a:prstGeom>
+          <a:noFill/>
+        </p:spPr>
+        <p:txBody>
+          <a:bodyPr wrap="square">
+            <a:spAutoFit/>
+          </a:bodyPr>
+          <a:lstStyle/>
+          <a:p>
+            <a:r>
+              <a:rPr lang="en-US" altLang="zh-CN" dirty="0">
+                <a:latin typeface="宋体" panose="02010600030101010101" pitchFamily="2" charset="-122"/>
+                <a:ea typeface="宋体" panose="02010600030101010101" pitchFamily="2" charset="-122"/>
+              </a:rPr>
+              <a:t>Rahman</a:t>
+            </a:r>
+            <a:r>
+              <a:rPr lang="zh-CN" altLang="en-US" dirty="0">
+                <a:latin typeface="宋体" panose="02010600030101010101" pitchFamily="2" charset="-122"/>
+                <a:ea typeface="宋体" panose="02010600030101010101" pitchFamily="2" charset="-122"/>
+              </a:rPr>
+              <a:t>等人在</a:t>
+            </a:r>
+            <a:r>
+              <a:rPr lang="en-US" altLang="zh-CN" dirty="0">
+                <a:latin typeface="宋体" panose="02010600030101010101" pitchFamily="2" charset="-122"/>
+                <a:ea typeface="宋体" panose="02010600030101010101" pitchFamily="2" charset="-122"/>
+              </a:rPr>
+              <a:t>2019</a:t>
+            </a:r>
+            <a:r>
+              <a:rPr lang="zh-CN" altLang="en-US" dirty="0">
+                <a:latin typeface="宋体" panose="02010600030101010101" pitchFamily="2" charset="-122"/>
+                <a:ea typeface="宋体" panose="02010600030101010101" pitchFamily="2" charset="-122"/>
+              </a:rPr>
+              <a:t>年</a:t>
+            </a:r>
+            <a:r>
+              <a:rPr lang="zh-CN" altLang="en-US" b="0" i="0" dirty="0">
+                <a:solidFill>
+                  <a:srgbClr val="000000"/>
+                </a:solidFill>
+                <a:effectLst/>
+                <a:latin typeface="宋体" panose="02010600030101010101" pitchFamily="2" charset="-122"/>
+                <a:ea typeface="宋体" panose="02010600030101010101" pitchFamily="2" charset="-122"/>
+              </a:rPr>
+              <a:t>提出了一种利用生成对抗性网络（</a:t>
+            </a:r>
+            <a:r>
+              <a:rPr lang="en-US" altLang="zh-CN" b="0" i="0" dirty="0">
+                <a:solidFill>
+                  <a:srgbClr val="000000"/>
+                </a:solidFill>
+                <a:effectLst/>
+                <a:latin typeface="宋体" panose="02010600030101010101" pitchFamily="2" charset="-122"/>
+                <a:ea typeface="宋体" panose="02010600030101010101" pitchFamily="2" charset="-122"/>
+              </a:rPr>
+              <a:t>GAN</a:t>
+            </a:r>
+            <a:r>
+              <a:rPr lang="zh-CN" altLang="en-US" b="0" i="0" dirty="0">
+                <a:solidFill>
+                  <a:srgbClr val="000000"/>
+                </a:solidFill>
+                <a:effectLst/>
+                <a:latin typeface="宋体" panose="02010600030101010101" pitchFamily="2" charset="-122"/>
+                <a:ea typeface="宋体" panose="02010600030101010101" pitchFamily="2" charset="-122"/>
+              </a:rPr>
+              <a:t>）生成合成数据的新的深域泛化架构。使用现有的域差异度量（例如最大平均差异或</a:t>
+            </a:r>
+            <a:r>
+              <a:rPr lang="zh-CN" altLang="en-US" dirty="0">
+                <a:solidFill>
+                  <a:srgbClr val="000000"/>
+                </a:solidFill>
+                <a:latin typeface="宋体" panose="02010600030101010101" pitchFamily="2" charset="-122"/>
+                <a:ea typeface="宋体" panose="02010600030101010101" pitchFamily="2" charset="-122"/>
+              </a:rPr>
+              <a:t>（</a:t>
+            </a:r>
+            <a:r>
+              <a:rPr lang="en-US" altLang="zh-CN" dirty="0">
+                <a:solidFill>
+                  <a:srgbClr val="000000"/>
+                </a:solidFill>
+                <a:latin typeface="宋体" panose="02010600030101010101" pitchFamily="2" charset="-122"/>
+                <a:ea typeface="宋体" panose="02010600030101010101" pitchFamily="2" charset="-122"/>
+              </a:rPr>
+              <a:t>MMD</a:t>
+            </a:r>
+            <a:r>
+              <a:rPr lang="zh-CN" altLang="en-US" dirty="0">
+                <a:solidFill>
+                  <a:srgbClr val="000000"/>
+                </a:solidFill>
+                <a:latin typeface="宋体" panose="02010600030101010101" pitchFamily="2" charset="-122"/>
+                <a:ea typeface="宋体" panose="02010600030101010101" pitchFamily="2" charset="-122"/>
+              </a:rPr>
+              <a:t>）</a:t>
+            </a:r>
+            <a:r>
+              <a:rPr lang="zh-CN" altLang="en-US" b="0" i="0" dirty="0">
+                <a:solidFill>
+                  <a:srgbClr val="000000"/>
+                </a:solidFill>
+                <a:effectLst/>
+                <a:latin typeface="宋体" panose="02010600030101010101" pitchFamily="2" charset="-122"/>
+                <a:ea typeface="宋体" panose="02010600030101010101" pitchFamily="2" charset="-122"/>
+              </a:rPr>
+              <a:t>）来最小化真实图像和</a:t>
+            </a:r>
+            <a:r>
+              <a:rPr lang="zh-CN" altLang="en-US" dirty="0">
+                <a:solidFill>
+                  <a:srgbClr val="000000"/>
+                </a:solidFill>
+                <a:latin typeface="宋体" panose="02010600030101010101" pitchFamily="2" charset="-122"/>
+                <a:ea typeface="宋体" panose="02010600030101010101" pitchFamily="2" charset="-122"/>
+              </a:rPr>
+              <a:t>生成</a:t>
+            </a:r>
+            <a:r>
+              <a:rPr lang="zh-CN" altLang="en-US" b="0" i="0" dirty="0">
+                <a:solidFill>
+                  <a:srgbClr val="000000"/>
+                </a:solidFill>
+                <a:effectLst/>
+                <a:latin typeface="宋体" panose="02010600030101010101" pitchFamily="2" charset="-122"/>
+                <a:ea typeface="宋体" panose="02010600030101010101" pitchFamily="2" charset="-122"/>
+              </a:rPr>
+              <a:t>图像之间的分布差异，以帮助学习域间的通用表示。</a:t>
+            </a:r>
+            <a:endParaRPr lang="zh-CN" altLang="en-US" dirty="0">
+              <a:latin typeface="宋体" panose="02010600030101010101" pitchFamily="2" charset="-122"/>
+              <a:ea typeface="宋体" panose="02010600030101010101" pitchFamily="2" charset="-122"/>
+            </a:endParaRPr>
+          </a:p>
+        </p:txBody>
+      </p:sp>
     </p:spTree>
     <p:extLst>
       <p:ext uri="{BB962C8B-B14F-4D97-AF65-F5344CB8AC3E}">
-        <p14:creationId xmlns:p14="http://schemas.microsoft.com/office/powerpoint/2010/main" val="2524502693"/>
+        <p14:creationId xmlns:p14="http://schemas.microsoft.com/office/powerpoint/2010/main" val="3493924505"/>
       </p:ext>
     </p:extLst>
   </p:cSld>
@@ -5707,10 +6188,10 @@
       </p:sp>
       <p:sp>
         <p:nvSpPr>
-          <p:cNvPr id="5" name="文本框 4">
+          <p:cNvPr id="4" name="文本框 3">
             <a:extLst>
               <a:ext uri="{FF2B5EF4-FFF2-40B4-BE49-F238E27FC236}">
-                <a16:creationId xmlns:a16="http://schemas.microsoft.com/office/drawing/2014/main" id="{667BFDB5-C9B6-DF5A-72E2-520159D36C97}"/>
+                <a16:creationId xmlns:a16="http://schemas.microsoft.com/office/drawing/2014/main" id="{A6A6B42E-BC9C-2F77-DF10-8D3C4ABF438B}"/>
               </a:ext>
             </a:extLst>
           </p:cNvPr>
@@ -5719,8 +6200,8 @@
         </p:nvSpPr>
         <p:spPr>
           <a:xfrm>
-            <a:off x="1953491" y="1350233"/>
-            <a:ext cx="3917373" cy="369332"/>
+            <a:off x="1470660" y="2121515"/>
+            <a:ext cx="6096000" cy="923330"/>
           </a:xfrm>
           <a:prstGeom prst="rect">
             <a:avLst/>
@@ -5728,22 +6209,184 @@
           <a:noFill/>
         </p:spPr>
         <p:txBody>
-          <a:bodyPr wrap="square" rtlCol="0">
+          <a:bodyPr wrap="square">
             <a:spAutoFit/>
           </a:bodyPr>
           <a:lstStyle/>
           <a:p>
             <a:r>
-              <a:rPr lang="zh-CN" altLang="en-US" dirty="0"/>
-              <a:t>域不变表征学习</a:t>
-            </a:r>
+              <a:rPr lang="zh-CN" altLang="en-US" b="0" i="0" dirty="0">
+                <a:solidFill>
+                  <a:srgbClr val="000000"/>
+                </a:solidFill>
+                <a:effectLst/>
+                <a:latin typeface="微软雅黑" panose="020B0503020204020204" pitchFamily="34" charset="-122"/>
+                <a:ea typeface="微软雅黑" panose="020B0503020204020204" pitchFamily="34" charset="-122"/>
+              </a:rPr>
+              <a:t>域不变分量分析（</a:t>
+            </a:r>
+            <a:r>
+              <a:rPr lang="en-US" altLang="zh-CN" b="0" i="0" dirty="0">
+                <a:solidFill>
+                  <a:srgbClr val="000000"/>
+                </a:solidFill>
+                <a:effectLst/>
+                <a:latin typeface="微软雅黑" panose="020B0503020204020204" pitchFamily="34" charset="-122"/>
+                <a:ea typeface="微软雅黑" panose="020B0503020204020204" pitchFamily="34" charset="-122"/>
+              </a:rPr>
+              <a:t>DICA</a:t>
+            </a:r>
+            <a:r>
+              <a:rPr lang="zh-CN" altLang="en-US" b="0" i="0" dirty="0">
+                <a:solidFill>
+                  <a:srgbClr val="000000"/>
+                </a:solidFill>
+                <a:effectLst/>
+                <a:latin typeface="微软雅黑" panose="020B0503020204020204" pitchFamily="34" charset="-122"/>
+                <a:ea typeface="微软雅黑" panose="020B0503020204020204" pitchFamily="34" charset="-122"/>
+              </a:rPr>
+              <a:t>）</a:t>
+            </a:r>
+            <a:r>
+              <a:rPr lang="en-US" altLang="zh-CN" b="0" i="0" dirty="0">
+                <a:solidFill>
+                  <a:srgbClr val="000000"/>
+                </a:solidFill>
+                <a:effectLst/>
+                <a:latin typeface="微软雅黑" panose="020B0503020204020204" pitchFamily="34" charset="-122"/>
+                <a:ea typeface="微软雅黑" panose="020B0503020204020204" pitchFamily="34" charset="-122"/>
+              </a:rPr>
+              <a:t>[27]</a:t>
+            </a:r>
+            <a:r>
+              <a:rPr lang="zh-CN" altLang="en-US" b="0" i="0" dirty="0">
+                <a:solidFill>
+                  <a:srgbClr val="000000"/>
+                </a:solidFill>
+                <a:effectLst/>
+                <a:latin typeface="微软雅黑" panose="020B0503020204020204" pitchFamily="34" charset="-122"/>
+                <a:ea typeface="微软雅黑" panose="020B0503020204020204" pitchFamily="34" charset="-122"/>
+              </a:rPr>
+              <a:t>是</a:t>
+            </a:r>
+            <a:r>
+              <a:rPr lang="en-US" altLang="zh-CN" b="0" i="0" dirty="0">
+                <a:solidFill>
+                  <a:srgbClr val="000000"/>
+                </a:solidFill>
+                <a:effectLst/>
+                <a:latin typeface="微软雅黑" panose="020B0503020204020204" pitchFamily="34" charset="-122"/>
+                <a:ea typeface="微软雅黑" panose="020B0503020204020204" pitchFamily="34" charset="-122"/>
+              </a:rPr>
+              <a:t>DG</a:t>
+            </a:r>
+            <a:r>
+              <a:rPr lang="zh-CN" altLang="en-US" b="0" i="0" dirty="0">
+                <a:solidFill>
+                  <a:srgbClr val="000000"/>
+                </a:solidFill>
+                <a:effectLst/>
+                <a:latin typeface="微软雅黑" panose="020B0503020204020204" pitchFamily="34" charset="-122"/>
+                <a:ea typeface="微软雅黑" panose="020B0503020204020204" pitchFamily="34" charset="-122"/>
+              </a:rPr>
+              <a:t>中使用核的经典方法之一。</a:t>
+            </a:r>
+            <a:r>
+              <a:rPr lang="en-US" altLang="zh-CN" b="0" i="0" dirty="0">
+                <a:solidFill>
+                  <a:srgbClr val="000000"/>
+                </a:solidFill>
+                <a:effectLst/>
+                <a:latin typeface="微软雅黑" panose="020B0503020204020204" pitchFamily="34" charset="-122"/>
+                <a:ea typeface="微软雅黑" panose="020B0503020204020204" pitchFamily="34" charset="-122"/>
+              </a:rPr>
+              <a:t>DICA</a:t>
+            </a:r>
+            <a:r>
+              <a:rPr lang="zh-CN" altLang="en-US" b="0" i="0" dirty="0">
+                <a:solidFill>
+                  <a:srgbClr val="000000"/>
+                </a:solidFill>
+                <a:effectLst/>
+                <a:latin typeface="微软雅黑" panose="020B0503020204020204" pitchFamily="34" charset="-122"/>
+                <a:ea typeface="微软雅黑" panose="020B0503020204020204" pitchFamily="34" charset="-122"/>
+              </a:rPr>
+              <a:t>的目标是找到一个特征转换内核</a:t>
+            </a:r>
+            <a:r>
+              <a:rPr lang="en-US" altLang="zh-CN" b="0" i="0" dirty="0">
+                <a:solidFill>
+                  <a:srgbClr val="000000"/>
+                </a:solidFill>
+                <a:effectLst/>
+                <a:latin typeface="微软雅黑" panose="020B0503020204020204" pitchFamily="34" charset="-122"/>
+                <a:ea typeface="微软雅黑" panose="020B0503020204020204" pitchFamily="34" charset="-122"/>
+              </a:rPr>
+              <a:t>k</a:t>
+            </a:r>
+            <a:r>
+              <a:rPr lang="zh-CN" altLang="en-US" b="0" i="0" dirty="0">
+                <a:solidFill>
+                  <a:srgbClr val="000000"/>
+                </a:solidFill>
+                <a:effectLst/>
+                <a:latin typeface="微软雅黑" panose="020B0503020204020204" pitchFamily="34" charset="-122"/>
+                <a:ea typeface="微软雅黑" panose="020B0503020204020204" pitchFamily="34" charset="-122"/>
+              </a:rPr>
+              <a:t>（</a:t>
+            </a:r>
+            <a:r>
+              <a:rPr lang="en-US" altLang="zh-CN" b="0" i="0" dirty="0">
+                <a:solidFill>
+                  <a:srgbClr val="000000"/>
+                </a:solidFill>
+                <a:effectLst/>
+                <a:latin typeface="微软雅黑" panose="020B0503020204020204" pitchFamily="34" charset="-122"/>
+                <a:ea typeface="微软雅黑" panose="020B0503020204020204" pitchFamily="34" charset="-122"/>
+              </a:rPr>
+              <a:t>·</a:t>
+            </a:r>
+            <a:r>
+              <a:rPr lang="zh-CN" altLang="en-US" b="0" i="0" dirty="0">
+                <a:solidFill>
+                  <a:srgbClr val="000000"/>
+                </a:solidFill>
+                <a:effectLst/>
+                <a:latin typeface="微软雅黑" panose="020B0503020204020204" pitchFamily="34" charset="-122"/>
+                <a:ea typeface="微软雅黑" panose="020B0503020204020204" pitchFamily="34" charset="-122"/>
+              </a:rPr>
+              <a:t>；</a:t>
+            </a:r>
+            <a:r>
+              <a:rPr lang="en-US" altLang="zh-CN" b="0" i="0" dirty="0">
+                <a:solidFill>
+                  <a:srgbClr val="000000"/>
+                </a:solidFill>
+                <a:effectLst/>
+                <a:latin typeface="微软雅黑" panose="020B0503020204020204" pitchFamily="34" charset="-122"/>
+                <a:ea typeface="微软雅黑" panose="020B0503020204020204" pitchFamily="34" charset="-122"/>
+              </a:rPr>
+              <a:t>·</a:t>
+            </a:r>
+            <a:r>
+              <a:rPr lang="zh-CN" altLang="en-US" b="0" i="0" dirty="0">
+                <a:solidFill>
+                  <a:srgbClr val="000000"/>
+                </a:solidFill>
+                <a:effectLst/>
+                <a:latin typeface="微软雅黑" panose="020B0503020204020204" pitchFamily="34" charset="-122"/>
+                <a:ea typeface="微软雅黑" panose="020B0503020204020204" pitchFamily="34" charset="-122"/>
+              </a:rPr>
+              <a:t>），使特征空间中所有数据之间的分布差异最小化。</a:t>
+            </a:r>
+            <a:endParaRPr lang="zh-CN" altLang="en-US" dirty="0"/>
           </a:p>
         </p:txBody>
       </p:sp>
     </p:spTree>
     <p:extLst>
       <p:ext uri="{BB962C8B-B14F-4D97-AF65-F5344CB8AC3E}">
-        <p14:creationId xmlns:p14="http://schemas.microsoft.com/office/powerpoint/2010/main" val="3493924505"/>
+        <p14:creationId xmlns:p14="http://schemas.microsoft.com/office/powerpoint/2010/main" val="1072229439"/>
       </p:ext>
     </p:extLst>
   </p:cSld>
@@ -6293,7 +6936,7 @@
             </a:r>
             <a:r>
               <a:rPr lang="zh-CN" altLang="en-US" sz="2400" dirty="0"/>
-              <a:t>基于对比学习的域不变表征域泛化方法</a:t>
+              <a:t>基于特征解耦的域不变表征域泛化方法</a:t>
             </a:r>
             <a:endParaRPr lang="en-US" altLang="zh-CN" sz="2400" dirty="0"/>
           </a:p>
@@ -6798,36 +7441,44 @@
           </a:p>
         </p:txBody>
       </p:sp>
-      <p:pic>
-        <p:nvPicPr>
-          <p:cNvPr id="4" name="图片 3">
+      <p:sp>
+        <p:nvSpPr>
+          <p:cNvPr id="3" name="文本框 2">
             <a:extLst>
               <a:ext uri="{FF2B5EF4-FFF2-40B4-BE49-F238E27FC236}">
-                <a16:creationId xmlns:a16="http://schemas.microsoft.com/office/drawing/2014/main" id="{85A5D64C-0B5C-1279-D4AA-89378D028621}"/>
+                <a16:creationId xmlns:a16="http://schemas.microsoft.com/office/drawing/2014/main" id="{BFC19487-13AF-1DC8-215F-3EEBFF1FB39E}"/>
               </a:ext>
             </a:extLst>
           </p:cNvPr>
-          <p:cNvPicPr>
-            <a:picLocks noChangeAspect="1"/>
-          </p:cNvPicPr>
+          <p:cNvSpPr txBox="1"/>
           <p:nvPr/>
-        </p:nvPicPr>
-        <p:blipFill>
-          <a:blip r:embed="rId4"/>
-          <a:stretch>
-            <a:fillRect/>
-          </a:stretch>
-        </p:blipFill>
+        </p:nvSpPr>
         <p:spPr>
           <a:xfrm>
-            <a:off x="1111828" y="1604958"/>
-            <a:ext cx="9181234" cy="5297491"/>
+            <a:off x="1111828" y="1127464"/>
+            <a:ext cx="1507085" cy="646331"/>
           </a:xfrm>
           <a:prstGeom prst="rect">
             <a:avLst/>
           </a:prstGeom>
+          <a:noFill/>
         </p:spPr>
-      </p:pic>
+        <p:txBody>
+          <a:bodyPr wrap="square" rtlCol="0">
+            <a:spAutoFit/>
+          </a:bodyPr>
+          <a:lstStyle/>
+          <a:p>
+            <a:r>
+              <a:rPr lang="en-US" altLang="zh-CN" dirty="0"/>
+              <a:t>Step 1</a:t>
+            </a:r>
+          </a:p>
+          <a:p>
+            <a:endParaRPr lang="zh-CN" altLang="en-US" dirty="0"/>
+          </a:p>
+        </p:txBody>
+      </p:sp>
     </p:spTree>
     <p:extLst>
       <p:ext uri="{BB962C8B-B14F-4D97-AF65-F5344CB8AC3E}">
@@ -7055,10 +7706,10 @@
       </p:sp>
       <p:pic>
         <p:nvPicPr>
-          <p:cNvPr id="5" name="图片 4">
+          <p:cNvPr id="6" name="图片 5">
             <a:extLst>
               <a:ext uri="{FF2B5EF4-FFF2-40B4-BE49-F238E27FC236}">
-                <a16:creationId xmlns:a16="http://schemas.microsoft.com/office/drawing/2014/main" id="{6D587433-119A-D49C-287C-98EAED4121F1}"/>
+                <a16:creationId xmlns:a16="http://schemas.microsoft.com/office/drawing/2014/main" id="{A03AB2CD-39DE-2BE9-BB11-64CE9CF378FB}"/>
               </a:ext>
             </a:extLst>
           </p:cNvPr>
@@ -7075,8 +7726,8 @@
         </p:blipFill>
         <p:spPr>
           <a:xfrm>
-            <a:off x="1419225" y="2008475"/>
-            <a:ext cx="9353550" cy="4524375"/>
+            <a:off x="859100" y="1777365"/>
+            <a:ext cx="9639300" cy="4638675"/>
           </a:xfrm>
           <a:prstGeom prst="rect">
             <a:avLst/>
@@ -7712,6 +8363,36 @@
           </a:p>
         </p:txBody>
       </p:sp>
+      <p:pic>
+        <p:nvPicPr>
+          <p:cNvPr id="4" name="图片 3">
+            <a:extLst>
+              <a:ext uri="{FF2B5EF4-FFF2-40B4-BE49-F238E27FC236}">
+                <a16:creationId xmlns:a16="http://schemas.microsoft.com/office/drawing/2014/main" id="{AAE815BC-8F3C-0795-3958-9312BC841939}"/>
+              </a:ext>
+            </a:extLst>
+          </p:cNvPr>
+          <p:cNvPicPr>
+            <a:picLocks noChangeAspect="1"/>
+          </p:cNvPicPr>
+          <p:nvPr/>
+        </p:nvPicPr>
+        <p:blipFill>
+          <a:blip r:embed="rId4"/>
+          <a:stretch>
+            <a:fillRect/>
+          </a:stretch>
+        </p:blipFill>
+        <p:spPr>
+          <a:xfrm>
+            <a:off x="1514290" y="1281984"/>
+            <a:ext cx="8267468" cy="5371876"/>
+          </a:xfrm>
+          <a:prstGeom prst="rect">
+            <a:avLst/>
+          </a:prstGeom>
+        </p:spPr>
+      </p:pic>
     </p:spTree>
     <p:extLst>
       <p:ext uri="{BB962C8B-B14F-4D97-AF65-F5344CB8AC3E}">
@@ -7940,7 +8621,7 @@
     </p:spTree>
     <p:extLst>
       <p:ext uri="{BB962C8B-B14F-4D97-AF65-F5344CB8AC3E}">
-        <p14:creationId xmlns:p14="http://schemas.microsoft.com/office/powerpoint/2010/main" val="1072229439"/>
+        <p14:creationId xmlns:p14="http://schemas.microsoft.com/office/powerpoint/2010/main" val="3016937079"/>
       </p:ext>
     </p:extLst>
   </p:cSld>
@@ -8162,10 +8843,53 @@
           </a:p>
         </p:txBody>
       </p:sp>
+      <p:sp>
+        <p:nvSpPr>
+          <p:cNvPr id="3" name="文本框 2">
+            <a:extLst>
+              <a:ext uri="{FF2B5EF4-FFF2-40B4-BE49-F238E27FC236}">
+                <a16:creationId xmlns:a16="http://schemas.microsoft.com/office/drawing/2014/main" id="{7A89C5BB-524A-1E92-BABC-CE71AD52ABF3}"/>
+              </a:ext>
+            </a:extLst>
+          </p:cNvPr>
+          <p:cNvSpPr txBox="1"/>
+          <p:nvPr/>
+        </p:nvSpPr>
+        <p:spPr>
+          <a:xfrm>
+            <a:off x="3722945" y="2676343"/>
+            <a:ext cx="4190305" cy="1015663"/>
+          </a:xfrm>
+          <a:prstGeom prst="rect">
+            <a:avLst/>
+          </a:prstGeom>
+          <a:noFill/>
+        </p:spPr>
+        <p:txBody>
+          <a:bodyPr wrap="square" rtlCol="0">
+            <a:spAutoFit/>
+          </a:bodyPr>
+          <a:lstStyle/>
+          <a:p>
+            <a:r>
+              <a:rPr lang="zh-CN" altLang="en-US" sz="6000" dirty="0"/>
+              <a:t>五</a:t>
+            </a:r>
+            <a:r>
+              <a:rPr lang="en-US" altLang="zh-CN" sz="6000" dirty="0"/>
+              <a:t>.</a:t>
+            </a:r>
+            <a:r>
+              <a:rPr lang="zh-CN" altLang="en-US" sz="6000" dirty="0"/>
+              <a:t>前期工作</a:t>
+            </a:r>
+          </a:p>
+        </p:txBody>
+      </p:sp>
     </p:spTree>
     <p:extLst>
       <p:ext uri="{BB962C8B-B14F-4D97-AF65-F5344CB8AC3E}">
-        <p14:creationId xmlns:p14="http://schemas.microsoft.com/office/powerpoint/2010/main" val="3016937079"/>
+        <p14:creationId xmlns:p14="http://schemas.microsoft.com/office/powerpoint/2010/main" val="651314330"/>
       </p:ext>
     </p:extLst>
   </p:cSld>
@@ -8389,10 +9113,10 @@
       </p:sp>
       <p:sp>
         <p:nvSpPr>
-          <p:cNvPr id="3" name="文本框 2">
+          <p:cNvPr id="4" name="文本框 3">
             <a:extLst>
               <a:ext uri="{FF2B5EF4-FFF2-40B4-BE49-F238E27FC236}">
-                <a16:creationId xmlns:a16="http://schemas.microsoft.com/office/drawing/2014/main" id="{7A89C5BB-524A-1E92-BABC-CE71AD52ABF3}"/>
+                <a16:creationId xmlns:a16="http://schemas.microsoft.com/office/drawing/2014/main" id="{5E187EBF-7A07-EAE2-34E9-8A10A6B1681E}"/>
               </a:ext>
             </a:extLst>
           </p:cNvPr>
@@ -8401,8 +9125,8 @@
         </p:nvSpPr>
         <p:spPr>
           <a:xfrm>
-            <a:off x="3722945" y="2676343"/>
-            <a:ext cx="4190305" cy="1015663"/>
+            <a:off x="730826" y="1114558"/>
+            <a:ext cx="9964883" cy="4960461"/>
           </a:xfrm>
           <a:prstGeom prst="rect">
             <a:avLst/>
@@ -8416,16 +9140,196 @@
           <a:lstStyle/>
           <a:p>
             <a:r>
-              <a:rPr lang="zh-CN" altLang="en-US" sz="6000" dirty="0"/>
-              <a:t>五</a:t>
-            </a:r>
-            <a:r>
-              <a:rPr lang="en-US" altLang="zh-CN" sz="6000" dirty="0"/>
-              <a:t>.</a:t>
-            </a:r>
-            <a:r>
-              <a:rPr lang="zh-CN" altLang="en-US" sz="6000" dirty="0"/>
-              <a:t>前期工作</a:t>
+              <a:rPr lang="zh-CN" altLang="en-US" sz="3200" b="1" dirty="0"/>
+              <a:t>数据集准备与数据处理：</a:t>
+            </a:r>
+            <a:endParaRPr lang="en-US" altLang="zh-CN" sz="3200" b="1" dirty="0"/>
+          </a:p>
+          <a:p>
+            <a:pPr>
+              <a:lnSpc>
+                <a:spcPct val="150000"/>
+              </a:lnSpc>
+            </a:pPr>
+            <a:r>
+              <a:rPr lang="en-US" altLang="zh-CN" sz="2400" dirty="0"/>
+              <a:t>1.</a:t>
+            </a:r>
+            <a:r>
+              <a:rPr lang="zh-CN" altLang="en-US" sz="2400" dirty="0"/>
+              <a:t>训练集：</a:t>
+            </a:r>
+            <a:endParaRPr lang="en-US" altLang="zh-CN" sz="2400" dirty="0"/>
+          </a:p>
+          <a:p>
+            <a:pPr>
+              <a:lnSpc>
+                <a:spcPct val="150000"/>
+              </a:lnSpc>
+            </a:pPr>
+            <a:r>
+              <a:rPr lang="zh-CN" altLang="en-US" sz="2400" dirty="0"/>
+              <a:t>使用</a:t>
+            </a:r>
+            <a:r>
+              <a:rPr lang="en-US" altLang="zh-CN" sz="2400" dirty="0"/>
+              <a:t>total </a:t>
+            </a:r>
+            <a:r>
+              <a:rPr lang="en-US" altLang="zh-CN" sz="2400" dirty="0" err="1"/>
+              <a:t>sementator</a:t>
+            </a:r>
+            <a:r>
+              <a:rPr lang="zh-CN" altLang="en-US" sz="2400" dirty="0"/>
+              <a:t>数据集（</a:t>
+            </a:r>
+            <a:r>
+              <a:rPr lang="en-US" altLang="zh-CN" sz="2400" dirty="0"/>
+              <a:t>CT</a:t>
+            </a:r>
+            <a:r>
+              <a:rPr lang="zh-CN" altLang="en-US" sz="2400" dirty="0"/>
+              <a:t>）作为训练集，筛选掉非正方形的切片后，共</a:t>
+            </a:r>
+            <a:r>
+              <a:rPr lang="en-US" altLang="zh-CN" sz="2400" dirty="0"/>
+              <a:t>241442</a:t>
+            </a:r>
+            <a:r>
+              <a:rPr lang="zh-CN" altLang="en-US" sz="2400" dirty="0"/>
+              <a:t>张切片。按病例划分训练集与验证集，其中</a:t>
+            </a:r>
+            <a:r>
+              <a:rPr lang="en-US" altLang="zh-CN" sz="2400" dirty="0"/>
+              <a:t>201782</a:t>
+            </a:r>
+            <a:r>
+              <a:rPr lang="zh-CN" altLang="en-US" sz="2400" dirty="0"/>
+              <a:t>张切片作为训练集，</a:t>
+            </a:r>
+            <a:r>
+              <a:rPr lang="en-US" altLang="zh-CN" sz="2400" dirty="0"/>
+              <a:t>39360</a:t>
+            </a:r>
+            <a:r>
+              <a:rPr lang="zh-CN" altLang="en-US" sz="2400" dirty="0"/>
+              <a:t>张切片作为验证集。</a:t>
+            </a:r>
+            <a:endParaRPr lang="en-US" altLang="zh-CN" sz="2400" dirty="0"/>
+          </a:p>
+          <a:p>
+            <a:pPr>
+              <a:lnSpc>
+                <a:spcPct val="150000"/>
+              </a:lnSpc>
+            </a:pPr>
+            <a:r>
+              <a:rPr lang="en-US" altLang="zh-CN" sz="2400" dirty="0"/>
+              <a:t>2.</a:t>
+            </a:r>
+            <a:r>
+              <a:rPr lang="zh-CN" altLang="en-US" sz="2400" dirty="0"/>
+              <a:t>测试集：</a:t>
+            </a:r>
+            <a:endParaRPr lang="en-US" altLang="zh-CN" sz="2400" dirty="0"/>
+          </a:p>
+          <a:p>
+            <a:pPr>
+              <a:lnSpc>
+                <a:spcPct val="150000"/>
+              </a:lnSpc>
+            </a:pPr>
+            <a:r>
+              <a:rPr lang="zh-CN" altLang="en-US" sz="2400" dirty="0"/>
+              <a:t>使用</a:t>
+            </a:r>
+            <a:r>
+              <a:rPr lang="en-US" altLang="zh-CN" sz="2400" dirty="0"/>
+              <a:t>CHAOS</a:t>
+            </a:r>
+            <a:r>
+              <a:rPr lang="zh-CN" altLang="en-US" sz="2400" dirty="0"/>
+              <a:t>数据集的</a:t>
+            </a:r>
+            <a:r>
+              <a:rPr lang="en-US" altLang="zh-CN" sz="2400" dirty="0"/>
+              <a:t>MR</a:t>
+            </a:r>
+            <a:r>
+              <a:rPr lang="zh-CN" altLang="en-US" sz="2400" dirty="0"/>
+              <a:t>模态部分数据作为测试集，该数据集含有肝、肾、脾的分割标准，包括</a:t>
+            </a:r>
+            <a:r>
+              <a:rPr lang="en-US" altLang="zh-CN" sz="2400" dirty="0"/>
+              <a:t>T1_in, T1_out</a:t>
+            </a:r>
+            <a:r>
+              <a:rPr lang="zh-CN" altLang="en-US" sz="2400" dirty="0"/>
+              <a:t>和</a:t>
+            </a:r>
+            <a:r>
+              <a:rPr lang="en-US" altLang="zh-CN" sz="2400" dirty="0"/>
+              <a:t>T2</a:t>
+            </a:r>
+            <a:r>
+              <a:rPr lang="zh-CN" altLang="en-US" sz="2400" dirty="0"/>
+              <a:t>三个</a:t>
+            </a:r>
+            <a:r>
+              <a:rPr lang="en-US" altLang="zh-CN" sz="2400" dirty="0"/>
+              <a:t>MR</a:t>
+            </a:r>
+            <a:r>
+              <a:rPr lang="zh-CN" altLang="en-US" sz="2400" dirty="0"/>
+              <a:t>序列。处理后</a:t>
+            </a:r>
+            <a:r>
+              <a:rPr lang="en-US" altLang="zh-CN" sz="2400" dirty="0"/>
+              <a:t>T1_in</a:t>
+            </a:r>
+            <a:r>
+              <a:rPr lang="zh-CN" altLang="en-US" sz="2400" dirty="0"/>
+              <a:t>序列</a:t>
+            </a:r>
+            <a:r>
+              <a:rPr lang="en-US" altLang="zh-CN" sz="2400" dirty="0"/>
+              <a:t>647</a:t>
+            </a:r>
+            <a:r>
+              <a:rPr lang="zh-CN" altLang="en-US" sz="2400" dirty="0"/>
+              <a:t>张切片，</a:t>
+            </a:r>
+            <a:r>
+              <a:rPr lang="en-US" altLang="zh-CN" sz="2400" dirty="0"/>
+              <a:t>T1_out</a:t>
+            </a:r>
+            <a:r>
+              <a:rPr lang="zh-CN" altLang="en-US" sz="2400" dirty="0"/>
+              <a:t>序列</a:t>
+            </a:r>
+            <a:r>
+              <a:rPr lang="en-US" altLang="zh-CN" sz="2400" dirty="0"/>
+              <a:t>647</a:t>
+            </a:r>
+            <a:r>
+              <a:rPr lang="zh-CN" altLang="en-US" sz="2400" dirty="0"/>
+              <a:t>张切片，</a:t>
+            </a:r>
+            <a:r>
+              <a:rPr lang="en-US" altLang="zh-CN" sz="2400" dirty="0"/>
+              <a:t>T2</a:t>
+            </a:r>
+            <a:r>
+              <a:rPr lang="zh-CN" altLang="en-US" sz="2400" dirty="0"/>
+              <a:t>序列</a:t>
+            </a:r>
+            <a:r>
+              <a:rPr lang="en-US" altLang="zh-CN" sz="2400" dirty="0"/>
+              <a:t>623</a:t>
+            </a:r>
+            <a:r>
+              <a:rPr lang="zh-CN" altLang="en-US" sz="2400" dirty="0"/>
+              <a:t>张切片</a:t>
             </a:r>
           </a:p>
         </p:txBody>
@@ -8433,7 +9337,7 @@
     </p:spTree>
     <p:extLst>
       <p:ext uri="{BB962C8B-B14F-4D97-AF65-F5344CB8AC3E}">
-        <p14:creationId xmlns:p14="http://schemas.microsoft.com/office/powerpoint/2010/main" val="651314330"/>
+        <p14:creationId xmlns:p14="http://schemas.microsoft.com/office/powerpoint/2010/main" val="1773198984"/>
       </p:ext>
     </p:extLst>
   </p:cSld>
@@ -8655,233 +9559,3400 @@
           </a:p>
         </p:txBody>
       </p:sp>
-      <p:sp>
-        <p:nvSpPr>
-          <p:cNvPr id="4" name="文本框 3">
+      <p:graphicFrame>
+        <p:nvGraphicFramePr>
+          <p:cNvPr id="4" name="表格 3">
             <a:extLst>
               <a:ext uri="{FF2B5EF4-FFF2-40B4-BE49-F238E27FC236}">
-                <a16:creationId xmlns:a16="http://schemas.microsoft.com/office/drawing/2014/main" id="{5E187EBF-7A07-EAE2-34E9-8A10A6B1681E}"/>
+                <a16:creationId xmlns:a16="http://schemas.microsoft.com/office/drawing/2014/main" id="{7086AFE6-EFF8-71AD-78FF-3D6A716018DA}"/>
               </a:ext>
             </a:extLst>
           </p:cNvPr>
-          <p:cNvSpPr txBox="1"/>
-          <p:nvPr/>
-        </p:nvSpPr>
-        <p:spPr>
-          <a:xfrm>
-            <a:off x="730826" y="1114558"/>
-            <a:ext cx="9964883" cy="4960461"/>
-          </a:xfrm>
-          <a:prstGeom prst="rect">
-            <a:avLst/>
-          </a:prstGeom>
-          <a:noFill/>
-        </p:spPr>
-        <p:txBody>
-          <a:bodyPr wrap="square" rtlCol="0">
-            <a:spAutoFit/>
-          </a:bodyPr>
-          <a:lstStyle/>
-          <a:p>
-            <a:r>
-              <a:rPr lang="zh-CN" altLang="en-US" sz="3200" b="1" dirty="0"/>
-              <a:t>数据集准备与数据处理：</a:t>
-            </a:r>
-            <a:endParaRPr lang="en-US" altLang="zh-CN" sz="3200" b="1" dirty="0"/>
-          </a:p>
-          <a:p>
-            <a:pPr>
-              <a:lnSpc>
-                <a:spcPct val="150000"/>
-              </a:lnSpc>
-            </a:pPr>
-            <a:r>
-              <a:rPr lang="en-US" altLang="zh-CN" sz="2400" dirty="0"/>
-              <a:t>1.</a:t>
-            </a:r>
-            <a:r>
-              <a:rPr lang="zh-CN" altLang="en-US" sz="2400" dirty="0"/>
-              <a:t>训练集：</a:t>
-            </a:r>
-            <a:endParaRPr lang="en-US" altLang="zh-CN" sz="2400" dirty="0"/>
-          </a:p>
-          <a:p>
-            <a:pPr>
-              <a:lnSpc>
-                <a:spcPct val="150000"/>
-              </a:lnSpc>
-            </a:pPr>
-            <a:r>
-              <a:rPr lang="zh-CN" altLang="en-US" sz="2400" dirty="0"/>
-              <a:t>使用</a:t>
-            </a:r>
-            <a:r>
-              <a:rPr lang="en-US" altLang="zh-CN" sz="2400" dirty="0"/>
-              <a:t>total </a:t>
-            </a:r>
-            <a:r>
-              <a:rPr lang="en-US" altLang="zh-CN" sz="2400" dirty="0" err="1"/>
-              <a:t>sementator</a:t>
-            </a:r>
-            <a:r>
-              <a:rPr lang="zh-CN" altLang="en-US" sz="2400" dirty="0"/>
-              <a:t>数据集（</a:t>
-            </a:r>
-            <a:r>
-              <a:rPr lang="en-US" altLang="zh-CN" sz="2400" dirty="0"/>
-              <a:t>CT</a:t>
-            </a:r>
-            <a:r>
-              <a:rPr lang="zh-CN" altLang="en-US" sz="2400" dirty="0"/>
-              <a:t>）作为训练集，筛选掉非正方形的切片后，共</a:t>
-            </a:r>
-            <a:r>
-              <a:rPr lang="en-US" altLang="zh-CN" sz="2400" dirty="0"/>
-              <a:t>241442</a:t>
-            </a:r>
-            <a:r>
-              <a:rPr lang="zh-CN" altLang="en-US" sz="2400" dirty="0"/>
-              <a:t>张切片。按病例划分训练集与验证集，其中</a:t>
-            </a:r>
-            <a:r>
-              <a:rPr lang="en-US" altLang="zh-CN" sz="2400" dirty="0"/>
-              <a:t>201782</a:t>
-            </a:r>
-            <a:r>
-              <a:rPr lang="zh-CN" altLang="en-US" sz="2400" dirty="0"/>
-              <a:t>张切片作为训练集，</a:t>
-            </a:r>
-            <a:r>
-              <a:rPr lang="en-US" altLang="zh-CN" sz="2400" dirty="0"/>
-              <a:t>39360</a:t>
-            </a:r>
-            <a:r>
-              <a:rPr lang="zh-CN" altLang="en-US" sz="2400" dirty="0"/>
-              <a:t>张切片作为验证集。</a:t>
-            </a:r>
-            <a:endParaRPr lang="en-US" altLang="zh-CN" sz="2400" dirty="0"/>
-          </a:p>
-          <a:p>
-            <a:pPr>
-              <a:lnSpc>
-                <a:spcPct val="150000"/>
-              </a:lnSpc>
-            </a:pPr>
-            <a:r>
-              <a:rPr lang="en-US" altLang="zh-CN" sz="2400" dirty="0"/>
-              <a:t>2.</a:t>
-            </a:r>
-            <a:r>
-              <a:rPr lang="zh-CN" altLang="en-US" sz="2400" dirty="0"/>
-              <a:t>测试集：</a:t>
-            </a:r>
-            <a:endParaRPr lang="en-US" altLang="zh-CN" sz="2400" dirty="0"/>
-          </a:p>
-          <a:p>
-            <a:pPr>
-              <a:lnSpc>
-                <a:spcPct val="150000"/>
-              </a:lnSpc>
-            </a:pPr>
-            <a:r>
-              <a:rPr lang="zh-CN" altLang="en-US" sz="2400" dirty="0"/>
-              <a:t>使用</a:t>
-            </a:r>
-            <a:r>
-              <a:rPr lang="en-US" altLang="zh-CN" sz="2400" dirty="0"/>
-              <a:t>CHAOS</a:t>
-            </a:r>
-            <a:r>
-              <a:rPr lang="zh-CN" altLang="en-US" sz="2400" dirty="0"/>
-              <a:t>数据集的</a:t>
-            </a:r>
-            <a:r>
-              <a:rPr lang="en-US" altLang="zh-CN" sz="2400" dirty="0"/>
-              <a:t>MR</a:t>
-            </a:r>
-            <a:r>
-              <a:rPr lang="zh-CN" altLang="en-US" sz="2400" dirty="0"/>
-              <a:t>模态部分数据作为测试集，该数据集含有肝、肾、脾的分割标准，包括</a:t>
-            </a:r>
-            <a:r>
-              <a:rPr lang="en-US" altLang="zh-CN" sz="2400" dirty="0"/>
-              <a:t>T1_in, T1_out</a:t>
-            </a:r>
-            <a:r>
-              <a:rPr lang="zh-CN" altLang="en-US" sz="2400" dirty="0"/>
-              <a:t>和</a:t>
-            </a:r>
-            <a:r>
-              <a:rPr lang="en-US" altLang="zh-CN" sz="2400" dirty="0"/>
-              <a:t>T2</a:t>
-            </a:r>
-            <a:r>
-              <a:rPr lang="zh-CN" altLang="en-US" sz="2400" dirty="0"/>
-              <a:t>三个</a:t>
-            </a:r>
-            <a:r>
-              <a:rPr lang="en-US" altLang="zh-CN" sz="2400" dirty="0"/>
-              <a:t>MR</a:t>
-            </a:r>
-            <a:r>
-              <a:rPr lang="zh-CN" altLang="en-US" sz="2400" dirty="0"/>
-              <a:t>序列。处理后</a:t>
-            </a:r>
-            <a:r>
-              <a:rPr lang="en-US" altLang="zh-CN" sz="2400" dirty="0"/>
-              <a:t>T1_in</a:t>
-            </a:r>
-            <a:r>
-              <a:rPr lang="zh-CN" altLang="en-US" sz="2400" dirty="0"/>
-              <a:t>序列</a:t>
-            </a:r>
-            <a:r>
-              <a:rPr lang="en-US" altLang="zh-CN" sz="2400" dirty="0"/>
-              <a:t>647</a:t>
-            </a:r>
-            <a:r>
-              <a:rPr lang="zh-CN" altLang="en-US" sz="2400" dirty="0"/>
-              <a:t>张切片，</a:t>
-            </a:r>
-            <a:r>
-              <a:rPr lang="en-US" altLang="zh-CN" sz="2400" dirty="0"/>
-              <a:t>T1_out</a:t>
-            </a:r>
-            <a:r>
-              <a:rPr lang="zh-CN" altLang="en-US" sz="2400" dirty="0"/>
-              <a:t>序列</a:t>
-            </a:r>
-            <a:r>
-              <a:rPr lang="en-US" altLang="zh-CN" sz="2400" dirty="0"/>
-              <a:t>647</a:t>
-            </a:r>
-            <a:r>
-              <a:rPr lang="zh-CN" altLang="en-US" sz="2400" dirty="0"/>
-              <a:t>张切片，</a:t>
-            </a:r>
-            <a:r>
-              <a:rPr lang="en-US" altLang="zh-CN" sz="2400" dirty="0"/>
-              <a:t>T2</a:t>
-            </a:r>
-            <a:r>
-              <a:rPr lang="zh-CN" altLang="en-US" sz="2400" dirty="0"/>
-              <a:t>序列</a:t>
-            </a:r>
-            <a:r>
-              <a:rPr lang="en-US" altLang="zh-CN" sz="2400" dirty="0"/>
-              <a:t>623</a:t>
-            </a:r>
-            <a:r>
-              <a:rPr lang="zh-CN" altLang="en-US" sz="2400" dirty="0"/>
-              <a:t>张切片</a:t>
-            </a:r>
-          </a:p>
-        </p:txBody>
-      </p:sp>
+          <p:cNvGraphicFramePr>
+            <a:graphicFrameLocks noGrp="1"/>
+          </p:cNvGraphicFramePr>
+          <p:nvPr>
+            <p:extLst>
+              <p:ext uri="{D42A27DB-BD31-4B8C-83A1-F6EECF244321}">
+                <p14:modId xmlns:p14="http://schemas.microsoft.com/office/powerpoint/2010/main" val="549380860"/>
+              </p:ext>
+            </p:extLst>
+          </p:nvPr>
+        </p:nvGraphicFramePr>
+        <p:xfrm>
+          <a:off x="387386" y="905688"/>
+          <a:ext cx="10149985" cy="5904436"/>
+        </p:xfrm>
+        <a:graphic>
+          <a:graphicData uri="http://schemas.openxmlformats.org/drawingml/2006/table">
+            <a:tbl>
+              <a:tblPr>
+                <a:tableStyleId>{5C22544A-7EE6-4342-B048-85BDC9FD1C3A}</a:tableStyleId>
+              </a:tblPr>
+              <a:tblGrid>
+                <a:gridCol w="1898614">
+                  <a:extLst>
+                    <a:ext uri="{9D8B030D-6E8A-4147-A177-3AD203B41FA5}">
+                      <a16:colId xmlns:a16="http://schemas.microsoft.com/office/drawing/2014/main" val="1846116592"/>
+                    </a:ext>
+                  </a:extLst>
+                </a:gridCol>
+                <a:gridCol w="1676400">
+                  <a:extLst>
+                    <a:ext uri="{9D8B030D-6E8A-4147-A177-3AD203B41FA5}">
+                      <a16:colId xmlns:a16="http://schemas.microsoft.com/office/drawing/2014/main" val="531732756"/>
+                    </a:ext>
+                  </a:extLst>
+                </a:gridCol>
+                <a:gridCol w="1001486">
+                  <a:extLst>
+                    <a:ext uri="{9D8B030D-6E8A-4147-A177-3AD203B41FA5}">
+                      <a16:colId xmlns:a16="http://schemas.microsoft.com/office/drawing/2014/main" val="763298744"/>
+                    </a:ext>
+                  </a:extLst>
+                </a:gridCol>
+                <a:gridCol w="1012371">
+                  <a:extLst>
+                    <a:ext uri="{9D8B030D-6E8A-4147-A177-3AD203B41FA5}">
+                      <a16:colId xmlns:a16="http://schemas.microsoft.com/office/drawing/2014/main" val="1947301579"/>
+                    </a:ext>
+                  </a:extLst>
+                </a:gridCol>
+                <a:gridCol w="1153886">
+                  <a:extLst>
+                    <a:ext uri="{9D8B030D-6E8A-4147-A177-3AD203B41FA5}">
+                      <a16:colId xmlns:a16="http://schemas.microsoft.com/office/drawing/2014/main" val="2101050746"/>
+                    </a:ext>
+                  </a:extLst>
+                </a:gridCol>
+                <a:gridCol w="1186543">
+                  <a:extLst>
+                    <a:ext uri="{9D8B030D-6E8A-4147-A177-3AD203B41FA5}">
+                      <a16:colId xmlns:a16="http://schemas.microsoft.com/office/drawing/2014/main" val="4259091988"/>
+                    </a:ext>
+                  </a:extLst>
+                </a:gridCol>
+                <a:gridCol w="1066800">
+                  <a:extLst>
+                    <a:ext uri="{9D8B030D-6E8A-4147-A177-3AD203B41FA5}">
+                      <a16:colId xmlns:a16="http://schemas.microsoft.com/office/drawing/2014/main" val="1830618381"/>
+                    </a:ext>
+                  </a:extLst>
+                </a:gridCol>
+                <a:gridCol w="1153885">
+                  <a:extLst>
+                    <a:ext uri="{9D8B030D-6E8A-4147-A177-3AD203B41FA5}">
+                      <a16:colId xmlns:a16="http://schemas.microsoft.com/office/drawing/2014/main" val="4264783808"/>
+                    </a:ext>
+                  </a:extLst>
+                </a:gridCol>
+              </a:tblGrid>
+              <a:tr h="51097">
+                <a:tc>
+                  <a:txBody>
+                    <a:bodyPr/>
+                    <a:lstStyle/>
+                    <a:p>
+                      <a:pPr algn="l" rtl="0" fontAlgn="ctr">
+                        <a:lnSpc>
+                          <a:spcPct val="150000"/>
+                        </a:lnSpc>
+                      </a:pPr>
+                      <a:r>
+                        <a:rPr lang="en-US" sz="1800" b="1" u="none" strike="noStrike" dirty="0">
+                          <a:solidFill>
+                            <a:schemeClr val="bg1"/>
+                          </a:solidFill>
+                          <a:effectLst/>
+                        </a:rPr>
+                        <a:t>Flip</a:t>
+                      </a:r>
+                      <a:endParaRPr lang="en-US" sz="1800" b="1" i="0" u="none" strike="noStrike" dirty="0">
+                        <a:solidFill>
+                          <a:schemeClr val="bg1"/>
+                        </a:solidFill>
+                        <a:effectLst/>
+                        <a:latin typeface="Times New Roman" panose="02020603050405020304" pitchFamily="18" charset="0"/>
+                        <a:ea typeface="等线" panose="02010600030101010101" pitchFamily="2" charset="-122"/>
+                      </a:endParaRPr>
+                    </a:p>
+                  </a:txBody>
+                  <a:tcPr marL="9318" marR="9318" marT="9318" marB="0" anchor="ctr">
+                    <a:solidFill>
+                      <a:schemeClr val="accent1"/>
+                    </a:solidFill>
+                  </a:tcPr>
+                </a:tc>
+                <a:tc rowSpan="2">
+                  <a:txBody>
+                    <a:bodyPr/>
+                    <a:lstStyle/>
+                    <a:p>
+                      <a:pPr algn="ctr" fontAlgn="t">
+                        <a:lnSpc>
+                          <a:spcPct val="150000"/>
+                        </a:lnSpc>
+                      </a:pPr>
+                      <a:r>
+                        <a:rPr lang="zh-CN" altLang="en-US" sz="1800" b="1" u="none" strike="noStrike" dirty="0">
+                          <a:solidFill>
+                            <a:schemeClr val="bg1"/>
+                          </a:solidFill>
+                          <a:effectLst/>
+                        </a:rPr>
+                        <a:t>　</a:t>
+                      </a:r>
+                    </a:p>
+                    <a:p>
+                      <a:pPr algn="ctr" fontAlgn="t">
+                        <a:lnSpc>
+                          <a:spcPct val="150000"/>
+                        </a:lnSpc>
+                      </a:pPr>
+                      <a:r>
+                        <a:rPr lang="zh-CN" altLang="en-US" sz="1800" b="1" u="none" strike="noStrike" dirty="0">
+                          <a:solidFill>
+                            <a:schemeClr val="bg1"/>
+                          </a:solidFill>
+                          <a:effectLst/>
+                        </a:rPr>
+                        <a:t>　</a:t>
+                      </a:r>
+                      <a:r>
+                        <a:rPr lang="en-US" altLang="zh-CN" sz="1800" b="1" u="none" strike="noStrike" dirty="0">
+                          <a:solidFill>
+                            <a:schemeClr val="bg1"/>
+                          </a:solidFill>
+                          <a:effectLst/>
+                        </a:rPr>
+                        <a:t>acc</a:t>
+                      </a:r>
+                      <a:endParaRPr lang="zh-CN" altLang="en-US" sz="1800" b="1" i="0" u="none" strike="noStrike" dirty="0">
+                        <a:solidFill>
+                          <a:schemeClr val="bg1"/>
+                        </a:solidFill>
+                        <a:effectLst/>
+                        <a:latin typeface="Times New Roman" panose="02020603050405020304" pitchFamily="18" charset="0"/>
+                        <a:ea typeface="等线" panose="02010600030101010101" pitchFamily="2" charset="-122"/>
+                      </a:endParaRPr>
+                    </a:p>
+                  </a:txBody>
+                  <a:tcPr marL="9318" marR="9318" marT="9318" marB="0">
+                    <a:solidFill>
+                      <a:schemeClr val="accent1"/>
+                    </a:solidFill>
+                  </a:tcPr>
+                </a:tc>
+                <a:tc>
+                  <a:txBody>
+                    <a:bodyPr/>
+                    <a:lstStyle/>
+                    <a:p>
+                      <a:pPr algn="l" rtl="0" fontAlgn="ctr">
+                        <a:lnSpc>
+                          <a:spcPct val="150000"/>
+                        </a:lnSpc>
+                      </a:pPr>
+                      <a:r>
+                        <a:rPr lang="zh-CN" altLang="en-US" sz="1800" b="1" u="none" strike="noStrike" dirty="0">
+                          <a:solidFill>
+                            <a:schemeClr val="bg1"/>
+                          </a:solidFill>
+                          <a:effectLst/>
+                        </a:rPr>
+                        <a:t>无</a:t>
+                      </a:r>
+                      <a:endParaRPr lang="zh-CN" altLang="en-US" sz="1800" b="1" i="0" u="none" strike="noStrike" dirty="0">
+                        <a:solidFill>
+                          <a:schemeClr val="bg1"/>
+                        </a:solidFill>
+                        <a:effectLst/>
+                        <a:latin typeface="Times New Roman" panose="02020603050405020304" pitchFamily="18" charset="0"/>
+                        <a:ea typeface="等线" panose="02010600030101010101" pitchFamily="2" charset="-122"/>
+                      </a:endParaRPr>
+                    </a:p>
+                  </a:txBody>
+                  <a:tcPr marL="9318" marR="9318" marT="9318" marB="0" anchor="ctr">
+                    <a:solidFill>
+                      <a:schemeClr val="accent1"/>
+                    </a:solidFill>
+                  </a:tcPr>
+                </a:tc>
+                <a:tc>
+                  <a:txBody>
+                    <a:bodyPr/>
+                    <a:lstStyle/>
+                    <a:p>
+                      <a:pPr algn="l" rtl="0" fontAlgn="ctr">
+                        <a:lnSpc>
+                          <a:spcPct val="150000"/>
+                        </a:lnSpc>
+                      </a:pPr>
+                      <a:r>
+                        <a:rPr lang="zh-CN" altLang="en-US" sz="1800" b="1" u="none" strike="noStrike" dirty="0">
+                          <a:solidFill>
+                            <a:schemeClr val="bg1"/>
+                          </a:solidFill>
+                          <a:effectLst/>
+                        </a:rPr>
+                        <a:t>有</a:t>
+                      </a:r>
+                      <a:endParaRPr lang="zh-CN" altLang="en-US" sz="1800" b="1" i="0" u="none" strike="noStrike" dirty="0">
+                        <a:solidFill>
+                          <a:schemeClr val="bg1"/>
+                        </a:solidFill>
+                        <a:effectLst/>
+                        <a:latin typeface="Times New Roman" panose="02020603050405020304" pitchFamily="18" charset="0"/>
+                        <a:ea typeface="等线" panose="02010600030101010101" pitchFamily="2" charset="-122"/>
+                      </a:endParaRPr>
+                    </a:p>
+                  </a:txBody>
+                  <a:tcPr marL="9318" marR="9318" marT="9318" marB="0" anchor="ctr">
+                    <a:solidFill>
+                      <a:schemeClr val="accent1"/>
+                    </a:solidFill>
+                  </a:tcPr>
+                </a:tc>
+                <a:tc>
+                  <a:txBody>
+                    <a:bodyPr/>
+                    <a:lstStyle/>
+                    <a:p>
+                      <a:pPr algn="l" rtl="0" fontAlgn="ctr">
+                        <a:lnSpc>
+                          <a:spcPct val="150000"/>
+                        </a:lnSpc>
+                      </a:pPr>
+                      <a:r>
+                        <a:rPr lang="zh-CN" altLang="en-US" sz="1800" b="1" u="none" strike="noStrike" dirty="0">
+                          <a:solidFill>
+                            <a:schemeClr val="bg1"/>
+                          </a:solidFill>
+                          <a:effectLst/>
+                        </a:rPr>
+                        <a:t>无</a:t>
+                      </a:r>
+                      <a:endParaRPr lang="zh-CN" altLang="en-US" sz="1800" b="1" i="0" u="none" strike="noStrike" dirty="0">
+                        <a:solidFill>
+                          <a:schemeClr val="bg1"/>
+                        </a:solidFill>
+                        <a:effectLst/>
+                        <a:latin typeface="Times New Roman" panose="02020603050405020304" pitchFamily="18" charset="0"/>
+                        <a:ea typeface="等线" panose="02010600030101010101" pitchFamily="2" charset="-122"/>
+                      </a:endParaRPr>
+                    </a:p>
+                  </a:txBody>
+                  <a:tcPr marL="9318" marR="9318" marT="9318" marB="0" anchor="ctr">
+                    <a:solidFill>
+                      <a:schemeClr val="accent1"/>
+                    </a:solidFill>
+                  </a:tcPr>
+                </a:tc>
+                <a:tc>
+                  <a:txBody>
+                    <a:bodyPr/>
+                    <a:lstStyle/>
+                    <a:p>
+                      <a:pPr algn="l" rtl="0" fontAlgn="ctr">
+                        <a:lnSpc>
+                          <a:spcPct val="150000"/>
+                        </a:lnSpc>
+                      </a:pPr>
+                      <a:r>
+                        <a:rPr lang="zh-CN" altLang="en-US" sz="1800" b="1" u="none" strike="noStrike" dirty="0">
+                          <a:solidFill>
+                            <a:schemeClr val="bg1"/>
+                          </a:solidFill>
+                          <a:effectLst/>
+                        </a:rPr>
+                        <a:t>无</a:t>
+                      </a:r>
+                      <a:endParaRPr lang="zh-CN" altLang="en-US" sz="1800" b="1" i="0" u="none" strike="noStrike" dirty="0">
+                        <a:solidFill>
+                          <a:schemeClr val="bg1"/>
+                        </a:solidFill>
+                        <a:effectLst/>
+                        <a:latin typeface="Times New Roman" panose="02020603050405020304" pitchFamily="18" charset="0"/>
+                        <a:ea typeface="等线" panose="02010600030101010101" pitchFamily="2" charset="-122"/>
+                      </a:endParaRPr>
+                    </a:p>
+                  </a:txBody>
+                  <a:tcPr marL="9318" marR="9318" marT="9318" marB="0" anchor="ctr">
+                    <a:solidFill>
+                      <a:schemeClr val="accent1"/>
+                    </a:solidFill>
+                  </a:tcPr>
+                </a:tc>
+                <a:tc>
+                  <a:txBody>
+                    <a:bodyPr/>
+                    <a:lstStyle/>
+                    <a:p>
+                      <a:pPr algn="l" rtl="0" fontAlgn="ctr">
+                        <a:lnSpc>
+                          <a:spcPct val="150000"/>
+                        </a:lnSpc>
+                      </a:pPr>
+                      <a:r>
+                        <a:rPr lang="zh-CN" altLang="en-US" sz="1800" b="1" u="none" strike="noStrike" dirty="0">
+                          <a:solidFill>
+                            <a:schemeClr val="bg1"/>
+                          </a:solidFill>
+                          <a:effectLst/>
+                        </a:rPr>
+                        <a:t>无</a:t>
+                      </a:r>
+                      <a:endParaRPr lang="zh-CN" altLang="en-US" sz="1800" b="1" i="0" u="none" strike="noStrike" dirty="0">
+                        <a:solidFill>
+                          <a:schemeClr val="bg1"/>
+                        </a:solidFill>
+                        <a:effectLst/>
+                        <a:latin typeface="Times New Roman" panose="02020603050405020304" pitchFamily="18" charset="0"/>
+                        <a:ea typeface="等线" panose="02010600030101010101" pitchFamily="2" charset="-122"/>
+                      </a:endParaRPr>
+                    </a:p>
+                  </a:txBody>
+                  <a:tcPr marL="9318" marR="9318" marT="9318" marB="0" anchor="ctr">
+                    <a:solidFill>
+                      <a:schemeClr val="accent1"/>
+                    </a:solidFill>
+                  </a:tcPr>
+                </a:tc>
+                <a:tc>
+                  <a:txBody>
+                    <a:bodyPr/>
+                    <a:lstStyle/>
+                    <a:p>
+                      <a:pPr algn="l" rtl="0" fontAlgn="ctr">
+                        <a:lnSpc>
+                          <a:spcPct val="150000"/>
+                        </a:lnSpc>
+                      </a:pPr>
+                      <a:r>
+                        <a:rPr lang="zh-CN" altLang="en-US" sz="1800" b="1" u="none" strike="noStrike" dirty="0">
+                          <a:solidFill>
+                            <a:schemeClr val="bg1"/>
+                          </a:solidFill>
+                          <a:effectLst/>
+                        </a:rPr>
+                        <a:t>无</a:t>
+                      </a:r>
+                      <a:endParaRPr lang="zh-CN" altLang="en-US" sz="1800" b="1" i="0" u="none" strike="noStrike" dirty="0">
+                        <a:solidFill>
+                          <a:schemeClr val="bg1"/>
+                        </a:solidFill>
+                        <a:effectLst/>
+                        <a:latin typeface="Times New Roman" panose="02020603050405020304" pitchFamily="18" charset="0"/>
+                        <a:ea typeface="等线" panose="02010600030101010101" pitchFamily="2" charset="-122"/>
+                      </a:endParaRPr>
+                    </a:p>
+                  </a:txBody>
+                  <a:tcPr marL="9318" marR="9318" marT="9318" marB="0" anchor="ctr">
+                    <a:solidFill>
+                      <a:schemeClr val="accent1"/>
+                    </a:solidFill>
+                  </a:tcPr>
+                </a:tc>
+                <a:extLst>
+                  <a:ext uri="{0D108BD9-81ED-4DB2-BD59-A6C34878D82A}">
+                    <a16:rowId xmlns:a16="http://schemas.microsoft.com/office/drawing/2014/main" val="4007906548"/>
+                  </a:ext>
+                </a:extLst>
+              </a:tr>
+              <a:tr h="434062">
+                <a:tc>
+                  <a:txBody>
+                    <a:bodyPr/>
+                    <a:lstStyle/>
+                    <a:p>
+                      <a:pPr algn="l" rtl="0" fontAlgn="ctr">
+                        <a:lnSpc>
+                          <a:spcPct val="150000"/>
+                        </a:lnSpc>
+                      </a:pPr>
+                      <a:r>
+                        <a:rPr lang="en-US" sz="1800" b="1" u="none" strike="noStrike" dirty="0">
+                          <a:solidFill>
+                            <a:schemeClr val="bg1"/>
+                          </a:solidFill>
+                          <a:effectLst/>
+                        </a:rPr>
+                        <a:t>Shuffle remap</a:t>
+                      </a:r>
+                      <a:endParaRPr lang="en-US" sz="1800" b="1" i="0" u="none" strike="noStrike" dirty="0">
+                        <a:solidFill>
+                          <a:schemeClr val="bg1"/>
+                        </a:solidFill>
+                        <a:effectLst/>
+                        <a:latin typeface="Times New Roman" panose="02020603050405020304" pitchFamily="18" charset="0"/>
+                        <a:ea typeface="等线" panose="02010600030101010101" pitchFamily="2" charset="-122"/>
+                      </a:endParaRPr>
+                    </a:p>
+                  </a:txBody>
+                  <a:tcPr marL="9318" marR="9318" marT="9318" marB="0" anchor="ctr">
+                    <a:solidFill>
+                      <a:schemeClr val="accent1"/>
+                    </a:solidFill>
+                  </a:tcPr>
+                </a:tc>
+                <a:tc vMerge="1">
+                  <a:txBody>
+                    <a:bodyPr/>
+                    <a:lstStyle/>
+                    <a:p>
+                      <a:pPr algn="l" fontAlgn="t">
+                        <a:lnSpc>
+                          <a:spcPct val="150000"/>
+                        </a:lnSpc>
+                      </a:pPr>
+                      <a:r>
+                        <a:rPr lang="zh-CN" altLang="en-US" sz="1800" u="none" strike="noStrike" dirty="0">
+                          <a:effectLst/>
+                        </a:rPr>
+                        <a:t>　</a:t>
+                      </a:r>
+                      <a:endParaRPr lang="zh-CN" altLang="en-US" sz="1800" b="0" i="0" u="none" strike="noStrike" dirty="0">
+                        <a:solidFill>
+                          <a:srgbClr val="000000"/>
+                        </a:solidFill>
+                        <a:effectLst/>
+                        <a:latin typeface="Times New Roman" panose="02020603050405020304" pitchFamily="18" charset="0"/>
+                        <a:ea typeface="等线" panose="02010600030101010101" pitchFamily="2" charset="-122"/>
+                      </a:endParaRPr>
+                    </a:p>
+                  </a:txBody>
+                  <a:tcPr marL="9318" marR="9318" marT="9318" marB="0"/>
+                </a:tc>
+                <a:tc>
+                  <a:txBody>
+                    <a:bodyPr/>
+                    <a:lstStyle/>
+                    <a:p>
+                      <a:pPr algn="l" rtl="0" fontAlgn="ctr">
+                        <a:lnSpc>
+                          <a:spcPct val="150000"/>
+                        </a:lnSpc>
+                      </a:pPr>
+                      <a:r>
+                        <a:rPr lang="zh-CN" altLang="en-US" sz="1800" b="1" u="none" strike="noStrike" dirty="0">
+                          <a:solidFill>
+                            <a:schemeClr val="bg1"/>
+                          </a:solidFill>
+                          <a:effectLst/>
+                        </a:rPr>
+                        <a:t>无</a:t>
+                      </a:r>
+                      <a:endParaRPr lang="zh-CN" altLang="en-US" sz="1800" b="1" i="0" u="none" strike="noStrike" dirty="0">
+                        <a:solidFill>
+                          <a:schemeClr val="bg1"/>
+                        </a:solidFill>
+                        <a:effectLst/>
+                        <a:latin typeface="Times New Roman" panose="02020603050405020304" pitchFamily="18" charset="0"/>
+                        <a:ea typeface="等线" panose="02010600030101010101" pitchFamily="2" charset="-122"/>
+                      </a:endParaRPr>
+                    </a:p>
+                  </a:txBody>
+                  <a:tcPr marL="9318" marR="9318" marT="9318" marB="0" anchor="ctr">
+                    <a:solidFill>
+                      <a:schemeClr val="accent1"/>
+                    </a:solidFill>
+                  </a:tcPr>
+                </a:tc>
+                <a:tc>
+                  <a:txBody>
+                    <a:bodyPr/>
+                    <a:lstStyle/>
+                    <a:p>
+                      <a:pPr algn="l" rtl="0" fontAlgn="ctr">
+                        <a:lnSpc>
+                          <a:spcPct val="150000"/>
+                        </a:lnSpc>
+                      </a:pPr>
+                      <a:r>
+                        <a:rPr lang="zh-CN" altLang="en-US" sz="1800" b="1" u="none" strike="noStrike" dirty="0">
+                          <a:solidFill>
+                            <a:schemeClr val="bg1"/>
+                          </a:solidFill>
+                          <a:effectLst/>
+                        </a:rPr>
+                        <a:t>无</a:t>
+                      </a:r>
+                      <a:endParaRPr lang="zh-CN" altLang="en-US" sz="1800" b="1" i="0" u="none" strike="noStrike" dirty="0">
+                        <a:solidFill>
+                          <a:schemeClr val="bg1"/>
+                        </a:solidFill>
+                        <a:effectLst/>
+                        <a:latin typeface="Times New Roman" panose="02020603050405020304" pitchFamily="18" charset="0"/>
+                        <a:ea typeface="等线" panose="02010600030101010101" pitchFamily="2" charset="-122"/>
+                      </a:endParaRPr>
+                    </a:p>
+                  </a:txBody>
+                  <a:tcPr marL="9318" marR="9318" marT="9318" marB="0" anchor="ctr">
+                    <a:solidFill>
+                      <a:schemeClr val="accent1"/>
+                    </a:solidFill>
+                  </a:tcPr>
+                </a:tc>
+                <a:tc>
+                  <a:txBody>
+                    <a:bodyPr/>
+                    <a:lstStyle/>
+                    <a:p>
+                      <a:pPr algn="l" rtl="0" fontAlgn="ctr">
+                        <a:lnSpc>
+                          <a:spcPct val="150000"/>
+                        </a:lnSpc>
+                      </a:pPr>
+                      <a:r>
+                        <a:rPr lang="en-US" altLang="zh-CN" sz="1800" b="1" u="none" strike="noStrike" dirty="0">
+                          <a:solidFill>
+                            <a:schemeClr val="bg1"/>
+                          </a:solidFill>
+                          <a:effectLst/>
+                        </a:rPr>
+                        <a:t>0.5,[2, 5]</a:t>
+                      </a:r>
+                      <a:endParaRPr lang="en-US" altLang="zh-CN" sz="1800" b="1" i="0" u="none" strike="noStrike" dirty="0">
+                        <a:solidFill>
+                          <a:schemeClr val="bg1"/>
+                        </a:solidFill>
+                        <a:effectLst/>
+                        <a:latin typeface="Times New Roman" panose="02020603050405020304" pitchFamily="18" charset="0"/>
+                        <a:ea typeface="等线" panose="02010600030101010101" pitchFamily="2" charset="-122"/>
+                      </a:endParaRPr>
+                    </a:p>
+                  </a:txBody>
+                  <a:tcPr marL="9318" marR="9318" marT="9318" marB="0" anchor="ctr">
+                    <a:solidFill>
+                      <a:schemeClr val="accent1"/>
+                    </a:solidFill>
+                  </a:tcPr>
+                </a:tc>
+                <a:tc>
+                  <a:txBody>
+                    <a:bodyPr/>
+                    <a:lstStyle/>
+                    <a:p>
+                      <a:pPr algn="l" rtl="0" fontAlgn="ctr">
+                        <a:lnSpc>
+                          <a:spcPct val="150000"/>
+                        </a:lnSpc>
+                      </a:pPr>
+                      <a:r>
+                        <a:rPr lang="en-US" altLang="zh-CN" sz="1800" b="1" u="none" strike="noStrike" dirty="0">
+                          <a:solidFill>
+                            <a:schemeClr val="bg1"/>
+                          </a:solidFill>
+                          <a:effectLst/>
+                        </a:rPr>
+                        <a:t>0.75,[2, 5]</a:t>
+                      </a:r>
+                      <a:endParaRPr lang="en-US" altLang="zh-CN" sz="1800" b="1" i="0" u="none" strike="noStrike" dirty="0">
+                        <a:solidFill>
+                          <a:schemeClr val="bg1"/>
+                        </a:solidFill>
+                        <a:effectLst/>
+                        <a:latin typeface="Times New Roman" panose="02020603050405020304" pitchFamily="18" charset="0"/>
+                        <a:ea typeface="等线" panose="02010600030101010101" pitchFamily="2" charset="-122"/>
+                      </a:endParaRPr>
+                    </a:p>
+                  </a:txBody>
+                  <a:tcPr marL="9318" marR="9318" marT="9318" marB="0" anchor="ctr">
+                    <a:solidFill>
+                      <a:schemeClr val="accent1"/>
+                    </a:solidFill>
+                  </a:tcPr>
+                </a:tc>
+                <a:tc>
+                  <a:txBody>
+                    <a:bodyPr/>
+                    <a:lstStyle/>
+                    <a:p>
+                      <a:pPr algn="l" rtl="0" fontAlgn="ctr">
+                        <a:lnSpc>
+                          <a:spcPct val="150000"/>
+                        </a:lnSpc>
+                      </a:pPr>
+                      <a:r>
+                        <a:rPr lang="en-US" altLang="zh-CN" sz="1800" b="1" u="none" strike="noStrike" dirty="0">
+                          <a:solidFill>
+                            <a:schemeClr val="bg1"/>
+                          </a:solidFill>
+                          <a:effectLst/>
+                        </a:rPr>
+                        <a:t>1,[2, 5]</a:t>
+                      </a:r>
+                      <a:endParaRPr lang="en-US" altLang="zh-CN" sz="1800" b="1" i="0" u="none" strike="noStrike" dirty="0">
+                        <a:solidFill>
+                          <a:schemeClr val="bg1"/>
+                        </a:solidFill>
+                        <a:effectLst/>
+                        <a:latin typeface="Times New Roman" panose="02020603050405020304" pitchFamily="18" charset="0"/>
+                        <a:ea typeface="等线" panose="02010600030101010101" pitchFamily="2" charset="-122"/>
+                      </a:endParaRPr>
+                    </a:p>
+                  </a:txBody>
+                  <a:tcPr marL="9318" marR="9318" marT="9318" marB="0" anchor="ctr">
+                    <a:solidFill>
+                      <a:schemeClr val="accent1"/>
+                    </a:solidFill>
+                  </a:tcPr>
+                </a:tc>
+                <a:tc>
+                  <a:txBody>
+                    <a:bodyPr/>
+                    <a:lstStyle/>
+                    <a:p>
+                      <a:pPr algn="l" rtl="0" fontAlgn="ctr">
+                        <a:lnSpc>
+                          <a:spcPct val="150000"/>
+                        </a:lnSpc>
+                      </a:pPr>
+                      <a:r>
+                        <a:rPr lang="en-US" altLang="zh-CN" sz="1800" b="1" u="none" strike="noStrike" dirty="0">
+                          <a:solidFill>
+                            <a:schemeClr val="bg1"/>
+                          </a:solidFill>
+                          <a:effectLst/>
+                        </a:rPr>
+                        <a:t>0.5,[2, 10]</a:t>
+                      </a:r>
+                      <a:endParaRPr lang="en-US" altLang="zh-CN" sz="1800" b="1" i="0" u="none" strike="noStrike" dirty="0">
+                        <a:solidFill>
+                          <a:schemeClr val="bg1"/>
+                        </a:solidFill>
+                        <a:effectLst/>
+                        <a:latin typeface="Times New Roman" panose="02020603050405020304" pitchFamily="18" charset="0"/>
+                        <a:ea typeface="等线" panose="02010600030101010101" pitchFamily="2" charset="-122"/>
+                      </a:endParaRPr>
+                    </a:p>
+                  </a:txBody>
+                  <a:tcPr marL="9318" marR="9318" marT="9318" marB="0" anchor="ctr">
+                    <a:solidFill>
+                      <a:schemeClr val="accent1"/>
+                    </a:solidFill>
+                  </a:tcPr>
+                </a:tc>
+                <a:extLst>
+                  <a:ext uri="{0D108BD9-81ED-4DB2-BD59-A6C34878D82A}">
+                    <a16:rowId xmlns:a16="http://schemas.microsoft.com/office/drawing/2014/main" val="1008533682"/>
+                  </a:ext>
+                </a:extLst>
+              </a:tr>
+              <a:tr h="332473">
+                <a:tc rowSpan="4">
+                  <a:txBody>
+                    <a:bodyPr/>
+                    <a:lstStyle/>
+                    <a:p>
+                      <a:pPr algn="l" rtl="0" fontAlgn="ctr">
+                        <a:lnSpc>
+                          <a:spcPct val="150000"/>
+                        </a:lnSpc>
+                      </a:pPr>
+                      <a:r>
+                        <a:rPr lang="en-US" sz="1800" b="1" u="none" strike="noStrike" dirty="0">
+                          <a:effectLst/>
+                        </a:rPr>
+                        <a:t>T1_in</a:t>
+                      </a:r>
+                      <a:endParaRPr lang="en-US" sz="1800" b="1" i="0" u="none" strike="noStrike" dirty="0">
+                        <a:solidFill>
+                          <a:srgbClr val="000000"/>
+                        </a:solidFill>
+                        <a:effectLst/>
+                        <a:latin typeface="Times New Roman" panose="02020603050405020304" pitchFamily="18" charset="0"/>
+                        <a:ea typeface="等线" panose="02010600030101010101" pitchFamily="2" charset="-122"/>
+                      </a:endParaRPr>
+                    </a:p>
+                  </a:txBody>
+                  <a:tcPr marL="9318" marR="9318" marT="9318" marB="0" anchor="ctr"/>
+                </a:tc>
+                <a:tc>
+                  <a:txBody>
+                    <a:bodyPr/>
+                    <a:lstStyle/>
+                    <a:p>
+                      <a:pPr algn="l" fontAlgn="t">
+                        <a:lnSpc>
+                          <a:spcPct val="150000"/>
+                        </a:lnSpc>
+                      </a:pPr>
+                      <a:r>
+                        <a:rPr lang="en-US" sz="1800" b="1" u="none" strike="noStrike" dirty="0">
+                          <a:effectLst/>
+                        </a:rPr>
+                        <a:t>average acc</a:t>
+                      </a:r>
+                      <a:endParaRPr lang="en-US" sz="1800" b="1" i="0" u="none" strike="noStrike" dirty="0">
+                        <a:solidFill>
+                          <a:srgbClr val="000000"/>
+                        </a:solidFill>
+                        <a:effectLst/>
+                        <a:latin typeface="Times New Roman" panose="02020603050405020304" pitchFamily="18" charset="0"/>
+                        <a:ea typeface="等线" panose="02010600030101010101" pitchFamily="2" charset="-122"/>
+                      </a:endParaRPr>
+                    </a:p>
+                  </a:txBody>
+                  <a:tcPr marL="9318" marR="9318" marT="9318" marB="0"/>
+                </a:tc>
+                <a:tc>
+                  <a:txBody>
+                    <a:bodyPr/>
+                    <a:lstStyle/>
+                    <a:p>
+                      <a:pPr algn="l" rtl="0" fontAlgn="ctr">
+                        <a:lnSpc>
+                          <a:spcPct val="150000"/>
+                        </a:lnSpc>
+                      </a:pPr>
+                      <a:r>
+                        <a:rPr lang="en-US" altLang="zh-CN" sz="1800" u="none" strike="noStrike" dirty="0">
+                          <a:effectLst/>
+                        </a:rPr>
+                        <a:t>0.5348</a:t>
+                      </a:r>
+                      <a:endParaRPr lang="en-US" altLang="zh-CN" sz="1800" b="0" i="0" u="none" strike="noStrike" dirty="0">
+                        <a:solidFill>
+                          <a:srgbClr val="000000"/>
+                        </a:solidFill>
+                        <a:effectLst/>
+                        <a:latin typeface="Times New Roman" panose="02020603050405020304" pitchFamily="18" charset="0"/>
+                        <a:ea typeface="等线" panose="02010600030101010101" pitchFamily="2" charset="-122"/>
+                      </a:endParaRPr>
+                    </a:p>
+                  </a:txBody>
+                  <a:tcPr marL="9318" marR="9318" marT="9318" marB="0" anchor="ctr">
+                    <a:solidFill>
+                      <a:schemeClr val="accent4"/>
+                    </a:solidFill>
+                  </a:tcPr>
+                </a:tc>
+                <a:tc>
+                  <a:txBody>
+                    <a:bodyPr/>
+                    <a:lstStyle/>
+                    <a:p>
+                      <a:pPr algn="l" rtl="0" fontAlgn="ctr">
+                        <a:lnSpc>
+                          <a:spcPct val="150000"/>
+                        </a:lnSpc>
+                      </a:pPr>
+                      <a:r>
+                        <a:rPr lang="en-US" altLang="zh-CN" sz="1800" u="none" strike="noStrike">
+                          <a:effectLst/>
+                        </a:rPr>
+                        <a:t>0.5281</a:t>
+                      </a:r>
+                      <a:endParaRPr lang="en-US" altLang="zh-CN" sz="1800" b="0" i="0" u="none" strike="noStrike">
+                        <a:solidFill>
+                          <a:srgbClr val="000000"/>
+                        </a:solidFill>
+                        <a:effectLst/>
+                        <a:latin typeface="Times New Roman" panose="02020603050405020304" pitchFamily="18" charset="0"/>
+                        <a:ea typeface="等线" panose="02010600030101010101" pitchFamily="2" charset="-122"/>
+                      </a:endParaRPr>
+                    </a:p>
+                  </a:txBody>
+                  <a:tcPr marL="9318" marR="9318" marT="9318" marB="0" anchor="ctr">
+                    <a:solidFill>
+                      <a:schemeClr val="accent4"/>
+                    </a:solidFill>
+                  </a:tcPr>
+                </a:tc>
+                <a:tc>
+                  <a:txBody>
+                    <a:bodyPr/>
+                    <a:lstStyle/>
+                    <a:p>
+                      <a:pPr algn="l" rtl="0" fontAlgn="ctr">
+                        <a:lnSpc>
+                          <a:spcPct val="150000"/>
+                        </a:lnSpc>
+                      </a:pPr>
+                      <a:r>
+                        <a:rPr lang="en-US" altLang="zh-CN" sz="1800" u="none" strike="noStrike">
+                          <a:effectLst/>
+                        </a:rPr>
+                        <a:t>0.8877</a:t>
+                      </a:r>
+                      <a:endParaRPr lang="en-US" altLang="zh-CN" sz="1800" b="0" i="0" u="none" strike="noStrike">
+                        <a:solidFill>
+                          <a:srgbClr val="000000"/>
+                        </a:solidFill>
+                        <a:effectLst/>
+                        <a:latin typeface="Times New Roman" panose="02020603050405020304" pitchFamily="18" charset="0"/>
+                        <a:ea typeface="等线" panose="02010600030101010101" pitchFamily="2" charset="-122"/>
+                      </a:endParaRPr>
+                    </a:p>
+                  </a:txBody>
+                  <a:tcPr marL="9318" marR="9318" marT="9318" marB="0" anchor="ctr"/>
+                </a:tc>
+                <a:tc>
+                  <a:txBody>
+                    <a:bodyPr/>
+                    <a:lstStyle/>
+                    <a:p>
+                      <a:pPr algn="l" rtl="0" fontAlgn="ctr">
+                        <a:lnSpc>
+                          <a:spcPct val="150000"/>
+                        </a:lnSpc>
+                      </a:pPr>
+                      <a:r>
+                        <a:rPr lang="en-US" altLang="zh-CN" sz="1800" u="none" strike="noStrike">
+                          <a:effectLst/>
+                        </a:rPr>
+                        <a:t>0.9001</a:t>
+                      </a:r>
+                      <a:endParaRPr lang="en-US" altLang="zh-CN" sz="1800" b="0" i="0" u="none" strike="noStrike">
+                        <a:solidFill>
+                          <a:srgbClr val="000000"/>
+                        </a:solidFill>
+                        <a:effectLst/>
+                        <a:latin typeface="Times New Roman" panose="02020603050405020304" pitchFamily="18" charset="0"/>
+                        <a:ea typeface="等线" panose="02010600030101010101" pitchFamily="2" charset="-122"/>
+                      </a:endParaRPr>
+                    </a:p>
+                  </a:txBody>
+                  <a:tcPr marL="9318" marR="9318" marT="9318" marB="0" anchor="ctr"/>
+                </a:tc>
+                <a:tc>
+                  <a:txBody>
+                    <a:bodyPr/>
+                    <a:lstStyle/>
+                    <a:p>
+                      <a:pPr algn="l" rtl="0" fontAlgn="ctr">
+                        <a:lnSpc>
+                          <a:spcPct val="150000"/>
+                        </a:lnSpc>
+                      </a:pPr>
+                      <a:r>
+                        <a:rPr lang="en-US" altLang="zh-CN" sz="1800" u="none" strike="noStrike">
+                          <a:effectLst/>
+                        </a:rPr>
+                        <a:t>0.8815</a:t>
+                      </a:r>
+                      <a:endParaRPr lang="en-US" altLang="zh-CN" sz="1800" b="0" i="0" u="none" strike="noStrike">
+                        <a:solidFill>
+                          <a:srgbClr val="000000"/>
+                        </a:solidFill>
+                        <a:effectLst/>
+                        <a:latin typeface="Times New Roman" panose="02020603050405020304" pitchFamily="18" charset="0"/>
+                        <a:ea typeface="等线" panose="02010600030101010101" pitchFamily="2" charset="-122"/>
+                      </a:endParaRPr>
+                    </a:p>
+                  </a:txBody>
+                  <a:tcPr marL="9318" marR="9318" marT="9318" marB="0" anchor="ctr"/>
+                </a:tc>
+                <a:tc>
+                  <a:txBody>
+                    <a:bodyPr/>
+                    <a:lstStyle/>
+                    <a:p>
+                      <a:pPr algn="l" rtl="0" fontAlgn="ctr">
+                        <a:lnSpc>
+                          <a:spcPct val="150000"/>
+                        </a:lnSpc>
+                      </a:pPr>
+                      <a:r>
+                        <a:rPr lang="en-US" altLang="zh-CN" sz="1800" u="none" strike="noStrike" dirty="0">
+                          <a:effectLst/>
+                        </a:rPr>
+                        <a:t>0.8954</a:t>
+                      </a:r>
+                      <a:endParaRPr lang="en-US" altLang="zh-CN" sz="1800" b="0" i="0" u="none" strike="noStrike" dirty="0">
+                        <a:solidFill>
+                          <a:srgbClr val="000000"/>
+                        </a:solidFill>
+                        <a:effectLst/>
+                        <a:latin typeface="Times New Roman" panose="02020603050405020304" pitchFamily="18" charset="0"/>
+                        <a:ea typeface="等线" panose="02010600030101010101" pitchFamily="2" charset="-122"/>
+                      </a:endParaRPr>
+                    </a:p>
+                  </a:txBody>
+                  <a:tcPr marL="9318" marR="9318" marT="9318" marB="0" anchor="ctr"/>
+                </a:tc>
+                <a:extLst>
+                  <a:ext uri="{0D108BD9-81ED-4DB2-BD59-A6C34878D82A}">
+                    <a16:rowId xmlns:a16="http://schemas.microsoft.com/office/drawing/2014/main" val="3693178649"/>
+                  </a:ext>
+                </a:extLst>
+              </a:tr>
+              <a:tr h="295531">
+                <a:tc vMerge="1">
+                  <a:txBody>
+                    <a:bodyPr/>
+                    <a:lstStyle/>
+                    <a:p>
+                      <a:endParaRPr lang="zh-CN" altLang="en-US"/>
+                    </a:p>
+                  </a:txBody>
+                  <a:tcPr/>
+                </a:tc>
+                <a:tc>
+                  <a:txBody>
+                    <a:bodyPr/>
+                    <a:lstStyle/>
+                    <a:p>
+                      <a:pPr algn="l" fontAlgn="t">
+                        <a:lnSpc>
+                          <a:spcPct val="150000"/>
+                        </a:lnSpc>
+                      </a:pPr>
+                      <a:r>
+                        <a:rPr lang="en-US" sz="1800" b="1" u="none" strike="noStrike" dirty="0">
+                          <a:effectLst/>
+                        </a:rPr>
+                        <a:t>spleen acc</a:t>
+                      </a:r>
+                      <a:endParaRPr lang="en-US" sz="1800" b="1" i="0" u="none" strike="noStrike" dirty="0">
+                        <a:solidFill>
+                          <a:srgbClr val="000000"/>
+                        </a:solidFill>
+                        <a:effectLst/>
+                        <a:latin typeface="Times New Roman" panose="02020603050405020304" pitchFamily="18" charset="0"/>
+                        <a:ea typeface="等线" panose="02010600030101010101" pitchFamily="2" charset="-122"/>
+                      </a:endParaRPr>
+                    </a:p>
+                  </a:txBody>
+                  <a:tcPr marL="9318" marR="9318" marT="9318" marB="0"/>
+                </a:tc>
+                <a:tc>
+                  <a:txBody>
+                    <a:bodyPr/>
+                    <a:lstStyle/>
+                    <a:p>
+                      <a:pPr algn="l" rtl="0" fontAlgn="ctr">
+                        <a:lnSpc>
+                          <a:spcPct val="150000"/>
+                        </a:lnSpc>
+                      </a:pPr>
+                      <a:r>
+                        <a:rPr lang="en-US" altLang="zh-CN" sz="1800" u="none" strike="noStrike" dirty="0">
+                          <a:effectLst/>
+                        </a:rPr>
+                        <a:t>0.6352</a:t>
+                      </a:r>
+                      <a:endParaRPr lang="en-US" altLang="zh-CN" sz="1800" b="0" i="0" u="none" strike="noStrike" dirty="0">
+                        <a:solidFill>
+                          <a:srgbClr val="000000"/>
+                        </a:solidFill>
+                        <a:effectLst/>
+                        <a:latin typeface="Times New Roman" panose="02020603050405020304" pitchFamily="18" charset="0"/>
+                        <a:ea typeface="等线" panose="02010600030101010101" pitchFamily="2" charset="-122"/>
+                      </a:endParaRPr>
+                    </a:p>
+                  </a:txBody>
+                  <a:tcPr marL="9318" marR="9318" marT="9318" marB="0" anchor="ctr">
+                    <a:solidFill>
+                      <a:schemeClr val="accent4"/>
+                    </a:solidFill>
+                  </a:tcPr>
+                </a:tc>
+                <a:tc>
+                  <a:txBody>
+                    <a:bodyPr/>
+                    <a:lstStyle/>
+                    <a:p>
+                      <a:pPr algn="l" rtl="0" fontAlgn="ctr">
+                        <a:lnSpc>
+                          <a:spcPct val="150000"/>
+                        </a:lnSpc>
+                      </a:pPr>
+                      <a:r>
+                        <a:rPr lang="en-US" altLang="zh-CN" sz="1800" u="none" strike="noStrike">
+                          <a:effectLst/>
+                        </a:rPr>
+                        <a:t>0.6352</a:t>
+                      </a:r>
+                      <a:endParaRPr lang="en-US" altLang="zh-CN" sz="1800" b="0" i="0" u="none" strike="noStrike">
+                        <a:solidFill>
+                          <a:srgbClr val="000000"/>
+                        </a:solidFill>
+                        <a:effectLst/>
+                        <a:latin typeface="Times New Roman" panose="02020603050405020304" pitchFamily="18" charset="0"/>
+                        <a:ea typeface="等线" panose="02010600030101010101" pitchFamily="2" charset="-122"/>
+                      </a:endParaRPr>
+                    </a:p>
+                  </a:txBody>
+                  <a:tcPr marL="9318" marR="9318" marT="9318" marB="0" anchor="ctr">
+                    <a:solidFill>
+                      <a:schemeClr val="accent4"/>
+                    </a:solidFill>
+                  </a:tcPr>
+                </a:tc>
+                <a:tc>
+                  <a:txBody>
+                    <a:bodyPr/>
+                    <a:lstStyle/>
+                    <a:p>
+                      <a:pPr algn="l" rtl="0" fontAlgn="ctr">
+                        <a:lnSpc>
+                          <a:spcPct val="150000"/>
+                        </a:lnSpc>
+                      </a:pPr>
+                      <a:r>
+                        <a:rPr lang="en-US" altLang="zh-CN" sz="1800" u="none" strike="noStrike">
+                          <a:effectLst/>
+                        </a:rPr>
+                        <a:t>0.847</a:t>
+                      </a:r>
+                      <a:endParaRPr lang="en-US" altLang="zh-CN" sz="1800" b="0" i="0" u="none" strike="noStrike">
+                        <a:solidFill>
+                          <a:srgbClr val="000000"/>
+                        </a:solidFill>
+                        <a:effectLst/>
+                        <a:latin typeface="Times New Roman" panose="02020603050405020304" pitchFamily="18" charset="0"/>
+                        <a:ea typeface="等线" panose="02010600030101010101" pitchFamily="2" charset="-122"/>
+                      </a:endParaRPr>
+                    </a:p>
+                  </a:txBody>
+                  <a:tcPr marL="9318" marR="9318" marT="9318" marB="0" anchor="ctr"/>
+                </a:tc>
+                <a:tc>
+                  <a:txBody>
+                    <a:bodyPr/>
+                    <a:lstStyle/>
+                    <a:p>
+                      <a:pPr algn="l" rtl="0" fontAlgn="ctr">
+                        <a:lnSpc>
+                          <a:spcPct val="150000"/>
+                        </a:lnSpc>
+                      </a:pPr>
+                      <a:r>
+                        <a:rPr lang="en-US" altLang="zh-CN" sz="1800" u="none" strike="noStrike">
+                          <a:effectLst/>
+                        </a:rPr>
+                        <a:t>0.8532</a:t>
+                      </a:r>
+                      <a:endParaRPr lang="en-US" altLang="zh-CN" sz="1800" b="0" i="0" u="none" strike="noStrike">
+                        <a:solidFill>
+                          <a:srgbClr val="000000"/>
+                        </a:solidFill>
+                        <a:effectLst/>
+                        <a:latin typeface="Times New Roman" panose="02020603050405020304" pitchFamily="18" charset="0"/>
+                        <a:ea typeface="等线" panose="02010600030101010101" pitchFamily="2" charset="-122"/>
+                      </a:endParaRPr>
+                    </a:p>
+                  </a:txBody>
+                  <a:tcPr marL="9318" marR="9318" marT="9318" marB="0" anchor="ctr"/>
+                </a:tc>
+                <a:tc>
+                  <a:txBody>
+                    <a:bodyPr/>
+                    <a:lstStyle/>
+                    <a:p>
+                      <a:pPr algn="l" rtl="0" fontAlgn="ctr">
+                        <a:lnSpc>
+                          <a:spcPct val="150000"/>
+                        </a:lnSpc>
+                      </a:pPr>
+                      <a:r>
+                        <a:rPr lang="en-US" altLang="zh-CN" sz="1800" u="none" strike="noStrike">
+                          <a:effectLst/>
+                        </a:rPr>
+                        <a:t>0.8501</a:t>
+                      </a:r>
+                      <a:endParaRPr lang="en-US" altLang="zh-CN" sz="1800" b="0" i="0" u="none" strike="noStrike">
+                        <a:solidFill>
+                          <a:srgbClr val="000000"/>
+                        </a:solidFill>
+                        <a:effectLst/>
+                        <a:latin typeface="Times New Roman" panose="02020603050405020304" pitchFamily="18" charset="0"/>
+                        <a:ea typeface="等线" panose="02010600030101010101" pitchFamily="2" charset="-122"/>
+                      </a:endParaRPr>
+                    </a:p>
+                  </a:txBody>
+                  <a:tcPr marL="9318" marR="9318" marT="9318" marB="0" anchor="ctr"/>
+                </a:tc>
+                <a:tc>
+                  <a:txBody>
+                    <a:bodyPr/>
+                    <a:lstStyle/>
+                    <a:p>
+                      <a:pPr algn="l" rtl="0" fontAlgn="ctr">
+                        <a:lnSpc>
+                          <a:spcPct val="150000"/>
+                        </a:lnSpc>
+                      </a:pPr>
+                      <a:r>
+                        <a:rPr lang="en-US" altLang="zh-CN" sz="1800" u="none" strike="noStrike">
+                          <a:effectLst/>
+                        </a:rPr>
+                        <a:t>0.8702</a:t>
+                      </a:r>
+                      <a:endParaRPr lang="en-US" altLang="zh-CN" sz="1800" b="0" i="0" u="none" strike="noStrike">
+                        <a:solidFill>
+                          <a:srgbClr val="000000"/>
+                        </a:solidFill>
+                        <a:effectLst/>
+                        <a:latin typeface="Times New Roman" panose="02020603050405020304" pitchFamily="18" charset="0"/>
+                        <a:ea typeface="等线" panose="02010600030101010101" pitchFamily="2" charset="-122"/>
+                      </a:endParaRPr>
+                    </a:p>
+                  </a:txBody>
+                  <a:tcPr marL="9318" marR="9318" marT="9318" marB="0" anchor="ctr"/>
+                </a:tc>
+                <a:extLst>
+                  <a:ext uri="{0D108BD9-81ED-4DB2-BD59-A6C34878D82A}">
+                    <a16:rowId xmlns:a16="http://schemas.microsoft.com/office/drawing/2014/main" val="2248108599"/>
+                  </a:ext>
+                </a:extLst>
+              </a:tr>
+              <a:tr h="295531">
+                <a:tc vMerge="1">
+                  <a:txBody>
+                    <a:bodyPr/>
+                    <a:lstStyle/>
+                    <a:p>
+                      <a:endParaRPr lang="zh-CN" altLang="en-US"/>
+                    </a:p>
+                  </a:txBody>
+                  <a:tcPr/>
+                </a:tc>
+                <a:tc>
+                  <a:txBody>
+                    <a:bodyPr/>
+                    <a:lstStyle/>
+                    <a:p>
+                      <a:pPr algn="l" fontAlgn="t">
+                        <a:lnSpc>
+                          <a:spcPct val="150000"/>
+                        </a:lnSpc>
+                      </a:pPr>
+                      <a:r>
+                        <a:rPr lang="en-US" sz="1800" b="1" u="none" strike="noStrike" dirty="0">
+                          <a:effectLst/>
+                        </a:rPr>
+                        <a:t>kidney acc</a:t>
+                      </a:r>
+                      <a:endParaRPr lang="en-US" sz="1800" b="1" i="0" u="none" strike="noStrike" dirty="0">
+                        <a:solidFill>
+                          <a:srgbClr val="000000"/>
+                        </a:solidFill>
+                        <a:effectLst/>
+                        <a:latin typeface="Times New Roman" panose="02020603050405020304" pitchFamily="18" charset="0"/>
+                        <a:ea typeface="等线" panose="02010600030101010101" pitchFamily="2" charset="-122"/>
+                      </a:endParaRPr>
+                    </a:p>
+                  </a:txBody>
+                  <a:tcPr marL="9318" marR="9318" marT="9318" marB="0"/>
+                </a:tc>
+                <a:tc>
+                  <a:txBody>
+                    <a:bodyPr/>
+                    <a:lstStyle/>
+                    <a:p>
+                      <a:pPr algn="l" rtl="0" fontAlgn="ctr">
+                        <a:lnSpc>
+                          <a:spcPct val="150000"/>
+                        </a:lnSpc>
+                      </a:pPr>
+                      <a:r>
+                        <a:rPr lang="en-US" altLang="zh-CN" sz="1800" u="none" strike="noStrike">
+                          <a:effectLst/>
+                        </a:rPr>
+                        <a:t>0.5352</a:t>
+                      </a:r>
+                      <a:endParaRPr lang="en-US" altLang="zh-CN" sz="1800" b="0" i="0" u="none" strike="noStrike">
+                        <a:solidFill>
+                          <a:srgbClr val="000000"/>
+                        </a:solidFill>
+                        <a:effectLst/>
+                        <a:latin typeface="Times New Roman" panose="02020603050405020304" pitchFamily="18" charset="0"/>
+                        <a:ea typeface="等线" panose="02010600030101010101" pitchFamily="2" charset="-122"/>
+                      </a:endParaRPr>
+                    </a:p>
+                  </a:txBody>
+                  <a:tcPr marL="9318" marR="9318" marT="9318" marB="0" anchor="ctr">
+                    <a:solidFill>
+                      <a:schemeClr val="accent4"/>
+                    </a:solidFill>
+                  </a:tcPr>
+                </a:tc>
+                <a:tc>
+                  <a:txBody>
+                    <a:bodyPr/>
+                    <a:lstStyle/>
+                    <a:p>
+                      <a:pPr algn="l" rtl="0" fontAlgn="ctr">
+                        <a:lnSpc>
+                          <a:spcPct val="150000"/>
+                        </a:lnSpc>
+                      </a:pPr>
+                      <a:r>
+                        <a:rPr lang="en-US" altLang="zh-CN" sz="1800" u="none" strike="noStrike">
+                          <a:effectLst/>
+                        </a:rPr>
+                        <a:t>0.5518</a:t>
+                      </a:r>
+                      <a:endParaRPr lang="en-US" altLang="zh-CN" sz="1800" b="0" i="0" u="none" strike="noStrike">
+                        <a:solidFill>
+                          <a:srgbClr val="000000"/>
+                        </a:solidFill>
+                        <a:effectLst/>
+                        <a:latin typeface="Times New Roman" panose="02020603050405020304" pitchFamily="18" charset="0"/>
+                        <a:ea typeface="等线" panose="02010600030101010101" pitchFamily="2" charset="-122"/>
+                      </a:endParaRPr>
+                    </a:p>
+                  </a:txBody>
+                  <a:tcPr marL="9318" marR="9318" marT="9318" marB="0" anchor="ctr">
+                    <a:solidFill>
+                      <a:schemeClr val="accent4"/>
+                    </a:solidFill>
+                  </a:tcPr>
+                </a:tc>
+                <a:tc>
+                  <a:txBody>
+                    <a:bodyPr/>
+                    <a:lstStyle/>
+                    <a:p>
+                      <a:pPr algn="l" rtl="0" fontAlgn="ctr">
+                        <a:lnSpc>
+                          <a:spcPct val="150000"/>
+                        </a:lnSpc>
+                      </a:pPr>
+                      <a:r>
+                        <a:rPr lang="en-US" altLang="zh-CN" sz="1800" u="none" strike="noStrike">
+                          <a:effectLst/>
+                        </a:rPr>
+                        <a:t>0.8918</a:t>
+                      </a:r>
+                      <a:endParaRPr lang="en-US" altLang="zh-CN" sz="1800" b="0" i="0" u="none" strike="noStrike">
+                        <a:solidFill>
+                          <a:srgbClr val="000000"/>
+                        </a:solidFill>
+                        <a:effectLst/>
+                        <a:latin typeface="Times New Roman" panose="02020603050405020304" pitchFamily="18" charset="0"/>
+                        <a:ea typeface="等线" panose="02010600030101010101" pitchFamily="2" charset="-122"/>
+                      </a:endParaRPr>
+                    </a:p>
+                  </a:txBody>
+                  <a:tcPr marL="9318" marR="9318" marT="9318" marB="0" anchor="ctr"/>
+                </a:tc>
+                <a:tc>
+                  <a:txBody>
+                    <a:bodyPr/>
+                    <a:lstStyle/>
+                    <a:p>
+                      <a:pPr algn="l" rtl="0" fontAlgn="ctr">
+                        <a:lnSpc>
+                          <a:spcPct val="150000"/>
+                        </a:lnSpc>
+                      </a:pPr>
+                      <a:r>
+                        <a:rPr lang="en-US" altLang="zh-CN" sz="1800" u="none" strike="noStrike">
+                          <a:effectLst/>
+                        </a:rPr>
+                        <a:t>0.9212</a:t>
+                      </a:r>
+                      <a:endParaRPr lang="en-US" altLang="zh-CN" sz="1800" b="0" i="0" u="none" strike="noStrike">
+                        <a:solidFill>
+                          <a:srgbClr val="000000"/>
+                        </a:solidFill>
+                        <a:effectLst/>
+                        <a:latin typeface="Times New Roman" panose="02020603050405020304" pitchFamily="18" charset="0"/>
+                        <a:ea typeface="等线" panose="02010600030101010101" pitchFamily="2" charset="-122"/>
+                      </a:endParaRPr>
+                    </a:p>
+                  </a:txBody>
+                  <a:tcPr marL="9318" marR="9318" marT="9318" marB="0" anchor="ctr"/>
+                </a:tc>
+                <a:tc>
+                  <a:txBody>
+                    <a:bodyPr/>
+                    <a:lstStyle/>
+                    <a:p>
+                      <a:pPr algn="l" rtl="0" fontAlgn="ctr">
+                        <a:lnSpc>
+                          <a:spcPct val="150000"/>
+                        </a:lnSpc>
+                      </a:pPr>
+                      <a:r>
+                        <a:rPr lang="en-US" altLang="zh-CN" sz="1800" u="none" strike="noStrike">
+                          <a:effectLst/>
+                        </a:rPr>
+                        <a:t>0.881</a:t>
+                      </a:r>
+                      <a:endParaRPr lang="en-US" altLang="zh-CN" sz="1800" b="0" i="0" u="none" strike="noStrike">
+                        <a:solidFill>
+                          <a:srgbClr val="000000"/>
+                        </a:solidFill>
+                        <a:effectLst/>
+                        <a:latin typeface="Times New Roman" panose="02020603050405020304" pitchFamily="18" charset="0"/>
+                        <a:ea typeface="等线" panose="02010600030101010101" pitchFamily="2" charset="-122"/>
+                      </a:endParaRPr>
+                    </a:p>
+                  </a:txBody>
+                  <a:tcPr marL="9318" marR="9318" marT="9318" marB="0" anchor="ctr"/>
+                </a:tc>
+                <a:tc>
+                  <a:txBody>
+                    <a:bodyPr/>
+                    <a:lstStyle/>
+                    <a:p>
+                      <a:pPr algn="l" rtl="0" fontAlgn="ctr">
+                        <a:lnSpc>
+                          <a:spcPct val="150000"/>
+                        </a:lnSpc>
+                      </a:pPr>
+                      <a:r>
+                        <a:rPr lang="en-US" altLang="zh-CN" sz="1800" u="none" strike="noStrike">
+                          <a:effectLst/>
+                        </a:rPr>
+                        <a:t>0.8949</a:t>
+                      </a:r>
+                      <a:endParaRPr lang="en-US" altLang="zh-CN" sz="1800" b="0" i="0" u="none" strike="noStrike">
+                        <a:solidFill>
+                          <a:srgbClr val="000000"/>
+                        </a:solidFill>
+                        <a:effectLst/>
+                        <a:latin typeface="Times New Roman" panose="02020603050405020304" pitchFamily="18" charset="0"/>
+                        <a:ea typeface="等线" panose="02010600030101010101" pitchFamily="2" charset="-122"/>
+                      </a:endParaRPr>
+                    </a:p>
+                  </a:txBody>
+                  <a:tcPr marL="9318" marR="9318" marT="9318" marB="0" anchor="ctr"/>
+                </a:tc>
+                <a:extLst>
+                  <a:ext uri="{0D108BD9-81ED-4DB2-BD59-A6C34878D82A}">
+                    <a16:rowId xmlns:a16="http://schemas.microsoft.com/office/drawing/2014/main" val="2694708206"/>
+                  </a:ext>
+                </a:extLst>
+              </a:tr>
+              <a:tr h="295531">
+                <a:tc vMerge="1">
+                  <a:txBody>
+                    <a:bodyPr/>
+                    <a:lstStyle/>
+                    <a:p>
+                      <a:endParaRPr lang="zh-CN" altLang="en-US"/>
+                    </a:p>
+                  </a:txBody>
+                  <a:tcPr/>
+                </a:tc>
+                <a:tc>
+                  <a:txBody>
+                    <a:bodyPr/>
+                    <a:lstStyle/>
+                    <a:p>
+                      <a:pPr algn="l" fontAlgn="t">
+                        <a:lnSpc>
+                          <a:spcPct val="150000"/>
+                        </a:lnSpc>
+                      </a:pPr>
+                      <a:r>
+                        <a:rPr lang="en-US" sz="1800" b="1" u="none" strike="noStrike" dirty="0">
+                          <a:effectLst/>
+                        </a:rPr>
+                        <a:t>liver acc</a:t>
+                      </a:r>
+                      <a:endParaRPr lang="en-US" sz="1800" b="1" i="0" u="none" strike="noStrike" dirty="0">
+                        <a:solidFill>
+                          <a:srgbClr val="000000"/>
+                        </a:solidFill>
+                        <a:effectLst/>
+                        <a:latin typeface="Times New Roman" panose="02020603050405020304" pitchFamily="18" charset="0"/>
+                        <a:ea typeface="等线" panose="02010600030101010101" pitchFamily="2" charset="-122"/>
+                      </a:endParaRPr>
+                    </a:p>
+                  </a:txBody>
+                  <a:tcPr marL="9318" marR="9318" marT="9318" marB="0"/>
+                </a:tc>
+                <a:tc>
+                  <a:txBody>
+                    <a:bodyPr/>
+                    <a:lstStyle/>
+                    <a:p>
+                      <a:pPr algn="l" rtl="0" fontAlgn="ctr">
+                        <a:lnSpc>
+                          <a:spcPct val="150000"/>
+                        </a:lnSpc>
+                      </a:pPr>
+                      <a:r>
+                        <a:rPr lang="en-US" altLang="zh-CN" sz="1800" u="none" strike="noStrike" dirty="0">
+                          <a:effectLst/>
+                        </a:rPr>
+                        <a:t>0.4343</a:t>
+                      </a:r>
+                      <a:endParaRPr lang="en-US" altLang="zh-CN" sz="1800" b="0" i="0" u="none" strike="noStrike" dirty="0">
+                        <a:solidFill>
+                          <a:srgbClr val="000000"/>
+                        </a:solidFill>
+                        <a:effectLst/>
+                        <a:latin typeface="Times New Roman" panose="02020603050405020304" pitchFamily="18" charset="0"/>
+                        <a:ea typeface="等线" panose="02010600030101010101" pitchFamily="2" charset="-122"/>
+                      </a:endParaRPr>
+                    </a:p>
+                  </a:txBody>
+                  <a:tcPr marL="9318" marR="9318" marT="9318" marB="0" anchor="ctr">
+                    <a:solidFill>
+                      <a:schemeClr val="accent4"/>
+                    </a:solidFill>
+                  </a:tcPr>
+                </a:tc>
+                <a:tc>
+                  <a:txBody>
+                    <a:bodyPr/>
+                    <a:lstStyle/>
+                    <a:p>
+                      <a:pPr algn="l" rtl="0" fontAlgn="ctr">
+                        <a:lnSpc>
+                          <a:spcPct val="150000"/>
+                        </a:lnSpc>
+                      </a:pPr>
+                      <a:r>
+                        <a:rPr lang="en-US" altLang="zh-CN" sz="1800" u="none" strike="noStrike" dirty="0">
+                          <a:effectLst/>
+                        </a:rPr>
+                        <a:t>0.3942</a:t>
+                      </a:r>
+                      <a:endParaRPr lang="en-US" altLang="zh-CN" sz="1800" b="0" i="0" u="none" strike="noStrike" dirty="0">
+                        <a:solidFill>
+                          <a:srgbClr val="000000"/>
+                        </a:solidFill>
+                        <a:effectLst/>
+                        <a:latin typeface="Times New Roman" panose="02020603050405020304" pitchFamily="18" charset="0"/>
+                        <a:ea typeface="等线" panose="02010600030101010101" pitchFamily="2" charset="-122"/>
+                      </a:endParaRPr>
+                    </a:p>
+                  </a:txBody>
+                  <a:tcPr marL="9318" marR="9318" marT="9318" marB="0" anchor="ctr">
+                    <a:solidFill>
+                      <a:schemeClr val="accent4"/>
+                    </a:solidFill>
+                  </a:tcPr>
+                </a:tc>
+                <a:tc>
+                  <a:txBody>
+                    <a:bodyPr/>
+                    <a:lstStyle/>
+                    <a:p>
+                      <a:pPr algn="l" rtl="0" fontAlgn="ctr">
+                        <a:lnSpc>
+                          <a:spcPct val="150000"/>
+                        </a:lnSpc>
+                      </a:pPr>
+                      <a:r>
+                        <a:rPr lang="en-US" altLang="zh-CN" sz="1800" u="none" strike="noStrike">
+                          <a:effectLst/>
+                        </a:rPr>
+                        <a:t>0.9243</a:t>
+                      </a:r>
+                      <a:endParaRPr lang="en-US" altLang="zh-CN" sz="1800" b="0" i="0" u="none" strike="noStrike">
+                        <a:solidFill>
+                          <a:srgbClr val="000000"/>
+                        </a:solidFill>
+                        <a:effectLst/>
+                        <a:latin typeface="Times New Roman" panose="02020603050405020304" pitchFamily="18" charset="0"/>
+                        <a:ea typeface="等线" panose="02010600030101010101" pitchFamily="2" charset="-122"/>
+                      </a:endParaRPr>
+                    </a:p>
+                  </a:txBody>
+                  <a:tcPr marL="9318" marR="9318" marT="9318" marB="0" anchor="ctr"/>
+                </a:tc>
+                <a:tc>
+                  <a:txBody>
+                    <a:bodyPr/>
+                    <a:lstStyle/>
+                    <a:p>
+                      <a:pPr algn="l" rtl="0" fontAlgn="ctr">
+                        <a:lnSpc>
+                          <a:spcPct val="150000"/>
+                        </a:lnSpc>
+                      </a:pPr>
+                      <a:r>
+                        <a:rPr lang="en-US" altLang="zh-CN" sz="1800" u="none" strike="noStrike">
+                          <a:effectLst/>
+                        </a:rPr>
+                        <a:t>0.9258</a:t>
+                      </a:r>
+                      <a:endParaRPr lang="en-US" altLang="zh-CN" sz="1800" b="0" i="0" u="none" strike="noStrike">
+                        <a:solidFill>
+                          <a:srgbClr val="000000"/>
+                        </a:solidFill>
+                        <a:effectLst/>
+                        <a:latin typeface="Times New Roman" panose="02020603050405020304" pitchFamily="18" charset="0"/>
+                        <a:ea typeface="等线" panose="02010600030101010101" pitchFamily="2" charset="-122"/>
+                      </a:endParaRPr>
+                    </a:p>
+                  </a:txBody>
+                  <a:tcPr marL="9318" marR="9318" marT="9318" marB="0" anchor="ctr"/>
+                </a:tc>
+                <a:tc>
+                  <a:txBody>
+                    <a:bodyPr/>
+                    <a:lstStyle/>
+                    <a:p>
+                      <a:pPr algn="l" rtl="0" fontAlgn="ctr">
+                        <a:lnSpc>
+                          <a:spcPct val="150000"/>
+                        </a:lnSpc>
+                      </a:pPr>
+                      <a:r>
+                        <a:rPr lang="en-US" altLang="zh-CN" sz="1800" u="none" strike="noStrike" dirty="0">
+                          <a:effectLst/>
+                        </a:rPr>
+                        <a:t>0.9134</a:t>
+                      </a:r>
+                      <a:endParaRPr lang="en-US" altLang="zh-CN" sz="1800" b="0" i="0" u="none" strike="noStrike" dirty="0">
+                        <a:solidFill>
+                          <a:srgbClr val="000000"/>
+                        </a:solidFill>
+                        <a:effectLst/>
+                        <a:latin typeface="Times New Roman" panose="02020603050405020304" pitchFamily="18" charset="0"/>
+                        <a:ea typeface="等线" panose="02010600030101010101" pitchFamily="2" charset="-122"/>
+                      </a:endParaRPr>
+                    </a:p>
+                  </a:txBody>
+                  <a:tcPr marL="9318" marR="9318" marT="9318" marB="0" anchor="ctr"/>
+                </a:tc>
+                <a:tc>
+                  <a:txBody>
+                    <a:bodyPr/>
+                    <a:lstStyle/>
+                    <a:p>
+                      <a:pPr algn="l" rtl="0" fontAlgn="ctr">
+                        <a:lnSpc>
+                          <a:spcPct val="150000"/>
+                        </a:lnSpc>
+                      </a:pPr>
+                      <a:r>
+                        <a:rPr lang="en-US" altLang="zh-CN" sz="1800" u="none" strike="noStrike">
+                          <a:effectLst/>
+                        </a:rPr>
+                        <a:t>0.9212</a:t>
+                      </a:r>
+                      <a:endParaRPr lang="en-US" altLang="zh-CN" sz="1800" b="0" i="0" u="none" strike="noStrike">
+                        <a:solidFill>
+                          <a:srgbClr val="000000"/>
+                        </a:solidFill>
+                        <a:effectLst/>
+                        <a:latin typeface="Times New Roman" panose="02020603050405020304" pitchFamily="18" charset="0"/>
+                        <a:ea typeface="等线" panose="02010600030101010101" pitchFamily="2" charset="-122"/>
+                      </a:endParaRPr>
+                    </a:p>
+                  </a:txBody>
+                  <a:tcPr marL="9318" marR="9318" marT="9318" marB="0" anchor="ctr"/>
+                </a:tc>
+                <a:extLst>
+                  <a:ext uri="{0D108BD9-81ED-4DB2-BD59-A6C34878D82A}">
+                    <a16:rowId xmlns:a16="http://schemas.microsoft.com/office/drawing/2014/main" val="3512762867"/>
+                  </a:ext>
+                </a:extLst>
+              </a:tr>
+              <a:tr h="295531">
+                <a:tc rowSpan="4">
+                  <a:txBody>
+                    <a:bodyPr/>
+                    <a:lstStyle/>
+                    <a:p>
+                      <a:pPr algn="l" rtl="0" fontAlgn="ctr">
+                        <a:lnSpc>
+                          <a:spcPct val="150000"/>
+                        </a:lnSpc>
+                      </a:pPr>
+                      <a:r>
+                        <a:rPr lang="en-US" sz="1800" b="1" u="none" strike="noStrike" dirty="0">
+                          <a:effectLst/>
+                        </a:rPr>
+                        <a:t>T1_out</a:t>
+                      </a:r>
+                      <a:endParaRPr lang="en-US" sz="1800" b="1" i="0" u="none" strike="noStrike" dirty="0">
+                        <a:solidFill>
+                          <a:srgbClr val="000000"/>
+                        </a:solidFill>
+                        <a:effectLst/>
+                        <a:latin typeface="Times New Roman" panose="02020603050405020304" pitchFamily="18" charset="0"/>
+                        <a:ea typeface="等线" panose="02010600030101010101" pitchFamily="2" charset="-122"/>
+                      </a:endParaRPr>
+                    </a:p>
+                  </a:txBody>
+                  <a:tcPr marL="9318" marR="9318" marT="9318" marB="0" anchor="ctr"/>
+                </a:tc>
+                <a:tc>
+                  <a:txBody>
+                    <a:bodyPr/>
+                    <a:lstStyle/>
+                    <a:p>
+                      <a:pPr algn="l" fontAlgn="t">
+                        <a:lnSpc>
+                          <a:spcPct val="150000"/>
+                        </a:lnSpc>
+                      </a:pPr>
+                      <a:r>
+                        <a:rPr lang="en-US" sz="1800" b="1" u="none" strike="noStrike">
+                          <a:effectLst/>
+                        </a:rPr>
+                        <a:t>average acc</a:t>
+                      </a:r>
+                      <a:endParaRPr lang="en-US" sz="1800" b="1" i="0" u="none" strike="noStrike">
+                        <a:solidFill>
+                          <a:srgbClr val="000000"/>
+                        </a:solidFill>
+                        <a:effectLst/>
+                        <a:latin typeface="Times New Roman" panose="02020603050405020304" pitchFamily="18" charset="0"/>
+                        <a:ea typeface="等线" panose="02010600030101010101" pitchFamily="2" charset="-122"/>
+                      </a:endParaRPr>
+                    </a:p>
+                  </a:txBody>
+                  <a:tcPr marL="9318" marR="9318" marT="9318" marB="0"/>
+                </a:tc>
+                <a:tc>
+                  <a:txBody>
+                    <a:bodyPr/>
+                    <a:lstStyle/>
+                    <a:p>
+                      <a:pPr algn="l" rtl="0" fontAlgn="ctr">
+                        <a:lnSpc>
+                          <a:spcPct val="150000"/>
+                        </a:lnSpc>
+                      </a:pPr>
+                      <a:r>
+                        <a:rPr lang="en-US" altLang="zh-CN" sz="1800" u="none" strike="noStrike">
+                          <a:effectLst/>
+                        </a:rPr>
+                        <a:t>0.5549</a:t>
+                      </a:r>
+                      <a:endParaRPr lang="en-US" altLang="zh-CN" sz="1800" b="0" i="0" u="none" strike="noStrike">
+                        <a:solidFill>
+                          <a:srgbClr val="000000"/>
+                        </a:solidFill>
+                        <a:effectLst/>
+                        <a:latin typeface="Times New Roman" panose="02020603050405020304" pitchFamily="18" charset="0"/>
+                        <a:ea typeface="等线" panose="02010600030101010101" pitchFamily="2" charset="-122"/>
+                      </a:endParaRPr>
+                    </a:p>
+                  </a:txBody>
+                  <a:tcPr marL="9318" marR="9318" marT="9318" marB="0" anchor="ctr">
+                    <a:solidFill>
+                      <a:schemeClr val="accent4"/>
+                    </a:solidFill>
+                  </a:tcPr>
+                </a:tc>
+                <a:tc>
+                  <a:txBody>
+                    <a:bodyPr/>
+                    <a:lstStyle/>
+                    <a:p>
+                      <a:pPr algn="l" rtl="0" fontAlgn="ctr">
+                        <a:lnSpc>
+                          <a:spcPct val="150000"/>
+                        </a:lnSpc>
+                      </a:pPr>
+                      <a:r>
+                        <a:rPr lang="en-US" altLang="zh-CN" sz="1800" u="none" strike="noStrike" dirty="0">
+                          <a:effectLst/>
+                        </a:rPr>
+                        <a:t>0.5245</a:t>
+                      </a:r>
+                      <a:endParaRPr lang="en-US" altLang="zh-CN" sz="1800" b="0" i="0" u="none" strike="noStrike" dirty="0">
+                        <a:solidFill>
+                          <a:srgbClr val="000000"/>
+                        </a:solidFill>
+                        <a:effectLst/>
+                        <a:latin typeface="Times New Roman" panose="02020603050405020304" pitchFamily="18" charset="0"/>
+                        <a:ea typeface="等线" panose="02010600030101010101" pitchFamily="2" charset="-122"/>
+                      </a:endParaRPr>
+                    </a:p>
+                  </a:txBody>
+                  <a:tcPr marL="9318" marR="9318" marT="9318" marB="0" anchor="ctr">
+                    <a:solidFill>
+                      <a:schemeClr val="accent4"/>
+                    </a:solidFill>
+                  </a:tcPr>
+                </a:tc>
+                <a:tc>
+                  <a:txBody>
+                    <a:bodyPr/>
+                    <a:lstStyle/>
+                    <a:p>
+                      <a:pPr algn="l" rtl="0" fontAlgn="ctr">
+                        <a:lnSpc>
+                          <a:spcPct val="150000"/>
+                        </a:lnSpc>
+                      </a:pPr>
+                      <a:r>
+                        <a:rPr lang="en-US" altLang="zh-CN" sz="1800" u="none" strike="noStrike">
+                          <a:effectLst/>
+                        </a:rPr>
+                        <a:t>0.8897</a:t>
+                      </a:r>
+                      <a:endParaRPr lang="en-US" altLang="zh-CN" sz="1800" b="0" i="0" u="none" strike="noStrike">
+                        <a:solidFill>
+                          <a:srgbClr val="000000"/>
+                        </a:solidFill>
+                        <a:effectLst/>
+                        <a:latin typeface="Times New Roman" panose="02020603050405020304" pitchFamily="18" charset="0"/>
+                        <a:ea typeface="等线" panose="02010600030101010101" pitchFamily="2" charset="-122"/>
+                      </a:endParaRPr>
+                    </a:p>
+                  </a:txBody>
+                  <a:tcPr marL="9318" marR="9318" marT="9318" marB="0" anchor="ctr"/>
+                </a:tc>
+                <a:tc>
+                  <a:txBody>
+                    <a:bodyPr/>
+                    <a:lstStyle/>
+                    <a:p>
+                      <a:pPr algn="l" rtl="0" fontAlgn="ctr">
+                        <a:lnSpc>
+                          <a:spcPct val="150000"/>
+                        </a:lnSpc>
+                      </a:pPr>
+                      <a:r>
+                        <a:rPr lang="en-US" altLang="zh-CN" sz="1800" u="none" strike="noStrike" dirty="0">
+                          <a:effectLst/>
+                        </a:rPr>
+                        <a:t>0.897</a:t>
+                      </a:r>
+                      <a:endParaRPr lang="en-US" altLang="zh-CN" sz="1800" b="0" i="0" u="none" strike="noStrike" dirty="0">
+                        <a:solidFill>
+                          <a:srgbClr val="000000"/>
+                        </a:solidFill>
+                        <a:effectLst/>
+                        <a:latin typeface="Times New Roman" panose="02020603050405020304" pitchFamily="18" charset="0"/>
+                        <a:ea typeface="等线" panose="02010600030101010101" pitchFamily="2" charset="-122"/>
+                      </a:endParaRPr>
+                    </a:p>
+                  </a:txBody>
+                  <a:tcPr marL="9318" marR="9318" marT="9318" marB="0" anchor="ctr"/>
+                </a:tc>
+                <a:tc>
+                  <a:txBody>
+                    <a:bodyPr/>
+                    <a:lstStyle/>
+                    <a:p>
+                      <a:pPr algn="l" rtl="0" fontAlgn="ctr">
+                        <a:lnSpc>
+                          <a:spcPct val="150000"/>
+                        </a:lnSpc>
+                      </a:pPr>
+                      <a:r>
+                        <a:rPr lang="en-US" altLang="zh-CN" sz="1800" u="none" strike="noStrike">
+                          <a:effectLst/>
+                        </a:rPr>
+                        <a:t>0.8897</a:t>
+                      </a:r>
+                      <a:endParaRPr lang="en-US" altLang="zh-CN" sz="1800" b="0" i="0" u="none" strike="noStrike">
+                        <a:solidFill>
+                          <a:srgbClr val="000000"/>
+                        </a:solidFill>
+                        <a:effectLst/>
+                        <a:latin typeface="Times New Roman" panose="02020603050405020304" pitchFamily="18" charset="0"/>
+                        <a:ea typeface="等线" panose="02010600030101010101" pitchFamily="2" charset="-122"/>
+                      </a:endParaRPr>
+                    </a:p>
+                  </a:txBody>
+                  <a:tcPr marL="9318" marR="9318" marT="9318" marB="0" anchor="ctr"/>
+                </a:tc>
+                <a:tc>
+                  <a:txBody>
+                    <a:bodyPr/>
+                    <a:lstStyle/>
+                    <a:p>
+                      <a:pPr algn="l" rtl="0" fontAlgn="ctr">
+                        <a:lnSpc>
+                          <a:spcPct val="150000"/>
+                        </a:lnSpc>
+                      </a:pPr>
+                      <a:r>
+                        <a:rPr lang="en-US" altLang="zh-CN" sz="1800" u="none" strike="noStrike">
+                          <a:effectLst/>
+                        </a:rPr>
+                        <a:t>0.899</a:t>
+                      </a:r>
+                      <a:endParaRPr lang="en-US" altLang="zh-CN" sz="1800" b="0" i="0" u="none" strike="noStrike">
+                        <a:solidFill>
+                          <a:srgbClr val="000000"/>
+                        </a:solidFill>
+                        <a:effectLst/>
+                        <a:latin typeface="Times New Roman" panose="02020603050405020304" pitchFamily="18" charset="0"/>
+                        <a:ea typeface="等线" panose="02010600030101010101" pitchFamily="2" charset="-122"/>
+                      </a:endParaRPr>
+                    </a:p>
+                  </a:txBody>
+                  <a:tcPr marL="9318" marR="9318" marT="9318" marB="0" anchor="ctr"/>
+                </a:tc>
+                <a:extLst>
+                  <a:ext uri="{0D108BD9-81ED-4DB2-BD59-A6C34878D82A}">
+                    <a16:rowId xmlns:a16="http://schemas.microsoft.com/office/drawing/2014/main" val="2398966593"/>
+                  </a:ext>
+                </a:extLst>
+              </a:tr>
+              <a:tr h="295531">
+                <a:tc vMerge="1">
+                  <a:txBody>
+                    <a:bodyPr/>
+                    <a:lstStyle/>
+                    <a:p>
+                      <a:endParaRPr lang="zh-CN" altLang="en-US"/>
+                    </a:p>
+                  </a:txBody>
+                  <a:tcPr/>
+                </a:tc>
+                <a:tc>
+                  <a:txBody>
+                    <a:bodyPr/>
+                    <a:lstStyle/>
+                    <a:p>
+                      <a:pPr algn="l" fontAlgn="t">
+                        <a:lnSpc>
+                          <a:spcPct val="150000"/>
+                        </a:lnSpc>
+                      </a:pPr>
+                      <a:r>
+                        <a:rPr lang="en-US" sz="1800" b="1" u="none" strike="noStrike" dirty="0">
+                          <a:effectLst/>
+                        </a:rPr>
+                        <a:t>spleen acc</a:t>
+                      </a:r>
+                      <a:endParaRPr lang="en-US" sz="1800" b="1" i="0" u="none" strike="noStrike" dirty="0">
+                        <a:solidFill>
+                          <a:srgbClr val="000000"/>
+                        </a:solidFill>
+                        <a:effectLst/>
+                        <a:latin typeface="Times New Roman" panose="02020603050405020304" pitchFamily="18" charset="0"/>
+                        <a:ea typeface="等线" panose="02010600030101010101" pitchFamily="2" charset="-122"/>
+                      </a:endParaRPr>
+                    </a:p>
+                  </a:txBody>
+                  <a:tcPr marL="9318" marR="9318" marT="9318" marB="0"/>
+                </a:tc>
+                <a:tc>
+                  <a:txBody>
+                    <a:bodyPr/>
+                    <a:lstStyle/>
+                    <a:p>
+                      <a:pPr algn="l" rtl="0" fontAlgn="ctr">
+                        <a:lnSpc>
+                          <a:spcPct val="150000"/>
+                        </a:lnSpc>
+                      </a:pPr>
+                      <a:r>
+                        <a:rPr lang="en-US" altLang="zh-CN" sz="1800" u="none" strike="noStrike">
+                          <a:effectLst/>
+                        </a:rPr>
+                        <a:t>0.6352</a:t>
+                      </a:r>
+                      <a:endParaRPr lang="en-US" altLang="zh-CN" sz="1800" b="0" i="0" u="none" strike="noStrike">
+                        <a:solidFill>
+                          <a:srgbClr val="000000"/>
+                        </a:solidFill>
+                        <a:effectLst/>
+                        <a:latin typeface="Times New Roman" panose="02020603050405020304" pitchFamily="18" charset="0"/>
+                        <a:ea typeface="等线" panose="02010600030101010101" pitchFamily="2" charset="-122"/>
+                      </a:endParaRPr>
+                    </a:p>
+                  </a:txBody>
+                  <a:tcPr marL="9318" marR="9318" marT="9318" marB="0" anchor="ctr">
+                    <a:solidFill>
+                      <a:schemeClr val="accent4"/>
+                    </a:solidFill>
+                  </a:tcPr>
+                </a:tc>
+                <a:tc>
+                  <a:txBody>
+                    <a:bodyPr/>
+                    <a:lstStyle/>
+                    <a:p>
+                      <a:pPr algn="l" rtl="0" fontAlgn="ctr">
+                        <a:lnSpc>
+                          <a:spcPct val="150000"/>
+                        </a:lnSpc>
+                      </a:pPr>
+                      <a:r>
+                        <a:rPr lang="en-US" altLang="zh-CN" sz="1800" u="none" strike="noStrike" dirty="0">
+                          <a:effectLst/>
+                        </a:rPr>
+                        <a:t>0.6352</a:t>
+                      </a:r>
+                      <a:endParaRPr lang="en-US" altLang="zh-CN" sz="1800" b="0" i="0" u="none" strike="noStrike" dirty="0">
+                        <a:solidFill>
+                          <a:srgbClr val="000000"/>
+                        </a:solidFill>
+                        <a:effectLst/>
+                        <a:latin typeface="Times New Roman" panose="02020603050405020304" pitchFamily="18" charset="0"/>
+                        <a:ea typeface="等线" panose="02010600030101010101" pitchFamily="2" charset="-122"/>
+                      </a:endParaRPr>
+                    </a:p>
+                  </a:txBody>
+                  <a:tcPr marL="9318" marR="9318" marT="9318" marB="0" anchor="ctr">
+                    <a:solidFill>
+                      <a:schemeClr val="accent4"/>
+                    </a:solidFill>
+                  </a:tcPr>
+                </a:tc>
+                <a:tc>
+                  <a:txBody>
+                    <a:bodyPr/>
+                    <a:lstStyle/>
+                    <a:p>
+                      <a:pPr algn="l" rtl="0" fontAlgn="ctr">
+                        <a:lnSpc>
+                          <a:spcPct val="150000"/>
+                        </a:lnSpc>
+                      </a:pPr>
+                      <a:r>
+                        <a:rPr lang="en-US" altLang="zh-CN" sz="1800" u="none" strike="noStrike">
+                          <a:effectLst/>
+                        </a:rPr>
+                        <a:t>0.8655</a:t>
+                      </a:r>
+                      <a:endParaRPr lang="en-US" altLang="zh-CN" sz="1800" b="0" i="0" u="none" strike="noStrike">
+                        <a:solidFill>
+                          <a:srgbClr val="000000"/>
+                        </a:solidFill>
+                        <a:effectLst/>
+                        <a:latin typeface="Times New Roman" panose="02020603050405020304" pitchFamily="18" charset="0"/>
+                        <a:ea typeface="等线" panose="02010600030101010101" pitchFamily="2" charset="-122"/>
+                      </a:endParaRPr>
+                    </a:p>
+                  </a:txBody>
+                  <a:tcPr marL="9318" marR="9318" marT="9318" marB="0" anchor="ctr"/>
+                </a:tc>
+                <a:tc>
+                  <a:txBody>
+                    <a:bodyPr/>
+                    <a:lstStyle/>
+                    <a:p>
+                      <a:pPr algn="l" rtl="0" fontAlgn="ctr">
+                        <a:lnSpc>
+                          <a:spcPct val="150000"/>
+                        </a:lnSpc>
+                      </a:pPr>
+                      <a:r>
+                        <a:rPr lang="en-US" altLang="zh-CN" sz="1800" u="none" strike="noStrike">
+                          <a:effectLst/>
+                        </a:rPr>
+                        <a:t>0.8794</a:t>
+                      </a:r>
+                      <a:endParaRPr lang="en-US" altLang="zh-CN" sz="1800" b="0" i="0" u="none" strike="noStrike">
+                        <a:solidFill>
+                          <a:srgbClr val="000000"/>
+                        </a:solidFill>
+                        <a:effectLst/>
+                        <a:latin typeface="Times New Roman" panose="02020603050405020304" pitchFamily="18" charset="0"/>
+                        <a:ea typeface="等线" panose="02010600030101010101" pitchFamily="2" charset="-122"/>
+                      </a:endParaRPr>
+                    </a:p>
+                  </a:txBody>
+                  <a:tcPr marL="9318" marR="9318" marT="9318" marB="0" anchor="ctr"/>
+                </a:tc>
+                <a:tc>
+                  <a:txBody>
+                    <a:bodyPr/>
+                    <a:lstStyle/>
+                    <a:p>
+                      <a:pPr algn="l" rtl="0" fontAlgn="ctr">
+                        <a:lnSpc>
+                          <a:spcPct val="150000"/>
+                        </a:lnSpc>
+                      </a:pPr>
+                      <a:r>
+                        <a:rPr lang="en-US" altLang="zh-CN" sz="1800" u="none" strike="noStrike">
+                          <a:effectLst/>
+                        </a:rPr>
+                        <a:t>0.8779</a:t>
+                      </a:r>
+                      <a:endParaRPr lang="en-US" altLang="zh-CN" sz="1800" b="0" i="0" u="none" strike="noStrike">
+                        <a:solidFill>
+                          <a:srgbClr val="000000"/>
+                        </a:solidFill>
+                        <a:effectLst/>
+                        <a:latin typeface="Times New Roman" panose="02020603050405020304" pitchFamily="18" charset="0"/>
+                        <a:ea typeface="等线" panose="02010600030101010101" pitchFamily="2" charset="-122"/>
+                      </a:endParaRPr>
+                    </a:p>
+                  </a:txBody>
+                  <a:tcPr marL="9318" marR="9318" marT="9318" marB="0" anchor="ctr"/>
+                </a:tc>
+                <a:tc>
+                  <a:txBody>
+                    <a:bodyPr/>
+                    <a:lstStyle/>
+                    <a:p>
+                      <a:pPr algn="l" rtl="0" fontAlgn="ctr">
+                        <a:lnSpc>
+                          <a:spcPct val="150000"/>
+                        </a:lnSpc>
+                      </a:pPr>
+                      <a:r>
+                        <a:rPr lang="en-US" altLang="zh-CN" sz="1800" u="none" strike="noStrike">
+                          <a:effectLst/>
+                        </a:rPr>
+                        <a:t>0.8794</a:t>
+                      </a:r>
+                      <a:endParaRPr lang="en-US" altLang="zh-CN" sz="1800" b="0" i="0" u="none" strike="noStrike">
+                        <a:solidFill>
+                          <a:srgbClr val="000000"/>
+                        </a:solidFill>
+                        <a:effectLst/>
+                        <a:latin typeface="Times New Roman" panose="02020603050405020304" pitchFamily="18" charset="0"/>
+                        <a:ea typeface="等线" panose="02010600030101010101" pitchFamily="2" charset="-122"/>
+                      </a:endParaRPr>
+                    </a:p>
+                  </a:txBody>
+                  <a:tcPr marL="9318" marR="9318" marT="9318" marB="0" anchor="ctr"/>
+                </a:tc>
+                <a:extLst>
+                  <a:ext uri="{0D108BD9-81ED-4DB2-BD59-A6C34878D82A}">
+                    <a16:rowId xmlns:a16="http://schemas.microsoft.com/office/drawing/2014/main" val="3070976615"/>
+                  </a:ext>
+                </a:extLst>
+              </a:tr>
+              <a:tr h="295531">
+                <a:tc vMerge="1">
+                  <a:txBody>
+                    <a:bodyPr/>
+                    <a:lstStyle/>
+                    <a:p>
+                      <a:endParaRPr lang="zh-CN" altLang="en-US"/>
+                    </a:p>
+                  </a:txBody>
+                  <a:tcPr/>
+                </a:tc>
+                <a:tc>
+                  <a:txBody>
+                    <a:bodyPr/>
+                    <a:lstStyle/>
+                    <a:p>
+                      <a:pPr algn="l" fontAlgn="t">
+                        <a:lnSpc>
+                          <a:spcPct val="150000"/>
+                        </a:lnSpc>
+                      </a:pPr>
+                      <a:r>
+                        <a:rPr lang="en-US" sz="1800" b="1" u="none" strike="noStrike" dirty="0">
+                          <a:effectLst/>
+                        </a:rPr>
+                        <a:t>kidney acc</a:t>
+                      </a:r>
+                      <a:endParaRPr lang="en-US" sz="1800" b="1" i="0" u="none" strike="noStrike" dirty="0">
+                        <a:solidFill>
+                          <a:srgbClr val="000000"/>
+                        </a:solidFill>
+                        <a:effectLst/>
+                        <a:latin typeface="Times New Roman" panose="02020603050405020304" pitchFamily="18" charset="0"/>
+                        <a:ea typeface="等线" panose="02010600030101010101" pitchFamily="2" charset="-122"/>
+                      </a:endParaRPr>
+                    </a:p>
+                  </a:txBody>
+                  <a:tcPr marL="9318" marR="9318" marT="9318" marB="0"/>
+                </a:tc>
+                <a:tc>
+                  <a:txBody>
+                    <a:bodyPr/>
+                    <a:lstStyle/>
+                    <a:p>
+                      <a:pPr algn="l" rtl="0" fontAlgn="ctr">
+                        <a:lnSpc>
+                          <a:spcPct val="150000"/>
+                        </a:lnSpc>
+                      </a:pPr>
+                      <a:r>
+                        <a:rPr lang="en-US" altLang="zh-CN" sz="1800" u="none" strike="noStrike">
+                          <a:effectLst/>
+                        </a:rPr>
+                        <a:t>0.5394</a:t>
+                      </a:r>
+                      <a:endParaRPr lang="en-US" altLang="zh-CN" sz="1800" b="0" i="0" u="none" strike="noStrike">
+                        <a:solidFill>
+                          <a:srgbClr val="000000"/>
+                        </a:solidFill>
+                        <a:effectLst/>
+                        <a:latin typeface="Times New Roman" panose="02020603050405020304" pitchFamily="18" charset="0"/>
+                        <a:ea typeface="等线" panose="02010600030101010101" pitchFamily="2" charset="-122"/>
+                      </a:endParaRPr>
+                    </a:p>
+                  </a:txBody>
+                  <a:tcPr marL="9318" marR="9318" marT="9318" marB="0" anchor="ctr">
+                    <a:solidFill>
+                      <a:schemeClr val="accent4"/>
+                    </a:solidFill>
+                  </a:tcPr>
+                </a:tc>
+                <a:tc>
+                  <a:txBody>
+                    <a:bodyPr/>
+                    <a:lstStyle/>
+                    <a:p>
+                      <a:pPr algn="l" rtl="0" fontAlgn="ctr">
+                        <a:lnSpc>
+                          <a:spcPct val="150000"/>
+                        </a:lnSpc>
+                      </a:pPr>
+                      <a:r>
+                        <a:rPr lang="en-US" altLang="zh-CN" sz="1800" u="none" strike="noStrike" dirty="0">
+                          <a:effectLst/>
+                        </a:rPr>
+                        <a:t>0.5379</a:t>
+                      </a:r>
+                      <a:endParaRPr lang="en-US" altLang="zh-CN" sz="1800" b="0" i="0" u="none" strike="noStrike" dirty="0">
+                        <a:solidFill>
+                          <a:srgbClr val="000000"/>
+                        </a:solidFill>
+                        <a:effectLst/>
+                        <a:latin typeface="Times New Roman" panose="02020603050405020304" pitchFamily="18" charset="0"/>
+                        <a:ea typeface="等线" panose="02010600030101010101" pitchFamily="2" charset="-122"/>
+                      </a:endParaRPr>
+                    </a:p>
+                  </a:txBody>
+                  <a:tcPr marL="9318" marR="9318" marT="9318" marB="0" anchor="ctr">
+                    <a:solidFill>
+                      <a:schemeClr val="accent4"/>
+                    </a:solidFill>
+                  </a:tcPr>
+                </a:tc>
+                <a:tc>
+                  <a:txBody>
+                    <a:bodyPr/>
+                    <a:lstStyle/>
+                    <a:p>
+                      <a:pPr algn="l" rtl="0" fontAlgn="ctr">
+                        <a:lnSpc>
+                          <a:spcPct val="150000"/>
+                        </a:lnSpc>
+                      </a:pPr>
+                      <a:r>
+                        <a:rPr lang="en-US" altLang="zh-CN" sz="1800" u="none" strike="noStrike">
+                          <a:effectLst/>
+                        </a:rPr>
+                        <a:t>0.8779</a:t>
+                      </a:r>
+                      <a:endParaRPr lang="en-US" altLang="zh-CN" sz="1800" b="0" i="0" u="none" strike="noStrike">
+                        <a:solidFill>
+                          <a:srgbClr val="000000"/>
+                        </a:solidFill>
+                        <a:effectLst/>
+                        <a:latin typeface="Times New Roman" panose="02020603050405020304" pitchFamily="18" charset="0"/>
+                        <a:ea typeface="等线" panose="02010600030101010101" pitchFamily="2" charset="-122"/>
+                      </a:endParaRPr>
+                    </a:p>
+                  </a:txBody>
+                  <a:tcPr marL="9318" marR="9318" marT="9318" marB="0" anchor="ctr"/>
+                </a:tc>
+                <a:tc>
+                  <a:txBody>
+                    <a:bodyPr/>
+                    <a:lstStyle/>
+                    <a:p>
+                      <a:pPr algn="l" rtl="0" fontAlgn="ctr">
+                        <a:lnSpc>
+                          <a:spcPct val="150000"/>
+                        </a:lnSpc>
+                      </a:pPr>
+                      <a:r>
+                        <a:rPr lang="en-US" altLang="zh-CN" sz="1800" u="none" strike="noStrike">
+                          <a:effectLst/>
+                        </a:rPr>
+                        <a:t>0.9042</a:t>
+                      </a:r>
+                      <a:endParaRPr lang="en-US" altLang="zh-CN" sz="1800" b="0" i="0" u="none" strike="noStrike">
+                        <a:solidFill>
+                          <a:srgbClr val="000000"/>
+                        </a:solidFill>
+                        <a:effectLst/>
+                        <a:latin typeface="Times New Roman" panose="02020603050405020304" pitchFamily="18" charset="0"/>
+                        <a:ea typeface="等线" panose="02010600030101010101" pitchFamily="2" charset="-122"/>
+                      </a:endParaRPr>
+                    </a:p>
+                  </a:txBody>
+                  <a:tcPr marL="9318" marR="9318" marT="9318" marB="0" anchor="ctr"/>
+                </a:tc>
+                <a:tc>
+                  <a:txBody>
+                    <a:bodyPr/>
+                    <a:lstStyle/>
+                    <a:p>
+                      <a:pPr algn="l" rtl="0" fontAlgn="ctr">
+                        <a:lnSpc>
+                          <a:spcPct val="150000"/>
+                        </a:lnSpc>
+                      </a:pPr>
+                      <a:r>
+                        <a:rPr lang="en-US" altLang="zh-CN" sz="1800" u="none" strike="noStrike">
+                          <a:effectLst/>
+                        </a:rPr>
+                        <a:t>0.8856</a:t>
+                      </a:r>
+                      <a:endParaRPr lang="en-US" altLang="zh-CN" sz="1800" b="0" i="0" u="none" strike="noStrike">
+                        <a:solidFill>
+                          <a:srgbClr val="000000"/>
+                        </a:solidFill>
+                        <a:effectLst/>
+                        <a:latin typeface="Times New Roman" panose="02020603050405020304" pitchFamily="18" charset="0"/>
+                        <a:ea typeface="等线" panose="02010600030101010101" pitchFamily="2" charset="-122"/>
+                      </a:endParaRPr>
+                    </a:p>
+                  </a:txBody>
+                  <a:tcPr marL="9318" marR="9318" marT="9318" marB="0" anchor="ctr"/>
+                </a:tc>
+                <a:tc>
+                  <a:txBody>
+                    <a:bodyPr/>
+                    <a:lstStyle/>
+                    <a:p>
+                      <a:pPr algn="l" rtl="0" fontAlgn="ctr">
+                        <a:lnSpc>
+                          <a:spcPct val="150000"/>
+                        </a:lnSpc>
+                      </a:pPr>
+                      <a:r>
+                        <a:rPr lang="en-US" altLang="zh-CN" sz="1800" u="none" strike="noStrike">
+                          <a:effectLst/>
+                        </a:rPr>
+                        <a:t>0.9011</a:t>
+                      </a:r>
+                      <a:endParaRPr lang="en-US" altLang="zh-CN" sz="1800" b="0" i="0" u="none" strike="noStrike">
+                        <a:solidFill>
+                          <a:srgbClr val="000000"/>
+                        </a:solidFill>
+                        <a:effectLst/>
+                        <a:latin typeface="Times New Roman" panose="02020603050405020304" pitchFamily="18" charset="0"/>
+                        <a:ea typeface="等线" panose="02010600030101010101" pitchFamily="2" charset="-122"/>
+                      </a:endParaRPr>
+                    </a:p>
+                  </a:txBody>
+                  <a:tcPr marL="9318" marR="9318" marT="9318" marB="0" anchor="ctr"/>
+                </a:tc>
+                <a:extLst>
+                  <a:ext uri="{0D108BD9-81ED-4DB2-BD59-A6C34878D82A}">
+                    <a16:rowId xmlns:a16="http://schemas.microsoft.com/office/drawing/2014/main" val="2361242770"/>
+                  </a:ext>
+                </a:extLst>
+              </a:tr>
+              <a:tr h="295531">
+                <a:tc vMerge="1">
+                  <a:txBody>
+                    <a:bodyPr/>
+                    <a:lstStyle/>
+                    <a:p>
+                      <a:endParaRPr lang="zh-CN" altLang="en-US"/>
+                    </a:p>
+                  </a:txBody>
+                  <a:tcPr/>
+                </a:tc>
+                <a:tc>
+                  <a:txBody>
+                    <a:bodyPr/>
+                    <a:lstStyle/>
+                    <a:p>
+                      <a:pPr algn="l" fontAlgn="t">
+                        <a:lnSpc>
+                          <a:spcPct val="150000"/>
+                        </a:lnSpc>
+                      </a:pPr>
+                      <a:r>
+                        <a:rPr lang="en-US" sz="1800" b="1" u="none" strike="noStrike" dirty="0">
+                          <a:effectLst/>
+                        </a:rPr>
+                        <a:t>liver acc</a:t>
+                      </a:r>
+                      <a:endParaRPr lang="en-US" sz="1800" b="1" i="0" u="none" strike="noStrike" dirty="0">
+                        <a:solidFill>
+                          <a:srgbClr val="000000"/>
+                        </a:solidFill>
+                        <a:effectLst/>
+                        <a:latin typeface="Times New Roman" panose="02020603050405020304" pitchFamily="18" charset="0"/>
+                        <a:ea typeface="等线" panose="02010600030101010101" pitchFamily="2" charset="-122"/>
+                      </a:endParaRPr>
+                    </a:p>
+                  </a:txBody>
+                  <a:tcPr marL="9318" marR="9318" marT="9318" marB="0"/>
+                </a:tc>
+                <a:tc>
+                  <a:txBody>
+                    <a:bodyPr/>
+                    <a:lstStyle/>
+                    <a:p>
+                      <a:pPr algn="l" rtl="0" fontAlgn="ctr">
+                        <a:lnSpc>
+                          <a:spcPct val="150000"/>
+                        </a:lnSpc>
+                      </a:pPr>
+                      <a:r>
+                        <a:rPr lang="en-US" altLang="zh-CN" sz="1800" u="none" strike="noStrike">
+                          <a:effectLst/>
+                        </a:rPr>
+                        <a:t>0.49</a:t>
+                      </a:r>
+                      <a:endParaRPr lang="en-US" altLang="zh-CN" sz="1800" b="0" i="0" u="none" strike="noStrike">
+                        <a:solidFill>
+                          <a:srgbClr val="000000"/>
+                        </a:solidFill>
+                        <a:effectLst/>
+                        <a:latin typeface="Times New Roman" panose="02020603050405020304" pitchFamily="18" charset="0"/>
+                        <a:ea typeface="等线" panose="02010600030101010101" pitchFamily="2" charset="-122"/>
+                      </a:endParaRPr>
+                    </a:p>
+                  </a:txBody>
+                  <a:tcPr marL="9318" marR="9318" marT="9318" marB="0" anchor="ctr">
+                    <a:solidFill>
+                      <a:schemeClr val="accent4"/>
+                    </a:solidFill>
+                  </a:tcPr>
+                </a:tc>
+                <a:tc>
+                  <a:txBody>
+                    <a:bodyPr/>
+                    <a:lstStyle/>
+                    <a:p>
+                      <a:pPr algn="l" rtl="0" fontAlgn="ctr">
+                        <a:lnSpc>
+                          <a:spcPct val="150000"/>
+                        </a:lnSpc>
+                      </a:pPr>
+                      <a:r>
+                        <a:rPr lang="en-US" altLang="zh-CN" sz="1800" u="none" strike="noStrike" dirty="0">
+                          <a:effectLst/>
+                        </a:rPr>
+                        <a:t>0.4003</a:t>
+                      </a:r>
+                      <a:endParaRPr lang="en-US" altLang="zh-CN" sz="1800" b="0" i="0" u="none" strike="noStrike" dirty="0">
+                        <a:solidFill>
+                          <a:srgbClr val="000000"/>
+                        </a:solidFill>
+                        <a:effectLst/>
+                        <a:latin typeface="Times New Roman" panose="02020603050405020304" pitchFamily="18" charset="0"/>
+                        <a:ea typeface="等线" panose="02010600030101010101" pitchFamily="2" charset="-122"/>
+                      </a:endParaRPr>
+                    </a:p>
+                  </a:txBody>
+                  <a:tcPr marL="9318" marR="9318" marT="9318" marB="0" anchor="ctr">
+                    <a:solidFill>
+                      <a:schemeClr val="accent4"/>
+                    </a:solidFill>
+                  </a:tcPr>
+                </a:tc>
+                <a:tc>
+                  <a:txBody>
+                    <a:bodyPr/>
+                    <a:lstStyle/>
+                    <a:p>
+                      <a:pPr algn="l" rtl="0" fontAlgn="ctr">
+                        <a:lnSpc>
+                          <a:spcPct val="150000"/>
+                        </a:lnSpc>
+                      </a:pPr>
+                      <a:r>
+                        <a:rPr lang="en-US" altLang="zh-CN" sz="1800" u="none" strike="noStrike">
+                          <a:effectLst/>
+                        </a:rPr>
+                        <a:t>0.9258</a:t>
+                      </a:r>
+                      <a:endParaRPr lang="en-US" altLang="zh-CN" sz="1800" b="0" i="0" u="none" strike="noStrike">
+                        <a:solidFill>
+                          <a:srgbClr val="000000"/>
+                        </a:solidFill>
+                        <a:effectLst/>
+                        <a:latin typeface="Times New Roman" panose="02020603050405020304" pitchFamily="18" charset="0"/>
+                        <a:ea typeface="等线" panose="02010600030101010101" pitchFamily="2" charset="-122"/>
+                      </a:endParaRPr>
+                    </a:p>
+                  </a:txBody>
+                  <a:tcPr marL="9318" marR="9318" marT="9318" marB="0" anchor="ctr"/>
+                </a:tc>
+                <a:tc>
+                  <a:txBody>
+                    <a:bodyPr/>
+                    <a:lstStyle/>
+                    <a:p>
+                      <a:pPr algn="l" rtl="0" fontAlgn="ctr">
+                        <a:lnSpc>
+                          <a:spcPct val="150000"/>
+                        </a:lnSpc>
+                      </a:pPr>
+                      <a:r>
+                        <a:rPr lang="en-US" altLang="zh-CN" sz="1800" u="none" strike="noStrike">
+                          <a:effectLst/>
+                        </a:rPr>
+                        <a:t>0.9073</a:t>
+                      </a:r>
+                      <a:endParaRPr lang="en-US" altLang="zh-CN" sz="1800" b="0" i="0" u="none" strike="noStrike">
+                        <a:solidFill>
+                          <a:srgbClr val="000000"/>
+                        </a:solidFill>
+                        <a:effectLst/>
+                        <a:latin typeface="Times New Roman" panose="02020603050405020304" pitchFamily="18" charset="0"/>
+                        <a:ea typeface="等线" panose="02010600030101010101" pitchFamily="2" charset="-122"/>
+                      </a:endParaRPr>
+                    </a:p>
+                  </a:txBody>
+                  <a:tcPr marL="9318" marR="9318" marT="9318" marB="0" anchor="ctr"/>
+                </a:tc>
+                <a:tc>
+                  <a:txBody>
+                    <a:bodyPr/>
+                    <a:lstStyle/>
+                    <a:p>
+                      <a:pPr algn="l" rtl="0" fontAlgn="ctr">
+                        <a:lnSpc>
+                          <a:spcPct val="150000"/>
+                        </a:lnSpc>
+                      </a:pPr>
+                      <a:r>
+                        <a:rPr lang="en-US" altLang="zh-CN" sz="1800" u="none" strike="noStrike">
+                          <a:effectLst/>
+                        </a:rPr>
+                        <a:t>0.9057</a:t>
+                      </a:r>
+                      <a:endParaRPr lang="en-US" altLang="zh-CN" sz="1800" b="0" i="0" u="none" strike="noStrike">
+                        <a:solidFill>
+                          <a:srgbClr val="000000"/>
+                        </a:solidFill>
+                        <a:effectLst/>
+                        <a:latin typeface="Times New Roman" panose="02020603050405020304" pitchFamily="18" charset="0"/>
+                        <a:ea typeface="等线" panose="02010600030101010101" pitchFamily="2" charset="-122"/>
+                      </a:endParaRPr>
+                    </a:p>
+                  </a:txBody>
+                  <a:tcPr marL="9318" marR="9318" marT="9318" marB="0" anchor="ctr"/>
+                </a:tc>
+                <a:tc>
+                  <a:txBody>
+                    <a:bodyPr/>
+                    <a:lstStyle/>
+                    <a:p>
+                      <a:pPr algn="l" rtl="0" fontAlgn="ctr">
+                        <a:lnSpc>
+                          <a:spcPct val="150000"/>
+                        </a:lnSpc>
+                      </a:pPr>
+                      <a:r>
+                        <a:rPr lang="en-US" altLang="zh-CN" sz="1800" u="none" strike="noStrike">
+                          <a:effectLst/>
+                        </a:rPr>
+                        <a:t>0.9165</a:t>
+                      </a:r>
+                      <a:endParaRPr lang="en-US" altLang="zh-CN" sz="1800" b="0" i="0" u="none" strike="noStrike">
+                        <a:solidFill>
+                          <a:srgbClr val="000000"/>
+                        </a:solidFill>
+                        <a:effectLst/>
+                        <a:latin typeface="Times New Roman" panose="02020603050405020304" pitchFamily="18" charset="0"/>
+                        <a:ea typeface="等线" panose="02010600030101010101" pitchFamily="2" charset="-122"/>
+                      </a:endParaRPr>
+                    </a:p>
+                  </a:txBody>
+                  <a:tcPr marL="9318" marR="9318" marT="9318" marB="0" anchor="ctr"/>
+                </a:tc>
+                <a:extLst>
+                  <a:ext uri="{0D108BD9-81ED-4DB2-BD59-A6C34878D82A}">
+                    <a16:rowId xmlns:a16="http://schemas.microsoft.com/office/drawing/2014/main" val="86368282"/>
+                  </a:ext>
+                </a:extLst>
+              </a:tr>
+              <a:tr h="295531">
+                <a:tc rowSpan="4">
+                  <a:txBody>
+                    <a:bodyPr/>
+                    <a:lstStyle/>
+                    <a:p>
+                      <a:pPr algn="l" rtl="0" fontAlgn="ctr">
+                        <a:lnSpc>
+                          <a:spcPct val="150000"/>
+                        </a:lnSpc>
+                      </a:pPr>
+                      <a:r>
+                        <a:rPr lang="en-US" sz="1800" b="1" u="none" strike="noStrike" dirty="0">
+                          <a:effectLst/>
+                        </a:rPr>
+                        <a:t>T2</a:t>
+                      </a:r>
+                      <a:endParaRPr lang="en-US" sz="1800" b="1" i="0" u="none" strike="noStrike" dirty="0">
+                        <a:solidFill>
+                          <a:srgbClr val="000000"/>
+                        </a:solidFill>
+                        <a:effectLst/>
+                        <a:latin typeface="Times New Roman" panose="02020603050405020304" pitchFamily="18" charset="0"/>
+                        <a:ea typeface="等线" panose="02010600030101010101" pitchFamily="2" charset="-122"/>
+                      </a:endParaRPr>
+                    </a:p>
+                  </a:txBody>
+                  <a:tcPr marL="9318" marR="9318" marT="9318" marB="0" anchor="ctr"/>
+                </a:tc>
+                <a:tc>
+                  <a:txBody>
+                    <a:bodyPr/>
+                    <a:lstStyle/>
+                    <a:p>
+                      <a:pPr algn="l" fontAlgn="t">
+                        <a:lnSpc>
+                          <a:spcPct val="150000"/>
+                        </a:lnSpc>
+                      </a:pPr>
+                      <a:r>
+                        <a:rPr lang="en-US" sz="1800" b="1" u="none" strike="noStrike" dirty="0">
+                          <a:effectLst/>
+                        </a:rPr>
+                        <a:t>average acc</a:t>
+                      </a:r>
+                      <a:endParaRPr lang="en-US" sz="1800" b="1" i="0" u="none" strike="noStrike" dirty="0">
+                        <a:solidFill>
+                          <a:srgbClr val="000000"/>
+                        </a:solidFill>
+                        <a:effectLst/>
+                        <a:latin typeface="Times New Roman" panose="02020603050405020304" pitchFamily="18" charset="0"/>
+                        <a:ea typeface="等线" panose="02010600030101010101" pitchFamily="2" charset="-122"/>
+                      </a:endParaRPr>
+                    </a:p>
+                  </a:txBody>
+                  <a:tcPr marL="9318" marR="9318" marT="9318" marB="0"/>
+                </a:tc>
+                <a:tc>
+                  <a:txBody>
+                    <a:bodyPr/>
+                    <a:lstStyle/>
+                    <a:p>
+                      <a:pPr algn="l" rtl="0" fontAlgn="ctr">
+                        <a:lnSpc>
+                          <a:spcPct val="150000"/>
+                        </a:lnSpc>
+                      </a:pPr>
+                      <a:r>
+                        <a:rPr lang="en-US" altLang="zh-CN" sz="1800" u="none" strike="noStrike">
+                          <a:effectLst/>
+                        </a:rPr>
+                        <a:t>0.4992</a:t>
+                      </a:r>
+                      <a:endParaRPr lang="en-US" altLang="zh-CN" sz="1800" b="0" i="0" u="none" strike="noStrike">
+                        <a:solidFill>
+                          <a:srgbClr val="000000"/>
+                        </a:solidFill>
+                        <a:effectLst/>
+                        <a:latin typeface="Times New Roman" panose="02020603050405020304" pitchFamily="18" charset="0"/>
+                        <a:ea typeface="等线" panose="02010600030101010101" pitchFamily="2" charset="-122"/>
+                      </a:endParaRPr>
+                    </a:p>
+                  </a:txBody>
+                  <a:tcPr marL="9318" marR="9318" marT="9318" marB="0" anchor="ctr">
+                    <a:solidFill>
+                      <a:schemeClr val="accent4"/>
+                    </a:solidFill>
+                  </a:tcPr>
+                </a:tc>
+                <a:tc>
+                  <a:txBody>
+                    <a:bodyPr/>
+                    <a:lstStyle/>
+                    <a:p>
+                      <a:pPr algn="l" rtl="0" fontAlgn="ctr">
+                        <a:lnSpc>
+                          <a:spcPct val="150000"/>
+                        </a:lnSpc>
+                      </a:pPr>
+                      <a:r>
+                        <a:rPr lang="en-US" altLang="zh-CN" sz="1800" u="none" strike="noStrike" dirty="0">
+                          <a:effectLst/>
+                        </a:rPr>
+                        <a:t>0.5003</a:t>
+                      </a:r>
+                      <a:endParaRPr lang="en-US" altLang="zh-CN" sz="1800" b="0" i="0" u="none" strike="noStrike" dirty="0">
+                        <a:solidFill>
+                          <a:srgbClr val="000000"/>
+                        </a:solidFill>
+                        <a:effectLst/>
+                        <a:latin typeface="Times New Roman" panose="02020603050405020304" pitchFamily="18" charset="0"/>
+                        <a:ea typeface="等线" panose="02010600030101010101" pitchFamily="2" charset="-122"/>
+                      </a:endParaRPr>
+                    </a:p>
+                  </a:txBody>
+                  <a:tcPr marL="9318" marR="9318" marT="9318" marB="0" anchor="ctr">
+                    <a:solidFill>
+                      <a:schemeClr val="accent4"/>
+                    </a:solidFill>
+                  </a:tcPr>
+                </a:tc>
+                <a:tc>
+                  <a:txBody>
+                    <a:bodyPr/>
+                    <a:lstStyle/>
+                    <a:p>
+                      <a:pPr algn="l" rtl="0" fontAlgn="ctr">
+                        <a:lnSpc>
+                          <a:spcPct val="150000"/>
+                        </a:lnSpc>
+                      </a:pPr>
+                      <a:r>
+                        <a:rPr lang="en-US" altLang="zh-CN" sz="1800" u="none" strike="noStrike">
+                          <a:effectLst/>
+                        </a:rPr>
+                        <a:t>0.8705</a:t>
+                      </a:r>
+                      <a:endParaRPr lang="en-US" altLang="zh-CN" sz="1800" b="0" i="0" u="none" strike="noStrike">
+                        <a:solidFill>
+                          <a:srgbClr val="000000"/>
+                        </a:solidFill>
+                        <a:effectLst/>
+                        <a:latin typeface="Times New Roman" panose="02020603050405020304" pitchFamily="18" charset="0"/>
+                        <a:ea typeface="等线" panose="02010600030101010101" pitchFamily="2" charset="-122"/>
+                      </a:endParaRPr>
+                    </a:p>
+                  </a:txBody>
+                  <a:tcPr marL="9318" marR="9318" marT="9318" marB="0" anchor="ctr"/>
+                </a:tc>
+                <a:tc>
+                  <a:txBody>
+                    <a:bodyPr/>
+                    <a:lstStyle/>
+                    <a:p>
+                      <a:pPr algn="l" rtl="0" fontAlgn="ctr">
+                        <a:lnSpc>
+                          <a:spcPct val="150000"/>
+                        </a:lnSpc>
+                      </a:pPr>
+                      <a:r>
+                        <a:rPr lang="en-US" altLang="zh-CN" sz="1800" u="none" strike="noStrike">
+                          <a:effectLst/>
+                        </a:rPr>
+                        <a:t>0.8844</a:t>
+                      </a:r>
+                      <a:endParaRPr lang="en-US" altLang="zh-CN" sz="1800" b="0" i="0" u="none" strike="noStrike">
+                        <a:solidFill>
+                          <a:srgbClr val="000000"/>
+                        </a:solidFill>
+                        <a:effectLst/>
+                        <a:latin typeface="Times New Roman" panose="02020603050405020304" pitchFamily="18" charset="0"/>
+                        <a:ea typeface="等线" panose="02010600030101010101" pitchFamily="2" charset="-122"/>
+                      </a:endParaRPr>
+                    </a:p>
+                  </a:txBody>
+                  <a:tcPr marL="9318" marR="9318" marT="9318" marB="0" anchor="ctr"/>
+                </a:tc>
+                <a:tc>
+                  <a:txBody>
+                    <a:bodyPr/>
+                    <a:lstStyle/>
+                    <a:p>
+                      <a:pPr algn="l" rtl="0" fontAlgn="ctr">
+                        <a:lnSpc>
+                          <a:spcPct val="150000"/>
+                        </a:lnSpc>
+                      </a:pPr>
+                      <a:r>
+                        <a:rPr lang="en-US" altLang="zh-CN" sz="1800" u="none" strike="noStrike">
+                          <a:effectLst/>
+                        </a:rPr>
+                        <a:t>0.8689</a:t>
+                      </a:r>
+                      <a:endParaRPr lang="en-US" altLang="zh-CN" sz="1800" b="0" i="0" u="none" strike="noStrike">
+                        <a:solidFill>
+                          <a:srgbClr val="000000"/>
+                        </a:solidFill>
+                        <a:effectLst/>
+                        <a:latin typeface="Times New Roman" panose="02020603050405020304" pitchFamily="18" charset="0"/>
+                        <a:ea typeface="等线" panose="02010600030101010101" pitchFamily="2" charset="-122"/>
+                      </a:endParaRPr>
+                    </a:p>
+                  </a:txBody>
+                  <a:tcPr marL="9318" marR="9318" marT="9318" marB="0" anchor="ctr"/>
+                </a:tc>
+                <a:tc>
+                  <a:txBody>
+                    <a:bodyPr/>
+                    <a:lstStyle/>
+                    <a:p>
+                      <a:pPr algn="l" rtl="0" fontAlgn="ctr">
+                        <a:lnSpc>
+                          <a:spcPct val="150000"/>
+                        </a:lnSpc>
+                      </a:pPr>
+                      <a:r>
+                        <a:rPr lang="en-US" altLang="zh-CN" sz="1800" u="none" strike="noStrike">
+                          <a:effectLst/>
+                        </a:rPr>
+                        <a:t>0.8732</a:t>
+                      </a:r>
+                      <a:endParaRPr lang="en-US" altLang="zh-CN" sz="1800" b="0" i="0" u="none" strike="noStrike">
+                        <a:solidFill>
+                          <a:srgbClr val="000000"/>
+                        </a:solidFill>
+                        <a:effectLst/>
+                        <a:latin typeface="Times New Roman" panose="02020603050405020304" pitchFamily="18" charset="0"/>
+                        <a:ea typeface="等线" panose="02010600030101010101" pitchFamily="2" charset="-122"/>
+                      </a:endParaRPr>
+                    </a:p>
+                  </a:txBody>
+                  <a:tcPr marL="9318" marR="9318" marT="9318" marB="0" anchor="ctr"/>
+                </a:tc>
+                <a:extLst>
+                  <a:ext uri="{0D108BD9-81ED-4DB2-BD59-A6C34878D82A}">
+                    <a16:rowId xmlns:a16="http://schemas.microsoft.com/office/drawing/2014/main" val="2571274516"/>
+                  </a:ext>
+                </a:extLst>
+              </a:tr>
+              <a:tr h="295531">
+                <a:tc vMerge="1">
+                  <a:txBody>
+                    <a:bodyPr/>
+                    <a:lstStyle/>
+                    <a:p>
+                      <a:endParaRPr lang="zh-CN" altLang="en-US"/>
+                    </a:p>
+                  </a:txBody>
+                  <a:tcPr/>
+                </a:tc>
+                <a:tc>
+                  <a:txBody>
+                    <a:bodyPr/>
+                    <a:lstStyle/>
+                    <a:p>
+                      <a:pPr algn="l" fontAlgn="t">
+                        <a:lnSpc>
+                          <a:spcPct val="150000"/>
+                        </a:lnSpc>
+                      </a:pPr>
+                      <a:r>
+                        <a:rPr lang="en-US" sz="1800" b="1" u="none" strike="noStrike" dirty="0">
+                          <a:effectLst/>
+                        </a:rPr>
+                        <a:t>spleen acc</a:t>
+                      </a:r>
+                      <a:endParaRPr lang="en-US" sz="1800" b="1" i="0" u="none" strike="noStrike" dirty="0">
+                        <a:solidFill>
+                          <a:srgbClr val="000000"/>
+                        </a:solidFill>
+                        <a:effectLst/>
+                        <a:latin typeface="Times New Roman" panose="02020603050405020304" pitchFamily="18" charset="0"/>
+                        <a:ea typeface="等线" panose="02010600030101010101" pitchFamily="2" charset="-122"/>
+                      </a:endParaRPr>
+                    </a:p>
+                  </a:txBody>
+                  <a:tcPr marL="9318" marR="9318" marT="9318" marB="0"/>
+                </a:tc>
+                <a:tc>
+                  <a:txBody>
+                    <a:bodyPr/>
+                    <a:lstStyle/>
+                    <a:p>
+                      <a:pPr algn="l" rtl="0" fontAlgn="ctr">
+                        <a:lnSpc>
+                          <a:spcPct val="150000"/>
+                        </a:lnSpc>
+                      </a:pPr>
+                      <a:r>
+                        <a:rPr lang="en-US" altLang="zh-CN" sz="1800" u="none" strike="noStrike">
+                          <a:effectLst/>
+                        </a:rPr>
+                        <a:t>0.61</a:t>
+                      </a:r>
+                      <a:endParaRPr lang="en-US" altLang="zh-CN" sz="1800" b="0" i="0" u="none" strike="noStrike">
+                        <a:solidFill>
+                          <a:srgbClr val="000000"/>
+                        </a:solidFill>
+                        <a:effectLst/>
+                        <a:latin typeface="Times New Roman" panose="02020603050405020304" pitchFamily="18" charset="0"/>
+                        <a:ea typeface="等线" panose="02010600030101010101" pitchFamily="2" charset="-122"/>
+                      </a:endParaRPr>
+                    </a:p>
+                  </a:txBody>
+                  <a:tcPr marL="9318" marR="9318" marT="9318" marB="0" anchor="ctr">
+                    <a:solidFill>
+                      <a:schemeClr val="accent4"/>
+                    </a:solidFill>
+                  </a:tcPr>
+                </a:tc>
+                <a:tc>
+                  <a:txBody>
+                    <a:bodyPr/>
+                    <a:lstStyle/>
+                    <a:p>
+                      <a:pPr algn="l" rtl="0" fontAlgn="ctr">
+                        <a:lnSpc>
+                          <a:spcPct val="150000"/>
+                        </a:lnSpc>
+                      </a:pPr>
+                      <a:r>
+                        <a:rPr lang="en-US" altLang="zh-CN" sz="1800" u="none" strike="noStrike" dirty="0">
+                          <a:effectLst/>
+                        </a:rPr>
+                        <a:t>0.6116</a:t>
+                      </a:r>
+                      <a:endParaRPr lang="en-US" altLang="zh-CN" sz="1800" b="0" i="0" u="none" strike="noStrike" dirty="0">
+                        <a:solidFill>
+                          <a:srgbClr val="000000"/>
+                        </a:solidFill>
+                        <a:effectLst/>
+                        <a:latin typeface="Times New Roman" panose="02020603050405020304" pitchFamily="18" charset="0"/>
+                        <a:ea typeface="等线" panose="02010600030101010101" pitchFamily="2" charset="-122"/>
+                      </a:endParaRPr>
+                    </a:p>
+                  </a:txBody>
+                  <a:tcPr marL="9318" marR="9318" marT="9318" marB="0" anchor="ctr">
+                    <a:solidFill>
+                      <a:schemeClr val="accent4"/>
+                    </a:solidFill>
+                  </a:tcPr>
+                </a:tc>
+                <a:tc>
+                  <a:txBody>
+                    <a:bodyPr/>
+                    <a:lstStyle/>
+                    <a:p>
+                      <a:pPr algn="l" rtl="0" fontAlgn="ctr">
+                        <a:lnSpc>
+                          <a:spcPct val="150000"/>
+                        </a:lnSpc>
+                      </a:pPr>
+                      <a:r>
+                        <a:rPr lang="en-US" altLang="zh-CN" sz="1800" u="none" strike="noStrike">
+                          <a:effectLst/>
+                        </a:rPr>
+                        <a:t>0.8523</a:t>
+                      </a:r>
+                      <a:endParaRPr lang="en-US" altLang="zh-CN" sz="1800" b="0" i="0" u="none" strike="noStrike">
+                        <a:solidFill>
+                          <a:srgbClr val="000000"/>
+                        </a:solidFill>
+                        <a:effectLst/>
+                        <a:latin typeface="Times New Roman" panose="02020603050405020304" pitchFamily="18" charset="0"/>
+                        <a:ea typeface="等线" panose="02010600030101010101" pitchFamily="2" charset="-122"/>
+                      </a:endParaRPr>
+                    </a:p>
+                  </a:txBody>
+                  <a:tcPr marL="9318" marR="9318" marT="9318" marB="0" anchor="ctr"/>
+                </a:tc>
+                <a:tc>
+                  <a:txBody>
+                    <a:bodyPr/>
+                    <a:lstStyle/>
+                    <a:p>
+                      <a:pPr algn="l" rtl="0" fontAlgn="ctr">
+                        <a:lnSpc>
+                          <a:spcPct val="150000"/>
+                        </a:lnSpc>
+                      </a:pPr>
+                      <a:r>
+                        <a:rPr lang="en-US" altLang="zh-CN" sz="1800" u="none" strike="noStrike">
+                          <a:effectLst/>
+                        </a:rPr>
+                        <a:t>0.878</a:t>
+                      </a:r>
+                      <a:endParaRPr lang="en-US" altLang="zh-CN" sz="1800" b="0" i="0" u="none" strike="noStrike">
+                        <a:solidFill>
+                          <a:srgbClr val="000000"/>
+                        </a:solidFill>
+                        <a:effectLst/>
+                        <a:latin typeface="Times New Roman" panose="02020603050405020304" pitchFamily="18" charset="0"/>
+                        <a:ea typeface="等线" panose="02010600030101010101" pitchFamily="2" charset="-122"/>
+                      </a:endParaRPr>
+                    </a:p>
+                  </a:txBody>
+                  <a:tcPr marL="9318" marR="9318" marT="9318" marB="0" anchor="ctr"/>
+                </a:tc>
+                <a:tc>
+                  <a:txBody>
+                    <a:bodyPr/>
+                    <a:lstStyle/>
+                    <a:p>
+                      <a:pPr algn="l" rtl="0" fontAlgn="ctr">
+                        <a:lnSpc>
+                          <a:spcPct val="150000"/>
+                        </a:lnSpc>
+                      </a:pPr>
+                      <a:r>
+                        <a:rPr lang="en-US" altLang="zh-CN" sz="1800" u="none" strike="noStrike">
+                          <a:effectLst/>
+                        </a:rPr>
+                        <a:t>0.8884</a:t>
+                      </a:r>
+                      <a:endParaRPr lang="en-US" altLang="zh-CN" sz="1800" b="0" i="0" u="none" strike="noStrike">
+                        <a:solidFill>
+                          <a:srgbClr val="000000"/>
+                        </a:solidFill>
+                        <a:effectLst/>
+                        <a:latin typeface="Times New Roman" panose="02020603050405020304" pitchFamily="18" charset="0"/>
+                        <a:ea typeface="等线" panose="02010600030101010101" pitchFamily="2" charset="-122"/>
+                      </a:endParaRPr>
+                    </a:p>
+                  </a:txBody>
+                  <a:tcPr marL="9318" marR="9318" marT="9318" marB="0" anchor="ctr"/>
+                </a:tc>
+                <a:tc>
+                  <a:txBody>
+                    <a:bodyPr/>
+                    <a:lstStyle/>
+                    <a:p>
+                      <a:pPr algn="l" rtl="0" fontAlgn="ctr">
+                        <a:lnSpc>
+                          <a:spcPct val="150000"/>
+                        </a:lnSpc>
+                      </a:pPr>
+                      <a:r>
+                        <a:rPr lang="en-US" altLang="zh-CN" sz="1800" u="none" strike="noStrike">
+                          <a:effectLst/>
+                        </a:rPr>
+                        <a:t>0.8716</a:t>
+                      </a:r>
+                      <a:endParaRPr lang="en-US" altLang="zh-CN" sz="1800" b="0" i="0" u="none" strike="noStrike">
+                        <a:solidFill>
+                          <a:srgbClr val="000000"/>
+                        </a:solidFill>
+                        <a:effectLst/>
+                        <a:latin typeface="Times New Roman" panose="02020603050405020304" pitchFamily="18" charset="0"/>
+                        <a:ea typeface="等线" panose="02010600030101010101" pitchFamily="2" charset="-122"/>
+                      </a:endParaRPr>
+                    </a:p>
+                  </a:txBody>
+                  <a:tcPr marL="9318" marR="9318" marT="9318" marB="0" anchor="ctr"/>
+                </a:tc>
+                <a:extLst>
+                  <a:ext uri="{0D108BD9-81ED-4DB2-BD59-A6C34878D82A}">
+                    <a16:rowId xmlns:a16="http://schemas.microsoft.com/office/drawing/2014/main" val="2110567445"/>
+                  </a:ext>
+                </a:extLst>
+              </a:tr>
+              <a:tr h="295531">
+                <a:tc vMerge="1">
+                  <a:txBody>
+                    <a:bodyPr/>
+                    <a:lstStyle/>
+                    <a:p>
+                      <a:endParaRPr lang="zh-CN" altLang="en-US"/>
+                    </a:p>
+                  </a:txBody>
+                  <a:tcPr/>
+                </a:tc>
+                <a:tc>
+                  <a:txBody>
+                    <a:bodyPr/>
+                    <a:lstStyle/>
+                    <a:p>
+                      <a:pPr algn="l" fontAlgn="t">
+                        <a:lnSpc>
+                          <a:spcPct val="150000"/>
+                        </a:lnSpc>
+                      </a:pPr>
+                      <a:r>
+                        <a:rPr lang="en-US" sz="1800" b="1" u="none" strike="noStrike" dirty="0">
+                          <a:effectLst/>
+                        </a:rPr>
+                        <a:t>kidney acc</a:t>
+                      </a:r>
+                      <a:endParaRPr lang="en-US" sz="1800" b="1" i="0" u="none" strike="noStrike" dirty="0">
+                        <a:solidFill>
+                          <a:srgbClr val="000000"/>
+                        </a:solidFill>
+                        <a:effectLst/>
+                        <a:latin typeface="Times New Roman" panose="02020603050405020304" pitchFamily="18" charset="0"/>
+                        <a:ea typeface="等线" panose="02010600030101010101" pitchFamily="2" charset="-122"/>
+                      </a:endParaRPr>
+                    </a:p>
+                  </a:txBody>
+                  <a:tcPr marL="9318" marR="9318" marT="9318" marB="0"/>
+                </a:tc>
+                <a:tc>
+                  <a:txBody>
+                    <a:bodyPr/>
+                    <a:lstStyle/>
+                    <a:p>
+                      <a:pPr algn="l" rtl="0" fontAlgn="ctr">
+                        <a:lnSpc>
+                          <a:spcPct val="150000"/>
+                        </a:lnSpc>
+                      </a:pPr>
+                      <a:r>
+                        <a:rPr lang="en-US" altLang="zh-CN" sz="1800" u="none" strike="noStrike">
+                          <a:effectLst/>
+                        </a:rPr>
+                        <a:t>0.5409</a:t>
+                      </a:r>
+                      <a:endParaRPr lang="en-US" altLang="zh-CN" sz="1800" b="0" i="0" u="none" strike="noStrike">
+                        <a:solidFill>
+                          <a:srgbClr val="000000"/>
+                        </a:solidFill>
+                        <a:effectLst/>
+                        <a:latin typeface="Times New Roman" panose="02020603050405020304" pitchFamily="18" charset="0"/>
+                        <a:ea typeface="等线" panose="02010600030101010101" pitchFamily="2" charset="-122"/>
+                      </a:endParaRPr>
+                    </a:p>
+                  </a:txBody>
+                  <a:tcPr marL="9318" marR="9318" marT="9318" marB="0" anchor="ctr">
+                    <a:solidFill>
+                      <a:schemeClr val="accent4"/>
+                    </a:solidFill>
+                  </a:tcPr>
+                </a:tc>
+                <a:tc>
+                  <a:txBody>
+                    <a:bodyPr/>
+                    <a:lstStyle/>
+                    <a:p>
+                      <a:pPr algn="l" rtl="0" fontAlgn="ctr">
+                        <a:lnSpc>
+                          <a:spcPct val="150000"/>
+                        </a:lnSpc>
+                      </a:pPr>
+                      <a:r>
+                        <a:rPr lang="en-US" altLang="zh-CN" sz="1800" u="none" strike="noStrike" dirty="0">
+                          <a:effectLst/>
+                        </a:rPr>
+                        <a:t>0.5409</a:t>
+                      </a:r>
+                      <a:endParaRPr lang="en-US" altLang="zh-CN" sz="1800" b="0" i="0" u="none" strike="noStrike" dirty="0">
+                        <a:solidFill>
+                          <a:srgbClr val="000000"/>
+                        </a:solidFill>
+                        <a:effectLst/>
+                        <a:latin typeface="Times New Roman" panose="02020603050405020304" pitchFamily="18" charset="0"/>
+                        <a:ea typeface="等线" panose="02010600030101010101" pitchFamily="2" charset="-122"/>
+                      </a:endParaRPr>
+                    </a:p>
+                  </a:txBody>
+                  <a:tcPr marL="9318" marR="9318" marT="9318" marB="0" anchor="ctr">
+                    <a:solidFill>
+                      <a:schemeClr val="accent4"/>
+                    </a:solidFill>
+                  </a:tcPr>
+                </a:tc>
+                <a:tc>
+                  <a:txBody>
+                    <a:bodyPr/>
+                    <a:lstStyle/>
+                    <a:p>
+                      <a:pPr algn="l" rtl="0" fontAlgn="ctr">
+                        <a:lnSpc>
+                          <a:spcPct val="150000"/>
+                        </a:lnSpc>
+                      </a:pPr>
+                      <a:r>
+                        <a:rPr lang="en-US" altLang="zh-CN" sz="1800" u="none" strike="noStrike">
+                          <a:effectLst/>
+                        </a:rPr>
+                        <a:t>0.886</a:t>
+                      </a:r>
+                      <a:endParaRPr lang="en-US" altLang="zh-CN" sz="1800" b="0" i="0" u="none" strike="noStrike">
+                        <a:solidFill>
+                          <a:srgbClr val="000000"/>
+                        </a:solidFill>
+                        <a:effectLst/>
+                        <a:latin typeface="Times New Roman" panose="02020603050405020304" pitchFamily="18" charset="0"/>
+                        <a:ea typeface="等线" panose="02010600030101010101" pitchFamily="2" charset="-122"/>
+                      </a:endParaRPr>
+                    </a:p>
+                  </a:txBody>
+                  <a:tcPr marL="9318" marR="9318" marT="9318" marB="0" anchor="ctr"/>
+                </a:tc>
+                <a:tc>
+                  <a:txBody>
+                    <a:bodyPr/>
+                    <a:lstStyle/>
+                    <a:p>
+                      <a:pPr algn="l" rtl="0" fontAlgn="ctr">
+                        <a:lnSpc>
+                          <a:spcPct val="150000"/>
+                        </a:lnSpc>
+                      </a:pPr>
+                      <a:r>
+                        <a:rPr lang="en-US" altLang="zh-CN" sz="1800" u="none" strike="noStrike">
+                          <a:effectLst/>
+                        </a:rPr>
+                        <a:t>0.8957</a:t>
+                      </a:r>
+                      <a:endParaRPr lang="en-US" altLang="zh-CN" sz="1800" b="0" i="0" u="none" strike="noStrike">
+                        <a:solidFill>
+                          <a:srgbClr val="000000"/>
+                        </a:solidFill>
+                        <a:effectLst/>
+                        <a:latin typeface="Times New Roman" panose="02020603050405020304" pitchFamily="18" charset="0"/>
+                        <a:ea typeface="等线" panose="02010600030101010101" pitchFamily="2" charset="-122"/>
+                      </a:endParaRPr>
+                    </a:p>
+                  </a:txBody>
+                  <a:tcPr marL="9318" marR="9318" marT="9318" marB="0" anchor="ctr"/>
+                </a:tc>
+                <a:tc>
+                  <a:txBody>
+                    <a:bodyPr/>
+                    <a:lstStyle/>
+                    <a:p>
+                      <a:pPr algn="l" rtl="0" fontAlgn="ctr">
+                        <a:lnSpc>
+                          <a:spcPct val="150000"/>
+                        </a:lnSpc>
+                      </a:pPr>
+                      <a:r>
+                        <a:rPr lang="en-US" altLang="zh-CN" sz="1800" u="none" strike="noStrike">
+                          <a:effectLst/>
+                        </a:rPr>
+                        <a:t>0.8748</a:t>
+                      </a:r>
+                      <a:endParaRPr lang="en-US" altLang="zh-CN" sz="1800" b="0" i="0" u="none" strike="noStrike">
+                        <a:solidFill>
+                          <a:srgbClr val="000000"/>
+                        </a:solidFill>
+                        <a:effectLst/>
+                        <a:latin typeface="Times New Roman" panose="02020603050405020304" pitchFamily="18" charset="0"/>
+                        <a:ea typeface="等线" panose="02010600030101010101" pitchFamily="2" charset="-122"/>
+                      </a:endParaRPr>
+                    </a:p>
+                  </a:txBody>
+                  <a:tcPr marL="9318" marR="9318" marT="9318" marB="0" anchor="ctr"/>
+                </a:tc>
+                <a:tc>
+                  <a:txBody>
+                    <a:bodyPr/>
+                    <a:lstStyle/>
+                    <a:p>
+                      <a:pPr algn="l" rtl="0" fontAlgn="ctr">
+                        <a:lnSpc>
+                          <a:spcPct val="150000"/>
+                        </a:lnSpc>
+                      </a:pPr>
+                      <a:r>
+                        <a:rPr lang="en-US" altLang="zh-CN" sz="1800" u="none" strike="noStrike">
+                          <a:effectLst/>
+                        </a:rPr>
+                        <a:t>0.8876</a:t>
+                      </a:r>
+                      <a:endParaRPr lang="en-US" altLang="zh-CN" sz="1800" b="0" i="0" u="none" strike="noStrike">
+                        <a:solidFill>
+                          <a:srgbClr val="000000"/>
+                        </a:solidFill>
+                        <a:effectLst/>
+                        <a:latin typeface="Times New Roman" panose="02020603050405020304" pitchFamily="18" charset="0"/>
+                        <a:ea typeface="等线" panose="02010600030101010101" pitchFamily="2" charset="-122"/>
+                      </a:endParaRPr>
+                    </a:p>
+                  </a:txBody>
+                  <a:tcPr marL="9318" marR="9318" marT="9318" marB="0" anchor="ctr"/>
+                </a:tc>
+                <a:extLst>
+                  <a:ext uri="{0D108BD9-81ED-4DB2-BD59-A6C34878D82A}">
+                    <a16:rowId xmlns:a16="http://schemas.microsoft.com/office/drawing/2014/main" val="2043292981"/>
+                  </a:ext>
+                </a:extLst>
+              </a:tr>
+              <a:tr h="295531">
+                <a:tc vMerge="1">
+                  <a:txBody>
+                    <a:bodyPr/>
+                    <a:lstStyle/>
+                    <a:p>
+                      <a:endParaRPr lang="zh-CN" altLang="en-US"/>
+                    </a:p>
+                  </a:txBody>
+                  <a:tcPr/>
+                </a:tc>
+                <a:tc>
+                  <a:txBody>
+                    <a:bodyPr/>
+                    <a:lstStyle/>
+                    <a:p>
+                      <a:pPr algn="l" fontAlgn="t">
+                        <a:lnSpc>
+                          <a:spcPct val="150000"/>
+                        </a:lnSpc>
+                      </a:pPr>
+                      <a:r>
+                        <a:rPr lang="en-US" sz="1800" b="1" u="none" strike="noStrike" dirty="0">
+                          <a:effectLst/>
+                        </a:rPr>
+                        <a:t>liver acc</a:t>
+                      </a:r>
+                      <a:endParaRPr lang="en-US" sz="1800" b="1" i="0" u="none" strike="noStrike" dirty="0">
+                        <a:solidFill>
+                          <a:srgbClr val="000000"/>
+                        </a:solidFill>
+                        <a:effectLst/>
+                        <a:latin typeface="Times New Roman" panose="02020603050405020304" pitchFamily="18" charset="0"/>
+                        <a:ea typeface="等线" panose="02010600030101010101" pitchFamily="2" charset="-122"/>
+                      </a:endParaRPr>
+                    </a:p>
+                  </a:txBody>
+                  <a:tcPr marL="9318" marR="9318" marT="9318" marB="0"/>
+                </a:tc>
+                <a:tc>
+                  <a:txBody>
+                    <a:bodyPr/>
+                    <a:lstStyle/>
+                    <a:p>
+                      <a:pPr algn="l" rtl="0" fontAlgn="ctr">
+                        <a:lnSpc>
+                          <a:spcPct val="150000"/>
+                        </a:lnSpc>
+                      </a:pPr>
+                      <a:r>
+                        <a:rPr lang="en-US" altLang="zh-CN" sz="1800" u="none" strike="noStrike">
+                          <a:effectLst/>
+                        </a:rPr>
+                        <a:t>0.3467</a:t>
+                      </a:r>
+                      <a:endParaRPr lang="en-US" altLang="zh-CN" sz="1800" b="0" i="0" u="none" strike="noStrike">
+                        <a:solidFill>
+                          <a:srgbClr val="000000"/>
+                        </a:solidFill>
+                        <a:effectLst/>
+                        <a:latin typeface="Times New Roman" panose="02020603050405020304" pitchFamily="18" charset="0"/>
+                        <a:ea typeface="等线" panose="02010600030101010101" pitchFamily="2" charset="-122"/>
+                      </a:endParaRPr>
+                    </a:p>
+                  </a:txBody>
+                  <a:tcPr marL="9318" marR="9318" marT="9318" marB="0" anchor="ctr">
+                    <a:solidFill>
+                      <a:schemeClr val="accent4"/>
+                    </a:solidFill>
+                  </a:tcPr>
+                </a:tc>
+                <a:tc>
+                  <a:txBody>
+                    <a:bodyPr/>
+                    <a:lstStyle/>
+                    <a:p>
+                      <a:pPr algn="l" rtl="0" fontAlgn="ctr">
+                        <a:lnSpc>
+                          <a:spcPct val="150000"/>
+                        </a:lnSpc>
+                      </a:pPr>
+                      <a:r>
+                        <a:rPr lang="en-US" altLang="zh-CN" sz="1800" u="none" strike="noStrike" dirty="0">
+                          <a:effectLst/>
+                        </a:rPr>
+                        <a:t>0.3483</a:t>
+                      </a:r>
+                      <a:endParaRPr lang="en-US" altLang="zh-CN" sz="1800" b="0" i="0" u="none" strike="noStrike" dirty="0">
+                        <a:solidFill>
+                          <a:srgbClr val="000000"/>
+                        </a:solidFill>
+                        <a:effectLst/>
+                        <a:latin typeface="Times New Roman" panose="02020603050405020304" pitchFamily="18" charset="0"/>
+                        <a:ea typeface="等线" panose="02010600030101010101" pitchFamily="2" charset="-122"/>
+                      </a:endParaRPr>
+                    </a:p>
+                  </a:txBody>
+                  <a:tcPr marL="9318" marR="9318" marT="9318" marB="0" anchor="ctr">
+                    <a:solidFill>
+                      <a:schemeClr val="accent4"/>
+                    </a:solidFill>
+                  </a:tcPr>
+                </a:tc>
+                <a:tc>
+                  <a:txBody>
+                    <a:bodyPr/>
+                    <a:lstStyle/>
+                    <a:p>
+                      <a:pPr algn="l" rtl="0" fontAlgn="ctr">
+                        <a:lnSpc>
+                          <a:spcPct val="150000"/>
+                        </a:lnSpc>
+                      </a:pPr>
+                      <a:r>
+                        <a:rPr lang="en-US" altLang="zh-CN" sz="1800" u="none" strike="noStrike">
+                          <a:effectLst/>
+                        </a:rPr>
+                        <a:t>0.8732</a:t>
+                      </a:r>
+                      <a:endParaRPr lang="en-US" altLang="zh-CN" sz="1800" b="0" i="0" u="none" strike="noStrike">
+                        <a:solidFill>
+                          <a:srgbClr val="000000"/>
+                        </a:solidFill>
+                        <a:effectLst/>
+                        <a:latin typeface="Times New Roman" panose="02020603050405020304" pitchFamily="18" charset="0"/>
+                        <a:ea typeface="等线" panose="02010600030101010101" pitchFamily="2" charset="-122"/>
+                      </a:endParaRPr>
+                    </a:p>
+                  </a:txBody>
+                  <a:tcPr marL="9318" marR="9318" marT="9318" marB="0" anchor="ctr"/>
+                </a:tc>
+                <a:tc>
+                  <a:txBody>
+                    <a:bodyPr/>
+                    <a:lstStyle/>
+                    <a:p>
+                      <a:pPr algn="l" rtl="0" fontAlgn="ctr">
+                        <a:lnSpc>
+                          <a:spcPct val="150000"/>
+                        </a:lnSpc>
+                      </a:pPr>
+                      <a:r>
+                        <a:rPr lang="en-US" altLang="zh-CN" sz="1800" u="none" strike="noStrike">
+                          <a:effectLst/>
+                        </a:rPr>
+                        <a:t>0.8796</a:t>
+                      </a:r>
+                      <a:endParaRPr lang="en-US" altLang="zh-CN" sz="1800" b="0" i="0" u="none" strike="noStrike">
+                        <a:solidFill>
+                          <a:srgbClr val="000000"/>
+                        </a:solidFill>
+                        <a:effectLst/>
+                        <a:latin typeface="Times New Roman" panose="02020603050405020304" pitchFamily="18" charset="0"/>
+                        <a:ea typeface="等线" panose="02010600030101010101" pitchFamily="2" charset="-122"/>
+                      </a:endParaRPr>
+                    </a:p>
+                  </a:txBody>
+                  <a:tcPr marL="9318" marR="9318" marT="9318" marB="0" anchor="ctr"/>
+                </a:tc>
+                <a:tc>
+                  <a:txBody>
+                    <a:bodyPr/>
+                    <a:lstStyle/>
+                    <a:p>
+                      <a:pPr algn="l" rtl="0" fontAlgn="ctr">
+                        <a:lnSpc>
+                          <a:spcPct val="150000"/>
+                        </a:lnSpc>
+                      </a:pPr>
+                      <a:r>
+                        <a:rPr lang="en-US" altLang="zh-CN" sz="1800" u="none" strike="noStrike">
+                          <a:effectLst/>
+                        </a:rPr>
+                        <a:t>0.8475</a:t>
+                      </a:r>
+                      <a:endParaRPr lang="en-US" altLang="zh-CN" sz="1800" b="0" i="0" u="none" strike="noStrike">
+                        <a:solidFill>
+                          <a:srgbClr val="000000"/>
+                        </a:solidFill>
+                        <a:effectLst/>
+                        <a:latin typeface="Times New Roman" panose="02020603050405020304" pitchFamily="18" charset="0"/>
+                        <a:ea typeface="等线" panose="02010600030101010101" pitchFamily="2" charset="-122"/>
+                      </a:endParaRPr>
+                    </a:p>
+                  </a:txBody>
+                  <a:tcPr marL="9318" marR="9318" marT="9318" marB="0" anchor="ctr"/>
+                </a:tc>
+                <a:tc>
+                  <a:txBody>
+                    <a:bodyPr/>
+                    <a:lstStyle/>
+                    <a:p>
+                      <a:pPr algn="l" rtl="0" fontAlgn="ctr">
+                        <a:lnSpc>
+                          <a:spcPct val="150000"/>
+                        </a:lnSpc>
+                      </a:pPr>
+                      <a:r>
+                        <a:rPr lang="en-US" altLang="zh-CN" sz="1800" u="none" strike="noStrike" dirty="0">
+                          <a:effectLst/>
+                        </a:rPr>
+                        <a:t>0.8604</a:t>
+                      </a:r>
+                      <a:endParaRPr lang="en-US" altLang="zh-CN" sz="1800" b="0" i="0" u="none" strike="noStrike" dirty="0">
+                        <a:solidFill>
+                          <a:srgbClr val="000000"/>
+                        </a:solidFill>
+                        <a:effectLst/>
+                        <a:latin typeface="Times New Roman" panose="02020603050405020304" pitchFamily="18" charset="0"/>
+                        <a:ea typeface="等线" panose="02010600030101010101" pitchFamily="2" charset="-122"/>
+                      </a:endParaRPr>
+                    </a:p>
+                  </a:txBody>
+                  <a:tcPr marL="9318" marR="9318" marT="9318" marB="0" anchor="ctr"/>
+                </a:tc>
+                <a:extLst>
+                  <a:ext uri="{0D108BD9-81ED-4DB2-BD59-A6C34878D82A}">
+                    <a16:rowId xmlns:a16="http://schemas.microsoft.com/office/drawing/2014/main" val="3804307614"/>
+                  </a:ext>
+                </a:extLst>
+              </a:tr>
+            </a:tbl>
+          </a:graphicData>
+        </a:graphic>
+      </p:graphicFrame>
     </p:spTree>
     <p:extLst>
       <p:ext uri="{BB962C8B-B14F-4D97-AF65-F5344CB8AC3E}">
-        <p14:creationId xmlns:p14="http://schemas.microsoft.com/office/powerpoint/2010/main" val="1773198984"/>
+        <p14:creationId xmlns:p14="http://schemas.microsoft.com/office/powerpoint/2010/main" val="3710281253"/>
       </p:ext>
     </p:extLst>
   </p:cSld>
@@ -9103,3400 +13174,10 @@
           </a:p>
         </p:txBody>
       </p:sp>
-      <p:graphicFrame>
-        <p:nvGraphicFramePr>
-          <p:cNvPr id="4" name="表格 3">
-            <a:extLst>
-              <a:ext uri="{FF2B5EF4-FFF2-40B4-BE49-F238E27FC236}">
-                <a16:creationId xmlns:a16="http://schemas.microsoft.com/office/drawing/2014/main" id="{7086AFE6-EFF8-71AD-78FF-3D6A716018DA}"/>
-              </a:ext>
-            </a:extLst>
-          </p:cNvPr>
-          <p:cNvGraphicFramePr>
-            <a:graphicFrameLocks noGrp="1"/>
-          </p:cNvGraphicFramePr>
-          <p:nvPr>
-            <p:extLst>
-              <p:ext uri="{D42A27DB-BD31-4B8C-83A1-F6EECF244321}">
-                <p14:modId xmlns:p14="http://schemas.microsoft.com/office/powerpoint/2010/main" val="549380860"/>
-              </p:ext>
-            </p:extLst>
-          </p:nvPr>
-        </p:nvGraphicFramePr>
-        <p:xfrm>
-          <a:off x="387386" y="905688"/>
-          <a:ext cx="10149985" cy="5904436"/>
-        </p:xfrm>
-        <a:graphic>
-          <a:graphicData uri="http://schemas.openxmlformats.org/drawingml/2006/table">
-            <a:tbl>
-              <a:tblPr>
-                <a:tableStyleId>{5C22544A-7EE6-4342-B048-85BDC9FD1C3A}</a:tableStyleId>
-              </a:tblPr>
-              <a:tblGrid>
-                <a:gridCol w="1898614">
-                  <a:extLst>
-                    <a:ext uri="{9D8B030D-6E8A-4147-A177-3AD203B41FA5}">
-                      <a16:colId xmlns:a16="http://schemas.microsoft.com/office/drawing/2014/main" val="1846116592"/>
-                    </a:ext>
-                  </a:extLst>
-                </a:gridCol>
-                <a:gridCol w="1676400">
-                  <a:extLst>
-                    <a:ext uri="{9D8B030D-6E8A-4147-A177-3AD203B41FA5}">
-                      <a16:colId xmlns:a16="http://schemas.microsoft.com/office/drawing/2014/main" val="531732756"/>
-                    </a:ext>
-                  </a:extLst>
-                </a:gridCol>
-                <a:gridCol w="1001486">
-                  <a:extLst>
-                    <a:ext uri="{9D8B030D-6E8A-4147-A177-3AD203B41FA5}">
-                      <a16:colId xmlns:a16="http://schemas.microsoft.com/office/drawing/2014/main" val="763298744"/>
-                    </a:ext>
-                  </a:extLst>
-                </a:gridCol>
-                <a:gridCol w="1012371">
-                  <a:extLst>
-                    <a:ext uri="{9D8B030D-6E8A-4147-A177-3AD203B41FA5}">
-                      <a16:colId xmlns:a16="http://schemas.microsoft.com/office/drawing/2014/main" val="1947301579"/>
-                    </a:ext>
-                  </a:extLst>
-                </a:gridCol>
-                <a:gridCol w="1153886">
-                  <a:extLst>
-                    <a:ext uri="{9D8B030D-6E8A-4147-A177-3AD203B41FA5}">
-                      <a16:colId xmlns:a16="http://schemas.microsoft.com/office/drawing/2014/main" val="2101050746"/>
-                    </a:ext>
-                  </a:extLst>
-                </a:gridCol>
-                <a:gridCol w="1186543">
-                  <a:extLst>
-                    <a:ext uri="{9D8B030D-6E8A-4147-A177-3AD203B41FA5}">
-                      <a16:colId xmlns:a16="http://schemas.microsoft.com/office/drawing/2014/main" val="4259091988"/>
-                    </a:ext>
-                  </a:extLst>
-                </a:gridCol>
-                <a:gridCol w="1066800">
-                  <a:extLst>
-                    <a:ext uri="{9D8B030D-6E8A-4147-A177-3AD203B41FA5}">
-                      <a16:colId xmlns:a16="http://schemas.microsoft.com/office/drawing/2014/main" val="1830618381"/>
-                    </a:ext>
-                  </a:extLst>
-                </a:gridCol>
-                <a:gridCol w="1153885">
-                  <a:extLst>
-                    <a:ext uri="{9D8B030D-6E8A-4147-A177-3AD203B41FA5}">
-                      <a16:colId xmlns:a16="http://schemas.microsoft.com/office/drawing/2014/main" val="4264783808"/>
-                    </a:ext>
-                  </a:extLst>
-                </a:gridCol>
-              </a:tblGrid>
-              <a:tr h="51097">
-                <a:tc>
-                  <a:txBody>
-                    <a:bodyPr/>
-                    <a:lstStyle/>
-                    <a:p>
-                      <a:pPr algn="l" rtl="0" fontAlgn="ctr">
-                        <a:lnSpc>
-                          <a:spcPct val="150000"/>
-                        </a:lnSpc>
-                      </a:pPr>
-                      <a:r>
-                        <a:rPr lang="en-US" sz="1800" b="1" u="none" strike="noStrike" dirty="0">
-                          <a:solidFill>
-                            <a:schemeClr val="bg1"/>
-                          </a:solidFill>
-                          <a:effectLst/>
-                        </a:rPr>
-                        <a:t>Flip</a:t>
-                      </a:r>
-                      <a:endParaRPr lang="en-US" sz="1800" b="1" i="0" u="none" strike="noStrike" dirty="0">
-                        <a:solidFill>
-                          <a:schemeClr val="bg1"/>
-                        </a:solidFill>
-                        <a:effectLst/>
-                        <a:latin typeface="Times New Roman" panose="02020603050405020304" pitchFamily="18" charset="0"/>
-                        <a:ea typeface="等线" panose="02010600030101010101" pitchFamily="2" charset="-122"/>
-                      </a:endParaRPr>
-                    </a:p>
-                  </a:txBody>
-                  <a:tcPr marL="9318" marR="9318" marT="9318" marB="0" anchor="ctr">
-                    <a:solidFill>
-                      <a:schemeClr val="accent1"/>
-                    </a:solidFill>
-                  </a:tcPr>
-                </a:tc>
-                <a:tc rowSpan="2">
-                  <a:txBody>
-                    <a:bodyPr/>
-                    <a:lstStyle/>
-                    <a:p>
-                      <a:pPr algn="ctr" fontAlgn="t">
-                        <a:lnSpc>
-                          <a:spcPct val="150000"/>
-                        </a:lnSpc>
-                      </a:pPr>
-                      <a:r>
-                        <a:rPr lang="zh-CN" altLang="en-US" sz="1800" b="1" u="none" strike="noStrike" dirty="0">
-                          <a:solidFill>
-                            <a:schemeClr val="bg1"/>
-                          </a:solidFill>
-                          <a:effectLst/>
-                        </a:rPr>
-                        <a:t>　</a:t>
-                      </a:r>
-                    </a:p>
-                    <a:p>
-                      <a:pPr algn="ctr" fontAlgn="t">
-                        <a:lnSpc>
-                          <a:spcPct val="150000"/>
-                        </a:lnSpc>
-                      </a:pPr>
-                      <a:r>
-                        <a:rPr lang="zh-CN" altLang="en-US" sz="1800" b="1" u="none" strike="noStrike" dirty="0">
-                          <a:solidFill>
-                            <a:schemeClr val="bg1"/>
-                          </a:solidFill>
-                          <a:effectLst/>
-                        </a:rPr>
-                        <a:t>　</a:t>
-                      </a:r>
-                      <a:r>
-                        <a:rPr lang="en-US" altLang="zh-CN" sz="1800" b="1" u="none" strike="noStrike" dirty="0">
-                          <a:solidFill>
-                            <a:schemeClr val="bg1"/>
-                          </a:solidFill>
-                          <a:effectLst/>
-                        </a:rPr>
-                        <a:t>acc</a:t>
-                      </a:r>
-                      <a:endParaRPr lang="zh-CN" altLang="en-US" sz="1800" b="1" i="0" u="none" strike="noStrike" dirty="0">
-                        <a:solidFill>
-                          <a:schemeClr val="bg1"/>
-                        </a:solidFill>
-                        <a:effectLst/>
-                        <a:latin typeface="Times New Roman" panose="02020603050405020304" pitchFamily="18" charset="0"/>
-                        <a:ea typeface="等线" panose="02010600030101010101" pitchFamily="2" charset="-122"/>
-                      </a:endParaRPr>
-                    </a:p>
-                  </a:txBody>
-                  <a:tcPr marL="9318" marR="9318" marT="9318" marB="0">
-                    <a:solidFill>
-                      <a:schemeClr val="accent1"/>
-                    </a:solidFill>
-                  </a:tcPr>
-                </a:tc>
-                <a:tc>
-                  <a:txBody>
-                    <a:bodyPr/>
-                    <a:lstStyle/>
-                    <a:p>
-                      <a:pPr algn="l" rtl="0" fontAlgn="ctr">
-                        <a:lnSpc>
-                          <a:spcPct val="150000"/>
-                        </a:lnSpc>
-                      </a:pPr>
-                      <a:r>
-                        <a:rPr lang="zh-CN" altLang="en-US" sz="1800" b="1" u="none" strike="noStrike" dirty="0">
-                          <a:solidFill>
-                            <a:schemeClr val="bg1"/>
-                          </a:solidFill>
-                          <a:effectLst/>
-                        </a:rPr>
-                        <a:t>无</a:t>
-                      </a:r>
-                      <a:endParaRPr lang="zh-CN" altLang="en-US" sz="1800" b="1" i="0" u="none" strike="noStrike" dirty="0">
-                        <a:solidFill>
-                          <a:schemeClr val="bg1"/>
-                        </a:solidFill>
-                        <a:effectLst/>
-                        <a:latin typeface="Times New Roman" panose="02020603050405020304" pitchFamily="18" charset="0"/>
-                        <a:ea typeface="等线" panose="02010600030101010101" pitchFamily="2" charset="-122"/>
-                      </a:endParaRPr>
-                    </a:p>
-                  </a:txBody>
-                  <a:tcPr marL="9318" marR="9318" marT="9318" marB="0" anchor="ctr">
-                    <a:solidFill>
-                      <a:schemeClr val="accent1"/>
-                    </a:solidFill>
-                  </a:tcPr>
-                </a:tc>
-                <a:tc>
-                  <a:txBody>
-                    <a:bodyPr/>
-                    <a:lstStyle/>
-                    <a:p>
-                      <a:pPr algn="l" rtl="0" fontAlgn="ctr">
-                        <a:lnSpc>
-                          <a:spcPct val="150000"/>
-                        </a:lnSpc>
-                      </a:pPr>
-                      <a:r>
-                        <a:rPr lang="zh-CN" altLang="en-US" sz="1800" b="1" u="none" strike="noStrike" dirty="0">
-                          <a:solidFill>
-                            <a:schemeClr val="bg1"/>
-                          </a:solidFill>
-                          <a:effectLst/>
-                        </a:rPr>
-                        <a:t>有</a:t>
-                      </a:r>
-                      <a:endParaRPr lang="zh-CN" altLang="en-US" sz="1800" b="1" i="0" u="none" strike="noStrike" dirty="0">
-                        <a:solidFill>
-                          <a:schemeClr val="bg1"/>
-                        </a:solidFill>
-                        <a:effectLst/>
-                        <a:latin typeface="Times New Roman" panose="02020603050405020304" pitchFamily="18" charset="0"/>
-                        <a:ea typeface="等线" panose="02010600030101010101" pitchFamily="2" charset="-122"/>
-                      </a:endParaRPr>
-                    </a:p>
-                  </a:txBody>
-                  <a:tcPr marL="9318" marR="9318" marT="9318" marB="0" anchor="ctr">
-                    <a:solidFill>
-                      <a:schemeClr val="accent1"/>
-                    </a:solidFill>
-                  </a:tcPr>
-                </a:tc>
-                <a:tc>
-                  <a:txBody>
-                    <a:bodyPr/>
-                    <a:lstStyle/>
-                    <a:p>
-                      <a:pPr algn="l" rtl="0" fontAlgn="ctr">
-                        <a:lnSpc>
-                          <a:spcPct val="150000"/>
-                        </a:lnSpc>
-                      </a:pPr>
-                      <a:r>
-                        <a:rPr lang="zh-CN" altLang="en-US" sz="1800" b="1" u="none" strike="noStrike" dirty="0">
-                          <a:solidFill>
-                            <a:schemeClr val="bg1"/>
-                          </a:solidFill>
-                          <a:effectLst/>
-                        </a:rPr>
-                        <a:t>无</a:t>
-                      </a:r>
-                      <a:endParaRPr lang="zh-CN" altLang="en-US" sz="1800" b="1" i="0" u="none" strike="noStrike" dirty="0">
-                        <a:solidFill>
-                          <a:schemeClr val="bg1"/>
-                        </a:solidFill>
-                        <a:effectLst/>
-                        <a:latin typeface="Times New Roman" panose="02020603050405020304" pitchFamily="18" charset="0"/>
-                        <a:ea typeface="等线" panose="02010600030101010101" pitchFamily="2" charset="-122"/>
-                      </a:endParaRPr>
-                    </a:p>
-                  </a:txBody>
-                  <a:tcPr marL="9318" marR="9318" marT="9318" marB="0" anchor="ctr">
-                    <a:solidFill>
-                      <a:schemeClr val="accent1"/>
-                    </a:solidFill>
-                  </a:tcPr>
-                </a:tc>
-                <a:tc>
-                  <a:txBody>
-                    <a:bodyPr/>
-                    <a:lstStyle/>
-                    <a:p>
-                      <a:pPr algn="l" rtl="0" fontAlgn="ctr">
-                        <a:lnSpc>
-                          <a:spcPct val="150000"/>
-                        </a:lnSpc>
-                      </a:pPr>
-                      <a:r>
-                        <a:rPr lang="zh-CN" altLang="en-US" sz="1800" b="1" u="none" strike="noStrike" dirty="0">
-                          <a:solidFill>
-                            <a:schemeClr val="bg1"/>
-                          </a:solidFill>
-                          <a:effectLst/>
-                        </a:rPr>
-                        <a:t>无</a:t>
-                      </a:r>
-                      <a:endParaRPr lang="zh-CN" altLang="en-US" sz="1800" b="1" i="0" u="none" strike="noStrike" dirty="0">
-                        <a:solidFill>
-                          <a:schemeClr val="bg1"/>
-                        </a:solidFill>
-                        <a:effectLst/>
-                        <a:latin typeface="Times New Roman" panose="02020603050405020304" pitchFamily="18" charset="0"/>
-                        <a:ea typeface="等线" panose="02010600030101010101" pitchFamily="2" charset="-122"/>
-                      </a:endParaRPr>
-                    </a:p>
-                  </a:txBody>
-                  <a:tcPr marL="9318" marR="9318" marT="9318" marB="0" anchor="ctr">
-                    <a:solidFill>
-                      <a:schemeClr val="accent1"/>
-                    </a:solidFill>
-                  </a:tcPr>
-                </a:tc>
-                <a:tc>
-                  <a:txBody>
-                    <a:bodyPr/>
-                    <a:lstStyle/>
-                    <a:p>
-                      <a:pPr algn="l" rtl="0" fontAlgn="ctr">
-                        <a:lnSpc>
-                          <a:spcPct val="150000"/>
-                        </a:lnSpc>
-                      </a:pPr>
-                      <a:r>
-                        <a:rPr lang="zh-CN" altLang="en-US" sz="1800" b="1" u="none" strike="noStrike" dirty="0">
-                          <a:solidFill>
-                            <a:schemeClr val="bg1"/>
-                          </a:solidFill>
-                          <a:effectLst/>
-                        </a:rPr>
-                        <a:t>无</a:t>
-                      </a:r>
-                      <a:endParaRPr lang="zh-CN" altLang="en-US" sz="1800" b="1" i="0" u="none" strike="noStrike" dirty="0">
-                        <a:solidFill>
-                          <a:schemeClr val="bg1"/>
-                        </a:solidFill>
-                        <a:effectLst/>
-                        <a:latin typeface="Times New Roman" panose="02020603050405020304" pitchFamily="18" charset="0"/>
-                        <a:ea typeface="等线" panose="02010600030101010101" pitchFamily="2" charset="-122"/>
-                      </a:endParaRPr>
-                    </a:p>
-                  </a:txBody>
-                  <a:tcPr marL="9318" marR="9318" marT="9318" marB="0" anchor="ctr">
-                    <a:solidFill>
-                      <a:schemeClr val="accent1"/>
-                    </a:solidFill>
-                  </a:tcPr>
-                </a:tc>
-                <a:tc>
-                  <a:txBody>
-                    <a:bodyPr/>
-                    <a:lstStyle/>
-                    <a:p>
-                      <a:pPr algn="l" rtl="0" fontAlgn="ctr">
-                        <a:lnSpc>
-                          <a:spcPct val="150000"/>
-                        </a:lnSpc>
-                      </a:pPr>
-                      <a:r>
-                        <a:rPr lang="zh-CN" altLang="en-US" sz="1800" b="1" u="none" strike="noStrike" dirty="0">
-                          <a:solidFill>
-                            <a:schemeClr val="bg1"/>
-                          </a:solidFill>
-                          <a:effectLst/>
-                        </a:rPr>
-                        <a:t>无</a:t>
-                      </a:r>
-                      <a:endParaRPr lang="zh-CN" altLang="en-US" sz="1800" b="1" i="0" u="none" strike="noStrike" dirty="0">
-                        <a:solidFill>
-                          <a:schemeClr val="bg1"/>
-                        </a:solidFill>
-                        <a:effectLst/>
-                        <a:latin typeface="Times New Roman" panose="02020603050405020304" pitchFamily="18" charset="0"/>
-                        <a:ea typeface="等线" panose="02010600030101010101" pitchFamily="2" charset="-122"/>
-                      </a:endParaRPr>
-                    </a:p>
-                  </a:txBody>
-                  <a:tcPr marL="9318" marR="9318" marT="9318" marB="0" anchor="ctr">
-                    <a:solidFill>
-                      <a:schemeClr val="accent1"/>
-                    </a:solidFill>
-                  </a:tcPr>
-                </a:tc>
-                <a:extLst>
-                  <a:ext uri="{0D108BD9-81ED-4DB2-BD59-A6C34878D82A}">
-                    <a16:rowId xmlns:a16="http://schemas.microsoft.com/office/drawing/2014/main" val="4007906548"/>
-                  </a:ext>
-                </a:extLst>
-              </a:tr>
-              <a:tr h="434062">
-                <a:tc>
-                  <a:txBody>
-                    <a:bodyPr/>
-                    <a:lstStyle/>
-                    <a:p>
-                      <a:pPr algn="l" rtl="0" fontAlgn="ctr">
-                        <a:lnSpc>
-                          <a:spcPct val="150000"/>
-                        </a:lnSpc>
-                      </a:pPr>
-                      <a:r>
-                        <a:rPr lang="en-US" sz="1800" b="1" u="none" strike="noStrike" dirty="0">
-                          <a:solidFill>
-                            <a:schemeClr val="bg1"/>
-                          </a:solidFill>
-                          <a:effectLst/>
-                        </a:rPr>
-                        <a:t>Shuffle remap</a:t>
-                      </a:r>
-                      <a:endParaRPr lang="en-US" sz="1800" b="1" i="0" u="none" strike="noStrike" dirty="0">
-                        <a:solidFill>
-                          <a:schemeClr val="bg1"/>
-                        </a:solidFill>
-                        <a:effectLst/>
-                        <a:latin typeface="Times New Roman" panose="02020603050405020304" pitchFamily="18" charset="0"/>
-                        <a:ea typeface="等线" panose="02010600030101010101" pitchFamily="2" charset="-122"/>
-                      </a:endParaRPr>
-                    </a:p>
-                  </a:txBody>
-                  <a:tcPr marL="9318" marR="9318" marT="9318" marB="0" anchor="ctr">
-                    <a:solidFill>
-                      <a:schemeClr val="accent1"/>
-                    </a:solidFill>
-                  </a:tcPr>
-                </a:tc>
-                <a:tc vMerge="1">
-                  <a:txBody>
-                    <a:bodyPr/>
-                    <a:lstStyle/>
-                    <a:p>
-                      <a:pPr algn="l" fontAlgn="t">
-                        <a:lnSpc>
-                          <a:spcPct val="150000"/>
-                        </a:lnSpc>
-                      </a:pPr>
-                      <a:r>
-                        <a:rPr lang="zh-CN" altLang="en-US" sz="1800" u="none" strike="noStrike" dirty="0">
-                          <a:effectLst/>
-                        </a:rPr>
-                        <a:t>　</a:t>
-                      </a:r>
-                      <a:endParaRPr lang="zh-CN" altLang="en-US" sz="1800" b="0" i="0" u="none" strike="noStrike" dirty="0">
-                        <a:solidFill>
-                          <a:srgbClr val="000000"/>
-                        </a:solidFill>
-                        <a:effectLst/>
-                        <a:latin typeface="Times New Roman" panose="02020603050405020304" pitchFamily="18" charset="0"/>
-                        <a:ea typeface="等线" panose="02010600030101010101" pitchFamily="2" charset="-122"/>
-                      </a:endParaRPr>
-                    </a:p>
-                  </a:txBody>
-                  <a:tcPr marL="9318" marR="9318" marT="9318" marB="0"/>
-                </a:tc>
-                <a:tc>
-                  <a:txBody>
-                    <a:bodyPr/>
-                    <a:lstStyle/>
-                    <a:p>
-                      <a:pPr algn="l" rtl="0" fontAlgn="ctr">
-                        <a:lnSpc>
-                          <a:spcPct val="150000"/>
-                        </a:lnSpc>
-                      </a:pPr>
-                      <a:r>
-                        <a:rPr lang="zh-CN" altLang="en-US" sz="1800" b="1" u="none" strike="noStrike" dirty="0">
-                          <a:solidFill>
-                            <a:schemeClr val="bg1"/>
-                          </a:solidFill>
-                          <a:effectLst/>
-                        </a:rPr>
-                        <a:t>无</a:t>
-                      </a:r>
-                      <a:endParaRPr lang="zh-CN" altLang="en-US" sz="1800" b="1" i="0" u="none" strike="noStrike" dirty="0">
-                        <a:solidFill>
-                          <a:schemeClr val="bg1"/>
-                        </a:solidFill>
-                        <a:effectLst/>
-                        <a:latin typeface="Times New Roman" panose="02020603050405020304" pitchFamily="18" charset="0"/>
-                        <a:ea typeface="等线" panose="02010600030101010101" pitchFamily="2" charset="-122"/>
-                      </a:endParaRPr>
-                    </a:p>
-                  </a:txBody>
-                  <a:tcPr marL="9318" marR="9318" marT="9318" marB="0" anchor="ctr">
-                    <a:solidFill>
-                      <a:schemeClr val="accent1"/>
-                    </a:solidFill>
-                  </a:tcPr>
-                </a:tc>
-                <a:tc>
-                  <a:txBody>
-                    <a:bodyPr/>
-                    <a:lstStyle/>
-                    <a:p>
-                      <a:pPr algn="l" rtl="0" fontAlgn="ctr">
-                        <a:lnSpc>
-                          <a:spcPct val="150000"/>
-                        </a:lnSpc>
-                      </a:pPr>
-                      <a:r>
-                        <a:rPr lang="zh-CN" altLang="en-US" sz="1800" b="1" u="none" strike="noStrike" dirty="0">
-                          <a:solidFill>
-                            <a:schemeClr val="bg1"/>
-                          </a:solidFill>
-                          <a:effectLst/>
-                        </a:rPr>
-                        <a:t>无</a:t>
-                      </a:r>
-                      <a:endParaRPr lang="zh-CN" altLang="en-US" sz="1800" b="1" i="0" u="none" strike="noStrike" dirty="0">
-                        <a:solidFill>
-                          <a:schemeClr val="bg1"/>
-                        </a:solidFill>
-                        <a:effectLst/>
-                        <a:latin typeface="Times New Roman" panose="02020603050405020304" pitchFamily="18" charset="0"/>
-                        <a:ea typeface="等线" panose="02010600030101010101" pitchFamily="2" charset="-122"/>
-                      </a:endParaRPr>
-                    </a:p>
-                  </a:txBody>
-                  <a:tcPr marL="9318" marR="9318" marT="9318" marB="0" anchor="ctr">
-                    <a:solidFill>
-                      <a:schemeClr val="accent1"/>
-                    </a:solidFill>
-                  </a:tcPr>
-                </a:tc>
-                <a:tc>
-                  <a:txBody>
-                    <a:bodyPr/>
-                    <a:lstStyle/>
-                    <a:p>
-                      <a:pPr algn="l" rtl="0" fontAlgn="ctr">
-                        <a:lnSpc>
-                          <a:spcPct val="150000"/>
-                        </a:lnSpc>
-                      </a:pPr>
-                      <a:r>
-                        <a:rPr lang="en-US" altLang="zh-CN" sz="1800" b="1" u="none" strike="noStrike" dirty="0">
-                          <a:solidFill>
-                            <a:schemeClr val="bg1"/>
-                          </a:solidFill>
-                          <a:effectLst/>
-                        </a:rPr>
-                        <a:t>0.5,[2, 5]</a:t>
-                      </a:r>
-                      <a:endParaRPr lang="en-US" altLang="zh-CN" sz="1800" b="1" i="0" u="none" strike="noStrike" dirty="0">
-                        <a:solidFill>
-                          <a:schemeClr val="bg1"/>
-                        </a:solidFill>
-                        <a:effectLst/>
-                        <a:latin typeface="Times New Roman" panose="02020603050405020304" pitchFamily="18" charset="0"/>
-                        <a:ea typeface="等线" panose="02010600030101010101" pitchFamily="2" charset="-122"/>
-                      </a:endParaRPr>
-                    </a:p>
-                  </a:txBody>
-                  <a:tcPr marL="9318" marR="9318" marT="9318" marB="0" anchor="ctr">
-                    <a:solidFill>
-                      <a:schemeClr val="accent1"/>
-                    </a:solidFill>
-                  </a:tcPr>
-                </a:tc>
-                <a:tc>
-                  <a:txBody>
-                    <a:bodyPr/>
-                    <a:lstStyle/>
-                    <a:p>
-                      <a:pPr algn="l" rtl="0" fontAlgn="ctr">
-                        <a:lnSpc>
-                          <a:spcPct val="150000"/>
-                        </a:lnSpc>
-                      </a:pPr>
-                      <a:r>
-                        <a:rPr lang="en-US" altLang="zh-CN" sz="1800" b="1" u="none" strike="noStrike" dirty="0">
-                          <a:solidFill>
-                            <a:schemeClr val="bg1"/>
-                          </a:solidFill>
-                          <a:effectLst/>
-                        </a:rPr>
-                        <a:t>0.75,[2, 5]</a:t>
-                      </a:r>
-                      <a:endParaRPr lang="en-US" altLang="zh-CN" sz="1800" b="1" i="0" u="none" strike="noStrike" dirty="0">
-                        <a:solidFill>
-                          <a:schemeClr val="bg1"/>
-                        </a:solidFill>
-                        <a:effectLst/>
-                        <a:latin typeface="Times New Roman" panose="02020603050405020304" pitchFamily="18" charset="0"/>
-                        <a:ea typeface="等线" panose="02010600030101010101" pitchFamily="2" charset="-122"/>
-                      </a:endParaRPr>
-                    </a:p>
-                  </a:txBody>
-                  <a:tcPr marL="9318" marR="9318" marT="9318" marB="0" anchor="ctr">
-                    <a:solidFill>
-                      <a:schemeClr val="accent1"/>
-                    </a:solidFill>
-                  </a:tcPr>
-                </a:tc>
-                <a:tc>
-                  <a:txBody>
-                    <a:bodyPr/>
-                    <a:lstStyle/>
-                    <a:p>
-                      <a:pPr algn="l" rtl="0" fontAlgn="ctr">
-                        <a:lnSpc>
-                          <a:spcPct val="150000"/>
-                        </a:lnSpc>
-                      </a:pPr>
-                      <a:r>
-                        <a:rPr lang="en-US" altLang="zh-CN" sz="1800" b="1" u="none" strike="noStrike" dirty="0">
-                          <a:solidFill>
-                            <a:schemeClr val="bg1"/>
-                          </a:solidFill>
-                          <a:effectLst/>
-                        </a:rPr>
-                        <a:t>1,[2, 5]</a:t>
-                      </a:r>
-                      <a:endParaRPr lang="en-US" altLang="zh-CN" sz="1800" b="1" i="0" u="none" strike="noStrike" dirty="0">
-                        <a:solidFill>
-                          <a:schemeClr val="bg1"/>
-                        </a:solidFill>
-                        <a:effectLst/>
-                        <a:latin typeface="Times New Roman" panose="02020603050405020304" pitchFamily="18" charset="0"/>
-                        <a:ea typeface="等线" panose="02010600030101010101" pitchFamily="2" charset="-122"/>
-                      </a:endParaRPr>
-                    </a:p>
-                  </a:txBody>
-                  <a:tcPr marL="9318" marR="9318" marT="9318" marB="0" anchor="ctr">
-                    <a:solidFill>
-                      <a:schemeClr val="accent1"/>
-                    </a:solidFill>
-                  </a:tcPr>
-                </a:tc>
-                <a:tc>
-                  <a:txBody>
-                    <a:bodyPr/>
-                    <a:lstStyle/>
-                    <a:p>
-                      <a:pPr algn="l" rtl="0" fontAlgn="ctr">
-                        <a:lnSpc>
-                          <a:spcPct val="150000"/>
-                        </a:lnSpc>
-                      </a:pPr>
-                      <a:r>
-                        <a:rPr lang="en-US" altLang="zh-CN" sz="1800" b="1" u="none" strike="noStrike" dirty="0">
-                          <a:solidFill>
-                            <a:schemeClr val="bg1"/>
-                          </a:solidFill>
-                          <a:effectLst/>
-                        </a:rPr>
-                        <a:t>0.5,[2, 10]</a:t>
-                      </a:r>
-                      <a:endParaRPr lang="en-US" altLang="zh-CN" sz="1800" b="1" i="0" u="none" strike="noStrike" dirty="0">
-                        <a:solidFill>
-                          <a:schemeClr val="bg1"/>
-                        </a:solidFill>
-                        <a:effectLst/>
-                        <a:latin typeface="Times New Roman" panose="02020603050405020304" pitchFamily="18" charset="0"/>
-                        <a:ea typeface="等线" panose="02010600030101010101" pitchFamily="2" charset="-122"/>
-                      </a:endParaRPr>
-                    </a:p>
-                  </a:txBody>
-                  <a:tcPr marL="9318" marR="9318" marT="9318" marB="0" anchor="ctr">
-                    <a:solidFill>
-                      <a:schemeClr val="accent1"/>
-                    </a:solidFill>
-                  </a:tcPr>
-                </a:tc>
-                <a:extLst>
-                  <a:ext uri="{0D108BD9-81ED-4DB2-BD59-A6C34878D82A}">
-                    <a16:rowId xmlns:a16="http://schemas.microsoft.com/office/drawing/2014/main" val="1008533682"/>
-                  </a:ext>
-                </a:extLst>
-              </a:tr>
-              <a:tr h="332473">
-                <a:tc rowSpan="4">
-                  <a:txBody>
-                    <a:bodyPr/>
-                    <a:lstStyle/>
-                    <a:p>
-                      <a:pPr algn="l" rtl="0" fontAlgn="ctr">
-                        <a:lnSpc>
-                          <a:spcPct val="150000"/>
-                        </a:lnSpc>
-                      </a:pPr>
-                      <a:r>
-                        <a:rPr lang="en-US" sz="1800" b="1" u="none" strike="noStrike" dirty="0">
-                          <a:effectLst/>
-                        </a:rPr>
-                        <a:t>T1_in</a:t>
-                      </a:r>
-                      <a:endParaRPr lang="en-US" sz="1800" b="1" i="0" u="none" strike="noStrike" dirty="0">
-                        <a:solidFill>
-                          <a:srgbClr val="000000"/>
-                        </a:solidFill>
-                        <a:effectLst/>
-                        <a:latin typeface="Times New Roman" panose="02020603050405020304" pitchFamily="18" charset="0"/>
-                        <a:ea typeface="等线" panose="02010600030101010101" pitchFamily="2" charset="-122"/>
-                      </a:endParaRPr>
-                    </a:p>
-                  </a:txBody>
-                  <a:tcPr marL="9318" marR="9318" marT="9318" marB="0" anchor="ctr"/>
-                </a:tc>
-                <a:tc>
-                  <a:txBody>
-                    <a:bodyPr/>
-                    <a:lstStyle/>
-                    <a:p>
-                      <a:pPr algn="l" fontAlgn="t">
-                        <a:lnSpc>
-                          <a:spcPct val="150000"/>
-                        </a:lnSpc>
-                      </a:pPr>
-                      <a:r>
-                        <a:rPr lang="en-US" sz="1800" b="1" u="none" strike="noStrike" dirty="0">
-                          <a:effectLst/>
-                        </a:rPr>
-                        <a:t>average acc</a:t>
-                      </a:r>
-                      <a:endParaRPr lang="en-US" sz="1800" b="1" i="0" u="none" strike="noStrike" dirty="0">
-                        <a:solidFill>
-                          <a:srgbClr val="000000"/>
-                        </a:solidFill>
-                        <a:effectLst/>
-                        <a:latin typeface="Times New Roman" panose="02020603050405020304" pitchFamily="18" charset="0"/>
-                        <a:ea typeface="等线" panose="02010600030101010101" pitchFamily="2" charset="-122"/>
-                      </a:endParaRPr>
-                    </a:p>
-                  </a:txBody>
-                  <a:tcPr marL="9318" marR="9318" marT="9318" marB="0"/>
-                </a:tc>
-                <a:tc>
-                  <a:txBody>
-                    <a:bodyPr/>
-                    <a:lstStyle/>
-                    <a:p>
-                      <a:pPr algn="l" rtl="0" fontAlgn="ctr">
-                        <a:lnSpc>
-                          <a:spcPct val="150000"/>
-                        </a:lnSpc>
-                      </a:pPr>
-                      <a:r>
-                        <a:rPr lang="en-US" altLang="zh-CN" sz="1800" u="none" strike="noStrike" dirty="0">
-                          <a:effectLst/>
-                        </a:rPr>
-                        <a:t>0.5348</a:t>
-                      </a:r>
-                      <a:endParaRPr lang="en-US" altLang="zh-CN" sz="1800" b="0" i="0" u="none" strike="noStrike" dirty="0">
-                        <a:solidFill>
-                          <a:srgbClr val="000000"/>
-                        </a:solidFill>
-                        <a:effectLst/>
-                        <a:latin typeface="Times New Roman" panose="02020603050405020304" pitchFamily="18" charset="0"/>
-                        <a:ea typeface="等线" panose="02010600030101010101" pitchFamily="2" charset="-122"/>
-                      </a:endParaRPr>
-                    </a:p>
-                  </a:txBody>
-                  <a:tcPr marL="9318" marR="9318" marT="9318" marB="0" anchor="ctr">
-                    <a:solidFill>
-                      <a:schemeClr val="accent4"/>
-                    </a:solidFill>
-                  </a:tcPr>
-                </a:tc>
-                <a:tc>
-                  <a:txBody>
-                    <a:bodyPr/>
-                    <a:lstStyle/>
-                    <a:p>
-                      <a:pPr algn="l" rtl="0" fontAlgn="ctr">
-                        <a:lnSpc>
-                          <a:spcPct val="150000"/>
-                        </a:lnSpc>
-                      </a:pPr>
-                      <a:r>
-                        <a:rPr lang="en-US" altLang="zh-CN" sz="1800" u="none" strike="noStrike">
-                          <a:effectLst/>
-                        </a:rPr>
-                        <a:t>0.5281</a:t>
-                      </a:r>
-                      <a:endParaRPr lang="en-US" altLang="zh-CN" sz="1800" b="0" i="0" u="none" strike="noStrike">
-                        <a:solidFill>
-                          <a:srgbClr val="000000"/>
-                        </a:solidFill>
-                        <a:effectLst/>
-                        <a:latin typeface="Times New Roman" panose="02020603050405020304" pitchFamily="18" charset="0"/>
-                        <a:ea typeface="等线" panose="02010600030101010101" pitchFamily="2" charset="-122"/>
-                      </a:endParaRPr>
-                    </a:p>
-                  </a:txBody>
-                  <a:tcPr marL="9318" marR="9318" marT="9318" marB="0" anchor="ctr">
-                    <a:solidFill>
-                      <a:schemeClr val="accent4"/>
-                    </a:solidFill>
-                  </a:tcPr>
-                </a:tc>
-                <a:tc>
-                  <a:txBody>
-                    <a:bodyPr/>
-                    <a:lstStyle/>
-                    <a:p>
-                      <a:pPr algn="l" rtl="0" fontAlgn="ctr">
-                        <a:lnSpc>
-                          <a:spcPct val="150000"/>
-                        </a:lnSpc>
-                      </a:pPr>
-                      <a:r>
-                        <a:rPr lang="en-US" altLang="zh-CN" sz="1800" u="none" strike="noStrike">
-                          <a:effectLst/>
-                        </a:rPr>
-                        <a:t>0.8877</a:t>
-                      </a:r>
-                      <a:endParaRPr lang="en-US" altLang="zh-CN" sz="1800" b="0" i="0" u="none" strike="noStrike">
-                        <a:solidFill>
-                          <a:srgbClr val="000000"/>
-                        </a:solidFill>
-                        <a:effectLst/>
-                        <a:latin typeface="Times New Roman" panose="02020603050405020304" pitchFamily="18" charset="0"/>
-                        <a:ea typeface="等线" panose="02010600030101010101" pitchFamily="2" charset="-122"/>
-                      </a:endParaRPr>
-                    </a:p>
-                  </a:txBody>
-                  <a:tcPr marL="9318" marR="9318" marT="9318" marB="0" anchor="ctr"/>
-                </a:tc>
-                <a:tc>
-                  <a:txBody>
-                    <a:bodyPr/>
-                    <a:lstStyle/>
-                    <a:p>
-                      <a:pPr algn="l" rtl="0" fontAlgn="ctr">
-                        <a:lnSpc>
-                          <a:spcPct val="150000"/>
-                        </a:lnSpc>
-                      </a:pPr>
-                      <a:r>
-                        <a:rPr lang="en-US" altLang="zh-CN" sz="1800" u="none" strike="noStrike">
-                          <a:effectLst/>
-                        </a:rPr>
-                        <a:t>0.9001</a:t>
-                      </a:r>
-                      <a:endParaRPr lang="en-US" altLang="zh-CN" sz="1800" b="0" i="0" u="none" strike="noStrike">
-                        <a:solidFill>
-                          <a:srgbClr val="000000"/>
-                        </a:solidFill>
-                        <a:effectLst/>
-                        <a:latin typeface="Times New Roman" panose="02020603050405020304" pitchFamily="18" charset="0"/>
-                        <a:ea typeface="等线" panose="02010600030101010101" pitchFamily="2" charset="-122"/>
-                      </a:endParaRPr>
-                    </a:p>
-                  </a:txBody>
-                  <a:tcPr marL="9318" marR="9318" marT="9318" marB="0" anchor="ctr"/>
-                </a:tc>
-                <a:tc>
-                  <a:txBody>
-                    <a:bodyPr/>
-                    <a:lstStyle/>
-                    <a:p>
-                      <a:pPr algn="l" rtl="0" fontAlgn="ctr">
-                        <a:lnSpc>
-                          <a:spcPct val="150000"/>
-                        </a:lnSpc>
-                      </a:pPr>
-                      <a:r>
-                        <a:rPr lang="en-US" altLang="zh-CN" sz="1800" u="none" strike="noStrike">
-                          <a:effectLst/>
-                        </a:rPr>
-                        <a:t>0.8815</a:t>
-                      </a:r>
-                      <a:endParaRPr lang="en-US" altLang="zh-CN" sz="1800" b="0" i="0" u="none" strike="noStrike">
-                        <a:solidFill>
-                          <a:srgbClr val="000000"/>
-                        </a:solidFill>
-                        <a:effectLst/>
-                        <a:latin typeface="Times New Roman" panose="02020603050405020304" pitchFamily="18" charset="0"/>
-                        <a:ea typeface="等线" panose="02010600030101010101" pitchFamily="2" charset="-122"/>
-                      </a:endParaRPr>
-                    </a:p>
-                  </a:txBody>
-                  <a:tcPr marL="9318" marR="9318" marT="9318" marB="0" anchor="ctr"/>
-                </a:tc>
-                <a:tc>
-                  <a:txBody>
-                    <a:bodyPr/>
-                    <a:lstStyle/>
-                    <a:p>
-                      <a:pPr algn="l" rtl="0" fontAlgn="ctr">
-                        <a:lnSpc>
-                          <a:spcPct val="150000"/>
-                        </a:lnSpc>
-                      </a:pPr>
-                      <a:r>
-                        <a:rPr lang="en-US" altLang="zh-CN" sz="1800" u="none" strike="noStrike" dirty="0">
-                          <a:effectLst/>
-                        </a:rPr>
-                        <a:t>0.8954</a:t>
-                      </a:r>
-                      <a:endParaRPr lang="en-US" altLang="zh-CN" sz="1800" b="0" i="0" u="none" strike="noStrike" dirty="0">
-                        <a:solidFill>
-                          <a:srgbClr val="000000"/>
-                        </a:solidFill>
-                        <a:effectLst/>
-                        <a:latin typeface="Times New Roman" panose="02020603050405020304" pitchFamily="18" charset="0"/>
-                        <a:ea typeface="等线" panose="02010600030101010101" pitchFamily="2" charset="-122"/>
-                      </a:endParaRPr>
-                    </a:p>
-                  </a:txBody>
-                  <a:tcPr marL="9318" marR="9318" marT="9318" marB="0" anchor="ctr"/>
-                </a:tc>
-                <a:extLst>
-                  <a:ext uri="{0D108BD9-81ED-4DB2-BD59-A6C34878D82A}">
-                    <a16:rowId xmlns:a16="http://schemas.microsoft.com/office/drawing/2014/main" val="3693178649"/>
-                  </a:ext>
-                </a:extLst>
-              </a:tr>
-              <a:tr h="295531">
-                <a:tc vMerge="1">
-                  <a:txBody>
-                    <a:bodyPr/>
-                    <a:lstStyle/>
-                    <a:p>
-                      <a:endParaRPr lang="zh-CN" altLang="en-US"/>
-                    </a:p>
-                  </a:txBody>
-                  <a:tcPr/>
-                </a:tc>
-                <a:tc>
-                  <a:txBody>
-                    <a:bodyPr/>
-                    <a:lstStyle/>
-                    <a:p>
-                      <a:pPr algn="l" fontAlgn="t">
-                        <a:lnSpc>
-                          <a:spcPct val="150000"/>
-                        </a:lnSpc>
-                      </a:pPr>
-                      <a:r>
-                        <a:rPr lang="en-US" sz="1800" b="1" u="none" strike="noStrike" dirty="0">
-                          <a:effectLst/>
-                        </a:rPr>
-                        <a:t>spleen acc</a:t>
-                      </a:r>
-                      <a:endParaRPr lang="en-US" sz="1800" b="1" i="0" u="none" strike="noStrike" dirty="0">
-                        <a:solidFill>
-                          <a:srgbClr val="000000"/>
-                        </a:solidFill>
-                        <a:effectLst/>
-                        <a:latin typeface="Times New Roman" panose="02020603050405020304" pitchFamily="18" charset="0"/>
-                        <a:ea typeface="等线" panose="02010600030101010101" pitchFamily="2" charset="-122"/>
-                      </a:endParaRPr>
-                    </a:p>
-                  </a:txBody>
-                  <a:tcPr marL="9318" marR="9318" marT="9318" marB="0"/>
-                </a:tc>
-                <a:tc>
-                  <a:txBody>
-                    <a:bodyPr/>
-                    <a:lstStyle/>
-                    <a:p>
-                      <a:pPr algn="l" rtl="0" fontAlgn="ctr">
-                        <a:lnSpc>
-                          <a:spcPct val="150000"/>
-                        </a:lnSpc>
-                      </a:pPr>
-                      <a:r>
-                        <a:rPr lang="en-US" altLang="zh-CN" sz="1800" u="none" strike="noStrike" dirty="0">
-                          <a:effectLst/>
-                        </a:rPr>
-                        <a:t>0.6352</a:t>
-                      </a:r>
-                      <a:endParaRPr lang="en-US" altLang="zh-CN" sz="1800" b="0" i="0" u="none" strike="noStrike" dirty="0">
-                        <a:solidFill>
-                          <a:srgbClr val="000000"/>
-                        </a:solidFill>
-                        <a:effectLst/>
-                        <a:latin typeface="Times New Roman" panose="02020603050405020304" pitchFamily="18" charset="0"/>
-                        <a:ea typeface="等线" panose="02010600030101010101" pitchFamily="2" charset="-122"/>
-                      </a:endParaRPr>
-                    </a:p>
-                  </a:txBody>
-                  <a:tcPr marL="9318" marR="9318" marT="9318" marB="0" anchor="ctr">
-                    <a:solidFill>
-                      <a:schemeClr val="accent4"/>
-                    </a:solidFill>
-                  </a:tcPr>
-                </a:tc>
-                <a:tc>
-                  <a:txBody>
-                    <a:bodyPr/>
-                    <a:lstStyle/>
-                    <a:p>
-                      <a:pPr algn="l" rtl="0" fontAlgn="ctr">
-                        <a:lnSpc>
-                          <a:spcPct val="150000"/>
-                        </a:lnSpc>
-                      </a:pPr>
-                      <a:r>
-                        <a:rPr lang="en-US" altLang="zh-CN" sz="1800" u="none" strike="noStrike">
-                          <a:effectLst/>
-                        </a:rPr>
-                        <a:t>0.6352</a:t>
-                      </a:r>
-                      <a:endParaRPr lang="en-US" altLang="zh-CN" sz="1800" b="0" i="0" u="none" strike="noStrike">
-                        <a:solidFill>
-                          <a:srgbClr val="000000"/>
-                        </a:solidFill>
-                        <a:effectLst/>
-                        <a:latin typeface="Times New Roman" panose="02020603050405020304" pitchFamily="18" charset="0"/>
-                        <a:ea typeface="等线" panose="02010600030101010101" pitchFamily="2" charset="-122"/>
-                      </a:endParaRPr>
-                    </a:p>
-                  </a:txBody>
-                  <a:tcPr marL="9318" marR="9318" marT="9318" marB="0" anchor="ctr">
-                    <a:solidFill>
-                      <a:schemeClr val="accent4"/>
-                    </a:solidFill>
-                  </a:tcPr>
-                </a:tc>
-                <a:tc>
-                  <a:txBody>
-                    <a:bodyPr/>
-                    <a:lstStyle/>
-                    <a:p>
-                      <a:pPr algn="l" rtl="0" fontAlgn="ctr">
-                        <a:lnSpc>
-                          <a:spcPct val="150000"/>
-                        </a:lnSpc>
-                      </a:pPr>
-                      <a:r>
-                        <a:rPr lang="en-US" altLang="zh-CN" sz="1800" u="none" strike="noStrike">
-                          <a:effectLst/>
-                        </a:rPr>
-                        <a:t>0.847</a:t>
-                      </a:r>
-                      <a:endParaRPr lang="en-US" altLang="zh-CN" sz="1800" b="0" i="0" u="none" strike="noStrike">
-                        <a:solidFill>
-                          <a:srgbClr val="000000"/>
-                        </a:solidFill>
-                        <a:effectLst/>
-                        <a:latin typeface="Times New Roman" panose="02020603050405020304" pitchFamily="18" charset="0"/>
-                        <a:ea typeface="等线" panose="02010600030101010101" pitchFamily="2" charset="-122"/>
-                      </a:endParaRPr>
-                    </a:p>
-                  </a:txBody>
-                  <a:tcPr marL="9318" marR="9318" marT="9318" marB="0" anchor="ctr"/>
-                </a:tc>
-                <a:tc>
-                  <a:txBody>
-                    <a:bodyPr/>
-                    <a:lstStyle/>
-                    <a:p>
-                      <a:pPr algn="l" rtl="0" fontAlgn="ctr">
-                        <a:lnSpc>
-                          <a:spcPct val="150000"/>
-                        </a:lnSpc>
-                      </a:pPr>
-                      <a:r>
-                        <a:rPr lang="en-US" altLang="zh-CN" sz="1800" u="none" strike="noStrike">
-                          <a:effectLst/>
-                        </a:rPr>
-                        <a:t>0.8532</a:t>
-                      </a:r>
-                      <a:endParaRPr lang="en-US" altLang="zh-CN" sz="1800" b="0" i="0" u="none" strike="noStrike">
-                        <a:solidFill>
-                          <a:srgbClr val="000000"/>
-                        </a:solidFill>
-                        <a:effectLst/>
-                        <a:latin typeface="Times New Roman" panose="02020603050405020304" pitchFamily="18" charset="0"/>
-                        <a:ea typeface="等线" panose="02010600030101010101" pitchFamily="2" charset="-122"/>
-                      </a:endParaRPr>
-                    </a:p>
-                  </a:txBody>
-                  <a:tcPr marL="9318" marR="9318" marT="9318" marB="0" anchor="ctr"/>
-                </a:tc>
-                <a:tc>
-                  <a:txBody>
-                    <a:bodyPr/>
-                    <a:lstStyle/>
-                    <a:p>
-                      <a:pPr algn="l" rtl="0" fontAlgn="ctr">
-                        <a:lnSpc>
-                          <a:spcPct val="150000"/>
-                        </a:lnSpc>
-                      </a:pPr>
-                      <a:r>
-                        <a:rPr lang="en-US" altLang="zh-CN" sz="1800" u="none" strike="noStrike">
-                          <a:effectLst/>
-                        </a:rPr>
-                        <a:t>0.8501</a:t>
-                      </a:r>
-                      <a:endParaRPr lang="en-US" altLang="zh-CN" sz="1800" b="0" i="0" u="none" strike="noStrike">
-                        <a:solidFill>
-                          <a:srgbClr val="000000"/>
-                        </a:solidFill>
-                        <a:effectLst/>
-                        <a:latin typeface="Times New Roman" panose="02020603050405020304" pitchFamily="18" charset="0"/>
-                        <a:ea typeface="等线" panose="02010600030101010101" pitchFamily="2" charset="-122"/>
-                      </a:endParaRPr>
-                    </a:p>
-                  </a:txBody>
-                  <a:tcPr marL="9318" marR="9318" marT="9318" marB="0" anchor="ctr"/>
-                </a:tc>
-                <a:tc>
-                  <a:txBody>
-                    <a:bodyPr/>
-                    <a:lstStyle/>
-                    <a:p>
-                      <a:pPr algn="l" rtl="0" fontAlgn="ctr">
-                        <a:lnSpc>
-                          <a:spcPct val="150000"/>
-                        </a:lnSpc>
-                      </a:pPr>
-                      <a:r>
-                        <a:rPr lang="en-US" altLang="zh-CN" sz="1800" u="none" strike="noStrike">
-                          <a:effectLst/>
-                        </a:rPr>
-                        <a:t>0.8702</a:t>
-                      </a:r>
-                      <a:endParaRPr lang="en-US" altLang="zh-CN" sz="1800" b="0" i="0" u="none" strike="noStrike">
-                        <a:solidFill>
-                          <a:srgbClr val="000000"/>
-                        </a:solidFill>
-                        <a:effectLst/>
-                        <a:latin typeface="Times New Roman" panose="02020603050405020304" pitchFamily="18" charset="0"/>
-                        <a:ea typeface="等线" panose="02010600030101010101" pitchFamily="2" charset="-122"/>
-                      </a:endParaRPr>
-                    </a:p>
-                  </a:txBody>
-                  <a:tcPr marL="9318" marR="9318" marT="9318" marB="0" anchor="ctr"/>
-                </a:tc>
-                <a:extLst>
-                  <a:ext uri="{0D108BD9-81ED-4DB2-BD59-A6C34878D82A}">
-                    <a16:rowId xmlns:a16="http://schemas.microsoft.com/office/drawing/2014/main" val="2248108599"/>
-                  </a:ext>
-                </a:extLst>
-              </a:tr>
-              <a:tr h="295531">
-                <a:tc vMerge="1">
-                  <a:txBody>
-                    <a:bodyPr/>
-                    <a:lstStyle/>
-                    <a:p>
-                      <a:endParaRPr lang="zh-CN" altLang="en-US"/>
-                    </a:p>
-                  </a:txBody>
-                  <a:tcPr/>
-                </a:tc>
-                <a:tc>
-                  <a:txBody>
-                    <a:bodyPr/>
-                    <a:lstStyle/>
-                    <a:p>
-                      <a:pPr algn="l" fontAlgn="t">
-                        <a:lnSpc>
-                          <a:spcPct val="150000"/>
-                        </a:lnSpc>
-                      </a:pPr>
-                      <a:r>
-                        <a:rPr lang="en-US" sz="1800" b="1" u="none" strike="noStrike" dirty="0">
-                          <a:effectLst/>
-                        </a:rPr>
-                        <a:t>kidney acc</a:t>
-                      </a:r>
-                      <a:endParaRPr lang="en-US" sz="1800" b="1" i="0" u="none" strike="noStrike" dirty="0">
-                        <a:solidFill>
-                          <a:srgbClr val="000000"/>
-                        </a:solidFill>
-                        <a:effectLst/>
-                        <a:latin typeface="Times New Roman" panose="02020603050405020304" pitchFamily="18" charset="0"/>
-                        <a:ea typeface="等线" panose="02010600030101010101" pitchFamily="2" charset="-122"/>
-                      </a:endParaRPr>
-                    </a:p>
-                  </a:txBody>
-                  <a:tcPr marL="9318" marR="9318" marT="9318" marB="0"/>
-                </a:tc>
-                <a:tc>
-                  <a:txBody>
-                    <a:bodyPr/>
-                    <a:lstStyle/>
-                    <a:p>
-                      <a:pPr algn="l" rtl="0" fontAlgn="ctr">
-                        <a:lnSpc>
-                          <a:spcPct val="150000"/>
-                        </a:lnSpc>
-                      </a:pPr>
-                      <a:r>
-                        <a:rPr lang="en-US" altLang="zh-CN" sz="1800" u="none" strike="noStrike">
-                          <a:effectLst/>
-                        </a:rPr>
-                        <a:t>0.5352</a:t>
-                      </a:r>
-                      <a:endParaRPr lang="en-US" altLang="zh-CN" sz="1800" b="0" i="0" u="none" strike="noStrike">
-                        <a:solidFill>
-                          <a:srgbClr val="000000"/>
-                        </a:solidFill>
-                        <a:effectLst/>
-                        <a:latin typeface="Times New Roman" panose="02020603050405020304" pitchFamily="18" charset="0"/>
-                        <a:ea typeface="等线" panose="02010600030101010101" pitchFamily="2" charset="-122"/>
-                      </a:endParaRPr>
-                    </a:p>
-                  </a:txBody>
-                  <a:tcPr marL="9318" marR="9318" marT="9318" marB="0" anchor="ctr">
-                    <a:solidFill>
-                      <a:schemeClr val="accent4"/>
-                    </a:solidFill>
-                  </a:tcPr>
-                </a:tc>
-                <a:tc>
-                  <a:txBody>
-                    <a:bodyPr/>
-                    <a:lstStyle/>
-                    <a:p>
-                      <a:pPr algn="l" rtl="0" fontAlgn="ctr">
-                        <a:lnSpc>
-                          <a:spcPct val="150000"/>
-                        </a:lnSpc>
-                      </a:pPr>
-                      <a:r>
-                        <a:rPr lang="en-US" altLang="zh-CN" sz="1800" u="none" strike="noStrike">
-                          <a:effectLst/>
-                        </a:rPr>
-                        <a:t>0.5518</a:t>
-                      </a:r>
-                      <a:endParaRPr lang="en-US" altLang="zh-CN" sz="1800" b="0" i="0" u="none" strike="noStrike">
-                        <a:solidFill>
-                          <a:srgbClr val="000000"/>
-                        </a:solidFill>
-                        <a:effectLst/>
-                        <a:latin typeface="Times New Roman" panose="02020603050405020304" pitchFamily="18" charset="0"/>
-                        <a:ea typeface="等线" panose="02010600030101010101" pitchFamily="2" charset="-122"/>
-                      </a:endParaRPr>
-                    </a:p>
-                  </a:txBody>
-                  <a:tcPr marL="9318" marR="9318" marT="9318" marB="0" anchor="ctr">
-                    <a:solidFill>
-                      <a:schemeClr val="accent4"/>
-                    </a:solidFill>
-                  </a:tcPr>
-                </a:tc>
-                <a:tc>
-                  <a:txBody>
-                    <a:bodyPr/>
-                    <a:lstStyle/>
-                    <a:p>
-                      <a:pPr algn="l" rtl="0" fontAlgn="ctr">
-                        <a:lnSpc>
-                          <a:spcPct val="150000"/>
-                        </a:lnSpc>
-                      </a:pPr>
-                      <a:r>
-                        <a:rPr lang="en-US" altLang="zh-CN" sz="1800" u="none" strike="noStrike">
-                          <a:effectLst/>
-                        </a:rPr>
-                        <a:t>0.8918</a:t>
-                      </a:r>
-                      <a:endParaRPr lang="en-US" altLang="zh-CN" sz="1800" b="0" i="0" u="none" strike="noStrike">
-                        <a:solidFill>
-                          <a:srgbClr val="000000"/>
-                        </a:solidFill>
-                        <a:effectLst/>
-                        <a:latin typeface="Times New Roman" panose="02020603050405020304" pitchFamily="18" charset="0"/>
-                        <a:ea typeface="等线" panose="02010600030101010101" pitchFamily="2" charset="-122"/>
-                      </a:endParaRPr>
-                    </a:p>
-                  </a:txBody>
-                  <a:tcPr marL="9318" marR="9318" marT="9318" marB="0" anchor="ctr"/>
-                </a:tc>
-                <a:tc>
-                  <a:txBody>
-                    <a:bodyPr/>
-                    <a:lstStyle/>
-                    <a:p>
-                      <a:pPr algn="l" rtl="0" fontAlgn="ctr">
-                        <a:lnSpc>
-                          <a:spcPct val="150000"/>
-                        </a:lnSpc>
-                      </a:pPr>
-                      <a:r>
-                        <a:rPr lang="en-US" altLang="zh-CN" sz="1800" u="none" strike="noStrike">
-                          <a:effectLst/>
-                        </a:rPr>
-                        <a:t>0.9212</a:t>
-                      </a:r>
-                      <a:endParaRPr lang="en-US" altLang="zh-CN" sz="1800" b="0" i="0" u="none" strike="noStrike">
-                        <a:solidFill>
-                          <a:srgbClr val="000000"/>
-                        </a:solidFill>
-                        <a:effectLst/>
-                        <a:latin typeface="Times New Roman" panose="02020603050405020304" pitchFamily="18" charset="0"/>
-                        <a:ea typeface="等线" panose="02010600030101010101" pitchFamily="2" charset="-122"/>
-                      </a:endParaRPr>
-                    </a:p>
-                  </a:txBody>
-                  <a:tcPr marL="9318" marR="9318" marT="9318" marB="0" anchor="ctr"/>
-                </a:tc>
-                <a:tc>
-                  <a:txBody>
-                    <a:bodyPr/>
-                    <a:lstStyle/>
-                    <a:p>
-                      <a:pPr algn="l" rtl="0" fontAlgn="ctr">
-                        <a:lnSpc>
-                          <a:spcPct val="150000"/>
-                        </a:lnSpc>
-                      </a:pPr>
-                      <a:r>
-                        <a:rPr lang="en-US" altLang="zh-CN" sz="1800" u="none" strike="noStrike">
-                          <a:effectLst/>
-                        </a:rPr>
-                        <a:t>0.881</a:t>
-                      </a:r>
-                      <a:endParaRPr lang="en-US" altLang="zh-CN" sz="1800" b="0" i="0" u="none" strike="noStrike">
-                        <a:solidFill>
-                          <a:srgbClr val="000000"/>
-                        </a:solidFill>
-                        <a:effectLst/>
-                        <a:latin typeface="Times New Roman" panose="02020603050405020304" pitchFamily="18" charset="0"/>
-                        <a:ea typeface="等线" panose="02010600030101010101" pitchFamily="2" charset="-122"/>
-                      </a:endParaRPr>
-                    </a:p>
-                  </a:txBody>
-                  <a:tcPr marL="9318" marR="9318" marT="9318" marB="0" anchor="ctr"/>
-                </a:tc>
-                <a:tc>
-                  <a:txBody>
-                    <a:bodyPr/>
-                    <a:lstStyle/>
-                    <a:p>
-                      <a:pPr algn="l" rtl="0" fontAlgn="ctr">
-                        <a:lnSpc>
-                          <a:spcPct val="150000"/>
-                        </a:lnSpc>
-                      </a:pPr>
-                      <a:r>
-                        <a:rPr lang="en-US" altLang="zh-CN" sz="1800" u="none" strike="noStrike">
-                          <a:effectLst/>
-                        </a:rPr>
-                        <a:t>0.8949</a:t>
-                      </a:r>
-                      <a:endParaRPr lang="en-US" altLang="zh-CN" sz="1800" b="0" i="0" u="none" strike="noStrike">
-                        <a:solidFill>
-                          <a:srgbClr val="000000"/>
-                        </a:solidFill>
-                        <a:effectLst/>
-                        <a:latin typeface="Times New Roman" panose="02020603050405020304" pitchFamily="18" charset="0"/>
-                        <a:ea typeface="等线" panose="02010600030101010101" pitchFamily="2" charset="-122"/>
-                      </a:endParaRPr>
-                    </a:p>
-                  </a:txBody>
-                  <a:tcPr marL="9318" marR="9318" marT="9318" marB="0" anchor="ctr"/>
-                </a:tc>
-                <a:extLst>
-                  <a:ext uri="{0D108BD9-81ED-4DB2-BD59-A6C34878D82A}">
-                    <a16:rowId xmlns:a16="http://schemas.microsoft.com/office/drawing/2014/main" val="2694708206"/>
-                  </a:ext>
-                </a:extLst>
-              </a:tr>
-              <a:tr h="295531">
-                <a:tc vMerge="1">
-                  <a:txBody>
-                    <a:bodyPr/>
-                    <a:lstStyle/>
-                    <a:p>
-                      <a:endParaRPr lang="zh-CN" altLang="en-US"/>
-                    </a:p>
-                  </a:txBody>
-                  <a:tcPr/>
-                </a:tc>
-                <a:tc>
-                  <a:txBody>
-                    <a:bodyPr/>
-                    <a:lstStyle/>
-                    <a:p>
-                      <a:pPr algn="l" fontAlgn="t">
-                        <a:lnSpc>
-                          <a:spcPct val="150000"/>
-                        </a:lnSpc>
-                      </a:pPr>
-                      <a:r>
-                        <a:rPr lang="en-US" sz="1800" b="1" u="none" strike="noStrike" dirty="0">
-                          <a:effectLst/>
-                        </a:rPr>
-                        <a:t>liver acc</a:t>
-                      </a:r>
-                      <a:endParaRPr lang="en-US" sz="1800" b="1" i="0" u="none" strike="noStrike" dirty="0">
-                        <a:solidFill>
-                          <a:srgbClr val="000000"/>
-                        </a:solidFill>
-                        <a:effectLst/>
-                        <a:latin typeface="Times New Roman" panose="02020603050405020304" pitchFamily="18" charset="0"/>
-                        <a:ea typeface="等线" panose="02010600030101010101" pitchFamily="2" charset="-122"/>
-                      </a:endParaRPr>
-                    </a:p>
-                  </a:txBody>
-                  <a:tcPr marL="9318" marR="9318" marT="9318" marB="0"/>
-                </a:tc>
-                <a:tc>
-                  <a:txBody>
-                    <a:bodyPr/>
-                    <a:lstStyle/>
-                    <a:p>
-                      <a:pPr algn="l" rtl="0" fontAlgn="ctr">
-                        <a:lnSpc>
-                          <a:spcPct val="150000"/>
-                        </a:lnSpc>
-                      </a:pPr>
-                      <a:r>
-                        <a:rPr lang="en-US" altLang="zh-CN" sz="1800" u="none" strike="noStrike" dirty="0">
-                          <a:effectLst/>
-                        </a:rPr>
-                        <a:t>0.4343</a:t>
-                      </a:r>
-                      <a:endParaRPr lang="en-US" altLang="zh-CN" sz="1800" b="0" i="0" u="none" strike="noStrike" dirty="0">
-                        <a:solidFill>
-                          <a:srgbClr val="000000"/>
-                        </a:solidFill>
-                        <a:effectLst/>
-                        <a:latin typeface="Times New Roman" panose="02020603050405020304" pitchFamily="18" charset="0"/>
-                        <a:ea typeface="等线" panose="02010600030101010101" pitchFamily="2" charset="-122"/>
-                      </a:endParaRPr>
-                    </a:p>
-                  </a:txBody>
-                  <a:tcPr marL="9318" marR="9318" marT="9318" marB="0" anchor="ctr">
-                    <a:solidFill>
-                      <a:schemeClr val="accent4"/>
-                    </a:solidFill>
-                  </a:tcPr>
-                </a:tc>
-                <a:tc>
-                  <a:txBody>
-                    <a:bodyPr/>
-                    <a:lstStyle/>
-                    <a:p>
-                      <a:pPr algn="l" rtl="0" fontAlgn="ctr">
-                        <a:lnSpc>
-                          <a:spcPct val="150000"/>
-                        </a:lnSpc>
-                      </a:pPr>
-                      <a:r>
-                        <a:rPr lang="en-US" altLang="zh-CN" sz="1800" u="none" strike="noStrike" dirty="0">
-                          <a:effectLst/>
-                        </a:rPr>
-                        <a:t>0.3942</a:t>
-                      </a:r>
-                      <a:endParaRPr lang="en-US" altLang="zh-CN" sz="1800" b="0" i="0" u="none" strike="noStrike" dirty="0">
-                        <a:solidFill>
-                          <a:srgbClr val="000000"/>
-                        </a:solidFill>
-                        <a:effectLst/>
-                        <a:latin typeface="Times New Roman" panose="02020603050405020304" pitchFamily="18" charset="0"/>
-                        <a:ea typeface="等线" panose="02010600030101010101" pitchFamily="2" charset="-122"/>
-                      </a:endParaRPr>
-                    </a:p>
-                  </a:txBody>
-                  <a:tcPr marL="9318" marR="9318" marT="9318" marB="0" anchor="ctr">
-                    <a:solidFill>
-                      <a:schemeClr val="accent4"/>
-                    </a:solidFill>
-                  </a:tcPr>
-                </a:tc>
-                <a:tc>
-                  <a:txBody>
-                    <a:bodyPr/>
-                    <a:lstStyle/>
-                    <a:p>
-                      <a:pPr algn="l" rtl="0" fontAlgn="ctr">
-                        <a:lnSpc>
-                          <a:spcPct val="150000"/>
-                        </a:lnSpc>
-                      </a:pPr>
-                      <a:r>
-                        <a:rPr lang="en-US" altLang="zh-CN" sz="1800" u="none" strike="noStrike">
-                          <a:effectLst/>
-                        </a:rPr>
-                        <a:t>0.9243</a:t>
-                      </a:r>
-                      <a:endParaRPr lang="en-US" altLang="zh-CN" sz="1800" b="0" i="0" u="none" strike="noStrike">
-                        <a:solidFill>
-                          <a:srgbClr val="000000"/>
-                        </a:solidFill>
-                        <a:effectLst/>
-                        <a:latin typeface="Times New Roman" panose="02020603050405020304" pitchFamily="18" charset="0"/>
-                        <a:ea typeface="等线" panose="02010600030101010101" pitchFamily="2" charset="-122"/>
-                      </a:endParaRPr>
-                    </a:p>
-                  </a:txBody>
-                  <a:tcPr marL="9318" marR="9318" marT="9318" marB="0" anchor="ctr"/>
-                </a:tc>
-                <a:tc>
-                  <a:txBody>
-                    <a:bodyPr/>
-                    <a:lstStyle/>
-                    <a:p>
-                      <a:pPr algn="l" rtl="0" fontAlgn="ctr">
-                        <a:lnSpc>
-                          <a:spcPct val="150000"/>
-                        </a:lnSpc>
-                      </a:pPr>
-                      <a:r>
-                        <a:rPr lang="en-US" altLang="zh-CN" sz="1800" u="none" strike="noStrike">
-                          <a:effectLst/>
-                        </a:rPr>
-                        <a:t>0.9258</a:t>
-                      </a:r>
-                      <a:endParaRPr lang="en-US" altLang="zh-CN" sz="1800" b="0" i="0" u="none" strike="noStrike">
-                        <a:solidFill>
-                          <a:srgbClr val="000000"/>
-                        </a:solidFill>
-                        <a:effectLst/>
-                        <a:latin typeface="Times New Roman" panose="02020603050405020304" pitchFamily="18" charset="0"/>
-                        <a:ea typeface="等线" panose="02010600030101010101" pitchFamily="2" charset="-122"/>
-                      </a:endParaRPr>
-                    </a:p>
-                  </a:txBody>
-                  <a:tcPr marL="9318" marR="9318" marT="9318" marB="0" anchor="ctr"/>
-                </a:tc>
-                <a:tc>
-                  <a:txBody>
-                    <a:bodyPr/>
-                    <a:lstStyle/>
-                    <a:p>
-                      <a:pPr algn="l" rtl="0" fontAlgn="ctr">
-                        <a:lnSpc>
-                          <a:spcPct val="150000"/>
-                        </a:lnSpc>
-                      </a:pPr>
-                      <a:r>
-                        <a:rPr lang="en-US" altLang="zh-CN" sz="1800" u="none" strike="noStrike" dirty="0">
-                          <a:effectLst/>
-                        </a:rPr>
-                        <a:t>0.9134</a:t>
-                      </a:r>
-                      <a:endParaRPr lang="en-US" altLang="zh-CN" sz="1800" b="0" i="0" u="none" strike="noStrike" dirty="0">
-                        <a:solidFill>
-                          <a:srgbClr val="000000"/>
-                        </a:solidFill>
-                        <a:effectLst/>
-                        <a:latin typeface="Times New Roman" panose="02020603050405020304" pitchFamily="18" charset="0"/>
-                        <a:ea typeface="等线" panose="02010600030101010101" pitchFamily="2" charset="-122"/>
-                      </a:endParaRPr>
-                    </a:p>
-                  </a:txBody>
-                  <a:tcPr marL="9318" marR="9318" marT="9318" marB="0" anchor="ctr"/>
-                </a:tc>
-                <a:tc>
-                  <a:txBody>
-                    <a:bodyPr/>
-                    <a:lstStyle/>
-                    <a:p>
-                      <a:pPr algn="l" rtl="0" fontAlgn="ctr">
-                        <a:lnSpc>
-                          <a:spcPct val="150000"/>
-                        </a:lnSpc>
-                      </a:pPr>
-                      <a:r>
-                        <a:rPr lang="en-US" altLang="zh-CN" sz="1800" u="none" strike="noStrike">
-                          <a:effectLst/>
-                        </a:rPr>
-                        <a:t>0.9212</a:t>
-                      </a:r>
-                      <a:endParaRPr lang="en-US" altLang="zh-CN" sz="1800" b="0" i="0" u="none" strike="noStrike">
-                        <a:solidFill>
-                          <a:srgbClr val="000000"/>
-                        </a:solidFill>
-                        <a:effectLst/>
-                        <a:latin typeface="Times New Roman" panose="02020603050405020304" pitchFamily="18" charset="0"/>
-                        <a:ea typeface="等线" panose="02010600030101010101" pitchFamily="2" charset="-122"/>
-                      </a:endParaRPr>
-                    </a:p>
-                  </a:txBody>
-                  <a:tcPr marL="9318" marR="9318" marT="9318" marB="0" anchor="ctr"/>
-                </a:tc>
-                <a:extLst>
-                  <a:ext uri="{0D108BD9-81ED-4DB2-BD59-A6C34878D82A}">
-                    <a16:rowId xmlns:a16="http://schemas.microsoft.com/office/drawing/2014/main" val="3512762867"/>
-                  </a:ext>
-                </a:extLst>
-              </a:tr>
-              <a:tr h="295531">
-                <a:tc rowSpan="4">
-                  <a:txBody>
-                    <a:bodyPr/>
-                    <a:lstStyle/>
-                    <a:p>
-                      <a:pPr algn="l" rtl="0" fontAlgn="ctr">
-                        <a:lnSpc>
-                          <a:spcPct val="150000"/>
-                        </a:lnSpc>
-                      </a:pPr>
-                      <a:r>
-                        <a:rPr lang="en-US" sz="1800" b="1" u="none" strike="noStrike" dirty="0">
-                          <a:effectLst/>
-                        </a:rPr>
-                        <a:t>T1_out</a:t>
-                      </a:r>
-                      <a:endParaRPr lang="en-US" sz="1800" b="1" i="0" u="none" strike="noStrike" dirty="0">
-                        <a:solidFill>
-                          <a:srgbClr val="000000"/>
-                        </a:solidFill>
-                        <a:effectLst/>
-                        <a:latin typeface="Times New Roman" panose="02020603050405020304" pitchFamily="18" charset="0"/>
-                        <a:ea typeface="等线" panose="02010600030101010101" pitchFamily="2" charset="-122"/>
-                      </a:endParaRPr>
-                    </a:p>
-                  </a:txBody>
-                  <a:tcPr marL="9318" marR="9318" marT="9318" marB="0" anchor="ctr"/>
-                </a:tc>
-                <a:tc>
-                  <a:txBody>
-                    <a:bodyPr/>
-                    <a:lstStyle/>
-                    <a:p>
-                      <a:pPr algn="l" fontAlgn="t">
-                        <a:lnSpc>
-                          <a:spcPct val="150000"/>
-                        </a:lnSpc>
-                      </a:pPr>
-                      <a:r>
-                        <a:rPr lang="en-US" sz="1800" b="1" u="none" strike="noStrike">
-                          <a:effectLst/>
-                        </a:rPr>
-                        <a:t>average acc</a:t>
-                      </a:r>
-                      <a:endParaRPr lang="en-US" sz="1800" b="1" i="0" u="none" strike="noStrike">
-                        <a:solidFill>
-                          <a:srgbClr val="000000"/>
-                        </a:solidFill>
-                        <a:effectLst/>
-                        <a:latin typeface="Times New Roman" panose="02020603050405020304" pitchFamily="18" charset="0"/>
-                        <a:ea typeface="等线" panose="02010600030101010101" pitchFamily="2" charset="-122"/>
-                      </a:endParaRPr>
-                    </a:p>
-                  </a:txBody>
-                  <a:tcPr marL="9318" marR="9318" marT="9318" marB="0"/>
-                </a:tc>
-                <a:tc>
-                  <a:txBody>
-                    <a:bodyPr/>
-                    <a:lstStyle/>
-                    <a:p>
-                      <a:pPr algn="l" rtl="0" fontAlgn="ctr">
-                        <a:lnSpc>
-                          <a:spcPct val="150000"/>
-                        </a:lnSpc>
-                      </a:pPr>
-                      <a:r>
-                        <a:rPr lang="en-US" altLang="zh-CN" sz="1800" u="none" strike="noStrike">
-                          <a:effectLst/>
-                        </a:rPr>
-                        <a:t>0.5549</a:t>
-                      </a:r>
-                      <a:endParaRPr lang="en-US" altLang="zh-CN" sz="1800" b="0" i="0" u="none" strike="noStrike">
-                        <a:solidFill>
-                          <a:srgbClr val="000000"/>
-                        </a:solidFill>
-                        <a:effectLst/>
-                        <a:latin typeface="Times New Roman" panose="02020603050405020304" pitchFamily="18" charset="0"/>
-                        <a:ea typeface="等线" panose="02010600030101010101" pitchFamily="2" charset="-122"/>
-                      </a:endParaRPr>
-                    </a:p>
-                  </a:txBody>
-                  <a:tcPr marL="9318" marR="9318" marT="9318" marB="0" anchor="ctr">
-                    <a:solidFill>
-                      <a:schemeClr val="accent4"/>
-                    </a:solidFill>
-                  </a:tcPr>
-                </a:tc>
-                <a:tc>
-                  <a:txBody>
-                    <a:bodyPr/>
-                    <a:lstStyle/>
-                    <a:p>
-                      <a:pPr algn="l" rtl="0" fontAlgn="ctr">
-                        <a:lnSpc>
-                          <a:spcPct val="150000"/>
-                        </a:lnSpc>
-                      </a:pPr>
-                      <a:r>
-                        <a:rPr lang="en-US" altLang="zh-CN" sz="1800" u="none" strike="noStrike" dirty="0">
-                          <a:effectLst/>
-                        </a:rPr>
-                        <a:t>0.5245</a:t>
-                      </a:r>
-                      <a:endParaRPr lang="en-US" altLang="zh-CN" sz="1800" b="0" i="0" u="none" strike="noStrike" dirty="0">
-                        <a:solidFill>
-                          <a:srgbClr val="000000"/>
-                        </a:solidFill>
-                        <a:effectLst/>
-                        <a:latin typeface="Times New Roman" panose="02020603050405020304" pitchFamily="18" charset="0"/>
-                        <a:ea typeface="等线" panose="02010600030101010101" pitchFamily="2" charset="-122"/>
-                      </a:endParaRPr>
-                    </a:p>
-                  </a:txBody>
-                  <a:tcPr marL="9318" marR="9318" marT="9318" marB="0" anchor="ctr">
-                    <a:solidFill>
-                      <a:schemeClr val="accent4"/>
-                    </a:solidFill>
-                  </a:tcPr>
-                </a:tc>
-                <a:tc>
-                  <a:txBody>
-                    <a:bodyPr/>
-                    <a:lstStyle/>
-                    <a:p>
-                      <a:pPr algn="l" rtl="0" fontAlgn="ctr">
-                        <a:lnSpc>
-                          <a:spcPct val="150000"/>
-                        </a:lnSpc>
-                      </a:pPr>
-                      <a:r>
-                        <a:rPr lang="en-US" altLang="zh-CN" sz="1800" u="none" strike="noStrike">
-                          <a:effectLst/>
-                        </a:rPr>
-                        <a:t>0.8897</a:t>
-                      </a:r>
-                      <a:endParaRPr lang="en-US" altLang="zh-CN" sz="1800" b="0" i="0" u="none" strike="noStrike">
-                        <a:solidFill>
-                          <a:srgbClr val="000000"/>
-                        </a:solidFill>
-                        <a:effectLst/>
-                        <a:latin typeface="Times New Roman" panose="02020603050405020304" pitchFamily="18" charset="0"/>
-                        <a:ea typeface="等线" panose="02010600030101010101" pitchFamily="2" charset="-122"/>
-                      </a:endParaRPr>
-                    </a:p>
-                  </a:txBody>
-                  <a:tcPr marL="9318" marR="9318" marT="9318" marB="0" anchor="ctr"/>
-                </a:tc>
-                <a:tc>
-                  <a:txBody>
-                    <a:bodyPr/>
-                    <a:lstStyle/>
-                    <a:p>
-                      <a:pPr algn="l" rtl="0" fontAlgn="ctr">
-                        <a:lnSpc>
-                          <a:spcPct val="150000"/>
-                        </a:lnSpc>
-                      </a:pPr>
-                      <a:r>
-                        <a:rPr lang="en-US" altLang="zh-CN" sz="1800" u="none" strike="noStrike" dirty="0">
-                          <a:effectLst/>
-                        </a:rPr>
-                        <a:t>0.897</a:t>
-                      </a:r>
-                      <a:endParaRPr lang="en-US" altLang="zh-CN" sz="1800" b="0" i="0" u="none" strike="noStrike" dirty="0">
-                        <a:solidFill>
-                          <a:srgbClr val="000000"/>
-                        </a:solidFill>
-                        <a:effectLst/>
-                        <a:latin typeface="Times New Roman" panose="02020603050405020304" pitchFamily="18" charset="0"/>
-                        <a:ea typeface="等线" panose="02010600030101010101" pitchFamily="2" charset="-122"/>
-                      </a:endParaRPr>
-                    </a:p>
-                  </a:txBody>
-                  <a:tcPr marL="9318" marR="9318" marT="9318" marB="0" anchor="ctr"/>
-                </a:tc>
-                <a:tc>
-                  <a:txBody>
-                    <a:bodyPr/>
-                    <a:lstStyle/>
-                    <a:p>
-                      <a:pPr algn="l" rtl="0" fontAlgn="ctr">
-                        <a:lnSpc>
-                          <a:spcPct val="150000"/>
-                        </a:lnSpc>
-                      </a:pPr>
-                      <a:r>
-                        <a:rPr lang="en-US" altLang="zh-CN" sz="1800" u="none" strike="noStrike">
-                          <a:effectLst/>
-                        </a:rPr>
-                        <a:t>0.8897</a:t>
-                      </a:r>
-                      <a:endParaRPr lang="en-US" altLang="zh-CN" sz="1800" b="0" i="0" u="none" strike="noStrike">
-                        <a:solidFill>
-                          <a:srgbClr val="000000"/>
-                        </a:solidFill>
-                        <a:effectLst/>
-                        <a:latin typeface="Times New Roman" panose="02020603050405020304" pitchFamily="18" charset="0"/>
-                        <a:ea typeface="等线" panose="02010600030101010101" pitchFamily="2" charset="-122"/>
-                      </a:endParaRPr>
-                    </a:p>
-                  </a:txBody>
-                  <a:tcPr marL="9318" marR="9318" marT="9318" marB="0" anchor="ctr"/>
-                </a:tc>
-                <a:tc>
-                  <a:txBody>
-                    <a:bodyPr/>
-                    <a:lstStyle/>
-                    <a:p>
-                      <a:pPr algn="l" rtl="0" fontAlgn="ctr">
-                        <a:lnSpc>
-                          <a:spcPct val="150000"/>
-                        </a:lnSpc>
-                      </a:pPr>
-                      <a:r>
-                        <a:rPr lang="en-US" altLang="zh-CN" sz="1800" u="none" strike="noStrike">
-                          <a:effectLst/>
-                        </a:rPr>
-                        <a:t>0.899</a:t>
-                      </a:r>
-                      <a:endParaRPr lang="en-US" altLang="zh-CN" sz="1800" b="0" i="0" u="none" strike="noStrike">
-                        <a:solidFill>
-                          <a:srgbClr val="000000"/>
-                        </a:solidFill>
-                        <a:effectLst/>
-                        <a:latin typeface="Times New Roman" panose="02020603050405020304" pitchFamily="18" charset="0"/>
-                        <a:ea typeface="等线" panose="02010600030101010101" pitchFamily="2" charset="-122"/>
-                      </a:endParaRPr>
-                    </a:p>
-                  </a:txBody>
-                  <a:tcPr marL="9318" marR="9318" marT="9318" marB="0" anchor="ctr"/>
-                </a:tc>
-                <a:extLst>
-                  <a:ext uri="{0D108BD9-81ED-4DB2-BD59-A6C34878D82A}">
-                    <a16:rowId xmlns:a16="http://schemas.microsoft.com/office/drawing/2014/main" val="2398966593"/>
-                  </a:ext>
-                </a:extLst>
-              </a:tr>
-              <a:tr h="295531">
-                <a:tc vMerge="1">
-                  <a:txBody>
-                    <a:bodyPr/>
-                    <a:lstStyle/>
-                    <a:p>
-                      <a:endParaRPr lang="zh-CN" altLang="en-US"/>
-                    </a:p>
-                  </a:txBody>
-                  <a:tcPr/>
-                </a:tc>
-                <a:tc>
-                  <a:txBody>
-                    <a:bodyPr/>
-                    <a:lstStyle/>
-                    <a:p>
-                      <a:pPr algn="l" fontAlgn="t">
-                        <a:lnSpc>
-                          <a:spcPct val="150000"/>
-                        </a:lnSpc>
-                      </a:pPr>
-                      <a:r>
-                        <a:rPr lang="en-US" sz="1800" b="1" u="none" strike="noStrike" dirty="0">
-                          <a:effectLst/>
-                        </a:rPr>
-                        <a:t>spleen acc</a:t>
-                      </a:r>
-                      <a:endParaRPr lang="en-US" sz="1800" b="1" i="0" u="none" strike="noStrike" dirty="0">
-                        <a:solidFill>
-                          <a:srgbClr val="000000"/>
-                        </a:solidFill>
-                        <a:effectLst/>
-                        <a:latin typeface="Times New Roman" panose="02020603050405020304" pitchFamily="18" charset="0"/>
-                        <a:ea typeface="等线" panose="02010600030101010101" pitchFamily="2" charset="-122"/>
-                      </a:endParaRPr>
-                    </a:p>
-                  </a:txBody>
-                  <a:tcPr marL="9318" marR="9318" marT="9318" marB="0"/>
-                </a:tc>
-                <a:tc>
-                  <a:txBody>
-                    <a:bodyPr/>
-                    <a:lstStyle/>
-                    <a:p>
-                      <a:pPr algn="l" rtl="0" fontAlgn="ctr">
-                        <a:lnSpc>
-                          <a:spcPct val="150000"/>
-                        </a:lnSpc>
-                      </a:pPr>
-                      <a:r>
-                        <a:rPr lang="en-US" altLang="zh-CN" sz="1800" u="none" strike="noStrike">
-                          <a:effectLst/>
-                        </a:rPr>
-                        <a:t>0.6352</a:t>
-                      </a:r>
-                      <a:endParaRPr lang="en-US" altLang="zh-CN" sz="1800" b="0" i="0" u="none" strike="noStrike">
-                        <a:solidFill>
-                          <a:srgbClr val="000000"/>
-                        </a:solidFill>
-                        <a:effectLst/>
-                        <a:latin typeface="Times New Roman" panose="02020603050405020304" pitchFamily="18" charset="0"/>
-                        <a:ea typeface="等线" panose="02010600030101010101" pitchFamily="2" charset="-122"/>
-                      </a:endParaRPr>
-                    </a:p>
-                  </a:txBody>
-                  <a:tcPr marL="9318" marR="9318" marT="9318" marB="0" anchor="ctr">
-                    <a:solidFill>
-                      <a:schemeClr val="accent4"/>
-                    </a:solidFill>
-                  </a:tcPr>
-                </a:tc>
-                <a:tc>
-                  <a:txBody>
-                    <a:bodyPr/>
-                    <a:lstStyle/>
-                    <a:p>
-                      <a:pPr algn="l" rtl="0" fontAlgn="ctr">
-                        <a:lnSpc>
-                          <a:spcPct val="150000"/>
-                        </a:lnSpc>
-                      </a:pPr>
-                      <a:r>
-                        <a:rPr lang="en-US" altLang="zh-CN" sz="1800" u="none" strike="noStrike" dirty="0">
-                          <a:effectLst/>
-                        </a:rPr>
-                        <a:t>0.6352</a:t>
-                      </a:r>
-                      <a:endParaRPr lang="en-US" altLang="zh-CN" sz="1800" b="0" i="0" u="none" strike="noStrike" dirty="0">
-                        <a:solidFill>
-                          <a:srgbClr val="000000"/>
-                        </a:solidFill>
-                        <a:effectLst/>
-                        <a:latin typeface="Times New Roman" panose="02020603050405020304" pitchFamily="18" charset="0"/>
-                        <a:ea typeface="等线" panose="02010600030101010101" pitchFamily="2" charset="-122"/>
-                      </a:endParaRPr>
-                    </a:p>
-                  </a:txBody>
-                  <a:tcPr marL="9318" marR="9318" marT="9318" marB="0" anchor="ctr">
-                    <a:solidFill>
-                      <a:schemeClr val="accent4"/>
-                    </a:solidFill>
-                  </a:tcPr>
-                </a:tc>
-                <a:tc>
-                  <a:txBody>
-                    <a:bodyPr/>
-                    <a:lstStyle/>
-                    <a:p>
-                      <a:pPr algn="l" rtl="0" fontAlgn="ctr">
-                        <a:lnSpc>
-                          <a:spcPct val="150000"/>
-                        </a:lnSpc>
-                      </a:pPr>
-                      <a:r>
-                        <a:rPr lang="en-US" altLang="zh-CN" sz="1800" u="none" strike="noStrike">
-                          <a:effectLst/>
-                        </a:rPr>
-                        <a:t>0.8655</a:t>
-                      </a:r>
-                      <a:endParaRPr lang="en-US" altLang="zh-CN" sz="1800" b="0" i="0" u="none" strike="noStrike">
-                        <a:solidFill>
-                          <a:srgbClr val="000000"/>
-                        </a:solidFill>
-                        <a:effectLst/>
-                        <a:latin typeface="Times New Roman" panose="02020603050405020304" pitchFamily="18" charset="0"/>
-                        <a:ea typeface="等线" panose="02010600030101010101" pitchFamily="2" charset="-122"/>
-                      </a:endParaRPr>
-                    </a:p>
-                  </a:txBody>
-                  <a:tcPr marL="9318" marR="9318" marT="9318" marB="0" anchor="ctr"/>
-                </a:tc>
-                <a:tc>
-                  <a:txBody>
-                    <a:bodyPr/>
-                    <a:lstStyle/>
-                    <a:p>
-                      <a:pPr algn="l" rtl="0" fontAlgn="ctr">
-                        <a:lnSpc>
-                          <a:spcPct val="150000"/>
-                        </a:lnSpc>
-                      </a:pPr>
-                      <a:r>
-                        <a:rPr lang="en-US" altLang="zh-CN" sz="1800" u="none" strike="noStrike">
-                          <a:effectLst/>
-                        </a:rPr>
-                        <a:t>0.8794</a:t>
-                      </a:r>
-                      <a:endParaRPr lang="en-US" altLang="zh-CN" sz="1800" b="0" i="0" u="none" strike="noStrike">
-                        <a:solidFill>
-                          <a:srgbClr val="000000"/>
-                        </a:solidFill>
-                        <a:effectLst/>
-                        <a:latin typeface="Times New Roman" panose="02020603050405020304" pitchFamily="18" charset="0"/>
-                        <a:ea typeface="等线" panose="02010600030101010101" pitchFamily="2" charset="-122"/>
-                      </a:endParaRPr>
-                    </a:p>
-                  </a:txBody>
-                  <a:tcPr marL="9318" marR="9318" marT="9318" marB="0" anchor="ctr"/>
-                </a:tc>
-                <a:tc>
-                  <a:txBody>
-                    <a:bodyPr/>
-                    <a:lstStyle/>
-                    <a:p>
-                      <a:pPr algn="l" rtl="0" fontAlgn="ctr">
-                        <a:lnSpc>
-                          <a:spcPct val="150000"/>
-                        </a:lnSpc>
-                      </a:pPr>
-                      <a:r>
-                        <a:rPr lang="en-US" altLang="zh-CN" sz="1800" u="none" strike="noStrike">
-                          <a:effectLst/>
-                        </a:rPr>
-                        <a:t>0.8779</a:t>
-                      </a:r>
-                      <a:endParaRPr lang="en-US" altLang="zh-CN" sz="1800" b="0" i="0" u="none" strike="noStrike">
-                        <a:solidFill>
-                          <a:srgbClr val="000000"/>
-                        </a:solidFill>
-                        <a:effectLst/>
-                        <a:latin typeface="Times New Roman" panose="02020603050405020304" pitchFamily="18" charset="0"/>
-                        <a:ea typeface="等线" panose="02010600030101010101" pitchFamily="2" charset="-122"/>
-                      </a:endParaRPr>
-                    </a:p>
-                  </a:txBody>
-                  <a:tcPr marL="9318" marR="9318" marT="9318" marB="0" anchor="ctr"/>
-                </a:tc>
-                <a:tc>
-                  <a:txBody>
-                    <a:bodyPr/>
-                    <a:lstStyle/>
-                    <a:p>
-                      <a:pPr algn="l" rtl="0" fontAlgn="ctr">
-                        <a:lnSpc>
-                          <a:spcPct val="150000"/>
-                        </a:lnSpc>
-                      </a:pPr>
-                      <a:r>
-                        <a:rPr lang="en-US" altLang="zh-CN" sz="1800" u="none" strike="noStrike">
-                          <a:effectLst/>
-                        </a:rPr>
-                        <a:t>0.8794</a:t>
-                      </a:r>
-                      <a:endParaRPr lang="en-US" altLang="zh-CN" sz="1800" b="0" i="0" u="none" strike="noStrike">
-                        <a:solidFill>
-                          <a:srgbClr val="000000"/>
-                        </a:solidFill>
-                        <a:effectLst/>
-                        <a:latin typeface="Times New Roman" panose="02020603050405020304" pitchFamily="18" charset="0"/>
-                        <a:ea typeface="等线" panose="02010600030101010101" pitchFamily="2" charset="-122"/>
-                      </a:endParaRPr>
-                    </a:p>
-                  </a:txBody>
-                  <a:tcPr marL="9318" marR="9318" marT="9318" marB="0" anchor="ctr"/>
-                </a:tc>
-                <a:extLst>
-                  <a:ext uri="{0D108BD9-81ED-4DB2-BD59-A6C34878D82A}">
-                    <a16:rowId xmlns:a16="http://schemas.microsoft.com/office/drawing/2014/main" val="3070976615"/>
-                  </a:ext>
-                </a:extLst>
-              </a:tr>
-              <a:tr h="295531">
-                <a:tc vMerge="1">
-                  <a:txBody>
-                    <a:bodyPr/>
-                    <a:lstStyle/>
-                    <a:p>
-                      <a:endParaRPr lang="zh-CN" altLang="en-US"/>
-                    </a:p>
-                  </a:txBody>
-                  <a:tcPr/>
-                </a:tc>
-                <a:tc>
-                  <a:txBody>
-                    <a:bodyPr/>
-                    <a:lstStyle/>
-                    <a:p>
-                      <a:pPr algn="l" fontAlgn="t">
-                        <a:lnSpc>
-                          <a:spcPct val="150000"/>
-                        </a:lnSpc>
-                      </a:pPr>
-                      <a:r>
-                        <a:rPr lang="en-US" sz="1800" b="1" u="none" strike="noStrike" dirty="0">
-                          <a:effectLst/>
-                        </a:rPr>
-                        <a:t>kidney acc</a:t>
-                      </a:r>
-                      <a:endParaRPr lang="en-US" sz="1800" b="1" i="0" u="none" strike="noStrike" dirty="0">
-                        <a:solidFill>
-                          <a:srgbClr val="000000"/>
-                        </a:solidFill>
-                        <a:effectLst/>
-                        <a:latin typeface="Times New Roman" panose="02020603050405020304" pitchFamily="18" charset="0"/>
-                        <a:ea typeface="等线" panose="02010600030101010101" pitchFamily="2" charset="-122"/>
-                      </a:endParaRPr>
-                    </a:p>
-                  </a:txBody>
-                  <a:tcPr marL="9318" marR="9318" marT="9318" marB="0"/>
-                </a:tc>
-                <a:tc>
-                  <a:txBody>
-                    <a:bodyPr/>
-                    <a:lstStyle/>
-                    <a:p>
-                      <a:pPr algn="l" rtl="0" fontAlgn="ctr">
-                        <a:lnSpc>
-                          <a:spcPct val="150000"/>
-                        </a:lnSpc>
-                      </a:pPr>
-                      <a:r>
-                        <a:rPr lang="en-US" altLang="zh-CN" sz="1800" u="none" strike="noStrike">
-                          <a:effectLst/>
-                        </a:rPr>
-                        <a:t>0.5394</a:t>
-                      </a:r>
-                      <a:endParaRPr lang="en-US" altLang="zh-CN" sz="1800" b="0" i="0" u="none" strike="noStrike">
-                        <a:solidFill>
-                          <a:srgbClr val="000000"/>
-                        </a:solidFill>
-                        <a:effectLst/>
-                        <a:latin typeface="Times New Roman" panose="02020603050405020304" pitchFamily="18" charset="0"/>
-                        <a:ea typeface="等线" panose="02010600030101010101" pitchFamily="2" charset="-122"/>
-                      </a:endParaRPr>
-                    </a:p>
-                  </a:txBody>
-                  <a:tcPr marL="9318" marR="9318" marT="9318" marB="0" anchor="ctr">
-                    <a:solidFill>
-                      <a:schemeClr val="accent4"/>
-                    </a:solidFill>
-                  </a:tcPr>
-                </a:tc>
-                <a:tc>
-                  <a:txBody>
-                    <a:bodyPr/>
-                    <a:lstStyle/>
-                    <a:p>
-                      <a:pPr algn="l" rtl="0" fontAlgn="ctr">
-                        <a:lnSpc>
-                          <a:spcPct val="150000"/>
-                        </a:lnSpc>
-                      </a:pPr>
-                      <a:r>
-                        <a:rPr lang="en-US" altLang="zh-CN" sz="1800" u="none" strike="noStrike" dirty="0">
-                          <a:effectLst/>
-                        </a:rPr>
-                        <a:t>0.5379</a:t>
-                      </a:r>
-                      <a:endParaRPr lang="en-US" altLang="zh-CN" sz="1800" b="0" i="0" u="none" strike="noStrike" dirty="0">
-                        <a:solidFill>
-                          <a:srgbClr val="000000"/>
-                        </a:solidFill>
-                        <a:effectLst/>
-                        <a:latin typeface="Times New Roman" panose="02020603050405020304" pitchFamily="18" charset="0"/>
-                        <a:ea typeface="等线" panose="02010600030101010101" pitchFamily="2" charset="-122"/>
-                      </a:endParaRPr>
-                    </a:p>
-                  </a:txBody>
-                  <a:tcPr marL="9318" marR="9318" marT="9318" marB="0" anchor="ctr">
-                    <a:solidFill>
-                      <a:schemeClr val="accent4"/>
-                    </a:solidFill>
-                  </a:tcPr>
-                </a:tc>
-                <a:tc>
-                  <a:txBody>
-                    <a:bodyPr/>
-                    <a:lstStyle/>
-                    <a:p>
-                      <a:pPr algn="l" rtl="0" fontAlgn="ctr">
-                        <a:lnSpc>
-                          <a:spcPct val="150000"/>
-                        </a:lnSpc>
-                      </a:pPr>
-                      <a:r>
-                        <a:rPr lang="en-US" altLang="zh-CN" sz="1800" u="none" strike="noStrike">
-                          <a:effectLst/>
-                        </a:rPr>
-                        <a:t>0.8779</a:t>
-                      </a:r>
-                      <a:endParaRPr lang="en-US" altLang="zh-CN" sz="1800" b="0" i="0" u="none" strike="noStrike">
-                        <a:solidFill>
-                          <a:srgbClr val="000000"/>
-                        </a:solidFill>
-                        <a:effectLst/>
-                        <a:latin typeface="Times New Roman" panose="02020603050405020304" pitchFamily="18" charset="0"/>
-                        <a:ea typeface="等线" panose="02010600030101010101" pitchFamily="2" charset="-122"/>
-                      </a:endParaRPr>
-                    </a:p>
-                  </a:txBody>
-                  <a:tcPr marL="9318" marR="9318" marT="9318" marB="0" anchor="ctr"/>
-                </a:tc>
-                <a:tc>
-                  <a:txBody>
-                    <a:bodyPr/>
-                    <a:lstStyle/>
-                    <a:p>
-                      <a:pPr algn="l" rtl="0" fontAlgn="ctr">
-                        <a:lnSpc>
-                          <a:spcPct val="150000"/>
-                        </a:lnSpc>
-                      </a:pPr>
-                      <a:r>
-                        <a:rPr lang="en-US" altLang="zh-CN" sz="1800" u="none" strike="noStrike">
-                          <a:effectLst/>
-                        </a:rPr>
-                        <a:t>0.9042</a:t>
-                      </a:r>
-                      <a:endParaRPr lang="en-US" altLang="zh-CN" sz="1800" b="0" i="0" u="none" strike="noStrike">
-                        <a:solidFill>
-                          <a:srgbClr val="000000"/>
-                        </a:solidFill>
-                        <a:effectLst/>
-                        <a:latin typeface="Times New Roman" panose="02020603050405020304" pitchFamily="18" charset="0"/>
-                        <a:ea typeface="等线" panose="02010600030101010101" pitchFamily="2" charset="-122"/>
-                      </a:endParaRPr>
-                    </a:p>
-                  </a:txBody>
-                  <a:tcPr marL="9318" marR="9318" marT="9318" marB="0" anchor="ctr"/>
-                </a:tc>
-                <a:tc>
-                  <a:txBody>
-                    <a:bodyPr/>
-                    <a:lstStyle/>
-                    <a:p>
-                      <a:pPr algn="l" rtl="0" fontAlgn="ctr">
-                        <a:lnSpc>
-                          <a:spcPct val="150000"/>
-                        </a:lnSpc>
-                      </a:pPr>
-                      <a:r>
-                        <a:rPr lang="en-US" altLang="zh-CN" sz="1800" u="none" strike="noStrike">
-                          <a:effectLst/>
-                        </a:rPr>
-                        <a:t>0.8856</a:t>
-                      </a:r>
-                      <a:endParaRPr lang="en-US" altLang="zh-CN" sz="1800" b="0" i="0" u="none" strike="noStrike">
-                        <a:solidFill>
-                          <a:srgbClr val="000000"/>
-                        </a:solidFill>
-                        <a:effectLst/>
-                        <a:latin typeface="Times New Roman" panose="02020603050405020304" pitchFamily="18" charset="0"/>
-                        <a:ea typeface="等线" panose="02010600030101010101" pitchFamily="2" charset="-122"/>
-                      </a:endParaRPr>
-                    </a:p>
-                  </a:txBody>
-                  <a:tcPr marL="9318" marR="9318" marT="9318" marB="0" anchor="ctr"/>
-                </a:tc>
-                <a:tc>
-                  <a:txBody>
-                    <a:bodyPr/>
-                    <a:lstStyle/>
-                    <a:p>
-                      <a:pPr algn="l" rtl="0" fontAlgn="ctr">
-                        <a:lnSpc>
-                          <a:spcPct val="150000"/>
-                        </a:lnSpc>
-                      </a:pPr>
-                      <a:r>
-                        <a:rPr lang="en-US" altLang="zh-CN" sz="1800" u="none" strike="noStrike">
-                          <a:effectLst/>
-                        </a:rPr>
-                        <a:t>0.9011</a:t>
-                      </a:r>
-                      <a:endParaRPr lang="en-US" altLang="zh-CN" sz="1800" b="0" i="0" u="none" strike="noStrike">
-                        <a:solidFill>
-                          <a:srgbClr val="000000"/>
-                        </a:solidFill>
-                        <a:effectLst/>
-                        <a:latin typeface="Times New Roman" panose="02020603050405020304" pitchFamily="18" charset="0"/>
-                        <a:ea typeface="等线" panose="02010600030101010101" pitchFamily="2" charset="-122"/>
-                      </a:endParaRPr>
-                    </a:p>
-                  </a:txBody>
-                  <a:tcPr marL="9318" marR="9318" marT="9318" marB="0" anchor="ctr"/>
-                </a:tc>
-                <a:extLst>
-                  <a:ext uri="{0D108BD9-81ED-4DB2-BD59-A6C34878D82A}">
-                    <a16:rowId xmlns:a16="http://schemas.microsoft.com/office/drawing/2014/main" val="2361242770"/>
-                  </a:ext>
-                </a:extLst>
-              </a:tr>
-              <a:tr h="295531">
-                <a:tc vMerge="1">
-                  <a:txBody>
-                    <a:bodyPr/>
-                    <a:lstStyle/>
-                    <a:p>
-                      <a:endParaRPr lang="zh-CN" altLang="en-US"/>
-                    </a:p>
-                  </a:txBody>
-                  <a:tcPr/>
-                </a:tc>
-                <a:tc>
-                  <a:txBody>
-                    <a:bodyPr/>
-                    <a:lstStyle/>
-                    <a:p>
-                      <a:pPr algn="l" fontAlgn="t">
-                        <a:lnSpc>
-                          <a:spcPct val="150000"/>
-                        </a:lnSpc>
-                      </a:pPr>
-                      <a:r>
-                        <a:rPr lang="en-US" sz="1800" b="1" u="none" strike="noStrike" dirty="0">
-                          <a:effectLst/>
-                        </a:rPr>
-                        <a:t>liver acc</a:t>
-                      </a:r>
-                      <a:endParaRPr lang="en-US" sz="1800" b="1" i="0" u="none" strike="noStrike" dirty="0">
-                        <a:solidFill>
-                          <a:srgbClr val="000000"/>
-                        </a:solidFill>
-                        <a:effectLst/>
-                        <a:latin typeface="Times New Roman" panose="02020603050405020304" pitchFamily="18" charset="0"/>
-                        <a:ea typeface="等线" panose="02010600030101010101" pitchFamily="2" charset="-122"/>
-                      </a:endParaRPr>
-                    </a:p>
-                  </a:txBody>
-                  <a:tcPr marL="9318" marR="9318" marT="9318" marB="0"/>
-                </a:tc>
-                <a:tc>
-                  <a:txBody>
-                    <a:bodyPr/>
-                    <a:lstStyle/>
-                    <a:p>
-                      <a:pPr algn="l" rtl="0" fontAlgn="ctr">
-                        <a:lnSpc>
-                          <a:spcPct val="150000"/>
-                        </a:lnSpc>
-                      </a:pPr>
-                      <a:r>
-                        <a:rPr lang="en-US" altLang="zh-CN" sz="1800" u="none" strike="noStrike">
-                          <a:effectLst/>
-                        </a:rPr>
-                        <a:t>0.49</a:t>
-                      </a:r>
-                      <a:endParaRPr lang="en-US" altLang="zh-CN" sz="1800" b="0" i="0" u="none" strike="noStrike">
-                        <a:solidFill>
-                          <a:srgbClr val="000000"/>
-                        </a:solidFill>
-                        <a:effectLst/>
-                        <a:latin typeface="Times New Roman" panose="02020603050405020304" pitchFamily="18" charset="0"/>
-                        <a:ea typeface="等线" panose="02010600030101010101" pitchFamily="2" charset="-122"/>
-                      </a:endParaRPr>
-                    </a:p>
-                  </a:txBody>
-                  <a:tcPr marL="9318" marR="9318" marT="9318" marB="0" anchor="ctr">
-                    <a:solidFill>
-                      <a:schemeClr val="accent4"/>
-                    </a:solidFill>
-                  </a:tcPr>
-                </a:tc>
-                <a:tc>
-                  <a:txBody>
-                    <a:bodyPr/>
-                    <a:lstStyle/>
-                    <a:p>
-                      <a:pPr algn="l" rtl="0" fontAlgn="ctr">
-                        <a:lnSpc>
-                          <a:spcPct val="150000"/>
-                        </a:lnSpc>
-                      </a:pPr>
-                      <a:r>
-                        <a:rPr lang="en-US" altLang="zh-CN" sz="1800" u="none" strike="noStrike" dirty="0">
-                          <a:effectLst/>
-                        </a:rPr>
-                        <a:t>0.4003</a:t>
-                      </a:r>
-                      <a:endParaRPr lang="en-US" altLang="zh-CN" sz="1800" b="0" i="0" u="none" strike="noStrike" dirty="0">
-                        <a:solidFill>
-                          <a:srgbClr val="000000"/>
-                        </a:solidFill>
-                        <a:effectLst/>
-                        <a:latin typeface="Times New Roman" panose="02020603050405020304" pitchFamily="18" charset="0"/>
-                        <a:ea typeface="等线" panose="02010600030101010101" pitchFamily="2" charset="-122"/>
-                      </a:endParaRPr>
-                    </a:p>
-                  </a:txBody>
-                  <a:tcPr marL="9318" marR="9318" marT="9318" marB="0" anchor="ctr">
-                    <a:solidFill>
-                      <a:schemeClr val="accent4"/>
-                    </a:solidFill>
-                  </a:tcPr>
-                </a:tc>
-                <a:tc>
-                  <a:txBody>
-                    <a:bodyPr/>
-                    <a:lstStyle/>
-                    <a:p>
-                      <a:pPr algn="l" rtl="0" fontAlgn="ctr">
-                        <a:lnSpc>
-                          <a:spcPct val="150000"/>
-                        </a:lnSpc>
-                      </a:pPr>
-                      <a:r>
-                        <a:rPr lang="en-US" altLang="zh-CN" sz="1800" u="none" strike="noStrike">
-                          <a:effectLst/>
-                        </a:rPr>
-                        <a:t>0.9258</a:t>
-                      </a:r>
-                      <a:endParaRPr lang="en-US" altLang="zh-CN" sz="1800" b="0" i="0" u="none" strike="noStrike">
-                        <a:solidFill>
-                          <a:srgbClr val="000000"/>
-                        </a:solidFill>
-                        <a:effectLst/>
-                        <a:latin typeface="Times New Roman" panose="02020603050405020304" pitchFamily="18" charset="0"/>
-                        <a:ea typeface="等线" panose="02010600030101010101" pitchFamily="2" charset="-122"/>
-                      </a:endParaRPr>
-                    </a:p>
-                  </a:txBody>
-                  <a:tcPr marL="9318" marR="9318" marT="9318" marB="0" anchor="ctr"/>
-                </a:tc>
-                <a:tc>
-                  <a:txBody>
-                    <a:bodyPr/>
-                    <a:lstStyle/>
-                    <a:p>
-                      <a:pPr algn="l" rtl="0" fontAlgn="ctr">
-                        <a:lnSpc>
-                          <a:spcPct val="150000"/>
-                        </a:lnSpc>
-                      </a:pPr>
-                      <a:r>
-                        <a:rPr lang="en-US" altLang="zh-CN" sz="1800" u="none" strike="noStrike">
-                          <a:effectLst/>
-                        </a:rPr>
-                        <a:t>0.9073</a:t>
-                      </a:r>
-                      <a:endParaRPr lang="en-US" altLang="zh-CN" sz="1800" b="0" i="0" u="none" strike="noStrike">
-                        <a:solidFill>
-                          <a:srgbClr val="000000"/>
-                        </a:solidFill>
-                        <a:effectLst/>
-                        <a:latin typeface="Times New Roman" panose="02020603050405020304" pitchFamily="18" charset="0"/>
-                        <a:ea typeface="等线" panose="02010600030101010101" pitchFamily="2" charset="-122"/>
-                      </a:endParaRPr>
-                    </a:p>
-                  </a:txBody>
-                  <a:tcPr marL="9318" marR="9318" marT="9318" marB="0" anchor="ctr"/>
-                </a:tc>
-                <a:tc>
-                  <a:txBody>
-                    <a:bodyPr/>
-                    <a:lstStyle/>
-                    <a:p>
-                      <a:pPr algn="l" rtl="0" fontAlgn="ctr">
-                        <a:lnSpc>
-                          <a:spcPct val="150000"/>
-                        </a:lnSpc>
-                      </a:pPr>
-                      <a:r>
-                        <a:rPr lang="en-US" altLang="zh-CN" sz="1800" u="none" strike="noStrike">
-                          <a:effectLst/>
-                        </a:rPr>
-                        <a:t>0.9057</a:t>
-                      </a:r>
-                      <a:endParaRPr lang="en-US" altLang="zh-CN" sz="1800" b="0" i="0" u="none" strike="noStrike">
-                        <a:solidFill>
-                          <a:srgbClr val="000000"/>
-                        </a:solidFill>
-                        <a:effectLst/>
-                        <a:latin typeface="Times New Roman" panose="02020603050405020304" pitchFamily="18" charset="0"/>
-                        <a:ea typeface="等线" panose="02010600030101010101" pitchFamily="2" charset="-122"/>
-                      </a:endParaRPr>
-                    </a:p>
-                  </a:txBody>
-                  <a:tcPr marL="9318" marR="9318" marT="9318" marB="0" anchor="ctr"/>
-                </a:tc>
-                <a:tc>
-                  <a:txBody>
-                    <a:bodyPr/>
-                    <a:lstStyle/>
-                    <a:p>
-                      <a:pPr algn="l" rtl="0" fontAlgn="ctr">
-                        <a:lnSpc>
-                          <a:spcPct val="150000"/>
-                        </a:lnSpc>
-                      </a:pPr>
-                      <a:r>
-                        <a:rPr lang="en-US" altLang="zh-CN" sz="1800" u="none" strike="noStrike">
-                          <a:effectLst/>
-                        </a:rPr>
-                        <a:t>0.9165</a:t>
-                      </a:r>
-                      <a:endParaRPr lang="en-US" altLang="zh-CN" sz="1800" b="0" i="0" u="none" strike="noStrike">
-                        <a:solidFill>
-                          <a:srgbClr val="000000"/>
-                        </a:solidFill>
-                        <a:effectLst/>
-                        <a:latin typeface="Times New Roman" panose="02020603050405020304" pitchFamily="18" charset="0"/>
-                        <a:ea typeface="等线" panose="02010600030101010101" pitchFamily="2" charset="-122"/>
-                      </a:endParaRPr>
-                    </a:p>
-                  </a:txBody>
-                  <a:tcPr marL="9318" marR="9318" marT="9318" marB="0" anchor="ctr"/>
-                </a:tc>
-                <a:extLst>
-                  <a:ext uri="{0D108BD9-81ED-4DB2-BD59-A6C34878D82A}">
-                    <a16:rowId xmlns:a16="http://schemas.microsoft.com/office/drawing/2014/main" val="86368282"/>
-                  </a:ext>
-                </a:extLst>
-              </a:tr>
-              <a:tr h="295531">
-                <a:tc rowSpan="4">
-                  <a:txBody>
-                    <a:bodyPr/>
-                    <a:lstStyle/>
-                    <a:p>
-                      <a:pPr algn="l" rtl="0" fontAlgn="ctr">
-                        <a:lnSpc>
-                          <a:spcPct val="150000"/>
-                        </a:lnSpc>
-                      </a:pPr>
-                      <a:r>
-                        <a:rPr lang="en-US" sz="1800" b="1" u="none" strike="noStrike" dirty="0">
-                          <a:effectLst/>
-                        </a:rPr>
-                        <a:t>T2</a:t>
-                      </a:r>
-                      <a:endParaRPr lang="en-US" sz="1800" b="1" i="0" u="none" strike="noStrike" dirty="0">
-                        <a:solidFill>
-                          <a:srgbClr val="000000"/>
-                        </a:solidFill>
-                        <a:effectLst/>
-                        <a:latin typeface="Times New Roman" panose="02020603050405020304" pitchFamily="18" charset="0"/>
-                        <a:ea typeface="等线" panose="02010600030101010101" pitchFamily="2" charset="-122"/>
-                      </a:endParaRPr>
-                    </a:p>
-                  </a:txBody>
-                  <a:tcPr marL="9318" marR="9318" marT="9318" marB="0" anchor="ctr"/>
-                </a:tc>
-                <a:tc>
-                  <a:txBody>
-                    <a:bodyPr/>
-                    <a:lstStyle/>
-                    <a:p>
-                      <a:pPr algn="l" fontAlgn="t">
-                        <a:lnSpc>
-                          <a:spcPct val="150000"/>
-                        </a:lnSpc>
-                      </a:pPr>
-                      <a:r>
-                        <a:rPr lang="en-US" sz="1800" b="1" u="none" strike="noStrike" dirty="0">
-                          <a:effectLst/>
-                        </a:rPr>
-                        <a:t>average acc</a:t>
-                      </a:r>
-                      <a:endParaRPr lang="en-US" sz="1800" b="1" i="0" u="none" strike="noStrike" dirty="0">
-                        <a:solidFill>
-                          <a:srgbClr val="000000"/>
-                        </a:solidFill>
-                        <a:effectLst/>
-                        <a:latin typeface="Times New Roman" panose="02020603050405020304" pitchFamily="18" charset="0"/>
-                        <a:ea typeface="等线" panose="02010600030101010101" pitchFamily="2" charset="-122"/>
-                      </a:endParaRPr>
-                    </a:p>
-                  </a:txBody>
-                  <a:tcPr marL="9318" marR="9318" marT="9318" marB="0"/>
-                </a:tc>
-                <a:tc>
-                  <a:txBody>
-                    <a:bodyPr/>
-                    <a:lstStyle/>
-                    <a:p>
-                      <a:pPr algn="l" rtl="0" fontAlgn="ctr">
-                        <a:lnSpc>
-                          <a:spcPct val="150000"/>
-                        </a:lnSpc>
-                      </a:pPr>
-                      <a:r>
-                        <a:rPr lang="en-US" altLang="zh-CN" sz="1800" u="none" strike="noStrike">
-                          <a:effectLst/>
-                        </a:rPr>
-                        <a:t>0.4992</a:t>
-                      </a:r>
-                      <a:endParaRPr lang="en-US" altLang="zh-CN" sz="1800" b="0" i="0" u="none" strike="noStrike">
-                        <a:solidFill>
-                          <a:srgbClr val="000000"/>
-                        </a:solidFill>
-                        <a:effectLst/>
-                        <a:latin typeface="Times New Roman" panose="02020603050405020304" pitchFamily="18" charset="0"/>
-                        <a:ea typeface="等线" panose="02010600030101010101" pitchFamily="2" charset="-122"/>
-                      </a:endParaRPr>
-                    </a:p>
-                  </a:txBody>
-                  <a:tcPr marL="9318" marR="9318" marT="9318" marB="0" anchor="ctr">
-                    <a:solidFill>
-                      <a:schemeClr val="accent4"/>
-                    </a:solidFill>
-                  </a:tcPr>
-                </a:tc>
-                <a:tc>
-                  <a:txBody>
-                    <a:bodyPr/>
-                    <a:lstStyle/>
-                    <a:p>
-                      <a:pPr algn="l" rtl="0" fontAlgn="ctr">
-                        <a:lnSpc>
-                          <a:spcPct val="150000"/>
-                        </a:lnSpc>
-                      </a:pPr>
-                      <a:r>
-                        <a:rPr lang="en-US" altLang="zh-CN" sz="1800" u="none" strike="noStrike" dirty="0">
-                          <a:effectLst/>
-                        </a:rPr>
-                        <a:t>0.5003</a:t>
-                      </a:r>
-                      <a:endParaRPr lang="en-US" altLang="zh-CN" sz="1800" b="0" i="0" u="none" strike="noStrike" dirty="0">
-                        <a:solidFill>
-                          <a:srgbClr val="000000"/>
-                        </a:solidFill>
-                        <a:effectLst/>
-                        <a:latin typeface="Times New Roman" panose="02020603050405020304" pitchFamily="18" charset="0"/>
-                        <a:ea typeface="等线" panose="02010600030101010101" pitchFamily="2" charset="-122"/>
-                      </a:endParaRPr>
-                    </a:p>
-                  </a:txBody>
-                  <a:tcPr marL="9318" marR="9318" marT="9318" marB="0" anchor="ctr">
-                    <a:solidFill>
-                      <a:schemeClr val="accent4"/>
-                    </a:solidFill>
-                  </a:tcPr>
-                </a:tc>
-                <a:tc>
-                  <a:txBody>
-                    <a:bodyPr/>
-                    <a:lstStyle/>
-                    <a:p>
-                      <a:pPr algn="l" rtl="0" fontAlgn="ctr">
-                        <a:lnSpc>
-                          <a:spcPct val="150000"/>
-                        </a:lnSpc>
-                      </a:pPr>
-                      <a:r>
-                        <a:rPr lang="en-US" altLang="zh-CN" sz="1800" u="none" strike="noStrike">
-                          <a:effectLst/>
-                        </a:rPr>
-                        <a:t>0.8705</a:t>
-                      </a:r>
-                      <a:endParaRPr lang="en-US" altLang="zh-CN" sz="1800" b="0" i="0" u="none" strike="noStrike">
-                        <a:solidFill>
-                          <a:srgbClr val="000000"/>
-                        </a:solidFill>
-                        <a:effectLst/>
-                        <a:latin typeface="Times New Roman" panose="02020603050405020304" pitchFamily="18" charset="0"/>
-                        <a:ea typeface="等线" panose="02010600030101010101" pitchFamily="2" charset="-122"/>
-                      </a:endParaRPr>
-                    </a:p>
-                  </a:txBody>
-                  <a:tcPr marL="9318" marR="9318" marT="9318" marB="0" anchor="ctr"/>
-                </a:tc>
-                <a:tc>
-                  <a:txBody>
-                    <a:bodyPr/>
-                    <a:lstStyle/>
-                    <a:p>
-                      <a:pPr algn="l" rtl="0" fontAlgn="ctr">
-                        <a:lnSpc>
-                          <a:spcPct val="150000"/>
-                        </a:lnSpc>
-                      </a:pPr>
-                      <a:r>
-                        <a:rPr lang="en-US" altLang="zh-CN" sz="1800" u="none" strike="noStrike">
-                          <a:effectLst/>
-                        </a:rPr>
-                        <a:t>0.8844</a:t>
-                      </a:r>
-                      <a:endParaRPr lang="en-US" altLang="zh-CN" sz="1800" b="0" i="0" u="none" strike="noStrike">
-                        <a:solidFill>
-                          <a:srgbClr val="000000"/>
-                        </a:solidFill>
-                        <a:effectLst/>
-                        <a:latin typeface="Times New Roman" panose="02020603050405020304" pitchFamily="18" charset="0"/>
-                        <a:ea typeface="等线" panose="02010600030101010101" pitchFamily="2" charset="-122"/>
-                      </a:endParaRPr>
-                    </a:p>
-                  </a:txBody>
-                  <a:tcPr marL="9318" marR="9318" marT="9318" marB="0" anchor="ctr"/>
-                </a:tc>
-                <a:tc>
-                  <a:txBody>
-                    <a:bodyPr/>
-                    <a:lstStyle/>
-                    <a:p>
-                      <a:pPr algn="l" rtl="0" fontAlgn="ctr">
-                        <a:lnSpc>
-                          <a:spcPct val="150000"/>
-                        </a:lnSpc>
-                      </a:pPr>
-                      <a:r>
-                        <a:rPr lang="en-US" altLang="zh-CN" sz="1800" u="none" strike="noStrike">
-                          <a:effectLst/>
-                        </a:rPr>
-                        <a:t>0.8689</a:t>
-                      </a:r>
-                      <a:endParaRPr lang="en-US" altLang="zh-CN" sz="1800" b="0" i="0" u="none" strike="noStrike">
-                        <a:solidFill>
-                          <a:srgbClr val="000000"/>
-                        </a:solidFill>
-                        <a:effectLst/>
-                        <a:latin typeface="Times New Roman" panose="02020603050405020304" pitchFamily="18" charset="0"/>
-                        <a:ea typeface="等线" panose="02010600030101010101" pitchFamily="2" charset="-122"/>
-                      </a:endParaRPr>
-                    </a:p>
-                  </a:txBody>
-                  <a:tcPr marL="9318" marR="9318" marT="9318" marB="0" anchor="ctr"/>
-                </a:tc>
-                <a:tc>
-                  <a:txBody>
-                    <a:bodyPr/>
-                    <a:lstStyle/>
-                    <a:p>
-                      <a:pPr algn="l" rtl="0" fontAlgn="ctr">
-                        <a:lnSpc>
-                          <a:spcPct val="150000"/>
-                        </a:lnSpc>
-                      </a:pPr>
-                      <a:r>
-                        <a:rPr lang="en-US" altLang="zh-CN" sz="1800" u="none" strike="noStrike">
-                          <a:effectLst/>
-                        </a:rPr>
-                        <a:t>0.8732</a:t>
-                      </a:r>
-                      <a:endParaRPr lang="en-US" altLang="zh-CN" sz="1800" b="0" i="0" u="none" strike="noStrike">
-                        <a:solidFill>
-                          <a:srgbClr val="000000"/>
-                        </a:solidFill>
-                        <a:effectLst/>
-                        <a:latin typeface="Times New Roman" panose="02020603050405020304" pitchFamily="18" charset="0"/>
-                        <a:ea typeface="等线" panose="02010600030101010101" pitchFamily="2" charset="-122"/>
-                      </a:endParaRPr>
-                    </a:p>
-                  </a:txBody>
-                  <a:tcPr marL="9318" marR="9318" marT="9318" marB="0" anchor="ctr"/>
-                </a:tc>
-                <a:extLst>
-                  <a:ext uri="{0D108BD9-81ED-4DB2-BD59-A6C34878D82A}">
-                    <a16:rowId xmlns:a16="http://schemas.microsoft.com/office/drawing/2014/main" val="2571274516"/>
-                  </a:ext>
-                </a:extLst>
-              </a:tr>
-              <a:tr h="295531">
-                <a:tc vMerge="1">
-                  <a:txBody>
-                    <a:bodyPr/>
-                    <a:lstStyle/>
-                    <a:p>
-                      <a:endParaRPr lang="zh-CN" altLang="en-US"/>
-                    </a:p>
-                  </a:txBody>
-                  <a:tcPr/>
-                </a:tc>
-                <a:tc>
-                  <a:txBody>
-                    <a:bodyPr/>
-                    <a:lstStyle/>
-                    <a:p>
-                      <a:pPr algn="l" fontAlgn="t">
-                        <a:lnSpc>
-                          <a:spcPct val="150000"/>
-                        </a:lnSpc>
-                      </a:pPr>
-                      <a:r>
-                        <a:rPr lang="en-US" sz="1800" b="1" u="none" strike="noStrike" dirty="0">
-                          <a:effectLst/>
-                        </a:rPr>
-                        <a:t>spleen acc</a:t>
-                      </a:r>
-                      <a:endParaRPr lang="en-US" sz="1800" b="1" i="0" u="none" strike="noStrike" dirty="0">
-                        <a:solidFill>
-                          <a:srgbClr val="000000"/>
-                        </a:solidFill>
-                        <a:effectLst/>
-                        <a:latin typeface="Times New Roman" panose="02020603050405020304" pitchFamily="18" charset="0"/>
-                        <a:ea typeface="等线" panose="02010600030101010101" pitchFamily="2" charset="-122"/>
-                      </a:endParaRPr>
-                    </a:p>
-                  </a:txBody>
-                  <a:tcPr marL="9318" marR="9318" marT="9318" marB="0"/>
-                </a:tc>
-                <a:tc>
-                  <a:txBody>
-                    <a:bodyPr/>
-                    <a:lstStyle/>
-                    <a:p>
-                      <a:pPr algn="l" rtl="0" fontAlgn="ctr">
-                        <a:lnSpc>
-                          <a:spcPct val="150000"/>
-                        </a:lnSpc>
-                      </a:pPr>
-                      <a:r>
-                        <a:rPr lang="en-US" altLang="zh-CN" sz="1800" u="none" strike="noStrike">
-                          <a:effectLst/>
-                        </a:rPr>
-                        <a:t>0.61</a:t>
-                      </a:r>
-                      <a:endParaRPr lang="en-US" altLang="zh-CN" sz="1800" b="0" i="0" u="none" strike="noStrike">
-                        <a:solidFill>
-                          <a:srgbClr val="000000"/>
-                        </a:solidFill>
-                        <a:effectLst/>
-                        <a:latin typeface="Times New Roman" panose="02020603050405020304" pitchFamily="18" charset="0"/>
-                        <a:ea typeface="等线" panose="02010600030101010101" pitchFamily="2" charset="-122"/>
-                      </a:endParaRPr>
-                    </a:p>
-                  </a:txBody>
-                  <a:tcPr marL="9318" marR="9318" marT="9318" marB="0" anchor="ctr">
-                    <a:solidFill>
-                      <a:schemeClr val="accent4"/>
-                    </a:solidFill>
-                  </a:tcPr>
-                </a:tc>
-                <a:tc>
-                  <a:txBody>
-                    <a:bodyPr/>
-                    <a:lstStyle/>
-                    <a:p>
-                      <a:pPr algn="l" rtl="0" fontAlgn="ctr">
-                        <a:lnSpc>
-                          <a:spcPct val="150000"/>
-                        </a:lnSpc>
-                      </a:pPr>
-                      <a:r>
-                        <a:rPr lang="en-US" altLang="zh-CN" sz="1800" u="none" strike="noStrike" dirty="0">
-                          <a:effectLst/>
-                        </a:rPr>
-                        <a:t>0.6116</a:t>
-                      </a:r>
-                      <a:endParaRPr lang="en-US" altLang="zh-CN" sz="1800" b="0" i="0" u="none" strike="noStrike" dirty="0">
-                        <a:solidFill>
-                          <a:srgbClr val="000000"/>
-                        </a:solidFill>
-                        <a:effectLst/>
-                        <a:latin typeface="Times New Roman" panose="02020603050405020304" pitchFamily="18" charset="0"/>
-                        <a:ea typeface="等线" panose="02010600030101010101" pitchFamily="2" charset="-122"/>
-                      </a:endParaRPr>
-                    </a:p>
-                  </a:txBody>
-                  <a:tcPr marL="9318" marR="9318" marT="9318" marB="0" anchor="ctr">
-                    <a:solidFill>
-                      <a:schemeClr val="accent4"/>
-                    </a:solidFill>
-                  </a:tcPr>
-                </a:tc>
-                <a:tc>
-                  <a:txBody>
-                    <a:bodyPr/>
-                    <a:lstStyle/>
-                    <a:p>
-                      <a:pPr algn="l" rtl="0" fontAlgn="ctr">
-                        <a:lnSpc>
-                          <a:spcPct val="150000"/>
-                        </a:lnSpc>
-                      </a:pPr>
-                      <a:r>
-                        <a:rPr lang="en-US" altLang="zh-CN" sz="1800" u="none" strike="noStrike">
-                          <a:effectLst/>
-                        </a:rPr>
-                        <a:t>0.8523</a:t>
-                      </a:r>
-                      <a:endParaRPr lang="en-US" altLang="zh-CN" sz="1800" b="0" i="0" u="none" strike="noStrike">
-                        <a:solidFill>
-                          <a:srgbClr val="000000"/>
-                        </a:solidFill>
-                        <a:effectLst/>
-                        <a:latin typeface="Times New Roman" panose="02020603050405020304" pitchFamily="18" charset="0"/>
-                        <a:ea typeface="等线" panose="02010600030101010101" pitchFamily="2" charset="-122"/>
-                      </a:endParaRPr>
-                    </a:p>
-                  </a:txBody>
-                  <a:tcPr marL="9318" marR="9318" marT="9318" marB="0" anchor="ctr"/>
-                </a:tc>
-                <a:tc>
-                  <a:txBody>
-                    <a:bodyPr/>
-                    <a:lstStyle/>
-                    <a:p>
-                      <a:pPr algn="l" rtl="0" fontAlgn="ctr">
-                        <a:lnSpc>
-                          <a:spcPct val="150000"/>
-                        </a:lnSpc>
-                      </a:pPr>
-                      <a:r>
-                        <a:rPr lang="en-US" altLang="zh-CN" sz="1800" u="none" strike="noStrike">
-                          <a:effectLst/>
-                        </a:rPr>
-                        <a:t>0.878</a:t>
-                      </a:r>
-                      <a:endParaRPr lang="en-US" altLang="zh-CN" sz="1800" b="0" i="0" u="none" strike="noStrike">
-                        <a:solidFill>
-                          <a:srgbClr val="000000"/>
-                        </a:solidFill>
-                        <a:effectLst/>
-                        <a:latin typeface="Times New Roman" panose="02020603050405020304" pitchFamily="18" charset="0"/>
-                        <a:ea typeface="等线" panose="02010600030101010101" pitchFamily="2" charset="-122"/>
-                      </a:endParaRPr>
-                    </a:p>
-                  </a:txBody>
-                  <a:tcPr marL="9318" marR="9318" marT="9318" marB="0" anchor="ctr"/>
-                </a:tc>
-                <a:tc>
-                  <a:txBody>
-                    <a:bodyPr/>
-                    <a:lstStyle/>
-                    <a:p>
-                      <a:pPr algn="l" rtl="0" fontAlgn="ctr">
-                        <a:lnSpc>
-                          <a:spcPct val="150000"/>
-                        </a:lnSpc>
-                      </a:pPr>
-                      <a:r>
-                        <a:rPr lang="en-US" altLang="zh-CN" sz="1800" u="none" strike="noStrike">
-                          <a:effectLst/>
-                        </a:rPr>
-                        <a:t>0.8884</a:t>
-                      </a:r>
-                      <a:endParaRPr lang="en-US" altLang="zh-CN" sz="1800" b="0" i="0" u="none" strike="noStrike">
-                        <a:solidFill>
-                          <a:srgbClr val="000000"/>
-                        </a:solidFill>
-                        <a:effectLst/>
-                        <a:latin typeface="Times New Roman" panose="02020603050405020304" pitchFamily="18" charset="0"/>
-                        <a:ea typeface="等线" panose="02010600030101010101" pitchFamily="2" charset="-122"/>
-                      </a:endParaRPr>
-                    </a:p>
-                  </a:txBody>
-                  <a:tcPr marL="9318" marR="9318" marT="9318" marB="0" anchor="ctr"/>
-                </a:tc>
-                <a:tc>
-                  <a:txBody>
-                    <a:bodyPr/>
-                    <a:lstStyle/>
-                    <a:p>
-                      <a:pPr algn="l" rtl="0" fontAlgn="ctr">
-                        <a:lnSpc>
-                          <a:spcPct val="150000"/>
-                        </a:lnSpc>
-                      </a:pPr>
-                      <a:r>
-                        <a:rPr lang="en-US" altLang="zh-CN" sz="1800" u="none" strike="noStrike">
-                          <a:effectLst/>
-                        </a:rPr>
-                        <a:t>0.8716</a:t>
-                      </a:r>
-                      <a:endParaRPr lang="en-US" altLang="zh-CN" sz="1800" b="0" i="0" u="none" strike="noStrike">
-                        <a:solidFill>
-                          <a:srgbClr val="000000"/>
-                        </a:solidFill>
-                        <a:effectLst/>
-                        <a:latin typeface="Times New Roman" panose="02020603050405020304" pitchFamily="18" charset="0"/>
-                        <a:ea typeface="等线" panose="02010600030101010101" pitchFamily="2" charset="-122"/>
-                      </a:endParaRPr>
-                    </a:p>
-                  </a:txBody>
-                  <a:tcPr marL="9318" marR="9318" marT="9318" marB="0" anchor="ctr"/>
-                </a:tc>
-                <a:extLst>
-                  <a:ext uri="{0D108BD9-81ED-4DB2-BD59-A6C34878D82A}">
-                    <a16:rowId xmlns:a16="http://schemas.microsoft.com/office/drawing/2014/main" val="2110567445"/>
-                  </a:ext>
-                </a:extLst>
-              </a:tr>
-              <a:tr h="295531">
-                <a:tc vMerge="1">
-                  <a:txBody>
-                    <a:bodyPr/>
-                    <a:lstStyle/>
-                    <a:p>
-                      <a:endParaRPr lang="zh-CN" altLang="en-US"/>
-                    </a:p>
-                  </a:txBody>
-                  <a:tcPr/>
-                </a:tc>
-                <a:tc>
-                  <a:txBody>
-                    <a:bodyPr/>
-                    <a:lstStyle/>
-                    <a:p>
-                      <a:pPr algn="l" fontAlgn="t">
-                        <a:lnSpc>
-                          <a:spcPct val="150000"/>
-                        </a:lnSpc>
-                      </a:pPr>
-                      <a:r>
-                        <a:rPr lang="en-US" sz="1800" b="1" u="none" strike="noStrike" dirty="0">
-                          <a:effectLst/>
-                        </a:rPr>
-                        <a:t>kidney acc</a:t>
-                      </a:r>
-                      <a:endParaRPr lang="en-US" sz="1800" b="1" i="0" u="none" strike="noStrike" dirty="0">
-                        <a:solidFill>
-                          <a:srgbClr val="000000"/>
-                        </a:solidFill>
-                        <a:effectLst/>
-                        <a:latin typeface="Times New Roman" panose="02020603050405020304" pitchFamily="18" charset="0"/>
-                        <a:ea typeface="等线" panose="02010600030101010101" pitchFamily="2" charset="-122"/>
-                      </a:endParaRPr>
-                    </a:p>
-                  </a:txBody>
-                  <a:tcPr marL="9318" marR="9318" marT="9318" marB="0"/>
-                </a:tc>
-                <a:tc>
-                  <a:txBody>
-                    <a:bodyPr/>
-                    <a:lstStyle/>
-                    <a:p>
-                      <a:pPr algn="l" rtl="0" fontAlgn="ctr">
-                        <a:lnSpc>
-                          <a:spcPct val="150000"/>
-                        </a:lnSpc>
-                      </a:pPr>
-                      <a:r>
-                        <a:rPr lang="en-US" altLang="zh-CN" sz="1800" u="none" strike="noStrike">
-                          <a:effectLst/>
-                        </a:rPr>
-                        <a:t>0.5409</a:t>
-                      </a:r>
-                      <a:endParaRPr lang="en-US" altLang="zh-CN" sz="1800" b="0" i="0" u="none" strike="noStrike">
-                        <a:solidFill>
-                          <a:srgbClr val="000000"/>
-                        </a:solidFill>
-                        <a:effectLst/>
-                        <a:latin typeface="Times New Roman" panose="02020603050405020304" pitchFamily="18" charset="0"/>
-                        <a:ea typeface="等线" panose="02010600030101010101" pitchFamily="2" charset="-122"/>
-                      </a:endParaRPr>
-                    </a:p>
-                  </a:txBody>
-                  <a:tcPr marL="9318" marR="9318" marT="9318" marB="0" anchor="ctr">
-                    <a:solidFill>
-                      <a:schemeClr val="accent4"/>
-                    </a:solidFill>
-                  </a:tcPr>
-                </a:tc>
-                <a:tc>
-                  <a:txBody>
-                    <a:bodyPr/>
-                    <a:lstStyle/>
-                    <a:p>
-                      <a:pPr algn="l" rtl="0" fontAlgn="ctr">
-                        <a:lnSpc>
-                          <a:spcPct val="150000"/>
-                        </a:lnSpc>
-                      </a:pPr>
-                      <a:r>
-                        <a:rPr lang="en-US" altLang="zh-CN" sz="1800" u="none" strike="noStrike" dirty="0">
-                          <a:effectLst/>
-                        </a:rPr>
-                        <a:t>0.5409</a:t>
-                      </a:r>
-                      <a:endParaRPr lang="en-US" altLang="zh-CN" sz="1800" b="0" i="0" u="none" strike="noStrike" dirty="0">
-                        <a:solidFill>
-                          <a:srgbClr val="000000"/>
-                        </a:solidFill>
-                        <a:effectLst/>
-                        <a:latin typeface="Times New Roman" panose="02020603050405020304" pitchFamily="18" charset="0"/>
-                        <a:ea typeface="等线" panose="02010600030101010101" pitchFamily="2" charset="-122"/>
-                      </a:endParaRPr>
-                    </a:p>
-                  </a:txBody>
-                  <a:tcPr marL="9318" marR="9318" marT="9318" marB="0" anchor="ctr">
-                    <a:solidFill>
-                      <a:schemeClr val="accent4"/>
-                    </a:solidFill>
-                  </a:tcPr>
-                </a:tc>
-                <a:tc>
-                  <a:txBody>
-                    <a:bodyPr/>
-                    <a:lstStyle/>
-                    <a:p>
-                      <a:pPr algn="l" rtl="0" fontAlgn="ctr">
-                        <a:lnSpc>
-                          <a:spcPct val="150000"/>
-                        </a:lnSpc>
-                      </a:pPr>
-                      <a:r>
-                        <a:rPr lang="en-US" altLang="zh-CN" sz="1800" u="none" strike="noStrike">
-                          <a:effectLst/>
-                        </a:rPr>
-                        <a:t>0.886</a:t>
-                      </a:r>
-                      <a:endParaRPr lang="en-US" altLang="zh-CN" sz="1800" b="0" i="0" u="none" strike="noStrike">
-                        <a:solidFill>
-                          <a:srgbClr val="000000"/>
-                        </a:solidFill>
-                        <a:effectLst/>
-                        <a:latin typeface="Times New Roman" panose="02020603050405020304" pitchFamily="18" charset="0"/>
-                        <a:ea typeface="等线" panose="02010600030101010101" pitchFamily="2" charset="-122"/>
-                      </a:endParaRPr>
-                    </a:p>
-                  </a:txBody>
-                  <a:tcPr marL="9318" marR="9318" marT="9318" marB="0" anchor="ctr"/>
-                </a:tc>
-                <a:tc>
-                  <a:txBody>
-                    <a:bodyPr/>
-                    <a:lstStyle/>
-                    <a:p>
-                      <a:pPr algn="l" rtl="0" fontAlgn="ctr">
-                        <a:lnSpc>
-                          <a:spcPct val="150000"/>
-                        </a:lnSpc>
-                      </a:pPr>
-                      <a:r>
-                        <a:rPr lang="en-US" altLang="zh-CN" sz="1800" u="none" strike="noStrike">
-                          <a:effectLst/>
-                        </a:rPr>
-                        <a:t>0.8957</a:t>
-                      </a:r>
-                      <a:endParaRPr lang="en-US" altLang="zh-CN" sz="1800" b="0" i="0" u="none" strike="noStrike">
-                        <a:solidFill>
-                          <a:srgbClr val="000000"/>
-                        </a:solidFill>
-                        <a:effectLst/>
-                        <a:latin typeface="Times New Roman" panose="02020603050405020304" pitchFamily="18" charset="0"/>
-                        <a:ea typeface="等线" panose="02010600030101010101" pitchFamily="2" charset="-122"/>
-                      </a:endParaRPr>
-                    </a:p>
-                  </a:txBody>
-                  <a:tcPr marL="9318" marR="9318" marT="9318" marB="0" anchor="ctr"/>
-                </a:tc>
-                <a:tc>
-                  <a:txBody>
-                    <a:bodyPr/>
-                    <a:lstStyle/>
-                    <a:p>
-                      <a:pPr algn="l" rtl="0" fontAlgn="ctr">
-                        <a:lnSpc>
-                          <a:spcPct val="150000"/>
-                        </a:lnSpc>
-                      </a:pPr>
-                      <a:r>
-                        <a:rPr lang="en-US" altLang="zh-CN" sz="1800" u="none" strike="noStrike">
-                          <a:effectLst/>
-                        </a:rPr>
-                        <a:t>0.8748</a:t>
-                      </a:r>
-                      <a:endParaRPr lang="en-US" altLang="zh-CN" sz="1800" b="0" i="0" u="none" strike="noStrike">
-                        <a:solidFill>
-                          <a:srgbClr val="000000"/>
-                        </a:solidFill>
-                        <a:effectLst/>
-                        <a:latin typeface="Times New Roman" panose="02020603050405020304" pitchFamily="18" charset="0"/>
-                        <a:ea typeface="等线" panose="02010600030101010101" pitchFamily="2" charset="-122"/>
-                      </a:endParaRPr>
-                    </a:p>
-                  </a:txBody>
-                  <a:tcPr marL="9318" marR="9318" marT="9318" marB="0" anchor="ctr"/>
-                </a:tc>
-                <a:tc>
-                  <a:txBody>
-                    <a:bodyPr/>
-                    <a:lstStyle/>
-                    <a:p>
-                      <a:pPr algn="l" rtl="0" fontAlgn="ctr">
-                        <a:lnSpc>
-                          <a:spcPct val="150000"/>
-                        </a:lnSpc>
-                      </a:pPr>
-                      <a:r>
-                        <a:rPr lang="en-US" altLang="zh-CN" sz="1800" u="none" strike="noStrike">
-                          <a:effectLst/>
-                        </a:rPr>
-                        <a:t>0.8876</a:t>
-                      </a:r>
-                      <a:endParaRPr lang="en-US" altLang="zh-CN" sz="1800" b="0" i="0" u="none" strike="noStrike">
-                        <a:solidFill>
-                          <a:srgbClr val="000000"/>
-                        </a:solidFill>
-                        <a:effectLst/>
-                        <a:latin typeface="Times New Roman" panose="02020603050405020304" pitchFamily="18" charset="0"/>
-                        <a:ea typeface="等线" panose="02010600030101010101" pitchFamily="2" charset="-122"/>
-                      </a:endParaRPr>
-                    </a:p>
-                  </a:txBody>
-                  <a:tcPr marL="9318" marR="9318" marT="9318" marB="0" anchor="ctr"/>
-                </a:tc>
-                <a:extLst>
-                  <a:ext uri="{0D108BD9-81ED-4DB2-BD59-A6C34878D82A}">
-                    <a16:rowId xmlns:a16="http://schemas.microsoft.com/office/drawing/2014/main" val="2043292981"/>
-                  </a:ext>
-                </a:extLst>
-              </a:tr>
-              <a:tr h="295531">
-                <a:tc vMerge="1">
-                  <a:txBody>
-                    <a:bodyPr/>
-                    <a:lstStyle/>
-                    <a:p>
-                      <a:endParaRPr lang="zh-CN" altLang="en-US"/>
-                    </a:p>
-                  </a:txBody>
-                  <a:tcPr/>
-                </a:tc>
-                <a:tc>
-                  <a:txBody>
-                    <a:bodyPr/>
-                    <a:lstStyle/>
-                    <a:p>
-                      <a:pPr algn="l" fontAlgn="t">
-                        <a:lnSpc>
-                          <a:spcPct val="150000"/>
-                        </a:lnSpc>
-                      </a:pPr>
-                      <a:r>
-                        <a:rPr lang="en-US" sz="1800" b="1" u="none" strike="noStrike" dirty="0">
-                          <a:effectLst/>
-                        </a:rPr>
-                        <a:t>liver acc</a:t>
-                      </a:r>
-                      <a:endParaRPr lang="en-US" sz="1800" b="1" i="0" u="none" strike="noStrike" dirty="0">
-                        <a:solidFill>
-                          <a:srgbClr val="000000"/>
-                        </a:solidFill>
-                        <a:effectLst/>
-                        <a:latin typeface="Times New Roman" panose="02020603050405020304" pitchFamily="18" charset="0"/>
-                        <a:ea typeface="等线" panose="02010600030101010101" pitchFamily="2" charset="-122"/>
-                      </a:endParaRPr>
-                    </a:p>
-                  </a:txBody>
-                  <a:tcPr marL="9318" marR="9318" marT="9318" marB="0"/>
-                </a:tc>
-                <a:tc>
-                  <a:txBody>
-                    <a:bodyPr/>
-                    <a:lstStyle/>
-                    <a:p>
-                      <a:pPr algn="l" rtl="0" fontAlgn="ctr">
-                        <a:lnSpc>
-                          <a:spcPct val="150000"/>
-                        </a:lnSpc>
-                      </a:pPr>
-                      <a:r>
-                        <a:rPr lang="en-US" altLang="zh-CN" sz="1800" u="none" strike="noStrike">
-                          <a:effectLst/>
-                        </a:rPr>
-                        <a:t>0.3467</a:t>
-                      </a:r>
-                      <a:endParaRPr lang="en-US" altLang="zh-CN" sz="1800" b="0" i="0" u="none" strike="noStrike">
-                        <a:solidFill>
-                          <a:srgbClr val="000000"/>
-                        </a:solidFill>
-                        <a:effectLst/>
-                        <a:latin typeface="Times New Roman" panose="02020603050405020304" pitchFamily="18" charset="0"/>
-                        <a:ea typeface="等线" panose="02010600030101010101" pitchFamily="2" charset="-122"/>
-                      </a:endParaRPr>
-                    </a:p>
-                  </a:txBody>
-                  <a:tcPr marL="9318" marR="9318" marT="9318" marB="0" anchor="ctr">
-                    <a:solidFill>
-                      <a:schemeClr val="accent4"/>
-                    </a:solidFill>
-                  </a:tcPr>
-                </a:tc>
-                <a:tc>
-                  <a:txBody>
-                    <a:bodyPr/>
-                    <a:lstStyle/>
-                    <a:p>
-                      <a:pPr algn="l" rtl="0" fontAlgn="ctr">
-                        <a:lnSpc>
-                          <a:spcPct val="150000"/>
-                        </a:lnSpc>
-                      </a:pPr>
-                      <a:r>
-                        <a:rPr lang="en-US" altLang="zh-CN" sz="1800" u="none" strike="noStrike" dirty="0">
-                          <a:effectLst/>
-                        </a:rPr>
-                        <a:t>0.3483</a:t>
-                      </a:r>
-                      <a:endParaRPr lang="en-US" altLang="zh-CN" sz="1800" b="0" i="0" u="none" strike="noStrike" dirty="0">
-                        <a:solidFill>
-                          <a:srgbClr val="000000"/>
-                        </a:solidFill>
-                        <a:effectLst/>
-                        <a:latin typeface="Times New Roman" panose="02020603050405020304" pitchFamily="18" charset="0"/>
-                        <a:ea typeface="等线" panose="02010600030101010101" pitchFamily="2" charset="-122"/>
-                      </a:endParaRPr>
-                    </a:p>
-                  </a:txBody>
-                  <a:tcPr marL="9318" marR="9318" marT="9318" marB="0" anchor="ctr">
-                    <a:solidFill>
-                      <a:schemeClr val="accent4"/>
-                    </a:solidFill>
-                  </a:tcPr>
-                </a:tc>
-                <a:tc>
-                  <a:txBody>
-                    <a:bodyPr/>
-                    <a:lstStyle/>
-                    <a:p>
-                      <a:pPr algn="l" rtl="0" fontAlgn="ctr">
-                        <a:lnSpc>
-                          <a:spcPct val="150000"/>
-                        </a:lnSpc>
-                      </a:pPr>
-                      <a:r>
-                        <a:rPr lang="en-US" altLang="zh-CN" sz="1800" u="none" strike="noStrike">
-                          <a:effectLst/>
-                        </a:rPr>
-                        <a:t>0.8732</a:t>
-                      </a:r>
-                      <a:endParaRPr lang="en-US" altLang="zh-CN" sz="1800" b="0" i="0" u="none" strike="noStrike">
-                        <a:solidFill>
-                          <a:srgbClr val="000000"/>
-                        </a:solidFill>
-                        <a:effectLst/>
-                        <a:latin typeface="Times New Roman" panose="02020603050405020304" pitchFamily="18" charset="0"/>
-                        <a:ea typeface="等线" panose="02010600030101010101" pitchFamily="2" charset="-122"/>
-                      </a:endParaRPr>
-                    </a:p>
-                  </a:txBody>
-                  <a:tcPr marL="9318" marR="9318" marT="9318" marB="0" anchor="ctr"/>
-                </a:tc>
-                <a:tc>
-                  <a:txBody>
-                    <a:bodyPr/>
-                    <a:lstStyle/>
-                    <a:p>
-                      <a:pPr algn="l" rtl="0" fontAlgn="ctr">
-                        <a:lnSpc>
-                          <a:spcPct val="150000"/>
-                        </a:lnSpc>
-                      </a:pPr>
-                      <a:r>
-                        <a:rPr lang="en-US" altLang="zh-CN" sz="1800" u="none" strike="noStrike">
-                          <a:effectLst/>
-                        </a:rPr>
-                        <a:t>0.8796</a:t>
-                      </a:r>
-                      <a:endParaRPr lang="en-US" altLang="zh-CN" sz="1800" b="0" i="0" u="none" strike="noStrike">
-                        <a:solidFill>
-                          <a:srgbClr val="000000"/>
-                        </a:solidFill>
-                        <a:effectLst/>
-                        <a:latin typeface="Times New Roman" panose="02020603050405020304" pitchFamily="18" charset="0"/>
-                        <a:ea typeface="等线" panose="02010600030101010101" pitchFamily="2" charset="-122"/>
-                      </a:endParaRPr>
-                    </a:p>
-                  </a:txBody>
-                  <a:tcPr marL="9318" marR="9318" marT="9318" marB="0" anchor="ctr"/>
-                </a:tc>
-                <a:tc>
-                  <a:txBody>
-                    <a:bodyPr/>
-                    <a:lstStyle/>
-                    <a:p>
-                      <a:pPr algn="l" rtl="0" fontAlgn="ctr">
-                        <a:lnSpc>
-                          <a:spcPct val="150000"/>
-                        </a:lnSpc>
-                      </a:pPr>
-                      <a:r>
-                        <a:rPr lang="en-US" altLang="zh-CN" sz="1800" u="none" strike="noStrike">
-                          <a:effectLst/>
-                        </a:rPr>
-                        <a:t>0.8475</a:t>
-                      </a:r>
-                      <a:endParaRPr lang="en-US" altLang="zh-CN" sz="1800" b="0" i="0" u="none" strike="noStrike">
-                        <a:solidFill>
-                          <a:srgbClr val="000000"/>
-                        </a:solidFill>
-                        <a:effectLst/>
-                        <a:latin typeface="Times New Roman" panose="02020603050405020304" pitchFamily="18" charset="0"/>
-                        <a:ea typeface="等线" panose="02010600030101010101" pitchFamily="2" charset="-122"/>
-                      </a:endParaRPr>
-                    </a:p>
-                  </a:txBody>
-                  <a:tcPr marL="9318" marR="9318" marT="9318" marB="0" anchor="ctr"/>
-                </a:tc>
-                <a:tc>
-                  <a:txBody>
-                    <a:bodyPr/>
-                    <a:lstStyle/>
-                    <a:p>
-                      <a:pPr algn="l" rtl="0" fontAlgn="ctr">
-                        <a:lnSpc>
-                          <a:spcPct val="150000"/>
-                        </a:lnSpc>
-                      </a:pPr>
-                      <a:r>
-                        <a:rPr lang="en-US" altLang="zh-CN" sz="1800" u="none" strike="noStrike" dirty="0">
-                          <a:effectLst/>
-                        </a:rPr>
-                        <a:t>0.8604</a:t>
-                      </a:r>
-                      <a:endParaRPr lang="en-US" altLang="zh-CN" sz="1800" b="0" i="0" u="none" strike="noStrike" dirty="0">
-                        <a:solidFill>
-                          <a:srgbClr val="000000"/>
-                        </a:solidFill>
-                        <a:effectLst/>
-                        <a:latin typeface="Times New Roman" panose="02020603050405020304" pitchFamily="18" charset="0"/>
-                        <a:ea typeface="等线" panose="02010600030101010101" pitchFamily="2" charset="-122"/>
-                      </a:endParaRPr>
-                    </a:p>
-                  </a:txBody>
-                  <a:tcPr marL="9318" marR="9318" marT="9318" marB="0" anchor="ctr"/>
-                </a:tc>
-                <a:extLst>
-                  <a:ext uri="{0D108BD9-81ED-4DB2-BD59-A6C34878D82A}">
-                    <a16:rowId xmlns:a16="http://schemas.microsoft.com/office/drawing/2014/main" val="3804307614"/>
-                  </a:ext>
-                </a:extLst>
-              </a:tr>
-            </a:tbl>
-          </a:graphicData>
-        </a:graphic>
-      </p:graphicFrame>
     </p:spTree>
     <p:extLst>
       <p:ext uri="{BB962C8B-B14F-4D97-AF65-F5344CB8AC3E}">
-        <p14:creationId xmlns:p14="http://schemas.microsoft.com/office/powerpoint/2010/main" val="3710281253"/>
+        <p14:creationId xmlns:p14="http://schemas.microsoft.com/office/powerpoint/2010/main" val="358056254"/>
       </p:ext>
     </p:extLst>
   </p:cSld>
@@ -12721,7 +13402,7 @@
     </p:spTree>
     <p:extLst>
       <p:ext uri="{BB962C8B-B14F-4D97-AF65-F5344CB8AC3E}">
-        <p14:creationId xmlns:p14="http://schemas.microsoft.com/office/powerpoint/2010/main" val="358056254"/>
+        <p14:creationId xmlns:p14="http://schemas.microsoft.com/office/powerpoint/2010/main" val="3906796655"/>
       </p:ext>
     </p:extLst>
   </p:cSld>
@@ -12946,7 +13627,7 @@
     </p:spTree>
     <p:extLst>
       <p:ext uri="{BB962C8B-B14F-4D97-AF65-F5344CB8AC3E}">
-        <p14:creationId xmlns:p14="http://schemas.microsoft.com/office/powerpoint/2010/main" val="3906796655"/>
+        <p14:creationId xmlns:p14="http://schemas.microsoft.com/office/powerpoint/2010/main" val="3483579841"/>
       </p:ext>
     </p:extLst>
   </p:cSld>
@@ -12957,231 +13638,6 @@
 </file>
 
 <file path=ppt/slides/slide28.xml><?xml version="1.0" encoding="utf-8"?>
-<p:sld xmlns:a="http://schemas.openxmlformats.org/drawingml/2006/main" xmlns:r="http://schemas.openxmlformats.org/officeDocument/2006/relationships" xmlns:p="http://schemas.openxmlformats.org/presentationml/2006/main">
-  <p:cSld>
-    <p:spTree>
-      <p:nvGrpSpPr>
-        <p:cNvPr id="1" name=""/>
-        <p:cNvGrpSpPr/>
-        <p:nvPr/>
-      </p:nvGrpSpPr>
-      <p:grpSpPr>
-        <a:xfrm>
-          <a:off x="0" y="0"/>
-          <a:ext cx="0" cy="0"/>
-          <a:chOff x="0" y="0"/>
-          <a:chExt cx="0" cy="0"/>
-        </a:xfrm>
-      </p:grpSpPr>
-      <p:cxnSp>
-        <p:nvCxnSpPr>
-          <p:cNvPr id="7" name="直接连接符 6"/>
-          <p:cNvCxnSpPr/>
-          <p:nvPr/>
-        </p:nvCxnSpPr>
-        <p:spPr>
-          <a:xfrm>
-            <a:off x="367840" y="809674"/>
-            <a:ext cx="11488800" cy="0"/>
-          </a:xfrm>
-          <a:prstGeom prst="line">
-            <a:avLst/>
-          </a:prstGeom>
-          <a:ln w="9525">
-            <a:solidFill>
-              <a:srgbClr val="024282"/>
-            </a:solidFill>
-          </a:ln>
-        </p:spPr>
-        <p:style>
-          <a:lnRef idx="1">
-            <a:schemeClr val="accent1"/>
-          </a:lnRef>
-          <a:fillRef idx="0">
-            <a:schemeClr val="accent1"/>
-          </a:fillRef>
-          <a:effectRef idx="0">
-            <a:schemeClr val="accent1"/>
-          </a:effectRef>
-          <a:fontRef idx="minor">
-            <a:schemeClr val="tx1"/>
-          </a:fontRef>
-        </p:style>
-      </p:cxnSp>
-      <p:grpSp>
-        <p:nvGrpSpPr>
-          <p:cNvPr id="43" name="组合 42"/>
-          <p:cNvGrpSpPr/>
-          <p:nvPr/>
-        </p:nvGrpSpPr>
-        <p:grpSpPr>
-          <a:xfrm>
-            <a:off x="9456920" y="74604"/>
-            <a:ext cx="2489626" cy="672240"/>
-            <a:chOff x="4638341" y="609261"/>
-            <a:chExt cx="5755951" cy="1554197"/>
-          </a:xfrm>
-        </p:grpSpPr>
-        <p:pic>
-          <p:nvPicPr>
-            <p:cNvPr id="45" name="图片 44"/>
-            <p:cNvPicPr>
-              <a:picLocks noChangeAspect="1"/>
-            </p:cNvPicPr>
-            <p:nvPr/>
-          </p:nvPicPr>
-          <p:blipFill>
-            <a:blip r:embed="rId2" cstate="print">
-              <a:extLst>
-                <a:ext uri="{28A0092B-C50C-407E-A947-70E740481C1C}">
-                  <a14:useLocalDpi xmlns:a14="http://schemas.microsoft.com/office/drawing/2010/main" val="0"/>
-                </a:ext>
-              </a:extLst>
-            </a:blip>
-            <a:srcRect/>
-            <a:stretch>
-              <a:fillRect/>
-            </a:stretch>
-          </p:blipFill>
-          <p:spPr>
-            <a:xfrm>
-              <a:off x="4638341" y="609261"/>
-              <a:ext cx="1502034" cy="1502030"/>
-            </a:xfrm>
-            <a:prstGeom prst="rect">
-              <a:avLst/>
-            </a:prstGeom>
-          </p:spPr>
-        </p:pic>
-        <p:pic>
-          <p:nvPicPr>
-            <p:cNvPr id="46" name="图片 45"/>
-            <p:cNvPicPr>
-              <a:picLocks noChangeAspect="1"/>
-            </p:cNvPicPr>
-            <p:nvPr/>
-          </p:nvPicPr>
-          <p:blipFill>
-            <a:blip r:embed="rId3" cstate="print">
-              <a:extLst>
-                <a:ext uri="{28A0092B-C50C-407E-A947-70E740481C1C}">
-                  <a14:useLocalDpi xmlns:a14="http://schemas.microsoft.com/office/drawing/2010/main" val="0"/>
-                </a:ext>
-              </a:extLst>
-            </a:blip>
-            <a:srcRect/>
-            <a:stretch>
-              <a:fillRect/>
-            </a:stretch>
-          </p:blipFill>
-          <p:spPr>
-            <a:xfrm>
-              <a:off x="6206343" y="750075"/>
-              <a:ext cx="4060280" cy="983091"/>
-            </a:xfrm>
-            <a:prstGeom prst="rect">
-              <a:avLst/>
-            </a:prstGeom>
-          </p:spPr>
-        </p:pic>
-        <p:sp>
-          <p:nvSpPr>
-            <p:cNvPr id="47" name="矩形 46"/>
-            <p:cNvSpPr/>
-            <p:nvPr/>
-          </p:nvSpPr>
-          <p:spPr>
-            <a:xfrm>
-              <a:off x="6206343" y="1665358"/>
-              <a:ext cx="4187949" cy="498100"/>
-            </a:xfrm>
-            <a:prstGeom prst="rect">
-              <a:avLst/>
-            </a:prstGeom>
-          </p:spPr>
-          <p:txBody>
-            <a:bodyPr wrap="square">
-              <a:spAutoFit/>
-            </a:bodyPr>
-            <a:lstStyle/>
-            <a:p>
-              <a:pPr marL="0" marR="0" lvl="0" indent="0" algn="dist" defTabSz="914400" rtl="0" eaLnBrk="1" fontAlgn="auto" latinLnBrk="0" hangingPunct="1">
-                <a:lnSpc>
-                  <a:spcPct val="100000"/>
-                </a:lnSpc>
-                <a:spcBef>
-                  <a:spcPts val="0"/>
-                </a:spcBef>
-                <a:spcAft>
-                  <a:spcPts val="0"/>
-                </a:spcAft>
-                <a:buClrTx/>
-                <a:buSzTx/>
-                <a:buFontTx/>
-                <a:buNone/>
-                <a:defRPr/>
-              </a:pPr>
-              <a:r>
-                <a:rPr kumimoji="0" lang="en-US" altLang="zh-CN" sz="800" b="1" i="0" u="none" strike="noStrike" kern="1200" cap="none" spc="0" normalizeH="0" baseline="0" noProof="0" dirty="0">
-                  <a:ln>
-                    <a:noFill/>
-                  </a:ln>
-                  <a:solidFill>
-                    <a:srgbClr val="024282"/>
-                  </a:solidFill>
-                  <a:effectLst/>
-                  <a:uLnTx/>
-                  <a:uFillTx/>
-                  <a:latin typeface="Calibri" panose="020F0502020204030204"/>
-                  <a:ea typeface="宋体" panose="02010600030101010101" pitchFamily="2" charset="-122"/>
-                  <a:cs typeface="+mn-cs"/>
-                </a:rPr>
-                <a:t>BEIJING UNIVERSITY OF TECHNOLOGY</a:t>
-              </a:r>
-            </a:p>
-          </p:txBody>
-        </p:sp>
-      </p:grpSp>
-      <p:sp>
-        <p:nvSpPr>
-          <p:cNvPr id="2" name="文本框 1"/>
-          <p:cNvSpPr txBox="1"/>
-          <p:nvPr/>
-        </p:nvSpPr>
-        <p:spPr>
-          <a:xfrm>
-            <a:off x="1187450" y="441960"/>
-            <a:ext cx="4064000" cy="368300"/>
-          </a:xfrm>
-          <a:prstGeom prst="rect">
-            <a:avLst/>
-          </a:prstGeom>
-          <a:noFill/>
-        </p:spPr>
-        <p:txBody>
-          <a:bodyPr wrap="square" rtlCol="0">
-            <a:spAutoFit/>
-          </a:bodyPr>
-          <a:lstStyle/>
-          <a:p>
-            <a:endParaRPr lang="zh-CN" altLang="en-US"/>
-          </a:p>
-        </p:txBody>
-      </p:sp>
-    </p:spTree>
-    <p:extLst>
-      <p:ext uri="{BB962C8B-B14F-4D97-AF65-F5344CB8AC3E}">
-        <p14:creationId xmlns:p14="http://schemas.microsoft.com/office/powerpoint/2010/main" val="3483579841"/>
-      </p:ext>
-    </p:extLst>
-  </p:cSld>
-  <p:clrMapOvr>
-    <a:masterClrMapping/>
-  </p:clrMapOvr>
-</p:sld>
-</file>
-
-<file path=ppt/slides/slide29.xml><?xml version="1.0" encoding="utf-8"?>
 <p:sld xmlns:a="http://schemas.openxmlformats.org/drawingml/2006/main" xmlns:r="http://schemas.openxmlformats.org/officeDocument/2006/relationships" xmlns:p="http://schemas.openxmlformats.org/presentationml/2006/main">
   <p:cSld>
     <p:spTree>
@@ -15365,7 +15821,7 @@
             </a:pPr>
             <a:r>
               <a:rPr lang="zh-CN" altLang="en-US" sz="2800" dirty="0"/>
-              <a:t>收集所有可能域的数据来训练模型是昂贵的，甚至是不可能的。</a:t>
+              <a:t>收集所有可能域的数据来训练模型十分昂贵，甚至是不可能的。</a:t>
             </a:r>
             <a:endParaRPr lang="en-US" altLang="zh-CN" sz="2800" dirty="0"/>
           </a:p>
@@ -16235,7 +16691,7 @@
         <p:spPr>
           <a:xfrm>
             <a:off x="1013196" y="1377053"/>
-            <a:ext cx="10323232" cy="954107"/>
+            <a:ext cx="10323232" cy="1384995"/>
           </a:xfrm>
           <a:prstGeom prst="rect">
             <a:avLst/>
@@ -16256,12 +16712,13 @@
               <a:t>域泛化处理这样一个具有挑战性的问题</a:t>
             </a:r>
             <a:r>
-              <a:rPr lang="en-US" altLang="zh-CN" sz="2800" b="0" i="0" dirty="0">
-                <a:effectLst/>
+              <a:rPr lang="en-US" altLang="zh-CN" sz="2800" dirty="0">
                 <a:latin typeface="-apple-system"/>
               </a:rPr>
-              <a:t>,</a:t>
-            </a:r>
+              <a:t>:</a:t>
+            </a:r>
+          </a:p>
+          <a:p>
             <a:r>
               <a:rPr lang="zh-CN" altLang="en-US" sz="2800" b="0" i="0" dirty="0">
                 <a:effectLst/>
@@ -16309,7 +16766,7 @@
         </p:blipFill>
         <p:spPr>
           <a:xfrm>
-            <a:off x="1013196" y="2417140"/>
+            <a:off x="914136" y="2988640"/>
             <a:ext cx="10000031" cy="3675224"/>
           </a:xfrm>
           <a:prstGeom prst="rect">

--- a/开题.pptx
+++ b/开题.pptx
@@ -18,22 +18,22 @@
     <p:sldId id="342" r:id="rId9"/>
     <p:sldId id="340" r:id="rId10"/>
     <p:sldId id="343" r:id="rId11"/>
-    <p:sldId id="325" r:id="rId12"/>
-    <p:sldId id="320" r:id="rId13"/>
-    <p:sldId id="321" r:id="rId14"/>
-    <p:sldId id="346" r:id="rId15"/>
-    <p:sldId id="322" r:id="rId16"/>
-    <p:sldId id="323" r:id="rId17"/>
-    <p:sldId id="348" r:id="rId18"/>
-    <p:sldId id="344" r:id="rId19"/>
-    <p:sldId id="326" r:id="rId20"/>
-    <p:sldId id="345" r:id="rId21"/>
-    <p:sldId id="347" r:id="rId22"/>
-    <p:sldId id="327" r:id="rId23"/>
-    <p:sldId id="329" r:id="rId24"/>
-    <p:sldId id="330" r:id="rId25"/>
-    <p:sldId id="331" r:id="rId26"/>
-    <p:sldId id="336" r:id="rId27"/>
+    <p:sldId id="336" r:id="rId12"/>
+    <p:sldId id="325" r:id="rId13"/>
+    <p:sldId id="320" r:id="rId14"/>
+    <p:sldId id="321" r:id="rId15"/>
+    <p:sldId id="346" r:id="rId16"/>
+    <p:sldId id="322" r:id="rId17"/>
+    <p:sldId id="323" r:id="rId18"/>
+    <p:sldId id="348" r:id="rId19"/>
+    <p:sldId id="344" r:id="rId20"/>
+    <p:sldId id="326" r:id="rId21"/>
+    <p:sldId id="345" r:id="rId22"/>
+    <p:sldId id="347" r:id="rId23"/>
+    <p:sldId id="327" r:id="rId24"/>
+    <p:sldId id="329" r:id="rId25"/>
+    <p:sldId id="330" r:id="rId26"/>
+    <p:sldId id="331" r:id="rId27"/>
     <p:sldId id="337" r:id="rId28"/>
     <p:sldId id="328" r:id="rId29"/>
   </p:sldIdLst>
@@ -777,10 +777,36 @@
           <a:p>
             <a:r>
               <a:rPr lang="zh-CN" altLang="en-US" b="0" i="0" dirty="0">
+                <a:solidFill>
+                  <a:srgbClr val="000000"/>
+                </a:solidFill>
                 <a:effectLst/>
-                <a:latin typeface="-apple-system"/>
+                <a:latin typeface="微软雅黑" panose="020B0503020204020204" pitchFamily="34" charset="-122"/>
+                <a:ea typeface="微软雅黑" panose="020B0503020204020204" pitchFamily="34" charset="-122"/>
               </a:rPr>
-              <a:t>金字塔一致性是指在图像处理中，将图像分解为不同尺度的金字塔，然后在不同尺度的图像之间强制执行一致性。在这篇文章中，金字塔一致性被用于训练模型，以便在不同域之间学习到具有更好泛化能力的表示。具体来说，金字塔一致性被用于在不同风格但具有相同语义内容的图像之间强制执行一致性，以便在测试阶段，模型可以泛化到看不见的目标域。此外，该方法还使用金字塔一致性在图像内部和跨域之间强制执行一致性，以便在处理不同域之间的系统差异时提高模型的鲁棒性。</a:t>
+              <a:t>随机卷积近似保持形状，但可能会扭曲局部纹理。直观地说，随机卷积创建了无限数量的具有相似全局形状但随机局部纹理的新域。因此，我们探索在训练中使用多尺度随机卷积的输出作为新图像或将其与原始图像混合。当应用我们的方法训练的网络到看不见的域时，我们的方法持续提高了域泛化基准的性能，并且可扩展到</a:t>
+            </a:r>
+            <a:r>
+              <a:rPr lang="en-US" altLang="zh-CN" b="0" i="0" dirty="0">
+                <a:solidFill>
+                  <a:srgbClr val="000000"/>
+                </a:solidFill>
+                <a:effectLst/>
+                <a:latin typeface="微软雅黑" panose="020B0503020204020204" pitchFamily="34" charset="-122"/>
+                <a:ea typeface="微软雅黑" panose="020B0503020204020204" pitchFamily="34" charset="-122"/>
+              </a:rPr>
+              <a:t>ImageNet</a:t>
+            </a:r>
+            <a:r>
+              <a:rPr lang="zh-CN" altLang="en-US" b="0" i="0" dirty="0">
+                <a:solidFill>
+                  <a:srgbClr val="000000"/>
+                </a:solidFill>
+                <a:effectLst/>
+                <a:latin typeface="微软雅黑" panose="020B0503020204020204" pitchFamily="34" charset="-122"/>
+                <a:ea typeface="微软雅黑" panose="020B0503020204020204" pitchFamily="34" charset="-122"/>
+              </a:rPr>
+              <a:t>。</a:t>
             </a:r>
             <a:endParaRPr lang="zh-CN" altLang="en-US" dirty="0"/>
           </a:p>
@@ -804,6 +830,97 @@
             <a:fld id="{C051D1BE-CA4E-40ED-88EB-F0221502D351}" type="slidenum">
               <a:rPr lang="zh-CN" altLang="en-US" smtClean="0"/>
               <a:t>11</a:t>
+            </a:fld>
+            <a:endParaRPr lang="zh-CN" altLang="en-US"/>
+          </a:p>
+        </p:txBody>
+      </p:sp>
+    </p:spTree>
+    <p:extLst>
+      <p:ext uri="{BB962C8B-B14F-4D97-AF65-F5344CB8AC3E}">
+        <p14:creationId xmlns:p14="http://schemas.microsoft.com/office/powerpoint/2010/main" val="691499449"/>
+      </p:ext>
+    </p:extLst>
+  </p:cSld>
+  <p:clrMapOvr>
+    <a:masterClrMapping/>
+  </p:clrMapOvr>
+</p:notes>
+</file>
+
+<file path=ppt/notesSlides/notesSlide4.xml><?xml version="1.0" encoding="utf-8"?>
+<p:notes xmlns:a="http://schemas.openxmlformats.org/drawingml/2006/main" xmlns:r="http://schemas.openxmlformats.org/officeDocument/2006/relationships" xmlns:p="http://schemas.openxmlformats.org/presentationml/2006/main">
+  <p:cSld>
+    <p:spTree>
+      <p:nvGrpSpPr>
+        <p:cNvPr id="1" name=""/>
+        <p:cNvGrpSpPr/>
+        <p:nvPr/>
+      </p:nvGrpSpPr>
+      <p:grpSpPr>
+        <a:xfrm>
+          <a:off x="0" y="0"/>
+          <a:ext cx="0" cy="0"/>
+          <a:chOff x="0" y="0"/>
+          <a:chExt cx="0" cy="0"/>
+        </a:xfrm>
+      </p:grpSpPr>
+      <p:sp>
+        <p:nvSpPr>
+          <p:cNvPr id="2" name="幻灯片图像占位符 1"/>
+          <p:cNvSpPr>
+            <a:spLocks noGrp="1" noRot="1" noChangeAspect="1"/>
+          </p:cNvSpPr>
+          <p:nvPr>
+            <p:ph type="sldImg"/>
+          </p:nvPr>
+        </p:nvSpPr>
+        <p:spPr/>
+      </p:sp>
+      <p:sp>
+        <p:nvSpPr>
+          <p:cNvPr id="3" name="备注占位符 2"/>
+          <p:cNvSpPr>
+            <a:spLocks noGrp="1"/>
+          </p:cNvSpPr>
+          <p:nvPr>
+            <p:ph type="body" idx="1"/>
+          </p:nvPr>
+        </p:nvSpPr>
+        <p:spPr/>
+        <p:txBody>
+          <a:bodyPr/>
+          <a:lstStyle/>
+          <a:p>
+            <a:r>
+              <a:rPr lang="zh-CN" altLang="en-US" b="0" i="0" dirty="0">
+                <a:effectLst/>
+                <a:latin typeface="-apple-system"/>
+              </a:rPr>
+              <a:t>金字塔一致性是指在图像处理中，将图像分解为不同尺度的金字塔，然后在不同尺度的图像之间强制执行一致性。在这篇文章中，金字塔一致性被用于训练模型，以便在不同域之间学习到具有更好泛化能力的表示。具体来说，金字塔一致性被用于在不同风格但具有相同语义内容的图像之间强制执行一致性，以便在测试阶段，模型可以泛化到看不见的目标域。此外，该方法还使用金字塔一致性在图像内部和跨域之间强制执行一致性，以便在处理不同域之间的系统差异时提高模型的鲁棒性。</a:t>
+            </a:r>
+            <a:endParaRPr lang="zh-CN" altLang="en-US" dirty="0"/>
+          </a:p>
+        </p:txBody>
+      </p:sp>
+      <p:sp>
+        <p:nvSpPr>
+          <p:cNvPr id="4" name="灯片编号占位符 3"/>
+          <p:cNvSpPr>
+            <a:spLocks noGrp="1"/>
+          </p:cNvSpPr>
+          <p:nvPr>
+            <p:ph type="sldNum" sz="quarter" idx="5"/>
+          </p:nvPr>
+        </p:nvSpPr>
+        <p:spPr/>
+        <p:txBody>
+          <a:bodyPr/>
+          <a:lstStyle/>
+          <a:p>
+            <a:fld id="{C051D1BE-CA4E-40ED-88EB-F0221502D351}" type="slidenum">
+              <a:rPr lang="zh-CN" altLang="en-US" smtClean="0"/>
+              <a:t>12</a:t>
             </a:fld>
             <a:endParaRPr lang="zh-CN" altLang="en-US"/>
           </a:p>
@@ -4957,7 +5074,7 @@
           <p:cNvPr id="4" name="图片 3">
             <a:extLst>
               <a:ext uri="{FF2B5EF4-FFF2-40B4-BE49-F238E27FC236}">
-                <a16:creationId xmlns:a16="http://schemas.microsoft.com/office/drawing/2014/main" id="{CB41C147-8896-FA97-DC50-9F47E223BAD8}"/>
+                <a16:creationId xmlns:a16="http://schemas.microsoft.com/office/drawing/2014/main" id="{C8D66D0A-62CD-887C-86FF-29F989C088A2}"/>
               </a:ext>
             </a:extLst>
           </p:cNvPr>
@@ -4974,8 +5091,8 @@
         </p:blipFill>
         <p:spPr>
           <a:xfrm>
-            <a:off x="367840" y="3041980"/>
-            <a:ext cx="11149069" cy="3374060"/>
+            <a:off x="4581832" y="2333761"/>
+            <a:ext cx="7106110" cy="3838285"/>
           </a:xfrm>
           <a:prstGeom prst="rect">
             <a:avLst/>
@@ -4984,10 +5101,10 @@
       </p:pic>
       <p:sp>
         <p:nvSpPr>
-          <p:cNvPr id="5" name="文本框 4">
+          <p:cNvPr id="6" name="文本框 5">
             <a:extLst>
               <a:ext uri="{FF2B5EF4-FFF2-40B4-BE49-F238E27FC236}">
-                <a16:creationId xmlns:a16="http://schemas.microsoft.com/office/drawing/2014/main" id="{05DDF17A-F4D0-8070-BCE0-D5B4D2051A82}"/>
+                <a16:creationId xmlns:a16="http://schemas.microsoft.com/office/drawing/2014/main" id="{F64AB5E5-1347-1108-F8F7-F245B064D8C0}"/>
               </a:ext>
             </a:extLst>
           </p:cNvPr>
@@ -4996,8 +5113,8 @@
         </p:nvSpPr>
         <p:spPr>
           <a:xfrm>
-            <a:off x="367840" y="913336"/>
-            <a:ext cx="10143321" cy="1850635"/>
+            <a:off x="171450" y="1120676"/>
+            <a:ext cx="6096000" cy="646331"/>
           </a:xfrm>
           <a:prstGeom prst="rect">
             <a:avLst/>
@@ -5010,95 +5127,36 @@
           </a:bodyPr>
           <a:lstStyle/>
           <a:p>
-            <a:pPr marL="285750" indent="-285750">
-              <a:lnSpc>
-                <a:spcPct val="150000"/>
-              </a:lnSpc>
-              <a:buFont typeface="Arial" panose="020B0604020202020204" pitchFamily="34" charset="0"/>
-              <a:buChar char="•"/>
-            </a:pPr>
-            <a:r>
-              <a:rPr lang="zh-CN" altLang="en-US" sz="2400" b="0" i="0" dirty="0">
+            <a:pPr algn="just"/>
+            <a:r>
+              <a:rPr lang="en-US" altLang="zh-CN" b="0" i="0" dirty="0">
+                <a:solidFill>
+                  <a:srgbClr val="000000"/>
+                </a:solidFill>
                 <a:effectLst/>
-                <a:latin typeface="-apple-system"/>
+                <a:latin typeface="微软雅黑" panose="020B0503020204020204" pitchFamily="34" charset="-122"/>
+                <a:ea typeface="微软雅黑" panose="020B0503020204020204" pitchFamily="34" charset="-122"/>
               </a:rPr>
-              <a:t>域随机化和金字塔一致性</a:t>
-            </a:r>
-            <a:endParaRPr lang="en-US" altLang="zh-CN" sz="2400" dirty="0">
-              <a:latin typeface="-apple-system"/>
-            </a:endParaRPr>
-          </a:p>
-          <a:p>
-            <a:pPr marL="285750" indent="-285750">
-              <a:lnSpc>
-                <a:spcPct val="150000"/>
-              </a:lnSpc>
-              <a:buFont typeface="Arial" panose="020B0604020202020204" pitchFamily="34" charset="0"/>
-              <a:buChar char="•"/>
-            </a:pPr>
+              <a:t>Xu</a:t>
+            </a:r>
             <a:r>
               <a:rPr lang="zh-CN" altLang="en-US" b="0" i="0" dirty="0">
+                <a:solidFill>
+                  <a:srgbClr val="000000"/>
+                </a:solidFill>
                 <a:effectLst/>
-                <a:latin typeface="-apple-system"/>
+                <a:latin typeface="微软雅黑" panose="020B0503020204020204" pitchFamily="34" charset="-122"/>
+                <a:ea typeface="微软雅黑" panose="020B0503020204020204" pitchFamily="34" charset="-122"/>
               </a:rPr>
-              <a:t>域随机化通过将合成图像映射到多个辅助真实域来生成</a:t>
-            </a:r>
-            <a:r>
-              <a:rPr lang="en-US" altLang="zh-CN" b="0" i="0" dirty="0" err="1">
-                <a:effectLst/>
-                <a:latin typeface="-apple-system"/>
-              </a:rPr>
-              <a:t>ood</a:t>
-            </a:r>
-            <a:r>
-              <a:rPr lang="zh-CN" altLang="en-US" b="0" i="0" dirty="0">
-                <a:effectLst/>
-                <a:latin typeface="-apple-system"/>
-              </a:rPr>
-              <a:t>数据，以便于在测试阶段</a:t>
-            </a:r>
-            <a:r>
-              <a:rPr lang="en-US" altLang="zh-CN" b="0" i="0" dirty="0">
-                <a:effectLst/>
-                <a:latin typeface="-apple-system"/>
-              </a:rPr>
-              <a:t>CNN</a:t>
-            </a:r>
-            <a:r>
-              <a:rPr lang="zh-CN" altLang="en-US" b="0" i="0" dirty="0">
-                <a:effectLst/>
-                <a:latin typeface="-apple-system"/>
-              </a:rPr>
-              <a:t>模型将目标域当作真实域来处理。</a:t>
-            </a:r>
-            <a:endParaRPr lang="en-US" altLang="zh-CN" b="0" i="0" dirty="0">
-              <a:effectLst/>
-              <a:latin typeface="-apple-system"/>
-            </a:endParaRPr>
-          </a:p>
-          <a:p>
-            <a:pPr marL="285750" indent="-285750">
-              <a:lnSpc>
-                <a:spcPct val="150000"/>
-              </a:lnSpc>
-              <a:buFont typeface="Arial" panose="020B0604020202020204" pitchFamily="34" charset="0"/>
-              <a:buChar char="•"/>
-            </a:pPr>
-            <a:r>
-              <a:rPr lang="zh-CN" altLang="en-US" b="0" i="0" dirty="0">
-                <a:effectLst/>
-                <a:latin typeface="-apple-system"/>
-              </a:rPr>
-              <a:t>金字塔一致性训练则通过在域内和跨域强制执行金字塔一致性来学习具有更好泛化能力的表示。</a:t>
-            </a:r>
-            <a:endParaRPr lang="zh-CN" altLang="en-US" dirty="0"/>
+              <a:t>等人提出通过使用随机卷积作为数据增强，神经网络的鲁棒性可以大大提高。</a:t>
+            </a:r>
           </a:p>
         </p:txBody>
       </p:sp>
     </p:spTree>
     <p:extLst>
       <p:ext uri="{BB962C8B-B14F-4D97-AF65-F5344CB8AC3E}">
-        <p14:creationId xmlns:p14="http://schemas.microsoft.com/office/powerpoint/2010/main" val="900507821"/>
+        <p14:creationId xmlns:p14="http://schemas.microsoft.com/office/powerpoint/2010/main" val="3906796655"/>
       </p:ext>
     </p:extLst>
   </p:cSld>
@@ -5183,7 +5241,7 @@
             <p:nvPr/>
           </p:nvPicPr>
           <p:blipFill>
-            <a:blip r:embed="rId2" cstate="print">
+            <a:blip r:embed="rId3" cstate="print">
               <a:extLst>
                 <a:ext uri="{28A0092B-C50C-407E-A947-70E740481C1C}">
                   <a14:useLocalDpi xmlns:a14="http://schemas.microsoft.com/office/drawing/2010/main" val="0"/>
@@ -5214,7 +5272,7 @@
             <p:nvPr/>
           </p:nvPicPr>
           <p:blipFill>
-            <a:blip r:embed="rId3" cstate="print">
+            <a:blip r:embed="rId4" cstate="print">
               <a:extLst>
                 <a:ext uri="{28A0092B-C50C-407E-A947-70E740481C1C}">
                   <a14:useLocalDpi xmlns:a14="http://schemas.microsoft.com/office/drawing/2010/main" val="0"/>
@@ -5320,47 +5378,12 @@
           </a:p>
         </p:txBody>
       </p:sp>
-      <p:sp>
-        <p:nvSpPr>
-          <p:cNvPr id="3" name="文本框 2">
+      <p:pic>
+        <p:nvPicPr>
+          <p:cNvPr id="4" name="图片 3">
             <a:extLst>
               <a:ext uri="{FF2B5EF4-FFF2-40B4-BE49-F238E27FC236}">
-                <a16:creationId xmlns:a16="http://schemas.microsoft.com/office/drawing/2014/main" id="{E6DD75AC-D6CC-7612-05A8-4D41F288DFCD}"/>
-              </a:ext>
-            </a:extLst>
-          </p:cNvPr>
-          <p:cNvSpPr txBox="1"/>
-          <p:nvPr/>
-        </p:nvSpPr>
-        <p:spPr>
-          <a:xfrm>
-            <a:off x="300675" y="100513"/>
-            <a:ext cx="4064000" cy="646331"/>
-          </a:xfrm>
-          <a:prstGeom prst="rect">
-            <a:avLst/>
-          </a:prstGeom>
-          <a:noFill/>
-        </p:spPr>
-        <p:txBody>
-          <a:bodyPr wrap="square" rtlCol="0">
-            <a:spAutoFit/>
-          </a:bodyPr>
-          <a:lstStyle/>
-          <a:p>
-            <a:r>
-              <a:rPr lang="zh-CN" altLang="en-US" sz="3600" dirty="0"/>
-              <a:t>研究现状</a:t>
-            </a:r>
-          </a:p>
-        </p:txBody>
-      </p:sp>
-      <p:pic>
-        <p:nvPicPr>
-          <p:cNvPr id="5" name="图片 4">
-            <a:extLst>
-              <a:ext uri="{FF2B5EF4-FFF2-40B4-BE49-F238E27FC236}">
-                <a16:creationId xmlns:a16="http://schemas.microsoft.com/office/drawing/2014/main" id="{3F2C8AE1-21D5-8258-46D1-9F0B6A106E93}"/>
+                <a16:creationId xmlns:a16="http://schemas.microsoft.com/office/drawing/2014/main" id="{CB41C147-8896-FA97-DC50-9F47E223BAD8}"/>
               </a:ext>
             </a:extLst>
           </p:cNvPr>
@@ -5370,15 +5393,15 @@
           <p:nvPr/>
         </p:nvPicPr>
         <p:blipFill>
-          <a:blip r:embed="rId4"/>
+          <a:blip r:embed="rId5"/>
           <a:stretch>
             <a:fillRect/>
           </a:stretch>
         </p:blipFill>
         <p:spPr>
           <a:xfrm>
-            <a:off x="4589754" y="3148989"/>
-            <a:ext cx="6130076" cy="3055969"/>
+            <a:off x="367840" y="3041980"/>
+            <a:ext cx="11149069" cy="3374060"/>
           </a:xfrm>
           <a:prstGeom prst="rect">
             <a:avLst/>
@@ -5387,10 +5410,10 @@
       </p:pic>
       <p:sp>
         <p:nvSpPr>
-          <p:cNvPr id="10" name="文本框 9">
+          <p:cNvPr id="5" name="文本框 4">
             <a:extLst>
               <a:ext uri="{FF2B5EF4-FFF2-40B4-BE49-F238E27FC236}">
-                <a16:creationId xmlns:a16="http://schemas.microsoft.com/office/drawing/2014/main" id="{E711D503-26B3-DBAF-182C-00A69162B967}"/>
+                <a16:creationId xmlns:a16="http://schemas.microsoft.com/office/drawing/2014/main" id="{05DDF17A-F4D0-8070-BCE0-D5B4D2051A82}"/>
               </a:ext>
             </a:extLst>
           </p:cNvPr>
@@ -5399,8 +5422,8 @@
         </p:nvSpPr>
         <p:spPr>
           <a:xfrm>
-            <a:off x="4589754" y="6389830"/>
-            <a:ext cx="9254021" cy="278274"/>
+            <a:off x="367840" y="913336"/>
+            <a:ext cx="10143321" cy="1850635"/>
           </a:xfrm>
           <a:prstGeom prst="rect">
             <a:avLst/>
@@ -5413,113 +5436,102 @@
           </a:bodyPr>
           <a:lstStyle/>
           <a:p>
-            <a:r>
-              <a:rPr lang="en-US" altLang="zh-CN" sz="1200" dirty="0">
-                <a:latin typeface="微软雅黑" panose="020B0503020204020204" pitchFamily="34" charset="-122"/>
-                <a:ea typeface="微软雅黑" panose="020B0503020204020204" pitchFamily="34" charset="-122"/>
-                <a:cs typeface="Times New Roman" panose="02020603050405020304" pitchFamily="18" charset="0"/>
-              </a:rPr>
-              <a:t>H. Li, S. J. Pan, S. Wang, and A. </a:t>
-            </a:r>
-            <a:r>
-              <a:rPr lang="en-US" altLang="zh-CN" sz="1200" dirty="0" err="1">
-                <a:latin typeface="微软雅黑" panose="020B0503020204020204" pitchFamily="34" charset="-122"/>
-                <a:ea typeface="微软雅黑" panose="020B0503020204020204" pitchFamily="34" charset="-122"/>
-                <a:cs typeface="Times New Roman" panose="02020603050405020304" pitchFamily="18" charset="0"/>
-              </a:rPr>
-              <a:t>Kot</a:t>
-            </a:r>
-            <a:r>
-              <a:rPr lang="en-US" altLang="zh-CN" sz="1200" dirty="0">
-                <a:latin typeface="微软雅黑" panose="020B0503020204020204" pitchFamily="34" charset="-122"/>
-                <a:ea typeface="微软雅黑" panose="020B0503020204020204" pitchFamily="34" charset="-122"/>
-                <a:cs typeface="Times New Roman" panose="02020603050405020304" pitchFamily="18" charset="0"/>
-              </a:rPr>
-              <a:t>. Domain generalization with adversarial feature learning. 2018</a:t>
-            </a:r>
-            <a:endParaRPr lang="zh-CN" altLang="en-US" sz="1200" dirty="0">
-              <a:latin typeface="微软雅黑" panose="020B0503020204020204" pitchFamily="34" charset="-122"/>
-              <a:ea typeface="微软雅黑" panose="020B0503020204020204" pitchFamily="34" charset="-122"/>
-              <a:cs typeface="Times New Roman" panose="02020603050405020304" pitchFamily="18" charset="0"/>
-            </a:endParaRPr>
-          </a:p>
-        </p:txBody>
-      </p:sp>
-      <p:sp>
-        <p:nvSpPr>
-          <p:cNvPr id="12" name="文本框 11">
-            <a:extLst>
-              <a:ext uri="{FF2B5EF4-FFF2-40B4-BE49-F238E27FC236}">
-                <a16:creationId xmlns:a16="http://schemas.microsoft.com/office/drawing/2014/main" id="{51B78696-FA27-CB7A-D8CB-89F49FF1644A}"/>
-              </a:ext>
-            </a:extLst>
-          </p:cNvPr>
-          <p:cNvSpPr txBox="1"/>
-          <p:nvPr/>
-        </p:nvSpPr>
-        <p:spPr>
-          <a:xfrm>
-            <a:off x="841159" y="1579225"/>
-            <a:ext cx="6920142" cy="1296445"/>
-          </a:xfrm>
-          <a:prstGeom prst="rect">
-            <a:avLst/>
-          </a:prstGeom>
-          <a:noFill/>
-        </p:spPr>
-        <p:txBody>
-          <a:bodyPr wrap="square">
-            <a:spAutoFit/>
-          </a:bodyPr>
-          <a:lstStyle/>
-          <a:p>
-            <a:pPr algn="l">
+            <a:pPr marL="285750" indent="-285750">
               <a:lnSpc>
                 <a:spcPct val="150000"/>
               </a:lnSpc>
+              <a:buFont typeface="Arial" panose="020B0604020202020204" pitchFamily="34" charset="0"/>
+              <a:buChar char="•"/>
+            </a:pPr>
+            <a:r>
+              <a:rPr lang="en-US" altLang="zh-CN" sz="2400" b="0" i="0" dirty="0">
+                <a:effectLst/>
+                <a:latin typeface="-apple-system"/>
+              </a:rPr>
+              <a:t>Yue</a:t>
+            </a:r>
+            <a:r>
+              <a:rPr lang="zh-CN" altLang="en-US" sz="2400" b="0" i="0" dirty="0">
+                <a:effectLst/>
+                <a:latin typeface="-apple-system"/>
+              </a:rPr>
+              <a:t>等人提出使用域随机化和金字塔一致性来进行域泛化</a:t>
+            </a:r>
+            <a:endParaRPr lang="en-US" altLang="zh-CN" sz="2400" dirty="0">
+              <a:latin typeface="-apple-system"/>
+            </a:endParaRPr>
+          </a:p>
+          <a:p>
+            <a:pPr marL="285750" indent="-285750">
+              <a:lnSpc>
+                <a:spcPct val="150000"/>
+              </a:lnSpc>
+              <a:buFont typeface="Arial" panose="020B0604020202020204" pitchFamily="34" charset="0"/>
+              <a:buChar char="•"/>
             </a:pPr>
             <a:r>
               <a:rPr lang="zh-CN" altLang="en-US" b="0" i="0" dirty="0">
                 <a:effectLst/>
                 <a:latin typeface="-apple-system"/>
               </a:rPr>
-              <a:t>将</a:t>
+              <a:t>域随机化通过将合成图像映射到多个辅助真实域来生成</a:t>
+            </a:r>
+            <a:r>
+              <a:rPr lang="en-US" altLang="zh-CN" b="0" i="0" dirty="0" err="1">
+                <a:effectLst/>
+                <a:latin typeface="-apple-system"/>
+              </a:rPr>
+              <a:t>ood</a:t>
+            </a:r>
+            <a:r>
+              <a:rPr lang="zh-CN" altLang="en-US" b="0" i="0" dirty="0">
+                <a:effectLst/>
+                <a:latin typeface="-apple-system"/>
+              </a:rPr>
+              <a:t>数据，以便于在测试阶段</a:t>
             </a:r>
             <a:r>
               <a:rPr lang="en-US" altLang="zh-CN" b="0" i="0" dirty="0">
                 <a:effectLst/>
                 <a:latin typeface="-apple-system"/>
               </a:rPr>
-              <a:t>MMD</a:t>
+              <a:t>CNN</a:t>
             </a:r>
             <a:r>
               <a:rPr lang="zh-CN" altLang="en-US" b="0" i="0" dirty="0">
                 <a:effectLst/>
                 <a:latin typeface="-apple-system"/>
               </a:rPr>
-              <a:t>作为域适应算法的目标函数之一，最小化</a:t>
-            </a:r>
-            <a:r>
-              <a:rPr lang="en-US" altLang="zh-CN" b="0" i="0" dirty="0">
-                <a:effectLst/>
-                <a:latin typeface="-apple-system"/>
-              </a:rPr>
-              <a:t>MMD</a:t>
-            </a:r>
+              <a:t>模型将目标域当作真实域来处理。</a:t>
+            </a:r>
+            <a:endParaRPr lang="en-US" altLang="zh-CN" b="0" i="0" dirty="0">
+              <a:effectLst/>
+              <a:latin typeface="-apple-system"/>
+            </a:endParaRPr>
+          </a:p>
+          <a:p>
+            <a:pPr marL="285750" indent="-285750">
+              <a:lnSpc>
+                <a:spcPct val="150000"/>
+              </a:lnSpc>
+              <a:buFont typeface="Arial" panose="020B0604020202020204" pitchFamily="34" charset="0"/>
+              <a:buChar char="•"/>
+            </a:pPr>
             <a:r>
               <a:rPr lang="zh-CN" altLang="en-US" b="0" i="0" dirty="0">
                 <a:effectLst/>
                 <a:latin typeface="-apple-system"/>
               </a:rPr>
-              <a:t>有助于减小源域和目标域之间的分布差异，从而提高模型在目标域上的泛化能力。</a:t>
-            </a:r>
+              <a:t>金字塔一致性训练则通过在域内和跨域强制执行金字塔一致性来学习具有更好泛化能力的表示。</a:t>
+            </a:r>
+            <a:endParaRPr lang="zh-CN" altLang="en-US" dirty="0"/>
           </a:p>
         </p:txBody>
       </p:sp>
     </p:spTree>
     <p:extLst>
       <p:ext uri="{BB962C8B-B14F-4D97-AF65-F5344CB8AC3E}">
-        <p14:creationId xmlns:p14="http://schemas.microsoft.com/office/powerpoint/2010/main" val="2524502693"/>
+        <p14:creationId xmlns:p14="http://schemas.microsoft.com/office/powerpoint/2010/main" val="900507821"/>
       </p:ext>
     </p:extLst>
   </p:cSld>
@@ -5741,12 +5753,47 @@
           </a:p>
         </p:txBody>
       </p:sp>
+      <p:sp>
+        <p:nvSpPr>
+          <p:cNvPr id="3" name="文本框 2">
+            <a:extLst>
+              <a:ext uri="{FF2B5EF4-FFF2-40B4-BE49-F238E27FC236}">
+                <a16:creationId xmlns:a16="http://schemas.microsoft.com/office/drawing/2014/main" id="{E6DD75AC-D6CC-7612-05A8-4D41F288DFCD}"/>
+              </a:ext>
+            </a:extLst>
+          </p:cNvPr>
+          <p:cNvSpPr txBox="1"/>
+          <p:nvPr/>
+        </p:nvSpPr>
+        <p:spPr>
+          <a:xfrm>
+            <a:off x="300675" y="100513"/>
+            <a:ext cx="4064000" cy="646331"/>
+          </a:xfrm>
+          <a:prstGeom prst="rect">
+            <a:avLst/>
+          </a:prstGeom>
+          <a:noFill/>
+        </p:spPr>
+        <p:txBody>
+          <a:bodyPr wrap="square" rtlCol="0">
+            <a:spAutoFit/>
+          </a:bodyPr>
+          <a:lstStyle/>
+          <a:p>
+            <a:r>
+              <a:rPr lang="zh-CN" altLang="en-US" sz="3600" dirty="0"/>
+              <a:t>研究现状</a:t>
+            </a:r>
+          </a:p>
+        </p:txBody>
+      </p:sp>
       <p:pic>
         <p:nvPicPr>
-          <p:cNvPr id="4" name="图片 3">
+          <p:cNvPr id="5" name="图片 4">
             <a:extLst>
               <a:ext uri="{FF2B5EF4-FFF2-40B4-BE49-F238E27FC236}">
-                <a16:creationId xmlns:a16="http://schemas.microsoft.com/office/drawing/2014/main" id="{0410E679-552B-4896-DBC2-D87371EF6229}"/>
+                <a16:creationId xmlns:a16="http://schemas.microsoft.com/office/drawing/2014/main" id="{3F2C8AE1-21D5-8258-46D1-9F0B6A106E93}"/>
               </a:ext>
             </a:extLst>
           </p:cNvPr>
@@ -5763,8 +5810,8 @@
         </p:blipFill>
         <p:spPr>
           <a:xfrm>
-            <a:off x="5613876" y="995789"/>
-            <a:ext cx="5848667" cy="4824028"/>
+            <a:off x="5140361" y="3243892"/>
+            <a:ext cx="6130076" cy="3055969"/>
           </a:xfrm>
           <a:prstGeom prst="rect">
             <a:avLst/>
@@ -5773,10 +5820,10 @@
       </p:pic>
       <p:sp>
         <p:nvSpPr>
-          <p:cNvPr id="8" name="文本框 7">
+          <p:cNvPr id="10" name="文本框 9">
             <a:extLst>
               <a:ext uri="{FF2B5EF4-FFF2-40B4-BE49-F238E27FC236}">
-                <a16:creationId xmlns:a16="http://schemas.microsoft.com/office/drawing/2014/main" id="{0BC586F2-4E81-FAB8-E3E1-736C8317CAE8}"/>
+                <a16:creationId xmlns:a16="http://schemas.microsoft.com/office/drawing/2014/main" id="{E711D503-26B3-DBAF-182C-00A69162B967}"/>
               </a:ext>
             </a:extLst>
           </p:cNvPr>
@@ -5785,8 +5832,8 @@
         </p:nvSpPr>
         <p:spPr>
           <a:xfrm>
-            <a:off x="274320" y="1561330"/>
-            <a:ext cx="4815840" cy="369332"/>
+            <a:off x="4589754" y="6389830"/>
+            <a:ext cx="9254021" cy="278274"/>
           </a:xfrm>
           <a:prstGeom prst="rect">
             <a:avLst/>
@@ -5799,16 +5846,44 @@
           </a:bodyPr>
           <a:lstStyle/>
           <a:p>
-            <a:endParaRPr lang="zh-CN" altLang="en-US" dirty="0"/>
+            <a:r>
+              <a:rPr lang="en-US" altLang="zh-CN" sz="1200" dirty="0">
+                <a:latin typeface="微软雅黑" panose="020B0503020204020204" pitchFamily="34" charset="-122"/>
+                <a:ea typeface="微软雅黑" panose="020B0503020204020204" pitchFamily="34" charset="-122"/>
+                <a:cs typeface="Times New Roman" panose="02020603050405020304" pitchFamily="18" charset="0"/>
+              </a:rPr>
+              <a:t>H. Li, S. J. Pan, S. Wang, and A. </a:t>
+            </a:r>
+            <a:r>
+              <a:rPr lang="en-US" altLang="zh-CN" sz="1200" dirty="0" err="1">
+                <a:latin typeface="微软雅黑" panose="020B0503020204020204" pitchFamily="34" charset="-122"/>
+                <a:ea typeface="微软雅黑" panose="020B0503020204020204" pitchFamily="34" charset="-122"/>
+                <a:cs typeface="Times New Roman" panose="02020603050405020304" pitchFamily="18" charset="0"/>
+              </a:rPr>
+              <a:t>Kot</a:t>
+            </a:r>
+            <a:r>
+              <a:rPr lang="en-US" altLang="zh-CN" sz="1200" dirty="0">
+                <a:latin typeface="微软雅黑" panose="020B0503020204020204" pitchFamily="34" charset="-122"/>
+                <a:ea typeface="微软雅黑" panose="020B0503020204020204" pitchFamily="34" charset="-122"/>
+                <a:cs typeface="Times New Roman" panose="02020603050405020304" pitchFamily="18" charset="0"/>
+              </a:rPr>
+              <a:t>. Domain generalization with adversarial feature learning. 2018</a:t>
+            </a:r>
+            <a:endParaRPr lang="zh-CN" altLang="en-US" sz="1200" dirty="0">
+              <a:latin typeface="微软雅黑" panose="020B0503020204020204" pitchFamily="34" charset="-122"/>
+              <a:ea typeface="微软雅黑" panose="020B0503020204020204" pitchFamily="34" charset="-122"/>
+              <a:cs typeface="Times New Roman" panose="02020603050405020304" pitchFamily="18" charset="0"/>
+            </a:endParaRPr>
           </a:p>
         </p:txBody>
       </p:sp>
       <p:sp>
         <p:nvSpPr>
-          <p:cNvPr id="10" name="文本框 9">
+          <p:cNvPr id="12" name="文本框 11">
             <a:extLst>
               <a:ext uri="{FF2B5EF4-FFF2-40B4-BE49-F238E27FC236}">
-                <a16:creationId xmlns:a16="http://schemas.microsoft.com/office/drawing/2014/main" id="{CE108C64-D231-E3FF-3E94-F5D5B0701650}"/>
+                <a16:creationId xmlns:a16="http://schemas.microsoft.com/office/drawing/2014/main" id="{51B78696-FA27-CB7A-D8CB-89F49FF1644A}"/>
               </a:ext>
             </a:extLst>
           </p:cNvPr>
@@ -5817,8 +5892,8 @@
         </p:nvSpPr>
         <p:spPr>
           <a:xfrm>
-            <a:off x="425450" y="2144621"/>
-            <a:ext cx="4664710" cy="1754326"/>
+            <a:off x="733004" y="1177389"/>
+            <a:ext cx="6920142" cy="2126864"/>
           </a:xfrm>
           <a:prstGeom prst="rect">
             <a:avLst/>
@@ -5831,132 +5906,132 @@
           </a:bodyPr>
           <a:lstStyle/>
           <a:p>
-            <a:r>
-              <a:rPr lang="en-US" altLang="zh-CN" dirty="0">
-                <a:latin typeface="宋体" panose="02010600030101010101" pitchFamily="2" charset="-122"/>
-                <a:ea typeface="宋体" panose="02010600030101010101" pitchFamily="2" charset="-122"/>
+            <a:pPr algn="l">
+              <a:lnSpc>
+                <a:spcPct val="150000"/>
+              </a:lnSpc>
+            </a:pPr>
+            <a:r>
+              <a:rPr lang="en-US" altLang="zh-CN" b="0" i="0" dirty="0">
+                <a:effectLst/>
+                <a:latin typeface="-apple-system"/>
               </a:rPr>
-              <a:t>Rahman</a:t>
+              <a:t>Li</a:t>
+            </a:r>
+            <a:r>
+              <a:rPr lang="zh-CN" altLang="en-US" b="0" i="0" dirty="0">
+                <a:effectLst/>
+                <a:latin typeface="-apple-system"/>
+              </a:rPr>
+              <a:t>等人提出在对抗自编码器的基础上增加了最大平均差异</a:t>
+            </a:r>
+            <a:r>
+              <a:rPr lang="en-US" altLang="zh-CN" b="0" i="0" dirty="0">
+                <a:effectLst/>
+                <a:latin typeface="-apple-system"/>
+              </a:rPr>
+              <a:t>(Maximum Mean Discrepancy, MMD)</a:t>
+            </a:r>
+            <a:r>
+              <a:rPr lang="zh-CN" altLang="en-US" b="0" i="0" dirty="0">
+                <a:effectLst/>
+                <a:latin typeface="-apple-system"/>
+              </a:rPr>
+              <a:t>正则化项</a:t>
+            </a:r>
+            <a:r>
+              <a:rPr lang="en-US" altLang="zh-CN" b="0" i="0" dirty="0">
+                <a:effectLst/>
+                <a:latin typeface="-apple-system"/>
+              </a:rPr>
+              <a:t>,</a:t>
+            </a:r>
+            <a:r>
+              <a:rPr lang="zh-CN" altLang="en-US" b="0" i="0" dirty="0">
+                <a:effectLst/>
+                <a:latin typeface="-apple-system"/>
+              </a:rPr>
+              <a:t>以最小化不同</a:t>
+            </a:r>
+            <a:r>
+              <a:rPr lang="en-US" altLang="zh-CN" b="0" i="0" dirty="0">
+                <a:effectLst/>
+                <a:latin typeface="-apple-system"/>
+              </a:rPr>
+              <a:t>domain</a:t>
+            </a:r>
+            <a:r>
+              <a:rPr lang="zh-CN" altLang="en-US" b="0" i="0" dirty="0">
+                <a:effectLst/>
+                <a:latin typeface="-apple-system"/>
+              </a:rPr>
+              <a:t>之间的差异。同时</a:t>
+            </a:r>
+            <a:r>
+              <a:rPr lang="en-US" altLang="zh-CN" b="0" i="0" dirty="0">
+                <a:effectLst/>
+                <a:latin typeface="-apple-system"/>
+              </a:rPr>
+              <a:t>,</a:t>
+            </a:r>
+            <a:r>
+              <a:rPr lang="zh-CN" altLang="en-US" b="0" i="0" dirty="0">
+                <a:effectLst/>
+                <a:latin typeface="-apple-system"/>
+              </a:rPr>
+              <a:t>作者还通过对抗训练</a:t>
+            </a:r>
+            <a:r>
+              <a:rPr lang="en-US" altLang="zh-CN" b="0" i="0" dirty="0">
+                <a:effectLst/>
+                <a:latin typeface="-apple-system"/>
+              </a:rPr>
+              <a:t>,</a:t>
+            </a:r>
+            <a:r>
+              <a:rPr lang="zh-CN" altLang="en-US" b="0" i="0" dirty="0">
+                <a:effectLst/>
+                <a:latin typeface="-apple-system"/>
+              </a:rPr>
+              <a:t>使学习到的特征符合预先设定的先验分布</a:t>
+            </a:r>
+            <a:r>
+              <a:rPr lang="en-US" altLang="zh-CN" b="0" i="0" dirty="0">
+                <a:effectLst/>
+                <a:latin typeface="-apple-system"/>
+              </a:rPr>
+              <a:t>,</a:t>
+            </a:r>
+            <a:r>
+              <a:rPr lang="zh-CN" altLang="en-US" b="0" i="0" dirty="0">
+                <a:effectLst/>
+                <a:latin typeface="-apple-system"/>
+              </a:rPr>
+              <a:t>从而降低特征过于依赖源域的风险</a:t>
+            </a:r>
+            <a:r>
+              <a:rPr lang="en-US" altLang="zh-CN" b="0" i="0" dirty="0">
+                <a:effectLst/>
+                <a:latin typeface="-apple-system"/>
+              </a:rPr>
+              <a:t>,</a:t>
+            </a:r>
+            <a:r>
+              <a:rPr lang="zh-CN" altLang="en-US" b="0" i="0" dirty="0">
+                <a:effectLst/>
+                <a:latin typeface="-apple-system"/>
+              </a:rPr>
+              <a:t>提高特征对未见目标域的泛化能力</a:t>
             </a:r>
             <a:r>
               <a:rPr lang="zh-CN" altLang="en-US" dirty="0">
-                <a:latin typeface="宋体" panose="02010600030101010101" pitchFamily="2" charset="-122"/>
-                <a:ea typeface="宋体" panose="02010600030101010101" pitchFamily="2" charset="-122"/>
+                <a:latin typeface="-apple-system"/>
               </a:rPr>
-              <a:t>等人在</a:t>
-            </a:r>
-            <a:r>
-              <a:rPr lang="en-US" altLang="zh-CN" dirty="0">
-                <a:latin typeface="宋体" panose="02010600030101010101" pitchFamily="2" charset="-122"/>
-                <a:ea typeface="宋体" panose="02010600030101010101" pitchFamily="2" charset="-122"/>
-              </a:rPr>
-              <a:t>2019</a:t>
-            </a:r>
-            <a:r>
-              <a:rPr lang="zh-CN" altLang="en-US" dirty="0">
-                <a:latin typeface="宋体" panose="02010600030101010101" pitchFamily="2" charset="-122"/>
-                <a:ea typeface="宋体" panose="02010600030101010101" pitchFamily="2" charset="-122"/>
-              </a:rPr>
-              <a:t>年</a:t>
-            </a:r>
-            <a:r>
-              <a:rPr lang="zh-CN" altLang="en-US" b="0" i="0" dirty="0">
-                <a:solidFill>
-                  <a:srgbClr val="000000"/>
-                </a:solidFill>
-                <a:effectLst/>
-                <a:latin typeface="宋体" panose="02010600030101010101" pitchFamily="2" charset="-122"/>
-                <a:ea typeface="宋体" panose="02010600030101010101" pitchFamily="2" charset="-122"/>
-              </a:rPr>
-              <a:t>提出了一种利用生成对抗性网络（</a:t>
-            </a:r>
-            <a:r>
-              <a:rPr lang="en-US" altLang="zh-CN" b="0" i="0" dirty="0">
-                <a:solidFill>
-                  <a:srgbClr val="000000"/>
-                </a:solidFill>
-                <a:effectLst/>
-                <a:latin typeface="宋体" panose="02010600030101010101" pitchFamily="2" charset="-122"/>
-                <a:ea typeface="宋体" panose="02010600030101010101" pitchFamily="2" charset="-122"/>
-              </a:rPr>
-              <a:t>GAN</a:t>
-            </a:r>
-            <a:r>
-              <a:rPr lang="zh-CN" altLang="en-US" b="0" i="0" dirty="0">
-                <a:solidFill>
-                  <a:srgbClr val="000000"/>
-                </a:solidFill>
-                <a:effectLst/>
-                <a:latin typeface="宋体" panose="02010600030101010101" pitchFamily="2" charset="-122"/>
-                <a:ea typeface="宋体" panose="02010600030101010101" pitchFamily="2" charset="-122"/>
-              </a:rPr>
-              <a:t>）生成合成数据的新的深域泛化架构。使用现有的域差异度量（例如最大平均差异或</a:t>
-            </a:r>
-            <a:r>
-              <a:rPr lang="zh-CN" altLang="en-US" dirty="0">
-                <a:solidFill>
-                  <a:srgbClr val="000000"/>
-                </a:solidFill>
-                <a:latin typeface="宋体" panose="02010600030101010101" pitchFamily="2" charset="-122"/>
-                <a:ea typeface="宋体" panose="02010600030101010101" pitchFamily="2" charset="-122"/>
-              </a:rPr>
-              <a:t>（</a:t>
-            </a:r>
-            <a:r>
-              <a:rPr lang="en-US" altLang="zh-CN" dirty="0">
-                <a:solidFill>
-                  <a:srgbClr val="000000"/>
-                </a:solidFill>
-                <a:latin typeface="宋体" panose="02010600030101010101" pitchFamily="2" charset="-122"/>
-                <a:ea typeface="宋体" panose="02010600030101010101" pitchFamily="2" charset="-122"/>
-              </a:rPr>
-              <a:t>MMD</a:t>
-            </a:r>
-            <a:r>
-              <a:rPr lang="zh-CN" altLang="en-US" dirty="0">
-                <a:solidFill>
-                  <a:srgbClr val="000000"/>
-                </a:solidFill>
-                <a:latin typeface="宋体" panose="02010600030101010101" pitchFamily="2" charset="-122"/>
-                <a:ea typeface="宋体" panose="02010600030101010101" pitchFamily="2" charset="-122"/>
-              </a:rPr>
-              <a:t>）</a:t>
-            </a:r>
-            <a:r>
-              <a:rPr lang="zh-CN" altLang="en-US" b="0" i="0" dirty="0">
-                <a:solidFill>
-                  <a:srgbClr val="000000"/>
-                </a:solidFill>
-                <a:effectLst/>
-                <a:latin typeface="宋体" panose="02010600030101010101" pitchFamily="2" charset="-122"/>
-                <a:ea typeface="宋体" panose="02010600030101010101" pitchFamily="2" charset="-122"/>
-              </a:rPr>
-              <a:t>）来最小化真实图像和</a:t>
-            </a:r>
-            <a:r>
-              <a:rPr lang="zh-CN" altLang="en-US" dirty="0">
-                <a:solidFill>
-                  <a:srgbClr val="000000"/>
-                </a:solidFill>
-                <a:latin typeface="宋体" panose="02010600030101010101" pitchFamily="2" charset="-122"/>
-                <a:ea typeface="宋体" panose="02010600030101010101" pitchFamily="2" charset="-122"/>
-              </a:rPr>
-              <a:t>生成</a:t>
-            </a:r>
-            <a:r>
-              <a:rPr lang="zh-CN" altLang="en-US" b="0" i="0" dirty="0">
-                <a:solidFill>
-                  <a:srgbClr val="000000"/>
-                </a:solidFill>
-                <a:effectLst/>
-                <a:latin typeface="宋体" panose="02010600030101010101" pitchFamily="2" charset="-122"/>
-                <a:ea typeface="宋体" panose="02010600030101010101" pitchFamily="2" charset="-122"/>
-              </a:rPr>
-              <a:t>图像之间的分布差异，以帮助学习域间的通用表示。</a:t>
-            </a:r>
-            <a:endParaRPr lang="zh-CN" altLang="en-US" dirty="0">
-              <a:latin typeface="宋体" panose="02010600030101010101" pitchFamily="2" charset="-122"/>
-              <a:ea typeface="宋体" panose="02010600030101010101" pitchFamily="2" charset="-122"/>
+              <a:t>。</a:t>
+            </a:r>
+            <a:endParaRPr lang="zh-CN" altLang="en-US" b="0" i="0" dirty="0">
+              <a:effectLst/>
+              <a:latin typeface="-apple-system"/>
             </a:endParaRPr>
           </a:p>
         </p:txBody>
@@ -5964,7 +6039,7 @@
     </p:spTree>
     <p:extLst>
       <p:ext uri="{BB962C8B-B14F-4D97-AF65-F5344CB8AC3E}">
-        <p14:creationId xmlns:p14="http://schemas.microsoft.com/office/powerpoint/2010/main" val="3493924505"/>
+        <p14:creationId xmlns:p14="http://schemas.microsoft.com/office/powerpoint/2010/main" val="2524502693"/>
       </p:ext>
     </p:extLst>
   </p:cSld>
@@ -6186,12 +6261,42 @@
           </a:p>
         </p:txBody>
       </p:sp>
+      <p:pic>
+        <p:nvPicPr>
+          <p:cNvPr id="4" name="图片 3">
+            <a:extLst>
+              <a:ext uri="{FF2B5EF4-FFF2-40B4-BE49-F238E27FC236}">
+                <a16:creationId xmlns:a16="http://schemas.microsoft.com/office/drawing/2014/main" id="{0410E679-552B-4896-DBC2-D87371EF6229}"/>
+              </a:ext>
+            </a:extLst>
+          </p:cNvPr>
+          <p:cNvPicPr>
+            <a:picLocks noChangeAspect="1"/>
+          </p:cNvPicPr>
+          <p:nvPr/>
+        </p:nvPicPr>
+        <p:blipFill>
+          <a:blip r:embed="rId4"/>
+          <a:stretch>
+            <a:fillRect/>
+          </a:stretch>
+        </p:blipFill>
+        <p:spPr>
+          <a:xfrm>
+            <a:off x="5613876" y="995789"/>
+            <a:ext cx="5848667" cy="4824028"/>
+          </a:xfrm>
+          <a:prstGeom prst="rect">
+            <a:avLst/>
+          </a:prstGeom>
+        </p:spPr>
+      </p:pic>
       <p:sp>
         <p:nvSpPr>
-          <p:cNvPr id="4" name="文本框 3">
+          <p:cNvPr id="8" name="文本框 7">
             <a:extLst>
               <a:ext uri="{FF2B5EF4-FFF2-40B4-BE49-F238E27FC236}">
-                <a16:creationId xmlns:a16="http://schemas.microsoft.com/office/drawing/2014/main" id="{A6A6B42E-BC9C-2F77-DF10-8D3C4ABF438B}"/>
+                <a16:creationId xmlns:a16="http://schemas.microsoft.com/office/drawing/2014/main" id="{0BC586F2-4E81-FAB8-E3E1-736C8317CAE8}"/>
               </a:ext>
             </a:extLst>
           </p:cNvPr>
@@ -6200,8 +6305,8 @@
         </p:nvSpPr>
         <p:spPr>
           <a:xfrm>
-            <a:off x="1470660" y="2121515"/>
-            <a:ext cx="6096000" cy="923330"/>
+            <a:off x="274320" y="1561330"/>
+            <a:ext cx="4815840" cy="369332"/>
           </a:xfrm>
           <a:prstGeom prst="rect">
             <a:avLst/>
@@ -6214,16 +6319,76 @@
           </a:bodyPr>
           <a:lstStyle/>
           <a:p>
+            <a:endParaRPr lang="zh-CN" altLang="en-US" dirty="0"/>
+          </a:p>
+        </p:txBody>
+      </p:sp>
+      <p:sp>
+        <p:nvSpPr>
+          <p:cNvPr id="10" name="文本框 9">
+            <a:extLst>
+              <a:ext uri="{FF2B5EF4-FFF2-40B4-BE49-F238E27FC236}">
+                <a16:creationId xmlns:a16="http://schemas.microsoft.com/office/drawing/2014/main" id="{CE108C64-D231-E3FF-3E94-F5D5B0701650}"/>
+              </a:ext>
+            </a:extLst>
+          </p:cNvPr>
+          <p:cNvSpPr txBox="1"/>
+          <p:nvPr/>
+        </p:nvSpPr>
+        <p:spPr>
+          <a:xfrm>
+            <a:off x="425450" y="2144621"/>
+            <a:ext cx="4664710" cy="1754326"/>
+          </a:xfrm>
+          <a:prstGeom prst="rect">
+            <a:avLst/>
+          </a:prstGeom>
+          <a:noFill/>
+        </p:spPr>
+        <p:txBody>
+          <a:bodyPr wrap="square">
+            <a:spAutoFit/>
+          </a:bodyPr>
+          <a:lstStyle/>
+          <a:p>
+            <a:r>
+              <a:rPr lang="en-US" altLang="zh-CN" dirty="0">
+                <a:latin typeface="宋体" panose="02010600030101010101" pitchFamily="2" charset="-122"/>
+                <a:ea typeface="宋体" panose="02010600030101010101" pitchFamily="2" charset="-122"/>
+              </a:rPr>
+              <a:t>Rahman</a:t>
+            </a:r>
+            <a:r>
+              <a:rPr lang="zh-CN" altLang="en-US" dirty="0">
+                <a:latin typeface="宋体" panose="02010600030101010101" pitchFamily="2" charset="-122"/>
+                <a:ea typeface="宋体" panose="02010600030101010101" pitchFamily="2" charset="-122"/>
+              </a:rPr>
+              <a:t>等人在</a:t>
+            </a:r>
+            <a:r>
+              <a:rPr lang="en-US" altLang="zh-CN" dirty="0">
+                <a:latin typeface="宋体" panose="02010600030101010101" pitchFamily="2" charset="-122"/>
+                <a:ea typeface="宋体" panose="02010600030101010101" pitchFamily="2" charset="-122"/>
+              </a:rPr>
+              <a:t>2019</a:t>
+            </a:r>
+            <a:r>
+              <a:rPr lang="zh-CN" altLang="en-US" dirty="0">
+                <a:latin typeface="宋体" panose="02010600030101010101" pitchFamily="2" charset="-122"/>
+                <a:ea typeface="宋体" panose="02010600030101010101" pitchFamily="2" charset="-122"/>
+              </a:rPr>
+              <a:t>年</a:t>
+            </a:r>
             <a:r>
               <a:rPr lang="zh-CN" altLang="en-US" b="0" i="0" dirty="0">
                 <a:solidFill>
                   <a:srgbClr val="000000"/>
                 </a:solidFill>
                 <a:effectLst/>
-                <a:latin typeface="微软雅黑" panose="020B0503020204020204" pitchFamily="34" charset="-122"/>
-                <a:ea typeface="微软雅黑" panose="020B0503020204020204" pitchFamily="34" charset="-122"/>
+                <a:latin typeface="宋体" panose="02010600030101010101" pitchFamily="2" charset="-122"/>
+                <a:ea typeface="宋体" panose="02010600030101010101" pitchFamily="2" charset="-122"/>
               </a:rPr>
-              <a:t>域不变分量分析（</a:t>
+              <a:t>提出了一种利用生成对抗性网络（</a:t>
             </a:r>
             <a:r>
               <a:rPr lang="en-US" altLang="zh-CN" b="0" i="0" dirty="0">
@@ -6231,10 +6396,10 @@
                   <a:srgbClr val="000000"/>
                 </a:solidFill>
                 <a:effectLst/>
-                <a:latin typeface="微软雅黑" panose="020B0503020204020204" pitchFamily="34" charset="-122"/>
-                <a:ea typeface="微软雅黑" panose="020B0503020204020204" pitchFamily="34" charset="-122"/>
+                <a:latin typeface="宋体" panose="02010600030101010101" pitchFamily="2" charset="-122"/>
+                <a:ea typeface="宋体" panose="02010600030101010101" pitchFamily="2" charset="-122"/>
               </a:rPr>
-              <a:t>DICA</a:t>
+              <a:t>GAN</a:t>
             </a:r>
             <a:r>
               <a:rPr lang="zh-CN" altLang="en-US" b="0" i="0" dirty="0">
@@ -6242,21 +6407,40 @@
                   <a:srgbClr val="000000"/>
                 </a:solidFill>
                 <a:effectLst/>
-                <a:latin typeface="微软雅黑" panose="020B0503020204020204" pitchFamily="34" charset="-122"/>
-                <a:ea typeface="微软雅黑" panose="020B0503020204020204" pitchFamily="34" charset="-122"/>
+                <a:latin typeface="宋体" panose="02010600030101010101" pitchFamily="2" charset="-122"/>
+                <a:ea typeface="宋体" panose="02010600030101010101" pitchFamily="2" charset="-122"/>
               </a:rPr>
-              <a:t>）</a:t>
-            </a:r>
-            <a:r>
-              <a:rPr lang="en-US" altLang="zh-CN" b="0" i="0" dirty="0">
+              <a:t>）生成合成数据的新的深域泛化架构。使用现有的域差异度量（例如最大平均差异或</a:t>
+            </a:r>
+            <a:r>
+              <a:rPr lang="zh-CN" altLang="en-US" dirty="0">
                 <a:solidFill>
                   <a:srgbClr val="000000"/>
                 </a:solidFill>
-                <a:effectLst/>
-                <a:latin typeface="微软雅黑" panose="020B0503020204020204" pitchFamily="34" charset="-122"/>
-                <a:ea typeface="微软雅黑" panose="020B0503020204020204" pitchFamily="34" charset="-122"/>
+                <a:latin typeface="宋体" panose="02010600030101010101" pitchFamily="2" charset="-122"/>
+                <a:ea typeface="宋体" panose="02010600030101010101" pitchFamily="2" charset="-122"/>
               </a:rPr>
-              <a:t>[27]</a:t>
+              <a:t>（</a:t>
+            </a:r>
+            <a:r>
+              <a:rPr lang="en-US" altLang="zh-CN" dirty="0">
+                <a:solidFill>
+                  <a:srgbClr val="000000"/>
+                </a:solidFill>
+                <a:latin typeface="宋体" panose="02010600030101010101" pitchFamily="2" charset="-122"/>
+                <a:ea typeface="宋体" panose="02010600030101010101" pitchFamily="2" charset="-122"/>
+              </a:rPr>
+              <a:t>MMD</a:t>
+            </a:r>
+            <a:r>
+              <a:rPr lang="zh-CN" altLang="en-US" dirty="0">
+                <a:solidFill>
+                  <a:srgbClr val="000000"/>
+                </a:solidFill>
+                <a:latin typeface="宋体" panose="02010600030101010101" pitchFamily="2" charset="-122"/>
+                <a:ea typeface="宋体" panose="02010600030101010101" pitchFamily="2" charset="-122"/>
+              </a:rPr>
+              <a:t>）</a:t>
             </a:r>
             <a:r>
               <a:rPr lang="zh-CN" altLang="en-US" b="0" i="0" dirty="0">
@@ -6264,21 +6448,20 @@
                   <a:srgbClr val="000000"/>
                 </a:solidFill>
                 <a:effectLst/>
-                <a:latin typeface="微软雅黑" panose="020B0503020204020204" pitchFamily="34" charset="-122"/>
-                <a:ea typeface="微软雅黑" panose="020B0503020204020204" pitchFamily="34" charset="-122"/>
+                <a:latin typeface="宋体" panose="02010600030101010101" pitchFamily="2" charset="-122"/>
+                <a:ea typeface="宋体" panose="02010600030101010101" pitchFamily="2" charset="-122"/>
               </a:rPr>
-              <a:t>是</a:t>
-            </a:r>
-            <a:r>
-              <a:rPr lang="en-US" altLang="zh-CN" b="0" i="0" dirty="0">
+              <a:t>）来最小化真实图像和</a:t>
+            </a:r>
+            <a:r>
+              <a:rPr lang="zh-CN" altLang="en-US" dirty="0">
                 <a:solidFill>
                   <a:srgbClr val="000000"/>
                 </a:solidFill>
-                <a:effectLst/>
-                <a:latin typeface="微软雅黑" panose="020B0503020204020204" pitchFamily="34" charset="-122"/>
-                <a:ea typeface="微软雅黑" panose="020B0503020204020204" pitchFamily="34" charset="-122"/>
+                <a:latin typeface="宋体" panose="02010600030101010101" pitchFamily="2" charset="-122"/>
+                <a:ea typeface="宋体" panose="02010600030101010101" pitchFamily="2" charset="-122"/>
               </a:rPr>
-              <a:t>DG</a:t>
+              <a:t>生成</a:t>
             </a:r>
             <a:r>
               <a:rPr lang="zh-CN" altLang="en-US" b="0" i="0" dirty="0">
@@ -6286,107 +6469,22 @@
                   <a:srgbClr val="000000"/>
                 </a:solidFill>
                 <a:effectLst/>
-                <a:latin typeface="微软雅黑" panose="020B0503020204020204" pitchFamily="34" charset="-122"/>
-                <a:ea typeface="微软雅黑" panose="020B0503020204020204" pitchFamily="34" charset="-122"/>
+                <a:latin typeface="宋体" panose="02010600030101010101" pitchFamily="2" charset="-122"/>
+                <a:ea typeface="宋体" panose="02010600030101010101" pitchFamily="2" charset="-122"/>
               </a:rPr>
-              <a:t>中使用核的经典方法之一。</a:t>
-            </a:r>
-            <a:r>
-              <a:rPr lang="en-US" altLang="zh-CN" b="0" i="0" dirty="0">
-                <a:solidFill>
-                  <a:srgbClr val="000000"/>
-                </a:solidFill>
-                <a:effectLst/>
-                <a:latin typeface="微软雅黑" panose="020B0503020204020204" pitchFamily="34" charset="-122"/>
-                <a:ea typeface="微软雅黑" panose="020B0503020204020204" pitchFamily="34" charset="-122"/>
-              </a:rPr>
-              <a:t>DICA</a:t>
-            </a:r>
-            <a:r>
-              <a:rPr lang="zh-CN" altLang="en-US" b="0" i="0" dirty="0">
-                <a:solidFill>
-                  <a:srgbClr val="000000"/>
-                </a:solidFill>
-                <a:effectLst/>
-                <a:latin typeface="微软雅黑" panose="020B0503020204020204" pitchFamily="34" charset="-122"/>
-                <a:ea typeface="微软雅黑" panose="020B0503020204020204" pitchFamily="34" charset="-122"/>
-              </a:rPr>
-              <a:t>的目标是找到一个特征转换内核</a:t>
-            </a:r>
-            <a:r>
-              <a:rPr lang="en-US" altLang="zh-CN" b="0" i="0" dirty="0">
-                <a:solidFill>
-                  <a:srgbClr val="000000"/>
-                </a:solidFill>
-                <a:effectLst/>
-                <a:latin typeface="微软雅黑" panose="020B0503020204020204" pitchFamily="34" charset="-122"/>
-                <a:ea typeface="微软雅黑" panose="020B0503020204020204" pitchFamily="34" charset="-122"/>
-              </a:rPr>
-              <a:t>k</a:t>
-            </a:r>
-            <a:r>
-              <a:rPr lang="zh-CN" altLang="en-US" b="0" i="0" dirty="0">
-                <a:solidFill>
-                  <a:srgbClr val="000000"/>
-                </a:solidFill>
-                <a:effectLst/>
-                <a:latin typeface="微软雅黑" panose="020B0503020204020204" pitchFamily="34" charset="-122"/>
-                <a:ea typeface="微软雅黑" panose="020B0503020204020204" pitchFamily="34" charset="-122"/>
-              </a:rPr>
-              <a:t>（</a:t>
-            </a:r>
-            <a:r>
-              <a:rPr lang="en-US" altLang="zh-CN" b="0" i="0" dirty="0">
-                <a:solidFill>
-                  <a:srgbClr val="000000"/>
-                </a:solidFill>
-                <a:effectLst/>
-                <a:latin typeface="微软雅黑" panose="020B0503020204020204" pitchFamily="34" charset="-122"/>
-                <a:ea typeface="微软雅黑" panose="020B0503020204020204" pitchFamily="34" charset="-122"/>
-              </a:rPr>
-              <a:t>·</a:t>
-            </a:r>
-            <a:r>
-              <a:rPr lang="zh-CN" altLang="en-US" b="0" i="0" dirty="0">
-                <a:solidFill>
-                  <a:srgbClr val="000000"/>
-                </a:solidFill>
-                <a:effectLst/>
-                <a:latin typeface="微软雅黑" panose="020B0503020204020204" pitchFamily="34" charset="-122"/>
-                <a:ea typeface="微软雅黑" panose="020B0503020204020204" pitchFamily="34" charset="-122"/>
-              </a:rPr>
-              <a:t>；</a:t>
-            </a:r>
-            <a:r>
-              <a:rPr lang="en-US" altLang="zh-CN" b="0" i="0" dirty="0">
-                <a:solidFill>
-                  <a:srgbClr val="000000"/>
-                </a:solidFill>
-                <a:effectLst/>
-                <a:latin typeface="微软雅黑" panose="020B0503020204020204" pitchFamily="34" charset="-122"/>
-                <a:ea typeface="微软雅黑" panose="020B0503020204020204" pitchFamily="34" charset="-122"/>
-              </a:rPr>
-              <a:t>·</a:t>
-            </a:r>
-            <a:r>
-              <a:rPr lang="zh-CN" altLang="en-US" b="0" i="0" dirty="0">
-                <a:solidFill>
-                  <a:srgbClr val="000000"/>
-                </a:solidFill>
-                <a:effectLst/>
-                <a:latin typeface="微软雅黑" panose="020B0503020204020204" pitchFamily="34" charset="-122"/>
-                <a:ea typeface="微软雅黑" panose="020B0503020204020204" pitchFamily="34" charset="-122"/>
-              </a:rPr>
-              <a:t>），使特征空间中所有数据之间的分布差异最小化。</a:t>
-            </a:r>
-            <a:endParaRPr lang="zh-CN" altLang="en-US" dirty="0"/>
+              <a:t>图像之间的分布差异，以帮助学习域间的通用表示。</a:t>
+            </a:r>
+            <a:endParaRPr lang="zh-CN" altLang="en-US" dirty="0">
+              <a:latin typeface="宋体" panose="02010600030101010101" pitchFamily="2" charset="-122"/>
+              <a:ea typeface="宋体" panose="02010600030101010101" pitchFamily="2" charset="-122"/>
+            </a:endParaRPr>
           </a:p>
         </p:txBody>
       </p:sp>
     </p:spTree>
     <p:extLst>
       <p:ext uri="{BB962C8B-B14F-4D97-AF65-F5344CB8AC3E}">
-        <p14:creationId xmlns:p14="http://schemas.microsoft.com/office/powerpoint/2010/main" val="1072229439"/>
+        <p14:creationId xmlns:p14="http://schemas.microsoft.com/office/powerpoint/2010/main" val="3493924505"/>
       </p:ext>
     </p:extLst>
   </p:cSld>
@@ -6610,10 +6708,10 @@
       </p:sp>
       <p:sp>
         <p:nvSpPr>
-          <p:cNvPr id="3" name="文本框 2">
+          <p:cNvPr id="4" name="文本框 3">
             <a:extLst>
               <a:ext uri="{FF2B5EF4-FFF2-40B4-BE49-F238E27FC236}">
-                <a16:creationId xmlns:a16="http://schemas.microsoft.com/office/drawing/2014/main" id="{46A03C8F-448C-92D8-F22F-28CE8C9873B3}"/>
+                <a16:creationId xmlns:a16="http://schemas.microsoft.com/office/drawing/2014/main" id="{A6A6B42E-BC9C-2F77-DF10-8D3C4ABF438B}"/>
               </a:ext>
             </a:extLst>
           </p:cNvPr>
@@ -6622,8 +6720,8 @@
         </p:nvSpPr>
         <p:spPr>
           <a:xfrm>
-            <a:off x="3722945" y="2676343"/>
-            <a:ext cx="4190305" cy="1015663"/>
+            <a:off x="1470660" y="2121515"/>
+            <a:ext cx="6096000" cy="923330"/>
           </a:xfrm>
           <a:prstGeom prst="rect">
             <a:avLst/>
@@ -6631,30 +6729,184 @@
           <a:noFill/>
         </p:spPr>
         <p:txBody>
-          <a:bodyPr wrap="square" rtlCol="0">
+          <a:bodyPr wrap="square">
             <a:spAutoFit/>
           </a:bodyPr>
           <a:lstStyle/>
           <a:p>
             <a:r>
-              <a:rPr lang="zh-CN" altLang="en-US" sz="6000" dirty="0"/>
-              <a:t>三</a:t>
-            </a:r>
-            <a:r>
-              <a:rPr lang="en-US" altLang="zh-CN" sz="6000" dirty="0"/>
-              <a:t>.</a:t>
-            </a:r>
-            <a:r>
-              <a:rPr lang="zh-CN" altLang="en-US" sz="6000" dirty="0"/>
-              <a:t>研究内容</a:t>
-            </a:r>
+              <a:rPr lang="zh-CN" altLang="en-US" b="0" i="0" dirty="0">
+                <a:solidFill>
+                  <a:srgbClr val="000000"/>
+                </a:solidFill>
+                <a:effectLst/>
+                <a:latin typeface="微软雅黑" panose="020B0503020204020204" pitchFamily="34" charset="-122"/>
+                <a:ea typeface="微软雅黑" panose="020B0503020204020204" pitchFamily="34" charset="-122"/>
+              </a:rPr>
+              <a:t>域不变分量分析（</a:t>
+            </a:r>
+            <a:r>
+              <a:rPr lang="en-US" altLang="zh-CN" b="0" i="0" dirty="0">
+                <a:solidFill>
+                  <a:srgbClr val="000000"/>
+                </a:solidFill>
+                <a:effectLst/>
+                <a:latin typeface="微软雅黑" panose="020B0503020204020204" pitchFamily="34" charset="-122"/>
+                <a:ea typeface="微软雅黑" panose="020B0503020204020204" pitchFamily="34" charset="-122"/>
+              </a:rPr>
+              <a:t>DICA</a:t>
+            </a:r>
+            <a:r>
+              <a:rPr lang="zh-CN" altLang="en-US" b="0" i="0" dirty="0">
+                <a:solidFill>
+                  <a:srgbClr val="000000"/>
+                </a:solidFill>
+                <a:effectLst/>
+                <a:latin typeface="微软雅黑" panose="020B0503020204020204" pitchFamily="34" charset="-122"/>
+                <a:ea typeface="微软雅黑" panose="020B0503020204020204" pitchFamily="34" charset="-122"/>
+              </a:rPr>
+              <a:t>）</a:t>
+            </a:r>
+            <a:r>
+              <a:rPr lang="en-US" altLang="zh-CN" b="0" i="0" dirty="0">
+                <a:solidFill>
+                  <a:srgbClr val="000000"/>
+                </a:solidFill>
+                <a:effectLst/>
+                <a:latin typeface="微软雅黑" panose="020B0503020204020204" pitchFamily="34" charset="-122"/>
+                <a:ea typeface="微软雅黑" panose="020B0503020204020204" pitchFamily="34" charset="-122"/>
+              </a:rPr>
+              <a:t>[27]</a:t>
+            </a:r>
+            <a:r>
+              <a:rPr lang="zh-CN" altLang="en-US" b="0" i="0" dirty="0">
+                <a:solidFill>
+                  <a:srgbClr val="000000"/>
+                </a:solidFill>
+                <a:effectLst/>
+                <a:latin typeface="微软雅黑" panose="020B0503020204020204" pitchFamily="34" charset="-122"/>
+                <a:ea typeface="微软雅黑" panose="020B0503020204020204" pitchFamily="34" charset="-122"/>
+              </a:rPr>
+              <a:t>是</a:t>
+            </a:r>
+            <a:r>
+              <a:rPr lang="en-US" altLang="zh-CN" b="0" i="0" dirty="0">
+                <a:solidFill>
+                  <a:srgbClr val="000000"/>
+                </a:solidFill>
+                <a:effectLst/>
+                <a:latin typeface="微软雅黑" panose="020B0503020204020204" pitchFamily="34" charset="-122"/>
+                <a:ea typeface="微软雅黑" panose="020B0503020204020204" pitchFamily="34" charset="-122"/>
+              </a:rPr>
+              <a:t>DG</a:t>
+            </a:r>
+            <a:r>
+              <a:rPr lang="zh-CN" altLang="en-US" b="0" i="0" dirty="0">
+                <a:solidFill>
+                  <a:srgbClr val="000000"/>
+                </a:solidFill>
+                <a:effectLst/>
+                <a:latin typeface="微软雅黑" panose="020B0503020204020204" pitchFamily="34" charset="-122"/>
+                <a:ea typeface="微软雅黑" panose="020B0503020204020204" pitchFamily="34" charset="-122"/>
+              </a:rPr>
+              <a:t>中使用核的经典方法之一。</a:t>
+            </a:r>
+            <a:r>
+              <a:rPr lang="en-US" altLang="zh-CN" b="0" i="0" dirty="0">
+                <a:solidFill>
+                  <a:srgbClr val="000000"/>
+                </a:solidFill>
+                <a:effectLst/>
+                <a:latin typeface="微软雅黑" panose="020B0503020204020204" pitchFamily="34" charset="-122"/>
+                <a:ea typeface="微软雅黑" panose="020B0503020204020204" pitchFamily="34" charset="-122"/>
+              </a:rPr>
+              <a:t>DICA</a:t>
+            </a:r>
+            <a:r>
+              <a:rPr lang="zh-CN" altLang="en-US" b="0" i="0" dirty="0">
+                <a:solidFill>
+                  <a:srgbClr val="000000"/>
+                </a:solidFill>
+                <a:effectLst/>
+                <a:latin typeface="微软雅黑" panose="020B0503020204020204" pitchFamily="34" charset="-122"/>
+                <a:ea typeface="微软雅黑" panose="020B0503020204020204" pitchFamily="34" charset="-122"/>
+              </a:rPr>
+              <a:t>的目标是找到一个特征转换内核</a:t>
+            </a:r>
+            <a:r>
+              <a:rPr lang="en-US" altLang="zh-CN" b="0" i="0" dirty="0">
+                <a:solidFill>
+                  <a:srgbClr val="000000"/>
+                </a:solidFill>
+                <a:effectLst/>
+                <a:latin typeface="微软雅黑" panose="020B0503020204020204" pitchFamily="34" charset="-122"/>
+                <a:ea typeface="微软雅黑" panose="020B0503020204020204" pitchFamily="34" charset="-122"/>
+              </a:rPr>
+              <a:t>k</a:t>
+            </a:r>
+            <a:r>
+              <a:rPr lang="zh-CN" altLang="en-US" b="0" i="0" dirty="0">
+                <a:solidFill>
+                  <a:srgbClr val="000000"/>
+                </a:solidFill>
+                <a:effectLst/>
+                <a:latin typeface="微软雅黑" panose="020B0503020204020204" pitchFamily="34" charset="-122"/>
+                <a:ea typeface="微软雅黑" panose="020B0503020204020204" pitchFamily="34" charset="-122"/>
+              </a:rPr>
+              <a:t>（</a:t>
+            </a:r>
+            <a:r>
+              <a:rPr lang="en-US" altLang="zh-CN" b="0" i="0" dirty="0">
+                <a:solidFill>
+                  <a:srgbClr val="000000"/>
+                </a:solidFill>
+                <a:effectLst/>
+                <a:latin typeface="微软雅黑" panose="020B0503020204020204" pitchFamily="34" charset="-122"/>
+                <a:ea typeface="微软雅黑" panose="020B0503020204020204" pitchFamily="34" charset="-122"/>
+              </a:rPr>
+              <a:t>·</a:t>
+            </a:r>
+            <a:r>
+              <a:rPr lang="zh-CN" altLang="en-US" b="0" i="0" dirty="0">
+                <a:solidFill>
+                  <a:srgbClr val="000000"/>
+                </a:solidFill>
+                <a:effectLst/>
+                <a:latin typeface="微软雅黑" panose="020B0503020204020204" pitchFamily="34" charset="-122"/>
+                <a:ea typeface="微软雅黑" panose="020B0503020204020204" pitchFamily="34" charset="-122"/>
+              </a:rPr>
+              <a:t>；</a:t>
+            </a:r>
+            <a:r>
+              <a:rPr lang="en-US" altLang="zh-CN" b="0" i="0" dirty="0">
+                <a:solidFill>
+                  <a:srgbClr val="000000"/>
+                </a:solidFill>
+                <a:effectLst/>
+                <a:latin typeface="微软雅黑" panose="020B0503020204020204" pitchFamily="34" charset="-122"/>
+                <a:ea typeface="微软雅黑" panose="020B0503020204020204" pitchFamily="34" charset="-122"/>
+              </a:rPr>
+              <a:t>·</a:t>
+            </a:r>
+            <a:r>
+              <a:rPr lang="zh-CN" altLang="en-US" b="0" i="0" dirty="0">
+                <a:solidFill>
+                  <a:srgbClr val="000000"/>
+                </a:solidFill>
+                <a:effectLst/>
+                <a:latin typeface="微软雅黑" panose="020B0503020204020204" pitchFamily="34" charset="-122"/>
+                <a:ea typeface="微软雅黑" panose="020B0503020204020204" pitchFamily="34" charset="-122"/>
+              </a:rPr>
+              <a:t>），使特征空间中所有数据之间的分布差异最小化。</a:t>
+            </a:r>
+            <a:endParaRPr lang="zh-CN" altLang="en-US" dirty="0"/>
           </a:p>
         </p:txBody>
       </p:sp>
     </p:spTree>
     <p:extLst>
       <p:ext uri="{BB962C8B-B14F-4D97-AF65-F5344CB8AC3E}">
-        <p14:creationId xmlns:p14="http://schemas.microsoft.com/office/powerpoint/2010/main" val="2126234544"/>
+        <p14:creationId xmlns:p14="http://schemas.microsoft.com/office/powerpoint/2010/main" val="1072229439"/>
       </p:ext>
     </p:extLst>
   </p:cSld>
@@ -6881,7 +7133,7 @@
           <p:cNvPr id="3" name="文本框 2">
             <a:extLst>
               <a:ext uri="{FF2B5EF4-FFF2-40B4-BE49-F238E27FC236}">
-                <a16:creationId xmlns:a16="http://schemas.microsoft.com/office/drawing/2014/main" id="{5B3DE060-B3B0-3AAA-6B12-18C2F2B6C37A}"/>
+                <a16:creationId xmlns:a16="http://schemas.microsoft.com/office/drawing/2014/main" id="{46A03C8F-448C-92D8-F22F-28CE8C9873B3}"/>
               </a:ext>
             </a:extLst>
           </p:cNvPr>
@@ -6890,8 +7142,8 @@
         </p:nvSpPr>
         <p:spPr>
           <a:xfrm>
-            <a:off x="1187449" y="1681843"/>
-            <a:ext cx="6895193" cy="2308324"/>
+            <a:off x="3722945" y="2676343"/>
+            <a:ext cx="4190305" cy="1015663"/>
           </a:xfrm>
           <a:prstGeom prst="rect">
             <a:avLst/>
@@ -6905,45 +7157,16 @@
           <a:lstStyle/>
           <a:p>
             <a:r>
-              <a:rPr lang="en-US" altLang="zh-CN" sz="2400" dirty="0"/>
-              <a:t>1.</a:t>
-            </a:r>
-            <a:r>
-              <a:rPr lang="zh-CN" altLang="en-US" sz="2400" dirty="0"/>
-              <a:t>基于改变图像分布的</a:t>
-            </a:r>
-            <a:r>
-              <a:rPr lang="en-US" altLang="zh-CN" sz="2400" dirty="0"/>
-              <a:t>CT-MR</a:t>
-            </a:r>
-            <a:r>
-              <a:rPr lang="zh-CN" altLang="en-US" sz="2400" dirty="0"/>
-              <a:t>域泛化方法</a:t>
-            </a:r>
-            <a:endParaRPr lang="en-US" altLang="zh-CN" sz="2400" dirty="0"/>
-          </a:p>
-          <a:p>
-            <a:r>
-              <a:rPr lang="zh-CN" altLang="en-US" sz="2400" dirty="0"/>
-              <a:t>数据增强作为数据操控方法的一种，能够以低成本简单地提升模型的泛化能力</a:t>
-            </a:r>
-            <a:endParaRPr lang="en-US" altLang="zh-CN" sz="2400" dirty="0"/>
-          </a:p>
-          <a:p>
-            <a:r>
-              <a:rPr lang="en-US" altLang="zh-CN" sz="2400" dirty="0"/>
-              <a:t>2.</a:t>
-            </a:r>
-            <a:r>
-              <a:rPr lang="zh-CN" altLang="en-US" sz="2400" dirty="0"/>
-              <a:t>基于特征解耦的域不变表征域泛化方法</a:t>
-            </a:r>
-            <a:endParaRPr lang="en-US" altLang="zh-CN" sz="2400" dirty="0"/>
-          </a:p>
-          <a:p>
-            <a:r>
-              <a:rPr lang="zh-CN" altLang="en-US" sz="2400" dirty="0"/>
-              <a:t>域不变表征作为不同域间的共有特征，能够为模型带来优秀的泛化能力。</a:t>
+              <a:rPr lang="zh-CN" altLang="en-US" sz="6000" dirty="0"/>
+              <a:t>三</a:t>
+            </a:r>
+            <a:r>
+              <a:rPr lang="en-US" altLang="zh-CN" sz="6000" dirty="0"/>
+              <a:t>.</a:t>
+            </a:r>
+            <a:r>
+              <a:rPr lang="zh-CN" altLang="en-US" sz="6000" dirty="0"/>
+              <a:t>研究内容</a:t>
             </a:r>
           </a:p>
         </p:txBody>
@@ -6951,7 +7174,7 @@
     </p:spTree>
     <p:extLst>
       <p:ext uri="{BB962C8B-B14F-4D97-AF65-F5344CB8AC3E}">
-        <p14:creationId xmlns:p14="http://schemas.microsoft.com/office/powerpoint/2010/main" val="2251399044"/>
+        <p14:creationId xmlns:p14="http://schemas.microsoft.com/office/powerpoint/2010/main" val="2126234544"/>
       </p:ext>
     </p:extLst>
   </p:cSld>
@@ -7178,7 +7401,7 @@
           <p:cNvPr id="3" name="文本框 2">
             <a:extLst>
               <a:ext uri="{FF2B5EF4-FFF2-40B4-BE49-F238E27FC236}">
-                <a16:creationId xmlns:a16="http://schemas.microsoft.com/office/drawing/2014/main" id="{46A03C8F-448C-92D8-F22F-28CE8C9873B3}"/>
+                <a16:creationId xmlns:a16="http://schemas.microsoft.com/office/drawing/2014/main" id="{5B3DE060-B3B0-3AAA-6B12-18C2F2B6C37A}"/>
               </a:ext>
             </a:extLst>
           </p:cNvPr>
@@ -7187,8 +7410,8 @@
         </p:nvSpPr>
         <p:spPr>
           <a:xfrm>
-            <a:off x="3722945" y="2676343"/>
-            <a:ext cx="4190305" cy="1015663"/>
+            <a:off x="1187449" y="1681843"/>
+            <a:ext cx="6895193" cy="2308324"/>
           </a:xfrm>
           <a:prstGeom prst="rect">
             <a:avLst/>
@@ -7202,16 +7425,45 @@
           <a:lstStyle/>
           <a:p>
             <a:r>
-              <a:rPr lang="zh-CN" altLang="en-US" sz="6000" dirty="0"/>
-              <a:t>四</a:t>
-            </a:r>
-            <a:r>
-              <a:rPr lang="en-US" altLang="zh-CN" sz="6000" dirty="0"/>
-              <a:t>.</a:t>
-            </a:r>
-            <a:r>
-              <a:rPr lang="zh-CN" altLang="en-US" sz="6000" dirty="0"/>
-              <a:t>研究方案</a:t>
+              <a:rPr lang="en-US" altLang="zh-CN" sz="2400" dirty="0"/>
+              <a:t>1.</a:t>
+            </a:r>
+            <a:r>
+              <a:rPr lang="zh-CN" altLang="en-US" sz="2400" dirty="0"/>
+              <a:t>基于改变图像分布的</a:t>
+            </a:r>
+            <a:r>
+              <a:rPr lang="en-US" altLang="zh-CN" sz="2400" dirty="0"/>
+              <a:t>CT-MR</a:t>
+            </a:r>
+            <a:r>
+              <a:rPr lang="zh-CN" altLang="en-US" sz="2400" dirty="0"/>
+              <a:t>域泛化方法</a:t>
+            </a:r>
+            <a:endParaRPr lang="en-US" altLang="zh-CN" sz="2400" dirty="0"/>
+          </a:p>
+          <a:p>
+            <a:r>
+              <a:rPr lang="zh-CN" altLang="en-US" sz="2400" dirty="0"/>
+              <a:t>数据增强作为数据操控方法的一种，能够以低成本简单地提升模型的泛化能力</a:t>
+            </a:r>
+            <a:endParaRPr lang="en-US" altLang="zh-CN" sz="2400" dirty="0"/>
+          </a:p>
+          <a:p>
+            <a:r>
+              <a:rPr lang="en-US" altLang="zh-CN" sz="2400" dirty="0"/>
+              <a:t>2.</a:t>
+            </a:r>
+            <a:r>
+              <a:rPr lang="zh-CN" altLang="en-US" sz="2400" dirty="0"/>
+              <a:t>基于特征解耦的域不变表征域泛化方法</a:t>
+            </a:r>
+            <a:endParaRPr lang="en-US" altLang="zh-CN" sz="2400" dirty="0"/>
+          </a:p>
+          <a:p>
+            <a:r>
+              <a:rPr lang="zh-CN" altLang="en-US" sz="2400" dirty="0"/>
+              <a:t>域不变表征作为不同域间的共有特征，能够为模型带来优秀的泛化能力。</a:t>
             </a:r>
           </a:p>
         </p:txBody>
@@ -7219,7 +7471,7 @@
     </p:spTree>
     <p:extLst>
       <p:ext uri="{BB962C8B-B14F-4D97-AF65-F5344CB8AC3E}">
-        <p14:creationId xmlns:p14="http://schemas.microsoft.com/office/powerpoint/2010/main" val="3129741097"/>
+        <p14:creationId xmlns:p14="http://schemas.microsoft.com/office/powerpoint/2010/main" val="2251399044"/>
       </p:ext>
     </p:extLst>
   </p:cSld>
@@ -7446,7 +7698,7 @@
           <p:cNvPr id="3" name="文本框 2">
             <a:extLst>
               <a:ext uri="{FF2B5EF4-FFF2-40B4-BE49-F238E27FC236}">
-                <a16:creationId xmlns:a16="http://schemas.microsoft.com/office/drawing/2014/main" id="{BFC19487-13AF-1DC8-215F-3EEBFF1FB39E}"/>
+                <a16:creationId xmlns:a16="http://schemas.microsoft.com/office/drawing/2014/main" id="{46A03C8F-448C-92D8-F22F-28CE8C9873B3}"/>
               </a:ext>
             </a:extLst>
           </p:cNvPr>
@@ -7455,8 +7707,8 @@
         </p:nvSpPr>
         <p:spPr>
           <a:xfrm>
-            <a:off x="1111828" y="1127464"/>
-            <a:ext cx="1507085" cy="646331"/>
+            <a:off x="3722945" y="2676343"/>
+            <a:ext cx="4190305" cy="1015663"/>
           </a:xfrm>
           <a:prstGeom prst="rect">
             <a:avLst/>
@@ -7470,19 +7722,24 @@
           <a:lstStyle/>
           <a:p>
             <a:r>
-              <a:rPr lang="en-US" altLang="zh-CN" dirty="0"/>
-              <a:t>Step 1</a:t>
-            </a:r>
-          </a:p>
-          <a:p>
-            <a:endParaRPr lang="zh-CN" altLang="en-US" dirty="0"/>
+              <a:rPr lang="zh-CN" altLang="en-US" sz="6000" dirty="0"/>
+              <a:t>四</a:t>
+            </a:r>
+            <a:r>
+              <a:rPr lang="en-US" altLang="zh-CN" sz="6000" dirty="0"/>
+              <a:t>.</a:t>
+            </a:r>
+            <a:r>
+              <a:rPr lang="zh-CN" altLang="en-US" sz="6000" dirty="0"/>
+              <a:t>研究方案</a:t>
+            </a:r>
           </a:p>
         </p:txBody>
       </p:sp>
     </p:spTree>
     <p:extLst>
       <p:ext uri="{BB962C8B-B14F-4D97-AF65-F5344CB8AC3E}">
-        <p14:creationId xmlns:p14="http://schemas.microsoft.com/office/powerpoint/2010/main" val="1387876701"/>
+        <p14:creationId xmlns:p14="http://schemas.microsoft.com/office/powerpoint/2010/main" val="3129741097"/>
       </p:ext>
     </p:extLst>
   </p:cSld>
@@ -7704,40 +7961,48 @@
           </a:p>
         </p:txBody>
       </p:sp>
-      <p:pic>
-        <p:nvPicPr>
-          <p:cNvPr id="6" name="图片 5">
+      <p:sp>
+        <p:nvSpPr>
+          <p:cNvPr id="3" name="文本框 2">
             <a:extLst>
               <a:ext uri="{FF2B5EF4-FFF2-40B4-BE49-F238E27FC236}">
-                <a16:creationId xmlns:a16="http://schemas.microsoft.com/office/drawing/2014/main" id="{A03AB2CD-39DE-2BE9-BB11-64CE9CF378FB}"/>
+                <a16:creationId xmlns:a16="http://schemas.microsoft.com/office/drawing/2014/main" id="{BFC19487-13AF-1DC8-215F-3EEBFF1FB39E}"/>
               </a:ext>
             </a:extLst>
           </p:cNvPr>
-          <p:cNvPicPr>
-            <a:picLocks noChangeAspect="1"/>
-          </p:cNvPicPr>
+          <p:cNvSpPr txBox="1"/>
           <p:nvPr/>
-        </p:nvPicPr>
-        <p:blipFill>
-          <a:blip r:embed="rId4"/>
-          <a:stretch>
-            <a:fillRect/>
-          </a:stretch>
-        </p:blipFill>
+        </p:nvSpPr>
         <p:spPr>
           <a:xfrm>
-            <a:off x="859100" y="1777365"/>
-            <a:ext cx="9639300" cy="4638675"/>
+            <a:off x="1111828" y="1127464"/>
+            <a:ext cx="1507085" cy="646331"/>
           </a:xfrm>
           <a:prstGeom prst="rect">
             <a:avLst/>
           </a:prstGeom>
+          <a:noFill/>
         </p:spPr>
-      </p:pic>
+        <p:txBody>
+          <a:bodyPr wrap="square" rtlCol="0">
+            <a:spAutoFit/>
+          </a:bodyPr>
+          <a:lstStyle/>
+          <a:p>
+            <a:r>
+              <a:rPr lang="en-US" altLang="zh-CN" dirty="0"/>
+              <a:t>Step 1</a:t>
+            </a:r>
+          </a:p>
+          <a:p>
+            <a:endParaRPr lang="zh-CN" altLang="en-US" dirty="0"/>
+          </a:p>
+        </p:txBody>
+      </p:sp>
     </p:spTree>
     <p:extLst>
       <p:ext uri="{BB962C8B-B14F-4D97-AF65-F5344CB8AC3E}">
-        <p14:creationId xmlns:p14="http://schemas.microsoft.com/office/powerpoint/2010/main" val="3559660908"/>
+        <p14:creationId xmlns:p14="http://schemas.microsoft.com/office/powerpoint/2010/main" val="1387876701"/>
       </p:ext>
     </p:extLst>
   </p:cSld>
@@ -8365,10 +8630,10 @@
       </p:sp>
       <p:pic>
         <p:nvPicPr>
-          <p:cNvPr id="4" name="图片 3">
+          <p:cNvPr id="6" name="图片 5">
             <a:extLst>
               <a:ext uri="{FF2B5EF4-FFF2-40B4-BE49-F238E27FC236}">
-                <a16:creationId xmlns:a16="http://schemas.microsoft.com/office/drawing/2014/main" id="{AAE815BC-8F3C-0795-3958-9312BC841939}"/>
+                <a16:creationId xmlns:a16="http://schemas.microsoft.com/office/drawing/2014/main" id="{A03AB2CD-39DE-2BE9-BB11-64CE9CF378FB}"/>
               </a:ext>
             </a:extLst>
           </p:cNvPr>
@@ -8385,8 +8650,8 @@
         </p:blipFill>
         <p:spPr>
           <a:xfrm>
-            <a:off x="1514290" y="1281984"/>
-            <a:ext cx="8267468" cy="5371876"/>
+            <a:off x="859100" y="1777365"/>
+            <a:ext cx="9639300" cy="4638675"/>
           </a:xfrm>
           <a:prstGeom prst="rect">
             <a:avLst/>
@@ -8396,7 +8661,7 @@
     </p:spTree>
     <p:extLst>
       <p:ext uri="{BB962C8B-B14F-4D97-AF65-F5344CB8AC3E}">
-        <p14:creationId xmlns:p14="http://schemas.microsoft.com/office/powerpoint/2010/main" val="1785507750"/>
+        <p14:creationId xmlns:p14="http://schemas.microsoft.com/office/powerpoint/2010/main" val="3559660908"/>
       </p:ext>
     </p:extLst>
   </p:cSld>
@@ -8618,10 +8883,40 @@
           </a:p>
         </p:txBody>
       </p:sp>
+      <p:pic>
+        <p:nvPicPr>
+          <p:cNvPr id="4" name="图片 3">
+            <a:extLst>
+              <a:ext uri="{FF2B5EF4-FFF2-40B4-BE49-F238E27FC236}">
+                <a16:creationId xmlns:a16="http://schemas.microsoft.com/office/drawing/2014/main" id="{AAE815BC-8F3C-0795-3958-9312BC841939}"/>
+              </a:ext>
+            </a:extLst>
+          </p:cNvPr>
+          <p:cNvPicPr>
+            <a:picLocks noChangeAspect="1"/>
+          </p:cNvPicPr>
+          <p:nvPr/>
+        </p:nvPicPr>
+        <p:blipFill>
+          <a:blip r:embed="rId4"/>
+          <a:stretch>
+            <a:fillRect/>
+          </a:stretch>
+        </p:blipFill>
+        <p:spPr>
+          <a:xfrm>
+            <a:off x="1187450" y="973225"/>
+            <a:ext cx="8592306" cy="5582943"/>
+          </a:xfrm>
+          <a:prstGeom prst="rect">
+            <a:avLst/>
+          </a:prstGeom>
+        </p:spPr>
+      </p:pic>
     </p:spTree>
     <p:extLst>
       <p:ext uri="{BB962C8B-B14F-4D97-AF65-F5344CB8AC3E}">
-        <p14:creationId xmlns:p14="http://schemas.microsoft.com/office/powerpoint/2010/main" val="3016937079"/>
+        <p14:creationId xmlns:p14="http://schemas.microsoft.com/office/powerpoint/2010/main" val="1785507750"/>
       </p:ext>
     </p:extLst>
   </p:cSld>
@@ -8843,53 +9138,10 @@
           </a:p>
         </p:txBody>
       </p:sp>
-      <p:sp>
-        <p:nvSpPr>
-          <p:cNvPr id="3" name="文本框 2">
-            <a:extLst>
-              <a:ext uri="{FF2B5EF4-FFF2-40B4-BE49-F238E27FC236}">
-                <a16:creationId xmlns:a16="http://schemas.microsoft.com/office/drawing/2014/main" id="{7A89C5BB-524A-1E92-BABC-CE71AD52ABF3}"/>
-              </a:ext>
-            </a:extLst>
-          </p:cNvPr>
-          <p:cNvSpPr txBox="1"/>
-          <p:nvPr/>
-        </p:nvSpPr>
-        <p:spPr>
-          <a:xfrm>
-            <a:off x="3722945" y="2676343"/>
-            <a:ext cx="4190305" cy="1015663"/>
-          </a:xfrm>
-          <a:prstGeom prst="rect">
-            <a:avLst/>
-          </a:prstGeom>
-          <a:noFill/>
-        </p:spPr>
-        <p:txBody>
-          <a:bodyPr wrap="square" rtlCol="0">
-            <a:spAutoFit/>
-          </a:bodyPr>
-          <a:lstStyle/>
-          <a:p>
-            <a:r>
-              <a:rPr lang="zh-CN" altLang="en-US" sz="6000" dirty="0"/>
-              <a:t>五</a:t>
-            </a:r>
-            <a:r>
-              <a:rPr lang="en-US" altLang="zh-CN" sz="6000" dirty="0"/>
-              <a:t>.</a:t>
-            </a:r>
-            <a:r>
-              <a:rPr lang="zh-CN" altLang="en-US" sz="6000" dirty="0"/>
-              <a:t>前期工作</a:t>
-            </a:r>
-          </a:p>
-        </p:txBody>
-      </p:sp>
     </p:spTree>
     <p:extLst>
       <p:ext uri="{BB962C8B-B14F-4D97-AF65-F5344CB8AC3E}">
-        <p14:creationId xmlns:p14="http://schemas.microsoft.com/office/powerpoint/2010/main" val="651314330"/>
+        <p14:creationId xmlns:p14="http://schemas.microsoft.com/office/powerpoint/2010/main" val="3016937079"/>
       </p:ext>
     </p:extLst>
   </p:cSld>
@@ -9113,6 +9365,274 @@
       </p:sp>
       <p:sp>
         <p:nvSpPr>
+          <p:cNvPr id="3" name="文本框 2">
+            <a:extLst>
+              <a:ext uri="{FF2B5EF4-FFF2-40B4-BE49-F238E27FC236}">
+                <a16:creationId xmlns:a16="http://schemas.microsoft.com/office/drawing/2014/main" id="{7A89C5BB-524A-1E92-BABC-CE71AD52ABF3}"/>
+              </a:ext>
+            </a:extLst>
+          </p:cNvPr>
+          <p:cNvSpPr txBox="1"/>
+          <p:nvPr/>
+        </p:nvSpPr>
+        <p:spPr>
+          <a:xfrm>
+            <a:off x="3722945" y="2676343"/>
+            <a:ext cx="4190305" cy="1015663"/>
+          </a:xfrm>
+          <a:prstGeom prst="rect">
+            <a:avLst/>
+          </a:prstGeom>
+          <a:noFill/>
+        </p:spPr>
+        <p:txBody>
+          <a:bodyPr wrap="square" rtlCol="0">
+            <a:spAutoFit/>
+          </a:bodyPr>
+          <a:lstStyle/>
+          <a:p>
+            <a:r>
+              <a:rPr lang="zh-CN" altLang="en-US" sz="6000" dirty="0"/>
+              <a:t>五</a:t>
+            </a:r>
+            <a:r>
+              <a:rPr lang="en-US" altLang="zh-CN" sz="6000" dirty="0"/>
+              <a:t>.</a:t>
+            </a:r>
+            <a:r>
+              <a:rPr lang="zh-CN" altLang="en-US" sz="6000" dirty="0"/>
+              <a:t>前期工作</a:t>
+            </a:r>
+          </a:p>
+        </p:txBody>
+      </p:sp>
+    </p:spTree>
+    <p:extLst>
+      <p:ext uri="{BB962C8B-B14F-4D97-AF65-F5344CB8AC3E}">
+        <p14:creationId xmlns:p14="http://schemas.microsoft.com/office/powerpoint/2010/main" val="651314330"/>
+      </p:ext>
+    </p:extLst>
+  </p:cSld>
+  <p:clrMapOvr>
+    <a:masterClrMapping/>
+  </p:clrMapOvr>
+</p:sld>
+</file>
+
+<file path=ppt/slides/slide24.xml><?xml version="1.0" encoding="utf-8"?>
+<p:sld xmlns:a="http://schemas.openxmlformats.org/drawingml/2006/main" xmlns:r="http://schemas.openxmlformats.org/officeDocument/2006/relationships" xmlns:p="http://schemas.openxmlformats.org/presentationml/2006/main">
+  <p:cSld>
+    <p:spTree>
+      <p:nvGrpSpPr>
+        <p:cNvPr id="1" name=""/>
+        <p:cNvGrpSpPr/>
+        <p:nvPr/>
+      </p:nvGrpSpPr>
+      <p:grpSpPr>
+        <a:xfrm>
+          <a:off x="0" y="0"/>
+          <a:ext cx="0" cy="0"/>
+          <a:chOff x="0" y="0"/>
+          <a:chExt cx="0" cy="0"/>
+        </a:xfrm>
+      </p:grpSpPr>
+      <p:cxnSp>
+        <p:nvCxnSpPr>
+          <p:cNvPr id="7" name="直接连接符 6"/>
+          <p:cNvCxnSpPr/>
+          <p:nvPr/>
+        </p:nvCxnSpPr>
+        <p:spPr>
+          <a:xfrm>
+            <a:off x="367840" y="809674"/>
+            <a:ext cx="11488800" cy="0"/>
+          </a:xfrm>
+          <a:prstGeom prst="line">
+            <a:avLst/>
+          </a:prstGeom>
+          <a:ln w="9525">
+            <a:solidFill>
+              <a:srgbClr val="024282"/>
+            </a:solidFill>
+          </a:ln>
+        </p:spPr>
+        <p:style>
+          <a:lnRef idx="1">
+            <a:schemeClr val="accent1"/>
+          </a:lnRef>
+          <a:fillRef idx="0">
+            <a:schemeClr val="accent1"/>
+          </a:fillRef>
+          <a:effectRef idx="0">
+            <a:schemeClr val="accent1"/>
+          </a:effectRef>
+          <a:fontRef idx="minor">
+            <a:schemeClr val="tx1"/>
+          </a:fontRef>
+        </p:style>
+      </p:cxnSp>
+      <p:grpSp>
+        <p:nvGrpSpPr>
+          <p:cNvPr id="43" name="组合 42"/>
+          <p:cNvGrpSpPr/>
+          <p:nvPr/>
+        </p:nvGrpSpPr>
+        <p:grpSpPr>
+          <a:xfrm>
+            <a:off x="9456920" y="74604"/>
+            <a:ext cx="2489626" cy="672240"/>
+            <a:chOff x="4638341" y="609261"/>
+            <a:chExt cx="5755951" cy="1554197"/>
+          </a:xfrm>
+        </p:grpSpPr>
+        <p:pic>
+          <p:nvPicPr>
+            <p:cNvPr id="45" name="图片 44"/>
+            <p:cNvPicPr>
+              <a:picLocks noChangeAspect="1"/>
+            </p:cNvPicPr>
+            <p:nvPr/>
+          </p:nvPicPr>
+          <p:blipFill>
+            <a:blip r:embed="rId2" cstate="print">
+              <a:extLst>
+                <a:ext uri="{28A0092B-C50C-407E-A947-70E740481C1C}">
+                  <a14:useLocalDpi xmlns:a14="http://schemas.microsoft.com/office/drawing/2010/main" val="0"/>
+                </a:ext>
+              </a:extLst>
+            </a:blip>
+            <a:srcRect/>
+            <a:stretch>
+              <a:fillRect/>
+            </a:stretch>
+          </p:blipFill>
+          <p:spPr>
+            <a:xfrm>
+              <a:off x="4638341" y="609261"/>
+              <a:ext cx="1502034" cy="1502030"/>
+            </a:xfrm>
+            <a:prstGeom prst="rect">
+              <a:avLst/>
+            </a:prstGeom>
+          </p:spPr>
+        </p:pic>
+        <p:pic>
+          <p:nvPicPr>
+            <p:cNvPr id="46" name="图片 45"/>
+            <p:cNvPicPr>
+              <a:picLocks noChangeAspect="1"/>
+            </p:cNvPicPr>
+            <p:nvPr/>
+          </p:nvPicPr>
+          <p:blipFill>
+            <a:blip r:embed="rId3" cstate="print">
+              <a:extLst>
+                <a:ext uri="{28A0092B-C50C-407E-A947-70E740481C1C}">
+                  <a14:useLocalDpi xmlns:a14="http://schemas.microsoft.com/office/drawing/2010/main" val="0"/>
+                </a:ext>
+              </a:extLst>
+            </a:blip>
+            <a:srcRect/>
+            <a:stretch>
+              <a:fillRect/>
+            </a:stretch>
+          </p:blipFill>
+          <p:spPr>
+            <a:xfrm>
+              <a:off x="6206343" y="750075"/>
+              <a:ext cx="4060280" cy="983091"/>
+            </a:xfrm>
+            <a:prstGeom prst="rect">
+              <a:avLst/>
+            </a:prstGeom>
+          </p:spPr>
+        </p:pic>
+        <p:sp>
+          <p:nvSpPr>
+            <p:cNvPr id="47" name="矩形 46"/>
+            <p:cNvSpPr/>
+            <p:nvPr/>
+          </p:nvSpPr>
+          <p:spPr>
+            <a:xfrm>
+              <a:off x="6206343" y="1665358"/>
+              <a:ext cx="4187949" cy="498100"/>
+            </a:xfrm>
+            <a:prstGeom prst="rect">
+              <a:avLst/>
+            </a:prstGeom>
+          </p:spPr>
+          <p:txBody>
+            <a:bodyPr wrap="square">
+              <a:spAutoFit/>
+            </a:bodyPr>
+            <a:lstStyle/>
+            <a:p>
+              <a:pPr marL="0" marR="0" lvl="0" indent="0" algn="dist" defTabSz="914400" rtl="0" eaLnBrk="1" fontAlgn="auto" latinLnBrk="0" hangingPunct="1">
+                <a:lnSpc>
+                  <a:spcPct val="100000"/>
+                </a:lnSpc>
+                <a:spcBef>
+                  <a:spcPts val="0"/>
+                </a:spcBef>
+                <a:spcAft>
+                  <a:spcPts val="0"/>
+                </a:spcAft>
+                <a:buClrTx/>
+                <a:buSzTx/>
+                <a:buFontTx/>
+                <a:buNone/>
+                <a:defRPr/>
+              </a:pPr>
+              <a:r>
+                <a:rPr kumimoji="0" lang="en-US" altLang="zh-CN" sz="800" b="1" i="0" u="none" strike="noStrike" kern="1200" cap="none" spc="0" normalizeH="0" baseline="0" noProof="0" dirty="0">
+                  <a:ln>
+                    <a:noFill/>
+                  </a:ln>
+                  <a:solidFill>
+                    <a:srgbClr val="024282"/>
+                  </a:solidFill>
+                  <a:effectLst/>
+                  <a:uLnTx/>
+                  <a:uFillTx/>
+                  <a:latin typeface="Calibri" panose="020F0502020204030204"/>
+                  <a:ea typeface="宋体" panose="02010600030101010101" pitchFamily="2" charset="-122"/>
+                  <a:cs typeface="+mn-cs"/>
+                </a:rPr>
+                <a:t>BEIJING UNIVERSITY OF TECHNOLOGY</a:t>
+              </a:r>
+            </a:p>
+          </p:txBody>
+        </p:sp>
+      </p:grpSp>
+      <p:sp>
+        <p:nvSpPr>
+          <p:cNvPr id="2" name="文本框 1"/>
+          <p:cNvSpPr txBox="1"/>
+          <p:nvPr/>
+        </p:nvSpPr>
+        <p:spPr>
+          <a:xfrm>
+            <a:off x="1187450" y="441960"/>
+            <a:ext cx="4064000" cy="368300"/>
+          </a:xfrm>
+          <a:prstGeom prst="rect">
+            <a:avLst/>
+          </a:prstGeom>
+          <a:noFill/>
+        </p:spPr>
+        <p:txBody>
+          <a:bodyPr wrap="square" rtlCol="0">
+            <a:spAutoFit/>
+          </a:bodyPr>
+          <a:lstStyle/>
+          <a:p>
+            <a:endParaRPr lang="zh-CN" altLang="en-US"/>
+          </a:p>
+        </p:txBody>
+      </p:sp>
+      <p:sp>
+        <p:nvSpPr>
           <p:cNvPr id="4" name="文本框 3">
             <a:extLst>
               <a:ext uri="{FF2B5EF4-FFF2-40B4-BE49-F238E27FC236}">
@@ -9347,7 +9867,7 @@
 </p:sld>
 </file>
 
-<file path=ppt/slides/slide24.xml><?xml version="1.0" encoding="utf-8"?>
+<file path=ppt/slides/slide25.xml><?xml version="1.0" encoding="utf-8"?>
 <p:sld xmlns:a="http://schemas.openxmlformats.org/drawingml/2006/main" xmlns:r="http://schemas.openxmlformats.org/officeDocument/2006/relationships" xmlns:p="http://schemas.openxmlformats.org/presentationml/2006/main">
   <p:cSld>
     <p:spTree>
@@ -12962,231 +13482,6 @@
 </p:sld>
 </file>
 
-<file path=ppt/slides/slide25.xml><?xml version="1.0" encoding="utf-8"?>
-<p:sld xmlns:a="http://schemas.openxmlformats.org/drawingml/2006/main" xmlns:r="http://schemas.openxmlformats.org/officeDocument/2006/relationships" xmlns:p="http://schemas.openxmlformats.org/presentationml/2006/main">
-  <p:cSld>
-    <p:spTree>
-      <p:nvGrpSpPr>
-        <p:cNvPr id="1" name=""/>
-        <p:cNvGrpSpPr/>
-        <p:nvPr/>
-      </p:nvGrpSpPr>
-      <p:grpSpPr>
-        <a:xfrm>
-          <a:off x="0" y="0"/>
-          <a:ext cx="0" cy="0"/>
-          <a:chOff x="0" y="0"/>
-          <a:chExt cx="0" cy="0"/>
-        </a:xfrm>
-      </p:grpSpPr>
-      <p:cxnSp>
-        <p:nvCxnSpPr>
-          <p:cNvPr id="7" name="直接连接符 6"/>
-          <p:cNvCxnSpPr/>
-          <p:nvPr/>
-        </p:nvCxnSpPr>
-        <p:spPr>
-          <a:xfrm>
-            <a:off x="367840" y="809674"/>
-            <a:ext cx="11488800" cy="0"/>
-          </a:xfrm>
-          <a:prstGeom prst="line">
-            <a:avLst/>
-          </a:prstGeom>
-          <a:ln w="9525">
-            <a:solidFill>
-              <a:srgbClr val="024282"/>
-            </a:solidFill>
-          </a:ln>
-        </p:spPr>
-        <p:style>
-          <a:lnRef idx="1">
-            <a:schemeClr val="accent1"/>
-          </a:lnRef>
-          <a:fillRef idx="0">
-            <a:schemeClr val="accent1"/>
-          </a:fillRef>
-          <a:effectRef idx="0">
-            <a:schemeClr val="accent1"/>
-          </a:effectRef>
-          <a:fontRef idx="minor">
-            <a:schemeClr val="tx1"/>
-          </a:fontRef>
-        </p:style>
-      </p:cxnSp>
-      <p:grpSp>
-        <p:nvGrpSpPr>
-          <p:cNvPr id="43" name="组合 42"/>
-          <p:cNvGrpSpPr/>
-          <p:nvPr/>
-        </p:nvGrpSpPr>
-        <p:grpSpPr>
-          <a:xfrm>
-            <a:off x="9456920" y="74604"/>
-            <a:ext cx="2489626" cy="672240"/>
-            <a:chOff x="4638341" y="609261"/>
-            <a:chExt cx="5755951" cy="1554197"/>
-          </a:xfrm>
-        </p:grpSpPr>
-        <p:pic>
-          <p:nvPicPr>
-            <p:cNvPr id="45" name="图片 44"/>
-            <p:cNvPicPr>
-              <a:picLocks noChangeAspect="1"/>
-            </p:cNvPicPr>
-            <p:nvPr/>
-          </p:nvPicPr>
-          <p:blipFill>
-            <a:blip r:embed="rId2" cstate="print">
-              <a:extLst>
-                <a:ext uri="{28A0092B-C50C-407E-A947-70E740481C1C}">
-                  <a14:useLocalDpi xmlns:a14="http://schemas.microsoft.com/office/drawing/2010/main" val="0"/>
-                </a:ext>
-              </a:extLst>
-            </a:blip>
-            <a:srcRect/>
-            <a:stretch>
-              <a:fillRect/>
-            </a:stretch>
-          </p:blipFill>
-          <p:spPr>
-            <a:xfrm>
-              <a:off x="4638341" y="609261"/>
-              <a:ext cx="1502034" cy="1502030"/>
-            </a:xfrm>
-            <a:prstGeom prst="rect">
-              <a:avLst/>
-            </a:prstGeom>
-          </p:spPr>
-        </p:pic>
-        <p:pic>
-          <p:nvPicPr>
-            <p:cNvPr id="46" name="图片 45"/>
-            <p:cNvPicPr>
-              <a:picLocks noChangeAspect="1"/>
-            </p:cNvPicPr>
-            <p:nvPr/>
-          </p:nvPicPr>
-          <p:blipFill>
-            <a:blip r:embed="rId3" cstate="print">
-              <a:extLst>
-                <a:ext uri="{28A0092B-C50C-407E-A947-70E740481C1C}">
-                  <a14:useLocalDpi xmlns:a14="http://schemas.microsoft.com/office/drawing/2010/main" val="0"/>
-                </a:ext>
-              </a:extLst>
-            </a:blip>
-            <a:srcRect/>
-            <a:stretch>
-              <a:fillRect/>
-            </a:stretch>
-          </p:blipFill>
-          <p:spPr>
-            <a:xfrm>
-              <a:off x="6206343" y="750075"/>
-              <a:ext cx="4060280" cy="983091"/>
-            </a:xfrm>
-            <a:prstGeom prst="rect">
-              <a:avLst/>
-            </a:prstGeom>
-          </p:spPr>
-        </p:pic>
-        <p:sp>
-          <p:nvSpPr>
-            <p:cNvPr id="47" name="矩形 46"/>
-            <p:cNvSpPr/>
-            <p:nvPr/>
-          </p:nvSpPr>
-          <p:spPr>
-            <a:xfrm>
-              <a:off x="6206343" y="1665358"/>
-              <a:ext cx="4187949" cy="498100"/>
-            </a:xfrm>
-            <a:prstGeom prst="rect">
-              <a:avLst/>
-            </a:prstGeom>
-          </p:spPr>
-          <p:txBody>
-            <a:bodyPr wrap="square">
-              <a:spAutoFit/>
-            </a:bodyPr>
-            <a:lstStyle/>
-            <a:p>
-              <a:pPr marL="0" marR="0" lvl="0" indent="0" algn="dist" defTabSz="914400" rtl="0" eaLnBrk="1" fontAlgn="auto" latinLnBrk="0" hangingPunct="1">
-                <a:lnSpc>
-                  <a:spcPct val="100000"/>
-                </a:lnSpc>
-                <a:spcBef>
-                  <a:spcPts val="0"/>
-                </a:spcBef>
-                <a:spcAft>
-                  <a:spcPts val="0"/>
-                </a:spcAft>
-                <a:buClrTx/>
-                <a:buSzTx/>
-                <a:buFontTx/>
-                <a:buNone/>
-                <a:defRPr/>
-              </a:pPr>
-              <a:r>
-                <a:rPr kumimoji="0" lang="en-US" altLang="zh-CN" sz="800" b="1" i="0" u="none" strike="noStrike" kern="1200" cap="none" spc="0" normalizeH="0" baseline="0" noProof="0" dirty="0">
-                  <a:ln>
-                    <a:noFill/>
-                  </a:ln>
-                  <a:solidFill>
-                    <a:srgbClr val="024282"/>
-                  </a:solidFill>
-                  <a:effectLst/>
-                  <a:uLnTx/>
-                  <a:uFillTx/>
-                  <a:latin typeface="Calibri" panose="020F0502020204030204"/>
-                  <a:ea typeface="宋体" panose="02010600030101010101" pitchFamily="2" charset="-122"/>
-                  <a:cs typeface="+mn-cs"/>
-                </a:rPr>
-                <a:t>BEIJING UNIVERSITY OF TECHNOLOGY</a:t>
-              </a:r>
-            </a:p>
-          </p:txBody>
-        </p:sp>
-      </p:grpSp>
-      <p:sp>
-        <p:nvSpPr>
-          <p:cNvPr id="2" name="文本框 1"/>
-          <p:cNvSpPr txBox="1"/>
-          <p:nvPr/>
-        </p:nvSpPr>
-        <p:spPr>
-          <a:xfrm>
-            <a:off x="1187450" y="441960"/>
-            <a:ext cx="4064000" cy="368300"/>
-          </a:xfrm>
-          <a:prstGeom prst="rect">
-            <a:avLst/>
-          </a:prstGeom>
-          <a:noFill/>
-        </p:spPr>
-        <p:txBody>
-          <a:bodyPr wrap="square" rtlCol="0">
-            <a:spAutoFit/>
-          </a:bodyPr>
-          <a:lstStyle/>
-          <a:p>
-            <a:endParaRPr lang="zh-CN" altLang="en-US"/>
-          </a:p>
-        </p:txBody>
-      </p:sp>
-    </p:spTree>
-    <p:extLst>
-      <p:ext uri="{BB962C8B-B14F-4D97-AF65-F5344CB8AC3E}">
-        <p14:creationId xmlns:p14="http://schemas.microsoft.com/office/powerpoint/2010/main" val="358056254"/>
-      </p:ext>
-    </p:extLst>
-  </p:cSld>
-  <p:clrMapOvr>
-    <a:masterClrMapping/>
-  </p:clrMapOvr>
-</p:sld>
-</file>
-
 <file path=ppt/slides/slide26.xml><?xml version="1.0" encoding="utf-8"?>
 <p:sld xmlns:a="http://schemas.openxmlformats.org/drawingml/2006/main" xmlns:r="http://schemas.openxmlformats.org/officeDocument/2006/relationships" xmlns:p="http://schemas.openxmlformats.org/presentationml/2006/main">
   <p:cSld>
@@ -13402,7 +13697,7 @@
     </p:spTree>
     <p:extLst>
       <p:ext uri="{BB962C8B-B14F-4D97-AF65-F5344CB8AC3E}">
-        <p14:creationId xmlns:p14="http://schemas.microsoft.com/office/powerpoint/2010/main" val="3906796655"/>
+        <p14:creationId xmlns:p14="http://schemas.microsoft.com/office/powerpoint/2010/main" val="358056254"/>
       </p:ext>
     </p:extLst>
   </p:cSld>

--- a/开题.pptx
+++ b/开题.pptx
@@ -5,35 +5,32 @@
     <p:sldMasterId id="2147483648" r:id="rId1"/>
   </p:sldMasterIdLst>
   <p:notesMasterIdLst>
-    <p:notesMasterId r:id="rId7"/>
+    <p:notesMasterId r:id="rId4"/>
   </p:notesMasterIdLst>
   <p:sldIdLst>
     <p:sldId id="313" r:id="rId3"/>
-    <p:sldId id="314" r:id="rId4"/>
-    <p:sldId id="315" r:id="rId5"/>
-    <p:sldId id="316" r:id="rId6"/>
+    <p:sldId id="314" r:id="rId5"/>
+    <p:sldId id="315" r:id="rId6"/>
+    <p:sldId id="316" r:id="rId7"/>
     <p:sldId id="318" r:id="rId8"/>
     <p:sldId id="319" r:id="rId9"/>
     <p:sldId id="341" r:id="rId10"/>
     <p:sldId id="342" r:id="rId11"/>
-    <p:sldId id="340" r:id="rId12"/>
-    <p:sldId id="343" r:id="rId13"/>
-    <p:sldId id="336" r:id="rId14"/>
-    <p:sldId id="325" r:id="rId15"/>
-    <p:sldId id="320" r:id="rId16"/>
-    <p:sldId id="321" r:id="rId17"/>
-    <p:sldId id="346" r:id="rId18"/>
-    <p:sldId id="322" r:id="rId19"/>
-    <p:sldId id="323" r:id="rId20"/>
-    <p:sldId id="348" r:id="rId21"/>
-    <p:sldId id="344" r:id="rId22"/>
-    <p:sldId id="326" r:id="rId23"/>
-    <p:sldId id="345" r:id="rId24"/>
-    <p:sldId id="347" r:id="rId25"/>
-    <p:sldId id="327" r:id="rId26"/>
-    <p:sldId id="329" r:id="rId27"/>
-    <p:sldId id="331" r:id="rId28"/>
-    <p:sldId id="337" r:id="rId29"/>
+    <p:sldId id="343" r:id="rId12"/>
+    <p:sldId id="336" r:id="rId13"/>
+    <p:sldId id="325" r:id="rId14"/>
+    <p:sldId id="320" r:id="rId15"/>
+    <p:sldId id="321" r:id="rId16"/>
+    <p:sldId id="347" r:id="rId17"/>
+    <p:sldId id="322" r:id="rId18"/>
+    <p:sldId id="323" r:id="rId19"/>
+    <p:sldId id="348" r:id="rId20"/>
+    <p:sldId id="326" r:id="rId21"/>
+    <p:sldId id="345" r:id="rId22"/>
+    <p:sldId id="327" r:id="rId23"/>
+    <p:sldId id="329" r:id="rId24"/>
+    <p:sldId id="331" r:id="rId25"/>
+    <p:sldId id="337" r:id="rId26"/>
   </p:sldIdLst>
   <p:sldSz cx="12192000" cy="6858000"/>
   <p:notesSz cx="6858000" cy="9144000"/>
@@ -491,6 +488,82 @@
         <p:cNvGrpSpPr/>
         <p:nvPr/>
       </p:nvGrpSpPr>
+      <p:grpSpPr/>
+      <p:sp>
+        <p:nvSpPr>
+          <p:cNvPr id="2" name="幻灯片图像占位符 1"/>
+          <p:cNvSpPr/>
+          <p:nvPr>
+            <p:ph type="sldImg" idx="2"/>
+          </p:nvPr>
+        </p:nvSpPr>
+        <p:spPr/>
+      </p:sp>
+      <p:sp>
+        <p:nvSpPr>
+          <p:cNvPr id="3" name="文本占位符 2"/>
+          <p:cNvSpPr/>
+          <p:nvPr>
+            <p:ph type="body" idx="3"/>
+          </p:nvPr>
+        </p:nvSpPr>
+        <p:spPr/>
+        <p:txBody>
+          <a:bodyPr/>
+          <a:p>
+            <a:r>
+              <a:rPr lang="zh-CN" altLang="en-US"/>
+              <a:t>问题</a:t>
+            </a:r>
+            <a:r>
+              <a:rPr lang="en-US" altLang="zh-CN"/>
+              <a:t>-</a:t>
+            </a:r>
+            <a:r>
+              <a:rPr lang="zh-CN" altLang="en-US"/>
+              <a:t>》》算法研究</a:t>
+            </a:r>
+            <a:r>
+              <a:rPr lang="en-US" altLang="zh-CN"/>
+              <a:t>  </a:t>
+            </a:r>
+            <a:r>
+              <a:rPr lang="zh-CN" altLang="en-US"/>
+              <a:t>鲁棒的</a:t>
+            </a:r>
+            <a:r>
+              <a:rPr lang="en-US" altLang="zh-CN"/>
+              <a:t> </a:t>
+            </a:r>
+            <a:r>
+              <a:rPr lang="zh-CN" altLang="en-US"/>
+              <a:t>去掉</a:t>
+            </a:r>
+            <a:r>
+              <a:rPr lang="zh-CN" altLang="en-US"/>
+              <a:t>跨域</a:t>
+            </a:r>
+            <a:endParaRPr lang="zh-CN" altLang="en-US"/>
+          </a:p>
+        </p:txBody>
+      </p:sp>
+    </p:spTree>
+  </p:cSld>
+  <p:clrMapOvr>
+    <a:masterClrMapping/>
+  </p:clrMapOvr>
+</p:notes>
+</file>
+
+<file path=ppt/notesSlides/notesSlide10.xml><?xml version="1.0" encoding="utf-8"?>
+<p:notes xmlns:a="http://schemas.openxmlformats.org/drawingml/2006/main" xmlns:r="http://schemas.openxmlformats.org/officeDocument/2006/relationships" xmlns:p="http://schemas.openxmlformats.org/presentationml/2006/main">
+  <p:cSld>
+    <p:spTree>
+      <p:nvGrpSpPr>
+        <p:cNvPr id="1" name=""/>
+        <p:cNvGrpSpPr/>
+        <p:nvPr/>
+      </p:nvGrpSpPr>
       <p:grpSpPr>
         <a:xfrm>
           <a:off x="0" y="0"/>
@@ -526,77 +599,17 @@
           <a:bodyPr/>
           <a:lstStyle/>
           <a:p>
-            <a:pPr marL="0" marR="0" lvl="0" indent="0" algn="l" defTabSz="914400" rtl="0" eaLnBrk="1" fontAlgn="auto" latinLnBrk="0" hangingPunct="1">
-              <a:lnSpc>
-                <a:spcPct val="100000"/>
-              </a:lnSpc>
-              <a:spcBef>
-                <a:spcPts val="0"/>
-              </a:spcBef>
-              <a:spcAft>
-                <a:spcPts val="0"/>
-              </a:spcAft>
-              <a:buClrTx/>
-              <a:buSzTx/>
-              <a:buFontTx/>
-              <a:buNone/>
-              <a:defRPr/>
-            </a:pPr>
-            <a:r>
-              <a:rPr lang="zh-CN" altLang="en-US" sz="1200" i="0" dirty="0">
+            <a:r>
+              <a:rPr lang="zh-CN" altLang="en-US" b="0" i="0" dirty="0">
+                <a:solidFill>
+                  <a:srgbClr val="000000"/>
+                </a:solidFill>
                 <a:effectLst/>
-                <a:latin typeface="-apple-system"/>
+                <a:latin typeface="微软雅黑" panose="020B0503020204020204" pitchFamily="34" charset="-122"/>
+                <a:ea typeface="微软雅黑" panose="020B0503020204020204" pitchFamily="34" charset="-122"/>
               </a:rPr>
-              <a:t>医疗影像分析是一个复杂的任务</a:t>
-            </a:r>
-            <a:r>
-              <a:rPr lang="en-US" altLang="zh-CN" sz="1200" i="0" dirty="0">
-                <a:effectLst/>
-                <a:latin typeface="-apple-system"/>
-              </a:rPr>
-              <a:t>,</a:t>
-            </a:r>
-            <a:r>
-              <a:rPr lang="zh-CN" altLang="en-US" sz="1200" i="0" dirty="0">
-                <a:effectLst/>
-                <a:latin typeface="-apple-system"/>
-              </a:rPr>
-              <a:t>传统方法面临诸多困难。近年来</a:t>
-            </a:r>
-            <a:r>
-              <a:rPr lang="en-US" altLang="zh-CN" sz="1200" i="0" dirty="0">
-                <a:effectLst/>
-                <a:latin typeface="-apple-system"/>
-              </a:rPr>
-              <a:t>,</a:t>
-            </a:r>
-            <a:r>
-              <a:rPr lang="zh-CN" altLang="en-US" sz="1200" i="0" dirty="0">
-                <a:effectLst/>
-                <a:latin typeface="-apple-system"/>
-              </a:rPr>
-              <a:t>深度学习技术在医疗影像分析方面取得了长足的进步</a:t>
-            </a:r>
-            <a:r>
-              <a:rPr lang="en-US" altLang="zh-CN" sz="1200" i="0" u="none" strike="noStrike" dirty="0">
-                <a:effectLst/>
-                <a:latin typeface="-apple-system"/>
-              </a:rPr>
-              <a:t>[5]</a:t>
-            </a:r>
-            <a:r>
-              <a:rPr lang="zh-CN" altLang="en-US" sz="1200" i="0" dirty="0">
-                <a:effectLst/>
-                <a:latin typeface="-apple-system"/>
-              </a:rPr>
-              <a:t>。</a:t>
-            </a:r>
-            <a:endParaRPr lang="zh-CN" altLang="en-US" sz="1200" i="0" dirty="0">
-              <a:effectLst/>
-              <a:latin typeface="-apple-system"/>
-            </a:endParaRPr>
-          </a:p>
-          <a:p>
+              <a:t>随机卷积近似保持形状，但可能会扭曲局部纹理。直观地说，随机卷积创建了无限数量的具有相似全局形状但随机局部纹理的新域。因此，我们探索在训练中使用多尺度随机卷积的输出作为新图像或将其与原始图像混合。</a:t>
+            </a:r>
             <a:endParaRPr lang="zh-CN" altLang="en-US" dirty="0"/>
           </a:p>
         </p:txBody>
@@ -619,6 +632,547 @@
             <a:fld id="{C051D1BE-CA4E-40ED-88EB-F0221502D351}" type="slidenum">
               <a:rPr lang="zh-CN" altLang="en-US" smtClean="0"/>
             </a:fld>
+            <a:endParaRPr lang="zh-CN" altLang="en-US"/>
+          </a:p>
+        </p:txBody>
+      </p:sp>
+    </p:spTree>
+  </p:cSld>
+  <p:clrMapOvr>
+    <a:masterClrMapping/>
+  </p:clrMapOvr>
+</p:notes>
+</file>
+
+<file path=ppt/notesSlides/notesSlide11.xml><?xml version="1.0" encoding="utf-8"?>
+<p:notes xmlns:a="http://schemas.openxmlformats.org/drawingml/2006/main" xmlns:r="http://schemas.openxmlformats.org/officeDocument/2006/relationships" xmlns:p="http://schemas.openxmlformats.org/presentationml/2006/main">
+  <p:cSld>
+    <p:spTree>
+      <p:nvGrpSpPr>
+        <p:cNvPr id="1" name=""/>
+        <p:cNvGrpSpPr/>
+        <p:nvPr/>
+      </p:nvGrpSpPr>
+      <p:grpSpPr>
+        <a:xfrm>
+          <a:off x="0" y="0"/>
+          <a:ext cx="0" cy="0"/>
+          <a:chOff x="0" y="0"/>
+          <a:chExt cx="0" cy="0"/>
+        </a:xfrm>
+      </p:grpSpPr>
+      <p:sp>
+        <p:nvSpPr>
+          <p:cNvPr id="2" name="幻灯片图像占位符 1"/>
+          <p:cNvSpPr>
+            <a:spLocks noGrp="1" noRot="1" noChangeAspect="1"/>
+          </p:cNvSpPr>
+          <p:nvPr>
+            <p:ph type="sldImg"/>
+          </p:nvPr>
+        </p:nvSpPr>
+        <p:spPr/>
+      </p:sp>
+      <p:sp>
+        <p:nvSpPr>
+          <p:cNvPr id="3" name="备注占位符 2"/>
+          <p:cNvSpPr>
+            <a:spLocks noGrp="1"/>
+          </p:cNvSpPr>
+          <p:nvPr>
+            <p:ph type="body" idx="1"/>
+          </p:nvPr>
+        </p:nvSpPr>
+        <p:spPr/>
+        <p:txBody>
+          <a:bodyPr/>
+          <a:lstStyle/>
+          <a:p>
+            <a:r>
+              <a:rPr lang="zh-CN" altLang="en-US" b="0" i="0" dirty="0">
+                <a:effectLst/>
+                <a:latin typeface="-apple-system"/>
+              </a:rPr>
+              <a:t>金字塔一致性是指在图像处理中，将图像分解为不同尺度的金字塔，然后在不同尺度的图像之间强制执行一致性。在这篇文章中，金字塔一致性被用于训练模型，以便在不同域之间学习到具有更好泛化能力的表示。具体来说，金字塔一致性被用于在不同风格但具有相同语义内容的图像之间强制执行一致性，以便在测试阶段，模型可以泛化到看不见的目标域。此外，该方法还使用金字塔一致性在图像内部和跨域之间强制执行一致性，以便在处理不同域之间的系统差异时提高模型的鲁棒性。</a:t>
+            </a:r>
+            <a:endParaRPr lang="zh-CN" altLang="en-US" dirty="0"/>
+          </a:p>
+        </p:txBody>
+      </p:sp>
+      <p:sp>
+        <p:nvSpPr>
+          <p:cNvPr id="4" name="灯片编号占位符 3"/>
+          <p:cNvSpPr>
+            <a:spLocks noGrp="1"/>
+          </p:cNvSpPr>
+          <p:nvPr>
+            <p:ph type="sldNum" sz="quarter" idx="5"/>
+          </p:nvPr>
+        </p:nvSpPr>
+        <p:spPr/>
+        <p:txBody>
+          <a:bodyPr/>
+          <a:lstStyle/>
+          <a:p>
+            <a:fld id="{C051D1BE-CA4E-40ED-88EB-F0221502D351}" type="slidenum">
+              <a:rPr lang="zh-CN" altLang="en-US" smtClean="0"/>
+            </a:fld>
+            <a:endParaRPr lang="zh-CN" altLang="en-US"/>
+          </a:p>
+        </p:txBody>
+      </p:sp>
+    </p:spTree>
+  </p:cSld>
+  <p:clrMapOvr>
+    <a:masterClrMapping/>
+  </p:clrMapOvr>
+</p:notes>
+</file>
+
+<file path=ppt/notesSlides/notesSlide12.xml><?xml version="1.0" encoding="utf-8"?>
+<p:notes xmlns:a="http://schemas.openxmlformats.org/drawingml/2006/main" xmlns:r="http://schemas.openxmlformats.org/officeDocument/2006/relationships" xmlns:p="http://schemas.openxmlformats.org/presentationml/2006/main">
+  <p:cSld>
+    <p:spTree>
+      <p:nvGrpSpPr>
+        <p:cNvPr id="1" name=""/>
+        <p:cNvGrpSpPr/>
+        <p:nvPr/>
+      </p:nvGrpSpPr>
+      <p:grpSpPr/>
+      <p:sp>
+        <p:nvSpPr>
+          <p:cNvPr id="2" name="幻灯片图像占位符 1"/>
+          <p:cNvSpPr/>
+          <p:nvPr>
+            <p:ph type="sldImg" idx="2"/>
+          </p:nvPr>
+        </p:nvSpPr>
+        <p:spPr/>
+      </p:sp>
+      <p:sp>
+        <p:nvSpPr>
+          <p:cNvPr id="3" name="文本占位符 2"/>
+          <p:cNvSpPr/>
+          <p:nvPr>
+            <p:ph type="body" idx="3"/>
+          </p:nvPr>
+        </p:nvSpPr>
+        <p:spPr/>
+        <p:txBody>
+          <a:bodyPr/>
+          <a:p>
+            <a:endParaRPr lang="zh-CN" altLang="en-US"/>
+          </a:p>
+        </p:txBody>
+      </p:sp>
+    </p:spTree>
+  </p:cSld>
+  <p:clrMapOvr>
+    <a:masterClrMapping/>
+  </p:clrMapOvr>
+</p:notes>
+</file>
+
+<file path=ppt/notesSlides/notesSlide13.xml><?xml version="1.0" encoding="utf-8"?>
+<p:notes xmlns:a="http://schemas.openxmlformats.org/drawingml/2006/main" xmlns:r="http://schemas.openxmlformats.org/officeDocument/2006/relationships" xmlns:p="http://schemas.openxmlformats.org/presentationml/2006/main">
+  <p:cSld>
+    <p:spTree>
+      <p:nvGrpSpPr>
+        <p:cNvPr id="1" name=""/>
+        <p:cNvGrpSpPr/>
+        <p:nvPr/>
+      </p:nvGrpSpPr>
+      <p:grpSpPr/>
+      <p:sp>
+        <p:nvSpPr>
+          <p:cNvPr id="2" name="幻灯片图像占位符 1"/>
+          <p:cNvSpPr/>
+          <p:nvPr>
+            <p:ph type="sldImg" idx="2"/>
+          </p:nvPr>
+        </p:nvSpPr>
+        <p:spPr/>
+      </p:sp>
+      <p:sp>
+        <p:nvSpPr>
+          <p:cNvPr id="3" name="文本占位符 2"/>
+          <p:cNvSpPr/>
+          <p:nvPr>
+            <p:ph type="body" idx="3"/>
+          </p:nvPr>
+        </p:nvSpPr>
+        <p:spPr/>
+        <p:txBody>
+          <a:bodyPr/>
+          <a:p>
+            <a:endParaRPr lang="zh-CN" altLang="en-US"/>
+          </a:p>
+        </p:txBody>
+      </p:sp>
+    </p:spTree>
+  </p:cSld>
+  <p:clrMapOvr>
+    <a:masterClrMapping/>
+  </p:clrMapOvr>
+</p:notes>
+</file>
+
+<file path=ppt/notesSlides/notesSlide14.xml><?xml version="1.0" encoding="utf-8"?>
+<p:notes xmlns:a="http://schemas.openxmlformats.org/drawingml/2006/main" xmlns:r="http://schemas.openxmlformats.org/officeDocument/2006/relationships" xmlns:p="http://schemas.openxmlformats.org/presentationml/2006/main">
+  <p:cSld>
+    <p:spTree>
+      <p:nvGrpSpPr>
+        <p:cNvPr id="1" name=""/>
+        <p:cNvGrpSpPr/>
+        <p:nvPr/>
+      </p:nvGrpSpPr>
+      <p:grpSpPr/>
+      <p:sp>
+        <p:nvSpPr>
+          <p:cNvPr id="2" name="幻灯片图像占位符 1"/>
+          <p:cNvSpPr/>
+          <p:nvPr>
+            <p:ph type="sldImg" idx="2"/>
+          </p:nvPr>
+        </p:nvSpPr>
+        <p:spPr/>
+      </p:sp>
+      <p:sp>
+        <p:nvSpPr>
+          <p:cNvPr id="3" name="文本占位符 2"/>
+          <p:cNvSpPr/>
+          <p:nvPr>
+            <p:ph type="body" idx="3"/>
+          </p:nvPr>
+        </p:nvSpPr>
+        <p:spPr/>
+        <p:txBody>
+          <a:bodyPr/>
+          <a:p>
+            <a:r>
+              <a:rPr lang="zh-CN" altLang="en-US"/>
+              <a:t>如何消除多源域差异</a:t>
+            </a:r>
+            <a:r>
+              <a:rPr lang="en-US" altLang="zh-CN"/>
+              <a:t> </a:t>
+            </a:r>
+            <a:r>
+              <a:rPr lang="zh-CN" altLang="en-US"/>
+              <a:t>找分类界面</a:t>
+            </a:r>
+            <a:r>
+              <a:rPr lang="en-US" altLang="zh-CN"/>
+              <a:t> </a:t>
+            </a:r>
+            <a:r>
+              <a:rPr lang="zh-CN" altLang="en-US"/>
+              <a:t>减少目标域源域差距</a:t>
+            </a:r>
+            <a:r>
+              <a:rPr lang="en-US" altLang="zh-CN"/>
+              <a:t>  </a:t>
+            </a:r>
+            <a:r>
+              <a:rPr lang="zh-CN" altLang="en-US"/>
+              <a:t>仔细再看</a:t>
+            </a:r>
+            <a:r>
+              <a:rPr lang="en-US" altLang="zh-CN"/>
+              <a:t> </a:t>
+            </a:r>
+            <a:endParaRPr lang="en-US" altLang="zh-CN"/>
+          </a:p>
+        </p:txBody>
+      </p:sp>
+    </p:spTree>
+  </p:cSld>
+  <p:clrMapOvr>
+    <a:masterClrMapping/>
+  </p:clrMapOvr>
+</p:notes>
+</file>
+
+<file path=ppt/notesSlides/notesSlide15.xml><?xml version="1.0" encoding="utf-8"?>
+<p:notes xmlns:a="http://schemas.openxmlformats.org/drawingml/2006/main" xmlns:r="http://schemas.openxmlformats.org/officeDocument/2006/relationships" xmlns:p="http://schemas.openxmlformats.org/presentationml/2006/main">
+  <p:cSld>
+    <p:spTree>
+      <p:nvGrpSpPr>
+        <p:cNvPr id="1" name=""/>
+        <p:cNvGrpSpPr/>
+        <p:nvPr/>
+      </p:nvGrpSpPr>
+      <p:grpSpPr/>
+      <p:sp>
+        <p:nvSpPr>
+          <p:cNvPr id="2" name="幻灯片图像占位符 1"/>
+          <p:cNvSpPr/>
+          <p:nvPr>
+            <p:ph type="sldImg" idx="2"/>
+          </p:nvPr>
+        </p:nvSpPr>
+        <p:spPr/>
+      </p:sp>
+      <p:sp>
+        <p:nvSpPr>
+          <p:cNvPr id="3" name="文本占位符 2"/>
+          <p:cNvSpPr/>
+          <p:nvPr>
+            <p:ph type="body" idx="3"/>
+          </p:nvPr>
+        </p:nvSpPr>
+        <p:spPr/>
+        <p:txBody>
+          <a:bodyPr/>
+          <a:p>
+            <a:endParaRPr lang="zh-CN" altLang="en-US"/>
+          </a:p>
+        </p:txBody>
+      </p:sp>
+    </p:spTree>
+  </p:cSld>
+  <p:clrMapOvr>
+    <a:masterClrMapping/>
+  </p:clrMapOvr>
+</p:notes>
+</file>
+
+<file path=ppt/notesSlides/notesSlide16.xml><?xml version="1.0" encoding="utf-8"?>
+<p:notes xmlns:a="http://schemas.openxmlformats.org/drawingml/2006/main" xmlns:r="http://schemas.openxmlformats.org/officeDocument/2006/relationships" xmlns:p="http://schemas.openxmlformats.org/presentationml/2006/main">
+  <p:cSld>
+    <p:spTree>
+      <p:nvGrpSpPr>
+        <p:cNvPr id="1" name=""/>
+        <p:cNvGrpSpPr/>
+        <p:nvPr/>
+      </p:nvGrpSpPr>
+      <p:grpSpPr/>
+      <p:sp>
+        <p:nvSpPr>
+          <p:cNvPr id="2" name="幻灯片图像占位符 1"/>
+          <p:cNvSpPr/>
+          <p:nvPr>
+            <p:ph type="sldImg" idx="2"/>
+          </p:nvPr>
+        </p:nvSpPr>
+        <p:spPr/>
+      </p:sp>
+      <p:sp>
+        <p:nvSpPr>
+          <p:cNvPr id="3" name="文本占位符 2"/>
+          <p:cNvSpPr/>
+          <p:nvPr>
+            <p:ph type="body" idx="3"/>
+          </p:nvPr>
+        </p:nvSpPr>
+        <p:spPr/>
+        <p:txBody>
+          <a:bodyPr/>
+          <a:p>
+            <a:r>
+              <a:rPr lang="zh-CN" altLang="en-US"/>
+              <a:t>基于多维度数据增强</a:t>
+            </a:r>
+            <a:r>
+              <a:rPr lang="en-US" altLang="zh-CN"/>
+              <a:t> </a:t>
+            </a:r>
+            <a:r>
+              <a:rPr lang="zh-CN" altLang="en-US"/>
+              <a:t>腹部器官多标签</a:t>
+            </a:r>
+            <a:r>
+              <a:rPr lang="zh-CN" altLang="en-US"/>
+              <a:t>分类</a:t>
+            </a:r>
+            <a:endParaRPr lang="zh-CN" altLang="en-US"/>
+          </a:p>
+        </p:txBody>
+      </p:sp>
+    </p:spTree>
+  </p:cSld>
+  <p:clrMapOvr>
+    <a:masterClrMapping/>
+  </p:clrMapOvr>
+</p:notes>
+</file>
+
+<file path=ppt/notesSlides/notesSlide17.xml><?xml version="1.0" encoding="utf-8"?>
+<p:notes xmlns:a="http://schemas.openxmlformats.org/drawingml/2006/main" xmlns:r="http://schemas.openxmlformats.org/officeDocument/2006/relationships" xmlns:p="http://schemas.openxmlformats.org/presentationml/2006/main">
+  <p:cSld>
+    <p:spTree>
+      <p:nvGrpSpPr>
+        <p:cNvPr id="1" name=""/>
+        <p:cNvGrpSpPr/>
+        <p:nvPr/>
+      </p:nvGrpSpPr>
+      <p:grpSpPr/>
+      <p:sp>
+        <p:nvSpPr>
+          <p:cNvPr id="2" name="幻灯片图像占位符 1"/>
+          <p:cNvSpPr/>
+          <p:nvPr>
+            <p:ph type="sldImg" idx="2"/>
+          </p:nvPr>
+        </p:nvSpPr>
+        <p:spPr/>
+      </p:sp>
+      <p:sp>
+        <p:nvSpPr>
+          <p:cNvPr id="3" name="文本占位符 2"/>
+          <p:cNvSpPr/>
+          <p:nvPr>
+            <p:ph type="body" idx="3"/>
+          </p:nvPr>
+        </p:nvSpPr>
+        <p:spPr/>
+        <p:txBody>
+          <a:bodyPr/>
+          <a:p>
+            <a:endParaRPr lang="zh-CN" altLang="en-US"/>
+          </a:p>
+        </p:txBody>
+      </p:sp>
+    </p:spTree>
+  </p:cSld>
+  <p:clrMapOvr>
+    <a:masterClrMapping/>
+  </p:clrMapOvr>
+</p:notes>
+</file>
+
+<file path=ppt/notesSlides/notesSlide18.xml><?xml version="1.0" encoding="utf-8"?>
+<p:notes xmlns:a="http://schemas.openxmlformats.org/drawingml/2006/main" xmlns:r="http://schemas.openxmlformats.org/officeDocument/2006/relationships" xmlns:p="http://schemas.openxmlformats.org/presentationml/2006/main">
+  <p:cSld>
+    <p:spTree>
+      <p:nvGrpSpPr>
+        <p:cNvPr id="1" name=""/>
+        <p:cNvGrpSpPr/>
+        <p:nvPr/>
+      </p:nvGrpSpPr>
+      <p:grpSpPr/>
+      <p:sp>
+        <p:nvSpPr>
+          <p:cNvPr id="2" name="幻灯片图像占位符 1"/>
+          <p:cNvSpPr/>
+          <p:nvPr>
+            <p:ph type="sldImg" idx="2"/>
+          </p:nvPr>
+        </p:nvSpPr>
+        <p:spPr/>
+      </p:sp>
+      <p:sp>
+        <p:nvSpPr>
+          <p:cNvPr id="3" name="文本占位符 2"/>
+          <p:cNvSpPr/>
+          <p:nvPr>
+            <p:ph type="body" idx="3"/>
+          </p:nvPr>
+        </p:nvSpPr>
+        <p:spPr/>
+        <p:txBody>
+          <a:bodyPr/>
+          <a:p>
+            <a:r>
+              <a:rPr lang="zh-CN" altLang="en-US"/>
+              <a:t>数据增强</a:t>
+            </a:r>
+            <a:r>
+              <a:rPr lang="en-US" altLang="zh-CN"/>
+              <a:t> </a:t>
+            </a:r>
+            <a:r>
+              <a:rPr lang="zh-CN" altLang="en-US"/>
+              <a:t>多源域域不变表征学习</a:t>
+            </a:r>
+            <a:r>
+              <a:rPr lang="en-US" altLang="zh-CN"/>
+              <a:t> </a:t>
+            </a:r>
+            <a:r>
+              <a:rPr lang="zh-CN" altLang="en-US"/>
+              <a:t>成像机理</a:t>
+            </a:r>
+            <a:r>
+              <a:rPr lang="en-US" altLang="zh-CN"/>
+              <a:t>4</a:t>
+            </a:r>
+            <a:r>
+              <a:rPr lang="zh-CN" altLang="en-US"/>
+              <a:t>不一样</a:t>
+            </a:r>
+            <a:r>
+              <a:rPr lang="en-US" altLang="zh-CN"/>
+              <a:t>  </a:t>
+            </a:r>
+            <a:r>
+              <a:rPr lang="zh-CN" altLang="en-US"/>
+              <a:t>保留轮廓特征</a:t>
+            </a:r>
+            <a:r>
+              <a:rPr lang="en-US" altLang="zh-CN"/>
+              <a:t> </a:t>
+            </a:r>
+            <a:r>
+              <a:rPr lang="zh-CN" altLang="en-US"/>
+              <a:t>关注病灶的细粒度纹理</a:t>
+            </a:r>
+            <a:r>
+              <a:rPr lang="en-US" altLang="zh-CN"/>
+              <a:t> </a:t>
+            </a:r>
+            <a:r>
+              <a:rPr lang="zh-CN" altLang="en-US"/>
+              <a:t>能不能用上域</a:t>
+            </a:r>
+            <a:r>
+              <a:rPr lang="zh-CN" altLang="en-US"/>
+              <a:t>专有特征</a:t>
+            </a:r>
+            <a:endParaRPr lang="zh-CN" altLang="en-US"/>
+          </a:p>
+        </p:txBody>
+      </p:sp>
+    </p:spTree>
+  </p:cSld>
+  <p:clrMapOvr>
+    <a:masterClrMapping/>
+  </p:clrMapOvr>
+</p:notes>
+</file>
+
+<file path=ppt/notesSlides/notesSlide19.xml><?xml version="1.0" encoding="utf-8"?>
+<p:notes xmlns:a="http://schemas.openxmlformats.org/drawingml/2006/main" xmlns:r="http://schemas.openxmlformats.org/officeDocument/2006/relationships" xmlns:p="http://schemas.openxmlformats.org/presentationml/2006/main">
+  <p:cSld>
+    <p:spTree>
+      <p:nvGrpSpPr>
+        <p:cNvPr id="1" name=""/>
+        <p:cNvGrpSpPr/>
+        <p:nvPr/>
+      </p:nvGrpSpPr>
+      <p:grpSpPr/>
+      <p:sp>
+        <p:nvSpPr>
+          <p:cNvPr id="2" name="幻灯片图像占位符 1"/>
+          <p:cNvSpPr/>
+          <p:nvPr>
+            <p:ph type="sldImg" idx="2"/>
+          </p:nvPr>
+        </p:nvSpPr>
+        <p:spPr/>
+      </p:sp>
+      <p:sp>
+        <p:nvSpPr>
+          <p:cNvPr id="3" name="文本占位符 2"/>
+          <p:cNvSpPr/>
+          <p:nvPr>
+            <p:ph type="body" idx="3"/>
+          </p:nvPr>
+        </p:nvSpPr>
+        <p:spPr/>
+        <p:txBody>
+          <a:bodyPr/>
+          <a:p>
             <a:endParaRPr lang="zh-CN" altLang="en-US"/>
           </a:p>
         </p:txBody>
@@ -640,67 +1194,161 @@
         <p:cNvGrpSpPr/>
         <p:nvPr/>
       </p:nvGrpSpPr>
-      <p:grpSpPr>
-        <a:xfrm>
-          <a:off x="0" y="0"/>
-          <a:ext cx="0" cy="0"/>
-          <a:chOff x="0" y="0"/>
-          <a:chExt cx="0" cy="0"/>
-        </a:xfrm>
-      </p:grpSpPr>
+      <p:grpSpPr/>
       <p:sp>
         <p:nvSpPr>
           <p:cNvPr id="2" name="幻灯片图像占位符 1"/>
-          <p:cNvSpPr>
-            <a:spLocks noGrp="1" noRot="1" noChangeAspect="1"/>
-          </p:cNvSpPr>
+          <p:cNvSpPr/>
           <p:nvPr>
-            <p:ph type="sldImg"/>
+            <p:ph type="sldImg" idx="2"/>
           </p:nvPr>
         </p:nvSpPr>
         <p:spPr/>
       </p:sp>
       <p:sp>
         <p:nvSpPr>
-          <p:cNvPr id="3" name="备注占位符 2"/>
-          <p:cNvSpPr>
-            <a:spLocks noGrp="1"/>
-          </p:cNvSpPr>
+          <p:cNvPr id="3" name="文本占位符 2"/>
+          <p:cNvSpPr/>
           <p:nvPr>
-            <p:ph type="body" idx="1"/>
+            <p:ph type="body" idx="3"/>
           </p:nvPr>
         </p:nvSpPr>
         <p:spPr/>
         <p:txBody>
           <a:bodyPr/>
-          <a:lstStyle/>
-          <a:p>
-            <a:r>
-              <a:rPr lang="zh-CN" altLang="en-US" sz="1200" dirty="0"/>
-              <a:t>然而，当训练数据和测试数据的概率分布不同时，机器学习模型的性能往往会因域分布差距而下降。</a:t>
-            </a:r>
-            <a:endParaRPr lang="zh-CN" altLang="en-US" dirty="0"/>
-          </a:p>
-        </p:txBody>
-      </p:sp>
-      <p:sp>
-        <p:nvSpPr>
-          <p:cNvPr id="4" name="灯片编号占位符 3"/>
-          <p:cNvSpPr>
-            <a:spLocks noGrp="1"/>
-          </p:cNvSpPr>
+          <a:p>
+            <a:endParaRPr lang="zh-CN" altLang="en-US"/>
+          </a:p>
+        </p:txBody>
+      </p:sp>
+    </p:spTree>
+  </p:cSld>
+  <p:clrMapOvr>
+    <a:masterClrMapping/>
+  </p:clrMapOvr>
+</p:notes>
+</file>
+
+<file path=ppt/notesSlides/notesSlide20.xml><?xml version="1.0" encoding="utf-8"?>
+<p:notes xmlns:a="http://schemas.openxmlformats.org/drawingml/2006/main" xmlns:r="http://schemas.openxmlformats.org/officeDocument/2006/relationships" xmlns:p="http://schemas.openxmlformats.org/presentationml/2006/main">
+  <p:cSld>
+    <p:spTree>
+      <p:nvGrpSpPr>
+        <p:cNvPr id="1" name=""/>
+        <p:cNvGrpSpPr/>
+        <p:nvPr/>
+      </p:nvGrpSpPr>
+      <p:grpSpPr/>
+      <p:sp>
+        <p:nvSpPr>
+          <p:cNvPr id="2" name="幻灯片图像占位符 1"/>
+          <p:cNvSpPr/>
           <p:nvPr>
-            <p:ph type="sldNum" sz="quarter" idx="5"/>
+            <p:ph type="sldImg" idx="2"/>
           </p:nvPr>
         </p:nvSpPr>
         <p:spPr/>
+      </p:sp>
+      <p:sp>
+        <p:nvSpPr>
+          <p:cNvPr id="3" name="文本占位符 2"/>
+          <p:cNvSpPr/>
+          <p:nvPr>
+            <p:ph type="body" idx="3"/>
+          </p:nvPr>
+        </p:nvSpPr>
+        <p:spPr/>
         <p:txBody>
           <a:bodyPr/>
-          <a:lstStyle/>
-          <a:p>
-            <a:fld id="{C051D1BE-CA4E-40ED-88EB-F0221502D351}" type="slidenum">
-              <a:rPr lang="zh-CN" altLang="en-US" smtClean="0"/>
-            </a:fld>
+          <a:p>
+            <a:endParaRPr lang="zh-CN" altLang="en-US"/>
+          </a:p>
+        </p:txBody>
+      </p:sp>
+    </p:spTree>
+  </p:cSld>
+  <p:clrMapOvr>
+    <a:masterClrMapping/>
+  </p:clrMapOvr>
+</p:notes>
+</file>
+
+<file path=ppt/notesSlides/notesSlide21.xml><?xml version="1.0" encoding="utf-8"?>
+<p:notes xmlns:a="http://schemas.openxmlformats.org/drawingml/2006/main" xmlns:r="http://schemas.openxmlformats.org/officeDocument/2006/relationships" xmlns:p="http://schemas.openxmlformats.org/presentationml/2006/main">
+  <p:cSld>
+    <p:spTree>
+      <p:nvGrpSpPr>
+        <p:cNvPr id="1" name=""/>
+        <p:cNvGrpSpPr/>
+        <p:nvPr/>
+      </p:nvGrpSpPr>
+      <p:grpSpPr/>
+      <p:sp>
+        <p:nvSpPr>
+          <p:cNvPr id="2" name="幻灯片图像占位符 1"/>
+          <p:cNvSpPr/>
+          <p:nvPr>
+            <p:ph type="sldImg" idx="2"/>
+          </p:nvPr>
+        </p:nvSpPr>
+        <p:spPr/>
+      </p:sp>
+      <p:sp>
+        <p:nvSpPr>
+          <p:cNvPr id="3" name="文本占位符 2"/>
+          <p:cNvSpPr/>
+          <p:nvPr>
+            <p:ph type="body" idx="3"/>
+          </p:nvPr>
+        </p:nvSpPr>
+        <p:spPr/>
+        <p:txBody>
+          <a:bodyPr/>
+          <a:p>
+            <a:endParaRPr lang="zh-CN" altLang="en-US"/>
+          </a:p>
+        </p:txBody>
+      </p:sp>
+    </p:spTree>
+  </p:cSld>
+  <p:clrMapOvr>
+    <a:masterClrMapping/>
+  </p:clrMapOvr>
+</p:notes>
+</file>
+
+<file path=ppt/notesSlides/notesSlide22.xml><?xml version="1.0" encoding="utf-8"?>
+<p:notes xmlns:a="http://schemas.openxmlformats.org/drawingml/2006/main" xmlns:r="http://schemas.openxmlformats.org/officeDocument/2006/relationships" xmlns:p="http://schemas.openxmlformats.org/presentationml/2006/main">
+  <p:cSld>
+    <p:spTree>
+      <p:nvGrpSpPr>
+        <p:cNvPr id="1" name=""/>
+        <p:cNvGrpSpPr/>
+        <p:nvPr/>
+      </p:nvGrpSpPr>
+      <p:grpSpPr/>
+      <p:sp>
+        <p:nvSpPr>
+          <p:cNvPr id="2" name="幻灯片图像占位符 1"/>
+          <p:cNvSpPr/>
+          <p:nvPr>
+            <p:ph type="sldImg" idx="2"/>
+          </p:nvPr>
+        </p:nvSpPr>
+        <p:spPr/>
+      </p:sp>
+      <p:sp>
+        <p:nvSpPr>
+          <p:cNvPr id="3" name="文本占位符 2"/>
+          <p:cNvSpPr/>
+          <p:nvPr>
+            <p:ph type="body" idx="3"/>
+          </p:nvPr>
+        </p:nvSpPr>
+        <p:spPr/>
+        <p:txBody>
+          <a:bodyPr/>
+          <a:p>
             <a:endParaRPr lang="zh-CN" altLang="en-US"/>
           </a:p>
         </p:txBody>
@@ -722,96 +1370,29 @@
         <p:cNvGrpSpPr/>
         <p:nvPr/>
       </p:nvGrpSpPr>
-      <p:grpSpPr>
-        <a:xfrm>
-          <a:off x="0" y="0"/>
-          <a:ext cx="0" cy="0"/>
-          <a:chOff x="0" y="0"/>
-          <a:chExt cx="0" cy="0"/>
-        </a:xfrm>
-      </p:grpSpPr>
+      <p:grpSpPr/>
       <p:sp>
         <p:nvSpPr>
           <p:cNvPr id="2" name="幻灯片图像占位符 1"/>
-          <p:cNvSpPr>
-            <a:spLocks noGrp="1" noRot="1" noChangeAspect="1"/>
-          </p:cNvSpPr>
+          <p:cNvSpPr/>
           <p:nvPr>
-            <p:ph type="sldImg"/>
+            <p:ph type="sldImg" idx="2"/>
           </p:nvPr>
         </p:nvSpPr>
         <p:spPr/>
       </p:sp>
       <p:sp>
         <p:nvSpPr>
-          <p:cNvPr id="3" name="备注占位符 2"/>
-          <p:cNvSpPr>
-            <a:spLocks noGrp="1"/>
-          </p:cNvSpPr>
+          <p:cNvPr id="3" name="文本占位符 2"/>
+          <p:cNvSpPr/>
           <p:nvPr>
-            <p:ph type="body" idx="1"/>
+            <p:ph type="body" idx="3"/>
           </p:nvPr>
         </p:nvSpPr>
         <p:spPr/>
         <p:txBody>
           <a:bodyPr/>
-          <a:lstStyle/>
-          <a:p>
-            <a:r>
-              <a:rPr lang="zh-CN" altLang="en-US" b="0" i="0" dirty="0">
-                <a:solidFill>
-                  <a:srgbClr val="000000"/>
-                </a:solidFill>
-                <a:effectLst/>
-                <a:latin typeface="微软雅黑" panose="020B0503020204020204" pitchFamily="34" charset="-122"/>
-                <a:ea typeface="微软雅黑" panose="020B0503020204020204" pitchFamily="34" charset="-122"/>
-              </a:rPr>
-              <a:t>随机卷积近似保持形状，但可能会扭曲局部纹理。直观地说，随机卷积创建了无限数量的具有相似全局形状但随机局部纹理的新域。因此，我们探索在训练中使用多尺度随机卷积的输出作为新图像或将其与原始图像混合。当应用我们的方法训练的网络到看不见的域时，我们的方法持续提高了域泛化基准的性能，并且可扩展到</a:t>
-            </a:r>
-            <a:r>
-              <a:rPr lang="en-US" altLang="zh-CN" b="0" i="0" dirty="0">
-                <a:solidFill>
-                  <a:srgbClr val="000000"/>
-                </a:solidFill>
-                <a:effectLst/>
-                <a:latin typeface="微软雅黑" panose="020B0503020204020204" pitchFamily="34" charset="-122"/>
-                <a:ea typeface="微软雅黑" panose="020B0503020204020204" pitchFamily="34" charset="-122"/>
-              </a:rPr>
-              <a:t>ImageNet</a:t>
-            </a:r>
-            <a:r>
-              <a:rPr lang="zh-CN" altLang="en-US" b="0" i="0" dirty="0">
-                <a:solidFill>
-                  <a:srgbClr val="000000"/>
-                </a:solidFill>
-                <a:effectLst/>
-                <a:latin typeface="微软雅黑" panose="020B0503020204020204" pitchFamily="34" charset="-122"/>
-                <a:ea typeface="微软雅黑" panose="020B0503020204020204" pitchFamily="34" charset="-122"/>
-              </a:rPr>
-              <a:t>。</a:t>
-            </a:r>
-            <a:endParaRPr lang="zh-CN" altLang="en-US" dirty="0"/>
-          </a:p>
-        </p:txBody>
-      </p:sp>
-      <p:sp>
-        <p:nvSpPr>
-          <p:cNvPr id="4" name="灯片编号占位符 3"/>
-          <p:cNvSpPr>
-            <a:spLocks noGrp="1"/>
-          </p:cNvSpPr>
-          <p:nvPr>
-            <p:ph type="sldNum" sz="quarter" idx="5"/>
-          </p:nvPr>
-        </p:nvSpPr>
-        <p:spPr/>
-        <p:txBody>
-          <a:bodyPr/>
-          <a:lstStyle/>
-          <a:p>
-            <a:fld id="{C051D1BE-CA4E-40ED-88EB-F0221502D351}" type="slidenum">
-              <a:rPr lang="zh-CN" altLang="en-US" smtClean="0"/>
-            </a:fld>
+          <a:p>
             <a:endParaRPr lang="zh-CN" altLang="en-US"/>
           </a:p>
         </p:txBody>
@@ -868,13 +1449,77 @@
           <a:bodyPr/>
           <a:lstStyle/>
           <a:p>
-            <a:r>
-              <a:rPr lang="zh-CN" altLang="en-US" b="0" i="0" dirty="0">
+            <a:pPr marL="0" marR="0" lvl="0" indent="0" algn="l" defTabSz="914400" rtl="0" eaLnBrk="1" fontAlgn="auto" latinLnBrk="0" hangingPunct="1">
+              <a:lnSpc>
+                <a:spcPct val="100000"/>
+              </a:lnSpc>
+              <a:spcBef>
+                <a:spcPts val="0"/>
+              </a:spcBef>
+              <a:spcAft>
+                <a:spcPts val="0"/>
+              </a:spcAft>
+              <a:buClrTx/>
+              <a:buSzTx/>
+              <a:buFontTx/>
+              <a:buNone/>
+              <a:defRPr/>
+            </a:pPr>
+            <a:r>
+              <a:rPr lang="zh-CN" altLang="en-US" sz="1200" i="0" dirty="0">
                 <a:effectLst/>
                 <a:latin typeface="-apple-system"/>
               </a:rPr>
-              <a:t>金字塔一致性是指在图像处理中，将图像分解为不同尺度的金字塔，然后在不同尺度的图像之间强制执行一致性。在这篇文章中，金字塔一致性被用于训练模型，以便在不同域之间学习到具有更好泛化能力的表示。具体来说，金字塔一致性被用于在不同风格但具有相同语义内容的图像之间强制执行一致性，以便在测试阶段，模型可以泛化到看不见的目标域。此外，该方法还使用金字塔一致性在图像内部和跨域之间强制执行一致性，以便在处理不同域之间的系统差异时提高模型的鲁棒性。</a:t>
-            </a:r>
+              <a:t>医疗影像分析是一个复杂的任务</a:t>
+            </a:r>
+            <a:r>
+              <a:rPr lang="en-US" altLang="zh-CN" sz="1200" i="0" dirty="0">
+                <a:effectLst/>
+                <a:latin typeface="-apple-system"/>
+              </a:rPr>
+              <a:t>,</a:t>
+            </a:r>
+            <a:r>
+              <a:rPr lang="zh-CN" altLang="en-US" sz="1200" i="0" dirty="0">
+                <a:effectLst/>
+                <a:latin typeface="-apple-system"/>
+              </a:rPr>
+              <a:t>传统方法面临诸多困难。近年来</a:t>
+            </a:r>
+            <a:r>
+              <a:rPr lang="en-US" altLang="zh-CN" sz="1200" i="0" dirty="0">
+                <a:effectLst/>
+                <a:latin typeface="-apple-system"/>
+              </a:rPr>
+              <a:t>,</a:t>
+            </a:r>
+            <a:r>
+              <a:rPr lang="zh-CN" altLang="en-US" sz="1200" i="0" dirty="0">
+                <a:effectLst/>
+                <a:latin typeface="-apple-system"/>
+              </a:rPr>
+              <a:t>深度学习技术在医疗影像分析方面取得了长足的进步</a:t>
+            </a:r>
+            <a:r>
+              <a:rPr lang="en-US" altLang="zh-CN" sz="1200" i="0" u="none" strike="noStrike" dirty="0">
+                <a:effectLst/>
+                <a:latin typeface="-apple-system"/>
+              </a:rPr>
+              <a:t>[5]</a:t>
+            </a:r>
+            <a:r>
+              <a:rPr lang="zh-CN" altLang="en-US" sz="1200" i="0" dirty="0">
+                <a:effectLst/>
+                <a:latin typeface="-apple-system"/>
+              </a:rPr>
+              <a:t>。</a:t>
+            </a:r>
+            <a:endParaRPr lang="zh-CN" altLang="en-US" sz="1200" i="0" dirty="0">
+              <a:effectLst/>
+              <a:latin typeface="-apple-system"/>
+            </a:endParaRPr>
+          </a:p>
+          <a:p>
             <a:endParaRPr lang="zh-CN" altLang="en-US" dirty="0"/>
           </a:p>
         </p:txBody>
@@ -897,6 +1542,312 @@
             <a:fld id="{C051D1BE-CA4E-40ED-88EB-F0221502D351}" type="slidenum">
               <a:rPr lang="zh-CN" altLang="en-US" smtClean="0"/>
             </a:fld>
+            <a:endParaRPr lang="zh-CN" altLang="en-US"/>
+          </a:p>
+        </p:txBody>
+      </p:sp>
+    </p:spTree>
+  </p:cSld>
+  <p:clrMapOvr>
+    <a:masterClrMapping/>
+  </p:clrMapOvr>
+</p:notes>
+</file>
+
+<file path=ppt/notesSlides/notesSlide5.xml><?xml version="1.0" encoding="utf-8"?>
+<p:notes xmlns:a="http://schemas.openxmlformats.org/drawingml/2006/main" xmlns:r="http://schemas.openxmlformats.org/officeDocument/2006/relationships" xmlns:p="http://schemas.openxmlformats.org/presentationml/2006/main">
+  <p:cSld>
+    <p:spTree>
+      <p:nvGrpSpPr>
+        <p:cNvPr id="1" name=""/>
+        <p:cNvGrpSpPr/>
+        <p:nvPr/>
+      </p:nvGrpSpPr>
+      <p:grpSpPr>
+        <a:xfrm>
+          <a:off x="0" y="0"/>
+          <a:ext cx="0" cy="0"/>
+          <a:chOff x="0" y="0"/>
+          <a:chExt cx="0" cy="0"/>
+        </a:xfrm>
+      </p:grpSpPr>
+      <p:sp>
+        <p:nvSpPr>
+          <p:cNvPr id="2" name="幻灯片图像占位符 1"/>
+          <p:cNvSpPr>
+            <a:spLocks noGrp="1" noRot="1" noChangeAspect="1"/>
+          </p:cNvSpPr>
+          <p:nvPr>
+            <p:ph type="sldImg"/>
+          </p:nvPr>
+        </p:nvSpPr>
+        <p:spPr/>
+      </p:sp>
+      <p:sp>
+        <p:nvSpPr>
+          <p:cNvPr id="3" name="备注占位符 2"/>
+          <p:cNvSpPr>
+            <a:spLocks noGrp="1"/>
+          </p:cNvSpPr>
+          <p:nvPr>
+            <p:ph type="body" idx="1"/>
+          </p:nvPr>
+        </p:nvSpPr>
+        <p:spPr/>
+        <p:txBody>
+          <a:bodyPr/>
+          <a:lstStyle/>
+          <a:p>
+            <a:r>
+              <a:rPr lang="zh-CN" altLang="en-US" sz="1200" dirty="0"/>
+              <a:t>然而，当训练数据和测试数据的概率分布不同时，机器学习模型的性能往往会因域分布差距而下降。不现实性</a:t>
+            </a:r>
+            <a:r>
+              <a:rPr lang="en-US" altLang="zh-CN" sz="1200" dirty="0"/>
+              <a:t> </a:t>
+            </a:r>
+            <a:r>
+              <a:rPr lang="zh-CN" altLang="en-US" sz="1200" dirty="0"/>
+              <a:t>深度学习价值</a:t>
+            </a:r>
+            <a:r>
+              <a:rPr lang="en-US" altLang="zh-CN" sz="1200" dirty="0"/>
+              <a:t> 2.</a:t>
+            </a:r>
+            <a:r>
+              <a:rPr lang="zh-CN" altLang="en-US" sz="1200" dirty="0"/>
+              <a:t>机器学习在</a:t>
+            </a:r>
+            <a:r>
+              <a:rPr lang="en-US" altLang="zh-CN" sz="1200" dirty="0"/>
+              <a:t>iid</a:t>
+            </a:r>
+            <a:r>
+              <a:rPr lang="zh-CN" altLang="en-US" sz="1200" dirty="0"/>
+              <a:t>假设下</a:t>
+            </a:r>
+            <a:r>
+              <a:rPr lang="en-US" altLang="zh-CN" sz="1200" dirty="0"/>
+              <a:t>   </a:t>
+            </a:r>
+            <a:r>
+              <a:rPr lang="zh-CN" altLang="en-US" sz="1200" dirty="0"/>
+              <a:t>有局限性</a:t>
+            </a:r>
+            <a:r>
+              <a:rPr lang="en-US" altLang="zh-CN" sz="1200" dirty="0"/>
+              <a:t>   </a:t>
+            </a:r>
+            <a:r>
+              <a:rPr lang="zh-CN" altLang="en-US" sz="1200" dirty="0"/>
+              <a:t>如何利用有偏数据提升</a:t>
+            </a:r>
+            <a:r>
+              <a:rPr lang="zh-CN" altLang="en-US" sz="1200" dirty="0"/>
+              <a:t>繁华行深度</a:t>
+            </a:r>
+            <a:r>
+              <a:rPr lang="zh-CN" altLang="en-US" sz="1200" dirty="0"/>
+              <a:t>学习</a:t>
+            </a:r>
+            <a:endParaRPr lang="zh-CN" altLang="en-US" sz="1200" dirty="0"/>
+          </a:p>
+        </p:txBody>
+      </p:sp>
+      <p:sp>
+        <p:nvSpPr>
+          <p:cNvPr id="4" name="灯片编号占位符 3"/>
+          <p:cNvSpPr>
+            <a:spLocks noGrp="1"/>
+          </p:cNvSpPr>
+          <p:nvPr>
+            <p:ph type="sldNum" sz="quarter" idx="5"/>
+          </p:nvPr>
+        </p:nvSpPr>
+        <p:spPr/>
+        <p:txBody>
+          <a:bodyPr/>
+          <a:lstStyle/>
+          <a:p>
+            <a:fld id="{C051D1BE-CA4E-40ED-88EB-F0221502D351}" type="slidenum">
+              <a:rPr lang="zh-CN" altLang="en-US" smtClean="0"/>
+            </a:fld>
+            <a:endParaRPr lang="zh-CN" altLang="en-US"/>
+          </a:p>
+        </p:txBody>
+      </p:sp>
+    </p:spTree>
+  </p:cSld>
+  <p:clrMapOvr>
+    <a:masterClrMapping/>
+  </p:clrMapOvr>
+</p:notes>
+</file>
+
+<file path=ppt/notesSlides/notesSlide6.xml><?xml version="1.0" encoding="utf-8"?>
+<p:notes xmlns:a="http://schemas.openxmlformats.org/drawingml/2006/main" xmlns:r="http://schemas.openxmlformats.org/officeDocument/2006/relationships" xmlns:p="http://schemas.openxmlformats.org/presentationml/2006/main">
+  <p:cSld>
+    <p:spTree>
+      <p:nvGrpSpPr>
+        <p:cNvPr id="1" name=""/>
+        <p:cNvGrpSpPr/>
+        <p:nvPr/>
+      </p:nvGrpSpPr>
+      <p:grpSpPr/>
+      <p:sp>
+        <p:nvSpPr>
+          <p:cNvPr id="2" name="幻灯片图像占位符 1"/>
+          <p:cNvSpPr/>
+          <p:nvPr>
+            <p:ph type="sldImg" idx="2"/>
+          </p:nvPr>
+        </p:nvSpPr>
+        <p:spPr/>
+      </p:sp>
+      <p:sp>
+        <p:nvSpPr>
+          <p:cNvPr id="3" name="文本占位符 2"/>
+          <p:cNvSpPr/>
+          <p:nvPr>
+            <p:ph type="body" idx="3"/>
+          </p:nvPr>
+        </p:nvSpPr>
+        <p:spPr/>
+        <p:txBody>
+          <a:bodyPr/>
+          <a:p>
+            <a:endParaRPr lang="zh-CN" altLang="en-US"/>
+          </a:p>
+        </p:txBody>
+      </p:sp>
+    </p:spTree>
+  </p:cSld>
+  <p:clrMapOvr>
+    <a:masterClrMapping/>
+  </p:clrMapOvr>
+</p:notes>
+</file>
+
+<file path=ppt/notesSlides/notesSlide7.xml><?xml version="1.0" encoding="utf-8"?>
+<p:notes xmlns:a="http://schemas.openxmlformats.org/drawingml/2006/main" xmlns:r="http://schemas.openxmlformats.org/officeDocument/2006/relationships" xmlns:p="http://schemas.openxmlformats.org/presentationml/2006/main">
+  <p:cSld>
+    <p:spTree>
+      <p:nvGrpSpPr>
+        <p:cNvPr id="1" name=""/>
+        <p:cNvGrpSpPr/>
+        <p:nvPr/>
+      </p:nvGrpSpPr>
+      <p:grpSpPr/>
+      <p:sp>
+        <p:nvSpPr>
+          <p:cNvPr id="2" name="幻灯片图像占位符 1"/>
+          <p:cNvSpPr/>
+          <p:nvPr>
+            <p:ph type="sldImg" idx="2"/>
+          </p:nvPr>
+        </p:nvSpPr>
+        <p:spPr/>
+      </p:sp>
+      <p:sp>
+        <p:nvSpPr>
+          <p:cNvPr id="3" name="文本占位符 2"/>
+          <p:cNvSpPr/>
+          <p:nvPr>
+            <p:ph type="body" idx="3"/>
+          </p:nvPr>
+        </p:nvSpPr>
+        <p:spPr/>
+        <p:txBody>
+          <a:bodyPr/>
+          <a:p>
+            <a:endParaRPr lang="zh-CN" altLang="en-US"/>
+          </a:p>
+        </p:txBody>
+      </p:sp>
+    </p:spTree>
+  </p:cSld>
+  <p:clrMapOvr>
+    <a:masterClrMapping/>
+  </p:clrMapOvr>
+</p:notes>
+</file>
+
+<file path=ppt/notesSlides/notesSlide8.xml><?xml version="1.0" encoding="utf-8"?>
+<p:notes xmlns:a="http://schemas.openxmlformats.org/drawingml/2006/main" xmlns:r="http://schemas.openxmlformats.org/officeDocument/2006/relationships" xmlns:p="http://schemas.openxmlformats.org/presentationml/2006/main">
+  <p:cSld>
+    <p:spTree>
+      <p:nvGrpSpPr>
+        <p:cNvPr id="1" name=""/>
+        <p:cNvGrpSpPr/>
+        <p:nvPr/>
+      </p:nvGrpSpPr>
+      <p:grpSpPr/>
+      <p:sp>
+        <p:nvSpPr>
+          <p:cNvPr id="2" name="幻灯片图像占位符 1"/>
+          <p:cNvSpPr/>
+          <p:nvPr>
+            <p:ph type="sldImg" idx="2"/>
+          </p:nvPr>
+        </p:nvSpPr>
+        <p:spPr/>
+      </p:sp>
+      <p:sp>
+        <p:nvSpPr>
+          <p:cNvPr id="3" name="文本占位符 2"/>
+          <p:cNvSpPr/>
+          <p:nvPr>
+            <p:ph type="body" idx="3"/>
+          </p:nvPr>
+        </p:nvSpPr>
+        <p:spPr/>
+        <p:txBody>
+          <a:bodyPr/>
+          <a:p>
+            <a:endParaRPr lang="zh-CN" altLang="en-US"/>
+          </a:p>
+        </p:txBody>
+      </p:sp>
+    </p:spTree>
+  </p:cSld>
+  <p:clrMapOvr>
+    <a:masterClrMapping/>
+  </p:clrMapOvr>
+</p:notes>
+</file>
+
+<file path=ppt/notesSlides/notesSlide9.xml><?xml version="1.0" encoding="utf-8"?>
+<p:notes xmlns:a="http://schemas.openxmlformats.org/drawingml/2006/main" xmlns:r="http://schemas.openxmlformats.org/officeDocument/2006/relationships" xmlns:p="http://schemas.openxmlformats.org/presentationml/2006/main">
+  <p:cSld>
+    <p:spTree>
+      <p:nvGrpSpPr>
+        <p:cNvPr id="1" name=""/>
+        <p:cNvGrpSpPr/>
+        <p:nvPr/>
+      </p:nvGrpSpPr>
+      <p:grpSpPr/>
+      <p:sp>
+        <p:nvSpPr>
+          <p:cNvPr id="2" name="幻灯片图像占位符 1"/>
+          <p:cNvSpPr/>
+          <p:nvPr>
+            <p:ph type="sldImg" idx="2"/>
+          </p:nvPr>
+        </p:nvSpPr>
+        <p:spPr/>
+      </p:sp>
+      <p:sp>
+        <p:nvSpPr>
+          <p:cNvPr id="3" name="文本占位符 2"/>
+          <p:cNvSpPr/>
+          <p:nvPr>
+            <p:ph type="body" idx="3"/>
+          </p:nvPr>
+        </p:nvSpPr>
+        <p:spPr/>
+        <p:txBody>
+          <a:bodyPr/>
+          <a:p>
             <a:endParaRPr lang="zh-CN" altLang="en-US"/>
           </a:p>
         </p:txBody>
@@ -4282,7 +5233,7 @@
         </p:nvSpPr>
         <p:spPr>
           <a:xfrm>
-            <a:off x="1187450" y="441960"/>
+            <a:off x="1187450" y="441325"/>
             <a:ext cx="4064000" cy="368300"/>
           </a:xfrm>
           <a:prstGeom prst="rect">
@@ -4300,16 +5251,40 @@
           </a:p>
         </p:txBody>
       </p:sp>
-      <p:sp>
-        <p:nvSpPr>
-          <p:cNvPr id="3" name="文本框 2"/>
+      <p:pic>
+        <p:nvPicPr>
+          <p:cNvPr id="4" name="图片 3"/>
+          <p:cNvPicPr>
+            <a:picLocks noChangeAspect="1"/>
+          </p:cNvPicPr>
+          <p:nvPr/>
+        </p:nvPicPr>
+        <p:blipFill>
+          <a:blip r:embed="rId3"/>
+          <a:stretch>
+            <a:fillRect/>
+          </a:stretch>
+        </p:blipFill>
+        <p:spPr>
+          <a:xfrm>
+            <a:off x="4581832" y="2333761"/>
+            <a:ext cx="7106110" cy="3838285"/>
+          </a:xfrm>
+          <a:prstGeom prst="rect">
+            <a:avLst/>
+          </a:prstGeom>
+        </p:spPr>
+      </p:pic>
+      <p:sp>
+        <p:nvSpPr>
+          <p:cNvPr id="6" name="文本框 5"/>
           <p:cNvSpPr txBox="1"/>
           <p:nvPr/>
         </p:nvSpPr>
         <p:spPr>
           <a:xfrm>
-            <a:off x="1479176" y="1366800"/>
-            <a:ext cx="9233647" cy="5201617"/>
+            <a:off x="171450" y="1120676"/>
+            <a:ext cx="6096000" cy="646331"/>
           </a:xfrm>
           <a:prstGeom prst="rect">
             <a:avLst/>
@@ -4317,115 +5292,75 @@
           <a:noFill/>
         </p:spPr>
         <p:txBody>
+          <a:bodyPr wrap="square">
+            <a:spAutoFit/>
+          </a:bodyPr>
+          <a:lstStyle/>
+          <a:p>
+            <a:pPr algn="just"/>
+            <a:r>
+              <a:rPr lang="en-US" altLang="zh-CN" b="0" i="0" dirty="0">
+                <a:solidFill>
+                  <a:srgbClr val="000000"/>
+                </a:solidFill>
+                <a:effectLst/>
+                <a:latin typeface="微软雅黑" panose="020B0503020204020204" pitchFamily="34" charset="-122"/>
+                <a:ea typeface="微软雅黑" panose="020B0503020204020204" pitchFamily="34" charset="-122"/>
+              </a:rPr>
+              <a:t>Xu</a:t>
+            </a:r>
+            <a:r>
+              <a:rPr lang="zh-CN" altLang="en-US" b="0" i="0" dirty="0">
+                <a:solidFill>
+                  <a:srgbClr val="000000"/>
+                </a:solidFill>
+                <a:effectLst/>
+                <a:latin typeface="微软雅黑" panose="020B0503020204020204" pitchFamily="34" charset="-122"/>
+                <a:ea typeface="微软雅黑" panose="020B0503020204020204" pitchFamily="34" charset="-122"/>
+              </a:rPr>
+              <a:t>等人提出通过使用随机卷积作为数据增强，神经网络的鲁棒性可以大大提高。</a:t>
+            </a:r>
+            <a:endParaRPr lang="zh-CN" altLang="en-US" b="0" i="0" dirty="0">
+              <a:solidFill>
+                <a:srgbClr val="000000"/>
+              </a:solidFill>
+              <a:effectLst/>
+              <a:latin typeface="微软雅黑" panose="020B0503020204020204" pitchFamily="34" charset="-122"/>
+              <a:ea typeface="微软雅黑" panose="020B0503020204020204" pitchFamily="34" charset="-122"/>
+            </a:endParaRPr>
+          </a:p>
+        </p:txBody>
+      </p:sp>
+      <p:sp>
+        <p:nvSpPr>
+          <p:cNvPr id="5" name="文本框 4"/>
+          <p:cNvSpPr txBox="1"/>
+          <p:nvPr/>
+        </p:nvSpPr>
+        <p:spPr>
+          <a:xfrm>
+            <a:off x="300675" y="100513"/>
+            <a:ext cx="4064000" cy="645160"/>
+          </a:xfrm>
+          <a:prstGeom prst="rect">
+            <a:avLst/>
+          </a:prstGeom>
+          <a:noFill/>
+        </p:spPr>
+        <p:txBody>
           <a:bodyPr wrap="square" rtlCol="0">
             <a:spAutoFit/>
           </a:bodyPr>
-          <a:lstStyle/>
-          <a:p>
-            <a:pPr>
-              <a:lnSpc>
-                <a:spcPct val="150000"/>
-              </a:lnSpc>
-            </a:pPr>
-            <a:r>
-              <a:rPr lang="zh-CN" altLang="en-US" sz="2800" dirty="0"/>
-              <a:t>现有的域泛化方法可以分为如下几类：</a:t>
-            </a:r>
-            <a:endParaRPr lang="en-US" altLang="zh-CN" sz="2800" dirty="0"/>
-          </a:p>
-          <a:p>
-            <a:pPr marL="571500" indent="-571500">
-              <a:lnSpc>
-                <a:spcPct val="150000"/>
-              </a:lnSpc>
-              <a:buFont typeface="Arial" panose="020B0604020202020204" pitchFamily="34" charset="0"/>
-              <a:buChar char="•"/>
-            </a:pPr>
+          <a:p>
             <a:r>
               <a:rPr lang="zh-CN" altLang="en-US" sz="3600" dirty="0"/>
-              <a:t>数据操纵</a:t>
-            </a:r>
-            <a:endParaRPr lang="en-US" altLang="zh-CN" sz="3600" dirty="0"/>
-          </a:p>
-          <a:p>
-            <a:pPr marL="1028700" lvl="1" indent="-571500">
-              <a:lnSpc>
-                <a:spcPct val="150000"/>
-              </a:lnSpc>
-              <a:buFont typeface="Arial" panose="020B0604020202020204" pitchFamily="34" charset="0"/>
-              <a:buChar char="•"/>
-            </a:pPr>
-            <a:r>
-              <a:rPr lang="zh-CN" altLang="en-US" sz="2000" dirty="0"/>
-              <a:t>数据增强</a:t>
-            </a:r>
-            <a:endParaRPr lang="en-US" altLang="zh-CN" sz="2000" dirty="0"/>
-          </a:p>
-          <a:p>
-            <a:pPr marL="1028700" lvl="1" indent="-571500">
-              <a:lnSpc>
-                <a:spcPct val="150000"/>
-              </a:lnSpc>
-              <a:buFont typeface="Arial" panose="020B0604020202020204" pitchFamily="34" charset="0"/>
-              <a:buChar char="•"/>
-            </a:pPr>
-            <a:r>
-              <a:rPr lang="zh-CN" altLang="en-US" sz="2000" dirty="0"/>
-              <a:t>数据生成</a:t>
-            </a:r>
-            <a:endParaRPr lang="en-US" altLang="zh-CN" sz="2000" dirty="0"/>
-          </a:p>
-          <a:p>
-            <a:pPr marL="571500" indent="-571500">
-              <a:lnSpc>
-                <a:spcPct val="150000"/>
-              </a:lnSpc>
-              <a:buFont typeface="Arial" panose="020B0604020202020204" pitchFamily="34" charset="0"/>
-              <a:buChar char="•"/>
-            </a:pPr>
+              <a:t>研究</a:t>
+            </a:r>
             <a:r>
               <a:rPr lang="zh-CN" altLang="en-US" sz="3600" dirty="0"/>
-              <a:t>表征学习</a:t>
-            </a:r>
-            <a:endParaRPr lang="en-US" altLang="zh-CN" sz="3600" dirty="0"/>
-          </a:p>
-          <a:p>
-            <a:pPr marL="1028700" lvl="1" indent="-571500">
-              <a:lnSpc>
-                <a:spcPct val="150000"/>
-              </a:lnSpc>
-              <a:buFont typeface="Arial" panose="020B0604020202020204" pitchFamily="34" charset="0"/>
-              <a:buChar char="•"/>
-            </a:pPr>
-            <a:r>
-              <a:rPr lang="zh-CN" altLang="en-US" sz="2000" dirty="0"/>
-              <a:t>域不变表征学习</a:t>
-            </a:r>
-            <a:endParaRPr lang="en-US" altLang="zh-CN" sz="2000" dirty="0"/>
-          </a:p>
-          <a:p>
-            <a:pPr marL="1028700" lvl="1" indent="-571500">
-              <a:lnSpc>
-                <a:spcPct val="150000"/>
-              </a:lnSpc>
-              <a:buFont typeface="Arial" panose="020B0604020202020204" pitchFamily="34" charset="0"/>
-              <a:buChar char="•"/>
-            </a:pPr>
-            <a:r>
-              <a:rPr lang="zh-CN" altLang="en-US" sz="2000" dirty="0"/>
-              <a:t>特征解耦学习</a:t>
-            </a:r>
-            <a:endParaRPr lang="en-US" altLang="zh-CN" sz="2000" dirty="0"/>
-          </a:p>
-          <a:p>
-            <a:pPr marL="1028700" lvl="1" indent="-571500">
-              <a:lnSpc>
-                <a:spcPct val="200000"/>
-              </a:lnSpc>
-              <a:buFont typeface="Arial" panose="020B0604020202020204" pitchFamily="34" charset="0"/>
-              <a:buChar char="•"/>
-            </a:pPr>
-            <a:endParaRPr lang="en-US" altLang="zh-CN" sz="3600" dirty="0"/>
+              <a:t>现状</a:t>
+            </a:r>
+            <a:endParaRPr lang="zh-CN" altLang="en-US" sz="3600" dirty="0"/>
           </a:p>
         </p:txBody>
       </p:sp>
@@ -4679,8 +5614,8 @@
         </p:blipFill>
         <p:spPr>
           <a:xfrm>
-            <a:off x="4581832" y="2333761"/>
-            <a:ext cx="7106110" cy="3838285"/>
+            <a:off x="367840" y="3041980"/>
+            <a:ext cx="11149069" cy="3374060"/>
           </a:xfrm>
           <a:prstGeom prst="rect">
             <a:avLst/>
@@ -4689,14 +5624,14 @@
       </p:pic>
       <p:sp>
         <p:nvSpPr>
-          <p:cNvPr id="6" name="文本框 5"/>
+          <p:cNvPr id="5" name="文本框 4"/>
           <p:cNvSpPr txBox="1"/>
           <p:nvPr/>
         </p:nvSpPr>
         <p:spPr>
           <a:xfrm>
-            <a:off x="171450" y="1120676"/>
-            <a:ext cx="6096000" cy="646331"/>
+            <a:off x="367840" y="913336"/>
+            <a:ext cx="10143321" cy="1850635"/>
           </a:xfrm>
           <a:prstGeom prst="rect">
             <a:avLst/>
@@ -4709,37 +5644,128 @@
           </a:bodyPr>
           <a:lstStyle/>
           <a:p>
-            <a:pPr algn="just"/>
+            <a:pPr marL="285750" indent="-285750">
+              <a:lnSpc>
+                <a:spcPct val="150000"/>
+              </a:lnSpc>
+              <a:buFont typeface="Arial" panose="020B0604020202020204" pitchFamily="34" charset="0"/>
+              <a:buChar char="•"/>
+            </a:pPr>
+            <a:r>
+              <a:rPr lang="en-US" altLang="zh-CN" sz="2400" b="0" i="0" dirty="0">
+                <a:effectLst/>
+                <a:latin typeface="-apple-system"/>
+              </a:rPr>
+              <a:t>Yue</a:t>
+            </a:r>
+            <a:r>
+              <a:rPr lang="zh-CN" altLang="en-US" sz="2400" b="0" i="0" dirty="0">
+                <a:effectLst/>
+                <a:latin typeface="-apple-system"/>
+              </a:rPr>
+              <a:t>等人提出使用域随机化和金字塔一致性来进行域泛化</a:t>
+            </a:r>
+            <a:endParaRPr lang="en-US" altLang="zh-CN" sz="2400" dirty="0">
+              <a:latin typeface="-apple-system"/>
+            </a:endParaRPr>
+          </a:p>
+          <a:p>
+            <a:pPr marL="285750" indent="-285750">
+              <a:lnSpc>
+                <a:spcPct val="150000"/>
+              </a:lnSpc>
+              <a:buFont typeface="Arial" panose="020B0604020202020204" pitchFamily="34" charset="0"/>
+              <a:buChar char="•"/>
+            </a:pPr>
+            <a:r>
+              <a:rPr lang="zh-CN" altLang="en-US" b="0" i="0" dirty="0">
+                <a:effectLst/>
+                <a:latin typeface="-apple-system"/>
+              </a:rPr>
+              <a:t>域随机化通过将合成图像映射到多个辅助真实域来生成</a:t>
+            </a:r>
+            <a:r>
+              <a:rPr lang="en-US" altLang="zh-CN" b="0" i="0" dirty="0" err="1">
+                <a:effectLst/>
+                <a:latin typeface="-apple-system"/>
+              </a:rPr>
+              <a:t>ood</a:t>
+            </a:r>
+            <a:r>
+              <a:rPr lang="zh-CN" altLang="en-US" b="0" i="0" dirty="0">
+                <a:effectLst/>
+                <a:latin typeface="-apple-system"/>
+              </a:rPr>
+              <a:t>数据，以便于在测试阶段</a:t>
+            </a:r>
             <a:r>
               <a:rPr lang="en-US" altLang="zh-CN" b="0" i="0" dirty="0">
-                <a:solidFill>
-                  <a:srgbClr val="000000"/>
-                </a:solidFill>
                 <a:effectLst/>
-                <a:latin typeface="微软雅黑" panose="020B0503020204020204" pitchFamily="34" charset="-122"/>
-                <a:ea typeface="微软雅黑" panose="020B0503020204020204" pitchFamily="34" charset="-122"/>
+                <a:latin typeface="-apple-system"/>
               </a:rPr>
-              <a:t>Xu</a:t>
+              <a:t>CNN</a:t>
             </a:r>
             <a:r>
               <a:rPr lang="zh-CN" altLang="en-US" b="0" i="0" dirty="0">
-                <a:solidFill>
-                  <a:srgbClr val="000000"/>
-                </a:solidFill>
                 <a:effectLst/>
-                <a:latin typeface="微软雅黑" panose="020B0503020204020204" pitchFamily="34" charset="-122"/>
-                <a:ea typeface="微软雅黑" panose="020B0503020204020204" pitchFamily="34" charset="-122"/>
+                <a:latin typeface="-apple-system"/>
               </a:rPr>
-              <a:t>等人提出通过使用随机卷积作为数据增强，神经网络的鲁棒性可以大大提高。</a:t>
-            </a:r>
-            <a:endParaRPr lang="zh-CN" altLang="en-US" b="0" i="0" dirty="0">
-              <a:solidFill>
-                <a:srgbClr val="000000"/>
-              </a:solidFill>
+              <a:t>模型将目标域当作真实域来处理。</a:t>
+            </a:r>
+            <a:endParaRPr lang="en-US" altLang="zh-CN" b="0" i="0" dirty="0">
               <a:effectLst/>
-              <a:latin typeface="微软雅黑" panose="020B0503020204020204" pitchFamily="34" charset="-122"/>
-              <a:ea typeface="微软雅黑" panose="020B0503020204020204" pitchFamily="34" charset="-122"/>
+              <a:latin typeface="-apple-system"/>
             </a:endParaRPr>
+          </a:p>
+          <a:p>
+            <a:pPr marL="285750" indent="-285750">
+              <a:lnSpc>
+                <a:spcPct val="150000"/>
+              </a:lnSpc>
+              <a:buFont typeface="Arial" panose="020B0604020202020204" pitchFamily="34" charset="0"/>
+              <a:buChar char="•"/>
+            </a:pPr>
+            <a:r>
+              <a:rPr lang="zh-CN" altLang="en-US" b="0" i="0" dirty="0">
+                <a:effectLst/>
+                <a:latin typeface="-apple-system"/>
+              </a:rPr>
+              <a:t>金字塔一致性训练则通过在域内和跨域强制执行金字塔一致性来学习具有更好泛化能力的表示。</a:t>
+            </a:r>
+            <a:endParaRPr lang="zh-CN" altLang="en-US" dirty="0"/>
+          </a:p>
+        </p:txBody>
+      </p:sp>
+      <p:sp>
+        <p:nvSpPr>
+          <p:cNvPr id="3" name="文本框 2"/>
+          <p:cNvSpPr txBox="1"/>
+          <p:nvPr/>
+        </p:nvSpPr>
+        <p:spPr>
+          <a:xfrm>
+            <a:off x="300675" y="100513"/>
+            <a:ext cx="4064000" cy="645160"/>
+          </a:xfrm>
+          <a:prstGeom prst="rect">
+            <a:avLst/>
+          </a:prstGeom>
+          <a:noFill/>
+        </p:spPr>
+        <p:txBody>
+          <a:bodyPr wrap="square" rtlCol="0">
+            <a:spAutoFit/>
+          </a:bodyPr>
+          <a:p>
+            <a:r>
+              <a:rPr lang="zh-CN" altLang="en-US" sz="3600" dirty="0"/>
+              <a:t>研究</a:t>
+            </a:r>
+            <a:r>
+              <a:rPr lang="zh-CN" altLang="en-US" sz="3600" dirty="0"/>
+              <a:t>现状</a:t>
+            </a:r>
+            <a:endParaRPr lang="zh-CN" altLang="en-US" sz="3600" dirty="0"/>
           </a:p>
         </p:txBody>
       </p:sp>
@@ -4977,9 +6003,39 @@
           </a:p>
         </p:txBody>
       </p:sp>
+      <p:sp>
+        <p:nvSpPr>
+          <p:cNvPr id="3" name="文本框 2"/>
+          <p:cNvSpPr txBox="1"/>
+          <p:nvPr/>
+        </p:nvSpPr>
+        <p:spPr>
+          <a:xfrm>
+            <a:off x="300675" y="100513"/>
+            <a:ext cx="4064000" cy="646331"/>
+          </a:xfrm>
+          <a:prstGeom prst="rect">
+            <a:avLst/>
+          </a:prstGeom>
+          <a:noFill/>
+        </p:spPr>
+        <p:txBody>
+          <a:bodyPr wrap="square" rtlCol="0">
+            <a:spAutoFit/>
+          </a:bodyPr>
+          <a:lstStyle/>
+          <a:p>
+            <a:r>
+              <a:rPr lang="zh-CN" altLang="en-US" sz="3600" dirty="0"/>
+              <a:t>研究现状</a:t>
+            </a:r>
+            <a:endParaRPr lang="zh-CN" altLang="en-US" sz="3600" dirty="0"/>
+          </a:p>
+        </p:txBody>
+      </p:sp>
       <p:pic>
         <p:nvPicPr>
-          <p:cNvPr id="4" name="图片 3"/>
+          <p:cNvPr id="5" name="图片 4"/>
           <p:cNvPicPr>
             <a:picLocks noChangeAspect="1"/>
           </p:cNvPicPr>
@@ -4993,8 +6049,8 @@
         </p:blipFill>
         <p:spPr>
           <a:xfrm>
-            <a:off x="367840" y="3041980"/>
-            <a:ext cx="11149069" cy="3374060"/>
+            <a:off x="5140361" y="3243892"/>
+            <a:ext cx="6130076" cy="3055969"/>
           </a:xfrm>
           <a:prstGeom prst="rect">
             <a:avLst/>
@@ -5003,14 +6059,14 @@
       </p:pic>
       <p:sp>
         <p:nvSpPr>
-          <p:cNvPr id="5" name="文本框 4"/>
+          <p:cNvPr id="10" name="文本框 9"/>
           <p:cNvSpPr txBox="1"/>
           <p:nvPr/>
         </p:nvSpPr>
         <p:spPr>
           <a:xfrm>
-            <a:off x="367840" y="913336"/>
-            <a:ext cx="10143321" cy="1850635"/>
+            <a:off x="4589754" y="6389830"/>
+            <a:ext cx="9254021" cy="278274"/>
           </a:xfrm>
           <a:prstGeom prst="rect">
             <a:avLst/>
@@ -5023,95 +6079,187 @@
           </a:bodyPr>
           <a:lstStyle/>
           <a:p>
-            <a:pPr marL="285750" indent="-285750">
+            <a:r>
+              <a:rPr lang="en-US" altLang="zh-CN" sz="1200" dirty="0">
+                <a:latin typeface="微软雅黑" panose="020B0503020204020204" pitchFamily="34" charset="-122"/>
+                <a:ea typeface="微软雅黑" panose="020B0503020204020204" pitchFamily="34" charset="-122"/>
+                <a:cs typeface="Times New Roman" panose="02020603050405020304" pitchFamily="18" charset="0"/>
+              </a:rPr>
+              <a:t>H. Li, S. J. Pan, S. Wang, and A. </a:t>
+            </a:r>
+            <a:r>
+              <a:rPr lang="en-US" altLang="zh-CN" sz="1200" dirty="0" err="1">
+                <a:latin typeface="微软雅黑" panose="020B0503020204020204" pitchFamily="34" charset="-122"/>
+                <a:ea typeface="微软雅黑" panose="020B0503020204020204" pitchFamily="34" charset="-122"/>
+                <a:cs typeface="Times New Roman" panose="02020603050405020304" pitchFamily="18" charset="0"/>
+              </a:rPr>
+              <a:t>Kot</a:t>
+            </a:r>
+            <a:r>
+              <a:rPr lang="en-US" altLang="zh-CN" sz="1200" dirty="0">
+                <a:latin typeface="微软雅黑" panose="020B0503020204020204" pitchFamily="34" charset="-122"/>
+                <a:ea typeface="微软雅黑" panose="020B0503020204020204" pitchFamily="34" charset="-122"/>
+                <a:cs typeface="Times New Roman" panose="02020603050405020304" pitchFamily="18" charset="0"/>
+              </a:rPr>
+              <a:t>. Domain generalization with adversarial feature learning. 2018</a:t>
+            </a:r>
+            <a:endParaRPr lang="zh-CN" altLang="en-US" sz="1200" dirty="0">
+              <a:latin typeface="微软雅黑" panose="020B0503020204020204" pitchFamily="34" charset="-122"/>
+              <a:ea typeface="微软雅黑" panose="020B0503020204020204" pitchFamily="34" charset="-122"/>
+              <a:cs typeface="Times New Roman" panose="02020603050405020304" pitchFamily="18" charset="0"/>
+            </a:endParaRPr>
+          </a:p>
+        </p:txBody>
+      </p:sp>
+      <p:sp>
+        <p:nvSpPr>
+          <p:cNvPr id="12" name="文本框 11"/>
+          <p:cNvSpPr txBox="1"/>
+          <p:nvPr/>
+        </p:nvSpPr>
+        <p:spPr>
+          <a:xfrm>
+            <a:off x="733004" y="1177389"/>
+            <a:ext cx="6920142" cy="2126864"/>
+          </a:xfrm>
+          <a:prstGeom prst="rect">
+            <a:avLst/>
+          </a:prstGeom>
+          <a:noFill/>
+        </p:spPr>
+        <p:txBody>
+          <a:bodyPr wrap="square">
+            <a:spAutoFit/>
+          </a:bodyPr>
+          <a:lstStyle/>
+          <a:p>
+            <a:pPr algn="l">
               <a:lnSpc>
                 <a:spcPct val="150000"/>
               </a:lnSpc>
-              <a:buFont typeface="Arial" panose="020B0604020202020204" pitchFamily="34" charset="0"/>
-              <a:buChar char="•"/>
             </a:pPr>
             <a:r>
-              <a:rPr lang="en-US" altLang="zh-CN" sz="2400" b="0" i="0" dirty="0">
+              <a:rPr lang="en-US" altLang="zh-CN" b="0" i="0" dirty="0">
                 <a:effectLst/>
                 <a:latin typeface="-apple-system"/>
               </a:rPr>
-              <a:t>Yue</a:t>
-            </a:r>
-            <a:r>
-              <a:rPr lang="zh-CN" altLang="en-US" sz="2400" b="0" i="0" dirty="0">
-                <a:effectLst/>
-                <a:latin typeface="-apple-system"/>
-              </a:rPr>
-              <a:t>等人提出使用域随机化和金字塔一致性来进行域泛化</a:t>
-            </a:r>
-            <a:endParaRPr lang="en-US" altLang="zh-CN" sz="2400" dirty="0">
-              <a:latin typeface="-apple-system"/>
-            </a:endParaRPr>
-          </a:p>
-          <a:p>
-            <a:pPr marL="285750" indent="-285750">
-              <a:lnSpc>
-                <a:spcPct val="150000"/>
-              </a:lnSpc>
-              <a:buFont typeface="Arial" panose="020B0604020202020204" pitchFamily="34" charset="0"/>
-              <a:buChar char="•"/>
-            </a:pPr>
+              <a:t>Li</a:t>
+            </a:r>
             <a:r>
               <a:rPr lang="zh-CN" altLang="en-US" b="0" i="0" dirty="0">
                 <a:effectLst/>
                 <a:latin typeface="-apple-system"/>
               </a:rPr>
-              <a:t>域随机化通过将合成图像映射到多个辅助真实域来生成</a:t>
-            </a:r>
-            <a:r>
-              <a:rPr lang="en-US" altLang="zh-CN" b="0" i="0" dirty="0" err="1">
+              <a:t>等人提出在对抗自编码器的基础上增加了最大平均差异</a:t>
+            </a:r>
+            <a:r>
+              <a:rPr lang="en-US" altLang="zh-CN" b="0" i="0" dirty="0">
                 <a:effectLst/>
                 <a:latin typeface="-apple-system"/>
               </a:rPr>
-              <a:t>ood</a:t>
+              <a:t>(Maximum Mean Discrepancy, MMD)</a:t>
             </a:r>
             <a:r>
               <a:rPr lang="zh-CN" altLang="en-US" b="0" i="0" dirty="0">
                 <a:effectLst/>
                 <a:latin typeface="-apple-system"/>
               </a:rPr>
-              <a:t>数据，以便于在测试阶段</a:t>
+              <a:t>正则化项</a:t>
             </a:r>
             <a:r>
               <a:rPr lang="en-US" altLang="zh-CN" b="0" i="0" dirty="0">
                 <a:effectLst/>
                 <a:latin typeface="-apple-system"/>
               </a:rPr>
-              <a:t>CNN</a:t>
+              <a:t>,</a:t>
             </a:r>
             <a:r>
               <a:rPr lang="zh-CN" altLang="en-US" b="0" i="0" dirty="0">
                 <a:effectLst/>
                 <a:latin typeface="-apple-system"/>
               </a:rPr>
-              <a:t>模型将目标域当作真实域来处理。</a:t>
-            </a:r>
-            <a:endParaRPr lang="en-US" altLang="zh-CN" b="0" i="0" dirty="0">
-              <a:effectLst/>
-              <a:latin typeface="-apple-system"/>
-            </a:endParaRPr>
-          </a:p>
-          <a:p>
-            <a:pPr marL="285750" indent="-285750">
-              <a:lnSpc>
-                <a:spcPct val="150000"/>
-              </a:lnSpc>
-              <a:buFont typeface="Arial" panose="020B0604020202020204" pitchFamily="34" charset="0"/>
-              <a:buChar char="•"/>
-            </a:pPr>
+              <a:t>以最小化不同</a:t>
+            </a:r>
+            <a:r>
+              <a:rPr lang="en-US" altLang="zh-CN" b="0" i="0" dirty="0">
+                <a:effectLst/>
+                <a:latin typeface="-apple-system"/>
+              </a:rPr>
+              <a:t>domain</a:t>
+            </a:r>
             <a:r>
               <a:rPr lang="zh-CN" altLang="en-US" b="0" i="0" dirty="0">
                 <a:effectLst/>
                 <a:latin typeface="-apple-system"/>
               </a:rPr>
-              <a:t>金字塔一致性训练则通过在域内和跨域强制执行金字塔一致性来学习具有更好泛化能力的表示。</a:t>
-            </a:r>
-            <a:endParaRPr lang="zh-CN" altLang="en-US" dirty="0"/>
+              <a:t>之间的差异。同时</a:t>
+            </a:r>
+            <a:r>
+              <a:rPr lang="en-US" altLang="zh-CN" b="0" i="0" dirty="0">
+                <a:effectLst/>
+                <a:latin typeface="-apple-system"/>
+              </a:rPr>
+              <a:t>,</a:t>
+            </a:r>
+            <a:r>
+              <a:rPr lang="zh-CN" altLang="en-US" b="0" i="0" dirty="0">
+                <a:effectLst/>
+                <a:latin typeface="-apple-system"/>
+              </a:rPr>
+              <a:t>作者还通过对抗训练</a:t>
+            </a:r>
+            <a:r>
+              <a:rPr lang="en-US" altLang="zh-CN" b="0" i="0" dirty="0">
+                <a:effectLst/>
+                <a:latin typeface="-apple-system"/>
+              </a:rPr>
+              <a:t>,</a:t>
+            </a:r>
+            <a:r>
+              <a:rPr lang="zh-CN" altLang="en-US" b="0" i="0" dirty="0">
+                <a:effectLst/>
+                <a:latin typeface="-apple-system"/>
+              </a:rPr>
+              <a:t>使学习到的特征符合预先设定的先验分布</a:t>
+            </a:r>
+            <a:r>
+              <a:rPr lang="en-US" altLang="zh-CN" b="0" i="0" dirty="0">
+                <a:effectLst/>
+                <a:latin typeface="-apple-system"/>
+              </a:rPr>
+              <a:t>,</a:t>
+            </a:r>
+            <a:r>
+              <a:rPr lang="zh-CN" altLang="en-US" b="0" i="0" dirty="0">
+                <a:effectLst/>
+                <a:latin typeface="-apple-system"/>
+              </a:rPr>
+              <a:t>从而降低特征过于依赖源域的风险</a:t>
+            </a:r>
+            <a:r>
+              <a:rPr lang="en-US" altLang="zh-CN" b="0" i="0" dirty="0">
+                <a:effectLst/>
+                <a:latin typeface="-apple-system"/>
+              </a:rPr>
+              <a:t>,</a:t>
+            </a:r>
+            <a:r>
+              <a:rPr lang="zh-CN" altLang="en-US" b="0" i="0" dirty="0">
+                <a:effectLst/>
+                <a:latin typeface="-apple-system"/>
+              </a:rPr>
+              <a:t>提高特征对未见目标域的泛化能力</a:t>
+            </a:r>
+            <a:r>
+              <a:rPr lang="zh-CN" altLang="en-US" dirty="0">
+                <a:latin typeface="-apple-system"/>
+              </a:rPr>
+              <a:t>。</a:t>
+            </a:r>
+            <a:endParaRPr lang="zh-CN" altLang="en-US" b="0" i="0" dirty="0">
+              <a:effectLst/>
+              <a:latin typeface="-apple-system"/>
+            </a:endParaRPr>
           </a:p>
         </p:txBody>
       </p:sp>
@@ -5349,39 +6497,9 @@
           </a:p>
         </p:txBody>
       </p:sp>
-      <p:sp>
-        <p:nvSpPr>
-          <p:cNvPr id="3" name="文本框 2"/>
-          <p:cNvSpPr txBox="1"/>
-          <p:nvPr/>
-        </p:nvSpPr>
-        <p:spPr>
-          <a:xfrm>
-            <a:off x="300675" y="100513"/>
-            <a:ext cx="4064000" cy="646331"/>
-          </a:xfrm>
-          <a:prstGeom prst="rect">
-            <a:avLst/>
-          </a:prstGeom>
-          <a:noFill/>
-        </p:spPr>
-        <p:txBody>
-          <a:bodyPr wrap="square" rtlCol="0">
-            <a:spAutoFit/>
-          </a:bodyPr>
-          <a:lstStyle/>
-          <a:p>
-            <a:r>
-              <a:rPr lang="zh-CN" altLang="en-US" sz="3600" dirty="0"/>
-              <a:t>研究现状</a:t>
-            </a:r>
-            <a:endParaRPr lang="zh-CN" altLang="en-US" sz="3600" dirty="0"/>
-          </a:p>
-        </p:txBody>
-      </p:sp>
       <p:pic>
         <p:nvPicPr>
-          <p:cNvPr id="5" name="图片 4"/>
+          <p:cNvPr id="4" name="图片 3"/>
           <p:cNvPicPr>
             <a:picLocks noChangeAspect="1"/>
           </p:cNvPicPr>
@@ -5395,8 +6513,8 @@
         </p:blipFill>
         <p:spPr>
           <a:xfrm>
-            <a:off x="5140361" y="3243892"/>
-            <a:ext cx="6130076" cy="3055969"/>
+            <a:off x="5613876" y="995789"/>
+            <a:ext cx="5848667" cy="4824028"/>
           </a:xfrm>
           <a:prstGeom prst="rect">
             <a:avLst/>
@@ -5405,14 +6523,14 @@
       </p:pic>
       <p:sp>
         <p:nvSpPr>
-          <p:cNvPr id="10" name="文本框 9"/>
+          <p:cNvPr id="8" name="文本框 7"/>
           <p:cNvSpPr txBox="1"/>
           <p:nvPr/>
         </p:nvSpPr>
         <p:spPr>
           <a:xfrm>
-            <a:off x="4589754" y="6389830"/>
-            <a:ext cx="9254021" cy="278274"/>
+            <a:off x="274320" y="1561330"/>
+            <a:ext cx="4815840" cy="369332"/>
           </a:xfrm>
           <a:prstGeom prst="rect">
             <a:avLst/>
@@ -5425,48 +6543,20 @@
           </a:bodyPr>
           <a:lstStyle/>
           <a:p>
-            <a:r>
-              <a:rPr lang="en-US" altLang="zh-CN" sz="1200" dirty="0">
-                <a:latin typeface="微软雅黑" panose="020B0503020204020204" pitchFamily="34" charset="-122"/>
-                <a:ea typeface="微软雅黑" panose="020B0503020204020204" pitchFamily="34" charset="-122"/>
-                <a:cs typeface="Times New Roman" panose="02020603050405020304" pitchFamily="18" charset="0"/>
-              </a:rPr>
-              <a:t>H. Li, S. J. Pan, S. Wang, and A. </a:t>
-            </a:r>
-            <a:r>
-              <a:rPr lang="en-US" altLang="zh-CN" sz="1200" dirty="0" err="1">
-                <a:latin typeface="微软雅黑" panose="020B0503020204020204" pitchFamily="34" charset="-122"/>
-                <a:ea typeface="微软雅黑" panose="020B0503020204020204" pitchFamily="34" charset="-122"/>
-                <a:cs typeface="Times New Roman" panose="02020603050405020304" pitchFamily="18" charset="0"/>
-              </a:rPr>
-              <a:t>Kot</a:t>
-            </a:r>
-            <a:r>
-              <a:rPr lang="en-US" altLang="zh-CN" sz="1200" dirty="0">
-                <a:latin typeface="微软雅黑" panose="020B0503020204020204" pitchFamily="34" charset="-122"/>
-                <a:ea typeface="微软雅黑" panose="020B0503020204020204" pitchFamily="34" charset="-122"/>
-                <a:cs typeface="Times New Roman" panose="02020603050405020304" pitchFamily="18" charset="0"/>
-              </a:rPr>
-              <a:t>. Domain generalization with adversarial feature learning. 2018</a:t>
-            </a:r>
-            <a:endParaRPr lang="zh-CN" altLang="en-US" sz="1200" dirty="0">
-              <a:latin typeface="微软雅黑" panose="020B0503020204020204" pitchFamily="34" charset="-122"/>
-              <a:ea typeface="微软雅黑" panose="020B0503020204020204" pitchFamily="34" charset="-122"/>
-              <a:cs typeface="Times New Roman" panose="02020603050405020304" pitchFamily="18" charset="0"/>
-            </a:endParaRPr>
-          </a:p>
-        </p:txBody>
-      </p:sp>
-      <p:sp>
-        <p:nvSpPr>
-          <p:cNvPr id="12" name="文本框 11"/>
+            <a:endParaRPr lang="zh-CN" altLang="en-US" dirty="0"/>
+          </a:p>
+        </p:txBody>
+      </p:sp>
+      <p:sp>
+        <p:nvSpPr>
+          <p:cNvPr id="10" name="文本框 9"/>
           <p:cNvSpPr txBox="1"/>
           <p:nvPr/>
         </p:nvSpPr>
         <p:spPr>
           <a:xfrm>
-            <a:off x="733004" y="1177389"/>
-            <a:ext cx="6920142" cy="2126864"/>
+            <a:off x="425450" y="2144621"/>
+            <a:ext cx="4664710" cy="1754326"/>
           </a:xfrm>
           <a:prstGeom prst="rect">
             <a:avLst/>
@@ -5479,133 +6569,166 @@
           </a:bodyPr>
           <a:lstStyle/>
           <a:p>
-            <a:pPr algn="l">
-              <a:lnSpc>
-                <a:spcPct val="150000"/>
-              </a:lnSpc>
-            </a:pPr>
+            <a:r>
+              <a:rPr lang="en-US" altLang="zh-CN" dirty="0">
+                <a:latin typeface="宋体" pitchFamily="2" charset="-122"/>
+                <a:ea typeface="宋体" pitchFamily="2" charset="-122"/>
+              </a:rPr>
+              <a:t>Rahman</a:t>
+            </a:r>
+            <a:r>
+              <a:rPr lang="zh-CN" altLang="en-US" dirty="0">
+                <a:latin typeface="宋体" pitchFamily="2" charset="-122"/>
+                <a:ea typeface="宋体" pitchFamily="2" charset="-122"/>
+              </a:rPr>
+              <a:t>等人在</a:t>
+            </a:r>
+            <a:r>
+              <a:rPr lang="en-US" altLang="zh-CN" dirty="0">
+                <a:latin typeface="宋体" pitchFamily="2" charset="-122"/>
+                <a:ea typeface="宋体" pitchFamily="2" charset="-122"/>
+              </a:rPr>
+              <a:t>2019</a:t>
+            </a:r>
+            <a:r>
+              <a:rPr lang="zh-CN" altLang="en-US" dirty="0">
+                <a:latin typeface="宋体" pitchFamily="2" charset="-122"/>
+                <a:ea typeface="宋体" pitchFamily="2" charset="-122"/>
+              </a:rPr>
+              <a:t>年</a:t>
+            </a:r>
+            <a:r>
+              <a:rPr lang="zh-CN" altLang="en-US" b="0" i="0" dirty="0">
+                <a:solidFill>
+                  <a:srgbClr val="000000"/>
+                </a:solidFill>
+                <a:effectLst/>
+                <a:latin typeface="宋体" pitchFamily="2" charset="-122"/>
+                <a:ea typeface="宋体" pitchFamily="2" charset="-122"/>
+              </a:rPr>
+              <a:t>提出了一种利用生成对抗性网络（</a:t>
+            </a:r>
             <a:r>
               <a:rPr lang="en-US" altLang="zh-CN" b="0" i="0" dirty="0">
+                <a:solidFill>
+                  <a:srgbClr val="000000"/>
+                </a:solidFill>
                 <a:effectLst/>
-                <a:latin typeface="-apple-system"/>
+                <a:latin typeface="宋体" pitchFamily="2" charset="-122"/>
+                <a:ea typeface="宋体" pitchFamily="2" charset="-122"/>
               </a:rPr>
-              <a:t>Li</a:t>
+              <a:t>GAN</a:t>
             </a:r>
             <a:r>
               <a:rPr lang="zh-CN" altLang="en-US" b="0" i="0" dirty="0">
+                <a:solidFill>
+                  <a:srgbClr val="000000"/>
+                </a:solidFill>
                 <a:effectLst/>
-                <a:latin typeface="-apple-system"/>
+                <a:latin typeface="宋体" pitchFamily="2" charset="-122"/>
+                <a:ea typeface="宋体" pitchFamily="2" charset="-122"/>
               </a:rPr>
-              <a:t>等人提出在对抗自编码器的基础上增加了最大平均差异</a:t>
-            </a:r>
-            <a:r>
-              <a:rPr lang="en-US" altLang="zh-CN" b="0" i="0" dirty="0">
+              <a:t>）生成合成数据的新的深域泛化架构。使用现有的域差异度量（例如最大平均差异或</a:t>
+            </a:r>
+            <a:r>
+              <a:rPr lang="zh-CN" altLang="en-US" dirty="0">
+                <a:solidFill>
+                  <a:srgbClr val="000000"/>
+                </a:solidFill>
+                <a:latin typeface="宋体" pitchFamily="2" charset="-122"/>
+                <a:ea typeface="宋体" pitchFamily="2" charset="-122"/>
+              </a:rPr>
+              <a:t>（</a:t>
+            </a:r>
+            <a:r>
+              <a:rPr lang="en-US" altLang="zh-CN" dirty="0">
+                <a:solidFill>
+                  <a:srgbClr val="000000"/>
+                </a:solidFill>
+                <a:latin typeface="宋体" pitchFamily="2" charset="-122"/>
+                <a:ea typeface="宋体" pitchFamily="2" charset="-122"/>
+              </a:rPr>
+              <a:t>MMD</a:t>
+            </a:r>
+            <a:r>
+              <a:rPr lang="zh-CN" altLang="en-US" dirty="0">
+                <a:solidFill>
+                  <a:srgbClr val="000000"/>
+                </a:solidFill>
+                <a:latin typeface="宋体" pitchFamily="2" charset="-122"/>
+                <a:ea typeface="宋体" pitchFamily="2" charset="-122"/>
+              </a:rPr>
+              <a:t>）</a:t>
+            </a:r>
+            <a:r>
+              <a:rPr lang="zh-CN" altLang="en-US" b="0" i="0" dirty="0">
+                <a:solidFill>
+                  <a:srgbClr val="000000"/>
+                </a:solidFill>
                 <a:effectLst/>
-                <a:latin typeface="-apple-system"/>
+                <a:latin typeface="宋体" pitchFamily="2" charset="-122"/>
+                <a:ea typeface="宋体" pitchFamily="2" charset="-122"/>
               </a:rPr>
-              <a:t>(Maximum Mean Discrepancy, MMD)</a:t>
+              <a:t>）来最小化真实图像和</a:t>
+            </a:r>
+            <a:r>
+              <a:rPr lang="zh-CN" altLang="en-US" dirty="0">
+                <a:solidFill>
+                  <a:srgbClr val="000000"/>
+                </a:solidFill>
+                <a:latin typeface="宋体" pitchFamily="2" charset="-122"/>
+                <a:ea typeface="宋体" pitchFamily="2" charset="-122"/>
+              </a:rPr>
+              <a:t>生成</a:t>
             </a:r>
             <a:r>
               <a:rPr lang="zh-CN" altLang="en-US" b="0" i="0" dirty="0">
+                <a:solidFill>
+                  <a:srgbClr val="000000"/>
+                </a:solidFill>
                 <a:effectLst/>
-                <a:latin typeface="-apple-system"/>
+                <a:latin typeface="宋体" pitchFamily="2" charset="-122"/>
+                <a:ea typeface="宋体" pitchFamily="2" charset="-122"/>
               </a:rPr>
-              <a:t>正则化项</a:t>
-            </a:r>
-            <a:r>
-              <a:rPr lang="en-US" altLang="zh-CN" b="0" i="0" dirty="0">
-                <a:effectLst/>
-                <a:latin typeface="-apple-system"/>
-              </a:rPr>
-              <a:t>,</a:t>
-            </a:r>
-            <a:r>
-              <a:rPr lang="zh-CN" altLang="en-US" b="0" i="0" dirty="0">
-                <a:effectLst/>
-                <a:latin typeface="-apple-system"/>
-              </a:rPr>
-              <a:t>以最小化不同</a:t>
-            </a:r>
-            <a:r>
-              <a:rPr lang="en-US" altLang="zh-CN" b="0" i="0" dirty="0">
-                <a:effectLst/>
-                <a:latin typeface="-apple-system"/>
-              </a:rPr>
-              <a:t>domain</a:t>
-            </a:r>
-            <a:r>
-              <a:rPr lang="zh-CN" altLang="en-US" b="0" i="0" dirty="0">
-                <a:effectLst/>
-                <a:latin typeface="-apple-system"/>
-              </a:rPr>
-              <a:t>之间的差异。同时</a:t>
-            </a:r>
-            <a:r>
-              <a:rPr lang="en-US" altLang="zh-CN" b="0" i="0" dirty="0">
-                <a:effectLst/>
-                <a:latin typeface="-apple-system"/>
-              </a:rPr>
-              <a:t>,</a:t>
-            </a:r>
-            <a:r>
-              <a:rPr lang="zh-CN" altLang="en-US" b="0" i="0" dirty="0">
-                <a:effectLst/>
-                <a:latin typeface="-apple-system"/>
-              </a:rPr>
-              <a:t>作者还通过对抗训练</a:t>
-            </a:r>
-            <a:r>
-              <a:rPr lang="en-US" altLang="zh-CN" b="0" i="0" dirty="0">
-                <a:effectLst/>
-                <a:latin typeface="-apple-system"/>
-              </a:rPr>
-              <a:t>,</a:t>
-            </a:r>
-            <a:r>
-              <a:rPr lang="zh-CN" altLang="en-US" b="0" i="0" dirty="0">
-                <a:effectLst/>
-                <a:latin typeface="-apple-system"/>
-              </a:rPr>
-              <a:t>使学习到的特征符合预先设定的先验分布</a:t>
-            </a:r>
-            <a:r>
-              <a:rPr lang="en-US" altLang="zh-CN" b="0" i="0" dirty="0">
-                <a:effectLst/>
-                <a:latin typeface="-apple-system"/>
-              </a:rPr>
-              <a:t>,</a:t>
-            </a:r>
-            <a:r>
-              <a:rPr lang="zh-CN" altLang="en-US" b="0" i="0" dirty="0">
-                <a:effectLst/>
-                <a:latin typeface="-apple-system"/>
-              </a:rPr>
-              <a:t>从而降低特征过于依赖源域的风险</a:t>
-            </a:r>
-            <a:r>
-              <a:rPr lang="en-US" altLang="zh-CN" b="0" i="0" dirty="0">
-                <a:effectLst/>
-                <a:latin typeface="-apple-system"/>
-              </a:rPr>
-              <a:t>,</a:t>
-            </a:r>
-            <a:r>
-              <a:rPr lang="zh-CN" altLang="en-US" b="0" i="0" dirty="0">
-                <a:effectLst/>
-                <a:latin typeface="-apple-system"/>
-              </a:rPr>
-              <a:t>提高特征对未见目标域的泛化能力</a:t>
-            </a:r>
-            <a:r>
-              <a:rPr lang="zh-CN" altLang="en-US" dirty="0">
-                <a:latin typeface="-apple-system"/>
-              </a:rPr>
-              <a:t>。</a:t>
-            </a:r>
-            <a:endParaRPr lang="zh-CN" altLang="en-US" b="0" i="0" dirty="0">
-              <a:effectLst/>
-              <a:latin typeface="-apple-system"/>
+              <a:t>图像之间的分布差异，以帮助学习域间的通用表示。</a:t>
+            </a:r>
+            <a:endParaRPr lang="zh-CN" altLang="en-US" dirty="0">
+              <a:latin typeface="宋体" pitchFamily="2" charset="-122"/>
+              <a:ea typeface="宋体" pitchFamily="2" charset="-122"/>
             </a:endParaRPr>
+          </a:p>
+        </p:txBody>
+      </p:sp>
+      <p:sp>
+        <p:nvSpPr>
+          <p:cNvPr id="5" name="文本框 4"/>
+          <p:cNvSpPr txBox="1"/>
+          <p:nvPr/>
+        </p:nvSpPr>
+        <p:spPr>
+          <a:xfrm>
+            <a:off x="300675" y="100513"/>
+            <a:ext cx="4064000" cy="645160"/>
+          </a:xfrm>
+          <a:prstGeom prst="rect">
+            <a:avLst/>
+          </a:prstGeom>
+          <a:noFill/>
+        </p:spPr>
+        <p:txBody>
+          <a:bodyPr wrap="square" rtlCol="0">
+            <a:spAutoFit/>
+          </a:bodyPr>
+          <a:p>
+            <a:r>
+              <a:rPr lang="zh-CN" altLang="en-US" sz="3600" dirty="0"/>
+              <a:t>研究</a:t>
+            </a:r>
+            <a:r>
+              <a:rPr lang="zh-CN" altLang="en-US" sz="3600" dirty="0"/>
+              <a:t>现状</a:t>
+            </a:r>
+            <a:endParaRPr lang="zh-CN" altLang="en-US" sz="3600" dirty="0"/>
           </a:p>
         </p:txBody>
       </p:sp>
@@ -5825,7 +6948,7 @@
         </p:nvSpPr>
         <p:spPr>
           <a:xfrm>
-            <a:off x="1187450" y="441960"/>
+            <a:off x="1187450" y="441325"/>
             <a:ext cx="4064000" cy="368300"/>
           </a:xfrm>
           <a:prstGeom prst="rect">
@@ -5845,7 +6968,7 @@
       </p:sp>
       <p:pic>
         <p:nvPicPr>
-          <p:cNvPr id="4" name="图片 3"/>
+          <p:cNvPr id="3" name="图片 2"/>
           <p:cNvPicPr>
             <a:picLocks noChangeAspect="1"/>
           </p:cNvPicPr>
@@ -5859,8 +6982,8 @@
         </p:blipFill>
         <p:spPr>
           <a:xfrm>
-            <a:off x="5613876" y="995789"/>
-            <a:ext cx="5848667" cy="4824028"/>
+            <a:off x="6047105" y="1858645"/>
+            <a:ext cx="5899150" cy="4457065"/>
           </a:xfrm>
           <a:prstGeom prst="rect">
             <a:avLst/>
@@ -5869,14 +6992,14 @@
       </p:pic>
       <p:sp>
         <p:nvSpPr>
-          <p:cNvPr id="8" name="文本框 7"/>
+          <p:cNvPr id="4" name="文本框 3"/>
           <p:cNvSpPr txBox="1"/>
           <p:nvPr/>
         </p:nvSpPr>
         <p:spPr>
           <a:xfrm>
-            <a:off x="274320" y="1561330"/>
-            <a:ext cx="4815840" cy="369332"/>
+            <a:off x="216535" y="1213485"/>
+            <a:ext cx="6758940" cy="645160"/>
           </a:xfrm>
           <a:prstGeom prst="rect">
             <a:avLst/>
@@ -5884,25 +7007,32 @@
           <a:noFill/>
         </p:spPr>
         <p:txBody>
-          <a:bodyPr wrap="square">
+          <a:bodyPr wrap="square" rtlCol="0" anchor="t">
             <a:spAutoFit/>
           </a:bodyPr>
-          <a:lstStyle/>
-          <a:p>
-            <a:endParaRPr lang="zh-CN" altLang="en-US" dirty="0"/>
-          </a:p>
-        </p:txBody>
-      </p:sp>
-      <p:sp>
-        <p:nvSpPr>
-          <p:cNvPr id="10" name="文本框 9"/>
+          <a:p>
+            <a:r>
+              <a:rPr lang="zh-CN" altLang="en-US"/>
+              <a:t>PCL: Proxy-Based Contrastive Learning for Domain Generalization</a:t>
+            </a:r>
+            <a:r>
+              <a:rPr lang="en-US" altLang="zh-CN"/>
+              <a:t> 2022 CVPR</a:t>
+            </a:r>
+            <a:endParaRPr lang="en-US" altLang="zh-CN"/>
+          </a:p>
+        </p:txBody>
+      </p:sp>
+      <p:sp>
+        <p:nvSpPr>
+          <p:cNvPr id="5" name="文本框 4"/>
           <p:cNvSpPr txBox="1"/>
           <p:nvPr/>
         </p:nvSpPr>
         <p:spPr>
           <a:xfrm>
-            <a:off x="425450" y="2144621"/>
-            <a:ext cx="4664710" cy="1754326"/>
+            <a:off x="300675" y="100513"/>
+            <a:ext cx="4064000" cy="645160"/>
           </a:xfrm>
           <a:prstGeom prst="rect">
             <a:avLst/>
@@ -5910,138 +7040,19 @@
           <a:noFill/>
         </p:spPr>
         <p:txBody>
-          <a:bodyPr wrap="square">
+          <a:bodyPr wrap="square" rtlCol="0">
             <a:spAutoFit/>
           </a:bodyPr>
-          <a:lstStyle/>
-          <a:p>
-            <a:r>
-              <a:rPr lang="en-US" altLang="zh-CN" dirty="0">
-                <a:latin typeface="宋体" pitchFamily="2" charset="-122"/>
-                <a:ea typeface="宋体" pitchFamily="2" charset="-122"/>
-              </a:rPr>
-              <a:t>Rahman</a:t>
-            </a:r>
-            <a:r>
-              <a:rPr lang="zh-CN" altLang="en-US" dirty="0">
-                <a:latin typeface="宋体" pitchFamily="2" charset="-122"/>
-                <a:ea typeface="宋体" pitchFamily="2" charset="-122"/>
-              </a:rPr>
-              <a:t>等人在</a:t>
-            </a:r>
-            <a:r>
-              <a:rPr lang="en-US" altLang="zh-CN" dirty="0">
-                <a:latin typeface="宋体" pitchFamily="2" charset="-122"/>
-                <a:ea typeface="宋体" pitchFamily="2" charset="-122"/>
-              </a:rPr>
-              <a:t>2019</a:t>
-            </a:r>
-            <a:r>
-              <a:rPr lang="zh-CN" altLang="en-US" dirty="0">
-                <a:latin typeface="宋体" pitchFamily="2" charset="-122"/>
-                <a:ea typeface="宋体" pitchFamily="2" charset="-122"/>
-              </a:rPr>
-              <a:t>年</a:t>
-            </a:r>
-            <a:r>
-              <a:rPr lang="zh-CN" altLang="en-US" b="0" i="0" dirty="0">
-                <a:solidFill>
-                  <a:srgbClr val="000000"/>
-                </a:solidFill>
-                <a:effectLst/>
-                <a:latin typeface="宋体" pitchFamily="2" charset="-122"/>
-                <a:ea typeface="宋体" pitchFamily="2" charset="-122"/>
-              </a:rPr>
-              <a:t>提出了一种利用生成对抗性网络（</a:t>
-            </a:r>
-            <a:r>
-              <a:rPr lang="en-US" altLang="zh-CN" b="0" i="0" dirty="0">
-                <a:solidFill>
-                  <a:srgbClr val="000000"/>
-                </a:solidFill>
-                <a:effectLst/>
-                <a:latin typeface="宋体" pitchFamily="2" charset="-122"/>
-                <a:ea typeface="宋体" pitchFamily="2" charset="-122"/>
-              </a:rPr>
-              <a:t>GAN</a:t>
-            </a:r>
-            <a:r>
-              <a:rPr lang="zh-CN" altLang="en-US" b="0" i="0" dirty="0">
-                <a:solidFill>
-                  <a:srgbClr val="000000"/>
-                </a:solidFill>
-                <a:effectLst/>
-                <a:latin typeface="宋体" pitchFamily="2" charset="-122"/>
-                <a:ea typeface="宋体" pitchFamily="2" charset="-122"/>
-              </a:rPr>
-              <a:t>）生成合成数据的新的深域泛化架构。使用现有的域差异度量（例如最大平均差异或</a:t>
-            </a:r>
-            <a:r>
-              <a:rPr lang="zh-CN" altLang="en-US" dirty="0">
-                <a:solidFill>
-                  <a:srgbClr val="000000"/>
-                </a:solidFill>
-                <a:latin typeface="宋体" pitchFamily="2" charset="-122"/>
-                <a:ea typeface="宋体" pitchFamily="2" charset="-122"/>
-              </a:rPr>
-              <a:t>（</a:t>
-            </a:r>
-            <a:r>
-              <a:rPr lang="en-US" altLang="zh-CN" dirty="0">
-                <a:solidFill>
-                  <a:srgbClr val="000000"/>
-                </a:solidFill>
-                <a:latin typeface="宋体" pitchFamily="2" charset="-122"/>
-                <a:ea typeface="宋体" pitchFamily="2" charset="-122"/>
-              </a:rPr>
-              <a:t>MMD</a:t>
-            </a:r>
-            <a:r>
-              <a:rPr lang="zh-CN" altLang="en-US" dirty="0">
-                <a:solidFill>
-                  <a:srgbClr val="000000"/>
-                </a:solidFill>
-                <a:latin typeface="宋体" pitchFamily="2" charset="-122"/>
-                <a:ea typeface="宋体" pitchFamily="2" charset="-122"/>
-              </a:rPr>
-              <a:t>）</a:t>
-            </a:r>
-            <a:r>
-              <a:rPr lang="zh-CN" altLang="en-US" b="0" i="0" dirty="0">
-                <a:solidFill>
-                  <a:srgbClr val="000000"/>
-                </a:solidFill>
-                <a:effectLst/>
-                <a:latin typeface="宋体" pitchFamily="2" charset="-122"/>
-                <a:ea typeface="宋体" pitchFamily="2" charset="-122"/>
-              </a:rPr>
-              <a:t>）来最小化真实图像和</a:t>
-            </a:r>
-            <a:r>
-              <a:rPr lang="zh-CN" altLang="en-US" dirty="0">
-                <a:solidFill>
-                  <a:srgbClr val="000000"/>
-                </a:solidFill>
-                <a:latin typeface="宋体" pitchFamily="2" charset="-122"/>
-                <a:ea typeface="宋体" pitchFamily="2" charset="-122"/>
-              </a:rPr>
-              <a:t>生成</a:t>
-            </a:r>
-            <a:r>
-              <a:rPr lang="zh-CN" altLang="en-US" b="0" i="0" dirty="0">
-                <a:solidFill>
-                  <a:srgbClr val="000000"/>
-                </a:solidFill>
-                <a:effectLst/>
-                <a:latin typeface="宋体" pitchFamily="2" charset="-122"/>
-                <a:ea typeface="宋体" pitchFamily="2" charset="-122"/>
-              </a:rPr>
-              <a:t>图像之间的分布差异，以帮助学习域间的通用表示。</a:t>
-            </a:r>
-            <a:endParaRPr lang="zh-CN" altLang="en-US" dirty="0">
-              <a:latin typeface="宋体" pitchFamily="2" charset="-122"/>
-              <a:ea typeface="宋体" pitchFamily="2" charset="-122"/>
-            </a:endParaRPr>
+          <a:p>
+            <a:r>
+              <a:rPr lang="zh-CN" altLang="en-US" sz="3600" dirty="0"/>
+              <a:t>研究</a:t>
+            </a:r>
+            <a:r>
+              <a:rPr lang="zh-CN" altLang="en-US" sz="3600" dirty="0"/>
+              <a:t>现状</a:t>
+            </a:r>
+            <a:endParaRPr lang="zh-CN" altLang="en-US" sz="3600" dirty="0"/>
           </a:p>
         </p:txBody>
       </p:sp>
@@ -6281,14 +7292,14 @@
       </p:sp>
       <p:sp>
         <p:nvSpPr>
-          <p:cNvPr id="4" name="文本框 3"/>
+          <p:cNvPr id="3" name="文本框 2"/>
           <p:cNvSpPr txBox="1"/>
           <p:nvPr/>
         </p:nvSpPr>
         <p:spPr>
           <a:xfrm>
-            <a:off x="1470660" y="2121515"/>
-            <a:ext cx="6096000" cy="923330"/>
+            <a:off x="3723005" y="2676525"/>
+            <a:ext cx="5011420" cy="1014730"/>
           </a:xfrm>
           <a:prstGeom prst="rect">
             <a:avLst/>
@@ -6296,177 +7307,24 @@
           <a:noFill/>
         </p:spPr>
         <p:txBody>
-          <a:bodyPr wrap="square">
+          <a:bodyPr wrap="square" rtlCol="0">
             <a:spAutoFit/>
           </a:bodyPr>
           <a:lstStyle/>
           <a:p>
             <a:r>
-              <a:rPr lang="zh-CN" altLang="en-US" b="0" i="0" dirty="0">
-                <a:solidFill>
-                  <a:srgbClr val="000000"/>
-                </a:solidFill>
-                <a:effectLst/>
-                <a:latin typeface="微软雅黑" panose="020B0503020204020204" pitchFamily="34" charset="-122"/>
-                <a:ea typeface="微软雅黑" panose="020B0503020204020204" pitchFamily="34" charset="-122"/>
-              </a:rPr>
-              <a:t>域不变分量分析（</a:t>
-            </a:r>
-            <a:r>
-              <a:rPr lang="en-US" altLang="zh-CN" b="0" i="0" dirty="0">
-                <a:solidFill>
-                  <a:srgbClr val="000000"/>
-                </a:solidFill>
-                <a:effectLst/>
-                <a:latin typeface="微软雅黑" panose="020B0503020204020204" pitchFamily="34" charset="-122"/>
-                <a:ea typeface="微软雅黑" panose="020B0503020204020204" pitchFamily="34" charset="-122"/>
-              </a:rPr>
-              <a:t>DICA</a:t>
-            </a:r>
-            <a:r>
-              <a:rPr lang="zh-CN" altLang="en-US" b="0" i="0" dirty="0">
-                <a:solidFill>
-                  <a:srgbClr val="000000"/>
-                </a:solidFill>
-                <a:effectLst/>
-                <a:latin typeface="微软雅黑" panose="020B0503020204020204" pitchFamily="34" charset="-122"/>
-                <a:ea typeface="微软雅黑" panose="020B0503020204020204" pitchFamily="34" charset="-122"/>
-              </a:rPr>
-              <a:t>）</a:t>
-            </a:r>
-            <a:r>
-              <a:rPr lang="en-US" altLang="zh-CN" b="0" i="0" dirty="0">
-                <a:solidFill>
-                  <a:srgbClr val="000000"/>
-                </a:solidFill>
-                <a:effectLst/>
-                <a:latin typeface="微软雅黑" panose="020B0503020204020204" pitchFamily="34" charset="-122"/>
-                <a:ea typeface="微软雅黑" panose="020B0503020204020204" pitchFamily="34" charset="-122"/>
-              </a:rPr>
-              <a:t>[27]</a:t>
-            </a:r>
-            <a:r>
-              <a:rPr lang="zh-CN" altLang="en-US" b="0" i="0" dirty="0">
-                <a:solidFill>
-                  <a:srgbClr val="000000"/>
-                </a:solidFill>
-                <a:effectLst/>
-                <a:latin typeface="微软雅黑" panose="020B0503020204020204" pitchFamily="34" charset="-122"/>
-                <a:ea typeface="微软雅黑" panose="020B0503020204020204" pitchFamily="34" charset="-122"/>
-              </a:rPr>
-              <a:t>是</a:t>
-            </a:r>
-            <a:r>
-              <a:rPr lang="en-US" altLang="zh-CN" b="0" i="0" dirty="0">
-                <a:solidFill>
-                  <a:srgbClr val="000000"/>
-                </a:solidFill>
-                <a:effectLst/>
-                <a:latin typeface="微软雅黑" panose="020B0503020204020204" pitchFamily="34" charset="-122"/>
-                <a:ea typeface="微软雅黑" panose="020B0503020204020204" pitchFamily="34" charset="-122"/>
-              </a:rPr>
-              <a:t>DG</a:t>
-            </a:r>
-            <a:r>
-              <a:rPr lang="zh-CN" altLang="en-US" b="0" i="0" dirty="0">
-                <a:solidFill>
-                  <a:srgbClr val="000000"/>
-                </a:solidFill>
-                <a:effectLst/>
-                <a:latin typeface="微软雅黑" panose="020B0503020204020204" pitchFamily="34" charset="-122"/>
-                <a:ea typeface="微软雅黑" panose="020B0503020204020204" pitchFamily="34" charset="-122"/>
-              </a:rPr>
-              <a:t>中使用核的经典方法之一。</a:t>
-            </a:r>
-            <a:r>
-              <a:rPr lang="en-US" altLang="zh-CN" b="0" i="0" dirty="0">
-                <a:solidFill>
-                  <a:srgbClr val="000000"/>
-                </a:solidFill>
-                <a:effectLst/>
-                <a:latin typeface="微软雅黑" panose="020B0503020204020204" pitchFamily="34" charset="-122"/>
-                <a:ea typeface="微软雅黑" panose="020B0503020204020204" pitchFamily="34" charset="-122"/>
-              </a:rPr>
-              <a:t>DICA</a:t>
-            </a:r>
-            <a:r>
-              <a:rPr lang="zh-CN" altLang="en-US" b="0" i="0" dirty="0">
-                <a:solidFill>
-                  <a:srgbClr val="000000"/>
-                </a:solidFill>
-                <a:effectLst/>
-                <a:latin typeface="微软雅黑" panose="020B0503020204020204" pitchFamily="34" charset="-122"/>
-                <a:ea typeface="微软雅黑" panose="020B0503020204020204" pitchFamily="34" charset="-122"/>
-              </a:rPr>
-              <a:t>的目标是找到一个特征转换内核</a:t>
-            </a:r>
-            <a:r>
-              <a:rPr lang="en-US" altLang="zh-CN" b="0" i="0" dirty="0">
-                <a:solidFill>
-                  <a:srgbClr val="000000"/>
-                </a:solidFill>
-                <a:effectLst/>
-                <a:latin typeface="微软雅黑" panose="020B0503020204020204" pitchFamily="34" charset="-122"/>
-                <a:ea typeface="微软雅黑" panose="020B0503020204020204" pitchFamily="34" charset="-122"/>
-              </a:rPr>
-              <a:t>k</a:t>
-            </a:r>
-            <a:r>
-              <a:rPr lang="zh-CN" altLang="en-US" b="0" i="0" dirty="0">
-                <a:solidFill>
-                  <a:srgbClr val="000000"/>
-                </a:solidFill>
-                <a:effectLst/>
-                <a:latin typeface="微软雅黑" panose="020B0503020204020204" pitchFamily="34" charset="-122"/>
-                <a:ea typeface="微软雅黑" panose="020B0503020204020204" pitchFamily="34" charset="-122"/>
-              </a:rPr>
-              <a:t>（</a:t>
-            </a:r>
-            <a:r>
-              <a:rPr lang="en-US" altLang="zh-CN" b="0" i="0" dirty="0">
-                <a:solidFill>
-                  <a:srgbClr val="000000"/>
-                </a:solidFill>
-                <a:effectLst/>
-                <a:latin typeface="微软雅黑" panose="020B0503020204020204" pitchFamily="34" charset="-122"/>
-                <a:ea typeface="微软雅黑" panose="020B0503020204020204" pitchFamily="34" charset="-122"/>
-              </a:rPr>
-              <a:t>·</a:t>
-            </a:r>
-            <a:r>
-              <a:rPr lang="zh-CN" altLang="en-US" b="0" i="0" dirty="0">
-                <a:solidFill>
-                  <a:srgbClr val="000000"/>
-                </a:solidFill>
-                <a:effectLst/>
-                <a:latin typeface="微软雅黑" panose="020B0503020204020204" pitchFamily="34" charset="-122"/>
-                <a:ea typeface="微软雅黑" panose="020B0503020204020204" pitchFamily="34" charset="-122"/>
-              </a:rPr>
-              <a:t>；</a:t>
-            </a:r>
-            <a:r>
-              <a:rPr lang="en-US" altLang="zh-CN" b="0" i="0" dirty="0">
-                <a:solidFill>
-                  <a:srgbClr val="000000"/>
-                </a:solidFill>
-                <a:effectLst/>
-                <a:latin typeface="微软雅黑" panose="020B0503020204020204" pitchFamily="34" charset="-122"/>
-                <a:ea typeface="微软雅黑" panose="020B0503020204020204" pitchFamily="34" charset="-122"/>
-              </a:rPr>
-              <a:t>·</a:t>
-            </a:r>
-            <a:r>
-              <a:rPr lang="zh-CN" altLang="en-US" b="0" i="0" dirty="0">
-                <a:solidFill>
-                  <a:srgbClr val="000000"/>
-                </a:solidFill>
-                <a:effectLst/>
-                <a:latin typeface="微软雅黑" panose="020B0503020204020204" pitchFamily="34" charset="-122"/>
-                <a:ea typeface="微软雅黑" panose="020B0503020204020204" pitchFamily="34" charset="-122"/>
-              </a:rPr>
-              <a:t>），使特征空间中所有数据之间的分布差异最小化。</a:t>
-            </a:r>
-            <a:endParaRPr lang="zh-CN" altLang="en-US" dirty="0"/>
+              <a:rPr lang="zh-CN" altLang="en-US" sz="6000" dirty="0"/>
+              <a:t>三</a:t>
+            </a:r>
+            <a:r>
+              <a:rPr lang="en-US" altLang="zh-CN" sz="6000" dirty="0"/>
+              <a:t>.</a:t>
+            </a:r>
+            <a:r>
+              <a:rPr lang="zh-CN" altLang="en-US" sz="6000" dirty="0"/>
+              <a:t>研究内容</a:t>
+            </a:r>
+            <a:endParaRPr lang="zh-CN" altLang="en-US" sz="6000" dirty="0"/>
           </a:p>
         </p:txBody>
       </p:sp>
@@ -6712,8 +7570,8 @@
         </p:nvSpPr>
         <p:spPr>
           <a:xfrm>
-            <a:off x="3722945" y="2676343"/>
-            <a:ext cx="4190305" cy="1015663"/>
+            <a:off x="1187449" y="1681843"/>
+            <a:ext cx="6895193" cy="2308324"/>
           </a:xfrm>
           <a:prstGeom prst="rect">
             <a:avLst/>
@@ -6727,18 +7585,47 @@
           <a:lstStyle/>
           <a:p>
             <a:r>
-              <a:rPr lang="zh-CN" altLang="en-US" sz="6000" dirty="0"/>
-              <a:t>三</a:t>
-            </a:r>
-            <a:r>
-              <a:rPr lang="en-US" altLang="zh-CN" sz="6000" dirty="0"/>
-              <a:t>.</a:t>
-            </a:r>
-            <a:r>
-              <a:rPr lang="zh-CN" altLang="en-US" sz="6000" dirty="0"/>
-              <a:t>研究内容</a:t>
-            </a:r>
-            <a:endParaRPr lang="zh-CN" altLang="en-US" sz="6000" dirty="0"/>
+              <a:rPr lang="en-US" altLang="zh-CN" sz="2400" dirty="0"/>
+              <a:t>1.</a:t>
+            </a:r>
+            <a:r>
+              <a:rPr lang="zh-CN" altLang="en-US" sz="2400" dirty="0"/>
+              <a:t>基于改变图像分布的</a:t>
+            </a:r>
+            <a:r>
+              <a:rPr lang="en-US" altLang="zh-CN" sz="2400" dirty="0"/>
+              <a:t>CT-MR</a:t>
+            </a:r>
+            <a:r>
+              <a:rPr lang="zh-CN" altLang="en-US" sz="2400" dirty="0"/>
+              <a:t>域泛化方法</a:t>
+            </a:r>
+            <a:endParaRPr lang="en-US" altLang="zh-CN" sz="2400" dirty="0"/>
+          </a:p>
+          <a:p>
+            <a:r>
+              <a:rPr lang="zh-CN" altLang="en-US" sz="2400" dirty="0"/>
+              <a:t>数据增强作为数据操控方法的一种，能够以低成本简单地提升模型的泛化能力</a:t>
+            </a:r>
+            <a:endParaRPr lang="en-US" altLang="zh-CN" sz="2400" dirty="0"/>
+          </a:p>
+          <a:p>
+            <a:r>
+              <a:rPr lang="en-US" altLang="zh-CN" sz="2400" dirty="0"/>
+              <a:t>2.</a:t>
+            </a:r>
+            <a:r>
+              <a:rPr lang="zh-CN" altLang="en-US" sz="2400" dirty="0"/>
+              <a:t>基于特征解耦的域不变表征域泛化方法</a:t>
+            </a:r>
+            <a:endParaRPr lang="en-US" altLang="zh-CN" sz="2400" dirty="0"/>
+          </a:p>
+          <a:p>
+            <a:r>
+              <a:rPr lang="zh-CN" altLang="en-US" sz="2400" dirty="0"/>
+              <a:t>域不变表征作为不同域间的共有特征，能够为模型带来优秀的泛化能力。</a:t>
+            </a:r>
+            <a:endParaRPr lang="zh-CN" altLang="en-US" sz="2400" dirty="0"/>
           </a:p>
         </p:txBody>
       </p:sp>
@@ -6984,8 +7871,8 @@
         </p:nvSpPr>
         <p:spPr>
           <a:xfrm>
-            <a:off x="1187449" y="1681843"/>
-            <a:ext cx="6895193" cy="2308324"/>
+            <a:off x="3723005" y="2667000"/>
+            <a:ext cx="4929505" cy="1014730"/>
           </a:xfrm>
           <a:prstGeom prst="rect">
             <a:avLst/>
@@ -6999,47 +7886,18 @@
           <a:lstStyle/>
           <a:p>
             <a:r>
-              <a:rPr lang="en-US" altLang="zh-CN" sz="2400" dirty="0"/>
-              <a:t>1.</a:t>
-            </a:r>
-            <a:r>
-              <a:rPr lang="zh-CN" altLang="en-US" sz="2400" dirty="0"/>
-              <a:t>基于改变图像分布的</a:t>
-            </a:r>
-            <a:r>
-              <a:rPr lang="en-US" altLang="zh-CN" sz="2400" dirty="0"/>
-              <a:t>CT-MR</a:t>
-            </a:r>
-            <a:r>
-              <a:rPr lang="zh-CN" altLang="en-US" sz="2400" dirty="0"/>
-              <a:t>域泛化方法</a:t>
-            </a:r>
-            <a:endParaRPr lang="en-US" altLang="zh-CN" sz="2400" dirty="0"/>
-          </a:p>
-          <a:p>
-            <a:r>
-              <a:rPr lang="zh-CN" altLang="en-US" sz="2400" dirty="0"/>
-              <a:t>数据增强作为数据操控方法的一种，能够以低成本简单地提升模型的泛化能力</a:t>
-            </a:r>
-            <a:endParaRPr lang="en-US" altLang="zh-CN" sz="2400" dirty="0"/>
-          </a:p>
-          <a:p>
-            <a:r>
-              <a:rPr lang="en-US" altLang="zh-CN" sz="2400" dirty="0"/>
-              <a:t>2.</a:t>
-            </a:r>
-            <a:r>
-              <a:rPr lang="zh-CN" altLang="en-US" sz="2400" dirty="0"/>
-              <a:t>基于特征解耦的域不变表征域泛化方法</a:t>
-            </a:r>
-            <a:endParaRPr lang="en-US" altLang="zh-CN" sz="2400" dirty="0"/>
-          </a:p>
-          <a:p>
-            <a:r>
-              <a:rPr lang="zh-CN" altLang="en-US" sz="2400" dirty="0"/>
-              <a:t>域不变表征作为不同域间的共有特征，能够为模型带来优秀的泛化能力。</a:t>
-            </a:r>
-            <a:endParaRPr lang="zh-CN" altLang="en-US" sz="2400" dirty="0"/>
+              <a:rPr lang="zh-CN" altLang="en-US" sz="6000" dirty="0"/>
+              <a:t>四</a:t>
+            </a:r>
+            <a:r>
+              <a:rPr lang="en-US" altLang="zh-CN" sz="6000" dirty="0"/>
+              <a:t>.</a:t>
+            </a:r>
+            <a:r>
+              <a:rPr lang="zh-CN" altLang="en-US" sz="6000" dirty="0"/>
+              <a:t>研究方案</a:t>
+            </a:r>
+            <a:endParaRPr lang="zh-CN" altLang="en-US" sz="6000" dirty="0"/>
           </a:p>
         </p:txBody>
       </p:sp>
@@ -7277,44 +8135,30 @@
           </a:p>
         </p:txBody>
       </p:sp>
-      <p:sp>
-        <p:nvSpPr>
-          <p:cNvPr id="3" name="文本框 2"/>
-          <p:cNvSpPr txBox="1"/>
+      <p:pic>
+        <p:nvPicPr>
+          <p:cNvPr id="6" name="图片 5"/>
+          <p:cNvPicPr>
+            <a:picLocks noChangeAspect="1"/>
+          </p:cNvPicPr>
           <p:nvPr/>
-        </p:nvSpPr>
+        </p:nvPicPr>
+        <p:blipFill>
+          <a:blip r:embed="rId3"/>
+          <a:stretch>
+            <a:fillRect/>
+          </a:stretch>
+        </p:blipFill>
         <p:spPr>
           <a:xfrm>
-            <a:off x="3722945" y="2676343"/>
-            <a:ext cx="4190305" cy="1015663"/>
+            <a:off x="859100" y="1777365"/>
+            <a:ext cx="9639300" cy="4638675"/>
           </a:xfrm>
           <a:prstGeom prst="rect">
             <a:avLst/>
           </a:prstGeom>
-          <a:noFill/>
         </p:spPr>
-        <p:txBody>
-          <a:bodyPr wrap="square" rtlCol="0">
-            <a:spAutoFit/>
-          </a:bodyPr>
-          <a:lstStyle/>
-          <a:p>
-            <a:r>
-              <a:rPr lang="zh-CN" altLang="en-US" sz="6000" dirty="0"/>
-              <a:t>四</a:t>
-            </a:r>
-            <a:r>
-              <a:rPr lang="en-US" altLang="zh-CN" sz="6000" dirty="0"/>
-              <a:t>.</a:t>
-            </a:r>
-            <a:r>
-              <a:rPr lang="zh-CN" altLang="en-US" sz="6000" dirty="0"/>
-              <a:t>研究方案</a:t>
-            </a:r>
-            <a:endParaRPr lang="zh-CN" altLang="en-US" sz="6000" dirty="0"/>
-          </a:p>
-        </p:txBody>
-      </p:sp>
+      </p:pic>
     </p:spTree>
   </p:cSld>
   <p:clrMapOvr>
@@ -7549,39 +8393,30 @@
           </a:p>
         </p:txBody>
       </p:sp>
-      <p:sp>
-        <p:nvSpPr>
-          <p:cNvPr id="3" name="文本框 2"/>
-          <p:cNvSpPr txBox="1"/>
+      <p:pic>
+        <p:nvPicPr>
+          <p:cNvPr id="4" name="图片 3"/>
+          <p:cNvPicPr>
+            <a:picLocks noChangeAspect="1"/>
+          </p:cNvPicPr>
           <p:nvPr/>
-        </p:nvSpPr>
+        </p:nvPicPr>
+        <p:blipFill>
+          <a:blip r:embed="rId3"/>
+          <a:stretch>
+            <a:fillRect/>
+          </a:stretch>
+        </p:blipFill>
         <p:spPr>
           <a:xfrm>
-            <a:off x="1111828" y="1127464"/>
-            <a:ext cx="1507085" cy="646331"/>
+            <a:off x="1187450" y="973225"/>
+            <a:ext cx="8592306" cy="5582943"/>
           </a:xfrm>
           <a:prstGeom prst="rect">
             <a:avLst/>
           </a:prstGeom>
-          <a:noFill/>
         </p:spPr>
-        <p:txBody>
-          <a:bodyPr wrap="square" rtlCol="0">
-            <a:spAutoFit/>
-          </a:bodyPr>
-          <a:lstStyle/>
-          <a:p>
-            <a:r>
-              <a:rPr lang="en-US" altLang="zh-CN" dirty="0"/>
-              <a:t>Step 1</a:t>
-            </a:r>
-            <a:endParaRPr lang="en-US" altLang="zh-CN" dirty="0"/>
-          </a:p>
-          <a:p>
-            <a:endParaRPr lang="zh-CN" altLang="en-US" dirty="0"/>
-          </a:p>
-        </p:txBody>
-      </p:sp>
+      </p:pic>
     </p:spTree>
   </p:cSld>
   <p:clrMapOvr>
@@ -8217,30 +9052,44 @@
           </a:p>
         </p:txBody>
       </p:sp>
-      <p:pic>
-        <p:nvPicPr>
-          <p:cNvPr id="6" name="图片 5"/>
-          <p:cNvPicPr>
-            <a:picLocks noChangeAspect="1"/>
-          </p:cNvPicPr>
+      <p:sp>
+        <p:nvSpPr>
+          <p:cNvPr id="3" name="文本框 2"/>
+          <p:cNvSpPr txBox="1"/>
           <p:nvPr/>
-        </p:nvPicPr>
-        <p:blipFill>
-          <a:blip r:embed="rId3"/>
-          <a:stretch>
-            <a:fillRect/>
-          </a:stretch>
-        </p:blipFill>
+        </p:nvSpPr>
         <p:spPr>
           <a:xfrm>
-            <a:off x="859100" y="1777365"/>
-            <a:ext cx="9639300" cy="4638675"/>
+            <a:off x="3691890" y="2626360"/>
+            <a:ext cx="5185410" cy="1014730"/>
           </a:xfrm>
           <a:prstGeom prst="rect">
             <a:avLst/>
           </a:prstGeom>
+          <a:noFill/>
         </p:spPr>
-      </p:pic>
+        <p:txBody>
+          <a:bodyPr wrap="square" rtlCol="0">
+            <a:spAutoFit/>
+          </a:bodyPr>
+          <a:lstStyle/>
+          <a:p>
+            <a:r>
+              <a:rPr lang="zh-CN" altLang="en-US" sz="6000" dirty="0"/>
+              <a:t>五</a:t>
+            </a:r>
+            <a:r>
+              <a:rPr lang="en-US" altLang="zh-CN" sz="6000" dirty="0"/>
+              <a:t>.</a:t>
+            </a:r>
+            <a:r>
+              <a:rPr lang="zh-CN" altLang="en-US" sz="6000" dirty="0"/>
+              <a:t>前期工作</a:t>
+            </a:r>
+            <a:endParaRPr lang="zh-CN" altLang="en-US" sz="6000" dirty="0"/>
+          </a:p>
+        </p:txBody>
+      </p:sp>
     </p:spTree>
   </p:cSld>
   <p:clrMapOvr>
@@ -8475,30 +9324,244 @@
           </a:p>
         </p:txBody>
       </p:sp>
-      <p:pic>
-        <p:nvPicPr>
-          <p:cNvPr id="4" name="图片 3"/>
-          <p:cNvPicPr>
-            <a:picLocks noChangeAspect="1"/>
-          </p:cNvPicPr>
+      <p:sp>
+        <p:nvSpPr>
+          <p:cNvPr id="4" name="文本框 3"/>
+          <p:cNvSpPr txBox="1"/>
           <p:nvPr/>
-        </p:nvPicPr>
-        <p:blipFill>
-          <a:blip r:embed="rId3"/>
-          <a:stretch>
-            <a:fillRect/>
-          </a:stretch>
-        </p:blipFill>
+        </p:nvSpPr>
         <p:spPr>
           <a:xfrm>
-            <a:off x="1187450" y="973225"/>
-            <a:ext cx="8592306" cy="5582943"/>
+            <a:off x="730826" y="1114558"/>
+            <a:ext cx="9964883" cy="5569585"/>
           </a:xfrm>
           <a:prstGeom prst="rect">
             <a:avLst/>
           </a:prstGeom>
+          <a:noFill/>
         </p:spPr>
-      </p:pic>
+        <p:txBody>
+          <a:bodyPr wrap="square" rtlCol="0">
+            <a:spAutoFit/>
+          </a:bodyPr>
+          <a:lstStyle/>
+          <a:p>
+            <a:r>
+              <a:rPr lang="zh-CN" altLang="en-US" sz="3200" b="1" dirty="0"/>
+              <a:t>数据集准备与数据处理：</a:t>
+            </a:r>
+            <a:endParaRPr lang="en-US" altLang="zh-CN" sz="3200" b="1" dirty="0"/>
+          </a:p>
+          <a:p>
+            <a:pPr>
+              <a:lnSpc>
+                <a:spcPct val="150000"/>
+              </a:lnSpc>
+            </a:pPr>
+            <a:r>
+              <a:rPr lang="en-US" altLang="zh-CN" sz="2400" dirty="0"/>
+              <a:t>1.</a:t>
+            </a:r>
+            <a:r>
+              <a:rPr lang="zh-CN" altLang="en-US" sz="2400" dirty="0"/>
+              <a:t>训练集：</a:t>
+            </a:r>
+            <a:endParaRPr lang="en-US" altLang="zh-CN" sz="2400" dirty="0"/>
+          </a:p>
+          <a:p>
+            <a:pPr>
+              <a:lnSpc>
+                <a:spcPct val="150000"/>
+              </a:lnSpc>
+            </a:pPr>
+            <a:r>
+              <a:rPr lang="zh-CN" altLang="en-US" sz="2400" dirty="0"/>
+              <a:t>使用</a:t>
+            </a:r>
+            <a:r>
+              <a:rPr lang="en-US" altLang="zh-CN" sz="2400" dirty="0"/>
+              <a:t>total </a:t>
+            </a:r>
+            <a:r>
+              <a:rPr lang="en-US" altLang="zh-CN" sz="2400" dirty="0" err="1"/>
+              <a:t>sementator</a:t>
+            </a:r>
+            <a:r>
+              <a:rPr lang="zh-CN" altLang="en-US" sz="2400" dirty="0"/>
+              <a:t>数据集（</a:t>
+            </a:r>
+            <a:r>
+              <a:rPr lang="en-US" altLang="zh-CN" sz="2400" dirty="0"/>
+              <a:t>CT</a:t>
+            </a:r>
+            <a:r>
+              <a:rPr lang="zh-CN" altLang="en-US" sz="2400" dirty="0"/>
+              <a:t>）作为训练集，筛选掉非正方形的切片后，共</a:t>
+            </a:r>
+            <a:r>
+              <a:rPr lang="en-US" altLang="zh-CN" sz="2400" dirty="0"/>
+              <a:t>241442</a:t>
+            </a:r>
+            <a:r>
+              <a:rPr lang="zh-CN" altLang="en-US" sz="2400" dirty="0"/>
+              <a:t>张切片。按病例划分训练集与验证集，其中</a:t>
+            </a:r>
+            <a:r>
+              <a:rPr lang="en-US" altLang="zh-CN" sz="2400" dirty="0"/>
+              <a:t>201782</a:t>
+            </a:r>
+            <a:r>
+              <a:rPr lang="zh-CN" altLang="en-US" sz="2400" dirty="0"/>
+              <a:t>张切片作为训练集，</a:t>
+            </a:r>
+            <a:r>
+              <a:rPr lang="en-US" altLang="zh-CN" sz="2400" dirty="0"/>
+              <a:t>39360</a:t>
+            </a:r>
+            <a:r>
+              <a:rPr lang="zh-CN" altLang="en-US" sz="2400" dirty="0"/>
+              <a:t>张切片作为验证集。</a:t>
+            </a:r>
+            <a:endParaRPr lang="en-US" altLang="zh-CN" sz="2400" dirty="0"/>
+          </a:p>
+          <a:p>
+            <a:pPr>
+              <a:lnSpc>
+                <a:spcPct val="150000"/>
+              </a:lnSpc>
+            </a:pPr>
+            <a:r>
+              <a:rPr lang="en-US" altLang="zh-CN" sz="2400" dirty="0"/>
+              <a:t>2.</a:t>
+            </a:r>
+            <a:r>
+              <a:rPr lang="zh-CN" altLang="en-US" sz="2400" dirty="0"/>
+              <a:t>测试集：</a:t>
+            </a:r>
+            <a:endParaRPr lang="en-US" altLang="zh-CN" sz="2400" dirty="0"/>
+          </a:p>
+          <a:p>
+            <a:pPr>
+              <a:lnSpc>
+                <a:spcPct val="150000"/>
+              </a:lnSpc>
+            </a:pPr>
+            <a:r>
+              <a:rPr lang="zh-CN" altLang="en-US" sz="2400" dirty="0"/>
+              <a:t>使用</a:t>
+            </a:r>
+            <a:r>
+              <a:rPr lang="en-US" altLang="zh-CN" sz="2400" dirty="0"/>
+              <a:t>CHAOS</a:t>
+            </a:r>
+            <a:r>
+              <a:rPr lang="zh-CN" altLang="en-US" sz="2400" dirty="0"/>
+              <a:t>数据集的</a:t>
+            </a:r>
+            <a:r>
+              <a:rPr lang="en-US" altLang="zh-CN" sz="2400" dirty="0"/>
+              <a:t>MR</a:t>
+            </a:r>
+            <a:r>
+              <a:rPr lang="zh-CN" altLang="en-US" sz="2400" dirty="0"/>
+              <a:t>模态部分数据作为测试集，该数据集含有肝、肾、脾的分割标准，包括</a:t>
+            </a:r>
+            <a:r>
+              <a:rPr lang="en-US" altLang="zh-CN" sz="2400" dirty="0"/>
+              <a:t>T1_in, T1_out</a:t>
+            </a:r>
+            <a:r>
+              <a:rPr lang="zh-CN" altLang="en-US" sz="2400" dirty="0"/>
+              <a:t>和</a:t>
+            </a:r>
+            <a:r>
+              <a:rPr lang="en-US" altLang="zh-CN" sz="2400" dirty="0"/>
+              <a:t>T2</a:t>
+            </a:r>
+            <a:r>
+              <a:rPr lang="zh-CN" altLang="en-US" sz="2400" dirty="0"/>
+              <a:t>三个</a:t>
+            </a:r>
+            <a:r>
+              <a:rPr lang="en-US" altLang="zh-CN" sz="2400" dirty="0"/>
+              <a:t>MR</a:t>
+            </a:r>
+            <a:r>
+              <a:rPr lang="zh-CN" altLang="en-US" sz="2400" dirty="0"/>
+              <a:t>序列。处理后</a:t>
+            </a:r>
+            <a:r>
+              <a:rPr lang="en-US" altLang="zh-CN" sz="2400" dirty="0"/>
+              <a:t>T1_in</a:t>
+            </a:r>
+            <a:r>
+              <a:rPr lang="zh-CN" altLang="en-US" sz="2400" dirty="0"/>
+              <a:t>序列</a:t>
+            </a:r>
+            <a:r>
+              <a:rPr lang="en-US" altLang="zh-CN" sz="2400" dirty="0"/>
+              <a:t>647</a:t>
+            </a:r>
+            <a:r>
+              <a:rPr lang="zh-CN" altLang="en-US" sz="2400" dirty="0"/>
+              <a:t>张切片，</a:t>
+            </a:r>
+            <a:r>
+              <a:rPr lang="en-US" altLang="zh-CN" sz="2400" dirty="0"/>
+              <a:t>T1_out</a:t>
+            </a:r>
+            <a:r>
+              <a:rPr lang="zh-CN" altLang="en-US" sz="2400" dirty="0"/>
+              <a:t>序列</a:t>
+            </a:r>
+            <a:r>
+              <a:rPr lang="en-US" altLang="zh-CN" sz="2400" dirty="0"/>
+              <a:t>647</a:t>
+            </a:r>
+            <a:r>
+              <a:rPr lang="zh-CN" altLang="en-US" sz="2400" dirty="0"/>
+              <a:t>张切片，</a:t>
+            </a:r>
+            <a:r>
+              <a:rPr lang="en-US" altLang="zh-CN" sz="2400" dirty="0"/>
+              <a:t>T2</a:t>
+            </a:r>
+            <a:r>
+              <a:rPr lang="zh-CN" altLang="en-US" sz="2400" dirty="0"/>
+              <a:t>序列</a:t>
+            </a:r>
+            <a:r>
+              <a:rPr lang="en-US" altLang="zh-CN" sz="2400" dirty="0"/>
+              <a:t>623</a:t>
+            </a:r>
+            <a:r>
+              <a:rPr lang="zh-CN" altLang="en-US" sz="2400" dirty="0"/>
+              <a:t>张切片</a:t>
+            </a:r>
+            <a:endParaRPr lang="zh-CN" altLang="en-US" sz="2400" dirty="0"/>
+          </a:p>
+          <a:p>
+            <a:pPr>
+              <a:lnSpc>
+                <a:spcPct val="150000"/>
+              </a:lnSpc>
+            </a:pPr>
+            <a:r>
+              <a:rPr lang="en-US" altLang="zh-CN" sz="2400" dirty="0"/>
+              <a:t>AMOS </a:t>
+            </a:r>
+            <a:r>
+              <a:rPr lang="zh-CN" altLang="en-US" sz="2400" dirty="0"/>
+              <a:t>待</a:t>
+            </a:r>
+            <a:r>
+              <a:rPr lang="zh-CN" altLang="en-US" sz="2400" dirty="0"/>
+              <a:t>处理</a:t>
+            </a:r>
+            <a:endParaRPr lang="zh-CN" altLang="en-US" sz="2400" dirty="0"/>
+          </a:p>
+        </p:txBody>
+      </p:sp>
     </p:spTree>
   </p:cSld>
   <p:clrMapOvr>
@@ -8733,6 +9796,30 @@
           </a:p>
         </p:txBody>
       </p:sp>
+      <p:pic>
+        <p:nvPicPr>
+          <p:cNvPr id="3" name="图片 2"/>
+          <p:cNvPicPr>
+            <a:picLocks noChangeAspect="1"/>
+          </p:cNvPicPr>
+          <p:nvPr/>
+        </p:nvPicPr>
+        <p:blipFill>
+          <a:blip r:embed="rId3"/>
+          <a:stretch>
+            <a:fillRect/>
+          </a:stretch>
+        </p:blipFill>
+        <p:spPr>
+          <a:xfrm>
+            <a:off x="546735" y="872490"/>
+            <a:ext cx="10970895" cy="5568950"/>
+          </a:xfrm>
+          <a:prstGeom prst="rect">
+            <a:avLst/>
+          </a:prstGeom>
+        </p:spPr>
+      </p:pic>
     </p:spTree>
   </p:cSld>
   <p:clrMapOvr>
@@ -8967,44 +10054,30 @@
           </a:p>
         </p:txBody>
       </p:sp>
-      <p:sp>
-        <p:nvSpPr>
-          <p:cNvPr id="3" name="文本框 2"/>
-          <p:cNvSpPr txBox="1"/>
+      <p:pic>
+        <p:nvPicPr>
+          <p:cNvPr id="3" name="图片 2"/>
+          <p:cNvPicPr>
+            <a:picLocks noChangeAspect="1"/>
+          </p:cNvPicPr>
           <p:nvPr/>
-        </p:nvSpPr>
+        </p:nvPicPr>
+        <p:blipFill>
+          <a:blip r:embed="rId3"/>
+          <a:stretch>
+            <a:fillRect/>
+          </a:stretch>
+        </p:blipFill>
         <p:spPr>
           <a:xfrm>
-            <a:off x="3722945" y="2676343"/>
-            <a:ext cx="4190305" cy="1015663"/>
+            <a:off x="615950" y="146050"/>
+            <a:ext cx="10960100" cy="6565900"/>
           </a:xfrm>
           <a:prstGeom prst="rect">
             <a:avLst/>
           </a:prstGeom>
-          <a:noFill/>
         </p:spPr>
-        <p:txBody>
-          <a:bodyPr wrap="square" rtlCol="0">
-            <a:spAutoFit/>
-          </a:bodyPr>
-          <a:lstStyle/>
-          <a:p>
-            <a:r>
-              <a:rPr lang="zh-CN" altLang="en-US" sz="6000" dirty="0"/>
-              <a:t>五</a:t>
-            </a:r>
-            <a:r>
-              <a:rPr lang="en-US" altLang="zh-CN" sz="6000" dirty="0"/>
-              <a:t>.</a:t>
-            </a:r>
-            <a:r>
-              <a:rPr lang="zh-CN" altLang="en-US" sz="6000" dirty="0"/>
-              <a:t>前期工作</a:t>
-            </a:r>
-            <a:endParaRPr lang="zh-CN" altLang="en-US" sz="6000" dirty="0"/>
-          </a:p>
-        </p:txBody>
-      </p:sp>
+      </p:pic>
     </p:spTree>
   </p:cSld>
   <p:clrMapOvr>
@@ -9013,7 +10086,7 @@
 </p:sld>
 </file>
 
-<file path=ppt/slides/slide24.xml><?xml version="1.0" encoding="utf-8"?>
+<file path=ppt/slides/slide3.xml><?xml version="1.0" encoding="utf-8"?>
 <p:sld xmlns:a="http://schemas.openxmlformats.org/drawingml/2006/main" xmlns:r="http://schemas.openxmlformats.org/officeDocument/2006/relationships" xmlns:p="http://schemas.openxmlformats.org/presentationml/2006/main">
   <p:cSld>
     <p:spTree>
@@ -9241,14 +10314,14 @@
       </p:sp>
       <p:sp>
         <p:nvSpPr>
-          <p:cNvPr id="4" name="文本框 3"/>
+          <p:cNvPr id="3" name="文本框 2"/>
           <p:cNvSpPr txBox="1"/>
           <p:nvPr/>
         </p:nvSpPr>
         <p:spPr>
           <a:xfrm>
-            <a:off x="730826" y="1114558"/>
-            <a:ext cx="9964883" cy="4960461"/>
+            <a:off x="3723005" y="2676525"/>
+            <a:ext cx="4837430" cy="1014730"/>
           </a:xfrm>
           <a:prstGeom prst="rect">
             <a:avLst/>
@@ -9262,198 +10335,18 @@
           <a:lstStyle/>
           <a:p>
             <a:r>
-              <a:rPr lang="zh-CN" altLang="en-US" sz="3200" b="1" dirty="0"/>
-              <a:t>数据集准备与数据处理：</a:t>
-            </a:r>
-            <a:endParaRPr lang="en-US" altLang="zh-CN" sz="3200" b="1" dirty="0"/>
-          </a:p>
-          <a:p>
-            <a:pPr>
-              <a:lnSpc>
-                <a:spcPct val="150000"/>
-              </a:lnSpc>
-            </a:pPr>
-            <a:r>
-              <a:rPr lang="en-US" altLang="zh-CN" sz="2400" dirty="0"/>
-              <a:t>1.</a:t>
-            </a:r>
-            <a:r>
-              <a:rPr lang="zh-CN" altLang="en-US" sz="2400" dirty="0"/>
-              <a:t>训练集：</a:t>
-            </a:r>
-            <a:endParaRPr lang="en-US" altLang="zh-CN" sz="2400" dirty="0"/>
-          </a:p>
-          <a:p>
-            <a:pPr>
-              <a:lnSpc>
-                <a:spcPct val="150000"/>
-              </a:lnSpc>
-            </a:pPr>
-            <a:r>
-              <a:rPr lang="zh-CN" altLang="en-US" sz="2400" dirty="0"/>
-              <a:t>使用</a:t>
-            </a:r>
-            <a:r>
-              <a:rPr lang="en-US" altLang="zh-CN" sz="2400" dirty="0"/>
-              <a:t>total </a:t>
-            </a:r>
-            <a:r>
-              <a:rPr lang="en-US" altLang="zh-CN" sz="2400" dirty="0" err="1"/>
-              <a:t>sementator</a:t>
-            </a:r>
-            <a:r>
-              <a:rPr lang="zh-CN" altLang="en-US" sz="2400" dirty="0"/>
-              <a:t>数据集（</a:t>
-            </a:r>
-            <a:r>
-              <a:rPr lang="en-US" altLang="zh-CN" sz="2400" dirty="0"/>
-              <a:t>CT</a:t>
-            </a:r>
-            <a:r>
-              <a:rPr lang="zh-CN" altLang="en-US" sz="2400" dirty="0"/>
-              <a:t>）作为训练集，筛选掉非正方形的切片后，共</a:t>
-            </a:r>
-            <a:r>
-              <a:rPr lang="en-US" altLang="zh-CN" sz="2400" dirty="0"/>
-              <a:t>241442</a:t>
-            </a:r>
-            <a:r>
-              <a:rPr lang="zh-CN" altLang="en-US" sz="2400" dirty="0"/>
-              <a:t>张切片。按病例划分训练集与验证集，其中</a:t>
-            </a:r>
-            <a:r>
-              <a:rPr lang="en-US" altLang="zh-CN" sz="2400" dirty="0"/>
-              <a:t>201782</a:t>
-            </a:r>
-            <a:r>
-              <a:rPr lang="zh-CN" altLang="en-US" sz="2400" dirty="0"/>
-              <a:t>张切片作为训练集，</a:t>
-            </a:r>
-            <a:r>
-              <a:rPr lang="en-US" altLang="zh-CN" sz="2400" dirty="0"/>
-              <a:t>39360</a:t>
-            </a:r>
-            <a:r>
-              <a:rPr lang="zh-CN" altLang="en-US" sz="2400" dirty="0"/>
-              <a:t>张切片作为验证集。</a:t>
-            </a:r>
-            <a:endParaRPr lang="en-US" altLang="zh-CN" sz="2400" dirty="0"/>
-          </a:p>
-          <a:p>
-            <a:pPr>
-              <a:lnSpc>
-                <a:spcPct val="150000"/>
-              </a:lnSpc>
-            </a:pPr>
-            <a:r>
-              <a:rPr lang="en-US" altLang="zh-CN" sz="2400" dirty="0"/>
-              <a:t>2.</a:t>
-            </a:r>
-            <a:r>
-              <a:rPr lang="zh-CN" altLang="en-US" sz="2400" dirty="0"/>
-              <a:t>测试集：</a:t>
-            </a:r>
-            <a:endParaRPr lang="en-US" altLang="zh-CN" sz="2400" dirty="0"/>
-          </a:p>
-          <a:p>
-            <a:pPr>
-              <a:lnSpc>
-                <a:spcPct val="150000"/>
-              </a:lnSpc>
-            </a:pPr>
-            <a:r>
-              <a:rPr lang="zh-CN" altLang="en-US" sz="2400" dirty="0"/>
-              <a:t>使用</a:t>
-            </a:r>
-            <a:r>
-              <a:rPr lang="en-US" altLang="zh-CN" sz="2400" dirty="0"/>
-              <a:t>CHAOS</a:t>
-            </a:r>
-            <a:r>
-              <a:rPr lang="zh-CN" altLang="en-US" sz="2400" dirty="0"/>
-              <a:t>数据集的</a:t>
-            </a:r>
-            <a:r>
-              <a:rPr lang="en-US" altLang="zh-CN" sz="2400" dirty="0"/>
-              <a:t>MR</a:t>
-            </a:r>
-            <a:r>
-              <a:rPr lang="zh-CN" altLang="en-US" sz="2400" dirty="0"/>
-              <a:t>模态部分数据作为测试集，该数据集含有肝、肾、脾的分割标准，包括</a:t>
-            </a:r>
-            <a:r>
-              <a:rPr lang="en-US" altLang="zh-CN" sz="2400" dirty="0"/>
-              <a:t>T1_in, T1_out</a:t>
-            </a:r>
-            <a:r>
-              <a:rPr lang="zh-CN" altLang="en-US" sz="2400" dirty="0"/>
-              <a:t>和</a:t>
-            </a:r>
-            <a:r>
-              <a:rPr lang="en-US" altLang="zh-CN" sz="2400" dirty="0"/>
-              <a:t>T2</a:t>
-            </a:r>
-            <a:r>
-              <a:rPr lang="zh-CN" altLang="en-US" sz="2400" dirty="0"/>
-              <a:t>三个</a:t>
-            </a:r>
-            <a:r>
-              <a:rPr lang="en-US" altLang="zh-CN" sz="2400" dirty="0"/>
-              <a:t>MR</a:t>
-            </a:r>
-            <a:r>
-              <a:rPr lang="zh-CN" altLang="en-US" sz="2400" dirty="0"/>
-              <a:t>序列。处理后</a:t>
-            </a:r>
-            <a:r>
-              <a:rPr lang="en-US" altLang="zh-CN" sz="2400" dirty="0"/>
-              <a:t>T1_in</a:t>
-            </a:r>
-            <a:r>
-              <a:rPr lang="zh-CN" altLang="en-US" sz="2400" dirty="0"/>
-              <a:t>序列</a:t>
-            </a:r>
-            <a:r>
-              <a:rPr lang="en-US" altLang="zh-CN" sz="2400" dirty="0"/>
-              <a:t>647</a:t>
-            </a:r>
-            <a:r>
-              <a:rPr lang="zh-CN" altLang="en-US" sz="2400" dirty="0"/>
-              <a:t>张切片，</a:t>
-            </a:r>
-            <a:r>
-              <a:rPr lang="en-US" altLang="zh-CN" sz="2400" dirty="0"/>
-              <a:t>T1_out</a:t>
-            </a:r>
-            <a:r>
-              <a:rPr lang="zh-CN" altLang="en-US" sz="2400" dirty="0"/>
-              <a:t>序列</a:t>
-            </a:r>
-            <a:r>
-              <a:rPr lang="en-US" altLang="zh-CN" sz="2400" dirty="0"/>
-              <a:t>647</a:t>
-            </a:r>
-            <a:r>
-              <a:rPr lang="zh-CN" altLang="en-US" sz="2400" dirty="0"/>
-              <a:t>张切片，</a:t>
-            </a:r>
-            <a:r>
-              <a:rPr lang="en-US" altLang="zh-CN" sz="2400" dirty="0"/>
-              <a:t>T2</a:t>
-            </a:r>
-            <a:r>
-              <a:rPr lang="zh-CN" altLang="en-US" sz="2400" dirty="0"/>
-              <a:t>序列</a:t>
-            </a:r>
-            <a:r>
-              <a:rPr lang="en-US" altLang="zh-CN" sz="2400" dirty="0"/>
-              <a:t>623</a:t>
-            </a:r>
-            <a:r>
-              <a:rPr lang="zh-CN" altLang="en-US" sz="2400" dirty="0"/>
-              <a:t>张切片</a:t>
-            </a:r>
-            <a:endParaRPr lang="zh-CN" altLang="en-US" sz="2400" dirty="0"/>
+              <a:rPr lang="zh-CN" altLang="en-US" sz="6000" dirty="0"/>
+              <a:t>一</a:t>
+            </a:r>
+            <a:r>
+              <a:rPr lang="en-US" altLang="zh-CN" sz="6000" dirty="0"/>
+              <a:t>.</a:t>
+            </a:r>
+            <a:r>
+              <a:rPr lang="zh-CN" altLang="en-US" sz="6000" dirty="0"/>
+              <a:t>研究意义</a:t>
+            </a:r>
+            <a:endParaRPr lang="zh-CN" altLang="en-US" sz="6000" dirty="0"/>
           </a:p>
         </p:txBody>
       </p:sp>
@@ -9465,7 +10358,7 @@
 </p:sld>
 </file>
 
-<file path=ppt/slides/slide25.xml><?xml version="1.0" encoding="utf-8"?>
+<file path=ppt/slides/slide4.xml><?xml version="1.0" encoding="utf-8"?>
 <p:sld xmlns:a="http://schemas.openxmlformats.org/drawingml/2006/main" xmlns:r="http://schemas.openxmlformats.org/officeDocument/2006/relationships" xmlns:p="http://schemas.openxmlformats.org/presentationml/2006/main">
   <p:cSld>
     <p:spTree>
@@ -9673,8 +10566,8 @@
         </p:nvSpPr>
         <p:spPr>
           <a:xfrm>
-            <a:off x="1187450" y="441960"/>
-            <a:ext cx="4064000" cy="368300"/>
+            <a:off x="300675" y="100513"/>
+            <a:ext cx="4064000" cy="646331"/>
           </a:xfrm>
           <a:prstGeom prst="rect">
             <a:avLst/>
@@ -9687,34 +10580,205 @@
           </a:bodyPr>
           <a:lstStyle/>
           <a:p>
-            <a:endParaRPr lang="zh-CN" altLang="en-US"/>
-          </a:p>
-        </p:txBody>
-      </p:sp>
-      <p:pic>
-        <p:nvPicPr>
-          <p:cNvPr id="3" name="图片 2"/>
-          <p:cNvPicPr>
-            <a:picLocks noChangeAspect="1"/>
-          </p:cNvPicPr>
+            <a:r>
+              <a:rPr lang="zh-CN" altLang="en-US" sz="3600" dirty="0"/>
+              <a:t>研究意义</a:t>
+            </a:r>
+            <a:endParaRPr lang="zh-CN" altLang="en-US" sz="3600" dirty="0"/>
+          </a:p>
+        </p:txBody>
+      </p:sp>
+      <p:sp>
+        <p:nvSpPr>
+          <p:cNvPr id="8" name="文本框 7"/>
+          <p:cNvSpPr txBox="1"/>
           <p:nvPr/>
-        </p:nvPicPr>
-        <p:blipFill>
-          <a:blip r:embed="rId3"/>
-          <a:stretch>
-            <a:fillRect/>
-          </a:stretch>
-        </p:blipFill>
+        </p:nvSpPr>
         <p:spPr>
           <a:xfrm>
-            <a:off x="885825" y="1540510"/>
-            <a:ext cx="8199755" cy="4162425"/>
+            <a:off x="502024" y="995789"/>
+            <a:ext cx="11205882" cy="5996385"/>
           </a:xfrm>
           <a:prstGeom prst="rect">
             <a:avLst/>
           </a:prstGeom>
+          <a:noFill/>
         </p:spPr>
-      </p:pic>
+        <p:txBody>
+          <a:bodyPr wrap="square">
+            <a:spAutoFit/>
+          </a:bodyPr>
+          <a:lstStyle/>
+          <a:p>
+            <a:pPr marL="457200" indent="-457200">
+              <a:lnSpc>
+                <a:spcPct val="150000"/>
+              </a:lnSpc>
+              <a:buFont typeface="Arial" panose="020B0604020202020204" pitchFamily="34" charset="0"/>
+              <a:buChar char="•"/>
+            </a:pPr>
+            <a:r>
+              <a:rPr lang="zh-CN" altLang="en-US" sz="2800" dirty="0">
+                <a:latin typeface="+mn-ea"/>
+              </a:rPr>
+              <a:t>医疗影像是目前临床上疾病筛查、诊断、治疗和评估的重要工具。</a:t>
+            </a:r>
+            <a:endParaRPr lang="en-US" altLang="zh-CN" sz="2800" dirty="0">
+              <a:latin typeface="+mn-ea"/>
+            </a:endParaRPr>
+          </a:p>
+          <a:p>
+            <a:pPr marL="457200" indent="-457200" algn="l">
+              <a:lnSpc>
+                <a:spcPct val="150000"/>
+              </a:lnSpc>
+              <a:buFont typeface="Arial" panose="020B0604020202020204" pitchFamily="34" charset="0"/>
+              <a:buChar char="•"/>
+            </a:pPr>
+            <a:r>
+              <a:rPr lang="zh-CN" altLang="en-US" sz="2800" i="0" dirty="0">
+                <a:effectLst/>
+                <a:latin typeface="-apple-system"/>
+              </a:rPr>
+              <a:t>在图像分割方面</a:t>
+            </a:r>
+            <a:r>
+              <a:rPr lang="en-US" altLang="zh-CN" sz="2800" i="0" dirty="0">
+                <a:effectLst/>
+                <a:latin typeface="-apple-system"/>
+              </a:rPr>
+              <a:t>,</a:t>
+            </a:r>
+            <a:r>
+              <a:rPr lang="zh-CN" altLang="en-US" sz="2800" i="0" dirty="0">
+                <a:effectLst/>
+                <a:latin typeface="-apple-system"/>
+              </a:rPr>
+              <a:t>全卷积网络</a:t>
+            </a:r>
+            <a:r>
+              <a:rPr lang="en-US" altLang="zh-CN" sz="2800" i="0" dirty="0">
+                <a:effectLst/>
+                <a:latin typeface="-apple-system"/>
+              </a:rPr>
+              <a:t>(FCN)</a:t>
+            </a:r>
+            <a:r>
+              <a:rPr lang="zh-CN" altLang="en-US" sz="2800" i="0" dirty="0">
+                <a:effectLst/>
+                <a:latin typeface="-apple-system"/>
+              </a:rPr>
+              <a:t>、</a:t>
+            </a:r>
+            <a:r>
+              <a:rPr lang="en-US" altLang="zh-CN" sz="2800" i="0" dirty="0">
+                <a:effectLst/>
+                <a:latin typeface="-apple-system"/>
+              </a:rPr>
+              <a:t>U-Net</a:t>
+            </a:r>
+            <a:r>
+              <a:rPr lang="zh-CN" altLang="en-US" sz="2800" i="0" dirty="0">
+                <a:effectLst/>
+                <a:latin typeface="-apple-system"/>
+              </a:rPr>
+              <a:t>等模型极大地提高了分割精度。基于深度学习的分割模型已经在组织和病变分割中取得普遍应用。</a:t>
+            </a:r>
+            <a:endParaRPr lang="zh-CN" altLang="en-US" sz="2800" i="0" dirty="0">
+              <a:effectLst/>
+              <a:latin typeface="-apple-system"/>
+            </a:endParaRPr>
+          </a:p>
+          <a:p>
+            <a:pPr marL="457200" indent="-457200" algn="l">
+              <a:lnSpc>
+                <a:spcPct val="150000"/>
+              </a:lnSpc>
+              <a:buFont typeface="Arial" panose="020B0604020202020204" pitchFamily="34" charset="0"/>
+              <a:buChar char="•"/>
+            </a:pPr>
+            <a:r>
+              <a:rPr lang="zh-CN" altLang="en-US" sz="2800" i="0" dirty="0">
+                <a:effectLst/>
+                <a:latin typeface="-apple-system"/>
+              </a:rPr>
+              <a:t>在病变检测中</a:t>
+            </a:r>
+            <a:r>
+              <a:rPr lang="en-US" altLang="zh-CN" sz="2800" i="0" dirty="0">
+                <a:effectLst/>
+                <a:latin typeface="-apple-system"/>
+              </a:rPr>
+              <a:t>,</a:t>
+            </a:r>
+            <a:r>
+              <a:rPr lang="zh-CN" altLang="en-US" sz="2800" i="0" dirty="0">
+                <a:effectLst/>
+                <a:latin typeface="-apple-system"/>
+              </a:rPr>
+              <a:t>区域卷积神经网络</a:t>
+            </a:r>
+            <a:r>
+              <a:rPr lang="en-US" altLang="zh-CN" sz="2800" i="0" dirty="0">
+                <a:effectLst/>
+                <a:latin typeface="-apple-system"/>
+              </a:rPr>
+              <a:t>(R-CNN)</a:t>
+            </a:r>
+            <a:r>
+              <a:rPr lang="zh-CN" altLang="en-US" sz="2800" i="0" dirty="0">
+                <a:effectLst/>
+                <a:latin typeface="-apple-system"/>
+              </a:rPr>
+              <a:t>系列模型也获得广泛采用。利用特征金字塔网络进行多尺度特征提取</a:t>
+            </a:r>
+            <a:r>
+              <a:rPr lang="en-US" altLang="zh-CN" sz="2800" i="0" dirty="0">
+                <a:effectLst/>
+                <a:latin typeface="-apple-system"/>
+              </a:rPr>
+              <a:t>,</a:t>
+            </a:r>
+            <a:r>
+              <a:rPr lang="zh-CN" altLang="en-US" sz="2800" i="0" dirty="0">
+                <a:effectLst/>
+                <a:latin typeface="-apple-system"/>
+              </a:rPr>
+              <a:t>结合区域提议网络实现了病变的精确定位。</a:t>
+            </a:r>
+            <a:endParaRPr lang="zh-CN" altLang="en-US" sz="2800" i="0" dirty="0">
+              <a:effectLst/>
+              <a:latin typeface="-apple-system"/>
+            </a:endParaRPr>
+          </a:p>
+          <a:p>
+            <a:pPr>
+              <a:lnSpc>
+                <a:spcPct val="150000"/>
+              </a:lnSpc>
+              <a:spcBef>
+                <a:spcPts val="600"/>
+              </a:spcBef>
+              <a:spcAft>
+                <a:spcPts val="600"/>
+              </a:spcAft>
+            </a:pPr>
+            <a:endParaRPr lang="zh-CN" altLang="en-US" sz="2800" dirty="0">
+              <a:latin typeface="+mn-ea"/>
+            </a:endParaRPr>
+          </a:p>
+          <a:p>
+            <a:pPr>
+              <a:lnSpc>
+                <a:spcPct val="150000"/>
+              </a:lnSpc>
+            </a:pPr>
+            <a:endParaRPr lang="en-US" altLang="zh-CN" sz="2800" dirty="0">
+              <a:latin typeface="PingFang SC" panose="020B0400000000000000" charset="-122"/>
+            </a:endParaRPr>
+          </a:p>
+        </p:txBody>
+      </p:sp>
     </p:spTree>
   </p:cSld>
   <p:clrMapOvr>
@@ -9723,7 +10787,7 @@
 </p:sld>
 </file>
 
-<file path=ppt/slides/slide26.xml><?xml version="1.0" encoding="utf-8"?>
+<file path=ppt/slides/slide5.xml><?xml version="1.0" encoding="utf-8"?>
 <p:sld xmlns:a="http://schemas.openxmlformats.org/drawingml/2006/main" xmlns:r="http://schemas.openxmlformats.org/officeDocument/2006/relationships" xmlns:p="http://schemas.openxmlformats.org/presentationml/2006/main">
   <p:cSld>
     <p:spTree>
@@ -9949,30 +11013,112 @@
           </a:p>
         </p:txBody>
       </p:sp>
-      <p:pic>
-        <p:nvPicPr>
-          <p:cNvPr id="3" name="图片 2"/>
-          <p:cNvPicPr>
-            <a:picLocks noChangeAspect="1"/>
-          </p:cNvPicPr>
+      <p:sp>
+        <p:nvSpPr>
+          <p:cNvPr id="4" name="文本框 3"/>
+          <p:cNvSpPr txBox="1"/>
           <p:nvPr/>
-        </p:nvPicPr>
-        <p:blipFill>
-          <a:blip r:embed="rId3"/>
-          <a:stretch>
-            <a:fillRect/>
-          </a:stretch>
-        </p:blipFill>
+        </p:nvSpPr>
         <p:spPr>
           <a:xfrm>
-            <a:off x="615950" y="146050"/>
-            <a:ext cx="10960100" cy="6565900"/>
+            <a:off x="630857" y="1485900"/>
+            <a:ext cx="11225783" cy="3258328"/>
           </a:xfrm>
           <a:prstGeom prst="rect">
             <a:avLst/>
           </a:prstGeom>
+          <a:noFill/>
         </p:spPr>
-      </p:pic>
+        <p:txBody>
+          <a:bodyPr wrap="square">
+            <a:spAutoFit/>
+          </a:bodyPr>
+          <a:lstStyle/>
+          <a:p>
+            <a:pPr marL="457200" indent="-457200">
+              <a:lnSpc>
+                <a:spcPct val="150000"/>
+              </a:lnSpc>
+              <a:buFont typeface="Arial" panose="020B0604020202020204" pitchFamily="34" charset="0"/>
+              <a:buChar char="•"/>
+            </a:pPr>
+            <a:r>
+              <a:rPr lang="zh-CN" altLang="en-US" sz="2800" dirty="0"/>
+              <a:t>传统的机器学习模型是基于训练和测试数据独立同分布（</a:t>
+            </a:r>
+            <a:r>
+              <a:rPr lang="en-US" altLang="zh-CN" sz="2800" b="0" i="0" dirty="0">
+                <a:effectLst/>
+                <a:latin typeface="-apple-system"/>
+              </a:rPr>
+              <a:t>independent and identically distributed</a:t>
+            </a:r>
+            <a:r>
+              <a:rPr lang="zh-CN" altLang="en-US" sz="2800" dirty="0"/>
+              <a:t>）的假设进行训练的。</a:t>
+            </a:r>
+            <a:endParaRPr lang="en-US" altLang="zh-CN" sz="2800" dirty="0"/>
+          </a:p>
+          <a:p>
+            <a:pPr marL="457200" indent="-457200">
+              <a:lnSpc>
+                <a:spcPct val="150000"/>
+              </a:lnSpc>
+              <a:buFont typeface="Arial" panose="020B0604020202020204" pitchFamily="34" charset="0"/>
+              <a:buChar char="•"/>
+            </a:pPr>
+            <a:r>
+              <a:rPr lang="zh-CN" altLang="en-US" sz="2800" dirty="0"/>
+              <a:t>收集所有可能域的数据来训练模型十分昂贵，甚至是不可能的。</a:t>
+            </a:r>
+            <a:endParaRPr lang="en-US" altLang="zh-CN" sz="2800" dirty="0"/>
+          </a:p>
+          <a:p>
+            <a:pPr marL="457200" indent="-457200">
+              <a:lnSpc>
+                <a:spcPct val="150000"/>
+              </a:lnSpc>
+              <a:buFont typeface="Arial" panose="020B0604020202020204" pitchFamily="34" charset="0"/>
+              <a:buChar char="•"/>
+            </a:pPr>
+            <a:r>
+              <a:rPr lang="zh-CN" altLang="en-US" sz="2800" dirty="0"/>
+              <a:t>因此，提高机器学习模型的泛化能力在工业和学术领域都具有重要意义。</a:t>
+            </a:r>
+            <a:endParaRPr lang="zh-CN" altLang="en-US" sz="2800" dirty="0"/>
+          </a:p>
+        </p:txBody>
+      </p:sp>
+      <p:sp>
+        <p:nvSpPr>
+          <p:cNvPr id="5" name="文本框 4"/>
+          <p:cNvSpPr txBox="1"/>
+          <p:nvPr/>
+        </p:nvSpPr>
+        <p:spPr>
+          <a:xfrm>
+            <a:off x="300675" y="100513"/>
+            <a:ext cx="4064000" cy="646331"/>
+          </a:xfrm>
+          <a:prstGeom prst="rect">
+            <a:avLst/>
+          </a:prstGeom>
+          <a:noFill/>
+        </p:spPr>
+        <p:txBody>
+          <a:bodyPr wrap="square" rtlCol="0">
+            <a:spAutoFit/>
+          </a:bodyPr>
+          <a:lstStyle/>
+          <a:p>
+            <a:r>
+              <a:rPr lang="zh-CN" altLang="en-US" sz="3600" dirty="0"/>
+              <a:t>研究意义</a:t>
+            </a:r>
+            <a:endParaRPr lang="zh-CN" altLang="en-US" sz="3600" dirty="0"/>
+          </a:p>
+        </p:txBody>
+      </p:sp>
     </p:spTree>
   </p:cSld>
   <p:clrMapOvr>
@@ -9981,7 +11127,7 @@
 </p:sld>
 </file>
 
-<file path=ppt/slides/slide3.xml><?xml version="1.0" encoding="utf-8"?>
+<file path=ppt/slides/slide6.xml><?xml version="1.0" encoding="utf-8"?>
 <p:sld xmlns:a="http://schemas.openxmlformats.org/drawingml/2006/main" xmlns:r="http://schemas.openxmlformats.org/officeDocument/2006/relationships" xmlns:p="http://schemas.openxmlformats.org/presentationml/2006/main">
   <p:cSld>
     <p:spTree>
@@ -10215,8 +11361,8 @@
         </p:nvSpPr>
         <p:spPr>
           <a:xfrm>
-            <a:off x="3722945" y="2676343"/>
-            <a:ext cx="4190305" cy="1015663"/>
+            <a:off x="3723005" y="2686050"/>
+            <a:ext cx="4877435" cy="1014730"/>
           </a:xfrm>
           <a:prstGeom prst="rect">
             <a:avLst/>
@@ -10231,7 +11377,7 @@
           <a:p>
             <a:r>
               <a:rPr lang="zh-CN" altLang="en-US" sz="6000" dirty="0"/>
-              <a:t>一</a:t>
+              <a:t>二</a:t>
             </a:r>
             <a:r>
               <a:rPr lang="en-US" altLang="zh-CN" sz="6000" dirty="0"/>
@@ -10239,7 +11385,7 @@
             </a:r>
             <a:r>
               <a:rPr lang="zh-CN" altLang="en-US" sz="6000" dirty="0"/>
-              <a:t>研究意义</a:t>
+              <a:t>研究现状</a:t>
             </a:r>
             <a:endParaRPr lang="zh-CN" altLang="en-US" sz="6000" dirty="0"/>
           </a:p>
@@ -10253,7 +11399,7 @@
 </p:sld>
 </file>
 
-<file path=ppt/slides/slide4.xml><?xml version="1.0" encoding="utf-8"?>
+<file path=ppt/slides/slide7.xml><?xml version="1.0" encoding="utf-8"?>
 <p:sld xmlns:a="http://schemas.openxmlformats.org/drawingml/2006/main" xmlns:r="http://schemas.openxmlformats.org/officeDocument/2006/relationships" xmlns:p="http://schemas.openxmlformats.org/presentationml/2006/main">
   <p:cSld>
     <p:spTree>
@@ -10461,8 +11607,8 @@
         </p:nvSpPr>
         <p:spPr>
           <a:xfrm>
-            <a:off x="300675" y="100513"/>
-            <a:ext cx="4064000" cy="646331"/>
+            <a:off x="1187450" y="441325"/>
+            <a:ext cx="4064000" cy="368300"/>
           </a:xfrm>
           <a:prstGeom prst="rect">
             <a:avLst/>
@@ -10475,24 +11621,20 @@
           </a:bodyPr>
           <a:lstStyle/>
           <a:p>
-            <a:r>
-              <a:rPr lang="zh-CN" altLang="en-US" sz="3600" dirty="0"/>
-              <a:t>研究意义</a:t>
-            </a:r>
-            <a:endParaRPr lang="zh-CN" altLang="en-US" sz="3600" dirty="0"/>
-          </a:p>
-        </p:txBody>
-      </p:sp>
-      <p:sp>
-        <p:nvSpPr>
-          <p:cNvPr id="8" name="文本框 7"/>
+            <a:endParaRPr lang="zh-CN" altLang="en-US"/>
+          </a:p>
+        </p:txBody>
+      </p:sp>
+      <p:sp>
+        <p:nvSpPr>
+          <p:cNvPr id="4" name="文本框 3"/>
           <p:cNvSpPr txBox="1"/>
           <p:nvPr/>
         </p:nvSpPr>
         <p:spPr>
           <a:xfrm>
-            <a:off x="502024" y="995789"/>
-            <a:ext cx="11205882" cy="5996385"/>
+            <a:off x="881743" y="1058620"/>
+            <a:ext cx="10482943" cy="2611997"/>
           </a:xfrm>
           <a:prstGeom prst="rect">
             <a:avLst/>
@@ -10505,172 +11647,91 @@
           </a:bodyPr>
           <a:lstStyle/>
           <a:p>
-            <a:pPr marL="457200" indent="-457200">
-              <a:lnSpc>
-                <a:spcPct val="150000"/>
-              </a:lnSpc>
-              <a:buFont typeface="Arial" panose="020B0604020202020204" pitchFamily="34" charset="0"/>
-              <a:buChar char="•"/>
-            </a:pPr>
-            <a:r>
-              <a:rPr lang="zh-CN" altLang="en-US" sz="2800" dirty="0">
-                <a:latin typeface="+mn-ea"/>
-              </a:rPr>
-              <a:t>医疗影像是目前临床上疾病筛查、诊断、治疗和评估的重要工具。</a:t>
-            </a:r>
-            <a:endParaRPr lang="en-US" altLang="zh-CN" sz="2800" dirty="0">
-              <a:latin typeface="+mn-ea"/>
-            </a:endParaRPr>
-          </a:p>
-          <a:p>
-            <a:pPr marL="457200" indent="-457200" algn="l">
-              <a:lnSpc>
-                <a:spcPct val="150000"/>
-              </a:lnSpc>
-              <a:buFont typeface="Arial" panose="020B0604020202020204" pitchFamily="34" charset="0"/>
-              <a:buChar char="•"/>
-            </a:pPr>
-            <a:r>
-              <a:rPr lang="zh-CN" altLang="en-US" sz="2800" i="0" dirty="0">
-                <a:effectLst/>
-                <a:latin typeface="-apple-system"/>
-              </a:rPr>
-              <a:t>在图像分割方面</a:t>
-            </a:r>
-            <a:r>
-              <a:rPr lang="en-US" altLang="zh-CN" sz="2800" i="0" dirty="0">
-                <a:effectLst/>
-                <a:latin typeface="-apple-system"/>
-              </a:rPr>
-              <a:t>,</a:t>
-            </a:r>
-            <a:r>
-              <a:rPr lang="zh-CN" altLang="en-US" sz="2800" i="0" dirty="0">
-                <a:effectLst/>
-                <a:latin typeface="-apple-system"/>
-              </a:rPr>
-              <a:t>全卷积网络</a:t>
-            </a:r>
-            <a:r>
-              <a:rPr lang="en-US" altLang="zh-CN" sz="2800" i="0" dirty="0">
-                <a:effectLst/>
-                <a:latin typeface="-apple-system"/>
-              </a:rPr>
-              <a:t>(FCN)</a:t>
-            </a:r>
-            <a:r>
-              <a:rPr lang="zh-CN" altLang="en-US" sz="2800" i="0" dirty="0">
-                <a:effectLst/>
-                <a:latin typeface="-apple-system"/>
-              </a:rPr>
-              <a:t>、</a:t>
-            </a:r>
-            <a:r>
-              <a:rPr lang="en-US" altLang="zh-CN" sz="2800" i="0" dirty="0">
-                <a:effectLst/>
-                <a:latin typeface="-apple-system"/>
-              </a:rPr>
-              <a:t>U-Net</a:t>
-            </a:r>
-            <a:r>
-              <a:rPr lang="zh-CN" altLang="en-US" sz="2800" i="0" dirty="0">
-                <a:effectLst/>
-                <a:latin typeface="-apple-system"/>
-              </a:rPr>
-              <a:t>等模型极大地提高了分割精度。基于深度学习的分割模型已经在组织和病变分割中取得普遍应用。</a:t>
-            </a:r>
-            <a:endParaRPr lang="zh-CN" altLang="en-US" sz="2800" i="0" dirty="0">
-              <a:effectLst/>
-              <a:latin typeface="-apple-system"/>
-            </a:endParaRPr>
-          </a:p>
-          <a:p>
-            <a:pPr marL="457200" indent="-457200" algn="l">
-              <a:lnSpc>
-                <a:spcPct val="150000"/>
-              </a:lnSpc>
-              <a:buFont typeface="Arial" panose="020B0604020202020204" pitchFamily="34" charset="0"/>
-              <a:buChar char="•"/>
-            </a:pPr>
-            <a:r>
-              <a:rPr lang="zh-CN" altLang="en-US" sz="2800" i="0" dirty="0">
-                <a:effectLst/>
-                <a:latin typeface="-apple-system"/>
-              </a:rPr>
-              <a:t>在病变检测中</a:t>
-            </a:r>
-            <a:r>
-              <a:rPr lang="en-US" altLang="zh-CN" sz="2800" i="0" dirty="0">
-                <a:effectLst/>
-                <a:latin typeface="-apple-system"/>
-              </a:rPr>
-              <a:t>,</a:t>
-            </a:r>
-            <a:r>
-              <a:rPr lang="zh-CN" altLang="en-US" sz="2800" i="0" dirty="0">
-                <a:effectLst/>
-                <a:latin typeface="-apple-system"/>
-              </a:rPr>
-              <a:t>区域卷积神经网络</a:t>
-            </a:r>
-            <a:r>
-              <a:rPr lang="en-US" altLang="zh-CN" sz="2800" i="0" dirty="0">
-                <a:effectLst/>
-                <a:latin typeface="-apple-system"/>
-              </a:rPr>
-              <a:t>(R-CNN)</a:t>
-            </a:r>
-            <a:r>
-              <a:rPr lang="zh-CN" altLang="en-US" sz="2800" i="0" dirty="0">
-                <a:effectLst/>
-                <a:latin typeface="-apple-system"/>
-              </a:rPr>
-              <a:t>系列模型也获得广泛采用。利用特征金字塔网络进行多尺度特征提取</a:t>
-            </a:r>
-            <a:r>
-              <a:rPr lang="en-US" altLang="zh-CN" sz="2800" i="0" dirty="0">
-                <a:effectLst/>
-                <a:latin typeface="-apple-system"/>
-              </a:rPr>
-              <a:t>,</a:t>
-            </a:r>
-            <a:r>
-              <a:rPr lang="zh-CN" altLang="en-US" sz="2800" i="0" dirty="0">
-                <a:effectLst/>
-                <a:latin typeface="-apple-system"/>
-              </a:rPr>
-              <a:t>结合区域提议网络实现了病变的精确定位。</a:t>
-            </a:r>
-            <a:endParaRPr lang="zh-CN" altLang="en-US" sz="2800" i="0" dirty="0">
-              <a:effectLst/>
-              <a:latin typeface="-apple-system"/>
-            </a:endParaRPr>
-          </a:p>
-          <a:p>
-            <a:pPr>
-              <a:lnSpc>
-                <a:spcPct val="150000"/>
-              </a:lnSpc>
-              <a:spcBef>
-                <a:spcPts val="600"/>
-              </a:spcBef>
-              <a:spcAft>
-                <a:spcPts val="600"/>
-              </a:spcAft>
-            </a:pPr>
-            <a:endParaRPr lang="zh-CN" altLang="en-US" sz="2800" dirty="0">
-              <a:latin typeface="+mn-ea"/>
-            </a:endParaRPr>
-          </a:p>
-          <a:p>
             <a:pPr>
               <a:lnSpc>
                 <a:spcPct val="150000"/>
               </a:lnSpc>
             </a:pPr>
-            <a:endParaRPr lang="en-US" altLang="zh-CN" sz="2800" dirty="0">
-              <a:latin typeface="PingFang SC" panose="020B0400000000000000" charset="-122"/>
-            </a:endParaRPr>
+            <a:r>
+              <a:rPr lang="zh-CN" altLang="en-US" sz="2800" b="0" i="0" dirty="0">
+                <a:effectLst/>
+                <a:latin typeface="-apple-system"/>
+              </a:rPr>
+              <a:t>机器学习系统通常假设训练分布和测试分布是相同的。为此</a:t>
+            </a:r>
+            <a:r>
+              <a:rPr lang="en-US" altLang="zh-CN" sz="2800" b="0" i="0" dirty="0">
+                <a:effectLst/>
+                <a:latin typeface="-apple-system"/>
+              </a:rPr>
+              <a:t>,</a:t>
+            </a:r>
+            <a:r>
+              <a:rPr lang="zh-CN" altLang="en-US" sz="2800" b="0" i="0" dirty="0">
+                <a:effectLst/>
+                <a:latin typeface="-apple-system"/>
+              </a:rPr>
+              <a:t>一个关键要求是开发能够泛化到未见分布的模型。域泛化（</a:t>
+            </a:r>
+            <a:r>
+              <a:rPr lang="en-US" altLang="zh-CN" sz="2800" b="0" i="0" dirty="0">
+                <a:effectLst/>
+                <a:latin typeface="-apple-system"/>
+              </a:rPr>
+              <a:t>domain generalization</a:t>
+            </a:r>
+            <a:r>
+              <a:rPr lang="zh-CN" altLang="en-US" sz="2800" b="0" i="0" dirty="0">
+                <a:effectLst/>
+                <a:latin typeface="-apple-system"/>
+              </a:rPr>
+              <a:t>），也叫分布外泛化（</a:t>
+            </a:r>
+            <a:r>
+              <a:rPr lang="en-US" altLang="zh-CN" sz="2800" dirty="0"/>
+              <a:t>out-of-distribution generalization</a:t>
+            </a:r>
+            <a:r>
+              <a:rPr lang="zh-CN" altLang="en-US" sz="2800" b="0" i="0" dirty="0">
+                <a:effectLst/>
+                <a:latin typeface="-apple-system"/>
+              </a:rPr>
+              <a:t>），近年来受到了越来越多的关注。</a:t>
+            </a:r>
+            <a:endParaRPr lang="zh-CN" altLang="en-US" sz="2800" dirty="0"/>
+          </a:p>
+        </p:txBody>
+      </p:sp>
+      <p:sp>
+        <p:nvSpPr>
+          <p:cNvPr id="5" name="文本框 4"/>
+          <p:cNvSpPr txBox="1"/>
+          <p:nvPr/>
+        </p:nvSpPr>
+        <p:spPr>
+          <a:xfrm>
+            <a:off x="300675" y="100513"/>
+            <a:ext cx="4064000" cy="645160"/>
+          </a:xfrm>
+          <a:prstGeom prst="rect">
+            <a:avLst/>
+          </a:prstGeom>
+          <a:noFill/>
+        </p:spPr>
+        <p:txBody>
+          <a:bodyPr wrap="square" rtlCol="0">
+            <a:spAutoFit/>
+          </a:bodyPr>
+          <a:p>
+            <a:r>
+              <a:rPr lang="zh-CN" altLang="en-US" sz="3600" dirty="0"/>
+              <a:t>研究</a:t>
+            </a:r>
+            <a:r>
+              <a:rPr lang="zh-CN" altLang="en-US" sz="3600" dirty="0"/>
+              <a:t>现状</a:t>
+            </a:r>
+            <a:endParaRPr lang="zh-CN" altLang="en-US" sz="3600" dirty="0"/>
           </a:p>
         </p:txBody>
       </p:sp>
@@ -10682,7 +11743,7 @@
 </p:sld>
 </file>
 
-<file path=ppt/slides/slide5.xml><?xml version="1.0" encoding="utf-8"?>
+<file path=ppt/slides/slide8.xml><?xml version="1.0" encoding="utf-8"?>
 <p:sld xmlns:a="http://schemas.openxmlformats.org/drawingml/2006/main" xmlns:r="http://schemas.openxmlformats.org/officeDocument/2006/relationships" xmlns:p="http://schemas.openxmlformats.org/presentationml/2006/main">
   <p:cSld>
     <p:spTree>
@@ -10916,8 +11977,8 @@
         </p:nvSpPr>
         <p:spPr>
           <a:xfrm>
-            <a:off x="630857" y="1485900"/>
-            <a:ext cx="11225783" cy="3258328"/>
+            <a:off x="1013196" y="1377053"/>
+            <a:ext cx="10323232" cy="1384995"/>
           </a:xfrm>
           <a:prstGeom prst="rect">
             <a:avLst/>
@@ -10930,70 +11991,83 @@
           </a:bodyPr>
           <a:lstStyle/>
           <a:p>
-            <a:pPr marL="457200" indent="-457200">
-              <a:lnSpc>
-                <a:spcPct val="150000"/>
-              </a:lnSpc>
-              <a:buFont typeface="Arial" panose="020B0604020202020204" pitchFamily="34" charset="0"/>
-              <a:buChar char="•"/>
-            </a:pPr>
-            <a:r>
-              <a:rPr lang="zh-CN" altLang="en-US" sz="2800" dirty="0"/>
-              <a:t>传统的机器学习模型是基于训练和测试数据独立同分布（</a:t>
+            <a:r>
+              <a:rPr lang="zh-CN" altLang="en-US" sz="2800" b="0" i="0" dirty="0">
+                <a:effectLst/>
+                <a:latin typeface="-apple-system"/>
+              </a:rPr>
+              <a:t>域泛化处理这样一个具有挑战性的问题</a:t>
+            </a:r>
+            <a:r>
+              <a:rPr lang="en-US" altLang="zh-CN" sz="2800" dirty="0">
+                <a:latin typeface="-apple-system"/>
+              </a:rPr>
+              <a:t>:</a:t>
+            </a:r>
+            <a:endParaRPr lang="en-US" altLang="zh-CN" sz="2800" dirty="0">
+              <a:latin typeface="-apple-system"/>
+            </a:endParaRPr>
+          </a:p>
+          <a:p>
+            <a:r>
+              <a:rPr lang="zh-CN" altLang="en-US" sz="2800" b="0" i="0" dirty="0">
+                <a:effectLst/>
+                <a:latin typeface="-apple-system"/>
+              </a:rPr>
+              <a:t>给出一个或多个不同但相关的域</a:t>
             </a:r>
             <a:r>
               <a:rPr lang="en-US" altLang="zh-CN" sz="2800" b="0" i="0" dirty="0">
                 <a:effectLst/>
                 <a:latin typeface="-apple-system"/>
               </a:rPr>
-              <a:t>independent and identically distributed</a:t>
-            </a:r>
-            <a:r>
-              <a:rPr lang="zh-CN" altLang="en-US" sz="2800" dirty="0"/>
-              <a:t>）的假设进行训练的。</a:t>
-            </a:r>
-            <a:endParaRPr lang="en-US" altLang="zh-CN" sz="2800" dirty="0"/>
-          </a:p>
-          <a:p>
-            <a:pPr marL="457200" indent="-457200">
-              <a:lnSpc>
-                <a:spcPct val="150000"/>
-              </a:lnSpc>
-              <a:buFont typeface="Arial" panose="020B0604020202020204" pitchFamily="34" charset="0"/>
-              <a:buChar char="•"/>
-            </a:pPr>
-            <a:r>
-              <a:rPr lang="zh-CN" altLang="en-US" sz="2800" dirty="0"/>
-              <a:t>收集所有可能域的数据来训练模型十分昂贵，甚至是不可能的。</a:t>
-            </a:r>
-            <a:endParaRPr lang="en-US" altLang="zh-CN" sz="2800" dirty="0"/>
-          </a:p>
-          <a:p>
-            <a:pPr marL="457200" indent="-457200">
-              <a:lnSpc>
-                <a:spcPct val="150000"/>
-              </a:lnSpc>
-              <a:buFont typeface="Arial" panose="020B0604020202020204" pitchFamily="34" charset="0"/>
-              <a:buChar char="•"/>
-            </a:pPr>
-            <a:r>
-              <a:rPr lang="zh-CN" altLang="en-US" sz="2800" dirty="0"/>
-              <a:t>因此，提高机器学习模型的泛化能力在工业和学术领域都具有重要意义。</a:t>
+              <a:t>,</a:t>
+            </a:r>
+            <a:r>
+              <a:rPr lang="zh-CN" altLang="en-US" sz="2800" b="0" i="0" dirty="0">
+                <a:effectLst/>
+                <a:latin typeface="-apple-system"/>
+              </a:rPr>
+              <a:t>目标是学习一个能够泛化到未见测试域的模型。</a:t>
             </a:r>
             <a:endParaRPr lang="zh-CN" altLang="en-US" sz="2800" dirty="0"/>
           </a:p>
         </p:txBody>
       </p:sp>
-      <p:sp>
-        <p:nvSpPr>
-          <p:cNvPr id="5" name="文本框 4"/>
+      <p:pic>
+        <p:nvPicPr>
+          <p:cNvPr id="5" name="图片 4"/>
+          <p:cNvPicPr>
+            <a:picLocks noChangeAspect="1"/>
+          </p:cNvPicPr>
+          <p:nvPr/>
+        </p:nvPicPr>
+        <p:blipFill>
+          <a:blip r:embed="rId3"/>
+          <a:stretch>
+            <a:fillRect/>
+          </a:stretch>
+        </p:blipFill>
+        <p:spPr>
+          <a:xfrm>
+            <a:off x="914136" y="2988640"/>
+            <a:ext cx="10000031" cy="3675224"/>
+          </a:xfrm>
+          <a:prstGeom prst="rect">
+            <a:avLst/>
+          </a:prstGeom>
+        </p:spPr>
+      </p:pic>
+      <p:sp>
+        <p:nvSpPr>
+          <p:cNvPr id="3" name="文本框 2"/>
           <p:cNvSpPr txBox="1"/>
           <p:nvPr/>
         </p:nvSpPr>
         <p:spPr>
           <a:xfrm>
             <a:off x="300675" y="100513"/>
-            <a:ext cx="4064000" cy="646331"/>
+            <a:ext cx="4064000" cy="645160"/>
           </a:xfrm>
           <a:prstGeom prst="rect">
             <a:avLst/>
@@ -11004,11 +12078,14 @@
           <a:bodyPr wrap="square" rtlCol="0">
             <a:spAutoFit/>
           </a:bodyPr>
-          <a:lstStyle/>
           <a:p>
             <a:r>
               <a:rPr lang="zh-CN" altLang="en-US" sz="3600" dirty="0"/>
-              <a:t>研究意义</a:t>
+              <a:t>研究</a:t>
+            </a:r>
+            <a:r>
+              <a:rPr lang="zh-CN" altLang="en-US" sz="3600" dirty="0"/>
+              <a:t>现状</a:t>
             </a:r>
             <a:endParaRPr lang="zh-CN" altLang="en-US" sz="3600" dirty="0"/>
           </a:p>
@@ -11022,7 +12099,7 @@
 </p:sld>
 </file>
 
-<file path=ppt/slides/slide6.xml><?xml version="1.0" encoding="utf-8"?>
+<file path=ppt/slides/slide9.xml><?xml version="1.0" encoding="utf-8"?>
 <p:sld xmlns:a="http://schemas.openxmlformats.org/drawingml/2006/main" xmlns:r="http://schemas.openxmlformats.org/officeDocument/2006/relationships" xmlns:p="http://schemas.openxmlformats.org/presentationml/2006/main">
   <p:cSld>
     <p:spTree>
@@ -11256,8 +12333,8 @@
         </p:nvSpPr>
         <p:spPr>
           <a:xfrm>
-            <a:off x="3722945" y="2676343"/>
-            <a:ext cx="4190305" cy="1015663"/>
+            <a:off x="1479176" y="1366800"/>
+            <a:ext cx="9233647" cy="5201617"/>
           </a:xfrm>
           <a:prstGeom prst="rect">
             <a:avLst/>
@@ -11270,240 +12347,123 @@
           </a:bodyPr>
           <a:lstStyle/>
           <a:p>
-            <a:r>
-              <a:rPr lang="zh-CN" altLang="en-US" sz="6000" dirty="0"/>
-              <a:t>二</a:t>
-            </a:r>
-            <a:r>
-              <a:rPr lang="en-US" altLang="zh-CN" sz="6000" dirty="0"/>
-              <a:t>.</a:t>
-            </a:r>
-            <a:r>
-              <a:rPr lang="zh-CN" altLang="en-US" sz="6000" dirty="0"/>
-              <a:t>研究现状</a:t>
-            </a:r>
-            <a:endParaRPr lang="zh-CN" altLang="en-US" sz="6000" dirty="0"/>
-          </a:p>
-        </p:txBody>
-      </p:sp>
-    </p:spTree>
-  </p:cSld>
-  <p:clrMapOvr>
-    <a:masterClrMapping/>
-  </p:clrMapOvr>
-</p:sld>
-</file>
-
-<file path=ppt/slides/slide7.xml><?xml version="1.0" encoding="utf-8"?>
-<p:sld xmlns:a="http://schemas.openxmlformats.org/drawingml/2006/main" xmlns:r="http://schemas.openxmlformats.org/officeDocument/2006/relationships" xmlns:p="http://schemas.openxmlformats.org/presentationml/2006/main">
-  <p:cSld>
-    <p:spTree>
-      <p:nvGrpSpPr>
-        <p:cNvPr id="1" name=""/>
-        <p:cNvGrpSpPr/>
-        <p:nvPr/>
-      </p:nvGrpSpPr>
-      <p:grpSpPr>
-        <a:xfrm>
-          <a:off x="0" y="0"/>
-          <a:ext cx="0" cy="0"/>
-          <a:chOff x="0" y="0"/>
-          <a:chExt cx="0" cy="0"/>
-        </a:xfrm>
-      </p:grpSpPr>
-      <p:cxnSp>
-        <p:nvCxnSpPr>
-          <p:cNvPr id="7" name="直接连接符 6"/>
-          <p:cNvCxnSpPr/>
-          <p:nvPr/>
-        </p:nvCxnSpPr>
-        <p:spPr>
-          <a:xfrm>
-            <a:off x="367840" y="809674"/>
-            <a:ext cx="11488800" cy="0"/>
-          </a:xfrm>
-          <a:prstGeom prst="line">
-            <a:avLst/>
-          </a:prstGeom>
-          <a:ln w="9525">
-            <a:solidFill>
-              <a:srgbClr val="024282"/>
-            </a:solidFill>
-          </a:ln>
-        </p:spPr>
-        <p:style>
-          <a:lnRef idx="1">
-            <a:schemeClr val="accent1"/>
-          </a:lnRef>
-          <a:fillRef idx="0">
-            <a:schemeClr val="accent1"/>
-          </a:fillRef>
-          <a:effectRef idx="0">
-            <a:schemeClr val="accent1"/>
-          </a:effectRef>
-          <a:fontRef idx="minor">
-            <a:schemeClr val="tx1"/>
-          </a:fontRef>
-        </p:style>
-      </p:cxnSp>
-      <p:grpSp>
-        <p:nvGrpSpPr>
-          <p:cNvPr id="43" name="组合 42"/>
-          <p:cNvGrpSpPr/>
-          <p:nvPr/>
-        </p:nvGrpSpPr>
-        <p:grpSpPr>
-          <a:xfrm>
-            <a:off x="9456920" y="74604"/>
-            <a:ext cx="2489626" cy="672240"/>
-            <a:chOff x="4638341" y="609261"/>
-            <a:chExt cx="5755951" cy="1554197"/>
-          </a:xfrm>
-        </p:grpSpPr>
-        <p:pic>
-          <p:nvPicPr>
-            <p:cNvPr id="45" name="图片 44"/>
-            <p:cNvPicPr>
-              <a:picLocks noChangeAspect="1"/>
-            </p:cNvPicPr>
-            <p:nvPr/>
-          </p:nvPicPr>
-          <p:blipFill>
-            <a:blip r:embed="rId1" cstate="print">
-              <a:extLst>
-                <a:ext uri="{28A0092B-C50C-407E-A947-70E740481C1C}">
-                  <a14:useLocalDpi xmlns:a14="http://schemas.microsoft.com/office/drawing/2010/main" val="0"/>
-                </a:ext>
-              </a:extLst>
-            </a:blip>
-            <a:srcRect/>
-            <a:stretch>
-              <a:fillRect/>
-            </a:stretch>
-          </p:blipFill>
-          <p:spPr>
-            <a:xfrm>
-              <a:off x="4638341" y="609261"/>
-              <a:ext cx="1502034" cy="1502030"/>
-            </a:xfrm>
-            <a:prstGeom prst="rect">
-              <a:avLst/>
-            </a:prstGeom>
-          </p:spPr>
-        </p:pic>
-        <p:pic>
-          <p:nvPicPr>
-            <p:cNvPr id="46" name="图片 45"/>
-            <p:cNvPicPr>
-              <a:picLocks noChangeAspect="1"/>
-            </p:cNvPicPr>
-            <p:nvPr/>
-          </p:nvPicPr>
-          <p:blipFill>
-            <a:blip r:embed="rId2" cstate="print">
-              <a:extLst>
-                <a:ext uri="{28A0092B-C50C-407E-A947-70E740481C1C}">
-                  <a14:useLocalDpi xmlns:a14="http://schemas.microsoft.com/office/drawing/2010/main" val="0"/>
-                </a:ext>
-              </a:extLst>
-            </a:blip>
-            <a:srcRect/>
-            <a:stretch>
-              <a:fillRect/>
-            </a:stretch>
-          </p:blipFill>
-          <p:spPr>
-            <a:xfrm>
-              <a:off x="6206343" y="750075"/>
-              <a:ext cx="4060280" cy="983091"/>
-            </a:xfrm>
-            <a:prstGeom prst="rect">
-              <a:avLst/>
-            </a:prstGeom>
-          </p:spPr>
-        </p:pic>
-        <p:sp>
-          <p:nvSpPr>
-            <p:cNvPr id="47" name="矩形 46"/>
-            <p:cNvSpPr/>
-            <p:nvPr/>
-          </p:nvSpPr>
-          <p:spPr>
-            <a:xfrm>
-              <a:off x="6206343" y="1665358"/>
-              <a:ext cx="4187949" cy="498100"/>
-            </a:xfrm>
-            <a:prstGeom prst="rect">
-              <a:avLst/>
-            </a:prstGeom>
-          </p:spPr>
-          <p:txBody>
-            <a:bodyPr wrap="square">
-              <a:spAutoFit/>
-            </a:bodyPr>
-            <a:lstStyle/>
-            <a:p>
-              <a:pPr marL="0" marR="0" lvl="0" indent="0" algn="dist" defTabSz="914400" rtl="0" eaLnBrk="1" fontAlgn="auto" latinLnBrk="0" hangingPunct="1">
-                <a:lnSpc>
-                  <a:spcPct val="100000"/>
-                </a:lnSpc>
-                <a:spcBef>
-                  <a:spcPts val="0"/>
-                </a:spcBef>
-                <a:spcAft>
-                  <a:spcPts val="0"/>
-                </a:spcAft>
-                <a:buClrTx/>
-                <a:buSzTx/>
-                <a:buFontTx/>
-                <a:buNone/>
-                <a:defRPr/>
-              </a:pPr>
-              <a:r>
-                <a:rPr kumimoji="0" lang="en-US" altLang="zh-CN" sz="800" b="1" i="0" u="none" strike="noStrike" kern="1200" cap="none" spc="0" normalizeH="0" baseline="0" noProof="0" dirty="0">
-                  <a:ln>
-                    <a:noFill/>
-                  </a:ln>
-                  <a:solidFill>
-                    <a:srgbClr val="024282"/>
-                  </a:solidFill>
-                  <a:effectLst/>
-                  <a:uLnTx/>
-                  <a:uFillTx/>
-                  <a:latin typeface="Calibri" panose="020F0502020204030204"/>
-                  <a:ea typeface="宋体" pitchFamily="2" charset="-122"/>
-                  <a:cs typeface="+mn-cs"/>
-                </a:rPr>
-                <a:t>BEIJING UNIVERSITY OF TECHNOLOGY</a:t>
-              </a:r>
-              <a:endParaRPr kumimoji="0" lang="en-US" altLang="zh-CN" sz="800" b="1" i="0" u="none" strike="noStrike" kern="1200" cap="none" spc="0" normalizeH="0" baseline="0" noProof="0" dirty="0">
-                <a:ln>
-                  <a:noFill/>
-                </a:ln>
-                <a:solidFill>
-                  <a:srgbClr val="024282"/>
-                </a:solidFill>
-                <a:effectLst/>
-                <a:uLnTx/>
-                <a:uFillTx/>
-                <a:latin typeface="Calibri" panose="020F0502020204030204"/>
-                <a:ea typeface="宋体" pitchFamily="2" charset="-122"/>
-                <a:cs typeface="+mn-cs"/>
-              </a:endParaRPr>
-            </a:p>
-          </p:txBody>
-        </p:sp>
-      </p:grpSp>
-      <p:sp>
-        <p:nvSpPr>
-          <p:cNvPr id="2" name="文本框 1"/>
+            <a:pPr>
+              <a:lnSpc>
+                <a:spcPct val="150000"/>
+              </a:lnSpc>
+            </a:pPr>
+            <a:r>
+              <a:rPr lang="zh-CN" altLang="en-US" sz="2800" dirty="0"/>
+              <a:t>现有的域泛化方法可以分为如下几类：</a:t>
+            </a:r>
+            <a:endParaRPr lang="en-US" altLang="zh-CN" sz="2800" dirty="0"/>
+          </a:p>
+          <a:p>
+            <a:pPr marL="571500" indent="-571500">
+              <a:lnSpc>
+                <a:spcPct val="150000"/>
+              </a:lnSpc>
+              <a:buFont typeface="Arial" panose="020B0604020202020204" pitchFamily="34" charset="0"/>
+              <a:buChar char="•"/>
+            </a:pPr>
+            <a:r>
+              <a:rPr lang="zh-CN" altLang="en-US" sz="3600" dirty="0"/>
+              <a:t>数据操纵</a:t>
+            </a:r>
+            <a:endParaRPr lang="en-US" altLang="zh-CN" sz="3600" dirty="0"/>
+          </a:p>
+          <a:p>
+            <a:pPr marL="1028700" lvl="1" indent="-571500">
+              <a:lnSpc>
+                <a:spcPct val="150000"/>
+              </a:lnSpc>
+              <a:buFont typeface="Arial" panose="020B0604020202020204" pitchFamily="34" charset="0"/>
+              <a:buChar char="•"/>
+            </a:pPr>
+            <a:r>
+              <a:rPr lang="zh-CN" altLang="en-US" sz="2000" dirty="0"/>
+              <a:t>数据增强</a:t>
+            </a:r>
+            <a:endParaRPr lang="en-US" altLang="zh-CN" sz="2000" dirty="0"/>
+          </a:p>
+          <a:p>
+            <a:pPr marL="1028700" lvl="1" indent="-571500">
+              <a:lnSpc>
+                <a:spcPct val="150000"/>
+              </a:lnSpc>
+              <a:buFont typeface="Arial" panose="020B0604020202020204" pitchFamily="34" charset="0"/>
+              <a:buChar char="•"/>
+            </a:pPr>
+            <a:r>
+              <a:rPr lang="zh-CN" altLang="en-US" sz="2000" dirty="0"/>
+              <a:t>数据生成</a:t>
+            </a:r>
+            <a:endParaRPr lang="en-US" altLang="zh-CN" sz="2000" dirty="0"/>
+          </a:p>
+          <a:p>
+            <a:pPr marL="571500" indent="-571500">
+              <a:lnSpc>
+                <a:spcPct val="150000"/>
+              </a:lnSpc>
+              <a:buFont typeface="Arial" panose="020B0604020202020204" pitchFamily="34" charset="0"/>
+              <a:buChar char="•"/>
+            </a:pPr>
+            <a:r>
+              <a:rPr lang="zh-CN" altLang="en-US" sz="3600" dirty="0"/>
+              <a:t>表征学习</a:t>
+            </a:r>
+            <a:endParaRPr lang="en-US" altLang="zh-CN" sz="3600" dirty="0"/>
+          </a:p>
+          <a:p>
+            <a:pPr marL="1028700" lvl="1" indent="-571500">
+              <a:lnSpc>
+                <a:spcPct val="150000"/>
+              </a:lnSpc>
+              <a:buFont typeface="Arial" panose="020B0604020202020204" pitchFamily="34" charset="0"/>
+              <a:buChar char="•"/>
+            </a:pPr>
+            <a:r>
+              <a:rPr lang="zh-CN" altLang="en-US" sz="2000" dirty="0"/>
+              <a:t>域不变表征学习</a:t>
+            </a:r>
+            <a:endParaRPr lang="en-US" altLang="zh-CN" sz="2000" dirty="0"/>
+          </a:p>
+          <a:p>
+            <a:pPr marL="1028700" lvl="1" indent="-571500">
+              <a:lnSpc>
+                <a:spcPct val="150000"/>
+              </a:lnSpc>
+              <a:buFont typeface="Arial" panose="020B0604020202020204" pitchFamily="34" charset="0"/>
+              <a:buChar char="•"/>
+            </a:pPr>
+            <a:r>
+              <a:rPr lang="zh-CN" altLang="en-US" sz="2000" dirty="0"/>
+              <a:t>特征解耦学习</a:t>
+            </a:r>
+            <a:endParaRPr lang="en-US" altLang="zh-CN" sz="2000" dirty="0"/>
+          </a:p>
+          <a:p>
+            <a:pPr marL="1028700" lvl="1" indent="-571500">
+              <a:lnSpc>
+                <a:spcPct val="200000"/>
+              </a:lnSpc>
+              <a:buFont typeface="Arial" panose="020B0604020202020204" pitchFamily="34" charset="0"/>
+              <a:buChar char="•"/>
+            </a:pPr>
+            <a:endParaRPr lang="en-US" altLang="zh-CN" sz="3600" dirty="0"/>
+          </a:p>
+        </p:txBody>
+      </p:sp>
+      <p:sp>
+        <p:nvSpPr>
+          <p:cNvPr id="5" name="文本框 4"/>
           <p:cNvSpPr txBox="1"/>
           <p:nvPr/>
         </p:nvSpPr>
         <p:spPr>
           <a:xfrm>
-            <a:off x="1187450" y="441960"/>
-            <a:ext cx="4064000" cy="368300"/>
+            <a:off x="300675" y="100513"/>
+            <a:ext cx="4064000" cy="645160"/>
           </a:xfrm>
           <a:prstGeom prst="rect">
             <a:avLst/>
@@ -11514,670 +12474,19 @@
           <a:bodyPr wrap="square" rtlCol="0">
             <a:spAutoFit/>
           </a:bodyPr>
-          <a:lstStyle/>
-          <a:p>
-            <a:endParaRPr lang="zh-CN" altLang="en-US"/>
-          </a:p>
-        </p:txBody>
-      </p:sp>
-      <p:sp>
-        <p:nvSpPr>
-          <p:cNvPr id="4" name="文本框 3"/>
-          <p:cNvSpPr txBox="1"/>
-          <p:nvPr/>
-        </p:nvSpPr>
-        <p:spPr>
-          <a:xfrm>
-            <a:off x="881743" y="1058620"/>
-            <a:ext cx="10482943" cy="2611997"/>
-          </a:xfrm>
-          <a:prstGeom prst="rect">
-            <a:avLst/>
-          </a:prstGeom>
-          <a:noFill/>
-        </p:spPr>
-        <p:txBody>
-          <a:bodyPr wrap="square">
-            <a:spAutoFit/>
-          </a:bodyPr>
-          <a:lstStyle/>
-          <a:p>
-            <a:pPr>
-              <a:lnSpc>
-                <a:spcPct val="150000"/>
-              </a:lnSpc>
-            </a:pPr>
-            <a:r>
-              <a:rPr lang="zh-CN" altLang="en-US" sz="2800" b="0" i="0" dirty="0">
-                <a:effectLst/>
-                <a:latin typeface="-apple-system"/>
-              </a:rPr>
-              <a:t>机器学习系统通常假设训练分布和测试分布是相同的。为此</a:t>
-            </a:r>
-            <a:r>
-              <a:rPr lang="en-US" altLang="zh-CN" sz="2800" b="0" i="0" dirty="0">
-                <a:effectLst/>
-                <a:latin typeface="-apple-system"/>
-              </a:rPr>
-              <a:t>,</a:t>
-            </a:r>
-            <a:r>
-              <a:rPr lang="zh-CN" altLang="en-US" sz="2800" b="0" i="0" dirty="0">
-                <a:effectLst/>
-                <a:latin typeface="-apple-system"/>
-              </a:rPr>
-              <a:t>一个关键要求是开发能够泛化到未见分布的模型。域泛化（</a:t>
-            </a:r>
-            <a:r>
-              <a:rPr lang="en-US" altLang="zh-CN" sz="2800" b="0" i="0" dirty="0">
-                <a:effectLst/>
-                <a:latin typeface="-apple-system"/>
-              </a:rPr>
-              <a:t>domain generalization</a:t>
-            </a:r>
-            <a:r>
-              <a:rPr lang="zh-CN" altLang="en-US" sz="2800" b="0" i="0" dirty="0">
-                <a:effectLst/>
-                <a:latin typeface="-apple-system"/>
-              </a:rPr>
-              <a:t>），也叫分布外泛化（</a:t>
-            </a:r>
-            <a:r>
-              <a:rPr lang="en-US" altLang="zh-CN" sz="2800" dirty="0"/>
-              <a:t>out-of-distribution generalization</a:t>
-            </a:r>
-            <a:r>
-              <a:rPr lang="zh-CN" altLang="en-US" sz="2800" b="0" i="0" dirty="0">
-                <a:effectLst/>
-                <a:latin typeface="-apple-system"/>
-              </a:rPr>
-              <a:t>），近年来受到了越来越多的关注。</a:t>
-            </a:r>
-            <a:endParaRPr lang="zh-CN" altLang="en-US" sz="2800" dirty="0"/>
-          </a:p>
-        </p:txBody>
-      </p:sp>
-    </p:spTree>
-  </p:cSld>
-  <p:clrMapOvr>
-    <a:masterClrMapping/>
-  </p:clrMapOvr>
-</p:sld>
-</file>
-
-<file path=ppt/slides/slide8.xml><?xml version="1.0" encoding="utf-8"?>
-<p:sld xmlns:a="http://schemas.openxmlformats.org/drawingml/2006/main" xmlns:r="http://schemas.openxmlformats.org/officeDocument/2006/relationships" xmlns:p="http://schemas.openxmlformats.org/presentationml/2006/main">
-  <p:cSld>
-    <p:spTree>
-      <p:nvGrpSpPr>
-        <p:cNvPr id="1" name=""/>
-        <p:cNvGrpSpPr/>
-        <p:nvPr/>
-      </p:nvGrpSpPr>
-      <p:grpSpPr>
-        <a:xfrm>
-          <a:off x="0" y="0"/>
-          <a:ext cx="0" cy="0"/>
-          <a:chOff x="0" y="0"/>
-          <a:chExt cx="0" cy="0"/>
-        </a:xfrm>
-      </p:grpSpPr>
-      <p:cxnSp>
-        <p:nvCxnSpPr>
-          <p:cNvPr id="7" name="直接连接符 6"/>
-          <p:cNvCxnSpPr/>
-          <p:nvPr/>
-        </p:nvCxnSpPr>
-        <p:spPr>
-          <a:xfrm>
-            <a:off x="367840" y="809674"/>
-            <a:ext cx="11488800" cy="0"/>
-          </a:xfrm>
-          <a:prstGeom prst="line">
-            <a:avLst/>
-          </a:prstGeom>
-          <a:ln w="9525">
-            <a:solidFill>
-              <a:srgbClr val="024282"/>
-            </a:solidFill>
-          </a:ln>
-        </p:spPr>
-        <p:style>
-          <a:lnRef idx="1">
-            <a:schemeClr val="accent1"/>
-          </a:lnRef>
-          <a:fillRef idx="0">
-            <a:schemeClr val="accent1"/>
-          </a:fillRef>
-          <a:effectRef idx="0">
-            <a:schemeClr val="accent1"/>
-          </a:effectRef>
-          <a:fontRef idx="minor">
-            <a:schemeClr val="tx1"/>
-          </a:fontRef>
-        </p:style>
-      </p:cxnSp>
-      <p:grpSp>
-        <p:nvGrpSpPr>
-          <p:cNvPr id="43" name="组合 42"/>
-          <p:cNvGrpSpPr/>
-          <p:nvPr/>
-        </p:nvGrpSpPr>
-        <p:grpSpPr>
-          <a:xfrm>
-            <a:off x="9456920" y="74604"/>
-            <a:ext cx="2489626" cy="672240"/>
-            <a:chOff x="4638341" y="609261"/>
-            <a:chExt cx="5755951" cy="1554197"/>
-          </a:xfrm>
-        </p:grpSpPr>
-        <p:pic>
-          <p:nvPicPr>
-            <p:cNvPr id="45" name="图片 44"/>
-            <p:cNvPicPr>
-              <a:picLocks noChangeAspect="1"/>
-            </p:cNvPicPr>
-            <p:nvPr/>
-          </p:nvPicPr>
-          <p:blipFill>
-            <a:blip r:embed="rId1" cstate="print">
-              <a:extLst>
-                <a:ext uri="{28A0092B-C50C-407E-A947-70E740481C1C}">
-                  <a14:useLocalDpi xmlns:a14="http://schemas.microsoft.com/office/drawing/2010/main" val="0"/>
-                </a:ext>
-              </a:extLst>
-            </a:blip>
-            <a:srcRect/>
-            <a:stretch>
-              <a:fillRect/>
-            </a:stretch>
-          </p:blipFill>
-          <p:spPr>
-            <a:xfrm>
-              <a:off x="4638341" y="609261"/>
-              <a:ext cx="1502034" cy="1502030"/>
-            </a:xfrm>
-            <a:prstGeom prst="rect">
-              <a:avLst/>
-            </a:prstGeom>
-          </p:spPr>
-        </p:pic>
-        <p:pic>
-          <p:nvPicPr>
-            <p:cNvPr id="46" name="图片 45"/>
-            <p:cNvPicPr>
-              <a:picLocks noChangeAspect="1"/>
-            </p:cNvPicPr>
-            <p:nvPr/>
-          </p:nvPicPr>
-          <p:blipFill>
-            <a:blip r:embed="rId2" cstate="print">
-              <a:extLst>
-                <a:ext uri="{28A0092B-C50C-407E-A947-70E740481C1C}">
-                  <a14:useLocalDpi xmlns:a14="http://schemas.microsoft.com/office/drawing/2010/main" val="0"/>
-                </a:ext>
-              </a:extLst>
-            </a:blip>
-            <a:srcRect/>
-            <a:stretch>
-              <a:fillRect/>
-            </a:stretch>
-          </p:blipFill>
-          <p:spPr>
-            <a:xfrm>
-              <a:off x="6206343" y="750075"/>
-              <a:ext cx="4060280" cy="983091"/>
-            </a:xfrm>
-            <a:prstGeom prst="rect">
-              <a:avLst/>
-            </a:prstGeom>
-          </p:spPr>
-        </p:pic>
-        <p:sp>
-          <p:nvSpPr>
-            <p:cNvPr id="47" name="矩形 46"/>
-            <p:cNvSpPr/>
-            <p:nvPr/>
-          </p:nvSpPr>
-          <p:spPr>
-            <a:xfrm>
-              <a:off x="6206343" y="1665358"/>
-              <a:ext cx="4187949" cy="498100"/>
-            </a:xfrm>
-            <a:prstGeom prst="rect">
-              <a:avLst/>
-            </a:prstGeom>
-          </p:spPr>
-          <p:txBody>
-            <a:bodyPr wrap="square">
-              <a:spAutoFit/>
-            </a:bodyPr>
-            <a:lstStyle/>
-            <a:p>
-              <a:pPr marL="0" marR="0" lvl="0" indent="0" algn="dist" defTabSz="914400" rtl="0" eaLnBrk="1" fontAlgn="auto" latinLnBrk="0" hangingPunct="1">
-                <a:lnSpc>
-                  <a:spcPct val="100000"/>
-                </a:lnSpc>
-                <a:spcBef>
-                  <a:spcPts val="0"/>
-                </a:spcBef>
-                <a:spcAft>
-                  <a:spcPts val="0"/>
-                </a:spcAft>
-                <a:buClrTx/>
-                <a:buSzTx/>
-                <a:buFontTx/>
-                <a:buNone/>
-                <a:defRPr/>
-              </a:pPr>
-              <a:r>
-                <a:rPr kumimoji="0" lang="en-US" altLang="zh-CN" sz="800" b="1" i="0" u="none" strike="noStrike" kern="1200" cap="none" spc="0" normalizeH="0" baseline="0" noProof="0" dirty="0">
-                  <a:ln>
-                    <a:noFill/>
-                  </a:ln>
-                  <a:solidFill>
-                    <a:srgbClr val="024282"/>
-                  </a:solidFill>
-                  <a:effectLst/>
-                  <a:uLnTx/>
-                  <a:uFillTx/>
-                  <a:latin typeface="Calibri" panose="020F0502020204030204"/>
-                  <a:ea typeface="宋体" pitchFamily="2" charset="-122"/>
-                  <a:cs typeface="+mn-cs"/>
-                </a:rPr>
-                <a:t>BEIJING UNIVERSITY OF TECHNOLOGY</a:t>
-              </a:r>
-              <a:endParaRPr kumimoji="0" lang="en-US" altLang="zh-CN" sz="800" b="1" i="0" u="none" strike="noStrike" kern="1200" cap="none" spc="0" normalizeH="0" baseline="0" noProof="0" dirty="0">
-                <a:ln>
-                  <a:noFill/>
-                </a:ln>
-                <a:solidFill>
-                  <a:srgbClr val="024282"/>
-                </a:solidFill>
-                <a:effectLst/>
-                <a:uLnTx/>
-                <a:uFillTx/>
-                <a:latin typeface="Calibri" panose="020F0502020204030204"/>
-                <a:ea typeface="宋体" pitchFamily="2" charset="-122"/>
-                <a:cs typeface="+mn-cs"/>
-              </a:endParaRPr>
-            </a:p>
-          </p:txBody>
-        </p:sp>
-      </p:grpSp>
-      <p:sp>
-        <p:nvSpPr>
-          <p:cNvPr id="2" name="文本框 1"/>
-          <p:cNvSpPr txBox="1"/>
-          <p:nvPr/>
-        </p:nvSpPr>
-        <p:spPr>
-          <a:xfrm>
-            <a:off x="1187450" y="441960"/>
-            <a:ext cx="4064000" cy="368300"/>
-          </a:xfrm>
-          <a:prstGeom prst="rect">
-            <a:avLst/>
-          </a:prstGeom>
-          <a:noFill/>
-        </p:spPr>
-        <p:txBody>
-          <a:bodyPr wrap="square" rtlCol="0">
-            <a:spAutoFit/>
-          </a:bodyPr>
-          <a:lstStyle/>
-          <a:p>
-            <a:endParaRPr lang="zh-CN" altLang="en-US"/>
-          </a:p>
-        </p:txBody>
-      </p:sp>
-      <p:sp>
-        <p:nvSpPr>
-          <p:cNvPr id="4" name="文本框 3"/>
-          <p:cNvSpPr txBox="1"/>
-          <p:nvPr/>
-        </p:nvSpPr>
-        <p:spPr>
-          <a:xfrm>
-            <a:off x="1013196" y="1377053"/>
-            <a:ext cx="10323232" cy="1384995"/>
-          </a:xfrm>
-          <a:prstGeom prst="rect">
-            <a:avLst/>
-          </a:prstGeom>
-          <a:noFill/>
-        </p:spPr>
-        <p:txBody>
-          <a:bodyPr wrap="square">
-            <a:spAutoFit/>
-          </a:bodyPr>
-          <a:lstStyle/>
-          <a:p>
-            <a:r>
-              <a:rPr lang="zh-CN" altLang="en-US" sz="2800" b="0" i="0" dirty="0">
-                <a:effectLst/>
-                <a:latin typeface="-apple-system"/>
-              </a:rPr>
-              <a:t>域泛化处理这样一个具有挑战性的问题</a:t>
-            </a:r>
-            <a:r>
-              <a:rPr lang="en-US" altLang="zh-CN" sz="2800" dirty="0">
-                <a:latin typeface="-apple-system"/>
-              </a:rPr>
-              <a:t>:</a:t>
-            </a:r>
-            <a:endParaRPr lang="en-US" altLang="zh-CN" sz="2800" dirty="0">
-              <a:latin typeface="-apple-system"/>
-            </a:endParaRPr>
-          </a:p>
-          <a:p>
-            <a:r>
-              <a:rPr lang="zh-CN" altLang="en-US" sz="2800" b="0" i="0" dirty="0">
-                <a:effectLst/>
-                <a:latin typeface="-apple-system"/>
-              </a:rPr>
-              <a:t>给出一个或多个不同但相关的域</a:t>
-            </a:r>
-            <a:r>
-              <a:rPr lang="en-US" altLang="zh-CN" sz="2800" b="0" i="0" dirty="0">
-                <a:effectLst/>
-                <a:latin typeface="-apple-system"/>
-              </a:rPr>
-              <a:t>,</a:t>
-            </a:r>
-            <a:r>
-              <a:rPr lang="zh-CN" altLang="en-US" sz="2800" b="0" i="0" dirty="0">
-                <a:effectLst/>
-                <a:latin typeface="-apple-system"/>
-              </a:rPr>
-              <a:t>目标是学习一个能够泛化到未见测试域的模型。</a:t>
-            </a:r>
-            <a:endParaRPr lang="zh-CN" altLang="en-US" sz="2800" dirty="0"/>
-          </a:p>
-        </p:txBody>
-      </p:sp>
-      <p:pic>
-        <p:nvPicPr>
-          <p:cNvPr id="5" name="图片 4"/>
-          <p:cNvPicPr>
-            <a:picLocks noChangeAspect="1"/>
-          </p:cNvPicPr>
-          <p:nvPr/>
-        </p:nvPicPr>
-        <p:blipFill>
-          <a:blip r:embed="rId3"/>
-          <a:stretch>
-            <a:fillRect/>
-          </a:stretch>
-        </p:blipFill>
-        <p:spPr>
-          <a:xfrm>
-            <a:off x="914136" y="2988640"/>
-            <a:ext cx="10000031" cy="3675224"/>
-          </a:xfrm>
-          <a:prstGeom prst="rect">
-            <a:avLst/>
-          </a:prstGeom>
-        </p:spPr>
-      </p:pic>
-    </p:spTree>
-  </p:cSld>
-  <p:clrMapOvr>
-    <a:masterClrMapping/>
-  </p:clrMapOvr>
-</p:sld>
-</file>
-
-<file path=ppt/slides/slide9.xml><?xml version="1.0" encoding="utf-8"?>
-<p:sld xmlns:a="http://schemas.openxmlformats.org/drawingml/2006/main" xmlns:r="http://schemas.openxmlformats.org/officeDocument/2006/relationships" xmlns:p="http://schemas.openxmlformats.org/presentationml/2006/main">
-  <p:cSld>
-    <p:spTree>
-      <p:nvGrpSpPr>
-        <p:cNvPr id="1" name=""/>
-        <p:cNvGrpSpPr/>
-        <p:nvPr/>
-      </p:nvGrpSpPr>
-      <p:grpSpPr>
-        <a:xfrm>
-          <a:off x="0" y="0"/>
-          <a:ext cx="0" cy="0"/>
-          <a:chOff x="0" y="0"/>
-          <a:chExt cx="0" cy="0"/>
-        </a:xfrm>
-      </p:grpSpPr>
-      <p:cxnSp>
-        <p:nvCxnSpPr>
-          <p:cNvPr id="7" name="直接连接符 6"/>
-          <p:cNvCxnSpPr/>
-          <p:nvPr/>
-        </p:nvCxnSpPr>
-        <p:spPr>
-          <a:xfrm>
-            <a:off x="367840" y="809674"/>
-            <a:ext cx="11488800" cy="0"/>
-          </a:xfrm>
-          <a:prstGeom prst="line">
-            <a:avLst/>
-          </a:prstGeom>
-          <a:ln w="9525">
-            <a:solidFill>
-              <a:srgbClr val="024282"/>
-            </a:solidFill>
-          </a:ln>
-        </p:spPr>
-        <p:style>
-          <a:lnRef idx="1">
-            <a:schemeClr val="accent1"/>
-          </a:lnRef>
-          <a:fillRef idx="0">
-            <a:schemeClr val="accent1"/>
-          </a:fillRef>
-          <a:effectRef idx="0">
-            <a:schemeClr val="accent1"/>
-          </a:effectRef>
-          <a:fontRef idx="minor">
-            <a:schemeClr val="tx1"/>
-          </a:fontRef>
-        </p:style>
-      </p:cxnSp>
-      <p:grpSp>
-        <p:nvGrpSpPr>
-          <p:cNvPr id="43" name="组合 42"/>
-          <p:cNvGrpSpPr/>
-          <p:nvPr/>
-        </p:nvGrpSpPr>
-        <p:grpSpPr>
-          <a:xfrm>
-            <a:off x="9456920" y="74604"/>
-            <a:ext cx="2489626" cy="672240"/>
-            <a:chOff x="4638341" y="609261"/>
-            <a:chExt cx="5755951" cy="1554197"/>
-          </a:xfrm>
-        </p:grpSpPr>
-        <p:pic>
-          <p:nvPicPr>
-            <p:cNvPr id="45" name="图片 44"/>
-            <p:cNvPicPr>
-              <a:picLocks noChangeAspect="1"/>
-            </p:cNvPicPr>
-            <p:nvPr/>
-          </p:nvPicPr>
-          <p:blipFill>
-            <a:blip r:embed="rId1" cstate="print">
-              <a:extLst>
-                <a:ext uri="{28A0092B-C50C-407E-A947-70E740481C1C}">
-                  <a14:useLocalDpi xmlns:a14="http://schemas.microsoft.com/office/drawing/2010/main" val="0"/>
-                </a:ext>
-              </a:extLst>
-            </a:blip>
-            <a:srcRect/>
-            <a:stretch>
-              <a:fillRect/>
-            </a:stretch>
-          </p:blipFill>
-          <p:spPr>
-            <a:xfrm>
-              <a:off x="4638341" y="609261"/>
-              <a:ext cx="1502034" cy="1502030"/>
-            </a:xfrm>
-            <a:prstGeom prst="rect">
-              <a:avLst/>
-            </a:prstGeom>
-          </p:spPr>
-        </p:pic>
-        <p:pic>
-          <p:nvPicPr>
-            <p:cNvPr id="46" name="图片 45"/>
-            <p:cNvPicPr>
-              <a:picLocks noChangeAspect="1"/>
-            </p:cNvPicPr>
-            <p:nvPr/>
-          </p:nvPicPr>
-          <p:blipFill>
-            <a:blip r:embed="rId2" cstate="print">
-              <a:extLst>
-                <a:ext uri="{28A0092B-C50C-407E-A947-70E740481C1C}">
-                  <a14:useLocalDpi xmlns:a14="http://schemas.microsoft.com/office/drawing/2010/main" val="0"/>
-                </a:ext>
-              </a:extLst>
-            </a:blip>
-            <a:srcRect/>
-            <a:stretch>
-              <a:fillRect/>
-            </a:stretch>
-          </p:blipFill>
-          <p:spPr>
-            <a:xfrm>
-              <a:off x="6206343" y="750075"/>
-              <a:ext cx="4060280" cy="983091"/>
-            </a:xfrm>
-            <a:prstGeom prst="rect">
-              <a:avLst/>
-            </a:prstGeom>
-          </p:spPr>
-        </p:pic>
-        <p:sp>
-          <p:nvSpPr>
-            <p:cNvPr id="47" name="矩形 46"/>
-            <p:cNvSpPr/>
-            <p:nvPr/>
-          </p:nvSpPr>
-          <p:spPr>
-            <a:xfrm>
-              <a:off x="6206343" y="1665358"/>
-              <a:ext cx="4187949" cy="498100"/>
-            </a:xfrm>
-            <a:prstGeom prst="rect">
-              <a:avLst/>
-            </a:prstGeom>
-          </p:spPr>
-          <p:txBody>
-            <a:bodyPr wrap="square">
-              <a:spAutoFit/>
-            </a:bodyPr>
-            <a:lstStyle/>
-            <a:p>
-              <a:pPr marL="0" marR="0" lvl="0" indent="0" algn="dist" defTabSz="914400" rtl="0" eaLnBrk="1" fontAlgn="auto" latinLnBrk="0" hangingPunct="1">
-                <a:lnSpc>
-                  <a:spcPct val="100000"/>
-                </a:lnSpc>
-                <a:spcBef>
-                  <a:spcPts val="0"/>
-                </a:spcBef>
-                <a:spcAft>
-                  <a:spcPts val="0"/>
-                </a:spcAft>
-                <a:buClrTx/>
-                <a:buSzTx/>
-                <a:buFontTx/>
-                <a:buNone/>
-                <a:defRPr/>
-              </a:pPr>
-              <a:r>
-                <a:rPr kumimoji="0" lang="en-US" altLang="zh-CN" sz="800" b="1" i="0" u="none" strike="noStrike" kern="1200" cap="none" spc="0" normalizeH="0" baseline="0" noProof="0" dirty="0">
-                  <a:ln>
-                    <a:noFill/>
-                  </a:ln>
-                  <a:solidFill>
-                    <a:srgbClr val="024282"/>
-                  </a:solidFill>
-                  <a:effectLst/>
-                  <a:uLnTx/>
-                  <a:uFillTx/>
-                  <a:latin typeface="Calibri" panose="020F0502020204030204"/>
-                  <a:ea typeface="宋体" pitchFamily="2" charset="-122"/>
-                  <a:cs typeface="+mn-cs"/>
-                </a:rPr>
-                <a:t>BEIJING UNIVERSITY OF TECHNOLOGY</a:t>
-              </a:r>
-              <a:endParaRPr kumimoji="0" lang="en-US" altLang="zh-CN" sz="800" b="1" i="0" u="none" strike="noStrike" kern="1200" cap="none" spc="0" normalizeH="0" baseline="0" noProof="0" dirty="0">
-                <a:ln>
-                  <a:noFill/>
-                </a:ln>
-                <a:solidFill>
-                  <a:srgbClr val="024282"/>
-                </a:solidFill>
-                <a:effectLst/>
-                <a:uLnTx/>
-                <a:uFillTx/>
-                <a:latin typeface="Calibri" panose="020F0502020204030204"/>
-                <a:ea typeface="宋体" pitchFamily="2" charset="-122"/>
-                <a:cs typeface="+mn-cs"/>
-              </a:endParaRPr>
-            </a:p>
-          </p:txBody>
-        </p:sp>
-      </p:grpSp>
-      <p:sp>
-        <p:nvSpPr>
-          <p:cNvPr id="2" name="文本框 1"/>
-          <p:cNvSpPr txBox="1"/>
-          <p:nvPr/>
-        </p:nvSpPr>
-        <p:spPr>
-          <a:xfrm>
-            <a:off x="1187450" y="441960"/>
-            <a:ext cx="4064000" cy="368300"/>
-          </a:xfrm>
-          <a:prstGeom prst="rect">
-            <a:avLst/>
-          </a:prstGeom>
-          <a:noFill/>
-        </p:spPr>
-        <p:txBody>
-          <a:bodyPr wrap="square" rtlCol="0">
-            <a:spAutoFit/>
-          </a:bodyPr>
-          <a:lstStyle/>
-          <a:p>
-            <a:endParaRPr lang="zh-CN" altLang="en-US"/>
-          </a:p>
-        </p:txBody>
-      </p:sp>
-      <p:pic>
-        <p:nvPicPr>
-          <p:cNvPr id="4" name="图片 3"/>
-          <p:cNvPicPr>
-            <a:picLocks noChangeAspect="1"/>
-          </p:cNvPicPr>
-          <p:nvPr/>
-        </p:nvPicPr>
-        <p:blipFill>
-          <a:blip r:embed="rId3"/>
-          <a:stretch>
-            <a:fillRect/>
-          </a:stretch>
-        </p:blipFill>
-        <p:spPr>
-          <a:xfrm>
-            <a:off x="597250" y="1720823"/>
-            <a:ext cx="10734597" cy="4003877"/>
-          </a:xfrm>
-          <a:prstGeom prst="rect">
-            <a:avLst/>
-          </a:prstGeom>
-        </p:spPr>
-      </p:pic>
+          <a:p>
+            <a:r>
+              <a:rPr lang="zh-CN" altLang="en-US" sz="3600" dirty="0"/>
+              <a:t>研究</a:t>
+            </a:r>
+            <a:r>
+              <a:rPr lang="zh-CN" altLang="en-US" sz="3600" dirty="0"/>
+              <a:t>现状</a:t>
+            </a:r>
+            <a:endParaRPr lang="zh-CN" altLang="en-US" sz="3600" dirty="0"/>
+          </a:p>
+        </p:txBody>
+      </p:sp>
     </p:spTree>
   </p:cSld>
   <p:clrMapOvr>
